--- a/Scratch for Newbies/Level1/Lesson 5 - Find the Bug/Notes/Notes.pptx
+++ b/Scratch for Newbies/Level1/Lesson 5 - Find the Bug/Notes/Notes.pptx
@@ -5,7 +5,7 @@
     <p:sldMasterId id="2147483648" r:id="rId1"/>
   </p:sldMasterIdLst>
   <p:notesMasterIdLst>
-    <p:notesMasterId r:id="rId15"/>
+    <p:notesMasterId r:id="rId24"/>
   </p:notesMasterIdLst>
   <p:sldIdLst>
     <p:sldId id="259" r:id="rId2"/>
@@ -18,9 +18,18 @@
     <p:sldId id="450" r:id="rId9"/>
     <p:sldId id="447" r:id="rId10"/>
     <p:sldId id="451" r:id="rId11"/>
-    <p:sldId id="383" r:id="rId12"/>
-    <p:sldId id="443" r:id="rId13"/>
-    <p:sldId id="319" r:id="rId14"/>
+    <p:sldId id="452" r:id="rId12"/>
+    <p:sldId id="453" r:id="rId13"/>
+    <p:sldId id="454" r:id="rId14"/>
+    <p:sldId id="457" r:id="rId15"/>
+    <p:sldId id="458" r:id="rId16"/>
+    <p:sldId id="460" r:id="rId17"/>
+    <p:sldId id="461" r:id="rId18"/>
+    <p:sldId id="455" r:id="rId19"/>
+    <p:sldId id="456" r:id="rId20"/>
+    <p:sldId id="383" r:id="rId21"/>
+    <p:sldId id="443" r:id="rId22"/>
+    <p:sldId id="319" r:id="rId23"/>
   </p:sldIdLst>
   <p:sldSz cx="12192000" cy="6858000"/>
   <p:notesSz cx="6858000" cy="9144000"/>
@@ -220,7 +229,7 @@
           <a:p>
             <a:fld id="{1147297C-06E1-4B62-AA21-F05F5B88E178}" type="datetimeFigureOut">
               <a:rPr lang="zh-CN" altLang="en-US" smtClean="0"/>
-              <a:t>2024/12/14</a:t>
+              <a:t>2024/12/17</a:t>
             </a:fld>
             <a:endParaRPr lang="zh-CN" altLang="en-US"/>
           </a:p>
@@ -637,7 +646,7 @@
           <a:p>
             <a:fld id="{4023CD3E-1ACA-4ABC-A7C3-AE6EDCC1D047}" type="datetime1">
               <a:rPr lang="zh-CN" altLang="en-US" smtClean="0"/>
-              <a:t>2024/12/14</a:t>
+              <a:t>2024/12/17</a:t>
             </a:fld>
             <a:endParaRPr lang="zh-CN" altLang="en-US"/>
           </a:p>
@@ -837,7 +846,7 @@
           <a:p>
             <a:fld id="{46FEC84B-BDA6-4394-A5DC-761CC97902A2}" type="datetime1">
               <a:rPr lang="zh-CN" altLang="en-US" smtClean="0"/>
-              <a:t>2024/12/14</a:t>
+              <a:t>2024/12/17</a:t>
             </a:fld>
             <a:endParaRPr lang="zh-CN" altLang="en-US"/>
           </a:p>
@@ -1047,7 +1056,7 @@
           <a:p>
             <a:fld id="{EECEE064-21DA-485D-93FF-A8D005D0BACF}" type="datetime1">
               <a:rPr lang="zh-CN" altLang="en-US" smtClean="0"/>
-              <a:t>2024/12/14</a:t>
+              <a:t>2024/12/17</a:t>
             </a:fld>
             <a:endParaRPr lang="zh-CN" altLang="en-US"/>
           </a:p>
@@ -1247,7 +1256,7 @@
           <a:p>
             <a:fld id="{E99E488B-2EE6-4D29-A22A-AB91A65553BA}" type="datetime1">
               <a:rPr lang="zh-CN" altLang="en-US" smtClean="0"/>
-              <a:t>2024/12/14</a:t>
+              <a:t>2024/12/17</a:t>
             </a:fld>
             <a:endParaRPr lang="zh-CN" altLang="en-US"/>
           </a:p>
@@ -1523,7 +1532,7 @@
           <a:p>
             <a:fld id="{3421F69C-EC83-4748-9F42-207B0B7F7AEF}" type="datetime1">
               <a:rPr lang="zh-CN" altLang="en-US" smtClean="0"/>
-              <a:t>2024/12/14</a:t>
+              <a:t>2024/12/17</a:t>
             </a:fld>
             <a:endParaRPr lang="zh-CN" altLang="en-US"/>
           </a:p>
@@ -1791,7 +1800,7 @@
           <a:p>
             <a:fld id="{B299948A-4763-4EE0-97C0-D473B84BFE2B}" type="datetime1">
               <a:rPr lang="zh-CN" altLang="en-US" smtClean="0"/>
-              <a:t>2024/12/14</a:t>
+              <a:t>2024/12/17</a:t>
             </a:fld>
             <a:endParaRPr lang="zh-CN" altLang="en-US"/>
           </a:p>
@@ -2206,7 +2215,7 @@
           <a:p>
             <a:fld id="{9A2FD7C2-6438-4C8D-9885-EF594F129AF2}" type="datetime1">
               <a:rPr lang="zh-CN" altLang="en-US" smtClean="0"/>
-              <a:t>2024/12/14</a:t>
+              <a:t>2024/12/17</a:t>
             </a:fld>
             <a:endParaRPr lang="zh-CN" altLang="en-US"/>
           </a:p>
@@ -2348,7 +2357,7 @@
           <a:p>
             <a:fld id="{CED928C2-0FFC-4AD4-B896-4895AE4FE342}" type="datetime1">
               <a:rPr lang="zh-CN" altLang="en-US" smtClean="0"/>
-              <a:t>2024/12/14</a:t>
+              <a:t>2024/12/17</a:t>
             </a:fld>
             <a:endParaRPr lang="zh-CN" altLang="en-US"/>
           </a:p>
@@ -2461,7 +2470,7 @@
           <a:p>
             <a:fld id="{FA4C0A94-C2B5-4F29-B85C-45CA87678128}" type="datetime1">
               <a:rPr lang="zh-CN" altLang="en-US" smtClean="0"/>
-              <a:t>2024/12/14</a:t>
+              <a:t>2024/12/17</a:t>
             </a:fld>
             <a:endParaRPr lang="zh-CN" altLang="en-US"/>
           </a:p>
@@ -2774,7 +2783,7 @@
           <a:p>
             <a:fld id="{F4E08264-F49F-49C9-A7F4-9095CA867FFE}" type="datetime1">
               <a:rPr lang="zh-CN" altLang="en-US" smtClean="0"/>
-              <a:t>2024/12/14</a:t>
+              <a:t>2024/12/17</a:t>
             </a:fld>
             <a:endParaRPr lang="zh-CN" altLang="en-US"/>
           </a:p>
@@ -3063,7 +3072,7 @@
           <a:p>
             <a:fld id="{DB82EF23-268D-49B9-906A-158FBE8CE46C}" type="datetime1">
               <a:rPr lang="zh-CN" altLang="en-US" smtClean="0"/>
-              <a:t>2024/12/14</a:t>
+              <a:t>2024/12/17</a:t>
             </a:fld>
             <a:endParaRPr lang="zh-CN" altLang="en-US"/>
           </a:p>
@@ -3306,7 +3315,7 @@
           <a:p>
             <a:fld id="{F39741DB-35F8-42F3-A018-9E7E52FFF065}" type="datetime1">
               <a:rPr lang="zh-CN" altLang="en-US" smtClean="0"/>
-              <a:t>2024/12/14</a:t>
+              <a:t>2024/12/17</a:t>
             </a:fld>
             <a:endParaRPr lang="zh-CN" altLang="en-US"/>
           </a:p>
@@ -5167,7 +5176,7 @@
         <p:cNvPr id="1" name="">
           <a:extLst>
             <a:ext uri="{FF2B5EF4-FFF2-40B4-BE49-F238E27FC236}">
-              <a16:creationId xmlns:a16="http://schemas.microsoft.com/office/drawing/2014/main" id="{B0638B88-A28D-0D98-6790-AFD73D028E78}"/>
+              <a16:creationId xmlns:a16="http://schemas.microsoft.com/office/drawing/2014/main" id="{197F9F45-7ABB-26E6-7BC7-6432C92ED3CC}"/>
             </a:ext>
           </a:extLst>
         </p:cNvPr>
@@ -5187,7 +5196,7 @@
           <p:cNvPr id="6" name="Rectangle 5">
             <a:extLst>
               <a:ext uri="{FF2B5EF4-FFF2-40B4-BE49-F238E27FC236}">
-                <a16:creationId xmlns:a16="http://schemas.microsoft.com/office/drawing/2014/main" id="{52E115B1-EE40-3BB7-072F-C694ABBC3CDA}"/>
+                <a16:creationId xmlns:a16="http://schemas.microsoft.com/office/drawing/2014/main" id="{5174E7FE-A19F-7143-DD7B-2547FECCC0B3}"/>
               </a:ext>
             </a:extLst>
           </p:cNvPr>
@@ -5239,7 +5248,7 @@
           <p:cNvPr id="2" name="Slide Number Placeholder 1">
             <a:extLst>
               <a:ext uri="{FF2B5EF4-FFF2-40B4-BE49-F238E27FC236}">
-                <a16:creationId xmlns:a16="http://schemas.microsoft.com/office/drawing/2014/main" id="{6B14C209-5E11-9F64-6579-48902F3047ED}"/>
+                <a16:creationId xmlns:a16="http://schemas.microsoft.com/office/drawing/2014/main" id="{9AF11C3E-1AE5-0461-A344-33A6BD93EBF4}"/>
               </a:ext>
             </a:extLst>
           </p:cNvPr>
@@ -5287,7 +5296,7 @@
           <p:cNvPr id="4" name="Google Shape;867;p33">
             <a:extLst>
               <a:ext uri="{FF2B5EF4-FFF2-40B4-BE49-F238E27FC236}">
-                <a16:creationId xmlns:a16="http://schemas.microsoft.com/office/drawing/2014/main" id="{8C54911E-C7A1-4CEC-EBF1-0B16D4B61B9B}"/>
+                <a16:creationId xmlns:a16="http://schemas.microsoft.com/office/drawing/2014/main" id="{CA75827B-3ED0-21A3-E5CF-5BCA00D98B78}"/>
               </a:ext>
             </a:extLst>
           </p:cNvPr>
@@ -5574,17 +5583,54 @@
                 <a:latin typeface="Amatic SC" panose="020F0502020204030204" pitchFamily="2" charset="-79"/>
                 <a:cs typeface="Amatic SC" panose="020F0502020204030204" pitchFamily="2" charset="-79"/>
               </a:rPr>
-              <a:t>What we learnt…</a:t>
+              <a:t>Ladybug Sprite</a:t>
             </a:r>
           </a:p>
         </p:txBody>
       </p:sp>
+      <p:pic>
+        <p:nvPicPr>
+          <p:cNvPr id="5" name="Graphic 4">
+            <a:extLst>
+              <a:ext uri="{FF2B5EF4-FFF2-40B4-BE49-F238E27FC236}">
+                <a16:creationId xmlns:a16="http://schemas.microsoft.com/office/drawing/2014/main" id="{7E8CDDC6-2A88-32C6-62AA-C9A583C75EB5}"/>
+              </a:ext>
+            </a:extLst>
+          </p:cNvPr>
+          <p:cNvPicPr>
+            <a:picLocks noChangeAspect="1"/>
+          </p:cNvPicPr>
+          <p:nvPr/>
+        </p:nvPicPr>
+        <p:blipFill>
+          <a:blip r:embed="rId2">
+            <a:alphaModFix amt="80000"/>
+            <a:extLst>
+              <a:ext uri="{96DAC541-7B7A-43D3-8B79-37D633B846F1}">
+                <asvg:svgBlip xmlns:asvg="http://schemas.microsoft.com/office/drawing/2016/SVG/main" r:embed="rId3"/>
+              </a:ext>
+            </a:extLst>
+          </a:blip>
+          <a:stretch>
+            <a:fillRect/>
+          </a:stretch>
+        </p:blipFill>
+        <p:spPr>
+          <a:xfrm>
+            <a:off x="3280762" y="1619389"/>
+            <a:ext cx="5630475" cy="4163379"/>
+          </a:xfrm>
+          <a:prstGeom prst="rect">
+            <a:avLst/>
+          </a:prstGeom>
+        </p:spPr>
+      </p:pic>
       <p:sp>
         <p:nvSpPr>
           <p:cNvPr id="7" name="TextBox 6">
             <a:extLst>
               <a:ext uri="{FF2B5EF4-FFF2-40B4-BE49-F238E27FC236}">
-                <a16:creationId xmlns:a16="http://schemas.microsoft.com/office/drawing/2014/main" id="{746CF1E8-DC14-458F-9658-3E32EF64E0E4}"/>
+                <a16:creationId xmlns:a16="http://schemas.microsoft.com/office/drawing/2014/main" id="{F8506D11-5F9D-E237-4E80-91D96CA794F2}"/>
               </a:ext>
             </a:extLst>
           </p:cNvPr>
@@ -5593,8 +5639,8 @@
         </p:nvSpPr>
         <p:spPr>
           <a:xfrm>
-            <a:off x="1265150" y="2757261"/>
-            <a:ext cx="4048530" cy="2123658"/>
+            <a:off x="4071734" y="5111751"/>
+            <a:ext cx="4048530" cy="830997"/>
           </a:xfrm>
           <a:prstGeom prst="rect">
             <a:avLst/>
@@ -5609,7 +5655,7 @@
           <a:p>
             <a:pPr algn="ctr"/>
             <a:r>
-              <a:rPr lang="en-US" altLang="zh-CN" sz="4400" dirty="0">
+              <a:rPr lang="en-US" altLang="zh-CN" sz="4800" dirty="0">
                 <a:solidFill>
                   <a:schemeClr val="bg1">
                     <a:lumMod val="75000"/>
@@ -5617,32 +5663,9 @@
                 </a:solidFill>
                 <a:latin typeface="High Tower Text" panose="02040502050506030303" pitchFamily="18" charset="0"/>
               </a:rPr>
-              <a:t>How to change sprite </a:t>
+              <a:t>Ladybug2</a:t>
             </a:r>
-            <a:r>
-              <a:rPr lang="en-US" altLang="zh-CN" sz="4400" dirty="0">
-                <a:solidFill>
-                  <a:schemeClr val="accent2">
-                    <a:lumMod val="60000"/>
-                    <a:lumOff val="40000"/>
-                  </a:schemeClr>
-                </a:solidFill>
-                <a:latin typeface="High Tower Text" panose="02040502050506030303" pitchFamily="18" charset="0"/>
-              </a:rPr>
-              <a:t>size</a:t>
-            </a:r>
-            <a:r>
-              <a:rPr lang="en-US" altLang="zh-CN" sz="4400" dirty="0">
-                <a:solidFill>
-                  <a:schemeClr val="bg1">
-                    <a:lumMod val="75000"/>
-                  </a:schemeClr>
-                </a:solidFill>
-                <a:latin typeface="High Tower Text" panose="02040502050506030303" pitchFamily="18" charset="0"/>
-              </a:rPr>
-              <a:t> using block</a:t>
-            </a:r>
-            <a:endParaRPr lang="zh-CN" altLang="en-US" sz="4400" dirty="0">
+            <a:endParaRPr lang="zh-CN" altLang="en-US" sz="4800" dirty="0">
               <a:solidFill>
                 <a:schemeClr val="bg1">
                   <a:lumMod val="75000"/>
@@ -5653,46 +5676,10 @@
           </a:p>
         </p:txBody>
       </p:sp>
-      <p:pic>
-        <p:nvPicPr>
-          <p:cNvPr id="3" name="Picture 2" descr="A purple rectangle with white text and a circle with black text&#10;&#10;Description automatically generated">
-            <a:extLst>
-              <a:ext uri="{FF2B5EF4-FFF2-40B4-BE49-F238E27FC236}">
-                <a16:creationId xmlns:a16="http://schemas.microsoft.com/office/drawing/2014/main" id="{0D5B4824-D4E9-4CE7-C84E-EE743E88F8C3}"/>
-              </a:ext>
-            </a:extLst>
-          </p:cNvPr>
-          <p:cNvPicPr>
-            <a:picLocks noChangeAspect="1"/>
-          </p:cNvPicPr>
-          <p:nvPr/>
-        </p:nvPicPr>
-        <p:blipFill>
-          <a:blip r:embed="rId2">
-            <a:extLst>
-              <a:ext uri="{28A0092B-C50C-407E-A947-70E740481C1C}">
-                <a14:useLocalDpi xmlns:a14="http://schemas.microsoft.com/office/drawing/2010/main" val="0"/>
-              </a:ext>
-            </a:extLst>
-          </a:blip>
-          <a:stretch>
-            <a:fillRect/>
-          </a:stretch>
-        </p:blipFill>
-        <p:spPr>
-          <a:xfrm>
-            <a:off x="6878322" y="3305569"/>
-            <a:ext cx="3573442" cy="1262541"/>
-          </a:xfrm>
-          <a:prstGeom prst="rect">
-            <a:avLst/>
-          </a:prstGeom>
-        </p:spPr>
-      </p:pic>
     </p:spTree>
     <p:extLst>
       <p:ext uri="{BB962C8B-B14F-4D97-AF65-F5344CB8AC3E}">
-        <p14:creationId xmlns:p14="http://schemas.microsoft.com/office/powerpoint/2010/main" val="2768751716"/>
+        <p14:creationId xmlns:p14="http://schemas.microsoft.com/office/powerpoint/2010/main" val="315256605"/>
       </p:ext>
     </p:extLst>
   </p:cSld>
@@ -5710,7 +5697,7 @@
         <p:cNvPr id="1" name="">
           <a:extLst>
             <a:ext uri="{FF2B5EF4-FFF2-40B4-BE49-F238E27FC236}">
-              <a16:creationId xmlns:a16="http://schemas.microsoft.com/office/drawing/2014/main" id="{3530765B-AFFB-8619-87BF-95175A46113B}"/>
+              <a16:creationId xmlns:a16="http://schemas.microsoft.com/office/drawing/2014/main" id="{99BEB738-1F71-F0D9-4AFA-8D06750F2057}"/>
             </a:ext>
           </a:extLst>
         </p:cNvPr>
@@ -5730,7 +5717,7 @@
           <p:cNvPr id="6" name="Rectangle 5">
             <a:extLst>
               <a:ext uri="{FF2B5EF4-FFF2-40B4-BE49-F238E27FC236}">
-                <a16:creationId xmlns:a16="http://schemas.microsoft.com/office/drawing/2014/main" id="{4A7687D8-74DA-F84A-D34F-6FF17B5D0A9E}"/>
+                <a16:creationId xmlns:a16="http://schemas.microsoft.com/office/drawing/2014/main" id="{7B0F154F-3133-EB7A-8C6C-01F12687F066}"/>
               </a:ext>
             </a:extLst>
           </p:cNvPr>
@@ -5779,10 +5766,58 @@
       </p:sp>
       <p:sp>
         <p:nvSpPr>
+          <p:cNvPr id="2" name="Slide Number Placeholder 1">
+            <a:extLst>
+              <a:ext uri="{FF2B5EF4-FFF2-40B4-BE49-F238E27FC236}">
+                <a16:creationId xmlns:a16="http://schemas.microsoft.com/office/drawing/2014/main" id="{E51CD569-E846-D8A5-D2EC-D2E9CECDB00A}"/>
+              </a:ext>
+            </a:extLst>
+          </p:cNvPr>
+          <p:cNvSpPr>
+            <a:spLocks noGrp="1"/>
+          </p:cNvSpPr>
+          <p:nvPr>
+            <p:ph type="sldNum" sz="quarter" idx="12"/>
+          </p:nvPr>
+        </p:nvSpPr>
+        <p:spPr>
+          <a:xfrm>
+            <a:off x="9057739" y="6259509"/>
+            <a:ext cx="2743200" cy="365125"/>
+          </a:xfrm>
+        </p:spPr>
+        <p:txBody>
+          <a:bodyPr/>
+          <a:lstStyle/>
+          <a:p>
+            <a:fld id="{9B1EC109-1E15-4BCA-93B5-56442BB3443E}" type="slidenum">
+              <a:rPr lang="zh-CN" altLang="en-US" sz="2400" b="1" smtClean="0">
+                <a:solidFill>
+                  <a:schemeClr val="bg1">
+                    <a:lumMod val="65000"/>
+                  </a:schemeClr>
+                </a:solidFill>
+                <a:latin typeface="Bradley Hand ITC" panose="03070402050302030203" pitchFamily="66" charset="0"/>
+              </a:rPr>
+              <a:t>12</a:t>
+            </a:fld>
+            <a:endParaRPr lang="zh-CN" altLang="en-US" sz="2400" b="1" dirty="0">
+              <a:solidFill>
+                <a:schemeClr val="bg1">
+                  <a:lumMod val="65000"/>
+                </a:schemeClr>
+              </a:solidFill>
+              <a:latin typeface="Bradley Hand ITC" panose="03070402050302030203" pitchFamily="66" charset="0"/>
+            </a:endParaRPr>
+          </a:p>
+        </p:txBody>
+      </p:sp>
+      <p:sp>
+        <p:nvSpPr>
           <p:cNvPr id="4" name="Google Shape;867;p33">
             <a:extLst>
               <a:ext uri="{FF2B5EF4-FFF2-40B4-BE49-F238E27FC236}">
-                <a16:creationId xmlns:a16="http://schemas.microsoft.com/office/drawing/2014/main" id="{962D7E55-8960-88EA-FA32-53D63E7FBA6D}"/>
+                <a16:creationId xmlns:a16="http://schemas.microsoft.com/office/drawing/2014/main" id="{D734D58C-02ED-5924-930B-1D716EB53632}"/>
               </a:ext>
             </a:extLst>
           </p:cNvPr>
@@ -5793,8 +5828,8 @@
         </p:nvSpPr>
         <p:spPr>
           <a:xfrm>
-            <a:off x="1557070" y="382508"/>
-            <a:ext cx="9077860" cy="1602400"/>
+            <a:off x="2222600" y="143850"/>
+            <a:ext cx="7746800" cy="1602400"/>
           </a:xfrm>
           <a:prstGeom prst="rect">
             <a:avLst/>
@@ -6069,92 +6104,88 @@
                 <a:latin typeface="Amatic SC" panose="020F0502020204030204" pitchFamily="2" charset="-79"/>
                 <a:cs typeface="Amatic SC" panose="020F0502020204030204" pitchFamily="2" charset="-79"/>
               </a:rPr>
-              <a:t>Exercises</a:t>
+              <a:t>Click the Bug!</a:t>
             </a:r>
           </a:p>
         </p:txBody>
       </p:sp>
-      <p:sp>
-        <p:nvSpPr>
-          <p:cNvPr id="2" name="TextBox 1">
-            <a:extLst>
-              <a:ext uri="{FF2B5EF4-FFF2-40B4-BE49-F238E27FC236}">
-                <a16:creationId xmlns:a16="http://schemas.microsoft.com/office/drawing/2014/main" id="{6EDAF4E1-4C12-63F0-60FE-1043F32FB6E8}"/>
-              </a:ext>
-            </a:extLst>
-          </p:cNvPr>
-          <p:cNvSpPr txBox="1"/>
+      <p:pic>
+        <p:nvPicPr>
+          <p:cNvPr id="9" name="Graphic 8">
+            <a:extLst>
+              <a:ext uri="{FF2B5EF4-FFF2-40B4-BE49-F238E27FC236}">
+                <a16:creationId xmlns:a16="http://schemas.microsoft.com/office/drawing/2014/main" id="{3D514DE1-D2C7-664E-3542-4926BAEDD54C}"/>
+              </a:ext>
+            </a:extLst>
+          </p:cNvPr>
+          <p:cNvPicPr>
+            <a:picLocks noChangeAspect="1"/>
+          </p:cNvPicPr>
           <p:nvPr/>
-        </p:nvSpPr>
+        </p:nvPicPr>
+        <p:blipFill>
+          <a:blip r:embed="rId2">
+            <a:alphaModFix amt="80000"/>
+            <a:extLst>
+              <a:ext uri="{96DAC541-7B7A-43D3-8B79-37D633B846F1}">
+                <asvg:svgBlip xmlns:asvg="http://schemas.microsoft.com/office/drawing/2016/SVG/main" r:embed="rId3"/>
+              </a:ext>
+            </a:extLst>
+          </a:blip>
+          <a:stretch>
+            <a:fillRect/>
+          </a:stretch>
+        </p:blipFill>
         <p:spPr>
           <a:xfrm>
-            <a:off x="1265150" y="2117180"/>
-            <a:ext cx="9727970" cy="1321580"/>
+            <a:off x="3280762" y="2208495"/>
+            <a:ext cx="5630475" cy="4163379"/>
           </a:xfrm>
           <a:prstGeom prst="rect">
             <a:avLst/>
           </a:prstGeom>
-          <a:noFill/>
         </p:spPr>
-        <p:txBody>
-          <a:bodyPr wrap="square" rtlCol="0">
-            <a:spAutoFit/>
-          </a:bodyPr>
-          <a:lstStyle/>
-          <a:p>
-            <a:pPr marL="571500" indent="-571500">
-              <a:lnSpc>
-                <a:spcPct val="150000"/>
-              </a:lnSpc>
-              <a:buFont typeface="Wingdings" panose="05000000000000000000" pitchFamily="2" charset="2"/>
-              <a:buChar char="p"/>
-            </a:pPr>
-            <a:r>
-              <a:rPr lang="en-US" altLang="zh-CN" sz="2800" dirty="0">
-                <a:solidFill>
-                  <a:schemeClr val="bg1">
-                    <a:lumMod val="75000"/>
-                  </a:schemeClr>
-                </a:solidFill>
-                <a:latin typeface="High Tower Text" panose="02040502050506030303" pitchFamily="18" charset="0"/>
-              </a:rPr>
-              <a:t>How can you make the ghost fade out/in faster/slower?</a:t>
-            </a:r>
-          </a:p>
-          <a:p>
-            <a:pPr marL="571500" indent="-571500">
-              <a:lnSpc>
-                <a:spcPct val="150000"/>
-              </a:lnSpc>
-              <a:buFont typeface="Wingdings" panose="05000000000000000000" pitchFamily="2" charset="2"/>
-              <a:buChar char="p"/>
-            </a:pPr>
-            <a:r>
-              <a:rPr lang="en-US" altLang="zh-CN" sz="2800" dirty="0">
-                <a:solidFill>
-                  <a:schemeClr val="bg1">
-                    <a:lumMod val="75000"/>
-                  </a:schemeClr>
-                </a:solidFill>
-                <a:latin typeface="High Tower Text" panose="02040502050506030303" pitchFamily="18" charset="0"/>
-              </a:rPr>
-              <a:t>Explore with other graphic effects and see what each one</a:t>
-            </a:r>
-            <a:endParaRPr lang="zh-CN" altLang="en-US" sz="2800" dirty="0">
-              <a:solidFill>
-                <a:schemeClr val="bg1">
-                  <a:lumMod val="75000"/>
-                </a:schemeClr>
-              </a:solidFill>
-              <a:latin typeface="High Tower Text" panose="02040502050506030303" pitchFamily="18" charset="0"/>
-            </a:endParaRPr>
-          </a:p>
-        </p:txBody>
-      </p:sp>
+      </p:pic>
+      <p:pic>
+        <p:nvPicPr>
+          <p:cNvPr id="8" name="Picture 7" descr="A white mouse cursor on a black background&#10;&#10;Description automatically generated">
+            <a:extLst>
+              <a:ext uri="{FF2B5EF4-FFF2-40B4-BE49-F238E27FC236}">
+                <a16:creationId xmlns:a16="http://schemas.microsoft.com/office/drawing/2014/main" id="{CE67F27C-8ADF-1425-7BE6-F273C3B9A6D2}"/>
+              </a:ext>
+            </a:extLst>
+          </p:cNvPr>
+          <p:cNvPicPr>
+            <a:picLocks noChangeAspect="1"/>
+          </p:cNvPicPr>
+          <p:nvPr/>
+        </p:nvPicPr>
+        <p:blipFill>
+          <a:blip r:embed="rId4">
+            <a:extLst>
+              <a:ext uri="{28A0092B-C50C-407E-A947-70E740481C1C}">
+                <a14:useLocalDpi xmlns:a14="http://schemas.microsoft.com/office/drawing/2010/main" val="0"/>
+              </a:ext>
+            </a:extLst>
+          </a:blip>
+          <a:stretch>
+            <a:fillRect/>
+          </a:stretch>
+        </p:blipFill>
+        <p:spPr>
+          <a:xfrm rot="20697251">
+            <a:off x="6833191" y="3200878"/>
+            <a:ext cx="1315067" cy="1326916"/>
+          </a:xfrm>
+          <a:prstGeom prst="rect">
+            <a:avLst/>
+          </a:prstGeom>
+        </p:spPr>
+      </p:pic>
     </p:spTree>
     <p:extLst>
       <p:ext uri="{BB962C8B-B14F-4D97-AF65-F5344CB8AC3E}">
-        <p14:creationId xmlns:p14="http://schemas.microsoft.com/office/powerpoint/2010/main" val="8421016"/>
+        <p14:creationId xmlns:p14="http://schemas.microsoft.com/office/powerpoint/2010/main" val="1284590933"/>
       </p:ext>
     </p:extLst>
   </p:cSld>
@@ -6169,7 +6200,13 @@
   <p:cSld>
     <p:spTree>
       <p:nvGrpSpPr>
-        <p:cNvPr id="1" name=""/>
+        <p:cNvPr id="1" name="">
+          <a:extLst>
+            <a:ext uri="{FF2B5EF4-FFF2-40B4-BE49-F238E27FC236}">
+              <a16:creationId xmlns:a16="http://schemas.microsoft.com/office/drawing/2014/main" id="{6775DBEC-95B0-2245-5FDD-102F789923E5}"/>
+            </a:ext>
+          </a:extLst>
+        </p:cNvPr>
         <p:cNvGrpSpPr/>
         <p:nvPr/>
       </p:nvGrpSpPr>
@@ -6186,7 +6223,7 @@
           <p:cNvPr id="6" name="Rectangle 5">
             <a:extLst>
               <a:ext uri="{FF2B5EF4-FFF2-40B4-BE49-F238E27FC236}">
-                <a16:creationId xmlns:a16="http://schemas.microsoft.com/office/drawing/2014/main" id="{7BC4EB1B-EA6B-DFE4-AF3B-05D0EB253209}"/>
+                <a16:creationId xmlns:a16="http://schemas.microsoft.com/office/drawing/2014/main" id="{4D071F7A-8A0E-96AD-E210-2CA52176F26B}"/>
               </a:ext>
             </a:extLst>
           </p:cNvPr>
@@ -6238,7 +6275,7 @@
           <p:cNvPr id="2" name="Slide Number Placeholder 1">
             <a:extLst>
               <a:ext uri="{FF2B5EF4-FFF2-40B4-BE49-F238E27FC236}">
-                <a16:creationId xmlns:a16="http://schemas.microsoft.com/office/drawing/2014/main" id="{C53E70DF-9B91-8A92-BF94-1399BB9FFE34}"/>
+                <a16:creationId xmlns:a16="http://schemas.microsoft.com/office/drawing/2014/main" id="{60C5C064-94F5-4B35-0A0C-A51C5A12A6DE}"/>
               </a:ext>
             </a:extLst>
           </p:cNvPr>
@@ -6286,7 +6323,7 @@
           <p:cNvPr id="4" name="Google Shape;867;p33">
             <a:extLst>
               <a:ext uri="{FF2B5EF4-FFF2-40B4-BE49-F238E27FC236}">
-                <a16:creationId xmlns:a16="http://schemas.microsoft.com/office/drawing/2014/main" id="{24BC39E7-8798-676F-63C1-093D28359AFA}"/>
+                <a16:creationId xmlns:a16="http://schemas.microsoft.com/office/drawing/2014/main" id="{6F7E5F58-0D22-DD5F-C903-369AA9EB92B7}"/>
               </a:ext>
             </a:extLst>
           </p:cNvPr>
@@ -6297,7 +6334,7 @@
         </p:nvSpPr>
         <p:spPr>
           <a:xfrm>
-            <a:off x="2222600" y="2778760"/>
+            <a:off x="2222600" y="143850"/>
             <a:ext cx="7746800" cy="1602400"/>
           </a:xfrm>
           <a:prstGeom prst="rect">
@@ -6573,15 +6610,282 @@
                 <a:latin typeface="Amatic SC" panose="020F0502020204030204" pitchFamily="2" charset="-79"/>
                 <a:cs typeface="Amatic SC" panose="020F0502020204030204" pitchFamily="2" charset="-79"/>
               </a:rPr>
-              <a:t>Thank you and see you in the next lesson!</a:t>
+              <a:t>Move to Next Level</a:t>
             </a:r>
+          </a:p>
+        </p:txBody>
+      </p:sp>
+      <p:pic>
+        <p:nvPicPr>
+          <p:cNvPr id="3" name="Graphic 2">
+            <a:extLst>
+              <a:ext uri="{FF2B5EF4-FFF2-40B4-BE49-F238E27FC236}">
+                <a16:creationId xmlns:a16="http://schemas.microsoft.com/office/drawing/2014/main" id="{42D7D788-8115-6E5D-C845-BB95052B3F54}"/>
+              </a:ext>
+            </a:extLst>
+          </p:cNvPr>
+          <p:cNvPicPr>
+            <a:picLocks noChangeAspect="1"/>
+          </p:cNvPicPr>
+          <p:nvPr/>
+        </p:nvPicPr>
+        <p:blipFill>
+          <a:blip r:embed="rId2">
+            <a:extLst>
+              <a:ext uri="{96DAC541-7B7A-43D3-8B79-37D633B846F1}">
+                <asvg:svgBlip xmlns:asvg="http://schemas.microsoft.com/office/drawing/2016/SVG/main" r:embed="rId3"/>
+              </a:ext>
+            </a:extLst>
+          </a:blip>
+          <a:stretch>
+            <a:fillRect/>
+          </a:stretch>
+        </p:blipFill>
+        <p:spPr>
+          <a:xfrm>
+            <a:off x="5527776" y="2249015"/>
+            <a:ext cx="2310538" cy="1741275"/>
+          </a:xfrm>
+          <a:prstGeom prst="rect">
+            <a:avLst/>
+          </a:prstGeom>
+        </p:spPr>
+      </p:pic>
+      <p:pic>
+        <p:nvPicPr>
+          <p:cNvPr id="5" name="Picture 4">
+            <a:extLst>
+              <a:ext uri="{FF2B5EF4-FFF2-40B4-BE49-F238E27FC236}">
+                <a16:creationId xmlns:a16="http://schemas.microsoft.com/office/drawing/2014/main" id="{D08738E2-EAF7-6246-0D6D-BD7FF444F6EE}"/>
+              </a:ext>
+            </a:extLst>
+          </p:cNvPr>
+          <p:cNvPicPr>
+            <a:picLocks noChangeAspect="1"/>
+          </p:cNvPicPr>
+          <p:nvPr/>
+        </p:nvPicPr>
+        <p:blipFill>
+          <a:blip r:embed="rId4">
+            <a:extLst>
+              <a:ext uri="{28A0092B-C50C-407E-A947-70E740481C1C}">
+                <a14:useLocalDpi xmlns:a14="http://schemas.microsoft.com/office/drawing/2010/main" val="0"/>
+              </a:ext>
+            </a:extLst>
+          </a:blip>
+          <a:stretch>
+            <a:fillRect/>
+          </a:stretch>
+        </p:blipFill>
+        <p:spPr>
+          <a:xfrm>
+            <a:off x="7880873" y="4700795"/>
+            <a:ext cx="2321701" cy="1741276"/>
+          </a:xfrm>
+          <a:prstGeom prst="rect">
+            <a:avLst/>
+          </a:prstGeom>
+        </p:spPr>
+      </p:pic>
+      <p:pic>
+        <p:nvPicPr>
+          <p:cNvPr id="8" name="Picture 7">
+            <a:extLst>
+              <a:ext uri="{FF2B5EF4-FFF2-40B4-BE49-F238E27FC236}">
+                <a16:creationId xmlns:a16="http://schemas.microsoft.com/office/drawing/2014/main" id="{1A47E999-A708-ECEA-06C1-2C2154CECA34}"/>
+              </a:ext>
+            </a:extLst>
+          </p:cNvPr>
+          <p:cNvPicPr>
+            <a:picLocks noChangeAspect="1"/>
+          </p:cNvPicPr>
+          <p:nvPr/>
+        </p:nvPicPr>
+        <p:blipFill>
+          <a:blip r:embed="rId5">
+            <a:extLst>
+              <a:ext uri="{28A0092B-C50C-407E-A947-70E740481C1C}">
+                <a14:useLocalDpi xmlns:a14="http://schemas.microsoft.com/office/drawing/2010/main" val="0"/>
+              </a:ext>
+            </a:extLst>
+          </a:blip>
+          <a:stretch>
+            <a:fillRect/>
+          </a:stretch>
+        </p:blipFill>
+        <p:spPr>
+          <a:xfrm>
+            <a:off x="861826" y="3250480"/>
+            <a:ext cx="3547579" cy="1741276"/>
+          </a:xfrm>
+          <a:prstGeom prst="rect">
+            <a:avLst/>
+          </a:prstGeom>
+        </p:spPr>
+      </p:pic>
+      <p:sp>
+        <p:nvSpPr>
+          <p:cNvPr id="13" name="Arrow: Bent-Up 12">
+            <a:extLst>
+              <a:ext uri="{FF2B5EF4-FFF2-40B4-BE49-F238E27FC236}">
+                <a16:creationId xmlns:a16="http://schemas.microsoft.com/office/drawing/2014/main" id="{42AE72E4-2A09-E744-A25C-24E8EEFA46C2}"/>
+              </a:ext>
+            </a:extLst>
+          </p:cNvPr>
+          <p:cNvSpPr/>
+          <p:nvPr/>
+        </p:nvSpPr>
+        <p:spPr>
+          <a:xfrm rot="5400000">
+            <a:off x="6209459" y="4686924"/>
+            <a:ext cx="1519472" cy="849655"/>
+          </a:xfrm>
+          <a:prstGeom prst="bentUpArrow">
+            <a:avLst/>
+          </a:prstGeom>
+          <a:solidFill>
+            <a:schemeClr val="bg1">
+              <a:lumMod val="75000"/>
+              <a:alpha val="80000"/>
+            </a:schemeClr>
+          </a:solidFill>
+          <a:ln>
+            <a:noFill/>
+          </a:ln>
+        </p:spPr>
+        <p:style>
+          <a:lnRef idx="2">
+            <a:schemeClr val="accent1">
+              <a:shade val="15000"/>
+            </a:schemeClr>
+          </a:lnRef>
+          <a:fillRef idx="1">
+            <a:schemeClr val="accent1"/>
+          </a:fillRef>
+          <a:effectRef idx="0">
+            <a:schemeClr val="accent1"/>
+          </a:effectRef>
+          <a:fontRef idx="minor">
+            <a:schemeClr val="lt1"/>
+          </a:fontRef>
+        </p:style>
+        <p:txBody>
+          <a:bodyPr rtlCol="0" anchor="ctr"/>
+          <a:lstStyle/>
+          <a:p>
+            <a:pPr algn="ctr"/>
+            <a:endParaRPr lang="zh-CN" altLang="en-US"/>
+          </a:p>
+        </p:txBody>
+      </p:sp>
+      <p:sp>
+        <p:nvSpPr>
+          <p:cNvPr id="14" name="TextBox 13">
+            <a:extLst>
+              <a:ext uri="{FF2B5EF4-FFF2-40B4-BE49-F238E27FC236}">
+                <a16:creationId xmlns:a16="http://schemas.microsoft.com/office/drawing/2014/main" id="{0DCACB57-6811-44A4-E0DE-BE8CEE266292}"/>
+              </a:ext>
+            </a:extLst>
+          </p:cNvPr>
+          <p:cNvSpPr txBox="1"/>
+          <p:nvPr/>
+        </p:nvSpPr>
+        <p:spPr>
+          <a:xfrm>
+            <a:off x="7789076" y="2905780"/>
+            <a:ext cx="1460431" cy="523220"/>
+          </a:xfrm>
+          <a:prstGeom prst="rect">
+            <a:avLst/>
+          </a:prstGeom>
+          <a:noFill/>
+        </p:spPr>
+        <p:txBody>
+          <a:bodyPr wrap="square" rtlCol="0">
+            <a:spAutoFit/>
+          </a:bodyPr>
+          <a:lstStyle/>
+          <a:p>
+            <a:pPr algn="ctr"/>
+            <a:r>
+              <a:rPr lang="en-US" altLang="zh-CN" sz="2800" dirty="0">
+                <a:solidFill>
+                  <a:schemeClr val="bg1">
+                    <a:lumMod val="75000"/>
+                  </a:schemeClr>
+                </a:solidFill>
+                <a:latin typeface="High Tower Text" panose="02040502050506030303" pitchFamily="18" charset="0"/>
+              </a:rPr>
+              <a:t>Level1</a:t>
+            </a:r>
+            <a:endParaRPr lang="zh-CN" altLang="en-US" sz="2800" dirty="0">
+              <a:solidFill>
+                <a:schemeClr val="accent2">
+                  <a:lumMod val="60000"/>
+                  <a:lumOff val="40000"/>
+                </a:schemeClr>
+              </a:solidFill>
+              <a:latin typeface="High Tower Text" panose="02040502050506030303" pitchFamily="18" charset="0"/>
+            </a:endParaRPr>
+          </a:p>
+        </p:txBody>
+      </p:sp>
+      <p:sp>
+        <p:nvSpPr>
+          <p:cNvPr id="15" name="TextBox 14">
+            <a:extLst>
+              <a:ext uri="{FF2B5EF4-FFF2-40B4-BE49-F238E27FC236}">
+                <a16:creationId xmlns:a16="http://schemas.microsoft.com/office/drawing/2014/main" id="{95F65E63-22F4-E2FB-ED01-FD8665493678}"/>
+              </a:ext>
+            </a:extLst>
+          </p:cNvPr>
+          <p:cNvSpPr txBox="1"/>
+          <p:nvPr/>
+        </p:nvSpPr>
+        <p:spPr>
+          <a:xfrm>
+            <a:off x="10202574" y="5362002"/>
+            <a:ext cx="1460431" cy="523220"/>
+          </a:xfrm>
+          <a:prstGeom prst="rect">
+            <a:avLst/>
+          </a:prstGeom>
+          <a:noFill/>
+        </p:spPr>
+        <p:txBody>
+          <a:bodyPr wrap="square" rtlCol="0">
+            <a:spAutoFit/>
+          </a:bodyPr>
+          <a:lstStyle/>
+          <a:p>
+            <a:pPr algn="ctr"/>
+            <a:r>
+              <a:rPr lang="en-US" altLang="zh-CN" sz="2800" dirty="0">
+                <a:solidFill>
+                  <a:schemeClr val="bg1">
+                    <a:lumMod val="75000"/>
+                  </a:schemeClr>
+                </a:solidFill>
+                <a:latin typeface="High Tower Text" panose="02040502050506030303" pitchFamily="18" charset="0"/>
+              </a:rPr>
+              <a:t>Level2</a:t>
+            </a:r>
+            <a:endParaRPr lang="zh-CN" altLang="en-US" sz="2800" dirty="0">
+              <a:solidFill>
+                <a:schemeClr val="accent2">
+                  <a:lumMod val="60000"/>
+                  <a:lumOff val="40000"/>
+                </a:schemeClr>
+              </a:solidFill>
+              <a:latin typeface="High Tower Text" panose="02040502050506030303" pitchFamily="18" charset="0"/>
+            </a:endParaRPr>
           </a:p>
         </p:txBody>
       </p:sp>
     </p:spTree>
     <p:extLst>
       <p:ext uri="{BB962C8B-B14F-4D97-AF65-F5344CB8AC3E}">
-        <p14:creationId xmlns:p14="http://schemas.microsoft.com/office/powerpoint/2010/main" val="394012090"/>
+        <p14:creationId xmlns:p14="http://schemas.microsoft.com/office/powerpoint/2010/main" val="2830309272"/>
       </p:ext>
     </p:extLst>
   </p:cSld>
@@ -6591,12 +6895,18 @@
 </p:sld>
 </file>
 
-<file path=ppt/slides/slide2.xml><?xml version="1.0" encoding="utf-8"?>
+<file path=ppt/slides/slide14.xml><?xml version="1.0" encoding="utf-8"?>
 <p:sld xmlns:a="http://schemas.openxmlformats.org/drawingml/2006/main" xmlns:r="http://schemas.openxmlformats.org/officeDocument/2006/relationships" xmlns:p="http://schemas.openxmlformats.org/presentationml/2006/main">
   <p:cSld>
     <p:spTree>
       <p:nvGrpSpPr>
-        <p:cNvPr id="1" name=""/>
+        <p:cNvPr id="1" name="">
+          <a:extLst>
+            <a:ext uri="{FF2B5EF4-FFF2-40B4-BE49-F238E27FC236}">
+              <a16:creationId xmlns:a16="http://schemas.microsoft.com/office/drawing/2014/main" id="{09D0DE97-8E5E-84BE-E698-5B2701E9A182}"/>
+            </a:ext>
+          </a:extLst>
+        </p:cNvPr>
         <p:cNvGrpSpPr/>
         <p:nvPr/>
       </p:nvGrpSpPr>
@@ -6613,7 +6923,7 @@
           <p:cNvPr id="6" name="Rectangle 5">
             <a:extLst>
               <a:ext uri="{FF2B5EF4-FFF2-40B4-BE49-F238E27FC236}">
-                <a16:creationId xmlns:a16="http://schemas.microsoft.com/office/drawing/2014/main" id="{7BC4EB1B-EA6B-DFE4-AF3B-05D0EB253209}"/>
+                <a16:creationId xmlns:a16="http://schemas.microsoft.com/office/drawing/2014/main" id="{2670B7AC-2A33-C278-76E9-0CF3B0EF9190}"/>
               </a:ext>
             </a:extLst>
           </p:cNvPr>
@@ -6665,7 +6975,7 @@
           <p:cNvPr id="2" name="Slide Number Placeholder 1">
             <a:extLst>
               <a:ext uri="{FF2B5EF4-FFF2-40B4-BE49-F238E27FC236}">
-                <a16:creationId xmlns:a16="http://schemas.microsoft.com/office/drawing/2014/main" id="{C53E70DF-9B91-8A92-BF94-1399BB9FFE34}"/>
+                <a16:creationId xmlns:a16="http://schemas.microsoft.com/office/drawing/2014/main" id="{6AFB20FA-7065-8BE5-39C9-FD86C4CF6E40}"/>
               </a:ext>
             </a:extLst>
           </p:cNvPr>
@@ -6695,7 +7005,7 @@
                 </a:solidFill>
                 <a:latin typeface="Bradley Hand ITC" panose="03070402050302030203" pitchFamily="66" charset="0"/>
               </a:rPr>
-              <a:t>2</a:t>
+              <a:t>14</a:t>
             </a:fld>
             <a:endParaRPr lang="zh-CN" altLang="en-US" sz="2400" b="1" dirty="0">
               <a:solidFill>
@@ -6713,7 +7023,7 @@
           <p:cNvPr id="4" name="Google Shape;867;p33">
             <a:extLst>
               <a:ext uri="{FF2B5EF4-FFF2-40B4-BE49-F238E27FC236}">
-                <a16:creationId xmlns:a16="http://schemas.microsoft.com/office/drawing/2014/main" id="{24BC39E7-8798-676F-63C1-093D28359AFA}"/>
+                <a16:creationId xmlns:a16="http://schemas.microsoft.com/office/drawing/2014/main" id="{CB1170CA-5725-1010-F1F2-EED6811D6C1A}"/>
               </a:ext>
             </a:extLst>
           </p:cNvPr>
@@ -7000,6 +7310,3658 @@
                 <a:latin typeface="Amatic SC" panose="020F0502020204030204" pitchFamily="2" charset="-79"/>
                 <a:cs typeface="Amatic SC" panose="020F0502020204030204" pitchFamily="2" charset="-79"/>
               </a:rPr>
+              <a:t>Move to Next Level</a:t>
+            </a:r>
+          </a:p>
+        </p:txBody>
+      </p:sp>
+      <p:pic>
+        <p:nvPicPr>
+          <p:cNvPr id="8" name="Picture 7">
+            <a:extLst>
+              <a:ext uri="{FF2B5EF4-FFF2-40B4-BE49-F238E27FC236}">
+                <a16:creationId xmlns:a16="http://schemas.microsoft.com/office/drawing/2014/main" id="{A880E5AC-C7F8-4B9F-5F91-42E3BB68A085}"/>
+              </a:ext>
+            </a:extLst>
+          </p:cNvPr>
+          <p:cNvPicPr>
+            <a:picLocks noChangeAspect="1"/>
+          </p:cNvPicPr>
+          <p:nvPr/>
+        </p:nvPicPr>
+        <p:blipFill>
+          <a:blip r:embed="rId2">
+            <a:extLst>
+              <a:ext uri="{28A0092B-C50C-407E-A947-70E740481C1C}">
+                <a14:useLocalDpi xmlns:a14="http://schemas.microsoft.com/office/drawing/2010/main" val="0"/>
+              </a:ext>
+            </a:extLst>
+          </a:blip>
+          <a:stretch>
+            <a:fillRect/>
+          </a:stretch>
+        </p:blipFill>
+        <p:spPr>
+          <a:xfrm>
+            <a:off x="861826" y="3250480"/>
+            <a:ext cx="3547579" cy="1741276"/>
+          </a:xfrm>
+          <a:prstGeom prst="rect">
+            <a:avLst/>
+          </a:prstGeom>
+        </p:spPr>
+      </p:pic>
+      <p:sp>
+        <p:nvSpPr>
+          <p:cNvPr id="13" name="Arrow: Bent-Up 12">
+            <a:extLst>
+              <a:ext uri="{FF2B5EF4-FFF2-40B4-BE49-F238E27FC236}">
+                <a16:creationId xmlns:a16="http://schemas.microsoft.com/office/drawing/2014/main" id="{42F74571-7E30-3019-54F1-66C5EF8BFDA7}"/>
+              </a:ext>
+            </a:extLst>
+          </p:cNvPr>
+          <p:cNvSpPr/>
+          <p:nvPr/>
+        </p:nvSpPr>
+        <p:spPr>
+          <a:xfrm rot="5400000">
+            <a:off x="6209459" y="4686924"/>
+            <a:ext cx="1519472" cy="849655"/>
+          </a:xfrm>
+          <a:prstGeom prst="bentUpArrow">
+            <a:avLst/>
+          </a:prstGeom>
+          <a:solidFill>
+            <a:schemeClr val="bg1">
+              <a:lumMod val="75000"/>
+              <a:alpha val="80000"/>
+            </a:schemeClr>
+          </a:solidFill>
+          <a:ln>
+            <a:noFill/>
+          </a:ln>
+        </p:spPr>
+        <p:style>
+          <a:lnRef idx="2">
+            <a:schemeClr val="accent1">
+              <a:shade val="15000"/>
+            </a:schemeClr>
+          </a:lnRef>
+          <a:fillRef idx="1">
+            <a:schemeClr val="accent1"/>
+          </a:fillRef>
+          <a:effectRef idx="0">
+            <a:schemeClr val="accent1"/>
+          </a:effectRef>
+          <a:fontRef idx="minor">
+            <a:schemeClr val="lt1"/>
+          </a:fontRef>
+        </p:style>
+        <p:txBody>
+          <a:bodyPr rtlCol="0" anchor="ctr"/>
+          <a:lstStyle/>
+          <a:p>
+            <a:pPr algn="ctr"/>
+            <a:endParaRPr lang="zh-CN" altLang="en-US"/>
+          </a:p>
+        </p:txBody>
+      </p:sp>
+      <p:sp>
+        <p:nvSpPr>
+          <p:cNvPr id="14" name="TextBox 13">
+            <a:extLst>
+              <a:ext uri="{FF2B5EF4-FFF2-40B4-BE49-F238E27FC236}">
+                <a16:creationId xmlns:a16="http://schemas.microsoft.com/office/drawing/2014/main" id="{4F2BCF22-AEA9-B19D-C9D0-D277A34C6B54}"/>
+              </a:ext>
+            </a:extLst>
+          </p:cNvPr>
+          <p:cNvSpPr txBox="1"/>
+          <p:nvPr/>
+        </p:nvSpPr>
+        <p:spPr>
+          <a:xfrm>
+            <a:off x="7789076" y="2905780"/>
+            <a:ext cx="1460431" cy="523220"/>
+          </a:xfrm>
+          <a:prstGeom prst="rect">
+            <a:avLst/>
+          </a:prstGeom>
+          <a:noFill/>
+        </p:spPr>
+        <p:txBody>
+          <a:bodyPr wrap="square" rtlCol="0">
+            <a:spAutoFit/>
+          </a:bodyPr>
+          <a:lstStyle/>
+          <a:p>
+            <a:pPr algn="ctr"/>
+            <a:r>
+              <a:rPr lang="en-US" altLang="zh-CN" sz="2800" dirty="0">
+                <a:solidFill>
+                  <a:schemeClr val="bg1">
+                    <a:lumMod val="75000"/>
+                  </a:schemeClr>
+                </a:solidFill>
+                <a:latin typeface="High Tower Text" panose="02040502050506030303" pitchFamily="18" charset="0"/>
+              </a:rPr>
+              <a:t>Level2</a:t>
+            </a:r>
+            <a:endParaRPr lang="zh-CN" altLang="en-US" sz="2800" dirty="0">
+              <a:solidFill>
+                <a:schemeClr val="accent2">
+                  <a:lumMod val="60000"/>
+                  <a:lumOff val="40000"/>
+                </a:schemeClr>
+              </a:solidFill>
+              <a:latin typeface="High Tower Text" panose="02040502050506030303" pitchFamily="18" charset="0"/>
+            </a:endParaRPr>
+          </a:p>
+        </p:txBody>
+      </p:sp>
+      <p:sp>
+        <p:nvSpPr>
+          <p:cNvPr id="15" name="TextBox 14">
+            <a:extLst>
+              <a:ext uri="{FF2B5EF4-FFF2-40B4-BE49-F238E27FC236}">
+                <a16:creationId xmlns:a16="http://schemas.microsoft.com/office/drawing/2014/main" id="{E74CB5AE-58DB-9434-C10C-082153BBE107}"/>
+              </a:ext>
+            </a:extLst>
+          </p:cNvPr>
+          <p:cNvSpPr txBox="1"/>
+          <p:nvPr/>
+        </p:nvSpPr>
+        <p:spPr>
+          <a:xfrm>
+            <a:off x="10202574" y="5362002"/>
+            <a:ext cx="1460431" cy="523220"/>
+          </a:xfrm>
+          <a:prstGeom prst="rect">
+            <a:avLst/>
+          </a:prstGeom>
+          <a:noFill/>
+        </p:spPr>
+        <p:txBody>
+          <a:bodyPr wrap="square" rtlCol="0">
+            <a:spAutoFit/>
+          </a:bodyPr>
+          <a:lstStyle/>
+          <a:p>
+            <a:pPr algn="ctr"/>
+            <a:r>
+              <a:rPr lang="en-US" altLang="zh-CN" sz="2800" dirty="0">
+                <a:solidFill>
+                  <a:schemeClr val="bg1">
+                    <a:lumMod val="75000"/>
+                  </a:schemeClr>
+                </a:solidFill>
+                <a:latin typeface="High Tower Text" panose="02040502050506030303" pitchFamily="18" charset="0"/>
+              </a:rPr>
+              <a:t>Level3</a:t>
+            </a:r>
+            <a:endParaRPr lang="zh-CN" altLang="en-US" sz="2800" dirty="0">
+              <a:solidFill>
+                <a:schemeClr val="accent2">
+                  <a:lumMod val="60000"/>
+                  <a:lumOff val="40000"/>
+                </a:schemeClr>
+              </a:solidFill>
+              <a:latin typeface="High Tower Text" panose="02040502050506030303" pitchFamily="18" charset="0"/>
+            </a:endParaRPr>
+          </a:p>
+        </p:txBody>
+      </p:sp>
+      <p:pic>
+        <p:nvPicPr>
+          <p:cNvPr id="7" name="Picture 6">
+            <a:extLst>
+              <a:ext uri="{FF2B5EF4-FFF2-40B4-BE49-F238E27FC236}">
+                <a16:creationId xmlns:a16="http://schemas.microsoft.com/office/drawing/2014/main" id="{980D2A86-5D44-E007-AC58-B4FCD24BA1DC}"/>
+              </a:ext>
+            </a:extLst>
+          </p:cNvPr>
+          <p:cNvPicPr>
+            <a:picLocks noChangeAspect="1"/>
+          </p:cNvPicPr>
+          <p:nvPr/>
+        </p:nvPicPr>
+        <p:blipFill>
+          <a:blip r:embed="rId3">
+            <a:extLst>
+              <a:ext uri="{28A0092B-C50C-407E-A947-70E740481C1C}">
+                <a14:useLocalDpi xmlns:a14="http://schemas.microsoft.com/office/drawing/2010/main" val="0"/>
+              </a:ext>
+            </a:extLst>
+          </a:blip>
+          <a:stretch>
+            <a:fillRect/>
+          </a:stretch>
+        </p:blipFill>
+        <p:spPr>
+          <a:xfrm>
+            <a:off x="7880872" y="4700796"/>
+            <a:ext cx="2321701" cy="1741275"/>
+          </a:xfrm>
+          <a:prstGeom prst="rect">
+            <a:avLst/>
+          </a:prstGeom>
+        </p:spPr>
+      </p:pic>
+      <p:pic>
+        <p:nvPicPr>
+          <p:cNvPr id="9" name="Picture 8">
+            <a:extLst>
+              <a:ext uri="{FF2B5EF4-FFF2-40B4-BE49-F238E27FC236}">
+                <a16:creationId xmlns:a16="http://schemas.microsoft.com/office/drawing/2014/main" id="{64B17BCE-F5E0-BEB7-19C3-FFA7D3A30509}"/>
+              </a:ext>
+            </a:extLst>
+          </p:cNvPr>
+          <p:cNvPicPr>
+            <a:picLocks noChangeAspect="1"/>
+          </p:cNvPicPr>
+          <p:nvPr/>
+        </p:nvPicPr>
+        <p:blipFill>
+          <a:blip r:embed="rId4">
+            <a:extLst>
+              <a:ext uri="{28A0092B-C50C-407E-A947-70E740481C1C}">
+                <a14:useLocalDpi xmlns:a14="http://schemas.microsoft.com/office/drawing/2010/main" val="0"/>
+              </a:ext>
+            </a:extLst>
+          </a:blip>
+          <a:stretch>
+            <a:fillRect/>
+          </a:stretch>
+        </p:blipFill>
+        <p:spPr>
+          <a:xfrm>
+            <a:off x="5527776" y="2249014"/>
+            <a:ext cx="2321701" cy="1741276"/>
+          </a:xfrm>
+          <a:prstGeom prst="rect">
+            <a:avLst/>
+          </a:prstGeom>
+        </p:spPr>
+      </p:pic>
+      <p:pic>
+        <p:nvPicPr>
+          <p:cNvPr id="12" name="Picture 11">
+            <a:extLst>
+              <a:ext uri="{FF2B5EF4-FFF2-40B4-BE49-F238E27FC236}">
+                <a16:creationId xmlns:a16="http://schemas.microsoft.com/office/drawing/2014/main" id="{96CD5B59-9ECE-00E4-9CC6-223EC3B0AFF3}"/>
+              </a:ext>
+            </a:extLst>
+          </p:cNvPr>
+          <p:cNvPicPr>
+            <a:picLocks noChangeAspect="1"/>
+          </p:cNvPicPr>
+          <p:nvPr/>
+        </p:nvPicPr>
+        <p:blipFill>
+          <a:blip r:embed="rId5">
+            <a:extLst>
+              <a:ext uri="{28A0092B-C50C-407E-A947-70E740481C1C}">
+                <a14:useLocalDpi xmlns:a14="http://schemas.microsoft.com/office/drawing/2010/main" val="0"/>
+              </a:ext>
+            </a:extLst>
+          </a:blip>
+          <a:stretch>
+            <a:fillRect/>
+          </a:stretch>
+        </p:blipFill>
+        <p:spPr>
+          <a:xfrm>
+            <a:off x="6104183" y="4527308"/>
+            <a:ext cx="1168886" cy="1168886"/>
+          </a:xfrm>
+          <a:prstGeom prst="rect">
+            <a:avLst/>
+          </a:prstGeom>
+        </p:spPr>
+      </p:pic>
+      <p:sp>
+        <p:nvSpPr>
+          <p:cNvPr id="16" name="Arrow: U-Turn 15">
+            <a:extLst>
+              <a:ext uri="{FF2B5EF4-FFF2-40B4-BE49-F238E27FC236}">
+                <a16:creationId xmlns:a16="http://schemas.microsoft.com/office/drawing/2014/main" id="{708F3FD6-C933-2646-2205-096311808A2F}"/>
+              </a:ext>
+            </a:extLst>
+          </p:cNvPr>
+          <p:cNvSpPr/>
+          <p:nvPr/>
+        </p:nvSpPr>
+        <p:spPr>
+          <a:xfrm rot="5400000">
+            <a:off x="8253849" y="2788502"/>
+            <a:ext cx="1317607" cy="948267"/>
+          </a:xfrm>
+          <a:prstGeom prst="uturnArrow">
+            <a:avLst/>
+          </a:prstGeom>
+          <a:solidFill>
+            <a:schemeClr val="bg1">
+              <a:lumMod val="75000"/>
+              <a:alpha val="80000"/>
+            </a:schemeClr>
+          </a:solidFill>
+          <a:ln>
+            <a:noFill/>
+          </a:ln>
+        </p:spPr>
+        <p:style>
+          <a:lnRef idx="2">
+            <a:schemeClr val="accent1">
+              <a:shade val="15000"/>
+            </a:schemeClr>
+          </a:lnRef>
+          <a:fillRef idx="1">
+            <a:schemeClr val="accent1"/>
+          </a:fillRef>
+          <a:effectRef idx="0">
+            <a:schemeClr val="accent1"/>
+          </a:effectRef>
+          <a:fontRef idx="minor">
+            <a:schemeClr val="lt1"/>
+          </a:fontRef>
+        </p:style>
+        <p:txBody>
+          <a:bodyPr rtlCol="0" anchor="ctr"/>
+          <a:lstStyle/>
+          <a:p>
+            <a:pPr algn="ctr"/>
+            <a:endParaRPr lang="zh-CN" altLang="en-US">
+              <a:solidFill>
+                <a:schemeClr val="tx1"/>
+              </a:solidFill>
+            </a:endParaRPr>
+          </a:p>
+        </p:txBody>
+      </p:sp>
+      <p:sp>
+        <p:nvSpPr>
+          <p:cNvPr id="17" name="Rectangle 16">
+            <a:extLst>
+              <a:ext uri="{FF2B5EF4-FFF2-40B4-BE49-F238E27FC236}">
+                <a16:creationId xmlns:a16="http://schemas.microsoft.com/office/drawing/2014/main" id="{90704686-D70E-A6F2-FDE3-487AD7511A5E}"/>
+              </a:ext>
+            </a:extLst>
+          </p:cNvPr>
+          <p:cNvSpPr/>
+          <p:nvPr/>
+        </p:nvSpPr>
+        <p:spPr>
+          <a:xfrm>
+            <a:off x="2958893" y="4238125"/>
+            <a:ext cx="1388024" cy="551924"/>
+          </a:xfrm>
+          <a:prstGeom prst="rect">
+            <a:avLst/>
+          </a:prstGeom>
+          <a:noFill/>
+          <a:ln w="38100">
+            <a:solidFill>
+              <a:srgbClr val="C00000"/>
+            </a:solidFill>
+            <a:prstDash val="sysDash"/>
+          </a:ln>
+        </p:spPr>
+        <p:style>
+          <a:lnRef idx="2">
+            <a:schemeClr val="accent1">
+              <a:shade val="15000"/>
+            </a:schemeClr>
+          </a:lnRef>
+          <a:fillRef idx="1">
+            <a:schemeClr val="accent1"/>
+          </a:fillRef>
+          <a:effectRef idx="0">
+            <a:schemeClr val="accent1"/>
+          </a:effectRef>
+          <a:fontRef idx="minor">
+            <a:schemeClr val="lt1"/>
+          </a:fontRef>
+        </p:style>
+        <p:txBody>
+          <a:bodyPr rtlCol="0" anchor="ctr"/>
+          <a:lstStyle/>
+          <a:p>
+            <a:pPr algn="ctr"/>
+            <a:endParaRPr lang="zh-CN" altLang="en-US"/>
+          </a:p>
+        </p:txBody>
+      </p:sp>
+    </p:spTree>
+    <p:extLst>
+      <p:ext uri="{BB962C8B-B14F-4D97-AF65-F5344CB8AC3E}">
+        <p14:creationId xmlns:p14="http://schemas.microsoft.com/office/powerpoint/2010/main" val="2100463283"/>
+      </p:ext>
+    </p:extLst>
+  </p:cSld>
+  <p:clrMapOvr>
+    <a:masterClrMapping/>
+  </p:clrMapOvr>
+</p:sld>
+</file>
+
+<file path=ppt/slides/slide15.xml><?xml version="1.0" encoding="utf-8"?>
+<p:sld xmlns:a="http://schemas.openxmlformats.org/drawingml/2006/main" xmlns:r="http://schemas.openxmlformats.org/officeDocument/2006/relationships" xmlns:p="http://schemas.openxmlformats.org/presentationml/2006/main">
+  <p:cSld>
+    <p:spTree>
+      <p:nvGrpSpPr>
+        <p:cNvPr id="1" name="">
+          <a:extLst>
+            <a:ext uri="{FF2B5EF4-FFF2-40B4-BE49-F238E27FC236}">
+              <a16:creationId xmlns:a16="http://schemas.microsoft.com/office/drawing/2014/main" id="{F900FBFB-B5BC-C96A-82B1-D993A3F25B33}"/>
+            </a:ext>
+          </a:extLst>
+        </p:cNvPr>
+        <p:cNvGrpSpPr/>
+        <p:nvPr/>
+      </p:nvGrpSpPr>
+      <p:grpSpPr>
+        <a:xfrm>
+          <a:off x="0" y="0"/>
+          <a:ext cx="0" cy="0"/>
+          <a:chOff x="0" y="0"/>
+          <a:chExt cx="0" cy="0"/>
+        </a:xfrm>
+      </p:grpSpPr>
+      <p:sp>
+        <p:nvSpPr>
+          <p:cNvPr id="6" name="Rectangle 5">
+            <a:extLst>
+              <a:ext uri="{FF2B5EF4-FFF2-40B4-BE49-F238E27FC236}">
+                <a16:creationId xmlns:a16="http://schemas.microsoft.com/office/drawing/2014/main" id="{C6DD62A7-E3D9-82AD-7632-D233B99F1664}"/>
+              </a:ext>
+            </a:extLst>
+          </p:cNvPr>
+          <p:cNvSpPr/>
+          <p:nvPr/>
+        </p:nvSpPr>
+        <p:spPr>
+          <a:xfrm>
+            <a:off x="0" y="0"/>
+            <a:ext cx="12192000" cy="6858000"/>
+          </a:xfrm>
+          <a:prstGeom prst="rect">
+            <a:avLst/>
+          </a:prstGeom>
+          <a:solidFill>
+            <a:srgbClr val="23242A"/>
+          </a:solidFill>
+          <a:ln>
+            <a:noFill/>
+          </a:ln>
+        </p:spPr>
+        <p:style>
+          <a:lnRef idx="2">
+            <a:schemeClr val="accent1">
+              <a:shade val="15000"/>
+            </a:schemeClr>
+          </a:lnRef>
+          <a:fillRef idx="1">
+            <a:schemeClr val="accent1"/>
+          </a:fillRef>
+          <a:effectRef idx="0">
+            <a:schemeClr val="accent1"/>
+          </a:effectRef>
+          <a:fontRef idx="minor">
+            <a:schemeClr val="lt1"/>
+          </a:fontRef>
+        </p:style>
+        <p:txBody>
+          <a:bodyPr rtlCol="0" anchor="ctr"/>
+          <a:lstStyle/>
+          <a:p>
+            <a:pPr algn="ctr"/>
+            <a:endParaRPr lang="zh-CN" altLang="en-US" dirty="0"/>
+          </a:p>
+        </p:txBody>
+      </p:sp>
+      <p:sp>
+        <p:nvSpPr>
+          <p:cNvPr id="2" name="Slide Number Placeholder 1">
+            <a:extLst>
+              <a:ext uri="{FF2B5EF4-FFF2-40B4-BE49-F238E27FC236}">
+                <a16:creationId xmlns:a16="http://schemas.microsoft.com/office/drawing/2014/main" id="{EA9173D7-60E3-325D-C9A3-89FC23FA45C4}"/>
+              </a:ext>
+            </a:extLst>
+          </p:cNvPr>
+          <p:cNvSpPr>
+            <a:spLocks noGrp="1"/>
+          </p:cNvSpPr>
+          <p:nvPr>
+            <p:ph type="sldNum" sz="quarter" idx="12"/>
+          </p:nvPr>
+        </p:nvSpPr>
+        <p:spPr>
+          <a:xfrm>
+            <a:off x="9057739" y="6259509"/>
+            <a:ext cx="2743200" cy="365125"/>
+          </a:xfrm>
+        </p:spPr>
+        <p:txBody>
+          <a:bodyPr/>
+          <a:lstStyle/>
+          <a:p>
+            <a:fld id="{9B1EC109-1E15-4BCA-93B5-56442BB3443E}" type="slidenum">
+              <a:rPr lang="zh-CN" altLang="en-US" sz="2400" b="1" smtClean="0">
+                <a:solidFill>
+                  <a:schemeClr val="bg1">
+                    <a:lumMod val="65000"/>
+                  </a:schemeClr>
+                </a:solidFill>
+                <a:latin typeface="Bradley Hand ITC" panose="03070402050302030203" pitchFamily="66" charset="0"/>
+              </a:rPr>
+              <a:t>15</a:t>
+            </a:fld>
+            <a:endParaRPr lang="zh-CN" altLang="en-US" sz="2400" b="1" dirty="0">
+              <a:solidFill>
+                <a:schemeClr val="bg1">
+                  <a:lumMod val="65000"/>
+                </a:schemeClr>
+              </a:solidFill>
+              <a:latin typeface="Bradley Hand ITC" panose="03070402050302030203" pitchFamily="66" charset="0"/>
+            </a:endParaRPr>
+          </a:p>
+        </p:txBody>
+      </p:sp>
+      <p:sp>
+        <p:nvSpPr>
+          <p:cNvPr id="4" name="Google Shape;867;p33">
+            <a:extLst>
+              <a:ext uri="{FF2B5EF4-FFF2-40B4-BE49-F238E27FC236}">
+                <a16:creationId xmlns:a16="http://schemas.microsoft.com/office/drawing/2014/main" id="{57DEBCB8-C7AB-7782-38C6-08C7F946F414}"/>
+              </a:ext>
+            </a:extLst>
+          </p:cNvPr>
+          <p:cNvSpPr txBox="1">
+            <a:spLocks/>
+          </p:cNvSpPr>
+          <p:nvPr/>
+        </p:nvSpPr>
+        <p:spPr>
+          <a:xfrm>
+            <a:off x="2222600" y="143850"/>
+            <a:ext cx="7746800" cy="1602400"/>
+          </a:xfrm>
+          <a:prstGeom prst="rect">
+            <a:avLst/>
+          </a:prstGeom>
+          <a:noFill/>
+          <a:ln>
+            <a:noFill/>
+          </a:ln>
+        </p:spPr>
+        <p:txBody>
+          <a:bodyPr spcFirstLastPara="1" wrap="square" lIns="91425" tIns="91425" rIns="91425" bIns="91425" anchor="b" anchorCtr="0">
+            <a:noAutofit/>
+          </a:bodyPr>
+          <a:lstStyle>
+            <a:defPPr marR="0" lvl="0" algn="l" rtl="0">
+              <a:lnSpc>
+                <a:spcPct val="100000"/>
+              </a:lnSpc>
+              <a:spcBef>
+                <a:spcPts val="0"/>
+              </a:spcBef>
+              <a:spcAft>
+                <a:spcPts val="0"/>
+              </a:spcAft>
+            </a:defPPr>
+            <a:lvl1pPr marR="0" lvl="0" algn="l" rtl="0">
+              <a:lnSpc>
+                <a:spcPct val="100000"/>
+              </a:lnSpc>
+              <a:spcBef>
+                <a:spcPts val="0"/>
+              </a:spcBef>
+              <a:spcAft>
+                <a:spcPts val="0"/>
+              </a:spcAft>
+              <a:buClr>
+                <a:schemeClr val="dk1"/>
+              </a:buClr>
+              <a:buSzPts val="3600"/>
+              <a:buFont typeface="Barlow"/>
+              <a:buNone/>
+              <a:defRPr sz="7200" b="1" i="0" u="none" strike="noStrike" cap="none">
+                <a:solidFill>
+                  <a:schemeClr val="dk1"/>
+                </a:solidFill>
+                <a:latin typeface="Barlow"/>
+                <a:ea typeface="Barlow"/>
+                <a:cs typeface="Barlow"/>
+                <a:sym typeface="Barlow"/>
+              </a:defRPr>
+            </a:lvl1pPr>
+            <a:lvl2pPr marR="0" lvl="1" algn="ctr" rtl="0">
+              <a:lnSpc>
+                <a:spcPct val="100000"/>
+              </a:lnSpc>
+              <a:spcBef>
+                <a:spcPts val="0"/>
+              </a:spcBef>
+              <a:spcAft>
+                <a:spcPts val="0"/>
+              </a:spcAft>
+              <a:buClr>
+                <a:schemeClr val="dk1"/>
+              </a:buClr>
+              <a:buSzPts val="3600"/>
+              <a:buFont typeface="Barlow"/>
+              <a:buNone/>
+              <a:defRPr sz="3600" b="1" i="0" u="none" strike="noStrike" cap="none">
+                <a:solidFill>
+                  <a:schemeClr val="dk1"/>
+                </a:solidFill>
+                <a:latin typeface="Barlow"/>
+                <a:ea typeface="Barlow"/>
+                <a:cs typeface="Barlow"/>
+                <a:sym typeface="Barlow"/>
+              </a:defRPr>
+            </a:lvl2pPr>
+            <a:lvl3pPr marR="0" lvl="2" algn="ctr" rtl="0">
+              <a:lnSpc>
+                <a:spcPct val="100000"/>
+              </a:lnSpc>
+              <a:spcBef>
+                <a:spcPts val="0"/>
+              </a:spcBef>
+              <a:spcAft>
+                <a:spcPts val="0"/>
+              </a:spcAft>
+              <a:buClr>
+                <a:schemeClr val="dk1"/>
+              </a:buClr>
+              <a:buSzPts val="3600"/>
+              <a:buFont typeface="Barlow"/>
+              <a:buNone/>
+              <a:defRPr sz="3600" b="1" i="0" u="none" strike="noStrike" cap="none">
+                <a:solidFill>
+                  <a:schemeClr val="dk1"/>
+                </a:solidFill>
+                <a:latin typeface="Barlow"/>
+                <a:ea typeface="Barlow"/>
+                <a:cs typeface="Barlow"/>
+                <a:sym typeface="Barlow"/>
+              </a:defRPr>
+            </a:lvl3pPr>
+            <a:lvl4pPr marR="0" lvl="3" algn="ctr" rtl="0">
+              <a:lnSpc>
+                <a:spcPct val="100000"/>
+              </a:lnSpc>
+              <a:spcBef>
+                <a:spcPts val="0"/>
+              </a:spcBef>
+              <a:spcAft>
+                <a:spcPts val="0"/>
+              </a:spcAft>
+              <a:buClr>
+                <a:schemeClr val="dk1"/>
+              </a:buClr>
+              <a:buSzPts val="3600"/>
+              <a:buFont typeface="Barlow"/>
+              <a:buNone/>
+              <a:defRPr sz="3600" b="1" i="0" u="none" strike="noStrike" cap="none">
+                <a:solidFill>
+                  <a:schemeClr val="dk1"/>
+                </a:solidFill>
+                <a:latin typeface="Barlow"/>
+                <a:ea typeface="Barlow"/>
+                <a:cs typeface="Barlow"/>
+                <a:sym typeface="Barlow"/>
+              </a:defRPr>
+            </a:lvl4pPr>
+            <a:lvl5pPr marR="0" lvl="4" algn="ctr" rtl="0">
+              <a:lnSpc>
+                <a:spcPct val="100000"/>
+              </a:lnSpc>
+              <a:spcBef>
+                <a:spcPts val="0"/>
+              </a:spcBef>
+              <a:spcAft>
+                <a:spcPts val="0"/>
+              </a:spcAft>
+              <a:buClr>
+                <a:schemeClr val="dk1"/>
+              </a:buClr>
+              <a:buSzPts val="3600"/>
+              <a:buFont typeface="Barlow"/>
+              <a:buNone/>
+              <a:defRPr sz="3600" b="1" i="0" u="none" strike="noStrike" cap="none">
+                <a:solidFill>
+                  <a:schemeClr val="dk1"/>
+                </a:solidFill>
+                <a:latin typeface="Barlow"/>
+                <a:ea typeface="Barlow"/>
+                <a:cs typeface="Barlow"/>
+                <a:sym typeface="Barlow"/>
+              </a:defRPr>
+            </a:lvl5pPr>
+            <a:lvl6pPr marR="0" lvl="5" algn="ctr" rtl="0">
+              <a:lnSpc>
+                <a:spcPct val="100000"/>
+              </a:lnSpc>
+              <a:spcBef>
+                <a:spcPts val="0"/>
+              </a:spcBef>
+              <a:spcAft>
+                <a:spcPts val="0"/>
+              </a:spcAft>
+              <a:buClr>
+                <a:schemeClr val="dk1"/>
+              </a:buClr>
+              <a:buSzPts val="3600"/>
+              <a:buFont typeface="Barlow"/>
+              <a:buNone/>
+              <a:defRPr sz="3600" b="1" i="0" u="none" strike="noStrike" cap="none">
+                <a:solidFill>
+                  <a:schemeClr val="dk1"/>
+                </a:solidFill>
+                <a:latin typeface="Barlow"/>
+                <a:ea typeface="Barlow"/>
+                <a:cs typeface="Barlow"/>
+                <a:sym typeface="Barlow"/>
+              </a:defRPr>
+            </a:lvl6pPr>
+            <a:lvl7pPr marR="0" lvl="6" algn="ctr" rtl="0">
+              <a:lnSpc>
+                <a:spcPct val="100000"/>
+              </a:lnSpc>
+              <a:spcBef>
+                <a:spcPts val="0"/>
+              </a:spcBef>
+              <a:spcAft>
+                <a:spcPts val="0"/>
+              </a:spcAft>
+              <a:buClr>
+                <a:schemeClr val="dk1"/>
+              </a:buClr>
+              <a:buSzPts val="3600"/>
+              <a:buFont typeface="Barlow"/>
+              <a:buNone/>
+              <a:defRPr sz="3600" b="1" i="0" u="none" strike="noStrike" cap="none">
+                <a:solidFill>
+                  <a:schemeClr val="dk1"/>
+                </a:solidFill>
+                <a:latin typeface="Barlow"/>
+                <a:ea typeface="Barlow"/>
+                <a:cs typeface="Barlow"/>
+                <a:sym typeface="Barlow"/>
+              </a:defRPr>
+            </a:lvl7pPr>
+            <a:lvl8pPr marR="0" lvl="7" algn="ctr" rtl="0">
+              <a:lnSpc>
+                <a:spcPct val="100000"/>
+              </a:lnSpc>
+              <a:spcBef>
+                <a:spcPts val="0"/>
+              </a:spcBef>
+              <a:spcAft>
+                <a:spcPts val="0"/>
+              </a:spcAft>
+              <a:buClr>
+                <a:schemeClr val="dk1"/>
+              </a:buClr>
+              <a:buSzPts val="3600"/>
+              <a:buFont typeface="Barlow"/>
+              <a:buNone/>
+              <a:defRPr sz="3600" b="1" i="0" u="none" strike="noStrike" cap="none">
+                <a:solidFill>
+                  <a:schemeClr val="dk1"/>
+                </a:solidFill>
+                <a:latin typeface="Barlow"/>
+                <a:ea typeface="Barlow"/>
+                <a:cs typeface="Barlow"/>
+                <a:sym typeface="Barlow"/>
+              </a:defRPr>
+            </a:lvl8pPr>
+            <a:lvl9pPr marR="0" lvl="8" algn="ctr" rtl="0">
+              <a:lnSpc>
+                <a:spcPct val="100000"/>
+              </a:lnSpc>
+              <a:spcBef>
+                <a:spcPts val="0"/>
+              </a:spcBef>
+              <a:spcAft>
+                <a:spcPts val="0"/>
+              </a:spcAft>
+              <a:buClr>
+                <a:schemeClr val="dk1"/>
+              </a:buClr>
+              <a:buSzPts val="3600"/>
+              <a:buFont typeface="Barlow"/>
+              <a:buNone/>
+              <a:defRPr sz="3600" b="1" i="0" u="none" strike="noStrike" cap="none">
+                <a:solidFill>
+                  <a:schemeClr val="dk1"/>
+                </a:solidFill>
+                <a:latin typeface="Barlow"/>
+                <a:ea typeface="Barlow"/>
+                <a:cs typeface="Barlow"/>
+                <a:sym typeface="Barlow"/>
+              </a:defRPr>
+            </a:lvl9pPr>
+          </a:lstStyle>
+          <a:p>
+            <a:pPr algn="ctr"/>
+            <a:r>
+              <a:rPr lang="en-US" altLang="zh-CN" sz="8000" spc="300" dirty="0">
+                <a:solidFill>
+                  <a:schemeClr val="accent4">
+                    <a:lumMod val="60000"/>
+                    <a:lumOff val="40000"/>
+                    <a:alpha val="60000"/>
+                  </a:schemeClr>
+                </a:solidFill>
+                <a:latin typeface="Amatic SC" panose="020F0502020204030204" pitchFamily="2" charset="-79"/>
+                <a:cs typeface="Amatic SC" panose="020F0502020204030204" pitchFamily="2" charset="-79"/>
+              </a:rPr>
+              <a:t>Move to Next Level</a:t>
+            </a:r>
+          </a:p>
+        </p:txBody>
+      </p:sp>
+      <p:sp>
+        <p:nvSpPr>
+          <p:cNvPr id="13" name="Arrow: Bent-Up 12">
+            <a:extLst>
+              <a:ext uri="{FF2B5EF4-FFF2-40B4-BE49-F238E27FC236}">
+                <a16:creationId xmlns:a16="http://schemas.microsoft.com/office/drawing/2014/main" id="{86371E0B-EC46-5BCB-BD1B-E5B331D68696}"/>
+              </a:ext>
+            </a:extLst>
+          </p:cNvPr>
+          <p:cNvSpPr/>
+          <p:nvPr/>
+        </p:nvSpPr>
+        <p:spPr>
+          <a:xfrm rot="5400000">
+            <a:off x="5922955" y="3877298"/>
+            <a:ext cx="563154" cy="849655"/>
+          </a:xfrm>
+          <a:prstGeom prst="bentUpArrow">
+            <a:avLst/>
+          </a:prstGeom>
+          <a:solidFill>
+            <a:schemeClr val="bg1">
+              <a:lumMod val="75000"/>
+              <a:alpha val="80000"/>
+            </a:schemeClr>
+          </a:solidFill>
+          <a:ln>
+            <a:noFill/>
+          </a:ln>
+        </p:spPr>
+        <p:style>
+          <a:lnRef idx="2">
+            <a:schemeClr val="accent1">
+              <a:shade val="15000"/>
+            </a:schemeClr>
+          </a:lnRef>
+          <a:fillRef idx="1">
+            <a:schemeClr val="accent1"/>
+          </a:fillRef>
+          <a:effectRef idx="0">
+            <a:schemeClr val="accent1"/>
+          </a:effectRef>
+          <a:fontRef idx="minor">
+            <a:schemeClr val="lt1"/>
+          </a:fontRef>
+        </p:style>
+        <p:txBody>
+          <a:bodyPr rtlCol="0" anchor="ctr"/>
+          <a:lstStyle/>
+          <a:p>
+            <a:pPr algn="ctr"/>
+            <a:endParaRPr lang="zh-CN" altLang="en-US"/>
+          </a:p>
+        </p:txBody>
+      </p:sp>
+      <p:sp>
+        <p:nvSpPr>
+          <p:cNvPr id="14" name="TextBox 13">
+            <a:extLst>
+              <a:ext uri="{FF2B5EF4-FFF2-40B4-BE49-F238E27FC236}">
+                <a16:creationId xmlns:a16="http://schemas.microsoft.com/office/drawing/2014/main" id="{5A97131C-56A3-CDAA-7EE7-44D4045A83A1}"/>
+              </a:ext>
+            </a:extLst>
+          </p:cNvPr>
+          <p:cNvSpPr txBox="1"/>
+          <p:nvPr/>
+        </p:nvSpPr>
+        <p:spPr>
+          <a:xfrm>
+            <a:off x="7272611" y="4702831"/>
+            <a:ext cx="1460431" cy="523220"/>
+          </a:xfrm>
+          <a:prstGeom prst="rect">
+            <a:avLst/>
+          </a:prstGeom>
+          <a:noFill/>
+        </p:spPr>
+        <p:txBody>
+          <a:bodyPr wrap="square" rtlCol="0">
+            <a:spAutoFit/>
+          </a:bodyPr>
+          <a:lstStyle/>
+          <a:p>
+            <a:pPr algn="ctr"/>
+            <a:r>
+              <a:rPr lang="en-US" altLang="zh-CN" sz="2800" dirty="0">
+                <a:solidFill>
+                  <a:schemeClr val="bg1">
+                    <a:lumMod val="75000"/>
+                  </a:schemeClr>
+                </a:solidFill>
+                <a:latin typeface="High Tower Text" panose="02040502050506030303" pitchFamily="18" charset="0"/>
+              </a:rPr>
+              <a:t>Level2</a:t>
+            </a:r>
+            <a:endParaRPr lang="zh-CN" altLang="en-US" sz="2800" dirty="0">
+              <a:solidFill>
+                <a:schemeClr val="accent2">
+                  <a:lumMod val="60000"/>
+                  <a:lumOff val="40000"/>
+                </a:schemeClr>
+              </a:solidFill>
+              <a:latin typeface="High Tower Text" panose="02040502050506030303" pitchFamily="18" charset="0"/>
+            </a:endParaRPr>
+          </a:p>
+        </p:txBody>
+      </p:sp>
+      <p:sp>
+        <p:nvSpPr>
+          <p:cNvPr id="15" name="TextBox 14">
+            <a:extLst>
+              <a:ext uri="{FF2B5EF4-FFF2-40B4-BE49-F238E27FC236}">
+                <a16:creationId xmlns:a16="http://schemas.microsoft.com/office/drawing/2014/main" id="{B184D9B6-937B-E627-F26B-3241B79A64DE}"/>
+              </a:ext>
+            </a:extLst>
+          </p:cNvPr>
+          <p:cNvSpPr txBox="1"/>
+          <p:nvPr/>
+        </p:nvSpPr>
+        <p:spPr>
+          <a:xfrm>
+            <a:off x="9699123" y="6101414"/>
+            <a:ext cx="1460431" cy="523220"/>
+          </a:xfrm>
+          <a:prstGeom prst="rect">
+            <a:avLst/>
+          </a:prstGeom>
+          <a:noFill/>
+        </p:spPr>
+        <p:txBody>
+          <a:bodyPr wrap="square" rtlCol="0">
+            <a:spAutoFit/>
+          </a:bodyPr>
+          <a:lstStyle/>
+          <a:p>
+            <a:pPr algn="ctr"/>
+            <a:r>
+              <a:rPr lang="en-US" altLang="zh-CN" sz="2800" dirty="0">
+                <a:solidFill>
+                  <a:schemeClr val="bg1">
+                    <a:lumMod val="75000"/>
+                  </a:schemeClr>
+                </a:solidFill>
+                <a:latin typeface="High Tower Text" panose="02040502050506030303" pitchFamily="18" charset="0"/>
+              </a:rPr>
+              <a:t>Level3</a:t>
+            </a:r>
+            <a:endParaRPr lang="zh-CN" altLang="en-US" sz="2800" dirty="0">
+              <a:solidFill>
+                <a:schemeClr val="accent2">
+                  <a:lumMod val="60000"/>
+                  <a:lumOff val="40000"/>
+                </a:schemeClr>
+              </a:solidFill>
+              <a:latin typeface="High Tower Text" panose="02040502050506030303" pitchFamily="18" charset="0"/>
+            </a:endParaRPr>
+          </a:p>
+        </p:txBody>
+      </p:sp>
+      <p:pic>
+        <p:nvPicPr>
+          <p:cNvPr id="7" name="Picture 6">
+            <a:extLst>
+              <a:ext uri="{FF2B5EF4-FFF2-40B4-BE49-F238E27FC236}">
+                <a16:creationId xmlns:a16="http://schemas.microsoft.com/office/drawing/2014/main" id="{552DA445-6DBB-929E-04FF-6103F730DC72}"/>
+              </a:ext>
+            </a:extLst>
+          </p:cNvPr>
+          <p:cNvPicPr>
+            <a:picLocks noChangeAspect="1"/>
+          </p:cNvPicPr>
+          <p:nvPr/>
+        </p:nvPicPr>
+        <p:blipFill>
+          <a:blip r:embed="rId2">
+            <a:extLst>
+              <a:ext uri="{28A0092B-C50C-407E-A947-70E740481C1C}">
+                <a14:useLocalDpi xmlns:a14="http://schemas.microsoft.com/office/drawing/2010/main" val="0"/>
+              </a:ext>
+            </a:extLst>
+          </a:blip>
+          <a:stretch>
+            <a:fillRect/>
+          </a:stretch>
+        </p:blipFill>
+        <p:spPr>
+          <a:xfrm>
+            <a:off x="9531038" y="4816805"/>
+            <a:ext cx="1640221" cy="1230165"/>
+          </a:xfrm>
+          <a:prstGeom prst="rect">
+            <a:avLst/>
+          </a:prstGeom>
+        </p:spPr>
+      </p:pic>
+      <p:pic>
+        <p:nvPicPr>
+          <p:cNvPr id="9" name="Picture 8">
+            <a:extLst>
+              <a:ext uri="{FF2B5EF4-FFF2-40B4-BE49-F238E27FC236}">
+                <a16:creationId xmlns:a16="http://schemas.microsoft.com/office/drawing/2014/main" id="{EEACB9EA-CE3E-D4BC-9E85-86312D143243}"/>
+              </a:ext>
+            </a:extLst>
+          </p:cNvPr>
+          <p:cNvPicPr>
+            <a:picLocks noChangeAspect="1"/>
+          </p:cNvPicPr>
+          <p:nvPr/>
+        </p:nvPicPr>
+        <p:blipFill>
+          <a:blip r:embed="rId3">
+            <a:extLst>
+              <a:ext uri="{28A0092B-C50C-407E-A947-70E740481C1C}">
+                <a14:useLocalDpi xmlns:a14="http://schemas.microsoft.com/office/drawing/2010/main" val="0"/>
+              </a:ext>
+            </a:extLst>
+          </a:blip>
+          <a:stretch>
+            <a:fillRect/>
+          </a:stretch>
+        </p:blipFill>
+        <p:spPr>
+          <a:xfrm>
+            <a:off x="7153171" y="3502629"/>
+            <a:ext cx="1640221" cy="1230166"/>
+          </a:xfrm>
+          <a:prstGeom prst="rect">
+            <a:avLst/>
+          </a:prstGeom>
+        </p:spPr>
+      </p:pic>
+      <p:pic>
+        <p:nvPicPr>
+          <p:cNvPr id="18" name="Picture 17">
+            <a:extLst>
+              <a:ext uri="{FF2B5EF4-FFF2-40B4-BE49-F238E27FC236}">
+                <a16:creationId xmlns:a16="http://schemas.microsoft.com/office/drawing/2014/main" id="{4F1655BF-3C3F-F7BB-CE24-C0B26BA86034}"/>
+              </a:ext>
+            </a:extLst>
+          </p:cNvPr>
+          <p:cNvPicPr>
+            <a:picLocks noChangeAspect="1"/>
+          </p:cNvPicPr>
+          <p:nvPr/>
+        </p:nvPicPr>
+        <p:blipFill>
+          <a:blip r:embed="rId4">
+            <a:extLst>
+              <a:ext uri="{28A0092B-C50C-407E-A947-70E740481C1C}">
+                <a14:useLocalDpi xmlns:a14="http://schemas.microsoft.com/office/drawing/2010/main" val="0"/>
+              </a:ext>
+            </a:extLst>
+          </a:blip>
+          <a:stretch>
+            <a:fillRect/>
+          </a:stretch>
+        </p:blipFill>
+        <p:spPr>
+          <a:xfrm>
+            <a:off x="859848" y="3242533"/>
+            <a:ext cx="2621906" cy="1750358"/>
+          </a:xfrm>
+          <a:prstGeom prst="rect">
+            <a:avLst/>
+          </a:prstGeom>
+        </p:spPr>
+      </p:pic>
+      <p:pic>
+        <p:nvPicPr>
+          <p:cNvPr id="10" name="Graphic 9">
+            <a:extLst>
+              <a:ext uri="{FF2B5EF4-FFF2-40B4-BE49-F238E27FC236}">
+                <a16:creationId xmlns:a16="http://schemas.microsoft.com/office/drawing/2014/main" id="{FF7EAC1E-DC9B-13E4-3F67-59C40934415E}"/>
+              </a:ext>
+            </a:extLst>
+          </p:cNvPr>
+          <p:cNvPicPr>
+            <a:picLocks noChangeAspect="1"/>
+          </p:cNvPicPr>
+          <p:nvPr/>
+        </p:nvPicPr>
+        <p:blipFill>
+          <a:blip r:embed="rId5">
+            <a:extLst>
+              <a:ext uri="{96DAC541-7B7A-43D3-8B79-37D633B846F1}">
+                <asvg:svgBlip xmlns:asvg="http://schemas.microsoft.com/office/drawing/2016/SVG/main" r:embed="rId6"/>
+              </a:ext>
+            </a:extLst>
+          </a:blip>
+          <a:stretch>
+            <a:fillRect/>
+          </a:stretch>
+        </p:blipFill>
+        <p:spPr>
+          <a:xfrm>
+            <a:off x="4846583" y="2208028"/>
+            <a:ext cx="1632334" cy="1230165"/>
+          </a:xfrm>
+          <a:prstGeom prst="rect">
+            <a:avLst/>
+          </a:prstGeom>
+        </p:spPr>
+      </p:pic>
+      <p:sp>
+        <p:nvSpPr>
+          <p:cNvPr id="11" name="TextBox 10">
+            <a:extLst>
+              <a:ext uri="{FF2B5EF4-FFF2-40B4-BE49-F238E27FC236}">
+                <a16:creationId xmlns:a16="http://schemas.microsoft.com/office/drawing/2014/main" id="{2A8DEFB3-E458-A343-C35E-B3540AA4178A}"/>
+              </a:ext>
+            </a:extLst>
+          </p:cNvPr>
+          <p:cNvSpPr txBox="1"/>
+          <p:nvPr/>
+        </p:nvSpPr>
+        <p:spPr>
+          <a:xfrm>
+            <a:off x="4932534" y="3438193"/>
+            <a:ext cx="1460431" cy="523220"/>
+          </a:xfrm>
+          <a:prstGeom prst="rect">
+            <a:avLst/>
+          </a:prstGeom>
+          <a:noFill/>
+        </p:spPr>
+        <p:txBody>
+          <a:bodyPr wrap="square" rtlCol="0">
+            <a:spAutoFit/>
+          </a:bodyPr>
+          <a:lstStyle/>
+          <a:p>
+            <a:pPr algn="ctr"/>
+            <a:r>
+              <a:rPr lang="en-US" altLang="zh-CN" sz="2800" dirty="0">
+                <a:solidFill>
+                  <a:schemeClr val="bg1">
+                    <a:lumMod val="75000"/>
+                  </a:schemeClr>
+                </a:solidFill>
+                <a:latin typeface="High Tower Text" panose="02040502050506030303" pitchFamily="18" charset="0"/>
+              </a:rPr>
+              <a:t>Level1</a:t>
+            </a:r>
+            <a:endParaRPr lang="zh-CN" altLang="en-US" sz="2800" dirty="0">
+              <a:solidFill>
+                <a:schemeClr val="accent2">
+                  <a:lumMod val="60000"/>
+                  <a:lumOff val="40000"/>
+                </a:schemeClr>
+              </a:solidFill>
+              <a:latin typeface="High Tower Text" panose="02040502050506030303" pitchFamily="18" charset="0"/>
+            </a:endParaRPr>
+          </a:p>
+        </p:txBody>
+      </p:sp>
+      <p:sp>
+        <p:nvSpPr>
+          <p:cNvPr id="19" name="Arrow: Bent-Up 18">
+            <a:extLst>
+              <a:ext uri="{FF2B5EF4-FFF2-40B4-BE49-F238E27FC236}">
+                <a16:creationId xmlns:a16="http://schemas.microsoft.com/office/drawing/2014/main" id="{FF7F14D7-C515-7D73-4147-0F72E280EA61}"/>
+              </a:ext>
+            </a:extLst>
+          </p:cNvPr>
+          <p:cNvSpPr/>
+          <p:nvPr/>
+        </p:nvSpPr>
+        <p:spPr>
+          <a:xfrm rot="5400000">
+            <a:off x="8228719" y="5226593"/>
+            <a:ext cx="563154" cy="849655"/>
+          </a:xfrm>
+          <a:prstGeom prst="bentUpArrow">
+            <a:avLst/>
+          </a:prstGeom>
+          <a:solidFill>
+            <a:schemeClr val="bg1">
+              <a:lumMod val="75000"/>
+              <a:alpha val="80000"/>
+            </a:schemeClr>
+          </a:solidFill>
+          <a:ln>
+            <a:noFill/>
+          </a:ln>
+        </p:spPr>
+        <p:style>
+          <a:lnRef idx="2">
+            <a:schemeClr val="accent1">
+              <a:shade val="15000"/>
+            </a:schemeClr>
+          </a:lnRef>
+          <a:fillRef idx="1">
+            <a:schemeClr val="accent1"/>
+          </a:fillRef>
+          <a:effectRef idx="0">
+            <a:schemeClr val="accent1"/>
+          </a:effectRef>
+          <a:fontRef idx="minor">
+            <a:schemeClr val="lt1"/>
+          </a:fontRef>
+        </p:style>
+        <p:txBody>
+          <a:bodyPr rtlCol="0" anchor="ctr"/>
+          <a:lstStyle/>
+          <a:p>
+            <a:pPr algn="ctr"/>
+            <a:endParaRPr lang="zh-CN" altLang="en-US"/>
+          </a:p>
+        </p:txBody>
+      </p:sp>
+    </p:spTree>
+    <p:extLst>
+      <p:ext uri="{BB962C8B-B14F-4D97-AF65-F5344CB8AC3E}">
+        <p14:creationId xmlns:p14="http://schemas.microsoft.com/office/powerpoint/2010/main" val="682591978"/>
+      </p:ext>
+    </p:extLst>
+  </p:cSld>
+  <p:clrMapOvr>
+    <a:masterClrMapping/>
+  </p:clrMapOvr>
+</p:sld>
+</file>
+
+<file path=ppt/slides/slide16.xml><?xml version="1.0" encoding="utf-8"?>
+<p:sld xmlns:a="http://schemas.openxmlformats.org/drawingml/2006/main" xmlns:r="http://schemas.openxmlformats.org/officeDocument/2006/relationships" xmlns:p="http://schemas.openxmlformats.org/presentationml/2006/main">
+  <p:cSld>
+    <p:spTree>
+      <p:nvGrpSpPr>
+        <p:cNvPr id="1" name="">
+          <a:extLst>
+            <a:ext uri="{FF2B5EF4-FFF2-40B4-BE49-F238E27FC236}">
+              <a16:creationId xmlns:a16="http://schemas.microsoft.com/office/drawing/2014/main" id="{FD7F8EF5-0916-DD5F-A224-A2906402DB4B}"/>
+            </a:ext>
+          </a:extLst>
+        </p:cNvPr>
+        <p:cNvGrpSpPr/>
+        <p:nvPr/>
+      </p:nvGrpSpPr>
+      <p:grpSpPr>
+        <a:xfrm>
+          <a:off x="0" y="0"/>
+          <a:ext cx="0" cy="0"/>
+          <a:chOff x="0" y="0"/>
+          <a:chExt cx="0" cy="0"/>
+        </a:xfrm>
+      </p:grpSpPr>
+      <p:sp>
+        <p:nvSpPr>
+          <p:cNvPr id="6" name="Rectangle 5">
+            <a:extLst>
+              <a:ext uri="{FF2B5EF4-FFF2-40B4-BE49-F238E27FC236}">
+                <a16:creationId xmlns:a16="http://schemas.microsoft.com/office/drawing/2014/main" id="{2AD0C05E-77D6-6EBE-3935-479AA92887E0}"/>
+              </a:ext>
+            </a:extLst>
+          </p:cNvPr>
+          <p:cNvSpPr/>
+          <p:nvPr/>
+        </p:nvSpPr>
+        <p:spPr>
+          <a:xfrm>
+            <a:off x="0" y="0"/>
+            <a:ext cx="12192000" cy="6858000"/>
+          </a:xfrm>
+          <a:prstGeom prst="rect">
+            <a:avLst/>
+          </a:prstGeom>
+          <a:solidFill>
+            <a:srgbClr val="23242A"/>
+          </a:solidFill>
+          <a:ln>
+            <a:noFill/>
+          </a:ln>
+        </p:spPr>
+        <p:style>
+          <a:lnRef idx="2">
+            <a:schemeClr val="accent1">
+              <a:shade val="15000"/>
+            </a:schemeClr>
+          </a:lnRef>
+          <a:fillRef idx="1">
+            <a:schemeClr val="accent1"/>
+          </a:fillRef>
+          <a:effectRef idx="0">
+            <a:schemeClr val="accent1"/>
+          </a:effectRef>
+          <a:fontRef idx="minor">
+            <a:schemeClr val="lt1"/>
+          </a:fontRef>
+        </p:style>
+        <p:txBody>
+          <a:bodyPr rtlCol="0" anchor="ctr"/>
+          <a:lstStyle/>
+          <a:p>
+            <a:pPr algn="ctr"/>
+            <a:endParaRPr lang="zh-CN" altLang="en-US" dirty="0"/>
+          </a:p>
+        </p:txBody>
+      </p:sp>
+      <p:sp>
+        <p:nvSpPr>
+          <p:cNvPr id="2" name="Slide Number Placeholder 1">
+            <a:extLst>
+              <a:ext uri="{FF2B5EF4-FFF2-40B4-BE49-F238E27FC236}">
+                <a16:creationId xmlns:a16="http://schemas.microsoft.com/office/drawing/2014/main" id="{973B2237-E8E6-8F1A-74CA-406E5590960A}"/>
+              </a:ext>
+            </a:extLst>
+          </p:cNvPr>
+          <p:cNvSpPr>
+            <a:spLocks noGrp="1"/>
+          </p:cNvSpPr>
+          <p:nvPr>
+            <p:ph type="sldNum" sz="quarter" idx="12"/>
+          </p:nvPr>
+        </p:nvSpPr>
+        <p:spPr>
+          <a:xfrm>
+            <a:off x="9057739" y="6259509"/>
+            <a:ext cx="2743200" cy="365125"/>
+          </a:xfrm>
+        </p:spPr>
+        <p:txBody>
+          <a:bodyPr/>
+          <a:lstStyle/>
+          <a:p>
+            <a:fld id="{9B1EC109-1E15-4BCA-93B5-56442BB3443E}" type="slidenum">
+              <a:rPr lang="zh-CN" altLang="en-US" sz="2400" b="1" smtClean="0">
+                <a:solidFill>
+                  <a:schemeClr val="bg1">
+                    <a:lumMod val="65000"/>
+                  </a:schemeClr>
+                </a:solidFill>
+                <a:latin typeface="Bradley Hand ITC" panose="03070402050302030203" pitchFamily="66" charset="0"/>
+              </a:rPr>
+              <a:t>16</a:t>
+            </a:fld>
+            <a:endParaRPr lang="zh-CN" altLang="en-US" sz="2400" b="1" dirty="0">
+              <a:solidFill>
+                <a:schemeClr val="bg1">
+                  <a:lumMod val="65000"/>
+                </a:schemeClr>
+              </a:solidFill>
+              <a:latin typeface="Bradley Hand ITC" panose="03070402050302030203" pitchFamily="66" charset="0"/>
+            </a:endParaRPr>
+          </a:p>
+        </p:txBody>
+      </p:sp>
+      <p:sp>
+        <p:nvSpPr>
+          <p:cNvPr id="4" name="Google Shape;867;p33">
+            <a:extLst>
+              <a:ext uri="{FF2B5EF4-FFF2-40B4-BE49-F238E27FC236}">
+                <a16:creationId xmlns:a16="http://schemas.microsoft.com/office/drawing/2014/main" id="{2CE0AD0D-84FF-4E8A-85A4-0678748DB554}"/>
+              </a:ext>
+            </a:extLst>
+          </p:cNvPr>
+          <p:cNvSpPr txBox="1">
+            <a:spLocks/>
+          </p:cNvSpPr>
+          <p:nvPr/>
+        </p:nvSpPr>
+        <p:spPr>
+          <a:xfrm>
+            <a:off x="2222600" y="143850"/>
+            <a:ext cx="7746800" cy="1602400"/>
+          </a:xfrm>
+          <a:prstGeom prst="rect">
+            <a:avLst/>
+          </a:prstGeom>
+          <a:noFill/>
+          <a:ln>
+            <a:noFill/>
+          </a:ln>
+        </p:spPr>
+        <p:txBody>
+          <a:bodyPr spcFirstLastPara="1" wrap="square" lIns="91425" tIns="91425" rIns="91425" bIns="91425" anchor="b" anchorCtr="0">
+            <a:noAutofit/>
+          </a:bodyPr>
+          <a:lstStyle>
+            <a:defPPr marR="0" lvl="0" algn="l" rtl="0">
+              <a:lnSpc>
+                <a:spcPct val="100000"/>
+              </a:lnSpc>
+              <a:spcBef>
+                <a:spcPts val="0"/>
+              </a:spcBef>
+              <a:spcAft>
+                <a:spcPts val="0"/>
+              </a:spcAft>
+            </a:defPPr>
+            <a:lvl1pPr marR="0" lvl="0" algn="l" rtl="0">
+              <a:lnSpc>
+                <a:spcPct val="100000"/>
+              </a:lnSpc>
+              <a:spcBef>
+                <a:spcPts val="0"/>
+              </a:spcBef>
+              <a:spcAft>
+                <a:spcPts val="0"/>
+              </a:spcAft>
+              <a:buClr>
+                <a:schemeClr val="dk1"/>
+              </a:buClr>
+              <a:buSzPts val="3600"/>
+              <a:buFont typeface="Barlow"/>
+              <a:buNone/>
+              <a:defRPr sz="7200" b="1" i="0" u="none" strike="noStrike" cap="none">
+                <a:solidFill>
+                  <a:schemeClr val="dk1"/>
+                </a:solidFill>
+                <a:latin typeface="Barlow"/>
+                <a:ea typeface="Barlow"/>
+                <a:cs typeface="Barlow"/>
+                <a:sym typeface="Barlow"/>
+              </a:defRPr>
+            </a:lvl1pPr>
+            <a:lvl2pPr marR="0" lvl="1" algn="ctr" rtl="0">
+              <a:lnSpc>
+                <a:spcPct val="100000"/>
+              </a:lnSpc>
+              <a:spcBef>
+                <a:spcPts val="0"/>
+              </a:spcBef>
+              <a:spcAft>
+                <a:spcPts val="0"/>
+              </a:spcAft>
+              <a:buClr>
+                <a:schemeClr val="dk1"/>
+              </a:buClr>
+              <a:buSzPts val="3600"/>
+              <a:buFont typeface="Barlow"/>
+              <a:buNone/>
+              <a:defRPr sz="3600" b="1" i="0" u="none" strike="noStrike" cap="none">
+                <a:solidFill>
+                  <a:schemeClr val="dk1"/>
+                </a:solidFill>
+                <a:latin typeface="Barlow"/>
+                <a:ea typeface="Barlow"/>
+                <a:cs typeface="Barlow"/>
+                <a:sym typeface="Barlow"/>
+              </a:defRPr>
+            </a:lvl2pPr>
+            <a:lvl3pPr marR="0" lvl="2" algn="ctr" rtl="0">
+              <a:lnSpc>
+                <a:spcPct val="100000"/>
+              </a:lnSpc>
+              <a:spcBef>
+                <a:spcPts val="0"/>
+              </a:spcBef>
+              <a:spcAft>
+                <a:spcPts val="0"/>
+              </a:spcAft>
+              <a:buClr>
+                <a:schemeClr val="dk1"/>
+              </a:buClr>
+              <a:buSzPts val="3600"/>
+              <a:buFont typeface="Barlow"/>
+              <a:buNone/>
+              <a:defRPr sz="3600" b="1" i="0" u="none" strike="noStrike" cap="none">
+                <a:solidFill>
+                  <a:schemeClr val="dk1"/>
+                </a:solidFill>
+                <a:latin typeface="Barlow"/>
+                <a:ea typeface="Barlow"/>
+                <a:cs typeface="Barlow"/>
+                <a:sym typeface="Barlow"/>
+              </a:defRPr>
+            </a:lvl3pPr>
+            <a:lvl4pPr marR="0" lvl="3" algn="ctr" rtl="0">
+              <a:lnSpc>
+                <a:spcPct val="100000"/>
+              </a:lnSpc>
+              <a:spcBef>
+                <a:spcPts val="0"/>
+              </a:spcBef>
+              <a:spcAft>
+                <a:spcPts val="0"/>
+              </a:spcAft>
+              <a:buClr>
+                <a:schemeClr val="dk1"/>
+              </a:buClr>
+              <a:buSzPts val="3600"/>
+              <a:buFont typeface="Barlow"/>
+              <a:buNone/>
+              <a:defRPr sz="3600" b="1" i="0" u="none" strike="noStrike" cap="none">
+                <a:solidFill>
+                  <a:schemeClr val="dk1"/>
+                </a:solidFill>
+                <a:latin typeface="Barlow"/>
+                <a:ea typeface="Barlow"/>
+                <a:cs typeface="Barlow"/>
+                <a:sym typeface="Barlow"/>
+              </a:defRPr>
+            </a:lvl4pPr>
+            <a:lvl5pPr marR="0" lvl="4" algn="ctr" rtl="0">
+              <a:lnSpc>
+                <a:spcPct val="100000"/>
+              </a:lnSpc>
+              <a:spcBef>
+                <a:spcPts val="0"/>
+              </a:spcBef>
+              <a:spcAft>
+                <a:spcPts val="0"/>
+              </a:spcAft>
+              <a:buClr>
+                <a:schemeClr val="dk1"/>
+              </a:buClr>
+              <a:buSzPts val="3600"/>
+              <a:buFont typeface="Barlow"/>
+              <a:buNone/>
+              <a:defRPr sz="3600" b="1" i="0" u="none" strike="noStrike" cap="none">
+                <a:solidFill>
+                  <a:schemeClr val="dk1"/>
+                </a:solidFill>
+                <a:latin typeface="Barlow"/>
+                <a:ea typeface="Barlow"/>
+                <a:cs typeface="Barlow"/>
+                <a:sym typeface="Barlow"/>
+              </a:defRPr>
+            </a:lvl5pPr>
+            <a:lvl6pPr marR="0" lvl="5" algn="ctr" rtl="0">
+              <a:lnSpc>
+                <a:spcPct val="100000"/>
+              </a:lnSpc>
+              <a:spcBef>
+                <a:spcPts val="0"/>
+              </a:spcBef>
+              <a:spcAft>
+                <a:spcPts val="0"/>
+              </a:spcAft>
+              <a:buClr>
+                <a:schemeClr val="dk1"/>
+              </a:buClr>
+              <a:buSzPts val="3600"/>
+              <a:buFont typeface="Barlow"/>
+              <a:buNone/>
+              <a:defRPr sz="3600" b="1" i="0" u="none" strike="noStrike" cap="none">
+                <a:solidFill>
+                  <a:schemeClr val="dk1"/>
+                </a:solidFill>
+                <a:latin typeface="Barlow"/>
+                <a:ea typeface="Barlow"/>
+                <a:cs typeface="Barlow"/>
+                <a:sym typeface="Barlow"/>
+              </a:defRPr>
+            </a:lvl6pPr>
+            <a:lvl7pPr marR="0" lvl="6" algn="ctr" rtl="0">
+              <a:lnSpc>
+                <a:spcPct val="100000"/>
+              </a:lnSpc>
+              <a:spcBef>
+                <a:spcPts val="0"/>
+              </a:spcBef>
+              <a:spcAft>
+                <a:spcPts val="0"/>
+              </a:spcAft>
+              <a:buClr>
+                <a:schemeClr val="dk1"/>
+              </a:buClr>
+              <a:buSzPts val="3600"/>
+              <a:buFont typeface="Barlow"/>
+              <a:buNone/>
+              <a:defRPr sz="3600" b="1" i="0" u="none" strike="noStrike" cap="none">
+                <a:solidFill>
+                  <a:schemeClr val="dk1"/>
+                </a:solidFill>
+                <a:latin typeface="Barlow"/>
+                <a:ea typeface="Barlow"/>
+                <a:cs typeface="Barlow"/>
+                <a:sym typeface="Barlow"/>
+              </a:defRPr>
+            </a:lvl7pPr>
+            <a:lvl8pPr marR="0" lvl="7" algn="ctr" rtl="0">
+              <a:lnSpc>
+                <a:spcPct val="100000"/>
+              </a:lnSpc>
+              <a:spcBef>
+                <a:spcPts val="0"/>
+              </a:spcBef>
+              <a:spcAft>
+                <a:spcPts val="0"/>
+              </a:spcAft>
+              <a:buClr>
+                <a:schemeClr val="dk1"/>
+              </a:buClr>
+              <a:buSzPts val="3600"/>
+              <a:buFont typeface="Barlow"/>
+              <a:buNone/>
+              <a:defRPr sz="3600" b="1" i="0" u="none" strike="noStrike" cap="none">
+                <a:solidFill>
+                  <a:schemeClr val="dk1"/>
+                </a:solidFill>
+                <a:latin typeface="Barlow"/>
+                <a:ea typeface="Barlow"/>
+                <a:cs typeface="Barlow"/>
+                <a:sym typeface="Barlow"/>
+              </a:defRPr>
+            </a:lvl8pPr>
+            <a:lvl9pPr marR="0" lvl="8" algn="ctr" rtl="0">
+              <a:lnSpc>
+                <a:spcPct val="100000"/>
+              </a:lnSpc>
+              <a:spcBef>
+                <a:spcPts val="0"/>
+              </a:spcBef>
+              <a:spcAft>
+                <a:spcPts val="0"/>
+              </a:spcAft>
+              <a:buClr>
+                <a:schemeClr val="dk1"/>
+              </a:buClr>
+              <a:buSzPts val="3600"/>
+              <a:buFont typeface="Barlow"/>
+              <a:buNone/>
+              <a:defRPr sz="3600" b="1" i="0" u="none" strike="noStrike" cap="none">
+                <a:solidFill>
+                  <a:schemeClr val="dk1"/>
+                </a:solidFill>
+                <a:latin typeface="Barlow"/>
+                <a:ea typeface="Barlow"/>
+                <a:cs typeface="Barlow"/>
+                <a:sym typeface="Barlow"/>
+              </a:defRPr>
+            </a:lvl9pPr>
+          </a:lstStyle>
+          <a:p>
+            <a:pPr algn="ctr"/>
+            <a:r>
+              <a:rPr lang="en-US" altLang="zh-CN" sz="8000" spc="300" dirty="0">
+                <a:solidFill>
+                  <a:schemeClr val="accent4">
+                    <a:lumMod val="60000"/>
+                    <a:lumOff val="40000"/>
+                    <a:alpha val="60000"/>
+                  </a:schemeClr>
+                </a:solidFill>
+                <a:latin typeface="Amatic SC" panose="020F0502020204030204" pitchFamily="2" charset="-79"/>
+                <a:cs typeface="Amatic SC" panose="020F0502020204030204" pitchFamily="2" charset="-79"/>
+              </a:rPr>
+              <a:t>Make Some Noise!</a:t>
+            </a:r>
+          </a:p>
+        </p:txBody>
+      </p:sp>
+      <p:pic>
+        <p:nvPicPr>
+          <p:cNvPr id="7" name="Picture 6">
+            <a:extLst>
+              <a:ext uri="{FF2B5EF4-FFF2-40B4-BE49-F238E27FC236}">
+                <a16:creationId xmlns:a16="http://schemas.microsoft.com/office/drawing/2014/main" id="{C2FD9976-F4A0-4B02-32D5-514036CEE2E3}"/>
+              </a:ext>
+            </a:extLst>
+          </p:cNvPr>
+          <p:cNvPicPr>
+            <a:picLocks noChangeAspect="1"/>
+          </p:cNvPicPr>
+          <p:nvPr/>
+        </p:nvPicPr>
+        <p:blipFill>
+          <a:blip r:embed="rId2">
+            <a:extLst>
+              <a:ext uri="{28A0092B-C50C-407E-A947-70E740481C1C}">
+                <a14:useLocalDpi xmlns:a14="http://schemas.microsoft.com/office/drawing/2010/main" val="0"/>
+              </a:ext>
+            </a:extLst>
+          </a:blip>
+          <a:stretch>
+            <a:fillRect/>
+          </a:stretch>
+        </p:blipFill>
+        <p:spPr>
+          <a:xfrm>
+            <a:off x="1748770" y="2356200"/>
+            <a:ext cx="8694459" cy="3669943"/>
+          </a:xfrm>
+          <a:prstGeom prst="rect">
+            <a:avLst/>
+          </a:prstGeom>
+        </p:spPr>
+      </p:pic>
+      <p:sp>
+        <p:nvSpPr>
+          <p:cNvPr id="10" name="Rectangle 9">
+            <a:extLst>
+              <a:ext uri="{FF2B5EF4-FFF2-40B4-BE49-F238E27FC236}">
+                <a16:creationId xmlns:a16="http://schemas.microsoft.com/office/drawing/2014/main" id="{452E5DB0-165A-B621-F137-ED81E43054BE}"/>
+              </a:ext>
+            </a:extLst>
+          </p:cNvPr>
+          <p:cNvSpPr/>
+          <p:nvPr/>
+        </p:nvSpPr>
+        <p:spPr>
+          <a:xfrm>
+            <a:off x="3911393" y="3886200"/>
+            <a:ext cx="2108407" cy="2139942"/>
+          </a:xfrm>
+          <a:prstGeom prst="rect">
+            <a:avLst/>
+          </a:prstGeom>
+          <a:noFill/>
+          <a:ln w="38100">
+            <a:solidFill>
+              <a:srgbClr val="C00000"/>
+            </a:solidFill>
+            <a:prstDash val="sysDash"/>
+          </a:ln>
+        </p:spPr>
+        <p:style>
+          <a:lnRef idx="2">
+            <a:schemeClr val="accent1">
+              <a:shade val="15000"/>
+            </a:schemeClr>
+          </a:lnRef>
+          <a:fillRef idx="1">
+            <a:schemeClr val="accent1"/>
+          </a:fillRef>
+          <a:effectRef idx="0">
+            <a:schemeClr val="accent1"/>
+          </a:effectRef>
+          <a:fontRef idx="minor">
+            <a:schemeClr val="lt1"/>
+          </a:fontRef>
+        </p:style>
+        <p:txBody>
+          <a:bodyPr rtlCol="0" anchor="ctr"/>
+          <a:lstStyle/>
+          <a:p>
+            <a:pPr algn="ctr"/>
+            <a:endParaRPr lang="zh-CN" altLang="en-US"/>
+          </a:p>
+        </p:txBody>
+      </p:sp>
+    </p:spTree>
+    <p:extLst>
+      <p:ext uri="{BB962C8B-B14F-4D97-AF65-F5344CB8AC3E}">
+        <p14:creationId xmlns:p14="http://schemas.microsoft.com/office/powerpoint/2010/main" val="3071168826"/>
+      </p:ext>
+    </p:extLst>
+  </p:cSld>
+  <p:clrMapOvr>
+    <a:masterClrMapping/>
+  </p:clrMapOvr>
+</p:sld>
+</file>
+
+<file path=ppt/slides/slide17.xml><?xml version="1.0" encoding="utf-8"?>
+<p:sld xmlns:a="http://schemas.openxmlformats.org/drawingml/2006/main" xmlns:r="http://schemas.openxmlformats.org/officeDocument/2006/relationships" xmlns:p="http://schemas.openxmlformats.org/presentationml/2006/main">
+  <p:cSld>
+    <p:spTree>
+      <p:nvGrpSpPr>
+        <p:cNvPr id="1" name="">
+          <a:extLst>
+            <a:ext uri="{FF2B5EF4-FFF2-40B4-BE49-F238E27FC236}">
+              <a16:creationId xmlns:a16="http://schemas.microsoft.com/office/drawing/2014/main" id="{05BE4D2D-3848-CF87-E3E5-678BF1357AF8}"/>
+            </a:ext>
+          </a:extLst>
+        </p:cNvPr>
+        <p:cNvGrpSpPr/>
+        <p:nvPr/>
+      </p:nvGrpSpPr>
+      <p:grpSpPr>
+        <a:xfrm>
+          <a:off x="0" y="0"/>
+          <a:ext cx="0" cy="0"/>
+          <a:chOff x="0" y="0"/>
+          <a:chExt cx="0" cy="0"/>
+        </a:xfrm>
+      </p:grpSpPr>
+      <p:sp>
+        <p:nvSpPr>
+          <p:cNvPr id="6" name="Rectangle 5">
+            <a:extLst>
+              <a:ext uri="{FF2B5EF4-FFF2-40B4-BE49-F238E27FC236}">
+                <a16:creationId xmlns:a16="http://schemas.microsoft.com/office/drawing/2014/main" id="{88B88A9E-321E-90E1-5023-125A62F5AF0D}"/>
+              </a:ext>
+            </a:extLst>
+          </p:cNvPr>
+          <p:cNvSpPr/>
+          <p:nvPr/>
+        </p:nvSpPr>
+        <p:spPr>
+          <a:xfrm>
+            <a:off x="0" y="0"/>
+            <a:ext cx="12192000" cy="6858000"/>
+          </a:xfrm>
+          <a:prstGeom prst="rect">
+            <a:avLst/>
+          </a:prstGeom>
+          <a:solidFill>
+            <a:srgbClr val="23242A"/>
+          </a:solidFill>
+          <a:ln>
+            <a:noFill/>
+          </a:ln>
+        </p:spPr>
+        <p:style>
+          <a:lnRef idx="2">
+            <a:schemeClr val="accent1">
+              <a:shade val="15000"/>
+            </a:schemeClr>
+          </a:lnRef>
+          <a:fillRef idx="1">
+            <a:schemeClr val="accent1"/>
+          </a:fillRef>
+          <a:effectRef idx="0">
+            <a:schemeClr val="accent1"/>
+          </a:effectRef>
+          <a:fontRef idx="minor">
+            <a:schemeClr val="lt1"/>
+          </a:fontRef>
+        </p:style>
+        <p:txBody>
+          <a:bodyPr rtlCol="0" anchor="ctr"/>
+          <a:lstStyle/>
+          <a:p>
+            <a:pPr algn="ctr"/>
+            <a:endParaRPr lang="zh-CN" altLang="en-US" dirty="0"/>
+          </a:p>
+        </p:txBody>
+      </p:sp>
+      <p:sp>
+        <p:nvSpPr>
+          <p:cNvPr id="2" name="Slide Number Placeholder 1">
+            <a:extLst>
+              <a:ext uri="{FF2B5EF4-FFF2-40B4-BE49-F238E27FC236}">
+                <a16:creationId xmlns:a16="http://schemas.microsoft.com/office/drawing/2014/main" id="{A3569553-77FA-8AA3-A859-3CA1D5485F16}"/>
+              </a:ext>
+            </a:extLst>
+          </p:cNvPr>
+          <p:cNvSpPr>
+            <a:spLocks noGrp="1"/>
+          </p:cNvSpPr>
+          <p:nvPr>
+            <p:ph type="sldNum" sz="quarter" idx="12"/>
+          </p:nvPr>
+        </p:nvSpPr>
+        <p:spPr>
+          <a:xfrm>
+            <a:off x="9057739" y="6259509"/>
+            <a:ext cx="2743200" cy="365125"/>
+          </a:xfrm>
+        </p:spPr>
+        <p:txBody>
+          <a:bodyPr/>
+          <a:lstStyle/>
+          <a:p>
+            <a:fld id="{9B1EC109-1E15-4BCA-93B5-56442BB3443E}" type="slidenum">
+              <a:rPr lang="zh-CN" altLang="en-US" sz="2400" b="1" smtClean="0">
+                <a:solidFill>
+                  <a:schemeClr val="bg1">
+                    <a:lumMod val="65000"/>
+                  </a:schemeClr>
+                </a:solidFill>
+                <a:latin typeface="Bradley Hand ITC" panose="03070402050302030203" pitchFamily="66" charset="0"/>
+              </a:rPr>
+              <a:t>17</a:t>
+            </a:fld>
+            <a:endParaRPr lang="zh-CN" altLang="en-US" sz="2400" b="1" dirty="0">
+              <a:solidFill>
+                <a:schemeClr val="bg1">
+                  <a:lumMod val="65000"/>
+                </a:schemeClr>
+              </a:solidFill>
+              <a:latin typeface="Bradley Hand ITC" panose="03070402050302030203" pitchFamily="66" charset="0"/>
+            </a:endParaRPr>
+          </a:p>
+        </p:txBody>
+      </p:sp>
+      <p:sp>
+        <p:nvSpPr>
+          <p:cNvPr id="4" name="Google Shape;867;p33">
+            <a:extLst>
+              <a:ext uri="{FF2B5EF4-FFF2-40B4-BE49-F238E27FC236}">
+                <a16:creationId xmlns:a16="http://schemas.microsoft.com/office/drawing/2014/main" id="{6224CA1A-1F4E-174E-D6F3-EC55CDE6BEEC}"/>
+              </a:ext>
+            </a:extLst>
+          </p:cNvPr>
+          <p:cNvSpPr txBox="1">
+            <a:spLocks/>
+          </p:cNvSpPr>
+          <p:nvPr/>
+        </p:nvSpPr>
+        <p:spPr>
+          <a:xfrm>
+            <a:off x="2222600" y="143850"/>
+            <a:ext cx="7746800" cy="1602400"/>
+          </a:xfrm>
+          <a:prstGeom prst="rect">
+            <a:avLst/>
+          </a:prstGeom>
+          <a:noFill/>
+          <a:ln>
+            <a:noFill/>
+          </a:ln>
+        </p:spPr>
+        <p:txBody>
+          <a:bodyPr spcFirstLastPara="1" wrap="square" lIns="91425" tIns="91425" rIns="91425" bIns="91425" anchor="b" anchorCtr="0">
+            <a:noAutofit/>
+          </a:bodyPr>
+          <a:lstStyle>
+            <a:defPPr marR="0" lvl="0" algn="l" rtl="0">
+              <a:lnSpc>
+                <a:spcPct val="100000"/>
+              </a:lnSpc>
+              <a:spcBef>
+                <a:spcPts val="0"/>
+              </a:spcBef>
+              <a:spcAft>
+                <a:spcPts val="0"/>
+              </a:spcAft>
+            </a:defPPr>
+            <a:lvl1pPr marR="0" lvl="0" algn="l" rtl="0">
+              <a:lnSpc>
+                <a:spcPct val="100000"/>
+              </a:lnSpc>
+              <a:spcBef>
+                <a:spcPts val="0"/>
+              </a:spcBef>
+              <a:spcAft>
+                <a:spcPts val="0"/>
+              </a:spcAft>
+              <a:buClr>
+                <a:schemeClr val="dk1"/>
+              </a:buClr>
+              <a:buSzPts val="3600"/>
+              <a:buFont typeface="Barlow"/>
+              <a:buNone/>
+              <a:defRPr sz="7200" b="1" i="0" u="none" strike="noStrike" cap="none">
+                <a:solidFill>
+                  <a:schemeClr val="dk1"/>
+                </a:solidFill>
+                <a:latin typeface="Barlow"/>
+                <a:ea typeface="Barlow"/>
+                <a:cs typeface="Barlow"/>
+                <a:sym typeface="Barlow"/>
+              </a:defRPr>
+            </a:lvl1pPr>
+            <a:lvl2pPr marR="0" lvl="1" algn="ctr" rtl="0">
+              <a:lnSpc>
+                <a:spcPct val="100000"/>
+              </a:lnSpc>
+              <a:spcBef>
+                <a:spcPts val="0"/>
+              </a:spcBef>
+              <a:spcAft>
+                <a:spcPts val="0"/>
+              </a:spcAft>
+              <a:buClr>
+                <a:schemeClr val="dk1"/>
+              </a:buClr>
+              <a:buSzPts val="3600"/>
+              <a:buFont typeface="Barlow"/>
+              <a:buNone/>
+              <a:defRPr sz="3600" b="1" i="0" u="none" strike="noStrike" cap="none">
+                <a:solidFill>
+                  <a:schemeClr val="dk1"/>
+                </a:solidFill>
+                <a:latin typeface="Barlow"/>
+                <a:ea typeface="Barlow"/>
+                <a:cs typeface="Barlow"/>
+                <a:sym typeface="Barlow"/>
+              </a:defRPr>
+            </a:lvl2pPr>
+            <a:lvl3pPr marR="0" lvl="2" algn="ctr" rtl="0">
+              <a:lnSpc>
+                <a:spcPct val="100000"/>
+              </a:lnSpc>
+              <a:spcBef>
+                <a:spcPts val="0"/>
+              </a:spcBef>
+              <a:spcAft>
+                <a:spcPts val="0"/>
+              </a:spcAft>
+              <a:buClr>
+                <a:schemeClr val="dk1"/>
+              </a:buClr>
+              <a:buSzPts val="3600"/>
+              <a:buFont typeface="Barlow"/>
+              <a:buNone/>
+              <a:defRPr sz="3600" b="1" i="0" u="none" strike="noStrike" cap="none">
+                <a:solidFill>
+                  <a:schemeClr val="dk1"/>
+                </a:solidFill>
+                <a:latin typeface="Barlow"/>
+                <a:ea typeface="Barlow"/>
+                <a:cs typeface="Barlow"/>
+                <a:sym typeface="Barlow"/>
+              </a:defRPr>
+            </a:lvl3pPr>
+            <a:lvl4pPr marR="0" lvl="3" algn="ctr" rtl="0">
+              <a:lnSpc>
+                <a:spcPct val="100000"/>
+              </a:lnSpc>
+              <a:spcBef>
+                <a:spcPts val="0"/>
+              </a:spcBef>
+              <a:spcAft>
+                <a:spcPts val="0"/>
+              </a:spcAft>
+              <a:buClr>
+                <a:schemeClr val="dk1"/>
+              </a:buClr>
+              <a:buSzPts val="3600"/>
+              <a:buFont typeface="Barlow"/>
+              <a:buNone/>
+              <a:defRPr sz="3600" b="1" i="0" u="none" strike="noStrike" cap="none">
+                <a:solidFill>
+                  <a:schemeClr val="dk1"/>
+                </a:solidFill>
+                <a:latin typeface="Barlow"/>
+                <a:ea typeface="Barlow"/>
+                <a:cs typeface="Barlow"/>
+                <a:sym typeface="Barlow"/>
+              </a:defRPr>
+            </a:lvl4pPr>
+            <a:lvl5pPr marR="0" lvl="4" algn="ctr" rtl="0">
+              <a:lnSpc>
+                <a:spcPct val="100000"/>
+              </a:lnSpc>
+              <a:spcBef>
+                <a:spcPts val="0"/>
+              </a:spcBef>
+              <a:spcAft>
+                <a:spcPts val="0"/>
+              </a:spcAft>
+              <a:buClr>
+                <a:schemeClr val="dk1"/>
+              </a:buClr>
+              <a:buSzPts val="3600"/>
+              <a:buFont typeface="Barlow"/>
+              <a:buNone/>
+              <a:defRPr sz="3600" b="1" i="0" u="none" strike="noStrike" cap="none">
+                <a:solidFill>
+                  <a:schemeClr val="dk1"/>
+                </a:solidFill>
+                <a:latin typeface="Barlow"/>
+                <a:ea typeface="Barlow"/>
+                <a:cs typeface="Barlow"/>
+                <a:sym typeface="Barlow"/>
+              </a:defRPr>
+            </a:lvl5pPr>
+            <a:lvl6pPr marR="0" lvl="5" algn="ctr" rtl="0">
+              <a:lnSpc>
+                <a:spcPct val="100000"/>
+              </a:lnSpc>
+              <a:spcBef>
+                <a:spcPts val="0"/>
+              </a:spcBef>
+              <a:spcAft>
+                <a:spcPts val="0"/>
+              </a:spcAft>
+              <a:buClr>
+                <a:schemeClr val="dk1"/>
+              </a:buClr>
+              <a:buSzPts val="3600"/>
+              <a:buFont typeface="Barlow"/>
+              <a:buNone/>
+              <a:defRPr sz="3600" b="1" i="0" u="none" strike="noStrike" cap="none">
+                <a:solidFill>
+                  <a:schemeClr val="dk1"/>
+                </a:solidFill>
+                <a:latin typeface="Barlow"/>
+                <a:ea typeface="Barlow"/>
+                <a:cs typeface="Barlow"/>
+                <a:sym typeface="Barlow"/>
+              </a:defRPr>
+            </a:lvl6pPr>
+            <a:lvl7pPr marR="0" lvl="6" algn="ctr" rtl="0">
+              <a:lnSpc>
+                <a:spcPct val="100000"/>
+              </a:lnSpc>
+              <a:spcBef>
+                <a:spcPts val="0"/>
+              </a:spcBef>
+              <a:spcAft>
+                <a:spcPts val="0"/>
+              </a:spcAft>
+              <a:buClr>
+                <a:schemeClr val="dk1"/>
+              </a:buClr>
+              <a:buSzPts val="3600"/>
+              <a:buFont typeface="Barlow"/>
+              <a:buNone/>
+              <a:defRPr sz="3600" b="1" i="0" u="none" strike="noStrike" cap="none">
+                <a:solidFill>
+                  <a:schemeClr val="dk1"/>
+                </a:solidFill>
+                <a:latin typeface="Barlow"/>
+                <a:ea typeface="Barlow"/>
+                <a:cs typeface="Barlow"/>
+                <a:sym typeface="Barlow"/>
+              </a:defRPr>
+            </a:lvl7pPr>
+            <a:lvl8pPr marR="0" lvl="7" algn="ctr" rtl="0">
+              <a:lnSpc>
+                <a:spcPct val="100000"/>
+              </a:lnSpc>
+              <a:spcBef>
+                <a:spcPts val="0"/>
+              </a:spcBef>
+              <a:spcAft>
+                <a:spcPts val="0"/>
+              </a:spcAft>
+              <a:buClr>
+                <a:schemeClr val="dk1"/>
+              </a:buClr>
+              <a:buSzPts val="3600"/>
+              <a:buFont typeface="Barlow"/>
+              <a:buNone/>
+              <a:defRPr sz="3600" b="1" i="0" u="none" strike="noStrike" cap="none">
+                <a:solidFill>
+                  <a:schemeClr val="dk1"/>
+                </a:solidFill>
+                <a:latin typeface="Barlow"/>
+                <a:ea typeface="Barlow"/>
+                <a:cs typeface="Barlow"/>
+                <a:sym typeface="Barlow"/>
+              </a:defRPr>
+            </a:lvl8pPr>
+            <a:lvl9pPr marR="0" lvl="8" algn="ctr" rtl="0">
+              <a:lnSpc>
+                <a:spcPct val="100000"/>
+              </a:lnSpc>
+              <a:spcBef>
+                <a:spcPts val="0"/>
+              </a:spcBef>
+              <a:spcAft>
+                <a:spcPts val="0"/>
+              </a:spcAft>
+              <a:buClr>
+                <a:schemeClr val="dk1"/>
+              </a:buClr>
+              <a:buSzPts val="3600"/>
+              <a:buFont typeface="Barlow"/>
+              <a:buNone/>
+              <a:defRPr sz="3600" b="1" i="0" u="none" strike="noStrike" cap="none">
+                <a:solidFill>
+                  <a:schemeClr val="dk1"/>
+                </a:solidFill>
+                <a:latin typeface="Barlow"/>
+                <a:ea typeface="Barlow"/>
+                <a:cs typeface="Barlow"/>
+                <a:sym typeface="Barlow"/>
+              </a:defRPr>
+            </a:lvl9pPr>
+          </a:lstStyle>
+          <a:p>
+            <a:pPr algn="ctr"/>
+            <a:r>
+              <a:rPr lang="en-US" altLang="zh-CN" sz="8000" spc="300" dirty="0">
+                <a:solidFill>
+                  <a:schemeClr val="accent4">
+                    <a:lumMod val="60000"/>
+                    <a:lumOff val="40000"/>
+                    <a:alpha val="60000"/>
+                  </a:schemeClr>
+                </a:solidFill>
+                <a:latin typeface="Amatic SC" panose="020F0502020204030204" pitchFamily="2" charset="-79"/>
+                <a:cs typeface="Amatic SC" panose="020F0502020204030204" pitchFamily="2" charset="-79"/>
+              </a:rPr>
+              <a:t>Make Some Noise!</a:t>
+            </a:r>
+          </a:p>
+        </p:txBody>
+      </p:sp>
+      <p:pic>
+        <p:nvPicPr>
+          <p:cNvPr id="5" name="Picture 4">
+            <a:extLst>
+              <a:ext uri="{FF2B5EF4-FFF2-40B4-BE49-F238E27FC236}">
+                <a16:creationId xmlns:a16="http://schemas.microsoft.com/office/drawing/2014/main" id="{2FD1594B-2FAE-80DE-B680-F11D8A1C1ACB}"/>
+              </a:ext>
+            </a:extLst>
+          </p:cNvPr>
+          <p:cNvPicPr>
+            <a:picLocks noChangeAspect="1"/>
+          </p:cNvPicPr>
+          <p:nvPr/>
+        </p:nvPicPr>
+        <p:blipFill>
+          <a:blip r:embed="rId2">
+            <a:extLst>
+              <a:ext uri="{28A0092B-C50C-407E-A947-70E740481C1C}">
+                <a14:useLocalDpi xmlns:a14="http://schemas.microsoft.com/office/drawing/2010/main" val="0"/>
+              </a:ext>
+            </a:extLst>
+          </a:blip>
+          <a:stretch>
+            <a:fillRect/>
+          </a:stretch>
+        </p:blipFill>
+        <p:spPr>
+          <a:xfrm>
+            <a:off x="2437104" y="2788920"/>
+            <a:ext cx="2856719" cy="2587942"/>
+          </a:xfrm>
+          <a:prstGeom prst="rect">
+            <a:avLst/>
+          </a:prstGeom>
+        </p:spPr>
+      </p:pic>
+      <p:pic>
+        <p:nvPicPr>
+          <p:cNvPr id="8" name="Graphic 7">
+            <a:extLst>
+              <a:ext uri="{FF2B5EF4-FFF2-40B4-BE49-F238E27FC236}">
+                <a16:creationId xmlns:a16="http://schemas.microsoft.com/office/drawing/2014/main" id="{BE1103E4-1B44-CE8A-31E6-A717F5B2A340}"/>
+              </a:ext>
+            </a:extLst>
+          </p:cNvPr>
+          <p:cNvPicPr>
+            <a:picLocks noChangeAspect="1"/>
+          </p:cNvPicPr>
+          <p:nvPr/>
+        </p:nvPicPr>
+        <p:blipFill>
+          <a:blip r:embed="rId3">
+            <a:alphaModFix amt="80000"/>
+            <a:extLst>
+              <a:ext uri="{96DAC541-7B7A-43D3-8B79-37D633B846F1}">
+                <asvg:svgBlip xmlns:asvg="http://schemas.microsoft.com/office/drawing/2016/SVG/main" r:embed="rId4"/>
+              </a:ext>
+            </a:extLst>
+          </a:blip>
+          <a:stretch>
+            <a:fillRect/>
+          </a:stretch>
+        </p:blipFill>
+        <p:spPr>
+          <a:xfrm>
+            <a:off x="6481187" y="3302710"/>
+            <a:ext cx="4452895" cy="3292634"/>
+          </a:xfrm>
+          <a:prstGeom prst="rect">
+            <a:avLst/>
+          </a:prstGeom>
+        </p:spPr>
+      </p:pic>
+      <p:pic>
+        <p:nvPicPr>
+          <p:cNvPr id="9" name="Picture 8" descr="A white mouse cursor on a black background&#10;&#10;Description automatically generated">
+            <a:extLst>
+              <a:ext uri="{FF2B5EF4-FFF2-40B4-BE49-F238E27FC236}">
+                <a16:creationId xmlns:a16="http://schemas.microsoft.com/office/drawing/2014/main" id="{52FEFEFE-C053-2FB2-70DF-7A180B80C9E3}"/>
+              </a:ext>
+            </a:extLst>
+          </p:cNvPr>
+          <p:cNvPicPr>
+            <a:picLocks noChangeAspect="1"/>
+          </p:cNvPicPr>
+          <p:nvPr/>
+        </p:nvPicPr>
+        <p:blipFill>
+          <a:blip r:embed="rId5">
+            <a:extLst>
+              <a:ext uri="{28A0092B-C50C-407E-A947-70E740481C1C}">
+                <a14:useLocalDpi xmlns:a14="http://schemas.microsoft.com/office/drawing/2010/main" val="0"/>
+              </a:ext>
+            </a:extLst>
+          </a:blip>
+          <a:stretch>
+            <a:fillRect/>
+          </a:stretch>
+        </p:blipFill>
+        <p:spPr>
+          <a:xfrm rot="20697251">
+            <a:off x="8847075" y="4057812"/>
+            <a:ext cx="1225042" cy="1236081"/>
+          </a:xfrm>
+          <a:prstGeom prst="rect">
+            <a:avLst/>
+          </a:prstGeom>
+        </p:spPr>
+      </p:pic>
+      <p:pic>
+        <p:nvPicPr>
+          <p:cNvPr id="11" name="Picture 10">
+            <a:extLst>
+              <a:ext uri="{FF2B5EF4-FFF2-40B4-BE49-F238E27FC236}">
+                <a16:creationId xmlns:a16="http://schemas.microsoft.com/office/drawing/2014/main" id="{2297A763-BE3C-010A-651D-59B14F61C5F1}"/>
+              </a:ext>
+            </a:extLst>
+          </p:cNvPr>
+          <p:cNvPicPr>
+            <a:picLocks noChangeAspect="1"/>
+          </p:cNvPicPr>
+          <p:nvPr/>
+        </p:nvPicPr>
+        <p:blipFill>
+          <a:blip r:embed="rId6">
+            <a:alphaModFix amt="80000"/>
+            <a:extLst>
+              <a:ext uri="{28A0092B-C50C-407E-A947-70E740481C1C}">
+                <a14:useLocalDpi xmlns:a14="http://schemas.microsoft.com/office/drawing/2010/main" val="0"/>
+              </a:ext>
+            </a:extLst>
+          </a:blip>
+          <a:stretch>
+            <a:fillRect/>
+          </a:stretch>
+        </p:blipFill>
+        <p:spPr>
+          <a:xfrm rot="19897463">
+            <a:off x="6255584" y="2088179"/>
+            <a:ext cx="2752055" cy="2329162"/>
+          </a:xfrm>
+          <a:prstGeom prst="rect">
+            <a:avLst/>
+          </a:prstGeom>
+        </p:spPr>
+      </p:pic>
+    </p:spTree>
+    <p:extLst>
+      <p:ext uri="{BB962C8B-B14F-4D97-AF65-F5344CB8AC3E}">
+        <p14:creationId xmlns:p14="http://schemas.microsoft.com/office/powerpoint/2010/main" val="820335643"/>
+      </p:ext>
+    </p:extLst>
+  </p:cSld>
+  <p:clrMapOvr>
+    <a:masterClrMapping/>
+  </p:clrMapOvr>
+</p:sld>
+</file>
+
+<file path=ppt/slides/slide18.xml><?xml version="1.0" encoding="utf-8"?>
+<p:sld xmlns:a="http://schemas.openxmlformats.org/drawingml/2006/main" xmlns:r="http://schemas.openxmlformats.org/officeDocument/2006/relationships" xmlns:p="http://schemas.openxmlformats.org/presentationml/2006/main">
+  <p:cSld>
+    <p:spTree>
+      <p:nvGrpSpPr>
+        <p:cNvPr id="1" name="">
+          <a:extLst>
+            <a:ext uri="{FF2B5EF4-FFF2-40B4-BE49-F238E27FC236}">
+              <a16:creationId xmlns:a16="http://schemas.microsoft.com/office/drawing/2014/main" id="{BCDEE9B3-50B2-5DAF-17AA-25E87766D2DC}"/>
+            </a:ext>
+          </a:extLst>
+        </p:cNvPr>
+        <p:cNvGrpSpPr/>
+        <p:nvPr/>
+      </p:nvGrpSpPr>
+      <p:grpSpPr>
+        <a:xfrm>
+          <a:off x="0" y="0"/>
+          <a:ext cx="0" cy="0"/>
+          <a:chOff x="0" y="0"/>
+          <a:chExt cx="0" cy="0"/>
+        </a:xfrm>
+      </p:grpSpPr>
+      <p:sp>
+        <p:nvSpPr>
+          <p:cNvPr id="6" name="Rectangle 5">
+            <a:extLst>
+              <a:ext uri="{FF2B5EF4-FFF2-40B4-BE49-F238E27FC236}">
+                <a16:creationId xmlns:a16="http://schemas.microsoft.com/office/drawing/2014/main" id="{EF3AA242-1DEE-323A-E0E3-A64929DBEF1E}"/>
+              </a:ext>
+            </a:extLst>
+          </p:cNvPr>
+          <p:cNvSpPr/>
+          <p:nvPr/>
+        </p:nvSpPr>
+        <p:spPr>
+          <a:xfrm>
+            <a:off x="0" y="0"/>
+            <a:ext cx="12192000" cy="6858000"/>
+          </a:xfrm>
+          <a:prstGeom prst="rect">
+            <a:avLst/>
+          </a:prstGeom>
+          <a:solidFill>
+            <a:srgbClr val="23242A"/>
+          </a:solidFill>
+          <a:ln>
+            <a:noFill/>
+          </a:ln>
+        </p:spPr>
+        <p:style>
+          <a:lnRef idx="2">
+            <a:schemeClr val="accent1">
+              <a:shade val="15000"/>
+            </a:schemeClr>
+          </a:lnRef>
+          <a:fillRef idx="1">
+            <a:schemeClr val="accent1"/>
+          </a:fillRef>
+          <a:effectRef idx="0">
+            <a:schemeClr val="accent1"/>
+          </a:effectRef>
+          <a:fontRef idx="minor">
+            <a:schemeClr val="lt1"/>
+          </a:fontRef>
+        </p:style>
+        <p:txBody>
+          <a:bodyPr rtlCol="0" anchor="ctr"/>
+          <a:lstStyle/>
+          <a:p>
+            <a:pPr algn="ctr"/>
+            <a:endParaRPr lang="zh-CN" altLang="en-US" dirty="0"/>
+          </a:p>
+        </p:txBody>
+      </p:sp>
+      <p:sp>
+        <p:nvSpPr>
+          <p:cNvPr id="2" name="Slide Number Placeholder 1">
+            <a:extLst>
+              <a:ext uri="{FF2B5EF4-FFF2-40B4-BE49-F238E27FC236}">
+                <a16:creationId xmlns:a16="http://schemas.microsoft.com/office/drawing/2014/main" id="{3ECD7C64-E839-348C-53A0-8B767FACC90D}"/>
+              </a:ext>
+            </a:extLst>
+          </p:cNvPr>
+          <p:cNvSpPr>
+            <a:spLocks noGrp="1"/>
+          </p:cNvSpPr>
+          <p:nvPr>
+            <p:ph type="sldNum" sz="quarter" idx="12"/>
+          </p:nvPr>
+        </p:nvSpPr>
+        <p:spPr>
+          <a:xfrm>
+            <a:off x="9057739" y="6259509"/>
+            <a:ext cx="2743200" cy="365125"/>
+          </a:xfrm>
+        </p:spPr>
+        <p:txBody>
+          <a:bodyPr/>
+          <a:lstStyle/>
+          <a:p>
+            <a:fld id="{9B1EC109-1E15-4BCA-93B5-56442BB3443E}" type="slidenum">
+              <a:rPr lang="zh-CN" altLang="en-US" sz="2400" b="1" smtClean="0">
+                <a:solidFill>
+                  <a:schemeClr val="bg1">
+                    <a:lumMod val="65000"/>
+                  </a:schemeClr>
+                </a:solidFill>
+                <a:latin typeface="Bradley Hand ITC" panose="03070402050302030203" pitchFamily="66" charset="0"/>
+              </a:rPr>
+              <a:t>18</a:t>
+            </a:fld>
+            <a:endParaRPr lang="zh-CN" altLang="en-US" sz="2400" b="1" dirty="0">
+              <a:solidFill>
+                <a:schemeClr val="bg1">
+                  <a:lumMod val="65000"/>
+                </a:schemeClr>
+              </a:solidFill>
+              <a:latin typeface="Bradley Hand ITC" panose="03070402050302030203" pitchFamily="66" charset="0"/>
+            </a:endParaRPr>
+          </a:p>
+        </p:txBody>
+      </p:sp>
+      <p:sp>
+        <p:nvSpPr>
+          <p:cNvPr id="4" name="Google Shape;867;p33">
+            <a:extLst>
+              <a:ext uri="{FF2B5EF4-FFF2-40B4-BE49-F238E27FC236}">
+                <a16:creationId xmlns:a16="http://schemas.microsoft.com/office/drawing/2014/main" id="{32210F99-EEF7-A25C-AC75-19E502866672}"/>
+              </a:ext>
+            </a:extLst>
+          </p:cNvPr>
+          <p:cNvSpPr txBox="1">
+            <a:spLocks/>
+          </p:cNvSpPr>
+          <p:nvPr/>
+        </p:nvSpPr>
+        <p:spPr>
+          <a:xfrm>
+            <a:off x="2222600" y="143850"/>
+            <a:ext cx="7746800" cy="1602400"/>
+          </a:xfrm>
+          <a:prstGeom prst="rect">
+            <a:avLst/>
+          </a:prstGeom>
+          <a:noFill/>
+          <a:ln>
+            <a:noFill/>
+          </a:ln>
+        </p:spPr>
+        <p:txBody>
+          <a:bodyPr spcFirstLastPara="1" wrap="square" lIns="91425" tIns="91425" rIns="91425" bIns="91425" anchor="b" anchorCtr="0">
+            <a:noAutofit/>
+          </a:bodyPr>
+          <a:lstStyle>
+            <a:defPPr marR="0" lvl="0" algn="l" rtl="0">
+              <a:lnSpc>
+                <a:spcPct val="100000"/>
+              </a:lnSpc>
+              <a:spcBef>
+                <a:spcPts val="0"/>
+              </a:spcBef>
+              <a:spcAft>
+                <a:spcPts val="0"/>
+              </a:spcAft>
+            </a:defPPr>
+            <a:lvl1pPr marR="0" lvl="0" algn="l" rtl="0">
+              <a:lnSpc>
+                <a:spcPct val="100000"/>
+              </a:lnSpc>
+              <a:spcBef>
+                <a:spcPts val="0"/>
+              </a:spcBef>
+              <a:spcAft>
+                <a:spcPts val="0"/>
+              </a:spcAft>
+              <a:buClr>
+                <a:schemeClr val="dk1"/>
+              </a:buClr>
+              <a:buSzPts val="3600"/>
+              <a:buFont typeface="Barlow"/>
+              <a:buNone/>
+              <a:defRPr sz="7200" b="1" i="0" u="none" strike="noStrike" cap="none">
+                <a:solidFill>
+                  <a:schemeClr val="dk1"/>
+                </a:solidFill>
+                <a:latin typeface="Barlow"/>
+                <a:ea typeface="Barlow"/>
+                <a:cs typeface="Barlow"/>
+                <a:sym typeface="Barlow"/>
+              </a:defRPr>
+            </a:lvl1pPr>
+            <a:lvl2pPr marR="0" lvl="1" algn="ctr" rtl="0">
+              <a:lnSpc>
+                <a:spcPct val="100000"/>
+              </a:lnSpc>
+              <a:spcBef>
+                <a:spcPts val="0"/>
+              </a:spcBef>
+              <a:spcAft>
+                <a:spcPts val="0"/>
+              </a:spcAft>
+              <a:buClr>
+                <a:schemeClr val="dk1"/>
+              </a:buClr>
+              <a:buSzPts val="3600"/>
+              <a:buFont typeface="Barlow"/>
+              <a:buNone/>
+              <a:defRPr sz="3600" b="1" i="0" u="none" strike="noStrike" cap="none">
+                <a:solidFill>
+                  <a:schemeClr val="dk1"/>
+                </a:solidFill>
+                <a:latin typeface="Barlow"/>
+                <a:ea typeface="Barlow"/>
+                <a:cs typeface="Barlow"/>
+                <a:sym typeface="Barlow"/>
+              </a:defRPr>
+            </a:lvl2pPr>
+            <a:lvl3pPr marR="0" lvl="2" algn="ctr" rtl="0">
+              <a:lnSpc>
+                <a:spcPct val="100000"/>
+              </a:lnSpc>
+              <a:spcBef>
+                <a:spcPts val="0"/>
+              </a:spcBef>
+              <a:spcAft>
+                <a:spcPts val="0"/>
+              </a:spcAft>
+              <a:buClr>
+                <a:schemeClr val="dk1"/>
+              </a:buClr>
+              <a:buSzPts val="3600"/>
+              <a:buFont typeface="Barlow"/>
+              <a:buNone/>
+              <a:defRPr sz="3600" b="1" i="0" u="none" strike="noStrike" cap="none">
+                <a:solidFill>
+                  <a:schemeClr val="dk1"/>
+                </a:solidFill>
+                <a:latin typeface="Barlow"/>
+                <a:ea typeface="Barlow"/>
+                <a:cs typeface="Barlow"/>
+                <a:sym typeface="Barlow"/>
+              </a:defRPr>
+            </a:lvl3pPr>
+            <a:lvl4pPr marR="0" lvl="3" algn="ctr" rtl="0">
+              <a:lnSpc>
+                <a:spcPct val="100000"/>
+              </a:lnSpc>
+              <a:spcBef>
+                <a:spcPts val="0"/>
+              </a:spcBef>
+              <a:spcAft>
+                <a:spcPts val="0"/>
+              </a:spcAft>
+              <a:buClr>
+                <a:schemeClr val="dk1"/>
+              </a:buClr>
+              <a:buSzPts val="3600"/>
+              <a:buFont typeface="Barlow"/>
+              <a:buNone/>
+              <a:defRPr sz="3600" b="1" i="0" u="none" strike="noStrike" cap="none">
+                <a:solidFill>
+                  <a:schemeClr val="dk1"/>
+                </a:solidFill>
+                <a:latin typeface="Barlow"/>
+                <a:ea typeface="Barlow"/>
+                <a:cs typeface="Barlow"/>
+                <a:sym typeface="Barlow"/>
+              </a:defRPr>
+            </a:lvl4pPr>
+            <a:lvl5pPr marR="0" lvl="4" algn="ctr" rtl="0">
+              <a:lnSpc>
+                <a:spcPct val="100000"/>
+              </a:lnSpc>
+              <a:spcBef>
+                <a:spcPts val="0"/>
+              </a:spcBef>
+              <a:spcAft>
+                <a:spcPts val="0"/>
+              </a:spcAft>
+              <a:buClr>
+                <a:schemeClr val="dk1"/>
+              </a:buClr>
+              <a:buSzPts val="3600"/>
+              <a:buFont typeface="Barlow"/>
+              <a:buNone/>
+              <a:defRPr sz="3600" b="1" i="0" u="none" strike="noStrike" cap="none">
+                <a:solidFill>
+                  <a:schemeClr val="dk1"/>
+                </a:solidFill>
+                <a:latin typeface="Barlow"/>
+                <a:ea typeface="Barlow"/>
+                <a:cs typeface="Barlow"/>
+                <a:sym typeface="Barlow"/>
+              </a:defRPr>
+            </a:lvl5pPr>
+            <a:lvl6pPr marR="0" lvl="5" algn="ctr" rtl="0">
+              <a:lnSpc>
+                <a:spcPct val="100000"/>
+              </a:lnSpc>
+              <a:spcBef>
+                <a:spcPts val="0"/>
+              </a:spcBef>
+              <a:spcAft>
+                <a:spcPts val="0"/>
+              </a:spcAft>
+              <a:buClr>
+                <a:schemeClr val="dk1"/>
+              </a:buClr>
+              <a:buSzPts val="3600"/>
+              <a:buFont typeface="Barlow"/>
+              <a:buNone/>
+              <a:defRPr sz="3600" b="1" i="0" u="none" strike="noStrike" cap="none">
+                <a:solidFill>
+                  <a:schemeClr val="dk1"/>
+                </a:solidFill>
+                <a:latin typeface="Barlow"/>
+                <a:ea typeface="Barlow"/>
+                <a:cs typeface="Barlow"/>
+                <a:sym typeface="Barlow"/>
+              </a:defRPr>
+            </a:lvl6pPr>
+            <a:lvl7pPr marR="0" lvl="6" algn="ctr" rtl="0">
+              <a:lnSpc>
+                <a:spcPct val="100000"/>
+              </a:lnSpc>
+              <a:spcBef>
+                <a:spcPts val="0"/>
+              </a:spcBef>
+              <a:spcAft>
+                <a:spcPts val="0"/>
+              </a:spcAft>
+              <a:buClr>
+                <a:schemeClr val="dk1"/>
+              </a:buClr>
+              <a:buSzPts val="3600"/>
+              <a:buFont typeface="Barlow"/>
+              <a:buNone/>
+              <a:defRPr sz="3600" b="1" i="0" u="none" strike="noStrike" cap="none">
+                <a:solidFill>
+                  <a:schemeClr val="dk1"/>
+                </a:solidFill>
+                <a:latin typeface="Barlow"/>
+                <a:ea typeface="Barlow"/>
+                <a:cs typeface="Barlow"/>
+                <a:sym typeface="Barlow"/>
+              </a:defRPr>
+            </a:lvl7pPr>
+            <a:lvl8pPr marR="0" lvl="7" algn="ctr" rtl="0">
+              <a:lnSpc>
+                <a:spcPct val="100000"/>
+              </a:lnSpc>
+              <a:spcBef>
+                <a:spcPts val="0"/>
+              </a:spcBef>
+              <a:spcAft>
+                <a:spcPts val="0"/>
+              </a:spcAft>
+              <a:buClr>
+                <a:schemeClr val="dk1"/>
+              </a:buClr>
+              <a:buSzPts val="3600"/>
+              <a:buFont typeface="Barlow"/>
+              <a:buNone/>
+              <a:defRPr sz="3600" b="1" i="0" u="none" strike="noStrike" cap="none">
+                <a:solidFill>
+                  <a:schemeClr val="dk1"/>
+                </a:solidFill>
+                <a:latin typeface="Barlow"/>
+                <a:ea typeface="Barlow"/>
+                <a:cs typeface="Barlow"/>
+                <a:sym typeface="Barlow"/>
+              </a:defRPr>
+            </a:lvl8pPr>
+            <a:lvl9pPr marR="0" lvl="8" algn="ctr" rtl="0">
+              <a:lnSpc>
+                <a:spcPct val="100000"/>
+              </a:lnSpc>
+              <a:spcBef>
+                <a:spcPts val="0"/>
+              </a:spcBef>
+              <a:spcAft>
+                <a:spcPts val="0"/>
+              </a:spcAft>
+              <a:buClr>
+                <a:schemeClr val="dk1"/>
+              </a:buClr>
+              <a:buSzPts val="3600"/>
+              <a:buFont typeface="Barlow"/>
+              <a:buNone/>
+              <a:defRPr sz="3600" b="1" i="0" u="none" strike="noStrike" cap="none">
+                <a:solidFill>
+                  <a:schemeClr val="dk1"/>
+                </a:solidFill>
+                <a:latin typeface="Barlow"/>
+                <a:ea typeface="Barlow"/>
+                <a:cs typeface="Barlow"/>
+                <a:sym typeface="Barlow"/>
+              </a:defRPr>
+            </a:lvl9pPr>
+          </a:lstStyle>
+          <a:p>
+            <a:pPr algn="ctr"/>
+            <a:r>
+              <a:rPr lang="en-US" altLang="zh-CN" sz="8000" spc="300" dirty="0">
+                <a:solidFill>
+                  <a:schemeClr val="accent4">
+                    <a:lumMod val="60000"/>
+                    <a:lumOff val="40000"/>
+                    <a:alpha val="60000"/>
+                  </a:schemeClr>
+                </a:solidFill>
+                <a:latin typeface="Amatic SC" panose="020F0502020204030204" pitchFamily="2" charset="-79"/>
+                <a:cs typeface="Amatic SC" panose="020F0502020204030204" pitchFamily="2" charset="-79"/>
+              </a:rPr>
+              <a:t>Slide</a:t>
+            </a:r>
+          </a:p>
+        </p:txBody>
+      </p:sp>
+    </p:spTree>
+    <p:extLst>
+      <p:ext uri="{BB962C8B-B14F-4D97-AF65-F5344CB8AC3E}">
+        <p14:creationId xmlns:p14="http://schemas.microsoft.com/office/powerpoint/2010/main" val="1233345017"/>
+      </p:ext>
+    </p:extLst>
+  </p:cSld>
+  <p:clrMapOvr>
+    <a:masterClrMapping/>
+  </p:clrMapOvr>
+</p:sld>
+</file>
+
+<file path=ppt/slides/slide19.xml><?xml version="1.0" encoding="utf-8"?>
+<p:sld xmlns:a="http://schemas.openxmlformats.org/drawingml/2006/main" xmlns:r="http://schemas.openxmlformats.org/officeDocument/2006/relationships" xmlns:p="http://schemas.openxmlformats.org/presentationml/2006/main">
+  <p:cSld>
+    <p:spTree>
+      <p:nvGrpSpPr>
+        <p:cNvPr id="1" name="">
+          <a:extLst>
+            <a:ext uri="{FF2B5EF4-FFF2-40B4-BE49-F238E27FC236}">
+              <a16:creationId xmlns:a16="http://schemas.microsoft.com/office/drawing/2014/main" id="{DEE362FD-589A-832A-D4C0-D2225C9FE999}"/>
+            </a:ext>
+          </a:extLst>
+        </p:cNvPr>
+        <p:cNvGrpSpPr/>
+        <p:nvPr/>
+      </p:nvGrpSpPr>
+      <p:grpSpPr>
+        <a:xfrm>
+          <a:off x="0" y="0"/>
+          <a:ext cx="0" cy="0"/>
+          <a:chOff x="0" y="0"/>
+          <a:chExt cx="0" cy="0"/>
+        </a:xfrm>
+      </p:grpSpPr>
+      <p:sp>
+        <p:nvSpPr>
+          <p:cNvPr id="6" name="Rectangle 5">
+            <a:extLst>
+              <a:ext uri="{FF2B5EF4-FFF2-40B4-BE49-F238E27FC236}">
+                <a16:creationId xmlns:a16="http://schemas.microsoft.com/office/drawing/2014/main" id="{EEEE8FCC-BDDF-ED80-58B8-311E1D44BF2D}"/>
+              </a:ext>
+            </a:extLst>
+          </p:cNvPr>
+          <p:cNvSpPr/>
+          <p:nvPr/>
+        </p:nvSpPr>
+        <p:spPr>
+          <a:xfrm>
+            <a:off x="0" y="0"/>
+            <a:ext cx="12192000" cy="6858000"/>
+          </a:xfrm>
+          <a:prstGeom prst="rect">
+            <a:avLst/>
+          </a:prstGeom>
+          <a:solidFill>
+            <a:srgbClr val="23242A"/>
+          </a:solidFill>
+          <a:ln>
+            <a:noFill/>
+          </a:ln>
+        </p:spPr>
+        <p:style>
+          <a:lnRef idx="2">
+            <a:schemeClr val="accent1">
+              <a:shade val="15000"/>
+            </a:schemeClr>
+          </a:lnRef>
+          <a:fillRef idx="1">
+            <a:schemeClr val="accent1"/>
+          </a:fillRef>
+          <a:effectRef idx="0">
+            <a:schemeClr val="accent1"/>
+          </a:effectRef>
+          <a:fontRef idx="minor">
+            <a:schemeClr val="lt1"/>
+          </a:fontRef>
+        </p:style>
+        <p:txBody>
+          <a:bodyPr rtlCol="0" anchor="ctr"/>
+          <a:lstStyle/>
+          <a:p>
+            <a:pPr algn="ctr"/>
+            <a:endParaRPr lang="zh-CN" altLang="en-US" dirty="0"/>
+          </a:p>
+        </p:txBody>
+      </p:sp>
+      <p:sp>
+        <p:nvSpPr>
+          <p:cNvPr id="2" name="Slide Number Placeholder 1">
+            <a:extLst>
+              <a:ext uri="{FF2B5EF4-FFF2-40B4-BE49-F238E27FC236}">
+                <a16:creationId xmlns:a16="http://schemas.microsoft.com/office/drawing/2014/main" id="{891DB455-B62D-8FF6-43F3-DC2CA0B813B8}"/>
+              </a:ext>
+            </a:extLst>
+          </p:cNvPr>
+          <p:cNvSpPr>
+            <a:spLocks noGrp="1"/>
+          </p:cNvSpPr>
+          <p:nvPr>
+            <p:ph type="sldNum" sz="quarter" idx="12"/>
+          </p:nvPr>
+        </p:nvSpPr>
+        <p:spPr>
+          <a:xfrm>
+            <a:off x="9057739" y="6259509"/>
+            <a:ext cx="2743200" cy="365125"/>
+          </a:xfrm>
+        </p:spPr>
+        <p:txBody>
+          <a:bodyPr/>
+          <a:lstStyle/>
+          <a:p>
+            <a:fld id="{9B1EC109-1E15-4BCA-93B5-56442BB3443E}" type="slidenum">
+              <a:rPr lang="zh-CN" altLang="en-US" sz="2400" b="1" smtClean="0">
+                <a:solidFill>
+                  <a:schemeClr val="bg1">
+                    <a:lumMod val="65000"/>
+                  </a:schemeClr>
+                </a:solidFill>
+                <a:latin typeface="Bradley Hand ITC" panose="03070402050302030203" pitchFamily="66" charset="0"/>
+              </a:rPr>
+              <a:t>19</a:t>
+            </a:fld>
+            <a:endParaRPr lang="zh-CN" altLang="en-US" sz="2400" b="1" dirty="0">
+              <a:solidFill>
+                <a:schemeClr val="bg1">
+                  <a:lumMod val="65000"/>
+                </a:schemeClr>
+              </a:solidFill>
+              <a:latin typeface="Bradley Hand ITC" panose="03070402050302030203" pitchFamily="66" charset="0"/>
+            </a:endParaRPr>
+          </a:p>
+        </p:txBody>
+      </p:sp>
+      <p:sp>
+        <p:nvSpPr>
+          <p:cNvPr id="4" name="Google Shape;867;p33">
+            <a:extLst>
+              <a:ext uri="{FF2B5EF4-FFF2-40B4-BE49-F238E27FC236}">
+                <a16:creationId xmlns:a16="http://schemas.microsoft.com/office/drawing/2014/main" id="{04208F63-90AE-CE70-CAE7-E9997B4FFA20}"/>
+              </a:ext>
+            </a:extLst>
+          </p:cNvPr>
+          <p:cNvSpPr txBox="1">
+            <a:spLocks/>
+          </p:cNvSpPr>
+          <p:nvPr/>
+        </p:nvSpPr>
+        <p:spPr>
+          <a:xfrm>
+            <a:off x="2222600" y="143850"/>
+            <a:ext cx="7746800" cy="1602400"/>
+          </a:xfrm>
+          <a:prstGeom prst="rect">
+            <a:avLst/>
+          </a:prstGeom>
+          <a:noFill/>
+          <a:ln>
+            <a:noFill/>
+          </a:ln>
+        </p:spPr>
+        <p:txBody>
+          <a:bodyPr spcFirstLastPara="1" wrap="square" lIns="91425" tIns="91425" rIns="91425" bIns="91425" anchor="b" anchorCtr="0">
+            <a:noAutofit/>
+          </a:bodyPr>
+          <a:lstStyle>
+            <a:defPPr marR="0" lvl="0" algn="l" rtl="0">
+              <a:lnSpc>
+                <a:spcPct val="100000"/>
+              </a:lnSpc>
+              <a:spcBef>
+                <a:spcPts val="0"/>
+              </a:spcBef>
+              <a:spcAft>
+                <a:spcPts val="0"/>
+              </a:spcAft>
+            </a:defPPr>
+            <a:lvl1pPr marR="0" lvl="0" algn="l" rtl="0">
+              <a:lnSpc>
+                <a:spcPct val="100000"/>
+              </a:lnSpc>
+              <a:spcBef>
+                <a:spcPts val="0"/>
+              </a:spcBef>
+              <a:spcAft>
+                <a:spcPts val="0"/>
+              </a:spcAft>
+              <a:buClr>
+                <a:schemeClr val="dk1"/>
+              </a:buClr>
+              <a:buSzPts val="3600"/>
+              <a:buFont typeface="Barlow"/>
+              <a:buNone/>
+              <a:defRPr sz="7200" b="1" i="0" u="none" strike="noStrike" cap="none">
+                <a:solidFill>
+                  <a:schemeClr val="dk1"/>
+                </a:solidFill>
+                <a:latin typeface="Barlow"/>
+                <a:ea typeface="Barlow"/>
+                <a:cs typeface="Barlow"/>
+                <a:sym typeface="Barlow"/>
+              </a:defRPr>
+            </a:lvl1pPr>
+            <a:lvl2pPr marR="0" lvl="1" algn="ctr" rtl="0">
+              <a:lnSpc>
+                <a:spcPct val="100000"/>
+              </a:lnSpc>
+              <a:spcBef>
+                <a:spcPts val="0"/>
+              </a:spcBef>
+              <a:spcAft>
+                <a:spcPts val="0"/>
+              </a:spcAft>
+              <a:buClr>
+                <a:schemeClr val="dk1"/>
+              </a:buClr>
+              <a:buSzPts val="3600"/>
+              <a:buFont typeface="Barlow"/>
+              <a:buNone/>
+              <a:defRPr sz="3600" b="1" i="0" u="none" strike="noStrike" cap="none">
+                <a:solidFill>
+                  <a:schemeClr val="dk1"/>
+                </a:solidFill>
+                <a:latin typeface="Barlow"/>
+                <a:ea typeface="Barlow"/>
+                <a:cs typeface="Barlow"/>
+                <a:sym typeface="Barlow"/>
+              </a:defRPr>
+            </a:lvl2pPr>
+            <a:lvl3pPr marR="0" lvl="2" algn="ctr" rtl="0">
+              <a:lnSpc>
+                <a:spcPct val="100000"/>
+              </a:lnSpc>
+              <a:spcBef>
+                <a:spcPts val="0"/>
+              </a:spcBef>
+              <a:spcAft>
+                <a:spcPts val="0"/>
+              </a:spcAft>
+              <a:buClr>
+                <a:schemeClr val="dk1"/>
+              </a:buClr>
+              <a:buSzPts val="3600"/>
+              <a:buFont typeface="Barlow"/>
+              <a:buNone/>
+              <a:defRPr sz="3600" b="1" i="0" u="none" strike="noStrike" cap="none">
+                <a:solidFill>
+                  <a:schemeClr val="dk1"/>
+                </a:solidFill>
+                <a:latin typeface="Barlow"/>
+                <a:ea typeface="Barlow"/>
+                <a:cs typeface="Barlow"/>
+                <a:sym typeface="Barlow"/>
+              </a:defRPr>
+            </a:lvl3pPr>
+            <a:lvl4pPr marR="0" lvl="3" algn="ctr" rtl="0">
+              <a:lnSpc>
+                <a:spcPct val="100000"/>
+              </a:lnSpc>
+              <a:spcBef>
+                <a:spcPts val="0"/>
+              </a:spcBef>
+              <a:spcAft>
+                <a:spcPts val="0"/>
+              </a:spcAft>
+              <a:buClr>
+                <a:schemeClr val="dk1"/>
+              </a:buClr>
+              <a:buSzPts val="3600"/>
+              <a:buFont typeface="Barlow"/>
+              <a:buNone/>
+              <a:defRPr sz="3600" b="1" i="0" u="none" strike="noStrike" cap="none">
+                <a:solidFill>
+                  <a:schemeClr val="dk1"/>
+                </a:solidFill>
+                <a:latin typeface="Barlow"/>
+                <a:ea typeface="Barlow"/>
+                <a:cs typeface="Barlow"/>
+                <a:sym typeface="Barlow"/>
+              </a:defRPr>
+            </a:lvl4pPr>
+            <a:lvl5pPr marR="0" lvl="4" algn="ctr" rtl="0">
+              <a:lnSpc>
+                <a:spcPct val="100000"/>
+              </a:lnSpc>
+              <a:spcBef>
+                <a:spcPts val="0"/>
+              </a:spcBef>
+              <a:spcAft>
+                <a:spcPts val="0"/>
+              </a:spcAft>
+              <a:buClr>
+                <a:schemeClr val="dk1"/>
+              </a:buClr>
+              <a:buSzPts val="3600"/>
+              <a:buFont typeface="Barlow"/>
+              <a:buNone/>
+              <a:defRPr sz="3600" b="1" i="0" u="none" strike="noStrike" cap="none">
+                <a:solidFill>
+                  <a:schemeClr val="dk1"/>
+                </a:solidFill>
+                <a:latin typeface="Barlow"/>
+                <a:ea typeface="Barlow"/>
+                <a:cs typeface="Barlow"/>
+                <a:sym typeface="Barlow"/>
+              </a:defRPr>
+            </a:lvl5pPr>
+            <a:lvl6pPr marR="0" lvl="5" algn="ctr" rtl="0">
+              <a:lnSpc>
+                <a:spcPct val="100000"/>
+              </a:lnSpc>
+              <a:spcBef>
+                <a:spcPts val="0"/>
+              </a:spcBef>
+              <a:spcAft>
+                <a:spcPts val="0"/>
+              </a:spcAft>
+              <a:buClr>
+                <a:schemeClr val="dk1"/>
+              </a:buClr>
+              <a:buSzPts val="3600"/>
+              <a:buFont typeface="Barlow"/>
+              <a:buNone/>
+              <a:defRPr sz="3600" b="1" i="0" u="none" strike="noStrike" cap="none">
+                <a:solidFill>
+                  <a:schemeClr val="dk1"/>
+                </a:solidFill>
+                <a:latin typeface="Barlow"/>
+                <a:ea typeface="Barlow"/>
+                <a:cs typeface="Barlow"/>
+                <a:sym typeface="Barlow"/>
+              </a:defRPr>
+            </a:lvl6pPr>
+            <a:lvl7pPr marR="0" lvl="6" algn="ctr" rtl="0">
+              <a:lnSpc>
+                <a:spcPct val="100000"/>
+              </a:lnSpc>
+              <a:spcBef>
+                <a:spcPts val="0"/>
+              </a:spcBef>
+              <a:spcAft>
+                <a:spcPts val="0"/>
+              </a:spcAft>
+              <a:buClr>
+                <a:schemeClr val="dk1"/>
+              </a:buClr>
+              <a:buSzPts val="3600"/>
+              <a:buFont typeface="Barlow"/>
+              <a:buNone/>
+              <a:defRPr sz="3600" b="1" i="0" u="none" strike="noStrike" cap="none">
+                <a:solidFill>
+                  <a:schemeClr val="dk1"/>
+                </a:solidFill>
+                <a:latin typeface="Barlow"/>
+                <a:ea typeface="Barlow"/>
+                <a:cs typeface="Barlow"/>
+                <a:sym typeface="Barlow"/>
+              </a:defRPr>
+            </a:lvl7pPr>
+            <a:lvl8pPr marR="0" lvl="7" algn="ctr" rtl="0">
+              <a:lnSpc>
+                <a:spcPct val="100000"/>
+              </a:lnSpc>
+              <a:spcBef>
+                <a:spcPts val="0"/>
+              </a:spcBef>
+              <a:spcAft>
+                <a:spcPts val="0"/>
+              </a:spcAft>
+              <a:buClr>
+                <a:schemeClr val="dk1"/>
+              </a:buClr>
+              <a:buSzPts val="3600"/>
+              <a:buFont typeface="Barlow"/>
+              <a:buNone/>
+              <a:defRPr sz="3600" b="1" i="0" u="none" strike="noStrike" cap="none">
+                <a:solidFill>
+                  <a:schemeClr val="dk1"/>
+                </a:solidFill>
+                <a:latin typeface="Barlow"/>
+                <a:ea typeface="Barlow"/>
+                <a:cs typeface="Barlow"/>
+                <a:sym typeface="Barlow"/>
+              </a:defRPr>
+            </a:lvl8pPr>
+            <a:lvl9pPr marR="0" lvl="8" algn="ctr" rtl="0">
+              <a:lnSpc>
+                <a:spcPct val="100000"/>
+              </a:lnSpc>
+              <a:spcBef>
+                <a:spcPts val="0"/>
+              </a:spcBef>
+              <a:spcAft>
+                <a:spcPts val="0"/>
+              </a:spcAft>
+              <a:buClr>
+                <a:schemeClr val="dk1"/>
+              </a:buClr>
+              <a:buSzPts val="3600"/>
+              <a:buFont typeface="Barlow"/>
+              <a:buNone/>
+              <a:defRPr sz="3600" b="1" i="0" u="none" strike="noStrike" cap="none">
+                <a:solidFill>
+                  <a:schemeClr val="dk1"/>
+                </a:solidFill>
+                <a:latin typeface="Barlow"/>
+                <a:ea typeface="Barlow"/>
+                <a:cs typeface="Barlow"/>
+                <a:sym typeface="Barlow"/>
+              </a:defRPr>
+            </a:lvl9pPr>
+          </a:lstStyle>
+          <a:p>
+            <a:pPr algn="ctr"/>
+            <a:r>
+              <a:rPr lang="en-US" altLang="zh-CN" sz="8000" spc="300" dirty="0">
+                <a:solidFill>
+                  <a:schemeClr val="accent4">
+                    <a:lumMod val="60000"/>
+                    <a:lumOff val="40000"/>
+                    <a:alpha val="60000"/>
+                  </a:schemeClr>
+                </a:solidFill>
+                <a:latin typeface="Amatic SC" panose="020F0502020204030204" pitchFamily="2" charset="-79"/>
+                <a:cs typeface="Amatic SC" panose="020F0502020204030204" pitchFamily="2" charset="-79"/>
+              </a:rPr>
+              <a:t>Slide</a:t>
+            </a:r>
+          </a:p>
+        </p:txBody>
+      </p:sp>
+    </p:spTree>
+    <p:extLst>
+      <p:ext uri="{BB962C8B-B14F-4D97-AF65-F5344CB8AC3E}">
+        <p14:creationId xmlns:p14="http://schemas.microsoft.com/office/powerpoint/2010/main" val="1943250445"/>
+      </p:ext>
+    </p:extLst>
+  </p:cSld>
+  <p:clrMapOvr>
+    <a:masterClrMapping/>
+  </p:clrMapOvr>
+</p:sld>
+</file>
+
+<file path=ppt/slides/slide2.xml><?xml version="1.0" encoding="utf-8"?>
+<p:sld xmlns:a="http://schemas.openxmlformats.org/drawingml/2006/main" xmlns:r="http://schemas.openxmlformats.org/officeDocument/2006/relationships" xmlns:p="http://schemas.openxmlformats.org/presentationml/2006/main">
+  <p:cSld>
+    <p:spTree>
+      <p:nvGrpSpPr>
+        <p:cNvPr id="1" name=""/>
+        <p:cNvGrpSpPr/>
+        <p:nvPr/>
+      </p:nvGrpSpPr>
+      <p:grpSpPr>
+        <a:xfrm>
+          <a:off x="0" y="0"/>
+          <a:ext cx="0" cy="0"/>
+          <a:chOff x="0" y="0"/>
+          <a:chExt cx="0" cy="0"/>
+        </a:xfrm>
+      </p:grpSpPr>
+      <p:sp>
+        <p:nvSpPr>
+          <p:cNvPr id="6" name="Rectangle 5">
+            <a:extLst>
+              <a:ext uri="{FF2B5EF4-FFF2-40B4-BE49-F238E27FC236}">
+                <a16:creationId xmlns:a16="http://schemas.microsoft.com/office/drawing/2014/main" id="{7BC4EB1B-EA6B-DFE4-AF3B-05D0EB253209}"/>
+              </a:ext>
+            </a:extLst>
+          </p:cNvPr>
+          <p:cNvSpPr/>
+          <p:nvPr/>
+        </p:nvSpPr>
+        <p:spPr>
+          <a:xfrm>
+            <a:off x="0" y="0"/>
+            <a:ext cx="12192000" cy="6858000"/>
+          </a:xfrm>
+          <a:prstGeom prst="rect">
+            <a:avLst/>
+          </a:prstGeom>
+          <a:solidFill>
+            <a:srgbClr val="23242A"/>
+          </a:solidFill>
+          <a:ln>
+            <a:noFill/>
+          </a:ln>
+        </p:spPr>
+        <p:style>
+          <a:lnRef idx="2">
+            <a:schemeClr val="accent1">
+              <a:shade val="15000"/>
+            </a:schemeClr>
+          </a:lnRef>
+          <a:fillRef idx="1">
+            <a:schemeClr val="accent1"/>
+          </a:fillRef>
+          <a:effectRef idx="0">
+            <a:schemeClr val="accent1"/>
+          </a:effectRef>
+          <a:fontRef idx="minor">
+            <a:schemeClr val="lt1"/>
+          </a:fontRef>
+        </p:style>
+        <p:txBody>
+          <a:bodyPr rtlCol="0" anchor="ctr"/>
+          <a:lstStyle/>
+          <a:p>
+            <a:pPr algn="ctr"/>
+            <a:endParaRPr lang="zh-CN" altLang="en-US" dirty="0"/>
+          </a:p>
+        </p:txBody>
+      </p:sp>
+      <p:sp>
+        <p:nvSpPr>
+          <p:cNvPr id="2" name="Slide Number Placeholder 1">
+            <a:extLst>
+              <a:ext uri="{FF2B5EF4-FFF2-40B4-BE49-F238E27FC236}">
+                <a16:creationId xmlns:a16="http://schemas.microsoft.com/office/drawing/2014/main" id="{C53E70DF-9B91-8A92-BF94-1399BB9FFE34}"/>
+              </a:ext>
+            </a:extLst>
+          </p:cNvPr>
+          <p:cNvSpPr>
+            <a:spLocks noGrp="1"/>
+          </p:cNvSpPr>
+          <p:nvPr>
+            <p:ph type="sldNum" sz="quarter" idx="12"/>
+          </p:nvPr>
+        </p:nvSpPr>
+        <p:spPr>
+          <a:xfrm>
+            <a:off x="9057739" y="6259509"/>
+            <a:ext cx="2743200" cy="365125"/>
+          </a:xfrm>
+        </p:spPr>
+        <p:txBody>
+          <a:bodyPr/>
+          <a:lstStyle/>
+          <a:p>
+            <a:fld id="{9B1EC109-1E15-4BCA-93B5-56442BB3443E}" type="slidenum">
+              <a:rPr lang="zh-CN" altLang="en-US" sz="2400" b="1" smtClean="0">
+                <a:solidFill>
+                  <a:schemeClr val="bg1">
+                    <a:lumMod val="65000"/>
+                  </a:schemeClr>
+                </a:solidFill>
+                <a:latin typeface="Bradley Hand ITC" panose="03070402050302030203" pitchFamily="66" charset="0"/>
+              </a:rPr>
+              <a:t>2</a:t>
+            </a:fld>
+            <a:endParaRPr lang="zh-CN" altLang="en-US" sz="2400" b="1" dirty="0">
+              <a:solidFill>
+                <a:schemeClr val="bg1">
+                  <a:lumMod val="65000"/>
+                </a:schemeClr>
+              </a:solidFill>
+              <a:latin typeface="Bradley Hand ITC" panose="03070402050302030203" pitchFamily="66" charset="0"/>
+            </a:endParaRPr>
+          </a:p>
+        </p:txBody>
+      </p:sp>
+      <p:sp>
+        <p:nvSpPr>
+          <p:cNvPr id="4" name="Google Shape;867;p33">
+            <a:extLst>
+              <a:ext uri="{FF2B5EF4-FFF2-40B4-BE49-F238E27FC236}">
+                <a16:creationId xmlns:a16="http://schemas.microsoft.com/office/drawing/2014/main" id="{24BC39E7-8798-676F-63C1-093D28359AFA}"/>
+              </a:ext>
+            </a:extLst>
+          </p:cNvPr>
+          <p:cNvSpPr txBox="1">
+            <a:spLocks/>
+          </p:cNvSpPr>
+          <p:nvPr/>
+        </p:nvSpPr>
+        <p:spPr>
+          <a:xfrm>
+            <a:off x="2222600" y="143850"/>
+            <a:ext cx="7746800" cy="1602400"/>
+          </a:xfrm>
+          <a:prstGeom prst="rect">
+            <a:avLst/>
+          </a:prstGeom>
+          <a:noFill/>
+          <a:ln>
+            <a:noFill/>
+          </a:ln>
+        </p:spPr>
+        <p:txBody>
+          <a:bodyPr spcFirstLastPara="1" wrap="square" lIns="91425" tIns="91425" rIns="91425" bIns="91425" anchor="b" anchorCtr="0">
+            <a:noAutofit/>
+          </a:bodyPr>
+          <a:lstStyle>
+            <a:defPPr marR="0" lvl="0" algn="l" rtl="0">
+              <a:lnSpc>
+                <a:spcPct val="100000"/>
+              </a:lnSpc>
+              <a:spcBef>
+                <a:spcPts val="0"/>
+              </a:spcBef>
+              <a:spcAft>
+                <a:spcPts val="0"/>
+              </a:spcAft>
+            </a:defPPr>
+            <a:lvl1pPr marR="0" lvl="0" algn="l" rtl="0">
+              <a:lnSpc>
+                <a:spcPct val="100000"/>
+              </a:lnSpc>
+              <a:spcBef>
+                <a:spcPts val="0"/>
+              </a:spcBef>
+              <a:spcAft>
+                <a:spcPts val="0"/>
+              </a:spcAft>
+              <a:buClr>
+                <a:schemeClr val="dk1"/>
+              </a:buClr>
+              <a:buSzPts val="3600"/>
+              <a:buFont typeface="Barlow"/>
+              <a:buNone/>
+              <a:defRPr sz="7200" b="1" i="0" u="none" strike="noStrike" cap="none">
+                <a:solidFill>
+                  <a:schemeClr val="dk1"/>
+                </a:solidFill>
+                <a:latin typeface="Barlow"/>
+                <a:ea typeface="Barlow"/>
+                <a:cs typeface="Barlow"/>
+                <a:sym typeface="Barlow"/>
+              </a:defRPr>
+            </a:lvl1pPr>
+            <a:lvl2pPr marR="0" lvl="1" algn="ctr" rtl="0">
+              <a:lnSpc>
+                <a:spcPct val="100000"/>
+              </a:lnSpc>
+              <a:spcBef>
+                <a:spcPts val="0"/>
+              </a:spcBef>
+              <a:spcAft>
+                <a:spcPts val="0"/>
+              </a:spcAft>
+              <a:buClr>
+                <a:schemeClr val="dk1"/>
+              </a:buClr>
+              <a:buSzPts val="3600"/>
+              <a:buFont typeface="Barlow"/>
+              <a:buNone/>
+              <a:defRPr sz="3600" b="1" i="0" u="none" strike="noStrike" cap="none">
+                <a:solidFill>
+                  <a:schemeClr val="dk1"/>
+                </a:solidFill>
+                <a:latin typeface="Barlow"/>
+                <a:ea typeface="Barlow"/>
+                <a:cs typeface="Barlow"/>
+                <a:sym typeface="Barlow"/>
+              </a:defRPr>
+            </a:lvl2pPr>
+            <a:lvl3pPr marR="0" lvl="2" algn="ctr" rtl="0">
+              <a:lnSpc>
+                <a:spcPct val="100000"/>
+              </a:lnSpc>
+              <a:spcBef>
+                <a:spcPts val="0"/>
+              </a:spcBef>
+              <a:spcAft>
+                <a:spcPts val="0"/>
+              </a:spcAft>
+              <a:buClr>
+                <a:schemeClr val="dk1"/>
+              </a:buClr>
+              <a:buSzPts val="3600"/>
+              <a:buFont typeface="Barlow"/>
+              <a:buNone/>
+              <a:defRPr sz="3600" b="1" i="0" u="none" strike="noStrike" cap="none">
+                <a:solidFill>
+                  <a:schemeClr val="dk1"/>
+                </a:solidFill>
+                <a:latin typeface="Barlow"/>
+                <a:ea typeface="Barlow"/>
+                <a:cs typeface="Barlow"/>
+                <a:sym typeface="Barlow"/>
+              </a:defRPr>
+            </a:lvl3pPr>
+            <a:lvl4pPr marR="0" lvl="3" algn="ctr" rtl="0">
+              <a:lnSpc>
+                <a:spcPct val="100000"/>
+              </a:lnSpc>
+              <a:spcBef>
+                <a:spcPts val="0"/>
+              </a:spcBef>
+              <a:spcAft>
+                <a:spcPts val="0"/>
+              </a:spcAft>
+              <a:buClr>
+                <a:schemeClr val="dk1"/>
+              </a:buClr>
+              <a:buSzPts val="3600"/>
+              <a:buFont typeface="Barlow"/>
+              <a:buNone/>
+              <a:defRPr sz="3600" b="1" i="0" u="none" strike="noStrike" cap="none">
+                <a:solidFill>
+                  <a:schemeClr val="dk1"/>
+                </a:solidFill>
+                <a:latin typeface="Barlow"/>
+                <a:ea typeface="Barlow"/>
+                <a:cs typeface="Barlow"/>
+                <a:sym typeface="Barlow"/>
+              </a:defRPr>
+            </a:lvl4pPr>
+            <a:lvl5pPr marR="0" lvl="4" algn="ctr" rtl="0">
+              <a:lnSpc>
+                <a:spcPct val="100000"/>
+              </a:lnSpc>
+              <a:spcBef>
+                <a:spcPts val="0"/>
+              </a:spcBef>
+              <a:spcAft>
+                <a:spcPts val="0"/>
+              </a:spcAft>
+              <a:buClr>
+                <a:schemeClr val="dk1"/>
+              </a:buClr>
+              <a:buSzPts val="3600"/>
+              <a:buFont typeface="Barlow"/>
+              <a:buNone/>
+              <a:defRPr sz="3600" b="1" i="0" u="none" strike="noStrike" cap="none">
+                <a:solidFill>
+                  <a:schemeClr val="dk1"/>
+                </a:solidFill>
+                <a:latin typeface="Barlow"/>
+                <a:ea typeface="Barlow"/>
+                <a:cs typeface="Barlow"/>
+                <a:sym typeface="Barlow"/>
+              </a:defRPr>
+            </a:lvl5pPr>
+            <a:lvl6pPr marR="0" lvl="5" algn="ctr" rtl="0">
+              <a:lnSpc>
+                <a:spcPct val="100000"/>
+              </a:lnSpc>
+              <a:spcBef>
+                <a:spcPts val="0"/>
+              </a:spcBef>
+              <a:spcAft>
+                <a:spcPts val="0"/>
+              </a:spcAft>
+              <a:buClr>
+                <a:schemeClr val="dk1"/>
+              </a:buClr>
+              <a:buSzPts val="3600"/>
+              <a:buFont typeface="Barlow"/>
+              <a:buNone/>
+              <a:defRPr sz="3600" b="1" i="0" u="none" strike="noStrike" cap="none">
+                <a:solidFill>
+                  <a:schemeClr val="dk1"/>
+                </a:solidFill>
+                <a:latin typeface="Barlow"/>
+                <a:ea typeface="Barlow"/>
+                <a:cs typeface="Barlow"/>
+                <a:sym typeface="Barlow"/>
+              </a:defRPr>
+            </a:lvl6pPr>
+            <a:lvl7pPr marR="0" lvl="6" algn="ctr" rtl="0">
+              <a:lnSpc>
+                <a:spcPct val="100000"/>
+              </a:lnSpc>
+              <a:spcBef>
+                <a:spcPts val="0"/>
+              </a:spcBef>
+              <a:spcAft>
+                <a:spcPts val="0"/>
+              </a:spcAft>
+              <a:buClr>
+                <a:schemeClr val="dk1"/>
+              </a:buClr>
+              <a:buSzPts val="3600"/>
+              <a:buFont typeface="Barlow"/>
+              <a:buNone/>
+              <a:defRPr sz="3600" b="1" i="0" u="none" strike="noStrike" cap="none">
+                <a:solidFill>
+                  <a:schemeClr val="dk1"/>
+                </a:solidFill>
+                <a:latin typeface="Barlow"/>
+                <a:ea typeface="Barlow"/>
+                <a:cs typeface="Barlow"/>
+                <a:sym typeface="Barlow"/>
+              </a:defRPr>
+            </a:lvl7pPr>
+            <a:lvl8pPr marR="0" lvl="7" algn="ctr" rtl="0">
+              <a:lnSpc>
+                <a:spcPct val="100000"/>
+              </a:lnSpc>
+              <a:spcBef>
+                <a:spcPts val="0"/>
+              </a:spcBef>
+              <a:spcAft>
+                <a:spcPts val="0"/>
+              </a:spcAft>
+              <a:buClr>
+                <a:schemeClr val="dk1"/>
+              </a:buClr>
+              <a:buSzPts val="3600"/>
+              <a:buFont typeface="Barlow"/>
+              <a:buNone/>
+              <a:defRPr sz="3600" b="1" i="0" u="none" strike="noStrike" cap="none">
+                <a:solidFill>
+                  <a:schemeClr val="dk1"/>
+                </a:solidFill>
+                <a:latin typeface="Barlow"/>
+                <a:ea typeface="Barlow"/>
+                <a:cs typeface="Barlow"/>
+                <a:sym typeface="Barlow"/>
+              </a:defRPr>
+            </a:lvl8pPr>
+            <a:lvl9pPr marR="0" lvl="8" algn="ctr" rtl="0">
+              <a:lnSpc>
+                <a:spcPct val="100000"/>
+              </a:lnSpc>
+              <a:spcBef>
+                <a:spcPts val="0"/>
+              </a:spcBef>
+              <a:spcAft>
+                <a:spcPts val="0"/>
+              </a:spcAft>
+              <a:buClr>
+                <a:schemeClr val="dk1"/>
+              </a:buClr>
+              <a:buSzPts val="3600"/>
+              <a:buFont typeface="Barlow"/>
+              <a:buNone/>
+              <a:defRPr sz="3600" b="1" i="0" u="none" strike="noStrike" cap="none">
+                <a:solidFill>
+                  <a:schemeClr val="dk1"/>
+                </a:solidFill>
+                <a:latin typeface="Barlow"/>
+                <a:ea typeface="Barlow"/>
+                <a:cs typeface="Barlow"/>
+                <a:sym typeface="Barlow"/>
+              </a:defRPr>
+            </a:lvl9pPr>
+          </a:lstStyle>
+          <a:p>
+            <a:pPr algn="ctr"/>
+            <a:r>
+              <a:rPr lang="en-US" altLang="zh-CN" sz="8000" spc="300" dirty="0">
+                <a:solidFill>
+                  <a:schemeClr val="accent4">
+                    <a:lumMod val="60000"/>
+                    <a:lumOff val="40000"/>
+                    <a:alpha val="60000"/>
+                  </a:schemeClr>
+                </a:solidFill>
+                <a:latin typeface="Amatic SC" panose="020F0502020204030204" pitchFamily="2" charset="-79"/>
+                <a:cs typeface="Amatic SC" panose="020F0502020204030204" pitchFamily="2" charset="-79"/>
+              </a:rPr>
               <a:t>Slide</a:t>
             </a:r>
           </a:p>
@@ -7009,6 +10971,1438 @@
     <p:extLst>
       <p:ext uri="{BB962C8B-B14F-4D97-AF65-F5344CB8AC3E}">
         <p14:creationId xmlns:p14="http://schemas.microsoft.com/office/powerpoint/2010/main" val="3668868764"/>
+      </p:ext>
+    </p:extLst>
+  </p:cSld>
+  <p:clrMapOvr>
+    <a:masterClrMapping/>
+  </p:clrMapOvr>
+</p:sld>
+</file>
+
+<file path=ppt/slides/slide20.xml><?xml version="1.0" encoding="utf-8"?>
+<p:sld xmlns:a="http://schemas.openxmlformats.org/drawingml/2006/main" xmlns:r="http://schemas.openxmlformats.org/officeDocument/2006/relationships" xmlns:p="http://schemas.openxmlformats.org/presentationml/2006/main">
+  <p:cSld>
+    <p:spTree>
+      <p:nvGrpSpPr>
+        <p:cNvPr id="1" name="">
+          <a:extLst>
+            <a:ext uri="{FF2B5EF4-FFF2-40B4-BE49-F238E27FC236}">
+              <a16:creationId xmlns:a16="http://schemas.microsoft.com/office/drawing/2014/main" id="{B0638B88-A28D-0D98-6790-AFD73D028E78}"/>
+            </a:ext>
+          </a:extLst>
+        </p:cNvPr>
+        <p:cNvGrpSpPr/>
+        <p:nvPr/>
+      </p:nvGrpSpPr>
+      <p:grpSpPr>
+        <a:xfrm>
+          <a:off x="0" y="0"/>
+          <a:ext cx="0" cy="0"/>
+          <a:chOff x="0" y="0"/>
+          <a:chExt cx="0" cy="0"/>
+        </a:xfrm>
+      </p:grpSpPr>
+      <p:sp>
+        <p:nvSpPr>
+          <p:cNvPr id="6" name="Rectangle 5">
+            <a:extLst>
+              <a:ext uri="{FF2B5EF4-FFF2-40B4-BE49-F238E27FC236}">
+                <a16:creationId xmlns:a16="http://schemas.microsoft.com/office/drawing/2014/main" id="{52E115B1-EE40-3BB7-072F-C694ABBC3CDA}"/>
+              </a:ext>
+            </a:extLst>
+          </p:cNvPr>
+          <p:cNvSpPr/>
+          <p:nvPr/>
+        </p:nvSpPr>
+        <p:spPr>
+          <a:xfrm>
+            <a:off x="0" y="0"/>
+            <a:ext cx="12192000" cy="6858000"/>
+          </a:xfrm>
+          <a:prstGeom prst="rect">
+            <a:avLst/>
+          </a:prstGeom>
+          <a:solidFill>
+            <a:srgbClr val="23242A"/>
+          </a:solidFill>
+          <a:ln>
+            <a:noFill/>
+          </a:ln>
+        </p:spPr>
+        <p:style>
+          <a:lnRef idx="2">
+            <a:schemeClr val="accent1">
+              <a:shade val="15000"/>
+            </a:schemeClr>
+          </a:lnRef>
+          <a:fillRef idx="1">
+            <a:schemeClr val="accent1"/>
+          </a:fillRef>
+          <a:effectRef idx="0">
+            <a:schemeClr val="accent1"/>
+          </a:effectRef>
+          <a:fontRef idx="minor">
+            <a:schemeClr val="lt1"/>
+          </a:fontRef>
+        </p:style>
+        <p:txBody>
+          <a:bodyPr rtlCol="0" anchor="ctr"/>
+          <a:lstStyle/>
+          <a:p>
+            <a:pPr algn="ctr"/>
+            <a:endParaRPr lang="zh-CN" altLang="en-US" dirty="0"/>
+          </a:p>
+        </p:txBody>
+      </p:sp>
+      <p:sp>
+        <p:nvSpPr>
+          <p:cNvPr id="2" name="Slide Number Placeholder 1">
+            <a:extLst>
+              <a:ext uri="{FF2B5EF4-FFF2-40B4-BE49-F238E27FC236}">
+                <a16:creationId xmlns:a16="http://schemas.microsoft.com/office/drawing/2014/main" id="{6B14C209-5E11-9F64-6579-48902F3047ED}"/>
+              </a:ext>
+            </a:extLst>
+          </p:cNvPr>
+          <p:cNvSpPr>
+            <a:spLocks noGrp="1"/>
+          </p:cNvSpPr>
+          <p:nvPr>
+            <p:ph type="sldNum" sz="quarter" idx="12"/>
+          </p:nvPr>
+        </p:nvSpPr>
+        <p:spPr>
+          <a:xfrm>
+            <a:off x="9057739" y="6259509"/>
+            <a:ext cx="2743200" cy="365125"/>
+          </a:xfrm>
+        </p:spPr>
+        <p:txBody>
+          <a:bodyPr/>
+          <a:lstStyle/>
+          <a:p>
+            <a:fld id="{9B1EC109-1E15-4BCA-93B5-56442BB3443E}" type="slidenum">
+              <a:rPr lang="zh-CN" altLang="en-US" sz="2400" b="1" smtClean="0">
+                <a:solidFill>
+                  <a:schemeClr val="bg1">
+                    <a:lumMod val="65000"/>
+                  </a:schemeClr>
+                </a:solidFill>
+                <a:latin typeface="Bradley Hand ITC" panose="03070402050302030203" pitchFamily="66" charset="0"/>
+              </a:rPr>
+              <a:t>20</a:t>
+            </a:fld>
+            <a:endParaRPr lang="zh-CN" altLang="en-US" sz="2400" b="1" dirty="0">
+              <a:solidFill>
+                <a:schemeClr val="bg1">
+                  <a:lumMod val="65000"/>
+                </a:schemeClr>
+              </a:solidFill>
+              <a:latin typeface="Bradley Hand ITC" panose="03070402050302030203" pitchFamily="66" charset="0"/>
+            </a:endParaRPr>
+          </a:p>
+        </p:txBody>
+      </p:sp>
+      <p:sp>
+        <p:nvSpPr>
+          <p:cNvPr id="4" name="Google Shape;867;p33">
+            <a:extLst>
+              <a:ext uri="{FF2B5EF4-FFF2-40B4-BE49-F238E27FC236}">
+                <a16:creationId xmlns:a16="http://schemas.microsoft.com/office/drawing/2014/main" id="{8C54911E-C7A1-4CEC-EBF1-0B16D4B61B9B}"/>
+              </a:ext>
+            </a:extLst>
+          </p:cNvPr>
+          <p:cNvSpPr txBox="1">
+            <a:spLocks/>
+          </p:cNvSpPr>
+          <p:nvPr/>
+        </p:nvSpPr>
+        <p:spPr>
+          <a:xfrm>
+            <a:off x="2222600" y="143850"/>
+            <a:ext cx="7746800" cy="1602400"/>
+          </a:xfrm>
+          <a:prstGeom prst="rect">
+            <a:avLst/>
+          </a:prstGeom>
+          <a:noFill/>
+          <a:ln>
+            <a:noFill/>
+          </a:ln>
+        </p:spPr>
+        <p:txBody>
+          <a:bodyPr spcFirstLastPara="1" wrap="square" lIns="91425" tIns="91425" rIns="91425" bIns="91425" anchor="b" anchorCtr="0">
+            <a:noAutofit/>
+          </a:bodyPr>
+          <a:lstStyle>
+            <a:defPPr marR="0" lvl="0" algn="l" rtl="0">
+              <a:lnSpc>
+                <a:spcPct val="100000"/>
+              </a:lnSpc>
+              <a:spcBef>
+                <a:spcPts val="0"/>
+              </a:spcBef>
+              <a:spcAft>
+                <a:spcPts val="0"/>
+              </a:spcAft>
+            </a:defPPr>
+            <a:lvl1pPr marR="0" lvl="0" algn="l" rtl="0">
+              <a:lnSpc>
+                <a:spcPct val="100000"/>
+              </a:lnSpc>
+              <a:spcBef>
+                <a:spcPts val="0"/>
+              </a:spcBef>
+              <a:spcAft>
+                <a:spcPts val="0"/>
+              </a:spcAft>
+              <a:buClr>
+                <a:schemeClr val="dk1"/>
+              </a:buClr>
+              <a:buSzPts val="3600"/>
+              <a:buFont typeface="Barlow"/>
+              <a:buNone/>
+              <a:defRPr sz="7200" b="1" i="0" u="none" strike="noStrike" cap="none">
+                <a:solidFill>
+                  <a:schemeClr val="dk1"/>
+                </a:solidFill>
+                <a:latin typeface="Barlow"/>
+                <a:ea typeface="Barlow"/>
+                <a:cs typeface="Barlow"/>
+                <a:sym typeface="Barlow"/>
+              </a:defRPr>
+            </a:lvl1pPr>
+            <a:lvl2pPr marR="0" lvl="1" algn="ctr" rtl="0">
+              <a:lnSpc>
+                <a:spcPct val="100000"/>
+              </a:lnSpc>
+              <a:spcBef>
+                <a:spcPts val="0"/>
+              </a:spcBef>
+              <a:spcAft>
+                <a:spcPts val="0"/>
+              </a:spcAft>
+              <a:buClr>
+                <a:schemeClr val="dk1"/>
+              </a:buClr>
+              <a:buSzPts val="3600"/>
+              <a:buFont typeface="Barlow"/>
+              <a:buNone/>
+              <a:defRPr sz="3600" b="1" i="0" u="none" strike="noStrike" cap="none">
+                <a:solidFill>
+                  <a:schemeClr val="dk1"/>
+                </a:solidFill>
+                <a:latin typeface="Barlow"/>
+                <a:ea typeface="Barlow"/>
+                <a:cs typeface="Barlow"/>
+                <a:sym typeface="Barlow"/>
+              </a:defRPr>
+            </a:lvl2pPr>
+            <a:lvl3pPr marR="0" lvl="2" algn="ctr" rtl="0">
+              <a:lnSpc>
+                <a:spcPct val="100000"/>
+              </a:lnSpc>
+              <a:spcBef>
+                <a:spcPts val="0"/>
+              </a:spcBef>
+              <a:spcAft>
+                <a:spcPts val="0"/>
+              </a:spcAft>
+              <a:buClr>
+                <a:schemeClr val="dk1"/>
+              </a:buClr>
+              <a:buSzPts val="3600"/>
+              <a:buFont typeface="Barlow"/>
+              <a:buNone/>
+              <a:defRPr sz="3600" b="1" i="0" u="none" strike="noStrike" cap="none">
+                <a:solidFill>
+                  <a:schemeClr val="dk1"/>
+                </a:solidFill>
+                <a:latin typeface="Barlow"/>
+                <a:ea typeface="Barlow"/>
+                <a:cs typeface="Barlow"/>
+                <a:sym typeface="Barlow"/>
+              </a:defRPr>
+            </a:lvl3pPr>
+            <a:lvl4pPr marR="0" lvl="3" algn="ctr" rtl="0">
+              <a:lnSpc>
+                <a:spcPct val="100000"/>
+              </a:lnSpc>
+              <a:spcBef>
+                <a:spcPts val="0"/>
+              </a:spcBef>
+              <a:spcAft>
+                <a:spcPts val="0"/>
+              </a:spcAft>
+              <a:buClr>
+                <a:schemeClr val="dk1"/>
+              </a:buClr>
+              <a:buSzPts val="3600"/>
+              <a:buFont typeface="Barlow"/>
+              <a:buNone/>
+              <a:defRPr sz="3600" b="1" i="0" u="none" strike="noStrike" cap="none">
+                <a:solidFill>
+                  <a:schemeClr val="dk1"/>
+                </a:solidFill>
+                <a:latin typeface="Barlow"/>
+                <a:ea typeface="Barlow"/>
+                <a:cs typeface="Barlow"/>
+                <a:sym typeface="Barlow"/>
+              </a:defRPr>
+            </a:lvl4pPr>
+            <a:lvl5pPr marR="0" lvl="4" algn="ctr" rtl="0">
+              <a:lnSpc>
+                <a:spcPct val="100000"/>
+              </a:lnSpc>
+              <a:spcBef>
+                <a:spcPts val="0"/>
+              </a:spcBef>
+              <a:spcAft>
+                <a:spcPts val="0"/>
+              </a:spcAft>
+              <a:buClr>
+                <a:schemeClr val="dk1"/>
+              </a:buClr>
+              <a:buSzPts val="3600"/>
+              <a:buFont typeface="Barlow"/>
+              <a:buNone/>
+              <a:defRPr sz="3600" b="1" i="0" u="none" strike="noStrike" cap="none">
+                <a:solidFill>
+                  <a:schemeClr val="dk1"/>
+                </a:solidFill>
+                <a:latin typeface="Barlow"/>
+                <a:ea typeface="Barlow"/>
+                <a:cs typeface="Barlow"/>
+                <a:sym typeface="Barlow"/>
+              </a:defRPr>
+            </a:lvl5pPr>
+            <a:lvl6pPr marR="0" lvl="5" algn="ctr" rtl="0">
+              <a:lnSpc>
+                <a:spcPct val="100000"/>
+              </a:lnSpc>
+              <a:spcBef>
+                <a:spcPts val="0"/>
+              </a:spcBef>
+              <a:spcAft>
+                <a:spcPts val="0"/>
+              </a:spcAft>
+              <a:buClr>
+                <a:schemeClr val="dk1"/>
+              </a:buClr>
+              <a:buSzPts val="3600"/>
+              <a:buFont typeface="Barlow"/>
+              <a:buNone/>
+              <a:defRPr sz="3600" b="1" i="0" u="none" strike="noStrike" cap="none">
+                <a:solidFill>
+                  <a:schemeClr val="dk1"/>
+                </a:solidFill>
+                <a:latin typeface="Barlow"/>
+                <a:ea typeface="Barlow"/>
+                <a:cs typeface="Barlow"/>
+                <a:sym typeface="Barlow"/>
+              </a:defRPr>
+            </a:lvl6pPr>
+            <a:lvl7pPr marR="0" lvl="6" algn="ctr" rtl="0">
+              <a:lnSpc>
+                <a:spcPct val="100000"/>
+              </a:lnSpc>
+              <a:spcBef>
+                <a:spcPts val="0"/>
+              </a:spcBef>
+              <a:spcAft>
+                <a:spcPts val="0"/>
+              </a:spcAft>
+              <a:buClr>
+                <a:schemeClr val="dk1"/>
+              </a:buClr>
+              <a:buSzPts val="3600"/>
+              <a:buFont typeface="Barlow"/>
+              <a:buNone/>
+              <a:defRPr sz="3600" b="1" i="0" u="none" strike="noStrike" cap="none">
+                <a:solidFill>
+                  <a:schemeClr val="dk1"/>
+                </a:solidFill>
+                <a:latin typeface="Barlow"/>
+                <a:ea typeface="Barlow"/>
+                <a:cs typeface="Barlow"/>
+                <a:sym typeface="Barlow"/>
+              </a:defRPr>
+            </a:lvl7pPr>
+            <a:lvl8pPr marR="0" lvl="7" algn="ctr" rtl="0">
+              <a:lnSpc>
+                <a:spcPct val="100000"/>
+              </a:lnSpc>
+              <a:spcBef>
+                <a:spcPts val="0"/>
+              </a:spcBef>
+              <a:spcAft>
+                <a:spcPts val="0"/>
+              </a:spcAft>
+              <a:buClr>
+                <a:schemeClr val="dk1"/>
+              </a:buClr>
+              <a:buSzPts val="3600"/>
+              <a:buFont typeface="Barlow"/>
+              <a:buNone/>
+              <a:defRPr sz="3600" b="1" i="0" u="none" strike="noStrike" cap="none">
+                <a:solidFill>
+                  <a:schemeClr val="dk1"/>
+                </a:solidFill>
+                <a:latin typeface="Barlow"/>
+                <a:ea typeface="Barlow"/>
+                <a:cs typeface="Barlow"/>
+                <a:sym typeface="Barlow"/>
+              </a:defRPr>
+            </a:lvl8pPr>
+            <a:lvl9pPr marR="0" lvl="8" algn="ctr" rtl="0">
+              <a:lnSpc>
+                <a:spcPct val="100000"/>
+              </a:lnSpc>
+              <a:spcBef>
+                <a:spcPts val="0"/>
+              </a:spcBef>
+              <a:spcAft>
+                <a:spcPts val="0"/>
+              </a:spcAft>
+              <a:buClr>
+                <a:schemeClr val="dk1"/>
+              </a:buClr>
+              <a:buSzPts val="3600"/>
+              <a:buFont typeface="Barlow"/>
+              <a:buNone/>
+              <a:defRPr sz="3600" b="1" i="0" u="none" strike="noStrike" cap="none">
+                <a:solidFill>
+                  <a:schemeClr val="dk1"/>
+                </a:solidFill>
+                <a:latin typeface="Barlow"/>
+                <a:ea typeface="Barlow"/>
+                <a:cs typeface="Barlow"/>
+                <a:sym typeface="Barlow"/>
+              </a:defRPr>
+            </a:lvl9pPr>
+          </a:lstStyle>
+          <a:p>
+            <a:pPr algn="ctr"/>
+            <a:r>
+              <a:rPr lang="en-US" altLang="zh-CN" sz="8000" spc="300" dirty="0">
+                <a:solidFill>
+                  <a:schemeClr val="accent4">
+                    <a:lumMod val="60000"/>
+                    <a:lumOff val="40000"/>
+                    <a:alpha val="60000"/>
+                  </a:schemeClr>
+                </a:solidFill>
+                <a:latin typeface="Amatic SC" panose="020F0502020204030204" pitchFamily="2" charset="-79"/>
+                <a:cs typeface="Amatic SC" panose="020F0502020204030204" pitchFamily="2" charset="-79"/>
+              </a:rPr>
+              <a:t>What we learnt…</a:t>
+            </a:r>
+          </a:p>
+        </p:txBody>
+      </p:sp>
+      <p:sp>
+        <p:nvSpPr>
+          <p:cNvPr id="7" name="TextBox 6">
+            <a:extLst>
+              <a:ext uri="{FF2B5EF4-FFF2-40B4-BE49-F238E27FC236}">
+                <a16:creationId xmlns:a16="http://schemas.microsoft.com/office/drawing/2014/main" id="{746CF1E8-DC14-458F-9658-3E32EF64E0E4}"/>
+              </a:ext>
+            </a:extLst>
+          </p:cNvPr>
+          <p:cNvSpPr txBox="1"/>
+          <p:nvPr/>
+        </p:nvSpPr>
+        <p:spPr>
+          <a:xfrm>
+            <a:off x="1265150" y="2757261"/>
+            <a:ext cx="4048530" cy="2123658"/>
+          </a:xfrm>
+          <a:prstGeom prst="rect">
+            <a:avLst/>
+          </a:prstGeom>
+          <a:noFill/>
+        </p:spPr>
+        <p:txBody>
+          <a:bodyPr wrap="square" rtlCol="0">
+            <a:spAutoFit/>
+          </a:bodyPr>
+          <a:lstStyle/>
+          <a:p>
+            <a:pPr algn="ctr"/>
+            <a:r>
+              <a:rPr lang="en-US" altLang="zh-CN" sz="4400" dirty="0">
+                <a:solidFill>
+                  <a:schemeClr val="bg1">
+                    <a:lumMod val="75000"/>
+                  </a:schemeClr>
+                </a:solidFill>
+                <a:latin typeface="High Tower Text" panose="02040502050506030303" pitchFamily="18" charset="0"/>
+              </a:rPr>
+              <a:t>How to change sprite </a:t>
+            </a:r>
+            <a:r>
+              <a:rPr lang="en-US" altLang="zh-CN" sz="4400" dirty="0">
+                <a:solidFill>
+                  <a:schemeClr val="accent2">
+                    <a:lumMod val="60000"/>
+                    <a:lumOff val="40000"/>
+                  </a:schemeClr>
+                </a:solidFill>
+                <a:latin typeface="High Tower Text" panose="02040502050506030303" pitchFamily="18" charset="0"/>
+              </a:rPr>
+              <a:t>size</a:t>
+            </a:r>
+            <a:r>
+              <a:rPr lang="en-US" altLang="zh-CN" sz="4400" dirty="0">
+                <a:solidFill>
+                  <a:schemeClr val="bg1">
+                    <a:lumMod val="75000"/>
+                  </a:schemeClr>
+                </a:solidFill>
+                <a:latin typeface="High Tower Text" panose="02040502050506030303" pitchFamily="18" charset="0"/>
+              </a:rPr>
+              <a:t> using block</a:t>
+            </a:r>
+            <a:endParaRPr lang="zh-CN" altLang="en-US" sz="4400" dirty="0">
+              <a:solidFill>
+                <a:schemeClr val="bg1">
+                  <a:lumMod val="75000"/>
+                </a:schemeClr>
+              </a:solidFill>
+              <a:latin typeface="High Tower Text" panose="02040502050506030303" pitchFamily="18" charset="0"/>
+            </a:endParaRPr>
+          </a:p>
+        </p:txBody>
+      </p:sp>
+      <p:pic>
+        <p:nvPicPr>
+          <p:cNvPr id="3" name="Picture 2" descr="A purple rectangle with white text and a circle with black text&#10;&#10;Description automatically generated">
+            <a:extLst>
+              <a:ext uri="{FF2B5EF4-FFF2-40B4-BE49-F238E27FC236}">
+                <a16:creationId xmlns:a16="http://schemas.microsoft.com/office/drawing/2014/main" id="{0D5B4824-D4E9-4CE7-C84E-EE743E88F8C3}"/>
+              </a:ext>
+            </a:extLst>
+          </p:cNvPr>
+          <p:cNvPicPr>
+            <a:picLocks noChangeAspect="1"/>
+          </p:cNvPicPr>
+          <p:nvPr/>
+        </p:nvPicPr>
+        <p:blipFill>
+          <a:blip r:embed="rId2">
+            <a:extLst>
+              <a:ext uri="{28A0092B-C50C-407E-A947-70E740481C1C}">
+                <a14:useLocalDpi xmlns:a14="http://schemas.microsoft.com/office/drawing/2010/main" val="0"/>
+              </a:ext>
+            </a:extLst>
+          </a:blip>
+          <a:stretch>
+            <a:fillRect/>
+          </a:stretch>
+        </p:blipFill>
+        <p:spPr>
+          <a:xfrm>
+            <a:off x="6878322" y="3305569"/>
+            <a:ext cx="3573442" cy="1262541"/>
+          </a:xfrm>
+          <a:prstGeom prst="rect">
+            <a:avLst/>
+          </a:prstGeom>
+        </p:spPr>
+      </p:pic>
+    </p:spTree>
+    <p:extLst>
+      <p:ext uri="{BB962C8B-B14F-4D97-AF65-F5344CB8AC3E}">
+        <p14:creationId xmlns:p14="http://schemas.microsoft.com/office/powerpoint/2010/main" val="2768751716"/>
+      </p:ext>
+    </p:extLst>
+  </p:cSld>
+  <p:clrMapOvr>
+    <a:masterClrMapping/>
+  </p:clrMapOvr>
+</p:sld>
+</file>
+
+<file path=ppt/slides/slide21.xml><?xml version="1.0" encoding="utf-8"?>
+<p:sld xmlns:a="http://schemas.openxmlformats.org/drawingml/2006/main" xmlns:r="http://schemas.openxmlformats.org/officeDocument/2006/relationships" xmlns:p="http://schemas.openxmlformats.org/presentationml/2006/main">
+  <p:cSld>
+    <p:spTree>
+      <p:nvGrpSpPr>
+        <p:cNvPr id="1" name="">
+          <a:extLst>
+            <a:ext uri="{FF2B5EF4-FFF2-40B4-BE49-F238E27FC236}">
+              <a16:creationId xmlns:a16="http://schemas.microsoft.com/office/drawing/2014/main" id="{3530765B-AFFB-8619-87BF-95175A46113B}"/>
+            </a:ext>
+          </a:extLst>
+        </p:cNvPr>
+        <p:cNvGrpSpPr/>
+        <p:nvPr/>
+      </p:nvGrpSpPr>
+      <p:grpSpPr>
+        <a:xfrm>
+          <a:off x="0" y="0"/>
+          <a:ext cx="0" cy="0"/>
+          <a:chOff x="0" y="0"/>
+          <a:chExt cx="0" cy="0"/>
+        </a:xfrm>
+      </p:grpSpPr>
+      <p:sp>
+        <p:nvSpPr>
+          <p:cNvPr id="6" name="Rectangle 5">
+            <a:extLst>
+              <a:ext uri="{FF2B5EF4-FFF2-40B4-BE49-F238E27FC236}">
+                <a16:creationId xmlns:a16="http://schemas.microsoft.com/office/drawing/2014/main" id="{4A7687D8-74DA-F84A-D34F-6FF17B5D0A9E}"/>
+              </a:ext>
+            </a:extLst>
+          </p:cNvPr>
+          <p:cNvSpPr/>
+          <p:nvPr/>
+        </p:nvSpPr>
+        <p:spPr>
+          <a:xfrm>
+            <a:off x="0" y="0"/>
+            <a:ext cx="12192000" cy="6858000"/>
+          </a:xfrm>
+          <a:prstGeom prst="rect">
+            <a:avLst/>
+          </a:prstGeom>
+          <a:solidFill>
+            <a:srgbClr val="23242A"/>
+          </a:solidFill>
+          <a:ln>
+            <a:noFill/>
+          </a:ln>
+        </p:spPr>
+        <p:style>
+          <a:lnRef idx="2">
+            <a:schemeClr val="accent1">
+              <a:shade val="15000"/>
+            </a:schemeClr>
+          </a:lnRef>
+          <a:fillRef idx="1">
+            <a:schemeClr val="accent1"/>
+          </a:fillRef>
+          <a:effectRef idx="0">
+            <a:schemeClr val="accent1"/>
+          </a:effectRef>
+          <a:fontRef idx="minor">
+            <a:schemeClr val="lt1"/>
+          </a:fontRef>
+        </p:style>
+        <p:txBody>
+          <a:bodyPr rtlCol="0" anchor="ctr"/>
+          <a:lstStyle/>
+          <a:p>
+            <a:pPr algn="ctr"/>
+            <a:endParaRPr lang="zh-CN" altLang="en-US" dirty="0"/>
+          </a:p>
+        </p:txBody>
+      </p:sp>
+      <p:sp>
+        <p:nvSpPr>
+          <p:cNvPr id="4" name="Google Shape;867;p33">
+            <a:extLst>
+              <a:ext uri="{FF2B5EF4-FFF2-40B4-BE49-F238E27FC236}">
+                <a16:creationId xmlns:a16="http://schemas.microsoft.com/office/drawing/2014/main" id="{962D7E55-8960-88EA-FA32-53D63E7FBA6D}"/>
+              </a:ext>
+            </a:extLst>
+          </p:cNvPr>
+          <p:cNvSpPr txBox="1">
+            <a:spLocks/>
+          </p:cNvSpPr>
+          <p:nvPr/>
+        </p:nvSpPr>
+        <p:spPr>
+          <a:xfrm>
+            <a:off x="1557070" y="382508"/>
+            <a:ext cx="9077860" cy="1602400"/>
+          </a:xfrm>
+          <a:prstGeom prst="rect">
+            <a:avLst/>
+          </a:prstGeom>
+          <a:noFill/>
+          <a:ln>
+            <a:noFill/>
+          </a:ln>
+        </p:spPr>
+        <p:txBody>
+          <a:bodyPr spcFirstLastPara="1" wrap="square" lIns="91425" tIns="91425" rIns="91425" bIns="91425" anchor="b" anchorCtr="0">
+            <a:noAutofit/>
+          </a:bodyPr>
+          <a:lstStyle>
+            <a:defPPr marR="0" lvl="0" algn="l" rtl="0">
+              <a:lnSpc>
+                <a:spcPct val="100000"/>
+              </a:lnSpc>
+              <a:spcBef>
+                <a:spcPts val="0"/>
+              </a:spcBef>
+              <a:spcAft>
+                <a:spcPts val="0"/>
+              </a:spcAft>
+            </a:defPPr>
+            <a:lvl1pPr marR="0" lvl="0" algn="l" rtl="0">
+              <a:lnSpc>
+                <a:spcPct val="100000"/>
+              </a:lnSpc>
+              <a:spcBef>
+                <a:spcPts val="0"/>
+              </a:spcBef>
+              <a:spcAft>
+                <a:spcPts val="0"/>
+              </a:spcAft>
+              <a:buClr>
+                <a:schemeClr val="dk1"/>
+              </a:buClr>
+              <a:buSzPts val="3600"/>
+              <a:buFont typeface="Barlow"/>
+              <a:buNone/>
+              <a:defRPr sz="7200" b="1" i="0" u="none" strike="noStrike" cap="none">
+                <a:solidFill>
+                  <a:schemeClr val="dk1"/>
+                </a:solidFill>
+                <a:latin typeface="Barlow"/>
+                <a:ea typeface="Barlow"/>
+                <a:cs typeface="Barlow"/>
+                <a:sym typeface="Barlow"/>
+              </a:defRPr>
+            </a:lvl1pPr>
+            <a:lvl2pPr marR="0" lvl="1" algn="ctr" rtl="0">
+              <a:lnSpc>
+                <a:spcPct val="100000"/>
+              </a:lnSpc>
+              <a:spcBef>
+                <a:spcPts val="0"/>
+              </a:spcBef>
+              <a:spcAft>
+                <a:spcPts val="0"/>
+              </a:spcAft>
+              <a:buClr>
+                <a:schemeClr val="dk1"/>
+              </a:buClr>
+              <a:buSzPts val="3600"/>
+              <a:buFont typeface="Barlow"/>
+              <a:buNone/>
+              <a:defRPr sz="3600" b="1" i="0" u="none" strike="noStrike" cap="none">
+                <a:solidFill>
+                  <a:schemeClr val="dk1"/>
+                </a:solidFill>
+                <a:latin typeface="Barlow"/>
+                <a:ea typeface="Barlow"/>
+                <a:cs typeface="Barlow"/>
+                <a:sym typeface="Barlow"/>
+              </a:defRPr>
+            </a:lvl2pPr>
+            <a:lvl3pPr marR="0" lvl="2" algn="ctr" rtl="0">
+              <a:lnSpc>
+                <a:spcPct val="100000"/>
+              </a:lnSpc>
+              <a:spcBef>
+                <a:spcPts val="0"/>
+              </a:spcBef>
+              <a:spcAft>
+                <a:spcPts val="0"/>
+              </a:spcAft>
+              <a:buClr>
+                <a:schemeClr val="dk1"/>
+              </a:buClr>
+              <a:buSzPts val="3600"/>
+              <a:buFont typeface="Barlow"/>
+              <a:buNone/>
+              <a:defRPr sz="3600" b="1" i="0" u="none" strike="noStrike" cap="none">
+                <a:solidFill>
+                  <a:schemeClr val="dk1"/>
+                </a:solidFill>
+                <a:latin typeface="Barlow"/>
+                <a:ea typeface="Barlow"/>
+                <a:cs typeface="Barlow"/>
+                <a:sym typeface="Barlow"/>
+              </a:defRPr>
+            </a:lvl3pPr>
+            <a:lvl4pPr marR="0" lvl="3" algn="ctr" rtl="0">
+              <a:lnSpc>
+                <a:spcPct val="100000"/>
+              </a:lnSpc>
+              <a:spcBef>
+                <a:spcPts val="0"/>
+              </a:spcBef>
+              <a:spcAft>
+                <a:spcPts val="0"/>
+              </a:spcAft>
+              <a:buClr>
+                <a:schemeClr val="dk1"/>
+              </a:buClr>
+              <a:buSzPts val="3600"/>
+              <a:buFont typeface="Barlow"/>
+              <a:buNone/>
+              <a:defRPr sz="3600" b="1" i="0" u="none" strike="noStrike" cap="none">
+                <a:solidFill>
+                  <a:schemeClr val="dk1"/>
+                </a:solidFill>
+                <a:latin typeface="Barlow"/>
+                <a:ea typeface="Barlow"/>
+                <a:cs typeface="Barlow"/>
+                <a:sym typeface="Barlow"/>
+              </a:defRPr>
+            </a:lvl4pPr>
+            <a:lvl5pPr marR="0" lvl="4" algn="ctr" rtl="0">
+              <a:lnSpc>
+                <a:spcPct val="100000"/>
+              </a:lnSpc>
+              <a:spcBef>
+                <a:spcPts val="0"/>
+              </a:spcBef>
+              <a:spcAft>
+                <a:spcPts val="0"/>
+              </a:spcAft>
+              <a:buClr>
+                <a:schemeClr val="dk1"/>
+              </a:buClr>
+              <a:buSzPts val="3600"/>
+              <a:buFont typeface="Barlow"/>
+              <a:buNone/>
+              <a:defRPr sz="3600" b="1" i="0" u="none" strike="noStrike" cap="none">
+                <a:solidFill>
+                  <a:schemeClr val="dk1"/>
+                </a:solidFill>
+                <a:latin typeface="Barlow"/>
+                <a:ea typeface="Barlow"/>
+                <a:cs typeface="Barlow"/>
+                <a:sym typeface="Barlow"/>
+              </a:defRPr>
+            </a:lvl5pPr>
+            <a:lvl6pPr marR="0" lvl="5" algn="ctr" rtl="0">
+              <a:lnSpc>
+                <a:spcPct val="100000"/>
+              </a:lnSpc>
+              <a:spcBef>
+                <a:spcPts val="0"/>
+              </a:spcBef>
+              <a:spcAft>
+                <a:spcPts val="0"/>
+              </a:spcAft>
+              <a:buClr>
+                <a:schemeClr val="dk1"/>
+              </a:buClr>
+              <a:buSzPts val="3600"/>
+              <a:buFont typeface="Barlow"/>
+              <a:buNone/>
+              <a:defRPr sz="3600" b="1" i="0" u="none" strike="noStrike" cap="none">
+                <a:solidFill>
+                  <a:schemeClr val="dk1"/>
+                </a:solidFill>
+                <a:latin typeface="Barlow"/>
+                <a:ea typeface="Barlow"/>
+                <a:cs typeface="Barlow"/>
+                <a:sym typeface="Barlow"/>
+              </a:defRPr>
+            </a:lvl6pPr>
+            <a:lvl7pPr marR="0" lvl="6" algn="ctr" rtl="0">
+              <a:lnSpc>
+                <a:spcPct val="100000"/>
+              </a:lnSpc>
+              <a:spcBef>
+                <a:spcPts val="0"/>
+              </a:spcBef>
+              <a:spcAft>
+                <a:spcPts val="0"/>
+              </a:spcAft>
+              <a:buClr>
+                <a:schemeClr val="dk1"/>
+              </a:buClr>
+              <a:buSzPts val="3600"/>
+              <a:buFont typeface="Barlow"/>
+              <a:buNone/>
+              <a:defRPr sz="3600" b="1" i="0" u="none" strike="noStrike" cap="none">
+                <a:solidFill>
+                  <a:schemeClr val="dk1"/>
+                </a:solidFill>
+                <a:latin typeface="Barlow"/>
+                <a:ea typeface="Barlow"/>
+                <a:cs typeface="Barlow"/>
+                <a:sym typeface="Barlow"/>
+              </a:defRPr>
+            </a:lvl7pPr>
+            <a:lvl8pPr marR="0" lvl="7" algn="ctr" rtl="0">
+              <a:lnSpc>
+                <a:spcPct val="100000"/>
+              </a:lnSpc>
+              <a:spcBef>
+                <a:spcPts val="0"/>
+              </a:spcBef>
+              <a:spcAft>
+                <a:spcPts val="0"/>
+              </a:spcAft>
+              <a:buClr>
+                <a:schemeClr val="dk1"/>
+              </a:buClr>
+              <a:buSzPts val="3600"/>
+              <a:buFont typeface="Barlow"/>
+              <a:buNone/>
+              <a:defRPr sz="3600" b="1" i="0" u="none" strike="noStrike" cap="none">
+                <a:solidFill>
+                  <a:schemeClr val="dk1"/>
+                </a:solidFill>
+                <a:latin typeface="Barlow"/>
+                <a:ea typeface="Barlow"/>
+                <a:cs typeface="Barlow"/>
+                <a:sym typeface="Barlow"/>
+              </a:defRPr>
+            </a:lvl8pPr>
+            <a:lvl9pPr marR="0" lvl="8" algn="ctr" rtl="0">
+              <a:lnSpc>
+                <a:spcPct val="100000"/>
+              </a:lnSpc>
+              <a:spcBef>
+                <a:spcPts val="0"/>
+              </a:spcBef>
+              <a:spcAft>
+                <a:spcPts val="0"/>
+              </a:spcAft>
+              <a:buClr>
+                <a:schemeClr val="dk1"/>
+              </a:buClr>
+              <a:buSzPts val="3600"/>
+              <a:buFont typeface="Barlow"/>
+              <a:buNone/>
+              <a:defRPr sz="3600" b="1" i="0" u="none" strike="noStrike" cap="none">
+                <a:solidFill>
+                  <a:schemeClr val="dk1"/>
+                </a:solidFill>
+                <a:latin typeface="Barlow"/>
+                <a:ea typeface="Barlow"/>
+                <a:cs typeface="Barlow"/>
+                <a:sym typeface="Barlow"/>
+              </a:defRPr>
+            </a:lvl9pPr>
+          </a:lstStyle>
+          <a:p>
+            <a:pPr algn="ctr"/>
+            <a:r>
+              <a:rPr lang="en-US" altLang="zh-CN" sz="8000" spc="300" dirty="0">
+                <a:solidFill>
+                  <a:schemeClr val="accent4">
+                    <a:lumMod val="60000"/>
+                    <a:lumOff val="40000"/>
+                    <a:alpha val="60000"/>
+                  </a:schemeClr>
+                </a:solidFill>
+                <a:latin typeface="Amatic SC" panose="020F0502020204030204" pitchFamily="2" charset="-79"/>
+                <a:cs typeface="Amatic SC" panose="020F0502020204030204" pitchFamily="2" charset="-79"/>
+              </a:rPr>
+              <a:t>Exercises</a:t>
+            </a:r>
+          </a:p>
+        </p:txBody>
+      </p:sp>
+      <p:sp>
+        <p:nvSpPr>
+          <p:cNvPr id="2" name="TextBox 1">
+            <a:extLst>
+              <a:ext uri="{FF2B5EF4-FFF2-40B4-BE49-F238E27FC236}">
+                <a16:creationId xmlns:a16="http://schemas.microsoft.com/office/drawing/2014/main" id="{6EDAF4E1-4C12-63F0-60FE-1043F32FB6E8}"/>
+              </a:ext>
+            </a:extLst>
+          </p:cNvPr>
+          <p:cNvSpPr txBox="1"/>
+          <p:nvPr/>
+        </p:nvSpPr>
+        <p:spPr>
+          <a:xfrm>
+            <a:off x="1265150" y="2117180"/>
+            <a:ext cx="9727970" cy="1321580"/>
+          </a:xfrm>
+          <a:prstGeom prst="rect">
+            <a:avLst/>
+          </a:prstGeom>
+          <a:noFill/>
+        </p:spPr>
+        <p:txBody>
+          <a:bodyPr wrap="square" rtlCol="0">
+            <a:spAutoFit/>
+          </a:bodyPr>
+          <a:lstStyle/>
+          <a:p>
+            <a:pPr marL="571500" indent="-571500">
+              <a:lnSpc>
+                <a:spcPct val="150000"/>
+              </a:lnSpc>
+              <a:buFont typeface="Wingdings" panose="05000000000000000000" pitchFamily="2" charset="2"/>
+              <a:buChar char="p"/>
+            </a:pPr>
+            <a:r>
+              <a:rPr lang="en-US" altLang="zh-CN" sz="2800" dirty="0">
+                <a:solidFill>
+                  <a:schemeClr val="bg1">
+                    <a:lumMod val="75000"/>
+                  </a:schemeClr>
+                </a:solidFill>
+                <a:latin typeface="High Tower Text" panose="02040502050506030303" pitchFamily="18" charset="0"/>
+              </a:rPr>
+              <a:t>How can you make the ghost fade out/in faster/slower?</a:t>
+            </a:r>
+          </a:p>
+          <a:p>
+            <a:pPr marL="571500" indent="-571500">
+              <a:lnSpc>
+                <a:spcPct val="150000"/>
+              </a:lnSpc>
+              <a:buFont typeface="Wingdings" panose="05000000000000000000" pitchFamily="2" charset="2"/>
+              <a:buChar char="p"/>
+            </a:pPr>
+            <a:r>
+              <a:rPr lang="en-US" altLang="zh-CN" sz="2800" dirty="0">
+                <a:solidFill>
+                  <a:schemeClr val="bg1">
+                    <a:lumMod val="75000"/>
+                  </a:schemeClr>
+                </a:solidFill>
+                <a:latin typeface="High Tower Text" panose="02040502050506030303" pitchFamily="18" charset="0"/>
+              </a:rPr>
+              <a:t>Explore with other graphic effects and see what each one</a:t>
+            </a:r>
+            <a:endParaRPr lang="zh-CN" altLang="en-US" sz="2800" dirty="0">
+              <a:solidFill>
+                <a:schemeClr val="bg1">
+                  <a:lumMod val="75000"/>
+                </a:schemeClr>
+              </a:solidFill>
+              <a:latin typeface="High Tower Text" panose="02040502050506030303" pitchFamily="18" charset="0"/>
+            </a:endParaRPr>
+          </a:p>
+        </p:txBody>
+      </p:sp>
+    </p:spTree>
+    <p:extLst>
+      <p:ext uri="{BB962C8B-B14F-4D97-AF65-F5344CB8AC3E}">
+        <p14:creationId xmlns:p14="http://schemas.microsoft.com/office/powerpoint/2010/main" val="8421016"/>
+      </p:ext>
+    </p:extLst>
+  </p:cSld>
+  <p:clrMapOvr>
+    <a:masterClrMapping/>
+  </p:clrMapOvr>
+</p:sld>
+</file>
+
+<file path=ppt/slides/slide22.xml><?xml version="1.0" encoding="utf-8"?>
+<p:sld xmlns:a="http://schemas.openxmlformats.org/drawingml/2006/main" xmlns:r="http://schemas.openxmlformats.org/officeDocument/2006/relationships" xmlns:p="http://schemas.openxmlformats.org/presentationml/2006/main">
+  <p:cSld>
+    <p:spTree>
+      <p:nvGrpSpPr>
+        <p:cNvPr id="1" name=""/>
+        <p:cNvGrpSpPr/>
+        <p:nvPr/>
+      </p:nvGrpSpPr>
+      <p:grpSpPr>
+        <a:xfrm>
+          <a:off x="0" y="0"/>
+          <a:ext cx="0" cy="0"/>
+          <a:chOff x="0" y="0"/>
+          <a:chExt cx="0" cy="0"/>
+        </a:xfrm>
+      </p:grpSpPr>
+      <p:sp>
+        <p:nvSpPr>
+          <p:cNvPr id="6" name="Rectangle 5">
+            <a:extLst>
+              <a:ext uri="{FF2B5EF4-FFF2-40B4-BE49-F238E27FC236}">
+                <a16:creationId xmlns:a16="http://schemas.microsoft.com/office/drawing/2014/main" id="{7BC4EB1B-EA6B-DFE4-AF3B-05D0EB253209}"/>
+              </a:ext>
+            </a:extLst>
+          </p:cNvPr>
+          <p:cNvSpPr/>
+          <p:nvPr/>
+        </p:nvSpPr>
+        <p:spPr>
+          <a:xfrm>
+            <a:off x="0" y="0"/>
+            <a:ext cx="12192000" cy="6858000"/>
+          </a:xfrm>
+          <a:prstGeom prst="rect">
+            <a:avLst/>
+          </a:prstGeom>
+          <a:solidFill>
+            <a:srgbClr val="23242A"/>
+          </a:solidFill>
+          <a:ln>
+            <a:noFill/>
+          </a:ln>
+        </p:spPr>
+        <p:style>
+          <a:lnRef idx="2">
+            <a:schemeClr val="accent1">
+              <a:shade val="15000"/>
+            </a:schemeClr>
+          </a:lnRef>
+          <a:fillRef idx="1">
+            <a:schemeClr val="accent1"/>
+          </a:fillRef>
+          <a:effectRef idx="0">
+            <a:schemeClr val="accent1"/>
+          </a:effectRef>
+          <a:fontRef idx="minor">
+            <a:schemeClr val="lt1"/>
+          </a:fontRef>
+        </p:style>
+        <p:txBody>
+          <a:bodyPr rtlCol="0" anchor="ctr"/>
+          <a:lstStyle/>
+          <a:p>
+            <a:pPr algn="ctr"/>
+            <a:endParaRPr lang="zh-CN" altLang="en-US" dirty="0"/>
+          </a:p>
+        </p:txBody>
+      </p:sp>
+      <p:sp>
+        <p:nvSpPr>
+          <p:cNvPr id="2" name="Slide Number Placeholder 1">
+            <a:extLst>
+              <a:ext uri="{FF2B5EF4-FFF2-40B4-BE49-F238E27FC236}">
+                <a16:creationId xmlns:a16="http://schemas.microsoft.com/office/drawing/2014/main" id="{C53E70DF-9B91-8A92-BF94-1399BB9FFE34}"/>
+              </a:ext>
+            </a:extLst>
+          </p:cNvPr>
+          <p:cNvSpPr>
+            <a:spLocks noGrp="1"/>
+          </p:cNvSpPr>
+          <p:nvPr>
+            <p:ph type="sldNum" sz="quarter" idx="12"/>
+          </p:nvPr>
+        </p:nvSpPr>
+        <p:spPr>
+          <a:xfrm>
+            <a:off x="9057739" y="6259509"/>
+            <a:ext cx="2743200" cy="365125"/>
+          </a:xfrm>
+        </p:spPr>
+        <p:txBody>
+          <a:bodyPr/>
+          <a:lstStyle/>
+          <a:p>
+            <a:fld id="{9B1EC109-1E15-4BCA-93B5-56442BB3443E}" type="slidenum">
+              <a:rPr lang="zh-CN" altLang="en-US" sz="2400" b="1" smtClean="0">
+                <a:solidFill>
+                  <a:schemeClr val="bg1">
+                    <a:lumMod val="65000"/>
+                  </a:schemeClr>
+                </a:solidFill>
+                <a:latin typeface="Bradley Hand ITC" panose="03070402050302030203" pitchFamily="66" charset="0"/>
+              </a:rPr>
+              <a:t>22</a:t>
+            </a:fld>
+            <a:endParaRPr lang="zh-CN" altLang="en-US" sz="2400" b="1" dirty="0">
+              <a:solidFill>
+                <a:schemeClr val="bg1">
+                  <a:lumMod val="65000"/>
+                </a:schemeClr>
+              </a:solidFill>
+              <a:latin typeface="Bradley Hand ITC" panose="03070402050302030203" pitchFamily="66" charset="0"/>
+            </a:endParaRPr>
+          </a:p>
+        </p:txBody>
+      </p:sp>
+      <p:sp>
+        <p:nvSpPr>
+          <p:cNvPr id="4" name="Google Shape;867;p33">
+            <a:extLst>
+              <a:ext uri="{FF2B5EF4-FFF2-40B4-BE49-F238E27FC236}">
+                <a16:creationId xmlns:a16="http://schemas.microsoft.com/office/drawing/2014/main" id="{24BC39E7-8798-676F-63C1-093D28359AFA}"/>
+              </a:ext>
+            </a:extLst>
+          </p:cNvPr>
+          <p:cNvSpPr txBox="1">
+            <a:spLocks/>
+          </p:cNvSpPr>
+          <p:nvPr/>
+        </p:nvSpPr>
+        <p:spPr>
+          <a:xfrm>
+            <a:off x="2222600" y="2778760"/>
+            <a:ext cx="7746800" cy="1602400"/>
+          </a:xfrm>
+          <a:prstGeom prst="rect">
+            <a:avLst/>
+          </a:prstGeom>
+          <a:noFill/>
+          <a:ln>
+            <a:noFill/>
+          </a:ln>
+        </p:spPr>
+        <p:txBody>
+          <a:bodyPr spcFirstLastPara="1" wrap="square" lIns="91425" tIns="91425" rIns="91425" bIns="91425" anchor="b" anchorCtr="0">
+            <a:noAutofit/>
+          </a:bodyPr>
+          <a:lstStyle>
+            <a:defPPr marR="0" lvl="0" algn="l" rtl="0">
+              <a:lnSpc>
+                <a:spcPct val="100000"/>
+              </a:lnSpc>
+              <a:spcBef>
+                <a:spcPts val="0"/>
+              </a:spcBef>
+              <a:spcAft>
+                <a:spcPts val="0"/>
+              </a:spcAft>
+            </a:defPPr>
+            <a:lvl1pPr marR="0" lvl="0" algn="l" rtl="0">
+              <a:lnSpc>
+                <a:spcPct val="100000"/>
+              </a:lnSpc>
+              <a:spcBef>
+                <a:spcPts val="0"/>
+              </a:spcBef>
+              <a:spcAft>
+                <a:spcPts val="0"/>
+              </a:spcAft>
+              <a:buClr>
+                <a:schemeClr val="dk1"/>
+              </a:buClr>
+              <a:buSzPts val="3600"/>
+              <a:buFont typeface="Barlow"/>
+              <a:buNone/>
+              <a:defRPr sz="7200" b="1" i="0" u="none" strike="noStrike" cap="none">
+                <a:solidFill>
+                  <a:schemeClr val="dk1"/>
+                </a:solidFill>
+                <a:latin typeface="Barlow"/>
+                <a:ea typeface="Barlow"/>
+                <a:cs typeface="Barlow"/>
+                <a:sym typeface="Barlow"/>
+              </a:defRPr>
+            </a:lvl1pPr>
+            <a:lvl2pPr marR="0" lvl="1" algn="ctr" rtl="0">
+              <a:lnSpc>
+                <a:spcPct val="100000"/>
+              </a:lnSpc>
+              <a:spcBef>
+                <a:spcPts val="0"/>
+              </a:spcBef>
+              <a:spcAft>
+                <a:spcPts val="0"/>
+              </a:spcAft>
+              <a:buClr>
+                <a:schemeClr val="dk1"/>
+              </a:buClr>
+              <a:buSzPts val="3600"/>
+              <a:buFont typeface="Barlow"/>
+              <a:buNone/>
+              <a:defRPr sz="3600" b="1" i="0" u="none" strike="noStrike" cap="none">
+                <a:solidFill>
+                  <a:schemeClr val="dk1"/>
+                </a:solidFill>
+                <a:latin typeface="Barlow"/>
+                <a:ea typeface="Barlow"/>
+                <a:cs typeface="Barlow"/>
+                <a:sym typeface="Barlow"/>
+              </a:defRPr>
+            </a:lvl2pPr>
+            <a:lvl3pPr marR="0" lvl="2" algn="ctr" rtl="0">
+              <a:lnSpc>
+                <a:spcPct val="100000"/>
+              </a:lnSpc>
+              <a:spcBef>
+                <a:spcPts val="0"/>
+              </a:spcBef>
+              <a:spcAft>
+                <a:spcPts val="0"/>
+              </a:spcAft>
+              <a:buClr>
+                <a:schemeClr val="dk1"/>
+              </a:buClr>
+              <a:buSzPts val="3600"/>
+              <a:buFont typeface="Barlow"/>
+              <a:buNone/>
+              <a:defRPr sz="3600" b="1" i="0" u="none" strike="noStrike" cap="none">
+                <a:solidFill>
+                  <a:schemeClr val="dk1"/>
+                </a:solidFill>
+                <a:latin typeface="Barlow"/>
+                <a:ea typeface="Barlow"/>
+                <a:cs typeface="Barlow"/>
+                <a:sym typeface="Barlow"/>
+              </a:defRPr>
+            </a:lvl3pPr>
+            <a:lvl4pPr marR="0" lvl="3" algn="ctr" rtl="0">
+              <a:lnSpc>
+                <a:spcPct val="100000"/>
+              </a:lnSpc>
+              <a:spcBef>
+                <a:spcPts val="0"/>
+              </a:spcBef>
+              <a:spcAft>
+                <a:spcPts val="0"/>
+              </a:spcAft>
+              <a:buClr>
+                <a:schemeClr val="dk1"/>
+              </a:buClr>
+              <a:buSzPts val="3600"/>
+              <a:buFont typeface="Barlow"/>
+              <a:buNone/>
+              <a:defRPr sz="3600" b="1" i="0" u="none" strike="noStrike" cap="none">
+                <a:solidFill>
+                  <a:schemeClr val="dk1"/>
+                </a:solidFill>
+                <a:latin typeface="Barlow"/>
+                <a:ea typeface="Barlow"/>
+                <a:cs typeface="Barlow"/>
+                <a:sym typeface="Barlow"/>
+              </a:defRPr>
+            </a:lvl4pPr>
+            <a:lvl5pPr marR="0" lvl="4" algn="ctr" rtl="0">
+              <a:lnSpc>
+                <a:spcPct val="100000"/>
+              </a:lnSpc>
+              <a:spcBef>
+                <a:spcPts val="0"/>
+              </a:spcBef>
+              <a:spcAft>
+                <a:spcPts val="0"/>
+              </a:spcAft>
+              <a:buClr>
+                <a:schemeClr val="dk1"/>
+              </a:buClr>
+              <a:buSzPts val="3600"/>
+              <a:buFont typeface="Barlow"/>
+              <a:buNone/>
+              <a:defRPr sz="3600" b="1" i="0" u="none" strike="noStrike" cap="none">
+                <a:solidFill>
+                  <a:schemeClr val="dk1"/>
+                </a:solidFill>
+                <a:latin typeface="Barlow"/>
+                <a:ea typeface="Barlow"/>
+                <a:cs typeface="Barlow"/>
+                <a:sym typeface="Barlow"/>
+              </a:defRPr>
+            </a:lvl5pPr>
+            <a:lvl6pPr marR="0" lvl="5" algn="ctr" rtl="0">
+              <a:lnSpc>
+                <a:spcPct val="100000"/>
+              </a:lnSpc>
+              <a:spcBef>
+                <a:spcPts val="0"/>
+              </a:spcBef>
+              <a:spcAft>
+                <a:spcPts val="0"/>
+              </a:spcAft>
+              <a:buClr>
+                <a:schemeClr val="dk1"/>
+              </a:buClr>
+              <a:buSzPts val="3600"/>
+              <a:buFont typeface="Barlow"/>
+              <a:buNone/>
+              <a:defRPr sz="3600" b="1" i="0" u="none" strike="noStrike" cap="none">
+                <a:solidFill>
+                  <a:schemeClr val="dk1"/>
+                </a:solidFill>
+                <a:latin typeface="Barlow"/>
+                <a:ea typeface="Barlow"/>
+                <a:cs typeface="Barlow"/>
+                <a:sym typeface="Barlow"/>
+              </a:defRPr>
+            </a:lvl6pPr>
+            <a:lvl7pPr marR="0" lvl="6" algn="ctr" rtl="0">
+              <a:lnSpc>
+                <a:spcPct val="100000"/>
+              </a:lnSpc>
+              <a:spcBef>
+                <a:spcPts val="0"/>
+              </a:spcBef>
+              <a:spcAft>
+                <a:spcPts val="0"/>
+              </a:spcAft>
+              <a:buClr>
+                <a:schemeClr val="dk1"/>
+              </a:buClr>
+              <a:buSzPts val="3600"/>
+              <a:buFont typeface="Barlow"/>
+              <a:buNone/>
+              <a:defRPr sz="3600" b="1" i="0" u="none" strike="noStrike" cap="none">
+                <a:solidFill>
+                  <a:schemeClr val="dk1"/>
+                </a:solidFill>
+                <a:latin typeface="Barlow"/>
+                <a:ea typeface="Barlow"/>
+                <a:cs typeface="Barlow"/>
+                <a:sym typeface="Barlow"/>
+              </a:defRPr>
+            </a:lvl7pPr>
+            <a:lvl8pPr marR="0" lvl="7" algn="ctr" rtl="0">
+              <a:lnSpc>
+                <a:spcPct val="100000"/>
+              </a:lnSpc>
+              <a:spcBef>
+                <a:spcPts val="0"/>
+              </a:spcBef>
+              <a:spcAft>
+                <a:spcPts val="0"/>
+              </a:spcAft>
+              <a:buClr>
+                <a:schemeClr val="dk1"/>
+              </a:buClr>
+              <a:buSzPts val="3600"/>
+              <a:buFont typeface="Barlow"/>
+              <a:buNone/>
+              <a:defRPr sz="3600" b="1" i="0" u="none" strike="noStrike" cap="none">
+                <a:solidFill>
+                  <a:schemeClr val="dk1"/>
+                </a:solidFill>
+                <a:latin typeface="Barlow"/>
+                <a:ea typeface="Barlow"/>
+                <a:cs typeface="Barlow"/>
+                <a:sym typeface="Barlow"/>
+              </a:defRPr>
+            </a:lvl8pPr>
+            <a:lvl9pPr marR="0" lvl="8" algn="ctr" rtl="0">
+              <a:lnSpc>
+                <a:spcPct val="100000"/>
+              </a:lnSpc>
+              <a:spcBef>
+                <a:spcPts val="0"/>
+              </a:spcBef>
+              <a:spcAft>
+                <a:spcPts val="0"/>
+              </a:spcAft>
+              <a:buClr>
+                <a:schemeClr val="dk1"/>
+              </a:buClr>
+              <a:buSzPts val="3600"/>
+              <a:buFont typeface="Barlow"/>
+              <a:buNone/>
+              <a:defRPr sz="3600" b="1" i="0" u="none" strike="noStrike" cap="none">
+                <a:solidFill>
+                  <a:schemeClr val="dk1"/>
+                </a:solidFill>
+                <a:latin typeface="Barlow"/>
+                <a:ea typeface="Barlow"/>
+                <a:cs typeface="Barlow"/>
+                <a:sym typeface="Barlow"/>
+              </a:defRPr>
+            </a:lvl9pPr>
+          </a:lstStyle>
+          <a:p>
+            <a:pPr algn="ctr"/>
+            <a:r>
+              <a:rPr lang="en-US" altLang="zh-CN" sz="8000" spc="300" dirty="0">
+                <a:solidFill>
+                  <a:schemeClr val="accent4">
+                    <a:lumMod val="60000"/>
+                    <a:lumOff val="40000"/>
+                    <a:alpha val="60000"/>
+                  </a:schemeClr>
+                </a:solidFill>
+                <a:latin typeface="Amatic SC" panose="020F0502020204030204" pitchFamily="2" charset="-79"/>
+                <a:cs typeface="Amatic SC" panose="020F0502020204030204" pitchFamily="2" charset="-79"/>
+              </a:rPr>
+              <a:t>Thank you and see you in the next lesson!</a:t>
+            </a:r>
+          </a:p>
+        </p:txBody>
+      </p:sp>
+    </p:spTree>
+    <p:extLst>
+      <p:ext uri="{BB962C8B-B14F-4D97-AF65-F5344CB8AC3E}">
+        <p14:creationId xmlns:p14="http://schemas.microsoft.com/office/powerpoint/2010/main" val="394012090"/>
       </p:ext>
     </p:extLst>
   </p:cSld>

--- a/Scratch for Newbies/Level1/Lesson 5 - Find the Bug/Notes/Notes.pptx
+++ b/Scratch for Newbies/Level1/Lesson 5 - Find the Bug/Notes/Notes.pptx
@@ -5,7 +5,7 @@
     <p:sldMasterId id="2147483648" r:id="rId1"/>
   </p:sldMasterIdLst>
   <p:notesMasterIdLst>
-    <p:notesMasterId r:id="rId24"/>
+    <p:notesMasterId r:id="rId32"/>
   </p:notesMasterIdLst>
   <p:sldIdLst>
     <p:sldId id="259" r:id="rId2"/>
@@ -26,10 +26,18 @@
     <p:sldId id="460" r:id="rId17"/>
     <p:sldId id="461" r:id="rId18"/>
     <p:sldId id="455" r:id="rId19"/>
-    <p:sldId id="456" r:id="rId20"/>
-    <p:sldId id="383" r:id="rId21"/>
-    <p:sldId id="443" r:id="rId22"/>
-    <p:sldId id="319" r:id="rId23"/>
+    <p:sldId id="462" r:id="rId20"/>
+    <p:sldId id="456" r:id="rId21"/>
+    <p:sldId id="463" r:id="rId22"/>
+    <p:sldId id="466" r:id="rId23"/>
+    <p:sldId id="464" r:id="rId24"/>
+    <p:sldId id="467" r:id="rId25"/>
+    <p:sldId id="465" r:id="rId26"/>
+    <p:sldId id="468" r:id="rId27"/>
+    <p:sldId id="469" r:id="rId28"/>
+    <p:sldId id="383" r:id="rId29"/>
+    <p:sldId id="443" r:id="rId30"/>
+    <p:sldId id="319" r:id="rId31"/>
   </p:sldIdLst>
   <p:sldSz cx="12192000" cy="6858000"/>
   <p:notesSz cx="6858000" cy="9144000"/>
@@ -9826,8 +9834,8 @@
         </p:nvSpPr>
         <p:spPr>
           <a:xfrm>
-            <a:off x="2222600" y="143850"/>
-            <a:ext cx="7746800" cy="1602400"/>
+            <a:off x="659130" y="134894"/>
+            <a:ext cx="10904220" cy="1602400"/>
           </a:xfrm>
           <a:prstGeom prst="rect">
             <a:avLst/>
@@ -10091,7 +10099,7 @@
           <a:p>
             <a:pPr algn="ctr"/>
             <a:r>
-              <a:rPr lang="en-US" altLang="zh-CN" sz="8000" spc="300" dirty="0">
+              <a:rPr lang="en-US" altLang="zh-CN" spc="300" dirty="0">
                 <a:solidFill>
                   <a:schemeClr val="accent4">
                     <a:lumMod val="60000"/>
@@ -10102,8 +10110,301 @@
                 <a:latin typeface="Amatic SC" panose="020F0502020204030204" pitchFamily="2" charset="-79"/>
                 <a:cs typeface="Amatic SC" panose="020F0502020204030204" pitchFamily="2" charset="-79"/>
               </a:rPr>
-              <a:t>Slide</a:t>
+              <a:t>Make It Harder – Random Position</a:t>
             </a:r>
+          </a:p>
+        </p:txBody>
+      </p:sp>
+      <p:pic>
+        <p:nvPicPr>
+          <p:cNvPr id="3" name="Graphic 2">
+            <a:extLst>
+              <a:ext uri="{FF2B5EF4-FFF2-40B4-BE49-F238E27FC236}">
+                <a16:creationId xmlns:a16="http://schemas.microsoft.com/office/drawing/2014/main" id="{5A1DF4A5-077B-5C36-F63E-7B9F2AE14A91}"/>
+              </a:ext>
+            </a:extLst>
+          </p:cNvPr>
+          <p:cNvPicPr>
+            <a:picLocks noChangeAspect="1"/>
+          </p:cNvPicPr>
+          <p:nvPr/>
+        </p:nvPicPr>
+        <p:blipFill>
+          <a:blip r:embed="rId2">
+            <a:extLst>
+              <a:ext uri="{96DAC541-7B7A-43D3-8B79-37D633B846F1}">
+                <asvg:svgBlip xmlns:asvg="http://schemas.microsoft.com/office/drawing/2016/SVG/main" r:embed="rId3"/>
+              </a:ext>
+            </a:extLst>
+          </a:blip>
+          <a:stretch>
+            <a:fillRect/>
+          </a:stretch>
+        </p:blipFill>
+        <p:spPr>
+          <a:xfrm>
+            <a:off x="507960" y="2512320"/>
+            <a:ext cx="3125687" cy="2355590"/>
+          </a:xfrm>
+          <a:prstGeom prst="rect">
+            <a:avLst/>
+          </a:prstGeom>
+        </p:spPr>
+      </p:pic>
+      <p:pic>
+        <p:nvPicPr>
+          <p:cNvPr id="5" name="Picture 4">
+            <a:extLst>
+              <a:ext uri="{FF2B5EF4-FFF2-40B4-BE49-F238E27FC236}">
+                <a16:creationId xmlns:a16="http://schemas.microsoft.com/office/drawing/2014/main" id="{21A74352-1261-D48C-2DDD-C2CD7D2CE7CF}"/>
+              </a:ext>
+            </a:extLst>
+          </p:cNvPr>
+          <p:cNvPicPr>
+            <a:picLocks noChangeAspect="1"/>
+          </p:cNvPicPr>
+          <p:nvPr/>
+        </p:nvPicPr>
+        <p:blipFill>
+          <a:blip r:embed="rId4">
+            <a:extLst>
+              <a:ext uri="{28A0092B-C50C-407E-A947-70E740481C1C}">
+                <a14:useLocalDpi xmlns:a14="http://schemas.microsoft.com/office/drawing/2010/main" val="0"/>
+              </a:ext>
+            </a:extLst>
+          </a:blip>
+          <a:stretch>
+            <a:fillRect/>
+          </a:stretch>
+        </p:blipFill>
+        <p:spPr>
+          <a:xfrm>
+            <a:off x="4525605" y="2512320"/>
+            <a:ext cx="3140788" cy="2355591"/>
+          </a:xfrm>
+          <a:prstGeom prst="rect">
+            <a:avLst/>
+          </a:prstGeom>
+        </p:spPr>
+      </p:pic>
+      <p:pic>
+        <p:nvPicPr>
+          <p:cNvPr id="7" name="Picture 6">
+            <a:extLst>
+              <a:ext uri="{FF2B5EF4-FFF2-40B4-BE49-F238E27FC236}">
+                <a16:creationId xmlns:a16="http://schemas.microsoft.com/office/drawing/2014/main" id="{C6DE390B-74CF-A5BF-13CE-8F20A5E90F94}"/>
+              </a:ext>
+            </a:extLst>
+          </p:cNvPr>
+          <p:cNvPicPr>
+            <a:picLocks noChangeAspect="1"/>
+          </p:cNvPicPr>
+          <p:nvPr/>
+        </p:nvPicPr>
+        <p:blipFill>
+          <a:blip r:embed="rId5">
+            <a:extLst>
+              <a:ext uri="{28A0092B-C50C-407E-A947-70E740481C1C}">
+                <a14:useLocalDpi xmlns:a14="http://schemas.microsoft.com/office/drawing/2010/main" val="0"/>
+              </a:ext>
+            </a:extLst>
+          </a:blip>
+          <a:stretch>
+            <a:fillRect/>
+          </a:stretch>
+        </p:blipFill>
+        <p:spPr>
+          <a:xfrm>
+            <a:off x="8558351" y="2512320"/>
+            <a:ext cx="3140787" cy="2355590"/>
+          </a:xfrm>
+          <a:prstGeom prst="rect">
+            <a:avLst/>
+          </a:prstGeom>
+        </p:spPr>
+      </p:pic>
+      <p:pic>
+        <p:nvPicPr>
+          <p:cNvPr id="8" name="Graphic 7">
+            <a:extLst>
+              <a:ext uri="{FF2B5EF4-FFF2-40B4-BE49-F238E27FC236}">
+                <a16:creationId xmlns:a16="http://schemas.microsoft.com/office/drawing/2014/main" id="{386B4DDC-439D-F141-6EF2-770B1FDBA7B1}"/>
+              </a:ext>
+            </a:extLst>
+          </p:cNvPr>
+          <p:cNvPicPr>
+            <a:picLocks noChangeAspect="1"/>
+          </p:cNvPicPr>
+          <p:nvPr/>
+        </p:nvPicPr>
+        <p:blipFill>
+          <a:blip r:embed="rId6">
+            <a:alphaModFix amt="80000"/>
+            <a:extLst>
+              <a:ext uri="{96DAC541-7B7A-43D3-8B79-37D633B846F1}">
+                <asvg:svgBlip xmlns:asvg="http://schemas.microsoft.com/office/drawing/2016/SVG/main" r:embed="rId7"/>
+              </a:ext>
+            </a:extLst>
+          </a:blip>
+          <a:stretch>
+            <a:fillRect/>
+          </a:stretch>
+        </p:blipFill>
+        <p:spPr>
+          <a:xfrm>
+            <a:off x="1418554" y="3234293"/>
+            <a:ext cx="1294166" cy="956954"/>
+          </a:xfrm>
+          <a:prstGeom prst="rect">
+            <a:avLst/>
+          </a:prstGeom>
+        </p:spPr>
+      </p:pic>
+      <p:pic>
+        <p:nvPicPr>
+          <p:cNvPr id="9" name="Graphic 8">
+            <a:extLst>
+              <a:ext uri="{FF2B5EF4-FFF2-40B4-BE49-F238E27FC236}">
+                <a16:creationId xmlns:a16="http://schemas.microsoft.com/office/drawing/2014/main" id="{94F99A00-C7ED-11CD-8687-4D871E6F7E8D}"/>
+              </a:ext>
+            </a:extLst>
+          </p:cNvPr>
+          <p:cNvPicPr>
+            <a:picLocks noChangeAspect="1"/>
+          </p:cNvPicPr>
+          <p:nvPr/>
+        </p:nvPicPr>
+        <p:blipFill>
+          <a:blip r:embed="rId6">
+            <a:alphaModFix amt="80000"/>
+            <a:extLst>
+              <a:ext uri="{96DAC541-7B7A-43D3-8B79-37D633B846F1}">
+                <asvg:svgBlip xmlns:asvg="http://schemas.microsoft.com/office/drawing/2016/SVG/main" r:embed="rId7"/>
+              </a:ext>
+            </a:extLst>
+          </a:blip>
+          <a:stretch>
+            <a:fillRect/>
+          </a:stretch>
+        </p:blipFill>
+        <p:spPr>
+          <a:xfrm>
+            <a:off x="5448916" y="3234293"/>
+            <a:ext cx="1294166" cy="956954"/>
+          </a:xfrm>
+          <a:prstGeom prst="rect">
+            <a:avLst/>
+          </a:prstGeom>
+        </p:spPr>
+      </p:pic>
+      <p:pic>
+        <p:nvPicPr>
+          <p:cNvPr id="10" name="Graphic 9">
+            <a:extLst>
+              <a:ext uri="{FF2B5EF4-FFF2-40B4-BE49-F238E27FC236}">
+                <a16:creationId xmlns:a16="http://schemas.microsoft.com/office/drawing/2014/main" id="{FC894332-6757-C081-E64E-B197FDF144FC}"/>
+              </a:ext>
+            </a:extLst>
+          </p:cNvPr>
+          <p:cNvPicPr>
+            <a:picLocks noChangeAspect="1"/>
+          </p:cNvPicPr>
+          <p:nvPr/>
+        </p:nvPicPr>
+        <p:blipFill>
+          <a:blip r:embed="rId6">
+            <a:alphaModFix amt="80000"/>
+            <a:extLst>
+              <a:ext uri="{96DAC541-7B7A-43D3-8B79-37D633B846F1}">
+                <asvg:svgBlip xmlns:asvg="http://schemas.microsoft.com/office/drawing/2016/SVG/main" r:embed="rId7"/>
+              </a:ext>
+            </a:extLst>
+          </a:blip>
+          <a:stretch>
+            <a:fillRect/>
+          </a:stretch>
+        </p:blipFill>
+        <p:spPr>
+          <a:xfrm>
+            <a:off x="9479280" y="3234293"/>
+            <a:ext cx="1294166" cy="956954"/>
+          </a:xfrm>
+          <a:prstGeom prst="rect">
+            <a:avLst/>
+          </a:prstGeom>
+        </p:spPr>
+      </p:pic>
+      <p:sp>
+        <p:nvSpPr>
+          <p:cNvPr id="11" name="TextBox 10">
+            <a:extLst>
+              <a:ext uri="{FF2B5EF4-FFF2-40B4-BE49-F238E27FC236}">
+                <a16:creationId xmlns:a16="http://schemas.microsoft.com/office/drawing/2014/main" id="{B3D59B24-5796-0035-9CAB-E7A793411A91}"/>
+              </a:ext>
+            </a:extLst>
+          </p:cNvPr>
+          <p:cNvSpPr txBox="1"/>
+          <p:nvPr/>
+        </p:nvSpPr>
+        <p:spPr>
+          <a:xfrm>
+            <a:off x="2743200" y="5413981"/>
+            <a:ext cx="6736080" cy="1077218"/>
+          </a:xfrm>
+          <a:prstGeom prst="rect">
+            <a:avLst/>
+          </a:prstGeom>
+          <a:noFill/>
+        </p:spPr>
+        <p:txBody>
+          <a:bodyPr wrap="square" rtlCol="0">
+            <a:spAutoFit/>
+          </a:bodyPr>
+          <a:lstStyle/>
+          <a:p>
+            <a:pPr algn="ctr"/>
+            <a:r>
+              <a:rPr lang="en-US" altLang="zh-CN" sz="3200" dirty="0">
+                <a:solidFill>
+                  <a:schemeClr val="bg1">
+                    <a:lumMod val="75000"/>
+                  </a:schemeClr>
+                </a:solidFill>
+                <a:latin typeface="High Tower Text" panose="02040502050506030303" pitchFamily="18" charset="0"/>
+              </a:rPr>
+              <a:t>The game is too easy! Bug shows up at the </a:t>
+            </a:r>
+            <a:r>
+              <a:rPr lang="en-US" altLang="zh-CN" sz="3200" dirty="0">
+                <a:solidFill>
+                  <a:schemeClr val="accent2">
+                    <a:lumMod val="60000"/>
+                    <a:lumOff val="40000"/>
+                  </a:schemeClr>
+                </a:solidFill>
+                <a:latin typeface="High Tower Text" panose="02040502050506030303" pitchFamily="18" charset="0"/>
+              </a:rPr>
+              <a:t>same</a:t>
+            </a:r>
+            <a:r>
+              <a:rPr lang="en-US" altLang="zh-CN" sz="3200" dirty="0">
+                <a:solidFill>
+                  <a:schemeClr val="bg1">
+                    <a:lumMod val="75000"/>
+                  </a:schemeClr>
+                </a:solidFill>
+                <a:latin typeface="High Tower Text" panose="02040502050506030303" pitchFamily="18" charset="0"/>
+              </a:rPr>
+              <a:t> position in each level</a:t>
+            </a:r>
+            <a:endParaRPr lang="zh-CN" altLang="en-US" sz="3200" dirty="0">
+              <a:solidFill>
+                <a:schemeClr val="bg1">
+                  <a:lumMod val="75000"/>
+                </a:schemeClr>
+              </a:solidFill>
+              <a:latin typeface="High Tower Text" panose="02040502050506030303" pitchFamily="18" charset="0"/>
+            </a:endParaRPr>
           </a:p>
         </p:txBody>
       </p:sp>
@@ -10128,7 +10429,7 @@
         <p:cNvPr id="1" name="">
           <a:extLst>
             <a:ext uri="{FF2B5EF4-FFF2-40B4-BE49-F238E27FC236}">
-              <a16:creationId xmlns:a16="http://schemas.microsoft.com/office/drawing/2014/main" id="{DEE362FD-589A-832A-D4C0-D2225C9FE999}"/>
+              <a16:creationId xmlns:a16="http://schemas.microsoft.com/office/drawing/2014/main" id="{B9953644-FC25-8D86-FF72-9D8EC13382E0}"/>
             </a:ext>
           </a:extLst>
         </p:cNvPr>
@@ -10148,7 +10449,7 @@
           <p:cNvPr id="6" name="Rectangle 5">
             <a:extLst>
               <a:ext uri="{FF2B5EF4-FFF2-40B4-BE49-F238E27FC236}">
-                <a16:creationId xmlns:a16="http://schemas.microsoft.com/office/drawing/2014/main" id="{EEEE8FCC-BDDF-ED80-58B8-311E1D44BF2D}"/>
+                <a16:creationId xmlns:a16="http://schemas.microsoft.com/office/drawing/2014/main" id="{64508267-9447-C3CD-AADD-1A31F4A9609B}"/>
               </a:ext>
             </a:extLst>
           </p:cNvPr>
@@ -10200,7 +10501,7 @@
           <p:cNvPr id="2" name="Slide Number Placeholder 1">
             <a:extLst>
               <a:ext uri="{FF2B5EF4-FFF2-40B4-BE49-F238E27FC236}">
-                <a16:creationId xmlns:a16="http://schemas.microsoft.com/office/drawing/2014/main" id="{891DB455-B62D-8FF6-43F3-DC2CA0B813B8}"/>
+                <a16:creationId xmlns:a16="http://schemas.microsoft.com/office/drawing/2014/main" id="{21ECD5AB-C7C4-794E-D85E-870EC7DF6509}"/>
               </a:ext>
             </a:extLst>
           </p:cNvPr>
@@ -10248,7 +10549,7 @@
           <p:cNvPr id="4" name="Google Shape;867;p33">
             <a:extLst>
               <a:ext uri="{FF2B5EF4-FFF2-40B4-BE49-F238E27FC236}">
-                <a16:creationId xmlns:a16="http://schemas.microsoft.com/office/drawing/2014/main" id="{04208F63-90AE-CE70-CAE7-E9997B4FFA20}"/>
+                <a16:creationId xmlns:a16="http://schemas.microsoft.com/office/drawing/2014/main" id="{70D3ACDE-361C-B27B-8F0C-80CAFCB1A118}"/>
               </a:ext>
             </a:extLst>
           </p:cNvPr>
@@ -10535,15 +10836,308 @@
                 <a:latin typeface="Amatic SC" panose="020F0502020204030204" pitchFamily="2" charset="-79"/>
                 <a:cs typeface="Amatic SC" panose="020F0502020204030204" pitchFamily="2" charset="-79"/>
               </a:rPr>
-              <a:t>Slide</a:t>
+              <a:t>Show Up Randomly</a:t>
             </a:r>
+          </a:p>
+        </p:txBody>
+      </p:sp>
+      <p:pic>
+        <p:nvPicPr>
+          <p:cNvPr id="3" name="Graphic 2">
+            <a:extLst>
+              <a:ext uri="{FF2B5EF4-FFF2-40B4-BE49-F238E27FC236}">
+                <a16:creationId xmlns:a16="http://schemas.microsoft.com/office/drawing/2014/main" id="{6912A864-7AD7-BD42-BAC4-F6635D28B94F}"/>
+              </a:ext>
+            </a:extLst>
+          </p:cNvPr>
+          <p:cNvPicPr>
+            <a:picLocks noChangeAspect="1"/>
+          </p:cNvPicPr>
+          <p:nvPr/>
+        </p:nvPicPr>
+        <p:blipFill>
+          <a:blip r:embed="rId2">
+            <a:extLst>
+              <a:ext uri="{96DAC541-7B7A-43D3-8B79-37D633B846F1}">
+                <asvg:svgBlip xmlns:asvg="http://schemas.microsoft.com/office/drawing/2016/SVG/main" r:embed="rId3"/>
+              </a:ext>
+            </a:extLst>
+          </a:blip>
+          <a:stretch>
+            <a:fillRect/>
+          </a:stretch>
+        </p:blipFill>
+        <p:spPr>
+          <a:xfrm>
+            <a:off x="507960" y="2512320"/>
+            <a:ext cx="3125687" cy="2355590"/>
+          </a:xfrm>
+          <a:prstGeom prst="rect">
+            <a:avLst/>
+          </a:prstGeom>
+        </p:spPr>
+      </p:pic>
+      <p:pic>
+        <p:nvPicPr>
+          <p:cNvPr id="5" name="Picture 4">
+            <a:extLst>
+              <a:ext uri="{FF2B5EF4-FFF2-40B4-BE49-F238E27FC236}">
+                <a16:creationId xmlns:a16="http://schemas.microsoft.com/office/drawing/2014/main" id="{94AF55A1-02A6-6C47-C8D1-8857D89C92D0}"/>
+              </a:ext>
+            </a:extLst>
+          </p:cNvPr>
+          <p:cNvPicPr>
+            <a:picLocks noChangeAspect="1"/>
+          </p:cNvPicPr>
+          <p:nvPr/>
+        </p:nvPicPr>
+        <p:blipFill>
+          <a:blip r:embed="rId4">
+            <a:extLst>
+              <a:ext uri="{28A0092B-C50C-407E-A947-70E740481C1C}">
+                <a14:useLocalDpi xmlns:a14="http://schemas.microsoft.com/office/drawing/2010/main" val="0"/>
+              </a:ext>
+            </a:extLst>
+          </a:blip>
+          <a:stretch>
+            <a:fillRect/>
+          </a:stretch>
+        </p:blipFill>
+        <p:spPr>
+          <a:xfrm>
+            <a:off x="4525605" y="2512320"/>
+            <a:ext cx="3140788" cy="2355591"/>
+          </a:xfrm>
+          <a:prstGeom prst="rect">
+            <a:avLst/>
+          </a:prstGeom>
+        </p:spPr>
+      </p:pic>
+      <p:pic>
+        <p:nvPicPr>
+          <p:cNvPr id="7" name="Picture 6">
+            <a:extLst>
+              <a:ext uri="{FF2B5EF4-FFF2-40B4-BE49-F238E27FC236}">
+                <a16:creationId xmlns:a16="http://schemas.microsoft.com/office/drawing/2014/main" id="{E40B0F3B-C355-597F-EC1A-294F78FA3C20}"/>
+              </a:ext>
+            </a:extLst>
+          </p:cNvPr>
+          <p:cNvPicPr>
+            <a:picLocks noChangeAspect="1"/>
+          </p:cNvPicPr>
+          <p:nvPr/>
+        </p:nvPicPr>
+        <p:blipFill>
+          <a:blip r:embed="rId5">
+            <a:extLst>
+              <a:ext uri="{28A0092B-C50C-407E-A947-70E740481C1C}">
+                <a14:useLocalDpi xmlns:a14="http://schemas.microsoft.com/office/drawing/2010/main" val="0"/>
+              </a:ext>
+            </a:extLst>
+          </a:blip>
+          <a:stretch>
+            <a:fillRect/>
+          </a:stretch>
+        </p:blipFill>
+        <p:spPr>
+          <a:xfrm>
+            <a:off x="8558351" y="2512320"/>
+            <a:ext cx="3140787" cy="2355590"/>
+          </a:xfrm>
+          <a:prstGeom prst="rect">
+            <a:avLst/>
+          </a:prstGeom>
+        </p:spPr>
+      </p:pic>
+      <p:pic>
+        <p:nvPicPr>
+          <p:cNvPr id="8" name="Graphic 7">
+            <a:extLst>
+              <a:ext uri="{FF2B5EF4-FFF2-40B4-BE49-F238E27FC236}">
+                <a16:creationId xmlns:a16="http://schemas.microsoft.com/office/drawing/2014/main" id="{4E54840C-A0FA-9755-00DB-79937897BF0B}"/>
+              </a:ext>
+            </a:extLst>
+          </p:cNvPr>
+          <p:cNvPicPr>
+            <a:picLocks noChangeAspect="1"/>
+          </p:cNvPicPr>
+          <p:nvPr/>
+        </p:nvPicPr>
+        <p:blipFill>
+          <a:blip r:embed="rId6">
+            <a:alphaModFix amt="80000"/>
+            <a:extLst>
+              <a:ext uri="{96DAC541-7B7A-43D3-8B79-37D633B846F1}">
+                <asvg:svgBlip xmlns:asvg="http://schemas.microsoft.com/office/drawing/2016/SVG/main" r:embed="rId7"/>
+              </a:ext>
+            </a:extLst>
+          </a:blip>
+          <a:stretch>
+            <a:fillRect/>
+          </a:stretch>
+        </p:blipFill>
+        <p:spPr>
+          <a:xfrm>
+            <a:off x="626074" y="2586593"/>
+            <a:ext cx="1294166" cy="956954"/>
+          </a:xfrm>
+          <a:prstGeom prst="rect">
+            <a:avLst/>
+          </a:prstGeom>
+        </p:spPr>
+      </p:pic>
+      <p:pic>
+        <p:nvPicPr>
+          <p:cNvPr id="9" name="Graphic 8">
+            <a:extLst>
+              <a:ext uri="{FF2B5EF4-FFF2-40B4-BE49-F238E27FC236}">
+                <a16:creationId xmlns:a16="http://schemas.microsoft.com/office/drawing/2014/main" id="{49AA29FD-6551-94BA-0990-70830B47823A}"/>
+              </a:ext>
+            </a:extLst>
+          </p:cNvPr>
+          <p:cNvPicPr>
+            <a:picLocks noChangeAspect="1"/>
+          </p:cNvPicPr>
+          <p:nvPr/>
+        </p:nvPicPr>
+        <p:blipFill>
+          <a:blip r:embed="rId6">
+            <a:alphaModFix amt="80000"/>
+            <a:extLst>
+              <a:ext uri="{96DAC541-7B7A-43D3-8B79-37D633B846F1}">
+                <asvg:svgBlip xmlns:asvg="http://schemas.microsoft.com/office/drawing/2016/SVG/main" r:embed="rId7"/>
+              </a:ext>
+            </a:extLst>
+          </a:blip>
+          <a:stretch>
+            <a:fillRect/>
+          </a:stretch>
+        </p:blipFill>
+        <p:spPr>
+          <a:xfrm>
+            <a:off x="4709776" y="3910956"/>
+            <a:ext cx="1294166" cy="956954"/>
+          </a:xfrm>
+          <a:prstGeom prst="rect">
+            <a:avLst/>
+          </a:prstGeom>
+        </p:spPr>
+      </p:pic>
+      <p:pic>
+        <p:nvPicPr>
+          <p:cNvPr id="10" name="Graphic 9">
+            <a:extLst>
+              <a:ext uri="{FF2B5EF4-FFF2-40B4-BE49-F238E27FC236}">
+                <a16:creationId xmlns:a16="http://schemas.microsoft.com/office/drawing/2014/main" id="{1EC080E5-EAF2-F79D-9D00-1E8BF89AB61E}"/>
+              </a:ext>
+            </a:extLst>
+          </p:cNvPr>
+          <p:cNvPicPr>
+            <a:picLocks noChangeAspect="1"/>
+          </p:cNvPicPr>
+          <p:nvPr/>
+        </p:nvPicPr>
+        <p:blipFill>
+          <a:blip r:embed="rId6">
+            <a:alphaModFix amt="80000"/>
+            <a:extLst>
+              <a:ext uri="{96DAC541-7B7A-43D3-8B79-37D633B846F1}">
+                <asvg:svgBlip xmlns:asvg="http://schemas.microsoft.com/office/drawing/2016/SVG/main" r:embed="rId7"/>
+              </a:ext>
+            </a:extLst>
+          </a:blip>
+          <a:stretch>
+            <a:fillRect/>
+          </a:stretch>
+        </p:blipFill>
+        <p:spPr>
+          <a:xfrm>
+            <a:off x="10225423" y="2883773"/>
+            <a:ext cx="1294166" cy="956954"/>
+          </a:xfrm>
+          <a:prstGeom prst="rect">
+            <a:avLst/>
+          </a:prstGeom>
+        </p:spPr>
+      </p:pic>
+      <p:sp>
+        <p:nvSpPr>
+          <p:cNvPr id="11" name="TextBox 10">
+            <a:extLst>
+              <a:ext uri="{FF2B5EF4-FFF2-40B4-BE49-F238E27FC236}">
+                <a16:creationId xmlns:a16="http://schemas.microsoft.com/office/drawing/2014/main" id="{E231740E-5862-43F7-B8A5-FA4D27CE0EFE}"/>
+              </a:ext>
+            </a:extLst>
+          </p:cNvPr>
+          <p:cNvSpPr txBox="1"/>
+          <p:nvPr/>
+        </p:nvSpPr>
+        <p:spPr>
+          <a:xfrm>
+            <a:off x="2743200" y="5413981"/>
+            <a:ext cx="6736080" cy="1077218"/>
+          </a:xfrm>
+          <a:prstGeom prst="rect">
+            <a:avLst/>
+          </a:prstGeom>
+          <a:noFill/>
+        </p:spPr>
+        <p:txBody>
+          <a:bodyPr wrap="square" rtlCol="0">
+            <a:spAutoFit/>
+          </a:bodyPr>
+          <a:lstStyle/>
+          <a:p>
+            <a:pPr algn="ctr"/>
+            <a:r>
+              <a:rPr lang="en-US" altLang="zh-CN" sz="3200" dirty="0">
+                <a:solidFill>
+                  <a:schemeClr val="bg1">
+                    <a:lumMod val="75000"/>
+                  </a:schemeClr>
+                </a:solidFill>
+                <a:latin typeface="High Tower Text" panose="02040502050506030303" pitchFamily="18" charset="0"/>
+              </a:rPr>
+              <a:t>Instead, we want the bug to be at </a:t>
+            </a:r>
+            <a:r>
+              <a:rPr lang="en-US" altLang="zh-CN" sz="3200" dirty="0">
+                <a:solidFill>
+                  <a:schemeClr val="accent2">
+                    <a:lumMod val="60000"/>
+                    <a:lumOff val="40000"/>
+                  </a:schemeClr>
+                </a:solidFill>
+                <a:latin typeface="High Tower Text" panose="02040502050506030303" pitchFamily="18" charset="0"/>
+              </a:rPr>
+              <a:t>random</a:t>
+            </a:r>
+            <a:r>
+              <a:rPr lang="en-US" altLang="zh-CN" sz="3200" dirty="0">
+                <a:solidFill>
+                  <a:schemeClr val="bg1">
+                    <a:lumMod val="75000"/>
+                  </a:schemeClr>
+                </a:solidFill>
+                <a:latin typeface="High Tower Text" panose="02040502050506030303" pitchFamily="18" charset="0"/>
+              </a:rPr>
+              <a:t> position in each level </a:t>
+            </a:r>
+            <a:endParaRPr lang="zh-CN" altLang="en-US" sz="3200" dirty="0">
+              <a:solidFill>
+                <a:schemeClr val="bg1">
+                  <a:lumMod val="75000"/>
+                </a:schemeClr>
+              </a:solidFill>
+              <a:latin typeface="High Tower Text" panose="02040502050506030303" pitchFamily="18" charset="0"/>
+            </a:endParaRPr>
           </a:p>
         </p:txBody>
       </p:sp>
     </p:spTree>
     <p:extLst>
       <p:ext uri="{BB962C8B-B14F-4D97-AF65-F5344CB8AC3E}">
-        <p14:creationId xmlns:p14="http://schemas.microsoft.com/office/powerpoint/2010/main" val="1943250445"/>
+        <p14:creationId xmlns:p14="http://schemas.microsoft.com/office/powerpoint/2010/main" val="176895285"/>
       </p:ext>
     </p:extLst>
   </p:cSld>
@@ -10988,7 +11582,7 @@
         <p:cNvPr id="1" name="">
           <a:extLst>
             <a:ext uri="{FF2B5EF4-FFF2-40B4-BE49-F238E27FC236}">
-              <a16:creationId xmlns:a16="http://schemas.microsoft.com/office/drawing/2014/main" id="{B0638B88-A28D-0D98-6790-AFD73D028E78}"/>
+              <a16:creationId xmlns:a16="http://schemas.microsoft.com/office/drawing/2014/main" id="{DEE362FD-589A-832A-D4C0-D2225C9FE999}"/>
             </a:ext>
           </a:extLst>
         </p:cNvPr>
@@ -11008,7 +11602,7 @@
           <p:cNvPr id="6" name="Rectangle 5">
             <a:extLst>
               <a:ext uri="{FF2B5EF4-FFF2-40B4-BE49-F238E27FC236}">
-                <a16:creationId xmlns:a16="http://schemas.microsoft.com/office/drawing/2014/main" id="{52E115B1-EE40-3BB7-072F-C694ABBC3CDA}"/>
+                <a16:creationId xmlns:a16="http://schemas.microsoft.com/office/drawing/2014/main" id="{EEEE8FCC-BDDF-ED80-58B8-311E1D44BF2D}"/>
               </a:ext>
             </a:extLst>
           </p:cNvPr>
@@ -11060,7 +11654,7 @@
           <p:cNvPr id="2" name="Slide Number Placeholder 1">
             <a:extLst>
               <a:ext uri="{FF2B5EF4-FFF2-40B4-BE49-F238E27FC236}">
-                <a16:creationId xmlns:a16="http://schemas.microsoft.com/office/drawing/2014/main" id="{6B14C209-5E11-9F64-6579-48902F3047ED}"/>
+                <a16:creationId xmlns:a16="http://schemas.microsoft.com/office/drawing/2014/main" id="{891DB455-B62D-8FF6-43F3-DC2CA0B813B8}"/>
               </a:ext>
             </a:extLst>
           </p:cNvPr>
@@ -11091,6 +11685,5584 @@
                 <a:latin typeface="Bradley Hand ITC" panose="03070402050302030203" pitchFamily="66" charset="0"/>
               </a:rPr>
               <a:t>20</a:t>
+            </a:fld>
+            <a:endParaRPr lang="zh-CN" altLang="en-US" sz="2400" b="1" dirty="0">
+              <a:solidFill>
+                <a:schemeClr val="bg1">
+                  <a:lumMod val="65000"/>
+                </a:schemeClr>
+              </a:solidFill>
+              <a:latin typeface="Bradley Hand ITC" panose="03070402050302030203" pitchFamily="66" charset="0"/>
+            </a:endParaRPr>
+          </a:p>
+        </p:txBody>
+      </p:sp>
+      <p:sp>
+        <p:nvSpPr>
+          <p:cNvPr id="4" name="Google Shape;867;p33">
+            <a:extLst>
+              <a:ext uri="{FF2B5EF4-FFF2-40B4-BE49-F238E27FC236}">
+                <a16:creationId xmlns:a16="http://schemas.microsoft.com/office/drawing/2014/main" id="{04208F63-90AE-CE70-CAE7-E9997B4FFA20}"/>
+              </a:ext>
+            </a:extLst>
+          </p:cNvPr>
+          <p:cNvSpPr txBox="1">
+            <a:spLocks/>
+          </p:cNvSpPr>
+          <p:nvPr/>
+        </p:nvSpPr>
+        <p:spPr>
+          <a:xfrm>
+            <a:off x="2222600" y="143850"/>
+            <a:ext cx="7746800" cy="1602400"/>
+          </a:xfrm>
+          <a:prstGeom prst="rect">
+            <a:avLst/>
+          </a:prstGeom>
+          <a:noFill/>
+          <a:ln>
+            <a:noFill/>
+          </a:ln>
+        </p:spPr>
+        <p:txBody>
+          <a:bodyPr spcFirstLastPara="1" wrap="square" lIns="91425" tIns="91425" rIns="91425" bIns="91425" anchor="b" anchorCtr="0">
+            <a:noAutofit/>
+          </a:bodyPr>
+          <a:lstStyle>
+            <a:defPPr marR="0" lvl="0" algn="l" rtl="0">
+              <a:lnSpc>
+                <a:spcPct val="100000"/>
+              </a:lnSpc>
+              <a:spcBef>
+                <a:spcPts val="0"/>
+              </a:spcBef>
+              <a:spcAft>
+                <a:spcPts val="0"/>
+              </a:spcAft>
+            </a:defPPr>
+            <a:lvl1pPr marR="0" lvl="0" algn="l" rtl="0">
+              <a:lnSpc>
+                <a:spcPct val="100000"/>
+              </a:lnSpc>
+              <a:spcBef>
+                <a:spcPts val="0"/>
+              </a:spcBef>
+              <a:spcAft>
+                <a:spcPts val="0"/>
+              </a:spcAft>
+              <a:buClr>
+                <a:schemeClr val="dk1"/>
+              </a:buClr>
+              <a:buSzPts val="3600"/>
+              <a:buFont typeface="Barlow"/>
+              <a:buNone/>
+              <a:defRPr sz="7200" b="1" i="0" u="none" strike="noStrike" cap="none">
+                <a:solidFill>
+                  <a:schemeClr val="dk1"/>
+                </a:solidFill>
+                <a:latin typeface="Barlow"/>
+                <a:ea typeface="Barlow"/>
+                <a:cs typeface="Barlow"/>
+                <a:sym typeface="Barlow"/>
+              </a:defRPr>
+            </a:lvl1pPr>
+            <a:lvl2pPr marR="0" lvl="1" algn="ctr" rtl="0">
+              <a:lnSpc>
+                <a:spcPct val="100000"/>
+              </a:lnSpc>
+              <a:spcBef>
+                <a:spcPts val="0"/>
+              </a:spcBef>
+              <a:spcAft>
+                <a:spcPts val="0"/>
+              </a:spcAft>
+              <a:buClr>
+                <a:schemeClr val="dk1"/>
+              </a:buClr>
+              <a:buSzPts val="3600"/>
+              <a:buFont typeface="Barlow"/>
+              <a:buNone/>
+              <a:defRPr sz="3600" b="1" i="0" u="none" strike="noStrike" cap="none">
+                <a:solidFill>
+                  <a:schemeClr val="dk1"/>
+                </a:solidFill>
+                <a:latin typeface="Barlow"/>
+                <a:ea typeface="Barlow"/>
+                <a:cs typeface="Barlow"/>
+                <a:sym typeface="Barlow"/>
+              </a:defRPr>
+            </a:lvl2pPr>
+            <a:lvl3pPr marR="0" lvl="2" algn="ctr" rtl="0">
+              <a:lnSpc>
+                <a:spcPct val="100000"/>
+              </a:lnSpc>
+              <a:spcBef>
+                <a:spcPts val="0"/>
+              </a:spcBef>
+              <a:spcAft>
+                <a:spcPts val="0"/>
+              </a:spcAft>
+              <a:buClr>
+                <a:schemeClr val="dk1"/>
+              </a:buClr>
+              <a:buSzPts val="3600"/>
+              <a:buFont typeface="Barlow"/>
+              <a:buNone/>
+              <a:defRPr sz="3600" b="1" i="0" u="none" strike="noStrike" cap="none">
+                <a:solidFill>
+                  <a:schemeClr val="dk1"/>
+                </a:solidFill>
+                <a:latin typeface="Barlow"/>
+                <a:ea typeface="Barlow"/>
+                <a:cs typeface="Barlow"/>
+                <a:sym typeface="Barlow"/>
+              </a:defRPr>
+            </a:lvl3pPr>
+            <a:lvl4pPr marR="0" lvl="3" algn="ctr" rtl="0">
+              <a:lnSpc>
+                <a:spcPct val="100000"/>
+              </a:lnSpc>
+              <a:spcBef>
+                <a:spcPts val="0"/>
+              </a:spcBef>
+              <a:spcAft>
+                <a:spcPts val="0"/>
+              </a:spcAft>
+              <a:buClr>
+                <a:schemeClr val="dk1"/>
+              </a:buClr>
+              <a:buSzPts val="3600"/>
+              <a:buFont typeface="Barlow"/>
+              <a:buNone/>
+              <a:defRPr sz="3600" b="1" i="0" u="none" strike="noStrike" cap="none">
+                <a:solidFill>
+                  <a:schemeClr val="dk1"/>
+                </a:solidFill>
+                <a:latin typeface="Barlow"/>
+                <a:ea typeface="Barlow"/>
+                <a:cs typeface="Barlow"/>
+                <a:sym typeface="Barlow"/>
+              </a:defRPr>
+            </a:lvl4pPr>
+            <a:lvl5pPr marR="0" lvl="4" algn="ctr" rtl="0">
+              <a:lnSpc>
+                <a:spcPct val="100000"/>
+              </a:lnSpc>
+              <a:spcBef>
+                <a:spcPts val="0"/>
+              </a:spcBef>
+              <a:spcAft>
+                <a:spcPts val="0"/>
+              </a:spcAft>
+              <a:buClr>
+                <a:schemeClr val="dk1"/>
+              </a:buClr>
+              <a:buSzPts val="3600"/>
+              <a:buFont typeface="Barlow"/>
+              <a:buNone/>
+              <a:defRPr sz="3600" b="1" i="0" u="none" strike="noStrike" cap="none">
+                <a:solidFill>
+                  <a:schemeClr val="dk1"/>
+                </a:solidFill>
+                <a:latin typeface="Barlow"/>
+                <a:ea typeface="Barlow"/>
+                <a:cs typeface="Barlow"/>
+                <a:sym typeface="Barlow"/>
+              </a:defRPr>
+            </a:lvl5pPr>
+            <a:lvl6pPr marR="0" lvl="5" algn="ctr" rtl="0">
+              <a:lnSpc>
+                <a:spcPct val="100000"/>
+              </a:lnSpc>
+              <a:spcBef>
+                <a:spcPts val="0"/>
+              </a:spcBef>
+              <a:spcAft>
+                <a:spcPts val="0"/>
+              </a:spcAft>
+              <a:buClr>
+                <a:schemeClr val="dk1"/>
+              </a:buClr>
+              <a:buSzPts val="3600"/>
+              <a:buFont typeface="Barlow"/>
+              <a:buNone/>
+              <a:defRPr sz="3600" b="1" i="0" u="none" strike="noStrike" cap="none">
+                <a:solidFill>
+                  <a:schemeClr val="dk1"/>
+                </a:solidFill>
+                <a:latin typeface="Barlow"/>
+                <a:ea typeface="Barlow"/>
+                <a:cs typeface="Barlow"/>
+                <a:sym typeface="Barlow"/>
+              </a:defRPr>
+            </a:lvl6pPr>
+            <a:lvl7pPr marR="0" lvl="6" algn="ctr" rtl="0">
+              <a:lnSpc>
+                <a:spcPct val="100000"/>
+              </a:lnSpc>
+              <a:spcBef>
+                <a:spcPts val="0"/>
+              </a:spcBef>
+              <a:spcAft>
+                <a:spcPts val="0"/>
+              </a:spcAft>
+              <a:buClr>
+                <a:schemeClr val="dk1"/>
+              </a:buClr>
+              <a:buSzPts val="3600"/>
+              <a:buFont typeface="Barlow"/>
+              <a:buNone/>
+              <a:defRPr sz="3600" b="1" i="0" u="none" strike="noStrike" cap="none">
+                <a:solidFill>
+                  <a:schemeClr val="dk1"/>
+                </a:solidFill>
+                <a:latin typeface="Barlow"/>
+                <a:ea typeface="Barlow"/>
+                <a:cs typeface="Barlow"/>
+                <a:sym typeface="Barlow"/>
+              </a:defRPr>
+            </a:lvl7pPr>
+            <a:lvl8pPr marR="0" lvl="7" algn="ctr" rtl="0">
+              <a:lnSpc>
+                <a:spcPct val="100000"/>
+              </a:lnSpc>
+              <a:spcBef>
+                <a:spcPts val="0"/>
+              </a:spcBef>
+              <a:spcAft>
+                <a:spcPts val="0"/>
+              </a:spcAft>
+              <a:buClr>
+                <a:schemeClr val="dk1"/>
+              </a:buClr>
+              <a:buSzPts val="3600"/>
+              <a:buFont typeface="Barlow"/>
+              <a:buNone/>
+              <a:defRPr sz="3600" b="1" i="0" u="none" strike="noStrike" cap="none">
+                <a:solidFill>
+                  <a:schemeClr val="dk1"/>
+                </a:solidFill>
+                <a:latin typeface="Barlow"/>
+                <a:ea typeface="Barlow"/>
+                <a:cs typeface="Barlow"/>
+                <a:sym typeface="Barlow"/>
+              </a:defRPr>
+            </a:lvl8pPr>
+            <a:lvl9pPr marR="0" lvl="8" algn="ctr" rtl="0">
+              <a:lnSpc>
+                <a:spcPct val="100000"/>
+              </a:lnSpc>
+              <a:spcBef>
+                <a:spcPts val="0"/>
+              </a:spcBef>
+              <a:spcAft>
+                <a:spcPts val="0"/>
+              </a:spcAft>
+              <a:buClr>
+                <a:schemeClr val="dk1"/>
+              </a:buClr>
+              <a:buSzPts val="3600"/>
+              <a:buFont typeface="Barlow"/>
+              <a:buNone/>
+              <a:defRPr sz="3600" b="1" i="0" u="none" strike="noStrike" cap="none">
+                <a:solidFill>
+                  <a:schemeClr val="dk1"/>
+                </a:solidFill>
+                <a:latin typeface="Barlow"/>
+                <a:ea typeface="Barlow"/>
+                <a:cs typeface="Barlow"/>
+                <a:sym typeface="Barlow"/>
+              </a:defRPr>
+            </a:lvl9pPr>
+          </a:lstStyle>
+          <a:p>
+            <a:pPr algn="ctr"/>
+            <a:r>
+              <a:rPr lang="en-US" altLang="zh-CN" sz="8000" spc="300" dirty="0">
+                <a:solidFill>
+                  <a:schemeClr val="accent4">
+                    <a:lumMod val="60000"/>
+                    <a:lumOff val="40000"/>
+                    <a:alpha val="60000"/>
+                  </a:schemeClr>
+                </a:solidFill>
+                <a:latin typeface="Amatic SC" panose="020F0502020204030204" pitchFamily="2" charset="-79"/>
+                <a:cs typeface="Amatic SC" panose="020F0502020204030204" pitchFamily="2" charset="-79"/>
+              </a:rPr>
+              <a:t>Show Up Randomly</a:t>
+            </a:r>
+          </a:p>
+        </p:txBody>
+      </p:sp>
+      <p:pic>
+        <p:nvPicPr>
+          <p:cNvPr id="5" name="Picture 4">
+            <a:extLst>
+              <a:ext uri="{FF2B5EF4-FFF2-40B4-BE49-F238E27FC236}">
+                <a16:creationId xmlns:a16="http://schemas.microsoft.com/office/drawing/2014/main" id="{4C1E7781-7CE1-0B3D-36A5-908AF9263715}"/>
+              </a:ext>
+            </a:extLst>
+          </p:cNvPr>
+          <p:cNvPicPr>
+            <a:picLocks noChangeAspect="1"/>
+          </p:cNvPicPr>
+          <p:nvPr/>
+        </p:nvPicPr>
+        <p:blipFill>
+          <a:blip r:embed="rId2">
+            <a:extLst>
+              <a:ext uri="{28A0092B-C50C-407E-A947-70E740481C1C}">
+                <a14:useLocalDpi xmlns:a14="http://schemas.microsoft.com/office/drawing/2010/main" val="0"/>
+              </a:ext>
+            </a:extLst>
+          </a:blip>
+          <a:stretch>
+            <a:fillRect/>
+          </a:stretch>
+        </p:blipFill>
+        <p:spPr>
+          <a:xfrm>
+            <a:off x="1122045" y="3235325"/>
+            <a:ext cx="4105275" cy="1066800"/>
+          </a:xfrm>
+          <a:prstGeom prst="rect">
+            <a:avLst/>
+          </a:prstGeom>
+        </p:spPr>
+      </p:pic>
+      <p:sp>
+        <p:nvSpPr>
+          <p:cNvPr id="7" name="TextBox 6">
+            <a:extLst>
+              <a:ext uri="{FF2B5EF4-FFF2-40B4-BE49-F238E27FC236}">
+                <a16:creationId xmlns:a16="http://schemas.microsoft.com/office/drawing/2014/main" id="{C4BA2275-AF32-4A12-8DB4-0825228ED4D9}"/>
+              </a:ext>
+            </a:extLst>
+          </p:cNvPr>
+          <p:cNvSpPr txBox="1"/>
+          <p:nvPr/>
+        </p:nvSpPr>
+        <p:spPr>
+          <a:xfrm>
+            <a:off x="6627495" y="2661176"/>
+            <a:ext cx="4442460" cy="2800767"/>
+          </a:xfrm>
+          <a:prstGeom prst="rect">
+            <a:avLst/>
+          </a:prstGeom>
+          <a:noFill/>
+        </p:spPr>
+        <p:txBody>
+          <a:bodyPr wrap="square" rtlCol="0">
+            <a:spAutoFit/>
+          </a:bodyPr>
+          <a:lstStyle/>
+          <a:p>
+            <a:pPr algn="ctr"/>
+            <a:r>
+              <a:rPr lang="en-US" altLang="zh-CN" sz="4400" dirty="0">
+                <a:solidFill>
+                  <a:schemeClr val="bg1">
+                    <a:lumMod val="75000"/>
+                  </a:schemeClr>
+                </a:solidFill>
+                <a:latin typeface="High Tower Text" panose="02040502050506030303" pitchFamily="18" charset="0"/>
+              </a:rPr>
+              <a:t>Go to random position is easy, the question is </a:t>
+            </a:r>
+            <a:r>
+              <a:rPr lang="en-US" altLang="zh-CN" sz="4400" dirty="0">
+                <a:solidFill>
+                  <a:schemeClr val="accent2">
+                    <a:lumMod val="60000"/>
+                    <a:lumOff val="40000"/>
+                  </a:schemeClr>
+                </a:solidFill>
+                <a:latin typeface="High Tower Text" panose="02040502050506030303" pitchFamily="18" charset="0"/>
+              </a:rPr>
+              <a:t>WHEN</a:t>
+            </a:r>
+            <a:r>
+              <a:rPr lang="en-US" altLang="zh-CN" sz="4400" dirty="0">
+                <a:solidFill>
+                  <a:schemeClr val="bg1">
+                    <a:lumMod val="75000"/>
+                  </a:schemeClr>
+                </a:solidFill>
+                <a:latin typeface="High Tower Text" panose="02040502050506030303" pitchFamily="18" charset="0"/>
+              </a:rPr>
+              <a:t>?</a:t>
+            </a:r>
+            <a:endParaRPr lang="zh-CN" altLang="en-US" sz="4400" dirty="0">
+              <a:solidFill>
+                <a:schemeClr val="bg1">
+                  <a:lumMod val="75000"/>
+                </a:schemeClr>
+              </a:solidFill>
+              <a:latin typeface="High Tower Text" panose="02040502050506030303" pitchFamily="18" charset="0"/>
+            </a:endParaRPr>
+          </a:p>
+        </p:txBody>
+      </p:sp>
+    </p:spTree>
+    <p:extLst>
+      <p:ext uri="{BB962C8B-B14F-4D97-AF65-F5344CB8AC3E}">
+        <p14:creationId xmlns:p14="http://schemas.microsoft.com/office/powerpoint/2010/main" val="1943250445"/>
+      </p:ext>
+    </p:extLst>
+  </p:cSld>
+  <p:clrMapOvr>
+    <a:masterClrMapping/>
+  </p:clrMapOvr>
+</p:sld>
+</file>
+
+<file path=ppt/slides/slide21.xml><?xml version="1.0" encoding="utf-8"?>
+<p:sld xmlns:a="http://schemas.openxmlformats.org/drawingml/2006/main" xmlns:r="http://schemas.openxmlformats.org/officeDocument/2006/relationships" xmlns:p="http://schemas.openxmlformats.org/presentationml/2006/main">
+  <p:cSld>
+    <p:spTree>
+      <p:nvGrpSpPr>
+        <p:cNvPr id="1" name="">
+          <a:extLst>
+            <a:ext uri="{FF2B5EF4-FFF2-40B4-BE49-F238E27FC236}">
+              <a16:creationId xmlns:a16="http://schemas.microsoft.com/office/drawing/2014/main" id="{D080EF2C-81A1-9752-E691-D12EA1B44B66}"/>
+            </a:ext>
+          </a:extLst>
+        </p:cNvPr>
+        <p:cNvGrpSpPr/>
+        <p:nvPr/>
+      </p:nvGrpSpPr>
+      <p:grpSpPr>
+        <a:xfrm>
+          <a:off x="0" y="0"/>
+          <a:ext cx="0" cy="0"/>
+          <a:chOff x="0" y="0"/>
+          <a:chExt cx="0" cy="0"/>
+        </a:xfrm>
+      </p:grpSpPr>
+      <p:sp>
+        <p:nvSpPr>
+          <p:cNvPr id="6" name="Rectangle 5">
+            <a:extLst>
+              <a:ext uri="{FF2B5EF4-FFF2-40B4-BE49-F238E27FC236}">
+                <a16:creationId xmlns:a16="http://schemas.microsoft.com/office/drawing/2014/main" id="{5CD93CAA-872A-C52B-676F-9902EE41AAC0}"/>
+              </a:ext>
+            </a:extLst>
+          </p:cNvPr>
+          <p:cNvSpPr/>
+          <p:nvPr/>
+        </p:nvSpPr>
+        <p:spPr>
+          <a:xfrm>
+            <a:off x="0" y="0"/>
+            <a:ext cx="12192000" cy="6858000"/>
+          </a:xfrm>
+          <a:prstGeom prst="rect">
+            <a:avLst/>
+          </a:prstGeom>
+          <a:solidFill>
+            <a:srgbClr val="23242A"/>
+          </a:solidFill>
+          <a:ln>
+            <a:noFill/>
+          </a:ln>
+        </p:spPr>
+        <p:style>
+          <a:lnRef idx="2">
+            <a:schemeClr val="accent1">
+              <a:shade val="15000"/>
+            </a:schemeClr>
+          </a:lnRef>
+          <a:fillRef idx="1">
+            <a:schemeClr val="accent1"/>
+          </a:fillRef>
+          <a:effectRef idx="0">
+            <a:schemeClr val="accent1"/>
+          </a:effectRef>
+          <a:fontRef idx="minor">
+            <a:schemeClr val="lt1"/>
+          </a:fontRef>
+        </p:style>
+        <p:txBody>
+          <a:bodyPr rtlCol="0" anchor="ctr"/>
+          <a:lstStyle/>
+          <a:p>
+            <a:pPr algn="ctr"/>
+            <a:endParaRPr lang="zh-CN" altLang="en-US" dirty="0"/>
+          </a:p>
+        </p:txBody>
+      </p:sp>
+      <p:sp>
+        <p:nvSpPr>
+          <p:cNvPr id="2" name="Slide Number Placeholder 1">
+            <a:extLst>
+              <a:ext uri="{FF2B5EF4-FFF2-40B4-BE49-F238E27FC236}">
+                <a16:creationId xmlns:a16="http://schemas.microsoft.com/office/drawing/2014/main" id="{7979CA60-EA25-DE5E-35E4-3924927BF370}"/>
+              </a:ext>
+            </a:extLst>
+          </p:cNvPr>
+          <p:cNvSpPr>
+            <a:spLocks noGrp="1"/>
+          </p:cNvSpPr>
+          <p:nvPr>
+            <p:ph type="sldNum" sz="quarter" idx="12"/>
+          </p:nvPr>
+        </p:nvSpPr>
+        <p:spPr>
+          <a:xfrm>
+            <a:off x="9057739" y="6259509"/>
+            <a:ext cx="2743200" cy="365125"/>
+          </a:xfrm>
+        </p:spPr>
+        <p:txBody>
+          <a:bodyPr/>
+          <a:lstStyle/>
+          <a:p>
+            <a:fld id="{9B1EC109-1E15-4BCA-93B5-56442BB3443E}" type="slidenum">
+              <a:rPr lang="zh-CN" altLang="en-US" sz="2400" b="1" smtClean="0">
+                <a:solidFill>
+                  <a:schemeClr val="bg1">
+                    <a:lumMod val="65000"/>
+                  </a:schemeClr>
+                </a:solidFill>
+                <a:latin typeface="Bradley Hand ITC" panose="03070402050302030203" pitchFamily="66" charset="0"/>
+              </a:rPr>
+              <a:t>21</a:t>
+            </a:fld>
+            <a:endParaRPr lang="zh-CN" altLang="en-US" sz="2400" b="1" dirty="0">
+              <a:solidFill>
+                <a:schemeClr val="bg1">
+                  <a:lumMod val="65000"/>
+                </a:schemeClr>
+              </a:solidFill>
+              <a:latin typeface="Bradley Hand ITC" panose="03070402050302030203" pitchFamily="66" charset="0"/>
+            </a:endParaRPr>
+          </a:p>
+        </p:txBody>
+      </p:sp>
+      <p:sp>
+        <p:nvSpPr>
+          <p:cNvPr id="4" name="Google Shape;867;p33">
+            <a:extLst>
+              <a:ext uri="{FF2B5EF4-FFF2-40B4-BE49-F238E27FC236}">
+                <a16:creationId xmlns:a16="http://schemas.microsoft.com/office/drawing/2014/main" id="{E37E98F5-EC34-4203-EF51-2C795BB39A6B}"/>
+              </a:ext>
+            </a:extLst>
+          </p:cNvPr>
+          <p:cNvSpPr txBox="1">
+            <a:spLocks/>
+          </p:cNvSpPr>
+          <p:nvPr/>
+        </p:nvSpPr>
+        <p:spPr>
+          <a:xfrm>
+            <a:off x="2222600" y="143850"/>
+            <a:ext cx="7746800" cy="1602400"/>
+          </a:xfrm>
+          <a:prstGeom prst="rect">
+            <a:avLst/>
+          </a:prstGeom>
+          <a:noFill/>
+          <a:ln>
+            <a:noFill/>
+          </a:ln>
+        </p:spPr>
+        <p:txBody>
+          <a:bodyPr spcFirstLastPara="1" wrap="square" lIns="91425" tIns="91425" rIns="91425" bIns="91425" anchor="b" anchorCtr="0">
+            <a:noAutofit/>
+          </a:bodyPr>
+          <a:lstStyle>
+            <a:defPPr marR="0" lvl="0" algn="l" rtl="0">
+              <a:lnSpc>
+                <a:spcPct val="100000"/>
+              </a:lnSpc>
+              <a:spcBef>
+                <a:spcPts val="0"/>
+              </a:spcBef>
+              <a:spcAft>
+                <a:spcPts val="0"/>
+              </a:spcAft>
+            </a:defPPr>
+            <a:lvl1pPr marR="0" lvl="0" algn="l" rtl="0">
+              <a:lnSpc>
+                <a:spcPct val="100000"/>
+              </a:lnSpc>
+              <a:spcBef>
+                <a:spcPts val="0"/>
+              </a:spcBef>
+              <a:spcAft>
+                <a:spcPts val="0"/>
+              </a:spcAft>
+              <a:buClr>
+                <a:schemeClr val="dk1"/>
+              </a:buClr>
+              <a:buSzPts val="3600"/>
+              <a:buFont typeface="Barlow"/>
+              <a:buNone/>
+              <a:defRPr sz="7200" b="1" i="0" u="none" strike="noStrike" cap="none">
+                <a:solidFill>
+                  <a:schemeClr val="dk1"/>
+                </a:solidFill>
+                <a:latin typeface="Barlow"/>
+                <a:ea typeface="Barlow"/>
+                <a:cs typeface="Barlow"/>
+                <a:sym typeface="Barlow"/>
+              </a:defRPr>
+            </a:lvl1pPr>
+            <a:lvl2pPr marR="0" lvl="1" algn="ctr" rtl="0">
+              <a:lnSpc>
+                <a:spcPct val="100000"/>
+              </a:lnSpc>
+              <a:spcBef>
+                <a:spcPts val="0"/>
+              </a:spcBef>
+              <a:spcAft>
+                <a:spcPts val="0"/>
+              </a:spcAft>
+              <a:buClr>
+                <a:schemeClr val="dk1"/>
+              </a:buClr>
+              <a:buSzPts val="3600"/>
+              <a:buFont typeface="Barlow"/>
+              <a:buNone/>
+              <a:defRPr sz="3600" b="1" i="0" u="none" strike="noStrike" cap="none">
+                <a:solidFill>
+                  <a:schemeClr val="dk1"/>
+                </a:solidFill>
+                <a:latin typeface="Barlow"/>
+                <a:ea typeface="Barlow"/>
+                <a:cs typeface="Barlow"/>
+                <a:sym typeface="Barlow"/>
+              </a:defRPr>
+            </a:lvl2pPr>
+            <a:lvl3pPr marR="0" lvl="2" algn="ctr" rtl="0">
+              <a:lnSpc>
+                <a:spcPct val="100000"/>
+              </a:lnSpc>
+              <a:spcBef>
+                <a:spcPts val="0"/>
+              </a:spcBef>
+              <a:spcAft>
+                <a:spcPts val="0"/>
+              </a:spcAft>
+              <a:buClr>
+                <a:schemeClr val="dk1"/>
+              </a:buClr>
+              <a:buSzPts val="3600"/>
+              <a:buFont typeface="Barlow"/>
+              <a:buNone/>
+              <a:defRPr sz="3600" b="1" i="0" u="none" strike="noStrike" cap="none">
+                <a:solidFill>
+                  <a:schemeClr val="dk1"/>
+                </a:solidFill>
+                <a:latin typeface="Barlow"/>
+                <a:ea typeface="Barlow"/>
+                <a:cs typeface="Barlow"/>
+                <a:sym typeface="Barlow"/>
+              </a:defRPr>
+            </a:lvl3pPr>
+            <a:lvl4pPr marR="0" lvl="3" algn="ctr" rtl="0">
+              <a:lnSpc>
+                <a:spcPct val="100000"/>
+              </a:lnSpc>
+              <a:spcBef>
+                <a:spcPts val="0"/>
+              </a:spcBef>
+              <a:spcAft>
+                <a:spcPts val="0"/>
+              </a:spcAft>
+              <a:buClr>
+                <a:schemeClr val="dk1"/>
+              </a:buClr>
+              <a:buSzPts val="3600"/>
+              <a:buFont typeface="Barlow"/>
+              <a:buNone/>
+              <a:defRPr sz="3600" b="1" i="0" u="none" strike="noStrike" cap="none">
+                <a:solidFill>
+                  <a:schemeClr val="dk1"/>
+                </a:solidFill>
+                <a:latin typeface="Barlow"/>
+                <a:ea typeface="Barlow"/>
+                <a:cs typeface="Barlow"/>
+                <a:sym typeface="Barlow"/>
+              </a:defRPr>
+            </a:lvl4pPr>
+            <a:lvl5pPr marR="0" lvl="4" algn="ctr" rtl="0">
+              <a:lnSpc>
+                <a:spcPct val="100000"/>
+              </a:lnSpc>
+              <a:spcBef>
+                <a:spcPts val="0"/>
+              </a:spcBef>
+              <a:spcAft>
+                <a:spcPts val="0"/>
+              </a:spcAft>
+              <a:buClr>
+                <a:schemeClr val="dk1"/>
+              </a:buClr>
+              <a:buSzPts val="3600"/>
+              <a:buFont typeface="Barlow"/>
+              <a:buNone/>
+              <a:defRPr sz="3600" b="1" i="0" u="none" strike="noStrike" cap="none">
+                <a:solidFill>
+                  <a:schemeClr val="dk1"/>
+                </a:solidFill>
+                <a:latin typeface="Barlow"/>
+                <a:ea typeface="Barlow"/>
+                <a:cs typeface="Barlow"/>
+                <a:sym typeface="Barlow"/>
+              </a:defRPr>
+            </a:lvl5pPr>
+            <a:lvl6pPr marR="0" lvl="5" algn="ctr" rtl="0">
+              <a:lnSpc>
+                <a:spcPct val="100000"/>
+              </a:lnSpc>
+              <a:spcBef>
+                <a:spcPts val="0"/>
+              </a:spcBef>
+              <a:spcAft>
+                <a:spcPts val="0"/>
+              </a:spcAft>
+              <a:buClr>
+                <a:schemeClr val="dk1"/>
+              </a:buClr>
+              <a:buSzPts val="3600"/>
+              <a:buFont typeface="Barlow"/>
+              <a:buNone/>
+              <a:defRPr sz="3600" b="1" i="0" u="none" strike="noStrike" cap="none">
+                <a:solidFill>
+                  <a:schemeClr val="dk1"/>
+                </a:solidFill>
+                <a:latin typeface="Barlow"/>
+                <a:ea typeface="Barlow"/>
+                <a:cs typeface="Barlow"/>
+                <a:sym typeface="Barlow"/>
+              </a:defRPr>
+            </a:lvl6pPr>
+            <a:lvl7pPr marR="0" lvl="6" algn="ctr" rtl="0">
+              <a:lnSpc>
+                <a:spcPct val="100000"/>
+              </a:lnSpc>
+              <a:spcBef>
+                <a:spcPts val="0"/>
+              </a:spcBef>
+              <a:spcAft>
+                <a:spcPts val="0"/>
+              </a:spcAft>
+              <a:buClr>
+                <a:schemeClr val="dk1"/>
+              </a:buClr>
+              <a:buSzPts val="3600"/>
+              <a:buFont typeface="Barlow"/>
+              <a:buNone/>
+              <a:defRPr sz="3600" b="1" i="0" u="none" strike="noStrike" cap="none">
+                <a:solidFill>
+                  <a:schemeClr val="dk1"/>
+                </a:solidFill>
+                <a:latin typeface="Barlow"/>
+                <a:ea typeface="Barlow"/>
+                <a:cs typeface="Barlow"/>
+                <a:sym typeface="Barlow"/>
+              </a:defRPr>
+            </a:lvl7pPr>
+            <a:lvl8pPr marR="0" lvl="7" algn="ctr" rtl="0">
+              <a:lnSpc>
+                <a:spcPct val="100000"/>
+              </a:lnSpc>
+              <a:spcBef>
+                <a:spcPts val="0"/>
+              </a:spcBef>
+              <a:spcAft>
+                <a:spcPts val="0"/>
+              </a:spcAft>
+              <a:buClr>
+                <a:schemeClr val="dk1"/>
+              </a:buClr>
+              <a:buSzPts val="3600"/>
+              <a:buFont typeface="Barlow"/>
+              <a:buNone/>
+              <a:defRPr sz="3600" b="1" i="0" u="none" strike="noStrike" cap="none">
+                <a:solidFill>
+                  <a:schemeClr val="dk1"/>
+                </a:solidFill>
+                <a:latin typeface="Barlow"/>
+                <a:ea typeface="Barlow"/>
+                <a:cs typeface="Barlow"/>
+                <a:sym typeface="Barlow"/>
+              </a:defRPr>
+            </a:lvl8pPr>
+            <a:lvl9pPr marR="0" lvl="8" algn="ctr" rtl="0">
+              <a:lnSpc>
+                <a:spcPct val="100000"/>
+              </a:lnSpc>
+              <a:spcBef>
+                <a:spcPts val="0"/>
+              </a:spcBef>
+              <a:spcAft>
+                <a:spcPts val="0"/>
+              </a:spcAft>
+              <a:buClr>
+                <a:schemeClr val="dk1"/>
+              </a:buClr>
+              <a:buSzPts val="3600"/>
+              <a:buFont typeface="Barlow"/>
+              <a:buNone/>
+              <a:defRPr sz="3600" b="1" i="0" u="none" strike="noStrike" cap="none">
+                <a:solidFill>
+                  <a:schemeClr val="dk1"/>
+                </a:solidFill>
+                <a:latin typeface="Barlow"/>
+                <a:ea typeface="Barlow"/>
+                <a:cs typeface="Barlow"/>
+                <a:sym typeface="Barlow"/>
+              </a:defRPr>
+            </a:lvl9pPr>
+          </a:lstStyle>
+          <a:p>
+            <a:pPr algn="ctr"/>
+            <a:r>
+              <a:rPr lang="en-US" altLang="zh-CN" sz="8000" spc="300" dirty="0">
+                <a:solidFill>
+                  <a:schemeClr val="accent4">
+                    <a:lumMod val="60000"/>
+                    <a:lumOff val="40000"/>
+                    <a:alpha val="60000"/>
+                  </a:schemeClr>
+                </a:solidFill>
+                <a:latin typeface="Amatic SC" panose="020F0502020204030204" pitchFamily="2" charset="-79"/>
+                <a:cs typeface="Amatic SC" panose="020F0502020204030204" pitchFamily="2" charset="-79"/>
+              </a:rPr>
+              <a:t>Show Up Randomly</a:t>
+            </a:r>
+          </a:p>
+        </p:txBody>
+      </p:sp>
+      <p:pic>
+        <p:nvPicPr>
+          <p:cNvPr id="5" name="Graphic 4">
+            <a:extLst>
+              <a:ext uri="{FF2B5EF4-FFF2-40B4-BE49-F238E27FC236}">
+                <a16:creationId xmlns:a16="http://schemas.microsoft.com/office/drawing/2014/main" id="{E12DD84B-AB50-42CC-E825-A7E1756CFF81}"/>
+              </a:ext>
+            </a:extLst>
+          </p:cNvPr>
+          <p:cNvPicPr>
+            <a:picLocks noChangeAspect="1"/>
+          </p:cNvPicPr>
+          <p:nvPr/>
+        </p:nvPicPr>
+        <p:blipFill>
+          <a:blip r:embed="rId2">
+            <a:extLst>
+              <a:ext uri="{96DAC541-7B7A-43D3-8B79-37D633B846F1}">
+                <asvg:svgBlip xmlns:asvg="http://schemas.microsoft.com/office/drawing/2016/SVG/main" r:embed="rId3"/>
+              </a:ext>
+            </a:extLst>
+          </a:blip>
+          <a:stretch>
+            <a:fillRect/>
+          </a:stretch>
+        </p:blipFill>
+        <p:spPr>
+          <a:xfrm>
+            <a:off x="507960" y="2047500"/>
+            <a:ext cx="3125687" cy="2355590"/>
+          </a:xfrm>
+          <a:prstGeom prst="rect">
+            <a:avLst/>
+          </a:prstGeom>
+        </p:spPr>
+      </p:pic>
+      <p:pic>
+        <p:nvPicPr>
+          <p:cNvPr id="7" name="Picture 6">
+            <a:extLst>
+              <a:ext uri="{FF2B5EF4-FFF2-40B4-BE49-F238E27FC236}">
+                <a16:creationId xmlns:a16="http://schemas.microsoft.com/office/drawing/2014/main" id="{2DDC30BF-76A5-1093-DE1B-4856A1BE6937}"/>
+              </a:ext>
+            </a:extLst>
+          </p:cNvPr>
+          <p:cNvPicPr>
+            <a:picLocks noChangeAspect="1"/>
+          </p:cNvPicPr>
+          <p:nvPr/>
+        </p:nvPicPr>
+        <p:blipFill>
+          <a:blip r:embed="rId4">
+            <a:extLst>
+              <a:ext uri="{28A0092B-C50C-407E-A947-70E740481C1C}">
+                <a14:useLocalDpi xmlns:a14="http://schemas.microsoft.com/office/drawing/2010/main" val="0"/>
+              </a:ext>
+            </a:extLst>
+          </a:blip>
+          <a:stretch>
+            <a:fillRect/>
+          </a:stretch>
+        </p:blipFill>
+        <p:spPr>
+          <a:xfrm>
+            <a:off x="4525605" y="2047500"/>
+            <a:ext cx="3140788" cy="2355591"/>
+          </a:xfrm>
+          <a:prstGeom prst="rect">
+            <a:avLst/>
+          </a:prstGeom>
+        </p:spPr>
+      </p:pic>
+      <p:pic>
+        <p:nvPicPr>
+          <p:cNvPr id="8" name="Picture 7">
+            <a:extLst>
+              <a:ext uri="{FF2B5EF4-FFF2-40B4-BE49-F238E27FC236}">
+                <a16:creationId xmlns:a16="http://schemas.microsoft.com/office/drawing/2014/main" id="{FC8261EB-6DB3-591A-A668-79C9C94C47D3}"/>
+              </a:ext>
+            </a:extLst>
+          </p:cNvPr>
+          <p:cNvPicPr>
+            <a:picLocks noChangeAspect="1"/>
+          </p:cNvPicPr>
+          <p:nvPr/>
+        </p:nvPicPr>
+        <p:blipFill>
+          <a:blip r:embed="rId5">
+            <a:extLst>
+              <a:ext uri="{28A0092B-C50C-407E-A947-70E740481C1C}">
+                <a14:useLocalDpi xmlns:a14="http://schemas.microsoft.com/office/drawing/2010/main" val="0"/>
+              </a:ext>
+            </a:extLst>
+          </a:blip>
+          <a:stretch>
+            <a:fillRect/>
+          </a:stretch>
+        </p:blipFill>
+        <p:spPr>
+          <a:xfrm>
+            <a:off x="8558351" y="2047500"/>
+            <a:ext cx="3140787" cy="2355590"/>
+          </a:xfrm>
+          <a:prstGeom prst="rect">
+            <a:avLst/>
+          </a:prstGeom>
+        </p:spPr>
+      </p:pic>
+      <p:sp>
+        <p:nvSpPr>
+          <p:cNvPr id="9" name="Arrow: Curved Right 8">
+            <a:extLst>
+              <a:ext uri="{FF2B5EF4-FFF2-40B4-BE49-F238E27FC236}">
+                <a16:creationId xmlns:a16="http://schemas.microsoft.com/office/drawing/2014/main" id="{E0216815-CBD8-36D5-79A7-1B2F7953E474}"/>
+              </a:ext>
+            </a:extLst>
+          </p:cNvPr>
+          <p:cNvSpPr/>
+          <p:nvPr/>
+        </p:nvSpPr>
+        <p:spPr>
+          <a:xfrm rot="16200000">
+            <a:off x="3646172" y="3786503"/>
+            <a:ext cx="836774" cy="2386487"/>
+          </a:xfrm>
+          <a:prstGeom prst="curvedRightArrow">
+            <a:avLst/>
+          </a:prstGeom>
+          <a:solidFill>
+            <a:schemeClr val="bg1">
+              <a:lumMod val="75000"/>
+              <a:alpha val="80000"/>
+            </a:schemeClr>
+          </a:solidFill>
+          <a:ln>
+            <a:noFill/>
+          </a:ln>
+        </p:spPr>
+        <p:style>
+          <a:lnRef idx="2">
+            <a:schemeClr val="accent1">
+              <a:shade val="15000"/>
+            </a:schemeClr>
+          </a:lnRef>
+          <a:fillRef idx="1">
+            <a:schemeClr val="accent1"/>
+          </a:fillRef>
+          <a:effectRef idx="0">
+            <a:schemeClr val="accent1"/>
+          </a:effectRef>
+          <a:fontRef idx="minor">
+            <a:schemeClr val="lt1"/>
+          </a:fontRef>
+        </p:style>
+        <p:txBody>
+          <a:bodyPr rtlCol="0" anchor="ctr"/>
+          <a:lstStyle/>
+          <a:p>
+            <a:pPr algn="ctr"/>
+            <a:endParaRPr lang="zh-CN" altLang="en-US">
+              <a:solidFill>
+                <a:schemeClr val="tx1"/>
+              </a:solidFill>
+            </a:endParaRPr>
+          </a:p>
+        </p:txBody>
+      </p:sp>
+      <p:sp>
+        <p:nvSpPr>
+          <p:cNvPr id="10" name="Arrow: Curved Right 9">
+            <a:extLst>
+              <a:ext uri="{FF2B5EF4-FFF2-40B4-BE49-F238E27FC236}">
+                <a16:creationId xmlns:a16="http://schemas.microsoft.com/office/drawing/2014/main" id="{8EEEE86E-A626-05A4-33BE-6C95B8448AD8}"/>
+              </a:ext>
+            </a:extLst>
+          </p:cNvPr>
+          <p:cNvSpPr/>
+          <p:nvPr/>
+        </p:nvSpPr>
+        <p:spPr>
+          <a:xfrm rot="16200000">
+            <a:off x="7852413" y="3786503"/>
+            <a:ext cx="836774" cy="2386487"/>
+          </a:xfrm>
+          <a:prstGeom prst="curvedRightArrow">
+            <a:avLst/>
+          </a:prstGeom>
+          <a:solidFill>
+            <a:schemeClr val="bg1">
+              <a:lumMod val="75000"/>
+              <a:alpha val="80000"/>
+            </a:schemeClr>
+          </a:solidFill>
+          <a:ln>
+            <a:noFill/>
+          </a:ln>
+        </p:spPr>
+        <p:style>
+          <a:lnRef idx="2">
+            <a:schemeClr val="accent1">
+              <a:shade val="15000"/>
+            </a:schemeClr>
+          </a:lnRef>
+          <a:fillRef idx="1">
+            <a:schemeClr val="accent1"/>
+          </a:fillRef>
+          <a:effectRef idx="0">
+            <a:schemeClr val="accent1"/>
+          </a:effectRef>
+          <a:fontRef idx="minor">
+            <a:schemeClr val="lt1"/>
+          </a:fontRef>
+        </p:style>
+        <p:txBody>
+          <a:bodyPr rtlCol="0" anchor="ctr"/>
+          <a:lstStyle/>
+          <a:p>
+            <a:pPr algn="ctr"/>
+            <a:endParaRPr lang="zh-CN" altLang="en-US">
+              <a:solidFill>
+                <a:schemeClr val="tx1"/>
+              </a:solidFill>
+            </a:endParaRPr>
+          </a:p>
+        </p:txBody>
+      </p:sp>
+      <p:sp>
+        <p:nvSpPr>
+          <p:cNvPr id="11" name="TextBox 10">
+            <a:extLst>
+              <a:ext uri="{FF2B5EF4-FFF2-40B4-BE49-F238E27FC236}">
+                <a16:creationId xmlns:a16="http://schemas.microsoft.com/office/drawing/2014/main" id="{C0926909-CC49-B916-C226-13CA5D4A0583}"/>
+              </a:ext>
+            </a:extLst>
+          </p:cNvPr>
+          <p:cNvSpPr txBox="1"/>
+          <p:nvPr/>
+        </p:nvSpPr>
+        <p:spPr>
+          <a:xfrm>
+            <a:off x="1359552" y="5636932"/>
+            <a:ext cx="9288780" cy="1077218"/>
+          </a:xfrm>
+          <a:prstGeom prst="rect">
+            <a:avLst/>
+          </a:prstGeom>
+          <a:noFill/>
+        </p:spPr>
+        <p:txBody>
+          <a:bodyPr wrap="square" rtlCol="0">
+            <a:spAutoFit/>
+          </a:bodyPr>
+          <a:lstStyle/>
+          <a:p>
+            <a:pPr algn="ctr"/>
+            <a:r>
+              <a:rPr lang="en-US" altLang="zh-CN" sz="3200" dirty="0">
+                <a:solidFill>
+                  <a:schemeClr val="accent2">
+                    <a:lumMod val="60000"/>
+                    <a:lumOff val="40000"/>
+                  </a:schemeClr>
+                </a:solidFill>
+                <a:latin typeface="High Tower Text" panose="02040502050506030303" pitchFamily="18" charset="0"/>
+              </a:rPr>
+              <a:t>When</a:t>
+            </a:r>
+            <a:r>
+              <a:rPr lang="en-US" altLang="zh-CN" sz="3200" dirty="0">
+                <a:solidFill>
+                  <a:schemeClr val="bg1">
+                    <a:lumMod val="75000"/>
+                  </a:schemeClr>
+                </a:solidFill>
+                <a:latin typeface="High Tower Text" panose="02040502050506030303" pitchFamily="18" charset="0"/>
+              </a:rPr>
+              <a:t> switch to a new backdrop, go to </a:t>
+            </a:r>
+            <a:r>
+              <a:rPr lang="en-US" altLang="zh-CN" sz="3200" dirty="0">
+                <a:solidFill>
+                  <a:schemeClr val="accent2">
+                    <a:lumMod val="60000"/>
+                    <a:lumOff val="40000"/>
+                  </a:schemeClr>
+                </a:solidFill>
+                <a:latin typeface="High Tower Text" panose="02040502050506030303" pitchFamily="18" charset="0"/>
+              </a:rPr>
+              <a:t>random</a:t>
+            </a:r>
+            <a:r>
+              <a:rPr lang="en-US" altLang="zh-CN" sz="3200" dirty="0">
+                <a:solidFill>
+                  <a:schemeClr val="bg1">
+                    <a:lumMod val="75000"/>
+                  </a:schemeClr>
+                </a:solidFill>
+                <a:latin typeface="High Tower Text" panose="02040502050506030303" pitchFamily="18" charset="0"/>
+              </a:rPr>
+              <a:t> position</a:t>
+            </a:r>
+            <a:endParaRPr lang="zh-CN" altLang="en-US" sz="3200" dirty="0">
+              <a:solidFill>
+                <a:schemeClr val="bg1">
+                  <a:lumMod val="75000"/>
+                </a:schemeClr>
+              </a:solidFill>
+              <a:latin typeface="High Tower Text" panose="02040502050506030303" pitchFamily="18" charset="0"/>
+            </a:endParaRPr>
+          </a:p>
+        </p:txBody>
+      </p:sp>
+      <p:pic>
+        <p:nvPicPr>
+          <p:cNvPr id="12" name="Graphic 11">
+            <a:extLst>
+              <a:ext uri="{FF2B5EF4-FFF2-40B4-BE49-F238E27FC236}">
+                <a16:creationId xmlns:a16="http://schemas.microsoft.com/office/drawing/2014/main" id="{95C434C8-6CAE-0DBA-9F74-2A25F3C8CD0F}"/>
+              </a:ext>
+            </a:extLst>
+          </p:cNvPr>
+          <p:cNvPicPr>
+            <a:picLocks noChangeAspect="1"/>
+          </p:cNvPicPr>
+          <p:nvPr/>
+        </p:nvPicPr>
+        <p:blipFill>
+          <a:blip r:embed="rId6">
+            <a:alphaModFix amt="80000"/>
+            <a:extLst>
+              <a:ext uri="{96DAC541-7B7A-43D3-8B79-37D633B846F1}">
+                <asvg:svgBlip xmlns:asvg="http://schemas.microsoft.com/office/drawing/2016/SVG/main" r:embed="rId7"/>
+              </a:ext>
+            </a:extLst>
+          </a:blip>
+          <a:stretch>
+            <a:fillRect/>
+          </a:stretch>
+        </p:blipFill>
+        <p:spPr>
+          <a:xfrm>
+            <a:off x="626074" y="2143832"/>
+            <a:ext cx="1294166" cy="956954"/>
+          </a:xfrm>
+          <a:prstGeom prst="rect">
+            <a:avLst/>
+          </a:prstGeom>
+        </p:spPr>
+      </p:pic>
+      <p:pic>
+        <p:nvPicPr>
+          <p:cNvPr id="13" name="Graphic 12">
+            <a:extLst>
+              <a:ext uri="{FF2B5EF4-FFF2-40B4-BE49-F238E27FC236}">
+                <a16:creationId xmlns:a16="http://schemas.microsoft.com/office/drawing/2014/main" id="{01C40475-0738-80F8-8F8B-BDD12B9EFB4B}"/>
+              </a:ext>
+            </a:extLst>
+          </p:cNvPr>
+          <p:cNvPicPr>
+            <a:picLocks noChangeAspect="1"/>
+          </p:cNvPicPr>
+          <p:nvPr/>
+        </p:nvPicPr>
+        <p:blipFill>
+          <a:blip r:embed="rId6">
+            <a:alphaModFix amt="80000"/>
+            <a:extLst>
+              <a:ext uri="{96DAC541-7B7A-43D3-8B79-37D633B846F1}">
+                <asvg:svgBlip xmlns:asvg="http://schemas.microsoft.com/office/drawing/2016/SVG/main" r:embed="rId7"/>
+              </a:ext>
+            </a:extLst>
+          </a:blip>
+          <a:stretch>
+            <a:fillRect/>
+          </a:stretch>
+        </p:blipFill>
+        <p:spPr>
+          <a:xfrm>
+            <a:off x="4709776" y="3468195"/>
+            <a:ext cx="1294166" cy="956954"/>
+          </a:xfrm>
+          <a:prstGeom prst="rect">
+            <a:avLst/>
+          </a:prstGeom>
+        </p:spPr>
+      </p:pic>
+      <p:pic>
+        <p:nvPicPr>
+          <p:cNvPr id="14" name="Graphic 13">
+            <a:extLst>
+              <a:ext uri="{FF2B5EF4-FFF2-40B4-BE49-F238E27FC236}">
+                <a16:creationId xmlns:a16="http://schemas.microsoft.com/office/drawing/2014/main" id="{6BCF0B12-ECFA-DB41-0BEF-54EA29CA523C}"/>
+              </a:ext>
+            </a:extLst>
+          </p:cNvPr>
+          <p:cNvPicPr>
+            <a:picLocks noChangeAspect="1"/>
+          </p:cNvPicPr>
+          <p:nvPr/>
+        </p:nvPicPr>
+        <p:blipFill>
+          <a:blip r:embed="rId6">
+            <a:alphaModFix amt="80000"/>
+            <a:extLst>
+              <a:ext uri="{96DAC541-7B7A-43D3-8B79-37D633B846F1}">
+                <asvg:svgBlip xmlns:asvg="http://schemas.microsoft.com/office/drawing/2016/SVG/main" r:embed="rId7"/>
+              </a:ext>
+            </a:extLst>
+          </a:blip>
+          <a:stretch>
+            <a:fillRect/>
+          </a:stretch>
+        </p:blipFill>
+        <p:spPr>
+          <a:xfrm>
+            <a:off x="10225423" y="2441012"/>
+            <a:ext cx="1294166" cy="956954"/>
+          </a:xfrm>
+          <a:prstGeom prst="rect">
+            <a:avLst/>
+          </a:prstGeom>
+        </p:spPr>
+      </p:pic>
+    </p:spTree>
+    <p:extLst>
+      <p:ext uri="{BB962C8B-B14F-4D97-AF65-F5344CB8AC3E}">
+        <p14:creationId xmlns:p14="http://schemas.microsoft.com/office/powerpoint/2010/main" val="4018820594"/>
+      </p:ext>
+    </p:extLst>
+  </p:cSld>
+  <p:clrMapOvr>
+    <a:masterClrMapping/>
+  </p:clrMapOvr>
+</p:sld>
+</file>
+
+<file path=ppt/slides/slide22.xml><?xml version="1.0" encoding="utf-8"?>
+<p:sld xmlns:a="http://schemas.openxmlformats.org/drawingml/2006/main" xmlns:r="http://schemas.openxmlformats.org/officeDocument/2006/relationships" xmlns:p="http://schemas.openxmlformats.org/presentationml/2006/main">
+  <p:cSld>
+    <p:spTree>
+      <p:nvGrpSpPr>
+        <p:cNvPr id="1" name="">
+          <a:extLst>
+            <a:ext uri="{FF2B5EF4-FFF2-40B4-BE49-F238E27FC236}">
+              <a16:creationId xmlns:a16="http://schemas.microsoft.com/office/drawing/2014/main" id="{4EFF08C5-4FB1-1227-2170-FAF1495EBE23}"/>
+            </a:ext>
+          </a:extLst>
+        </p:cNvPr>
+        <p:cNvGrpSpPr/>
+        <p:nvPr/>
+      </p:nvGrpSpPr>
+      <p:grpSpPr>
+        <a:xfrm>
+          <a:off x="0" y="0"/>
+          <a:ext cx="0" cy="0"/>
+          <a:chOff x="0" y="0"/>
+          <a:chExt cx="0" cy="0"/>
+        </a:xfrm>
+      </p:grpSpPr>
+      <p:sp>
+        <p:nvSpPr>
+          <p:cNvPr id="6" name="Rectangle 5">
+            <a:extLst>
+              <a:ext uri="{FF2B5EF4-FFF2-40B4-BE49-F238E27FC236}">
+                <a16:creationId xmlns:a16="http://schemas.microsoft.com/office/drawing/2014/main" id="{8D2517F3-784E-608C-CCB8-30F3C56ACE10}"/>
+              </a:ext>
+            </a:extLst>
+          </p:cNvPr>
+          <p:cNvSpPr/>
+          <p:nvPr/>
+        </p:nvSpPr>
+        <p:spPr>
+          <a:xfrm>
+            <a:off x="0" y="0"/>
+            <a:ext cx="12192000" cy="6858000"/>
+          </a:xfrm>
+          <a:prstGeom prst="rect">
+            <a:avLst/>
+          </a:prstGeom>
+          <a:solidFill>
+            <a:srgbClr val="23242A"/>
+          </a:solidFill>
+          <a:ln>
+            <a:noFill/>
+          </a:ln>
+        </p:spPr>
+        <p:style>
+          <a:lnRef idx="2">
+            <a:schemeClr val="accent1">
+              <a:shade val="15000"/>
+            </a:schemeClr>
+          </a:lnRef>
+          <a:fillRef idx="1">
+            <a:schemeClr val="accent1"/>
+          </a:fillRef>
+          <a:effectRef idx="0">
+            <a:schemeClr val="accent1"/>
+          </a:effectRef>
+          <a:fontRef idx="minor">
+            <a:schemeClr val="lt1"/>
+          </a:fontRef>
+        </p:style>
+        <p:txBody>
+          <a:bodyPr rtlCol="0" anchor="ctr"/>
+          <a:lstStyle/>
+          <a:p>
+            <a:pPr algn="ctr"/>
+            <a:endParaRPr lang="zh-CN" altLang="en-US" dirty="0"/>
+          </a:p>
+        </p:txBody>
+      </p:sp>
+      <p:sp>
+        <p:nvSpPr>
+          <p:cNvPr id="2" name="Slide Number Placeholder 1">
+            <a:extLst>
+              <a:ext uri="{FF2B5EF4-FFF2-40B4-BE49-F238E27FC236}">
+                <a16:creationId xmlns:a16="http://schemas.microsoft.com/office/drawing/2014/main" id="{4FF7EA0A-4F38-AF8A-4F18-4B67FB439B6D}"/>
+              </a:ext>
+            </a:extLst>
+          </p:cNvPr>
+          <p:cNvSpPr>
+            <a:spLocks noGrp="1"/>
+          </p:cNvSpPr>
+          <p:nvPr>
+            <p:ph type="sldNum" sz="quarter" idx="12"/>
+          </p:nvPr>
+        </p:nvSpPr>
+        <p:spPr>
+          <a:xfrm>
+            <a:off x="9057739" y="6259509"/>
+            <a:ext cx="2743200" cy="365125"/>
+          </a:xfrm>
+        </p:spPr>
+        <p:txBody>
+          <a:bodyPr/>
+          <a:lstStyle/>
+          <a:p>
+            <a:fld id="{9B1EC109-1E15-4BCA-93B5-56442BB3443E}" type="slidenum">
+              <a:rPr lang="zh-CN" altLang="en-US" sz="2400" b="1" smtClean="0">
+                <a:solidFill>
+                  <a:schemeClr val="bg1">
+                    <a:lumMod val="65000"/>
+                  </a:schemeClr>
+                </a:solidFill>
+                <a:latin typeface="Bradley Hand ITC" panose="03070402050302030203" pitchFamily="66" charset="0"/>
+              </a:rPr>
+              <a:t>22</a:t>
+            </a:fld>
+            <a:endParaRPr lang="zh-CN" altLang="en-US" sz="2400" b="1" dirty="0">
+              <a:solidFill>
+                <a:schemeClr val="bg1">
+                  <a:lumMod val="65000"/>
+                </a:schemeClr>
+              </a:solidFill>
+              <a:latin typeface="Bradley Hand ITC" panose="03070402050302030203" pitchFamily="66" charset="0"/>
+            </a:endParaRPr>
+          </a:p>
+        </p:txBody>
+      </p:sp>
+      <p:sp>
+        <p:nvSpPr>
+          <p:cNvPr id="4" name="Google Shape;867;p33">
+            <a:extLst>
+              <a:ext uri="{FF2B5EF4-FFF2-40B4-BE49-F238E27FC236}">
+                <a16:creationId xmlns:a16="http://schemas.microsoft.com/office/drawing/2014/main" id="{82D63FCC-8DB9-D252-795B-35D96751B7DF}"/>
+              </a:ext>
+            </a:extLst>
+          </p:cNvPr>
+          <p:cNvSpPr txBox="1">
+            <a:spLocks/>
+          </p:cNvSpPr>
+          <p:nvPr/>
+        </p:nvSpPr>
+        <p:spPr>
+          <a:xfrm>
+            <a:off x="2222600" y="143850"/>
+            <a:ext cx="7746800" cy="1602400"/>
+          </a:xfrm>
+          <a:prstGeom prst="rect">
+            <a:avLst/>
+          </a:prstGeom>
+          <a:noFill/>
+          <a:ln>
+            <a:noFill/>
+          </a:ln>
+        </p:spPr>
+        <p:txBody>
+          <a:bodyPr spcFirstLastPara="1" wrap="square" lIns="91425" tIns="91425" rIns="91425" bIns="91425" anchor="b" anchorCtr="0">
+            <a:noAutofit/>
+          </a:bodyPr>
+          <a:lstStyle>
+            <a:defPPr marR="0" lvl="0" algn="l" rtl="0">
+              <a:lnSpc>
+                <a:spcPct val="100000"/>
+              </a:lnSpc>
+              <a:spcBef>
+                <a:spcPts val="0"/>
+              </a:spcBef>
+              <a:spcAft>
+                <a:spcPts val="0"/>
+              </a:spcAft>
+            </a:defPPr>
+            <a:lvl1pPr marR="0" lvl="0" algn="l" rtl="0">
+              <a:lnSpc>
+                <a:spcPct val="100000"/>
+              </a:lnSpc>
+              <a:spcBef>
+                <a:spcPts val="0"/>
+              </a:spcBef>
+              <a:spcAft>
+                <a:spcPts val="0"/>
+              </a:spcAft>
+              <a:buClr>
+                <a:schemeClr val="dk1"/>
+              </a:buClr>
+              <a:buSzPts val="3600"/>
+              <a:buFont typeface="Barlow"/>
+              <a:buNone/>
+              <a:defRPr sz="7200" b="1" i="0" u="none" strike="noStrike" cap="none">
+                <a:solidFill>
+                  <a:schemeClr val="dk1"/>
+                </a:solidFill>
+                <a:latin typeface="Barlow"/>
+                <a:ea typeface="Barlow"/>
+                <a:cs typeface="Barlow"/>
+                <a:sym typeface="Barlow"/>
+              </a:defRPr>
+            </a:lvl1pPr>
+            <a:lvl2pPr marR="0" lvl="1" algn="ctr" rtl="0">
+              <a:lnSpc>
+                <a:spcPct val="100000"/>
+              </a:lnSpc>
+              <a:spcBef>
+                <a:spcPts val="0"/>
+              </a:spcBef>
+              <a:spcAft>
+                <a:spcPts val="0"/>
+              </a:spcAft>
+              <a:buClr>
+                <a:schemeClr val="dk1"/>
+              </a:buClr>
+              <a:buSzPts val="3600"/>
+              <a:buFont typeface="Barlow"/>
+              <a:buNone/>
+              <a:defRPr sz="3600" b="1" i="0" u="none" strike="noStrike" cap="none">
+                <a:solidFill>
+                  <a:schemeClr val="dk1"/>
+                </a:solidFill>
+                <a:latin typeface="Barlow"/>
+                <a:ea typeface="Barlow"/>
+                <a:cs typeface="Barlow"/>
+                <a:sym typeface="Barlow"/>
+              </a:defRPr>
+            </a:lvl2pPr>
+            <a:lvl3pPr marR="0" lvl="2" algn="ctr" rtl="0">
+              <a:lnSpc>
+                <a:spcPct val="100000"/>
+              </a:lnSpc>
+              <a:spcBef>
+                <a:spcPts val="0"/>
+              </a:spcBef>
+              <a:spcAft>
+                <a:spcPts val="0"/>
+              </a:spcAft>
+              <a:buClr>
+                <a:schemeClr val="dk1"/>
+              </a:buClr>
+              <a:buSzPts val="3600"/>
+              <a:buFont typeface="Barlow"/>
+              <a:buNone/>
+              <a:defRPr sz="3600" b="1" i="0" u="none" strike="noStrike" cap="none">
+                <a:solidFill>
+                  <a:schemeClr val="dk1"/>
+                </a:solidFill>
+                <a:latin typeface="Barlow"/>
+                <a:ea typeface="Barlow"/>
+                <a:cs typeface="Barlow"/>
+                <a:sym typeface="Barlow"/>
+              </a:defRPr>
+            </a:lvl3pPr>
+            <a:lvl4pPr marR="0" lvl="3" algn="ctr" rtl="0">
+              <a:lnSpc>
+                <a:spcPct val="100000"/>
+              </a:lnSpc>
+              <a:spcBef>
+                <a:spcPts val="0"/>
+              </a:spcBef>
+              <a:spcAft>
+                <a:spcPts val="0"/>
+              </a:spcAft>
+              <a:buClr>
+                <a:schemeClr val="dk1"/>
+              </a:buClr>
+              <a:buSzPts val="3600"/>
+              <a:buFont typeface="Barlow"/>
+              <a:buNone/>
+              <a:defRPr sz="3600" b="1" i="0" u="none" strike="noStrike" cap="none">
+                <a:solidFill>
+                  <a:schemeClr val="dk1"/>
+                </a:solidFill>
+                <a:latin typeface="Barlow"/>
+                <a:ea typeface="Barlow"/>
+                <a:cs typeface="Barlow"/>
+                <a:sym typeface="Barlow"/>
+              </a:defRPr>
+            </a:lvl4pPr>
+            <a:lvl5pPr marR="0" lvl="4" algn="ctr" rtl="0">
+              <a:lnSpc>
+                <a:spcPct val="100000"/>
+              </a:lnSpc>
+              <a:spcBef>
+                <a:spcPts val="0"/>
+              </a:spcBef>
+              <a:spcAft>
+                <a:spcPts val="0"/>
+              </a:spcAft>
+              <a:buClr>
+                <a:schemeClr val="dk1"/>
+              </a:buClr>
+              <a:buSzPts val="3600"/>
+              <a:buFont typeface="Barlow"/>
+              <a:buNone/>
+              <a:defRPr sz="3600" b="1" i="0" u="none" strike="noStrike" cap="none">
+                <a:solidFill>
+                  <a:schemeClr val="dk1"/>
+                </a:solidFill>
+                <a:latin typeface="Barlow"/>
+                <a:ea typeface="Barlow"/>
+                <a:cs typeface="Barlow"/>
+                <a:sym typeface="Barlow"/>
+              </a:defRPr>
+            </a:lvl5pPr>
+            <a:lvl6pPr marR="0" lvl="5" algn="ctr" rtl="0">
+              <a:lnSpc>
+                <a:spcPct val="100000"/>
+              </a:lnSpc>
+              <a:spcBef>
+                <a:spcPts val="0"/>
+              </a:spcBef>
+              <a:spcAft>
+                <a:spcPts val="0"/>
+              </a:spcAft>
+              <a:buClr>
+                <a:schemeClr val="dk1"/>
+              </a:buClr>
+              <a:buSzPts val="3600"/>
+              <a:buFont typeface="Barlow"/>
+              <a:buNone/>
+              <a:defRPr sz="3600" b="1" i="0" u="none" strike="noStrike" cap="none">
+                <a:solidFill>
+                  <a:schemeClr val="dk1"/>
+                </a:solidFill>
+                <a:latin typeface="Barlow"/>
+                <a:ea typeface="Barlow"/>
+                <a:cs typeface="Barlow"/>
+                <a:sym typeface="Barlow"/>
+              </a:defRPr>
+            </a:lvl6pPr>
+            <a:lvl7pPr marR="0" lvl="6" algn="ctr" rtl="0">
+              <a:lnSpc>
+                <a:spcPct val="100000"/>
+              </a:lnSpc>
+              <a:spcBef>
+                <a:spcPts val="0"/>
+              </a:spcBef>
+              <a:spcAft>
+                <a:spcPts val="0"/>
+              </a:spcAft>
+              <a:buClr>
+                <a:schemeClr val="dk1"/>
+              </a:buClr>
+              <a:buSzPts val="3600"/>
+              <a:buFont typeface="Barlow"/>
+              <a:buNone/>
+              <a:defRPr sz="3600" b="1" i="0" u="none" strike="noStrike" cap="none">
+                <a:solidFill>
+                  <a:schemeClr val="dk1"/>
+                </a:solidFill>
+                <a:latin typeface="Barlow"/>
+                <a:ea typeface="Barlow"/>
+                <a:cs typeface="Barlow"/>
+                <a:sym typeface="Barlow"/>
+              </a:defRPr>
+            </a:lvl7pPr>
+            <a:lvl8pPr marR="0" lvl="7" algn="ctr" rtl="0">
+              <a:lnSpc>
+                <a:spcPct val="100000"/>
+              </a:lnSpc>
+              <a:spcBef>
+                <a:spcPts val="0"/>
+              </a:spcBef>
+              <a:spcAft>
+                <a:spcPts val="0"/>
+              </a:spcAft>
+              <a:buClr>
+                <a:schemeClr val="dk1"/>
+              </a:buClr>
+              <a:buSzPts val="3600"/>
+              <a:buFont typeface="Barlow"/>
+              <a:buNone/>
+              <a:defRPr sz="3600" b="1" i="0" u="none" strike="noStrike" cap="none">
+                <a:solidFill>
+                  <a:schemeClr val="dk1"/>
+                </a:solidFill>
+                <a:latin typeface="Barlow"/>
+                <a:ea typeface="Barlow"/>
+                <a:cs typeface="Barlow"/>
+                <a:sym typeface="Barlow"/>
+              </a:defRPr>
+            </a:lvl8pPr>
+            <a:lvl9pPr marR="0" lvl="8" algn="ctr" rtl="0">
+              <a:lnSpc>
+                <a:spcPct val="100000"/>
+              </a:lnSpc>
+              <a:spcBef>
+                <a:spcPts val="0"/>
+              </a:spcBef>
+              <a:spcAft>
+                <a:spcPts val="0"/>
+              </a:spcAft>
+              <a:buClr>
+                <a:schemeClr val="dk1"/>
+              </a:buClr>
+              <a:buSzPts val="3600"/>
+              <a:buFont typeface="Barlow"/>
+              <a:buNone/>
+              <a:defRPr sz="3600" b="1" i="0" u="none" strike="noStrike" cap="none">
+                <a:solidFill>
+                  <a:schemeClr val="dk1"/>
+                </a:solidFill>
+                <a:latin typeface="Barlow"/>
+                <a:ea typeface="Barlow"/>
+                <a:cs typeface="Barlow"/>
+                <a:sym typeface="Barlow"/>
+              </a:defRPr>
+            </a:lvl9pPr>
+          </a:lstStyle>
+          <a:p>
+            <a:pPr algn="ctr"/>
+            <a:r>
+              <a:rPr lang="en-US" altLang="zh-CN" sz="8000" spc="300" dirty="0">
+                <a:solidFill>
+                  <a:schemeClr val="accent4">
+                    <a:lumMod val="60000"/>
+                    <a:lumOff val="40000"/>
+                    <a:alpha val="60000"/>
+                  </a:schemeClr>
+                </a:solidFill>
+                <a:latin typeface="Amatic SC" panose="020F0502020204030204" pitchFamily="2" charset="-79"/>
+                <a:cs typeface="Amatic SC" panose="020F0502020204030204" pitchFamily="2" charset="-79"/>
+              </a:rPr>
+              <a:t>Show Up Randomly</a:t>
+            </a:r>
+          </a:p>
+        </p:txBody>
+      </p:sp>
+      <p:pic>
+        <p:nvPicPr>
+          <p:cNvPr id="5" name="Picture 4">
+            <a:extLst>
+              <a:ext uri="{FF2B5EF4-FFF2-40B4-BE49-F238E27FC236}">
+                <a16:creationId xmlns:a16="http://schemas.microsoft.com/office/drawing/2014/main" id="{28C25059-CF4F-F5D9-59BE-A5FCBF363721}"/>
+              </a:ext>
+            </a:extLst>
+          </p:cNvPr>
+          <p:cNvPicPr>
+            <a:picLocks noChangeAspect="1"/>
+          </p:cNvPicPr>
+          <p:nvPr/>
+        </p:nvPicPr>
+        <p:blipFill>
+          <a:blip r:embed="rId2">
+            <a:extLst>
+              <a:ext uri="{28A0092B-C50C-407E-A947-70E740481C1C}">
+                <a14:useLocalDpi xmlns:a14="http://schemas.microsoft.com/office/drawing/2010/main" val="0"/>
+              </a:ext>
+            </a:extLst>
+          </a:blip>
+          <a:stretch>
+            <a:fillRect/>
+          </a:stretch>
+        </p:blipFill>
+        <p:spPr>
+          <a:xfrm>
+            <a:off x="1988914" y="2766008"/>
+            <a:ext cx="2626994" cy="1331866"/>
+          </a:xfrm>
+          <a:prstGeom prst="rect">
+            <a:avLst/>
+          </a:prstGeom>
+        </p:spPr>
+      </p:pic>
+      <p:pic>
+        <p:nvPicPr>
+          <p:cNvPr id="8" name="Picture 7">
+            <a:extLst>
+              <a:ext uri="{FF2B5EF4-FFF2-40B4-BE49-F238E27FC236}">
+                <a16:creationId xmlns:a16="http://schemas.microsoft.com/office/drawing/2014/main" id="{818C1375-0C18-2F9A-DCA9-F43164EE965E}"/>
+              </a:ext>
+            </a:extLst>
+          </p:cNvPr>
+          <p:cNvPicPr>
+            <a:picLocks noChangeAspect="1"/>
+          </p:cNvPicPr>
+          <p:nvPr/>
+        </p:nvPicPr>
+        <p:blipFill>
+          <a:blip r:embed="rId3">
+            <a:extLst>
+              <a:ext uri="{28A0092B-C50C-407E-A947-70E740481C1C}">
+                <a14:useLocalDpi xmlns:a14="http://schemas.microsoft.com/office/drawing/2010/main" val="0"/>
+              </a:ext>
+            </a:extLst>
+          </a:blip>
+          <a:stretch>
+            <a:fillRect/>
+          </a:stretch>
+        </p:blipFill>
+        <p:spPr>
+          <a:xfrm>
+            <a:off x="6887196" y="2756005"/>
+            <a:ext cx="3315890" cy="1331866"/>
+          </a:xfrm>
+          <a:prstGeom prst="rect">
+            <a:avLst/>
+          </a:prstGeom>
+        </p:spPr>
+      </p:pic>
+      <p:sp>
+        <p:nvSpPr>
+          <p:cNvPr id="9" name="TextBox 8">
+            <a:extLst>
+              <a:ext uri="{FF2B5EF4-FFF2-40B4-BE49-F238E27FC236}">
+                <a16:creationId xmlns:a16="http://schemas.microsoft.com/office/drawing/2014/main" id="{713EE42E-3253-D47A-08CF-01DC966DBF55}"/>
+              </a:ext>
+            </a:extLst>
+          </p:cNvPr>
+          <p:cNvSpPr txBox="1"/>
+          <p:nvPr/>
+        </p:nvSpPr>
+        <p:spPr>
+          <a:xfrm>
+            <a:off x="1659348" y="4505809"/>
+            <a:ext cx="3750946" cy="1077218"/>
+          </a:xfrm>
+          <a:prstGeom prst="rect">
+            <a:avLst/>
+          </a:prstGeom>
+          <a:noFill/>
+        </p:spPr>
+        <p:txBody>
+          <a:bodyPr wrap="square" rtlCol="0">
+            <a:spAutoFit/>
+          </a:bodyPr>
+          <a:lstStyle/>
+          <a:p>
+            <a:pPr algn="ctr"/>
+            <a:r>
+              <a:rPr lang="en-US" altLang="zh-CN" sz="3200" dirty="0">
+                <a:solidFill>
+                  <a:schemeClr val="accent2">
+                    <a:lumMod val="60000"/>
+                    <a:lumOff val="40000"/>
+                  </a:schemeClr>
+                </a:solidFill>
+                <a:latin typeface="High Tower Text" panose="02040502050506030303" pitchFamily="18" charset="0"/>
+              </a:rPr>
+              <a:t>When</a:t>
+            </a:r>
+            <a:r>
+              <a:rPr lang="en-US" altLang="zh-CN" sz="3200" dirty="0">
+                <a:solidFill>
+                  <a:schemeClr val="bg1">
+                    <a:lumMod val="75000"/>
+                  </a:schemeClr>
+                </a:solidFill>
+                <a:latin typeface="High Tower Text" panose="02040502050506030303" pitchFamily="18" charset="0"/>
+              </a:rPr>
+              <a:t> Go button is clicked, we do …</a:t>
+            </a:r>
+            <a:endParaRPr lang="zh-CN" altLang="en-US" sz="3200" dirty="0">
+              <a:solidFill>
+                <a:schemeClr val="bg1">
+                  <a:lumMod val="75000"/>
+                </a:schemeClr>
+              </a:solidFill>
+              <a:latin typeface="High Tower Text" panose="02040502050506030303" pitchFamily="18" charset="0"/>
+            </a:endParaRPr>
+          </a:p>
+        </p:txBody>
+      </p:sp>
+      <p:sp>
+        <p:nvSpPr>
+          <p:cNvPr id="11" name="TextBox 10">
+            <a:extLst>
+              <a:ext uri="{FF2B5EF4-FFF2-40B4-BE49-F238E27FC236}">
+                <a16:creationId xmlns:a16="http://schemas.microsoft.com/office/drawing/2014/main" id="{0D58D18A-708D-6A8D-0F37-D8498EF4B9FB}"/>
+              </a:ext>
+            </a:extLst>
+          </p:cNvPr>
+          <p:cNvSpPr txBox="1"/>
+          <p:nvPr/>
+        </p:nvSpPr>
+        <p:spPr>
+          <a:xfrm>
+            <a:off x="6669667" y="4505809"/>
+            <a:ext cx="3750946" cy="1077218"/>
+          </a:xfrm>
+          <a:prstGeom prst="rect">
+            <a:avLst/>
+          </a:prstGeom>
+          <a:noFill/>
+        </p:spPr>
+        <p:txBody>
+          <a:bodyPr wrap="square" rtlCol="0">
+            <a:spAutoFit/>
+          </a:bodyPr>
+          <a:lstStyle/>
+          <a:p>
+            <a:pPr algn="ctr"/>
+            <a:r>
+              <a:rPr lang="en-US" altLang="zh-CN" sz="3200" dirty="0">
+                <a:solidFill>
+                  <a:schemeClr val="accent2">
+                    <a:lumMod val="60000"/>
+                    <a:lumOff val="40000"/>
+                  </a:schemeClr>
+                </a:solidFill>
+                <a:latin typeface="High Tower Text" panose="02040502050506030303" pitchFamily="18" charset="0"/>
+              </a:rPr>
+              <a:t>When </a:t>
+            </a:r>
+            <a:r>
+              <a:rPr lang="en-US" altLang="zh-CN" sz="3200" dirty="0">
+                <a:solidFill>
+                  <a:schemeClr val="bg1">
+                    <a:lumMod val="75000"/>
+                  </a:schemeClr>
+                </a:solidFill>
+                <a:latin typeface="High Tower Text" panose="02040502050506030303" pitchFamily="18" charset="0"/>
+              </a:rPr>
+              <a:t>sprite is click is clicked, we do …</a:t>
+            </a:r>
+            <a:endParaRPr lang="zh-CN" altLang="en-US" sz="3200" dirty="0">
+              <a:solidFill>
+                <a:schemeClr val="bg1">
+                  <a:lumMod val="75000"/>
+                </a:schemeClr>
+              </a:solidFill>
+              <a:latin typeface="High Tower Text" panose="02040502050506030303" pitchFamily="18" charset="0"/>
+            </a:endParaRPr>
+          </a:p>
+        </p:txBody>
+      </p:sp>
+    </p:spTree>
+    <p:extLst>
+      <p:ext uri="{BB962C8B-B14F-4D97-AF65-F5344CB8AC3E}">
+        <p14:creationId xmlns:p14="http://schemas.microsoft.com/office/powerpoint/2010/main" val="2111094703"/>
+      </p:ext>
+    </p:extLst>
+  </p:cSld>
+  <p:clrMapOvr>
+    <a:masterClrMapping/>
+  </p:clrMapOvr>
+</p:sld>
+</file>
+
+<file path=ppt/slides/slide23.xml><?xml version="1.0" encoding="utf-8"?>
+<p:sld xmlns:a="http://schemas.openxmlformats.org/drawingml/2006/main" xmlns:r="http://schemas.openxmlformats.org/officeDocument/2006/relationships" xmlns:p="http://schemas.openxmlformats.org/presentationml/2006/main">
+  <p:cSld>
+    <p:spTree>
+      <p:nvGrpSpPr>
+        <p:cNvPr id="1" name="">
+          <a:extLst>
+            <a:ext uri="{FF2B5EF4-FFF2-40B4-BE49-F238E27FC236}">
+              <a16:creationId xmlns:a16="http://schemas.microsoft.com/office/drawing/2014/main" id="{4E3F8FC2-A3E2-C097-A14F-F0BF4A8D22B3}"/>
+            </a:ext>
+          </a:extLst>
+        </p:cNvPr>
+        <p:cNvGrpSpPr/>
+        <p:nvPr/>
+      </p:nvGrpSpPr>
+      <p:grpSpPr>
+        <a:xfrm>
+          <a:off x="0" y="0"/>
+          <a:ext cx="0" cy="0"/>
+          <a:chOff x="0" y="0"/>
+          <a:chExt cx="0" cy="0"/>
+        </a:xfrm>
+      </p:grpSpPr>
+      <p:sp>
+        <p:nvSpPr>
+          <p:cNvPr id="6" name="Rectangle 5">
+            <a:extLst>
+              <a:ext uri="{FF2B5EF4-FFF2-40B4-BE49-F238E27FC236}">
+                <a16:creationId xmlns:a16="http://schemas.microsoft.com/office/drawing/2014/main" id="{A8AF0237-0373-0311-3A51-30491B9B4642}"/>
+              </a:ext>
+            </a:extLst>
+          </p:cNvPr>
+          <p:cNvSpPr/>
+          <p:nvPr/>
+        </p:nvSpPr>
+        <p:spPr>
+          <a:xfrm>
+            <a:off x="0" y="0"/>
+            <a:ext cx="12192000" cy="6858000"/>
+          </a:xfrm>
+          <a:prstGeom prst="rect">
+            <a:avLst/>
+          </a:prstGeom>
+          <a:solidFill>
+            <a:srgbClr val="23242A"/>
+          </a:solidFill>
+          <a:ln>
+            <a:noFill/>
+          </a:ln>
+        </p:spPr>
+        <p:style>
+          <a:lnRef idx="2">
+            <a:schemeClr val="accent1">
+              <a:shade val="15000"/>
+            </a:schemeClr>
+          </a:lnRef>
+          <a:fillRef idx="1">
+            <a:schemeClr val="accent1"/>
+          </a:fillRef>
+          <a:effectRef idx="0">
+            <a:schemeClr val="accent1"/>
+          </a:effectRef>
+          <a:fontRef idx="minor">
+            <a:schemeClr val="lt1"/>
+          </a:fontRef>
+        </p:style>
+        <p:txBody>
+          <a:bodyPr rtlCol="0" anchor="ctr"/>
+          <a:lstStyle/>
+          <a:p>
+            <a:pPr algn="ctr"/>
+            <a:endParaRPr lang="zh-CN" altLang="en-US" dirty="0"/>
+          </a:p>
+        </p:txBody>
+      </p:sp>
+      <p:sp>
+        <p:nvSpPr>
+          <p:cNvPr id="2" name="Slide Number Placeholder 1">
+            <a:extLst>
+              <a:ext uri="{FF2B5EF4-FFF2-40B4-BE49-F238E27FC236}">
+                <a16:creationId xmlns:a16="http://schemas.microsoft.com/office/drawing/2014/main" id="{540FE4E2-85F5-41F3-9888-A660E862ECE0}"/>
+              </a:ext>
+            </a:extLst>
+          </p:cNvPr>
+          <p:cNvSpPr>
+            <a:spLocks noGrp="1"/>
+          </p:cNvSpPr>
+          <p:nvPr>
+            <p:ph type="sldNum" sz="quarter" idx="12"/>
+          </p:nvPr>
+        </p:nvSpPr>
+        <p:spPr>
+          <a:xfrm>
+            <a:off x="9057739" y="6259509"/>
+            <a:ext cx="2743200" cy="365125"/>
+          </a:xfrm>
+        </p:spPr>
+        <p:txBody>
+          <a:bodyPr/>
+          <a:lstStyle/>
+          <a:p>
+            <a:fld id="{9B1EC109-1E15-4BCA-93B5-56442BB3443E}" type="slidenum">
+              <a:rPr lang="zh-CN" altLang="en-US" sz="2400" b="1" smtClean="0">
+                <a:solidFill>
+                  <a:schemeClr val="bg1">
+                    <a:lumMod val="65000"/>
+                  </a:schemeClr>
+                </a:solidFill>
+                <a:latin typeface="Bradley Hand ITC" panose="03070402050302030203" pitchFamily="66" charset="0"/>
+              </a:rPr>
+              <a:t>23</a:t>
+            </a:fld>
+            <a:endParaRPr lang="zh-CN" altLang="en-US" sz="2400" b="1" dirty="0">
+              <a:solidFill>
+                <a:schemeClr val="bg1">
+                  <a:lumMod val="65000"/>
+                </a:schemeClr>
+              </a:solidFill>
+              <a:latin typeface="Bradley Hand ITC" panose="03070402050302030203" pitchFamily="66" charset="0"/>
+            </a:endParaRPr>
+          </a:p>
+        </p:txBody>
+      </p:sp>
+      <p:sp>
+        <p:nvSpPr>
+          <p:cNvPr id="4" name="Google Shape;867;p33">
+            <a:extLst>
+              <a:ext uri="{FF2B5EF4-FFF2-40B4-BE49-F238E27FC236}">
+                <a16:creationId xmlns:a16="http://schemas.microsoft.com/office/drawing/2014/main" id="{D3F26113-A34E-47F8-4D2B-337492619F7C}"/>
+              </a:ext>
+            </a:extLst>
+          </p:cNvPr>
+          <p:cNvSpPr txBox="1">
+            <a:spLocks/>
+          </p:cNvSpPr>
+          <p:nvPr/>
+        </p:nvSpPr>
+        <p:spPr>
+          <a:xfrm>
+            <a:off x="2222600" y="143850"/>
+            <a:ext cx="7746800" cy="1602400"/>
+          </a:xfrm>
+          <a:prstGeom prst="rect">
+            <a:avLst/>
+          </a:prstGeom>
+          <a:noFill/>
+          <a:ln>
+            <a:noFill/>
+          </a:ln>
+        </p:spPr>
+        <p:txBody>
+          <a:bodyPr spcFirstLastPara="1" wrap="square" lIns="91425" tIns="91425" rIns="91425" bIns="91425" anchor="b" anchorCtr="0">
+            <a:noAutofit/>
+          </a:bodyPr>
+          <a:lstStyle>
+            <a:defPPr marR="0" lvl="0" algn="l" rtl="0">
+              <a:lnSpc>
+                <a:spcPct val="100000"/>
+              </a:lnSpc>
+              <a:spcBef>
+                <a:spcPts val="0"/>
+              </a:spcBef>
+              <a:spcAft>
+                <a:spcPts val="0"/>
+              </a:spcAft>
+            </a:defPPr>
+            <a:lvl1pPr marR="0" lvl="0" algn="l" rtl="0">
+              <a:lnSpc>
+                <a:spcPct val="100000"/>
+              </a:lnSpc>
+              <a:spcBef>
+                <a:spcPts val="0"/>
+              </a:spcBef>
+              <a:spcAft>
+                <a:spcPts val="0"/>
+              </a:spcAft>
+              <a:buClr>
+                <a:schemeClr val="dk1"/>
+              </a:buClr>
+              <a:buSzPts val="3600"/>
+              <a:buFont typeface="Barlow"/>
+              <a:buNone/>
+              <a:defRPr sz="7200" b="1" i="0" u="none" strike="noStrike" cap="none">
+                <a:solidFill>
+                  <a:schemeClr val="dk1"/>
+                </a:solidFill>
+                <a:latin typeface="Barlow"/>
+                <a:ea typeface="Barlow"/>
+                <a:cs typeface="Barlow"/>
+                <a:sym typeface="Barlow"/>
+              </a:defRPr>
+            </a:lvl1pPr>
+            <a:lvl2pPr marR="0" lvl="1" algn="ctr" rtl="0">
+              <a:lnSpc>
+                <a:spcPct val="100000"/>
+              </a:lnSpc>
+              <a:spcBef>
+                <a:spcPts val="0"/>
+              </a:spcBef>
+              <a:spcAft>
+                <a:spcPts val="0"/>
+              </a:spcAft>
+              <a:buClr>
+                <a:schemeClr val="dk1"/>
+              </a:buClr>
+              <a:buSzPts val="3600"/>
+              <a:buFont typeface="Barlow"/>
+              <a:buNone/>
+              <a:defRPr sz="3600" b="1" i="0" u="none" strike="noStrike" cap="none">
+                <a:solidFill>
+                  <a:schemeClr val="dk1"/>
+                </a:solidFill>
+                <a:latin typeface="Barlow"/>
+                <a:ea typeface="Barlow"/>
+                <a:cs typeface="Barlow"/>
+                <a:sym typeface="Barlow"/>
+              </a:defRPr>
+            </a:lvl2pPr>
+            <a:lvl3pPr marR="0" lvl="2" algn="ctr" rtl="0">
+              <a:lnSpc>
+                <a:spcPct val="100000"/>
+              </a:lnSpc>
+              <a:spcBef>
+                <a:spcPts val="0"/>
+              </a:spcBef>
+              <a:spcAft>
+                <a:spcPts val="0"/>
+              </a:spcAft>
+              <a:buClr>
+                <a:schemeClr val="dk1"/>
+              </a:buClr>
+              <a:buSzPts val="3600"/>
+              <a:buFont typeface="Barlow"/>
+              <a:buNone/>
+              <a:defRPr sz="3600" b="1" i="0" u="none" strike="noStrike" cap="none">
+                <a:solidFill>
+                  <a:schemeClr val="dk1"/>
+                </a:solidFill>
+                <a:latin typeface="Barlow"/>
+                <a:ea typeface="Barlow"/>
+                <a:cs typeface="Barlow"/>
+                <a:sym typeface="Barlow"/>
+              </a:defRPr>
+            </a:lvl3pPr>
+            <a:lvl4pPr marR="0" lvl="3" algn="ctr" rtl="0">
+              <a:lnSpc>
+                <a:spcPct val="100000"/>
+              </a:lnSpc>
+              <a:spcBef>
+                <a:spcPts val="0"/>
+              </a:spcBef>
+              <a:spcAft>
+                <a:spcPts val="0"/>
+              </a:spcAft>
+              <a:buClr>
+                <a:schemeClr val="dk1"/>
+              </a:buClr>
+              <a:buSzPts val="3600"/>
+              <a:buFont typeface="Barlow"/>
+              <a:buNone/>
+              <a:defRPr sz="3600" b="1" i="0" u="none" strike="noStrike" cap="none">
+                <a:solidFill>
+                  <a:schemeClr val="dk1"/>
+                </a:solidFill>
+                <a:latin typeface="Barlow"/>
+                <a:ea typeface="Barlow"/>
+                <a:cs typeface="Barlow"/>
+                <a:sym typeface="Barlow"/>
+              </a:defRPr>
+            </a:lvl4pPr>
+            <a:lvl5pPr marR="0" lvl="4" algn="ctr" rtl="0">
+              <a:lnSpc>
+                <a:spcPct val="100000"/>
+              </a:lnSpc>
+              <a:spcBef>
+                <a:spcPts val="0"/>
+              </a:spcBef>
+              <a:spcAft>
+                <a:spcPts val="0"/>
+              </a:spcAft>
+              <a:buClr>
+                <a:schemeClr val="dk1"/>
+              </a:buClr>
+              <a:buSzPts val="3600"/>
+              <a:buFont typeface="Barlow"/>
+              <a:buNone/>
+              <a:defRPr sz="3600" b="1" i="0" u="none" strike="noStrike" cap="none">
+                <a:solidFill>
+                  <a:schemeClr val="dk1"/>
+                </a:solidFill>
+                <a:latin typeface="Barlow"/>
+                <a:ea typeface="Barlow"/>
+                <a:cs typeface="Barlow"/>
+                <a:sym typeface="Barlow"/>
+              </a:defRPr>
+            </a:lvl5pPr>
+            <a:lvl6pPr marR="0" lvl="5" algn="ctr" rtl="0">
+              <a:lnSpc>
+                <a:spcPct val="100000"/>
+              </a:lnSpc>
+              <a:spcBef>
+                <a:spcPts val="0"/>
+              </a:spcBef>
+              <a:spcAft>
+                <a:spcPts val="0"/>
+              </a:spcAft>
+              <a:buClr>
+                <a:schemeClr val="dk1"/>
+              </a:buClr>
+              <a:buSzPts val="3600"/>
+              <a:buFont typeface="Barlow"/>
+              <a:buNone/>
+              <a:defRPr sz="3600" b="1" i="0" u="none" strike="noStrike" cap="none">
+                <a:solidFill>
+                  <a:schemeClr val="dk1"/>
+                </a:solidFill>
+                <a:latin typeface="Barlow"/>
+                <a:ea typeface="Barlow"/>
+                <a:cs typeface="Barlow"/>
+                <a:sym typeface="Barlow"/>
+              </a:defRPr>
+            </a:lvl6pPr>
+            <a:lvl7pPr marR="0" lvl="6" algn="ctr" rtl="0">
+              <a:lnSpc>
+                <a:spcPct val="100000"/>
+              </a:lnSpc>
+              <a:spcBef>
+                <a:spcPts val="0"/>
+              </a:spcBef>
+              <a:spcAft>
+                <a:spcPts val="0"/>
+              </a:spcAft>
+              <a:buClr>
+                <a:schemeClr val="dk1"/>
+              </a:buClr>
+              <a:buSzPts val="3600"/>
+              <a:buFont typeface="Barlow"/>
+              <a:buNone/>
+              <a:defRPr sz="3600" b="1" i="0" u="none" strike="noStrike" cap="none">
+                <a:solidFill>
+                  <a:schemeClr val="dk1"/>
+                </a:solidFill>
+                <a:latin typeface="Barlow"/>
+                <a:ea typeface="Barlow"/>
+                <a:cs typeface="Barlow"/>
+                <a:sym typeface="Barlow"/>
+              </a:defRPr>
+            </a:lvl7pPr>
+            <a:lvl8pPr marR="0" lvl="7" algn="ctr" rtl="0">
+              <a:lnSpc>
+                <a:spcPct val="100000"/>
+              </a:lnSpc>
+              <a:spcBef>
+                <a:spcPts val="0"/>
+              </a:spcBef>
+              <a:spcAft>
+                <a:spcPts val="0"/>
+              </a:spcAft>
+              <a:buClr>
+                <a:schemeClr val="dk1"/>
+              </a:buClr>
+              <a:buSzPts val="3600"/>
+              <a:buFont typeface="Barlow"/>
+              <a:buNone/>
+              <a:defRPr sz="3600" b="1" i="0" u="none" strike="noStrike" cap="none">
+                <a:solidFill>
+                  <a:schemeClr val="dk1"/>
+                </a:solidFill>
+                <a:latin typeface="Barlow"/>
+                <a:ea typeface="Barlow"/>
+                <a:cs typeface="Barlow"/>
+                <a:sym typeface="Barlow"/>
+              </a:defRPr>
+            </a:lvl8pPr>
+            <a:lvl9pPr marR="0" lvl="8" algn="ctr" rtl="0">
+              <a:lnSpc>
+                <a:spcPct val="100000"/>
+              </a:lnSpc>
+              <a:spcBef>
+                <a:spcPts val="0"/>
+              </a:spcBef>
+              <a:spcAft>
+                <a:spcPts val="0"/>
+              </a:spcAft>
+              <a:buClr>
+                <a:schemeClr val="dk1"/>
+              </a:buClr>
+              <a:buSzPts val="3600"/>
+              <a:buFont typeface="Barlow"/>
+              <a:buNone/>
+              <a:defRPr sz="3600" b="1" i="0" u="none" strike="noStrike" cap="none">
+                <a:solidFill>
+                  <a:schemeClr val="dk1"/>
+                </a:solidFill>
+                <a:latin typeface="Barlow"/>
+                <a:ea typeface="Barlow"/>
+                <a:cs typeface="Barlow"/>
+                <a:sym typeface="Barlow"/>
+              </a:defRPr>
+            </a:lvl9pPr>
+          </a:lstStyle>
+          <a:p>
+            <a:pPr algn="ctr"/>
+            <a:r>
+              <a:rPr lang="en-US" altLang="zh-CN" sz="8000" spc="300" dirty="0">
+                <a:solidFill>
+                  <a:schemeClr val="accent4">
+                    <a:lumMod val="60000"/>
+                    <a:lumOff val="40000"/>
+                    <a:alpha val="60000"/>
+                  </a:schemeClr>
+                </a:solidFill>
+                <a:latin typeface="Amatic SC" panose="020F0502020204030204" pitchFamily="2" charset="-79"/>
+                <a:cs typeface="Amatic SC" panose="020F0502020204030204" pitchFamily="2" charset="-79"/>
+              </a:rPr>
+              <a:t>Show Up Randomly</a:t>
+            </a:r>
+          </a:p>
+        </p:txBody>
+      </p:sp>
+      <p:sp>
+        <p:nvSpPr>
+          <p:cNvPr id="9" name="TextBox 8">
+            <a:extLst>
+              <a:ext uri="{FF2B5EF4-FFF2-40B4-BE49-F238E27FC236}">
+                <a16:creationId xmlns:a16="http://schemas.microsoft.com/office/drawing/2014/main" id="{07D948C0-5433-31EB-AED6-249E844C5FFF}"/>
+              </a:ext>
+            </a:extLst>
+          </p:cNvPr>
+          <p:cNvSpPr txBox="1"/>
+          <p:nvPr/>
+        </p:nvSpPr>
+        <p:spPr>
+          <a:xfrm>
+            <a:off x="3186112" y="4374167"/>
+            <a:ext cx="5819775" cy="1938992"/>
+          </a:xfrm>
+          <a:prstGeom prst="rect">
+            <a:avLst/>
+          </a:prstGeom>
+          <a:noFill/>
+        </p:spPr>
+        <p:txBody>
+          <a:bodyPr wrap="square" rtlCol="0">
+            <a:spAutoFit/>
+          </a:bodyPr>
+          <a:lstStyle/>
+          <a:p>
+            <a:pPr algn="ctr"/>
+            <a:r>
+              <a:rPr lang="en-US" altLang="zh-CN" sz="4000" dirty="0">
+                <a:solidFill>
+                  <a:schemeClr val="accent2">
+                    <a:lumMod val="60000"/>
+                    <a:lumOff val="40000"/>
+                  </a:schemeClr>
+                </a:solidFill>
+                <a:latin typeface="High Tower Text" panose="02040502050506030303" pitchFamily="18" charset="0"/>
+              </a:rPr>
+              <a:t>When</a:t>
+            </a:r>
+            <a:r>
+              <a:rPr lang="en-US" altLang="zh-CN" sz="4000" dirty="0">
+                <a:solidFill>
+                  <a:schemeClr val="bg1">
+                    <a:lumMod val="75000"/>
+                  </a:schemeClr>
+                </a:solidFill>
+                <a:latin typeface="High Tower Text" panose="02040502050506030303" pitchFamily="18" charset="0"/>
+              </a:rPr>
+              <a:t> backdrop switches to Level1/Level2/Level3 , we do…</a:t>
+            </a:r>
+            <a:endParaRPr lang="zh-CN" altLang="en-US" sz="4000" dirty="0">
+              <a:solidFill>
+                <a:schemeClr val="bg1">
+                  <a:lumMod val="75000"/>
+                </a:schemeClr>
+              </a:solidFill>
+              <a:latin typeface="High Tower Text" panose="02040502050506030303" pitchFamily="18" charset="0"/>
+            </a:endParaRPr>
+          </a:p>
+        </p:txBody>
+      </p:sp>
+      <p:pic>
+        <p:nvPicPr>
+          <p:cNvPr id="13" name="Picture 12">
+            <a:extLst>
+              <a:ext uri="{FF2B5EF4-FFF2-40B4-BE49-F238E27FC236}">
+                <a16:creationId xmlns:a16="http://schemas.microsoft.com/office/drawing/2014/main" id="{B355246F-5374-1E87-02D5-7F3E34DCEB6A}"/>
+              </a:ext>
+            </a:extLst>
+          </p:cNvPr>
+          <p:cNvPicPr>
+            <a:picLocks noChangeAspect="1"/>
+          </p:cNvPicPr>
+          <p:nvPr/>
+        </p:nvPicPr>
+        <p:blipFill>
+          <a:blip r:embed="rId2">
+            <a:extLst>
+              <a:ext uri="{28A0092B-C50C-407E-A947-70E740481C1C}">
+                <a14:useLocalDpi xmlns:a14="http://schemas.microsoft.com/office/drawing/2010/main" val="0"/>
+              </a:ext>
+            </a:extLst>
+          </a:blip>
+          <a:stretch>
+            <a:fillRect/>
+          </a:stretch>
+        </p:blipFill>
+        <p:spPr>
+          <a:xfrm>
+            <a:off x="3237964" y="2448202"/>
+            <a:ext cx="5819775" cy="1381125"/>
+          </a:xfrm>
+          <a:prstGeom prst="rect">
+            <a:avLst/>
+          </a:prstGeom>
+        </p:spPr>
+      </p:pic>
+    </p:spTree>
+    <p:extLst>
+      <p:ext uri="{BB962C8B-B14F-4D97-AF65-F5344CB8AC3E}">
+        <p14:creationId xmlns:p14="http://schemas.microsoft.com/office/powerpoint/2010/main" val="190770325"/>
+      </p:ext>
+    </p:extLst>
+  </p:cSld>
+  <p:clrMapOvr>
+    <a:masterClrMapping/>
+  </p:clrMapOvr>
+</p:sld>
+</file>
+
+<file path=ppt/slides/slide24.xml><?xml version="1.0" encoding="utf-8"?>
+<p:sld xmlns:a="http://schemas.openxmlformats.org/drawingml/2006/main" xmlns:r="http://schemas.openxmlformats.org/officeDocument/2006/relationships" xmlns:p="http://schemas.openxmlformats.org/presentationml/2006/main">
+  <p:cSld>
+    <p:spTree>
+      <p:nvGrpSpPr>
+        <p:cNvPr id="1" name="">
+          <a:extLst>
+            <a:ext uri="{FF2B5EF4-FFF2-40B4-BE49-F238E27FC236}">
+              <a16:creationId xmlns:a16="http://schemas.microsoft.com/office/drawing/2014/main" id="{76576336-C34A-6DE9-7C9D-783707DBABBF}"/>
+            </a:ext>
+          </a:extLst>
+        </p:cNvPr>
+        <p:cNvGrpSpPr/>
+        <p:nvPr/>
+      </p:nvGrpSpPr>
+      <p:grpSpPr>
+        <a:xfrm>
+          <a:off x="0" y="0"/>
+          <a:ext cx="0" cy="0"/>
+          <a:chOff x="0" y="0"/>
+          <a:chExt cx="0" cy="0"/>
+        </a:xfrm>
+      </p:grpSpPr>
+      <p:sp>
+        <p:nvSpPr>
+          <p:cNvPr id="6" name="Rectangle 5">
+            <a:extLst>
+              <a:ext uri="{FF2B5EF4-FFF2-40B4-BE49-F238E27FC236}">
+                <a16:creationId xmlns:a16="http://schemas.microsoft.com/office/drawing/2014/main" id="{4CEFF55F-2E7B-67F3-6CCC-4BF0C5CB0C7B}"/>
+              </a:ext>
+            </a:extLst>
+          </p:cNvPr>
+          <p:cNvSpPr/>
+          <p:nvPr/>
+        </p:nvSpPr>
+        <p:spPr>
+          <a:xfrm>
+            <a:off x="0" y="0"/>
+            <a:ext cx="12192000" cy="6858000"/>
+          </a:xfrm>
+          <a:prstGeom prst="rect">
+            <a:avLst/>
+          </a:prstGeom>
+          <a:solidFill>
+            <a:srgbClr val="23242A"/>
+          </a:solidFill>
+          <a:ln>
+            <a:noFill/>
+          </a:ln>
+        </p:spPr>
+        <p:style>
+          <a:lnRef idx="2">
+            <a:schemeClr val="accent1">
+              <a:shade val="15000"/>
+            </a:schemeClr>
+          </a:lnRef>
+          <a:fillRef idx="1">
+            <a:schemeClr val="accent1"/>
+          </a:fillRef>
+          <a:effectRef idx="0">
+            <a:schemeClr val="accent1"/>
+          </a:effectRef>
+          <a:fontRef idx="minor">
+            <a:schemeClr val="lt1"/>
+          </a:fontRef>
+        </p:style>
+        <p:txBody>
+          <a:bodyPr rtlCol="0" anchor="ctr"/>
+          <a:lstStyle/>
+          <a:p>
+            <a:pPr algn="ctr"/>
+            <a:endParaRPr lang="zh-CN" altLang="en-US" dirty="0"/>
+          </a:p>
+        </p:txBody>
+      </p:sp>
+      <p:sp>
+        <p:nvSpPr>
+          <p:cNvPr id="2" name="Slide Number Placeholder 1">
+            <a:extLst>
+              <a:ext uri="{FF2B5EF4-FFF2-40B4-BE49-F238E27FC236}">
+                <a16:creationId xmlns:a16="http://schemas.microsoft.com/office/drawing/2014/main" id="{49EBE4C2-C35F-CA25-028C-265FA67D0D8A}"/>
+              </a:ext>
+            </a:extLst>
+          </p:cNvPr>
+          <p:cNvSpPr>
+            <a:spLocks noGrp="1"/>
+          </p:cNvSpPr>
+          <p:nvPr>
+            <p:ph type="sldNum" sz="quarter" idx="12"/>
+          </p:nvPr>
+        </p:nvSpPr>
+        <p:spPr>
+          <a:xfrm>
+            <a:off x="9057739" y="6259509"/>
+            <a:ext cx="2743200" cy="365125"/>
+          </a:xfrm>
+        </p:spPr>
+        <p:txBody>
+          <a:bodyPr/>
+          <a:lstStyle/>
+          <a:p>
+            <a:fld id="{9B1EC109-1E15-4BCA-93B5-56442BB3443E}" type="slidenum">
+              <a:rPr lang="zh-CN" altLang="en-US" sz="2400" b="1" smtClean="0">
+                <a:solidFill>
+                  <a:schemeClr val="bg1">
+                    <a:lumMod val="65000"/>
+                  </a:schemeClr>
+                </a:solidFill>
+                <a:latin typeface="Bradley Hand ITC" panose="03070402050302030203" pitchFamily="66" charset="0"/>
+              </a:rPr>
+              <a:t>24</a:t>
+            </a:fld>
+            <a:endParaRPr lang="zh-CN" altLang="en-US" sz="2400" b="1" dirty="0">
+              <a:solidFill>
+                <a:schemeClr val="bg1">
+                  <a:lumMod val="65000"/>
+                </a:schemeClr>
+              </a:solidFill>
+              <a:latin typeface="Bradley Hand ITC" panose="03070402050302030203" pitchFamily="66" charset="0"/>
+            </a:endParaRPr>
+          </a:p>
+        </p:txBody>
+      </p:sp>
+      <p:sp>
+        <p:nvSpPr>
+          <p:cNvPr id="4" name="Google Shape;867;p33">
+            <a:extLst>
+              <a:ext uri="{FF2B5EF4-FFF2-40B4-BE49-F238E27FC236}">
+                <a16:creationId xmlns:a16="http://schemas.microsoft.com/office/drawing/2014/main" id="{BA80C514-D0CA-173A-84C6-CC663E05DE78}"/>
+              </a:ext>
+            </a:extLst>
+          </p:cNvPr>
+          <p:cNvSpPr txBox="1">
+            <a:spLocks/>
+          </p:cNvSpPr>
+          <p:nvPr/>
+        </p:nvSpPr>
+        <p:spPr>
+          <a:xfrm>
+            <a:off x="2222600" y="143850"/>
+            <a:ext cx="7746800" cy="1602400"/>
+          </a:xfrm>
+          <a:prstGeom prst="rect">
+            <a:avLst/>
+          </a:prstGeom>
+          <a:noFill/>
+          <a:ln>
+            <a:noFill/>
+          </a:ln>
+        </p:spPr>
+        <p:txBody>
+          <a:bodyPr spcFirstLastPara="1" wrap="square" lIns="91425" tIns="91425" rIns="91425" bIns="91425" anchor="b" anchorCtr="0">
+            <a:noAutofit/>
+          </a:bodyPr>
+          <a:lstStyle>
+            <a:defPPr marR="0" lvl="0" algn="l" rtl="0">
+              <a:lnSpc>
+                <a:spcPct val="100000"/>
+              </a:lnSpc>
+              <a:spcBef>
+                <a:spcPts val="0"/>
+              </a:spcBef>
+              <a:spcAft>
+                <a:spcPts val="0"/>
+              </a:spcAft>
+            </a:defPPr>
+            <a:lvl1pPr marR="0" lvl="0" algn="l" rtl="0">
+              <a:lnSpc>
+                <a:spcPct val="100000"/>
+              </a:lnSpc>
+              <a:spcBef>
+                <a:spcPts val="0"/>
+              </a:spcBef>
+              <a:spcAft>
+                <a:spcPts val="0"/>
+              </a:spcAft>
+              <a:buClr>
+                <a:schemeClr val="dk1"/>
+              </a:buClr>
+              <a:buSzPts val="3600"/>
+              <a:buFont typeface="Barlow"/>
+              <a:buNone/>
+              <a:defRPr sz="7200" b="1" i="0" u="none" strike="noStrike" cap="none">
+                <a:solidFill>
+                  <a:schemeClr val="dk1"/>
+                </a:solidFill>
+                <a:latin typeface="Barlow"/>
+                <a:ea typeface="Barlow"/>
+                <a:cs typeface="Barlow"/>
+                <a:sym typeface="Barlow"/>
+              </a:defRPr>
+            </a:lvl1pPr>
+            <a:lvl2pPr marR="0" lvl="1" algn="ctr" rtl="0">
+              <a:lnSpc>
+                <a:spcPct val="100000"/>
+              </a:lnSpc>
+              <a:spcBef>
+                <a:spcPts val="0"/>
+              </a:spcBef>
+              <a:spcAft>
+                <a:spcPts val="0"/>
+              </a:spcAft>
+              <a:buClr>
+                <a:schemeClr val="dk1"/>
+              </a:buClr>
+              <a:buSzPts val="3600"/>
+              <a:buFont typeface="Barlow"/>
+              <a:buNone/>
+              <a:defRPr sz="3600" b="1" i="0" u="none" strike="noStrike" cap="none">
+                <a:solidFill>
+                  <a:schemeClr val="dk1"/>
+                </a:solidFill>
+                <a:latin typeface="Barlow"/>
+                <a:ea typeface="Barlow"/>
+                <a:cs typeface="Barlow"/>
+                <a:sym typeface="Barlow"/>
+              </a:defRPr>
+            </a:lvl2pPr>
+            <a:lvl3pPr marR="0" lvl="2" algn="ctr" rtl="0">
+              <a:lnSpc>
+                <a:spcPct val="100000"/>
+              </a:lnSpc>
+              <a:spcBef>
+                <a:spcPts val="0"/>
+              </a:spcBef>
+              <a:spcAft>
+                <a:spcPts val="0"/>
+              </a:spcAft>
+              <a:buClr>
+                <a:schemeClr val="dk1"/>
+              </a:buClr>
+              <a:buSzPts val="3600"/>
+              <a:buFont typeface="Barlow"/>
+              <a:buNone/>
+              <a:defRPr sz="3600" b="1" i="0" u="none" strike="noStrike" cap="none">
+                <a:solidFill>
+                  <a:schemeClr val="dk1"/>
+                </a:solidFill>
+                <a:latin typeface="Barlow"/>
+                <a:ea typeface="Barlow"/>
+                <a:cs typeface="Barlow"/>
+                <a:sym typeface="Barlow"/>
+              </a:defRPr>
+            </a:lvl3pPr>
+            <a:lvl4pPr marR="0" lvl="3" algn="ctr" rtl="0">
+              <a:lnSpc>
+                <a:spcPct val="100000"/>
+              </a:lnSpc>
+              <a:spcBef>
+                <a:spcPts val="0"/>
+              </a:spcBef>
+              <a:spcAft>
+                <a:spcPts val="0"/>
+              </a:spcAft>
+              <a:buClr>
+                <a:schemeClr val="dk1"/>
+              </a:buClr>
+              <a:buSzPts val="3600"/>
+              <a:buFont typeface="Barlow"/>
+              <a:buNone/>
+              <a:defRPr sz="3600" b="1" i="0" u="none" strike="noStrike" cap="none">
+                <a:solidFill>
+                  <a:schemeClr val="dk1"/>
+                </a:solidFill>
+                <a:latin typeface="Barlow"/>
+                <a:ea typeface="Barlow"/>
+                <a:cs typeface="Barlow"/>
+                <a:sym typeface="Barlow"/>
+              </a:defRPr>
+            </a:lvl4pPr>
+            <a:lvl5pPr marR="0" lvl="4" algn="ctr" rtl="0">
+              <a:lnSpc>
+                <a:spcPct val="100000"/>
+              </a:lnSpc>
+              <a:spcBef>
+                <a:spcPts val="0"/>
+              </a:spcBef>
+              <a:spcAft>
+                <a:spcPts val="0"/>
+              </a:spcAft>
+              <a:buClr>
+                <a:schemeClr val="dk1"/>
+              </a:buClr>
+              <a:buSzPts val="3600"/>
+              <a:buFont typeface="Barlow"/>
+              <a:buNone/>
+              <a:defRPr sz="3600" b="1" i="0" u="none" strike="noStrike" cap="none">
+                <a:solidFill>
+                  <a:schemeClr val="dk1"/>
+                </a:solidFill>
+                <a:latin typeface="Barlow"/>
+                <a:ea typeface="Barlow"/>
+                <a:cs typeface="Barlow"/>
+                <a:sym typeface="Barlow"/>
+              </a:defRPr>
+            </a:lvl5pPr>
+            <a:lvl6pPr marR="0" lvl="5" algn="ctr" rtl="0">
+              <a:lnSpc>
+                <a:spcPct val="100000"/>
+              </a:lnSpc>
+              <a:spcBef>
+                <a:spcPts val="0"/>
+              </a:spcBef>
+              <a:spcAft>
+                <a:spcPts val="0"/>
+              </a:spcAft>
+              <a:buClr>
+                <a:schemeClr val="dk1"/>
+              </a:buClr>
+              <a:buSzPts val="3600"/>
+              <a:buFont typeface="Barlow"/>
+              <a:buNone/>
+              <a:defRPr sz="3600" b="1" i="0" u="none" strike="noStrike" cap="none">
+                <a:solidFill>
+                  <a:schemeClr val="dk1"/>
+                </a:solidFill>
+                <a:latin typeface="Barlow"/>
+                <a:ea typeface="Barlow"/>
+                <a:cs typeface="Barlow"/>
+                <a:sym typeface="Barlow"/>
+              </a:defRPr>
+            </a:lvl6pPr>
+            <a:lvl7pPr marR="0" lvl="6" algn="ctr" rtl="0">
+              <a:lnSpc>
+                <a:spcPct val="100000"/>
+              </a:lnSpc>
+              <a:spcBef>
+                <a:spcPts val="0"/>
+              </a:spcBef>
+              <a:spcAft>
+                <a:spcPts val="0"/>
+              </a:spcAft>
+              <a:buClr>
+                <a:schemeClr val="dk1"/>
+              </a:buClr>
+              <a:buSzPts val="3600"/>
+              <a:buFont typeface="Barlow"/>
+              <a:buNone/>
+              <a:defRPr sz="3600" b="1" i="0" u="none" strike="noStrike" cap="none">
+                <a:solidFill>
+                  <a:schemeClr val="dk1"/>
+                </a:solidFill>
+                <a:latin typeface="Barlow"/>
+                <a:ea typeface="Barlow"/>
+                <a:cs typeface="Barlow"/>
+                <a:sym typeface="Barlow"/>
+              </a:defRPr>
+            </a:lvl7pPr>
+            <a:lvl8pPr marR="0" lvl="7" algn="ctr" rtl="0">
+              <a:lnSpc>
+                <a:spcPct val="100000"/>
+              </a:lnSpc>
+              <a:spcBef>
+                <a:spcPts val="0"/>
+              </a:spcBef>
+              <a:spcAft>
+                <a:spcPts val="0"/>
+              </a:spcAft>
+              <a:buClr>
+                <a:schemeClr val="dk1"/>
+              </a:buClr>
+              <a:buSzPts val="3600"/>
+              <a:buFont typeface="Barlow"/>
+              <a:buNone/>
+              <a:defRPr sz="3600" b="1" i="0" u="none" strike="noStrike" cap="none">
+                <a:solidFill>
+                  <a:schemeClr val="dk1"/>
+                </a:solidFill>
+                <a:latin typeface="Barlow"/>
+                <a:ea typeface="Barlow"/>
+                <a:cs typeface="Barlow"/>
+                <a:sym typeface="Barlow"/>
+              </a:defRPr>
+            </a:lvl8pPr>
+            <a:lvl9pPr marR="0" lvl="8" algn="ctr" rtl="0">
+              <a:lnSpc>
+                <a:spcPct val="100000"/>
+              </a:lnSpc>
+              <a:spcBef>
+                <a:spcPts val="0"/>
+              </a:spcBef>
+              <a:spcAft>
+                <a:spcPts val="0"/>
+              </a:spcAft>
+              <a:buClr>
+                <a:schemeClr val="dk1"/>
+              </a:buClr>
+              <a:buSzPts val="3600"/>
+              <a:buFont typeface="Barlow"/>
+              <a:buNone/>
+              <a:defRPr sz="3600" b="1" i="0" u="none" strike="noStrike" cap="none">
+                <a:solidFill>
+                  <a:schemeClr val="dk1"/>
+                </a:solidFill>
+                <a:latin typeface="Barlow"/>
+                <a:ea typeface="Barlow"/>
+                <a:cs typeface="Barlow"/>
+                <a:sym typeface="Barlow"/>
+              </a:defRPr>
+            </a:lvl9pPr>
+          </a:lstStyle>
+          <a:p>
+            <a:pPr algn="ctr"/>
+            <a:r>
+              <a:rPr lang="en-US" altLang="zh-CN" sz="8000" spc="300" dirty="0">
+                <a:solidFill>
+                  <a:schemeClr val="accent4">
+                    <a:lumMod val="60000"/>
+                    <a:lumOff val="40000"/>
+                    <a:alpha val="60000"/>
+                  </a:schemeClr>
+                </a:solidFill>
+                <a:latin typeface="Amatic SC" panose="020F0502020204030204" pitchFamily="2" charset="-79"/>
+                <a:cs typeface="Amatic SC" panose="020F0502020204030204" pitchFamily="2" charset="-79"/>
+              </a:rPr>
+              <a:t>Show Up Randomly</a:t>
+            </a:r>
+          </a:p>
+        </p:txBody>
+      </p:sp>
+      <p:pic>
+        <p:nvPicPr>
+          <p:cNvPr id="5" name="Graphic 4">
+            <a:extLst>
+              <a:ext uri="{FF2B5EF4-FFF2-40B4-BE49-F238E27FC236}">
+                <a16:creationId xmlns:a16="http://schemas.microsoft.com/office/drawing/2014/main" id="{E8CA1193-97CA-34D7-C5CD-9F3B4E022CEA}"/>
+              </a:ext>
+            </a:extLst>
+          </p:cNvPr>
+          <p:cNvPicPr>
+            <a:picLocks noChangeAspect="1"/>
+          </p:cNvPicPr>
+          <p:nvPr/>
+        </p:nvPicPr>
+        <p:blipFill>
+          <a:blip r:embed="rId2">
+            <a:extLst>
+              <a:ext uri="{96DAC541-7B7A-43D3-8B79-37D633B846F1}">
+                <asvg:svgBlip xmlns:asvg="http://schemas.microsoft.com/office/drawing/2016/SVG/main" r:embed="rId3"/>
+              </a:ext>
+            </a:extLst>
+          </a:blip>
+          <a:stretch>
+            <a:fillRect/>
+          </a:stretch>
+        </p:blipFill>
+        <p:spPr>
+          <a:xfrm>
+            <a:off x="507960" y="2047500"/>
+            <a:ext cx="3125687" cy="2355590"/>
+          </a:xfrm>
+          <a:prstGeom prst="rect">
+            <a:avLst/>
+          </a:prstGeom>
+        </p:spPr>
+      </p:pic>
+      <p:pic>
+        <p:nvPicPr>
+          <p:cNvPr id="7" name="Picture 6">
+            <a:extLst>
+              <a:ext uri="{FF2B5EF4-FFF2-40B4-BE49-F238E27FC236}">
+                <a16:creationId xmlns:a16="http://schemas.microsoft.com/office/drawing/2014/main" id="{99761B99-8E47-307B-D815-0B6ACE07189E}"/>
+              </a:ext>
+            </a:extLst>
+          </p:cNvPr>
+          <p:cNvPicPr>
+            <a:picLocks noChangeAspect="1"/>
+          </p:cNvPicPr>
+          <p:nvPr/>
+        </p:nvPicPr>
+        <p:blipFill>
+          <a:blip r:embed="rId4">
+            <a:extLst>
+              <a:ext uri="{28A0092B-C50C-407E-A947-70E740481C1C}">
+                <a14:useLocalDpi xmlns:a14="http://schemas.microsoft.com/office/drawing/2010/main" val="0"/>
+              </a:ext>
+            </a:extLst>
+          </a:blip>
+          <a:stretch>
+            <a:fillRect/>
+          </a:stretch>
+        </p:blipFill>
+        <p:spPr>
+          <a:xfrm>
+            <a:off x="4525605" y="2047500"/>
+            <a:ext cx="3140788" cy="2355591"/>
+          </a:xfrm>
+          <a:prstGeom prst="rect">
+            <a:avLst/>
+          </a:prstGeom>
+        </p:spPr>
+      </p:pic>
+      <p:pic>
+        <p:nvPicPr>
+          <p:cNvPr id="8" name="Picture 7">
+            <a:extLst>
+              <a:ext uri="{FF2B5EF4-FFF2-40B4-BE49-F238E27FC236}">
+                <a16:creationId xmlns:a16="http://schemas.microsoft.com/office/drawing/2014/main" id="{2C12E241-40DB-C389-8FFC-CF5056C2D69D}"/>
+              </a:ext>
+            </a:extLst>
+          </p:cNvPr>
+          <p:cNvPicPr>
+            <a:picLocks noChangeAspect="1"/>
+          </p:cNvPicPr>
+          <p:nvPr/>
+        </p:nvPicPr>
+        <p:blipFill>
+          <a:blip r:embed="rId5">
+            <a:extLst>
+              <a:ext uri="{28A0092B-C50C-407E-A947-70E740481C1C}">
+                <a14:useLocalDpi xmlns:a14="http://schemas.microsoft.com/office/drawing/2010/main" val="0"/>
+              </a:ext>
+            </a:extLst>
+          </a:blip>
+          <a:stretch>
+            <a:fillRect/>
+          </a:stretch>
+        </p:blipFill>
+        <p:spPr>
+          <a:xfrm>
+            <a:off x="8558351" y="2047500"/>
+            <a:ext cx="3140787" cy="2355590"/>
+          </a:xfrm>
+          <a:prstGeom prst="rect">
+            <a:avLst/>
+          </a:prstGeom>
+        </p:spPr>
+      </p:pic>
+      <p:sp>
+        <p:nvSpPr>
+          <p:cNvPr id="9" name="Arrow: Curved Right 8">
+            <a:extLst>
+              <a:ext uri="{FF2B5EF4-FFF2-40B4-BE49-F238E27FC236}">
+                <a16:creationId xmlns:a16="http://schemas.microsoft.com/office/drawing/2014/main" id="{CFF48F72-2957-CBD6-8D44-9435820BFBE2}"/>
+              </a:ext>
+            </a:extLst>
+          </p:cNvPr>
+          <p:cNvSpPr/>
+          <p:nvPr/>
+        </p:nvSpPr>
+        <p:spPr>
+          <a:xfrm rot="16200000">
+            <a:off x="3646172" y="3786503"/>
+            <a:ext cx="836774" cy="2386487"/>
+          </a:xfrm>
+          <a:prstGeom prst="curvedRightArrow">
+            <a:avLst/>
+          </a:prstGeom>
+          <a:solidFill>
+            <a:schemeClr val="bg1">
+              <a:lumMod val="75000"/>
+              <a:alpha val="80000"/>
+            </a:schemeClr>
+          </a:solidFill>
+          <a:ln>
+            <a:noFill/>
+          </a:ln>
+        </p:spPr>
+        <p:style>
+          <a:lnRef idx="2">
+            <a:schemeClr val="accent1">
+              <a:shade val="15000"/>
+            </a:schemeClr>
+          </a:lnRef>
+          <a:fillRef idx="1">
+            <a:schemeClr val="accent1"/>
+          </a:fillRef>
+          <a:effectRef idx="0">
+            <a:schemeClr val="accent1"/>
+          </a:effectRef>
+          <a:fontRef idx="minor">
+            <a:schemeClr val="lt1"/>
+          </a:fontRef>
+        </p:style>
+        <p:txBody>
+          <a:bodyPr rtlCol="0" anchor="ctr"/>
+          <a:lstStyle/>
+          <a:p>
+            <a:pPr algn="ctr"/>
+            <a:endParaRPr lang="zh-CN" altLang="en-US">
+              <a:solidFill>
+                <a:schemeClr val="tx1"/>
+              </a:solidFill>
+            </a:endParaRPr>
+          </a:p>
+        </p:txBody>
+      </p:sp>
+      <p:sp>
+        <p:nvSpPr>
+          <p:cNvPr id="10" name="Arrow: Curved Right 9">
+            <a:extLst>
+              <a:ext uri="{FF2B5EF4-FFF2-40B4-BE49-F238E27FC236}">
+                <a16:creationId xmlns:a16="http://schemas.microsoft.com/office/drawing/2014/main" id="{F77D6EEE-7ACE-344F-CCEB-AB6BA94B35A3}"/>
+              </a:ext>
+            </a:extLst>
+          </p:cNvPr>
+          <p:cNvSpPr/>
+          <p:nvPr/>
+        </p:nvSpPr>
+        <p:spPr>
+          <a:xfrm rot="16200000">
+            <a:off x="7852413" y="3786503"/>
+            <a:ext cx="836774" cy="2386487"/>
+          </a:xfrm>
+          <a:prstGeom prst="curvedRightArrow">
+            <a:avLst/>
+          </a:prstGeom>
+          <a:solidFill>
+            <a:schemeClr val="bg1">
+              <a:lumMod val="75000"/>
+              <a:alpha val="80000"/>
+            </a:schemeClr>
+          </a:solidFill>
+          <a:ln>
+            <a:noFill/>
+          </a:ln>
+        </p:spPr>
+        <p:style>
+          <a:lnRef idx="2">
+            <a:schemeClr val="accent1">
+              <a:shade val="15000"/>
+            </a:schemeClr>
+          </a:lnRef>
+          <a:fillRef idx="1">
+            <a:schemeClr val="accent1"/>
+          </a:fillRef>
+          <a:effectRef idx="0">
+            <a:schemeClr val="accent1"/>
+          </a:effectRef>
+          <a:fontRef idx="minor">
+            <a:schemeClr val="lt1"/>
+          </a:fontRef>
+        </p:style>
+        <p:txBody>
+          <a:bodyPr rtlCol="0" anchor="ctr"/>
+          <a:lstStyle/>
+          <a:p>
+            <a:pPr algn="ctr"/>
+            <a:endParaRPr lang="zh-CN" altLang="en-US">
+              <a:solidFill>
+                <a:schemeClr val="tx1"/>
+              </a:solidFill>
+            </a:endParaRPr>
+          </a:p>
+        </p:txBody>
+      </p:sp>
+      <p:pic>
+        <p:nvPicPr>
+          <p:cNvPr id="12" name="Graphic 11">
+            <a:extLst>
+              <a:ext uri="{FF2B5EF4-FFF2-40B4-BE49-F238E27FC236}">
+                <a16:creationId xmlns:a16="http://schemas.microsoft.com/office/drawing/2014/main" id="{32ACDE16-ADA8-6196-18E6-49952FE24AAD}"/>
+              </a:ext>
+            </a:extLst>
+          </p:cNvPr>
+          <p:cNvPicPr>
+            <a:picLocks noChangeAspect="1"/>
+          </p:cNvPicPr>
+          <p:nvPr/>
+        </p:nvPicPr>
+        <p:blipFill>
+          <a:blip r:embed="rId6">
+            <a:alphaModFix amt="80000"/>
+            <a:extLst>
+              <a:ext uri="{96DAC541-7B7A-43D3-8B79-37D633B846F1}">
+                <asvg:svgBlip xmlns:asvg="http://schemas.microsoft.com/office/drawing/2016/SVG/main" r:embed="rId7"/>
+              </a:ext>
+            </a:extLst>
+          </a:blip>
+          <a:stretch>
+            <a:fillRect/>
+          </a:stretch>
+        </p:blipFill>
+        <p:spPr>
+          <a:xfrm>
+            <a:off x="626074" y="2143832"/>
+            <a:ext cx="1294166" cy="956954"/>
+          </a:xfrm>
+          <a:prstGeom prst="rect">
+            <a:avLst/>
+          </a:prstGeom>
+        </p:spPr>
+      </p:pic>
+      <p:pic>
+        <p:nvPicPr>
+          <p:cNvPr id="13" name="Graphic 12">
+            <a:extLst>
+              <a:ext uri="{FF2B5EF4-FFF2-40B4-BE49-F238E27FC236}">
+                <a16:creationId xmlns:a16="http://schemas.microsoft.com/office/drawing/2014/main" id="{755158AC-0644-106B-D95A-84440A543897}"/>
+              </a:ext>
+            </a:extLst>
+          </p:cNvPr>
+          <p:cNvPicPr>
+            <a:picLocks noChangeAspect="1"/>
+          </p:cNvPicPr>
+          <p:nvPr/>
+        </p:nvPicPr>
+        <p:blipFill>
+          <a:blip r:embed="rId6">
+            <a:alphaModFix amt="80000"/>
+            <a:extLst>
+              <a:ext uri="{96DAC541-7B7A-43D3-8B79-37D633B846F1}">
+                <asvg:svgBlip xmlns:asvg="http://schemas.microsoft.com/office/drawing/2016/SVG/main" r:embed="rId7"/>
+              </a:ext>
+            </a:extLst>
+          </a:blip>
+          <a:stretch>
+            <a:fillRect/>
+          </a:stretch>
+        </p:blipFill>
+        <p:spPr>
+          <a:xfrm>
+            <a:off x="4709776" y="3468195"/>
+            <a:ext cx="1294166" cy="956954"/>
+          </a:xfrm>
+          <a:prstGeom prst="rect">
+            <a:avLst/>
+          </a:prstGeom>
+        </p:spPr>
+      </p:pic>
+      <p:pic>
+        <p:nvPicPr>
+          <p:cNvPr id="14" name="Graphic 13">
+            <a:extLst>
+              <a:ext uri="{FF2B5EF4-FFF2-40B4-BE49-F238E27FC236}">
+                <a16:creationId xmlns:a16="http://schemas.microsoft.com/office/drawing/2014/main" id="{9C96CBE2-3DB4-72CB-9FE6-A09B9BFFFBF6}"/>
+              </a:ext>
+            </a:extLst>
+          </p:cNvPr>
+          <p:cNvPicPr>
+            <a:picLocks noChangeAspect="1"/>
+          </p:cNvPicPr>
+          <p:nvPr/>
+        </p:nvPicPr>
+        <p:blipFill>
+          <a:blip r:embed="rId6">
+            <a:alphaModFix amt="80000"/>
+            <a:extLst>
+              <a:ext uri="{96DAC541-7B7A-43D3-8B79-37D633B846F1}">
+                <asvg:svgBlip xmlns:asvg="http://schemas.microsoft.com/office/drawing/2016/SVG/main" r:embed="rId7"/>
+              </a:ext>
+            </a:extLst>
+          </a:blip>
+          <a:stretch>
+            <a:fillRect/>
+          </a:stretch>
+        </p:blipFill>
+        <p:spPr>
+          <a:xfrm>
+            <a:off x="10225423" y="2441012"/>
+            <a:ext cx="1294166" cy="956954"/>
+          </a:xfrm>
+          <a:prstGeom prst="rect">
+            <a:avLst/>
+          </a:prstGeom>
+        </p:spPr>
+      </p:pic>
+      <p:pic>
+        <p:nvPicPr>
+          <p:cNvPr id="15" name="Picture 14">
+            <a:extLst>
+              <a:ext uri="{FF2B5EF4-FFF2-40B4-BE49-F238E27FC236}">
+                <a16:creationId xmlns:a16="http://schemas.microsoft.com/office/drawing/2014/main" id="{00727FC4-E87F-BFAE-92E1-90E75068DC9A}"/>
+              </a:ext>
+            </a:extLst>
+          </p:cNvPr>
+          <p:cNvPicPr>
+            <a:picLocks noChangeAspect="1"/>
+          </p:cNvPicPr>
+          <p:nvPr/>
+        </p:nvPicPr>
+        <p:blipFill>
+          <a:blip r:embed="rId8">
+            <a:extLst>
+              <a:ext uri="{28A0092B-C50C-407E-A947-70E740481C1C}">
+                <a14:useLocalDpi xmlns:a14="http://schemas.microsoft.com/office/drawing/2010/main" val="0"/>
+              </a:ext>
+            </a:extLst>
+          </a:blip>
+          <a:stretch>
+            <a:fillRect/>
+          </a:stretch>
+        </p:blipFill>
+        <p:spPr>
+          <a:xfrm>
+            <a:off x="650911" y="5504523"/>
+            <a:ext cx="2839784" cy="1120111"/>
+          </a:xfrm>
+          <a:prstGeom prst="rect">
+            <a:avLst/>
+          </a:prstGeom>
+        </p:spPr>
+      </p:pic>
+      <p:pic>
+        <p:nvPicPr>
+          <p:cNvPr id="17" name="Picture 16">
+            <a:extLst>
+              <a:ext uri="{FF2B5EF4-FFF2-40B4-BE49-F238E27FC236}">
+                <a16:creationId xmlns:a16="http://schemas.microsoft.com/office/drawing/2014/main" id="{8D5361AA-A057-2910-48E6-FCF6BBFE566D}"/>
+              </a:ext>
+            </a:extLst>
+          </p:cNvPr>
+          <p:cNvPicPr>
+            <a:picLocks noChangeAspect="1"/>
+          </p:cNvPicPr>
+          <p:nvPr/>
+        </p:nvPicPr>
+        <p:blipFill>
+          <a:blip r:embed="rId9">
+            <a:extLst>
+              <a:ext uri="{28A0092B-C50C-407E-A947-70E740481C1C}">
+                <a14:useLocalDpi xmlns:a14="http://schemas.microsoft.com/office/drawing/2010/main" val="0"/>
+              </a:ext>
+            </a:extLst>
+          </a:blip>
+          <a:stretch>
+            <a:fillRect/>
+          </a:stretch>
+        </p:blipFill>
+        <p:spPr>
+          <a:xfrm>
+            <a:off x="4709776" y="5499678"/>
+            <a:ext cx="2839785" cy="1120111"/>
+          </a:xfrm>
+          <a:prstGeom prst="rect">
+            <a:avLst/>
+          </a:prstGeom>
+        </p:spPr>
+      </p:pic>
+      <p:pic>
+        <p:nvPicPr>
+          <p:cNvPr id="19" name="Picture 18">
+            <a:extLst>
+              <a:ext uri="{FF2B5EF4-FFF2-40B4-BE49-F238E27FC236}">
+                <a16:creationId xmlns:a16="http://schemas.microsoft.com/office/drawing/2014/main" id="{27BCB299-C9C2-135E-DA6E-DAF67F61EB6A}"/>
+              </a:ext>
+            </a:extLst>
+          </p:cNvPr>
+          <p:cNvPicPr>
+            <a:picLocks noChangeAspect="1"/>
+          </p:cNvPicPr>
+          <p:nvPr/>
+        </p:nvPicPr>
+        <p:blipFill>
+          <a:blip r:embed="rId10">
+            <a:extLst>
+              <a:ext uri="{28A0092B-C50C-407E-A947-70E740481C1C}">
+                <a14:useLocalDpi xmlns:a14="http://schemas.microsoft.com/office/drawing/2010/main" val="0"/>
+              </a:ext>
+            </a:extLst>
+          </a:blip>
+          <a:stretch>
+            <a:fillRect/>
+          </a:stretch>
+        </p:blipFill>
+        <p:spPr>
+          <a:xfrm>
+            <a:off x="8805531" y="5499677"/>
+            <a:ext cx="2839784" cy="1120111"/>
+          </a:xfrm>
+          <a:prstGeom prst="rect">
+            <a:avLst/>
+          </a:prstGeom>
+        </p:spPr>
+      </p:pic>
+    </p:spTree>
+    <p:extLst>
+      <p:ext uri="{BB962C8B-B14F-4D97-AF65-F5344CB8AC3E}">
+        <p14:creationId xmlns:p14="http://schemas.microsoft.com/office/powerpoint/2010/main" val="2890466382"/>
+      </p:ext>
+    </p:extLst>
+  </p:cSld>
+  <p:clrMapOvr>
+    <a:masterClrMapping/>
+  </p:clrMapOvr>
+</p:sld>
+</file>
+
+<file path=ppt/slides/slide25.xml><?xml version="1.0" encoding="utf-8"?>
+<p:sld xmlns:a="http://schemas.openxmlformats.org/drawingml/2006/main" xmlns:r="http://schemas.openxmlformats.org/officeDocument/2006/relationships" xmlns:p="http://schemas.openxmlformats.org/presentationml/2006/main">
+  <p:cSld>
+    <p:spTree>
+      <p:nvGrpSpPr>
+        <p:cNvPr id="1" name="">
+          <a:extLst>
+            <a:ext uri="{FF2B5EF4-FFF2-40B4-BE49-F238E27FC236}">
+              <a16:creationId xmlns:a16="http://schemas.microsoft.com/office/drawing/2014/main" id="{09920702-C854-AD57-B19A-EDF7ED149A48}"/>
+            </a:ext>
+          </a:extLst>
+        </p:cNvPr>
+        <p:cNvGrpSpPr/>
+        <p:nvPr/>
+      </p:nvGrpSpPr>
+      <p:grpSpPr>
+        <a:xfrm>
+          <a:off x="0" y="0"/>
+          <a:ext cx="0" cy="0"/>
+          <a:chOff x="0" y="0"/>
+          <a:chExt cx="0" cy="0"/>
+        </a:xfrm>
+      </p:grpSpPr>
+      <p:sp>
+        <p:nvSpPr>
+          <p:cNvPr id="6" name="Rectangle 5">
+            <a:extLst>
+              <a:ext uri="{FF2B5EF4-FFF2-40B4-BE49-F238E27FC236}">
+                <a16:creationId xmlns:a16="http://schemas.microsoft.com/office/drawing/2014/main" id="{52BB6900-FBE1-5ECA-A81D-35048C0893DF}"/>
+              </a:ext>
+            </a:extLst>
+          </p:cNvPr>
+          <p:cNvSpPr/>
+          <p:nvPr/>
+        </p:nvSpPr>
+        <p:spPr>
+          <a:xfrm>
+            <a:off x="0" y="0"/>
+            <a:ext cx="12192000" cy="6858000"/>
+          </a:xfrm>
+          <a:prstGeom prst="rect">
+            <a:avLst/>
+          </a:prstGeom>
+          <a:solidFill>
+            <a:srgbClr val="23242A"/>
+          </a:solidFill>
+          <a:ln>
+            <a:noFill/>
+          </a:ln>
+        </p:spPr>
+        <p:style>
+          <a:lnRef idx="2">
+            <a:schemeClr val="accent1">
+              <a:shade val="15000"/>
+            </a:schemeClr>
+          </a:lnRef>
+          <a:fillRef idx="1">
+            <a:schemeClr val="accent1"/>
+          </a:fillRef>
+          <a:effectRef idx="0">
+            <a:schemeClr val="accent1"/>
+          </a:effectRef>
+          <a:fontRef idx="minor">
+            <a:schemeClr val="lt1"/>
+          </a:fontRef>
+        </p:style>
+        <p:txBody>
+          <a:bodyPr rtlCol="0" anchor="ctr"/>
+          <a:lstStyle/>
+          <a:p>
+            <a:pPr algn="ctr"/>
+            <a:endParaRPr lang="zh-CN" altLang="en-US" dirty="0"/>
+          </a:p>
+        </p:txBody>
+      </p:sp>
+      <p:sp>
+        <p:nvSpPr>
+          <p:cNvPr id="2" name="Slide Number Placeholder 1">
+            <a:extLst>
+              <a:ext uri="{FF2B5EF4-FFF2-40B4-BE49-F238E27FC236}">
+                <a16:creationId xmlns:a16="http://schemas.microsoft.com/office/drawing/2014/main" id="{66710F45-901D-82B5-071D-27D7A43074FB}"/>
+              </a:ext>
+            </a:extLst>
+          </p:cNvPr>
+          <p:cNvSpPr>
+            <a:spLocks noGrp="1"/>
+          </p:cNvSpPr>
+          <p:nvPr>
+            <p:ph type="sldNum" sz="quarter" idx="12"/>
+          </p:nvPr>
+        </p:nvSpPr>
+        <p:spPr>
+          <a:xfrm>
+            <a:off x="9057739" y="6259509"/>
+            <a:ext cx="2743200" cy="365125"/>
+          </a:xfrm>
+        </p:spPr>
+        <p:txBody>
+          <a:bodyPr/>
+          <a:lstStyle/>
+          <a:p>
+            <a:fld id="{9B1EC109-1E15-4BCA-93B5-56442BB3443E}" type="slidenum">
+              <a:rPr lang="zh-CN" altLang="en-US" sz="2400" b="1" smtClean="0">
+                <a:solidFill>
+                  <a:schemeClr val="bg1">
+                    <a:lumMod val="65000"/>
+                  </a:schemeClr>
+                </a:solidFill>
+                <a:latin typeface="Bradley Hand ITC" panose="03070402050302030203" pitchFamily="66" charset="0"/>
+              </a:rPr>
+              <a:t>25</a:t>
+            </a:fld>
+            <a:endParaRPr lang="zh-CN" altLang="en-US" sz="2400" b="1" dirty="0">
+              <a:solidFill>
+                <a:schemeClr val="bg1">
+                  <a:lumMod val="65000"/>
+                </a:schemeClr>
+              </a:solidFill>
+              <a:latin typeface="Bradley Hand ITC" panose="03070402050302030203" pitchFamily="66" charset="0"/>
+            </a:endParaRPr>
+          </a:p>
+        </p:txBody>
+      </p:sp>
+      <p:sp>
+        <p:nvSpPr>
+          <p:cNvPr id="5" name="Google Shape;867;p33">
+            <a:extLst>
+              <a:ext uri="{FF2B5EF4-FFF2-40B4-BE49-F238E27FC236}">
+                <a16:creationId xmlns:a16="http://schemas.microsoft.com/office/drawing/2014/main" id="{666AA981-D491-EA68-E798-6F7D723ACEE3}"/>
+              </a:ext>
+            </a:extLst>
+          </p:cNvPr>
+          <p:cNvSpPr txBox="1">
+            <a:spLocks/>
+          </p:cNvSpPr>
+          <p:nvPr/>
+        </p:nvSpPr>
+        <p:spPr>
+          <a:xfrm>
+            <a:off x="659130" y="134894"/>
+            <a:ext cx="10904220" cy="1602400"/>
+          </a:xfrm>
+          <a:prstGeom prst="rect">
+            <a:avLst/>
+          </a:prstGeom>
+          <a:noFill/>
+          <a:ln>
+            <a:noFill/>
+          </a:ln>
+        </p:spPr>
+        <p:txBody>
+          <a:bodyPr spcFirstLastPara="1" wrap="square" lIns="91425" tIns="91425" rIns="91425" bIns="91425" anchor="b" anchorCtr="0">
+            <a:noAutofit/>
+          </a:bodyPr>
+          <a:lstStyle>
+            <a:defPPr marR="0" lvl="0" algn="l" rtl="0">
+              <a:lnSpc>
+                <a:spcPct val="100000"/>
+              </a:lnSpc>
+              <a:spcBef>
+                <a:spcPts val="0"/>
+              </a:spcBef>
+              <a:spcAft>
+                <a:spcPts val="0"/>
+              </a:spcAft>
+            </a:defPPr>
+            <a:lvl1pPr marR="0" lvl="0" algn="l" rtl="0">
+              <a:lnSpc>
+                <a:spcPct val="100000"/>
+              </a:lnSpc>
+              <a:spcBef>
+                <a:spcPts val="0"/>
+              </a:spcBef>
+              <a:spcAft>
+                <a:spcPts val="0"/>
+              </a:spcAft>
+              <a:buClr>
+                <a:schemeClr val="dk1"/>
+              </a:buClr>
+              <a:buSzPts val="3600"/>
+              <a:buFont typeface="Barlow"/>
+              <a:buNone/>
+              <a:defRPr sz="7200" b="1" i="0" u="none" strike="noStrike" cap="none">
+                <a:solidFill>
+                  <a:schemeClr val="dk1"/>
+                </a:solidFill>
+                <a:latin typeface="Barlow"/>
+                <a:ea typeface="Barlow"/>
+                <a:cs typeface="Barlow"/>
+                <a:sym typeface="Barlow"/>
+              </a:defRPr>
+            </a:lvl1pPr>
+            <a:lvl2pPr marR="0" lvl="1" algn="ctr" rtl="0">
+              <a:lnSpc>
+                <a:spcPct val="100000"/>
+              </a:lnSpc>
+              <a:spcBef>
+                <a:spcPts val="0"/>
+              </a:spcBef>
+              <a:spcAft>
+                <a:spcPts val="0"/>
+              </a:spcAft>
+              <a:buClr>
+                <a:schemeClr val="dk1"/>
+              </a:buClr>
+              <a:buSzPts val="3600"/>
+              <a:buFont typeface="Barlow"/>
+              <a:buNone/>
+              <a:defRPr sz="3600" b="1" i="0" u="none" strike="noStrike" cap="none">
+                <a:solidFill>
+                  <a:schemeClr val="dk1"/>
+                </a:solidFill>
+                <a:latin typeface="Barlow"/>
+                <a:ea typeface="Barlow"/>
+                <a:cs typeface="Barlow"/>
+                <a:sym typeface="Barlow"/>
+              </a:defRPr>
+            </a:lvl2pPr>
+            <a:lvl3pPr marR="0" lvl="2" algn="ctr" rtl="0">
+              <a:lnSpc>
+                <a:spcPct val="100000"/>
+              </a:lnSpc>
+              <a:spcBef>
+                <a:spcPts val="0"/>
+              </a:spcBef>
+              <a:spcAft>
+                <a:spcPts val="0"/>
+              </a:spcAft>
+              <a:buClr>
+                <a:schemeClr val="dk1"/>
+              </a:buClr>
+              <a:buSzPts val="3600"/>
+              <a:buFont typeface="Barlow"/>
+              <a:buNone/>
+              <a:defRPr sz="3600" b="1" i="0" u="none" strike="noStrike" cap="none">
+                <a:solidFill>
+                  <a:schemeClr val="dk1"/>
+                </a:solidFill>
+                <a:latin typeface="Barlow"/>
+                <a:ea typeface="Barlow"/>
+                <a:cs typeface="Barlow"/>
+                <a:sym typeface="Barlow"/>
+              </a:defRPr>
+            </a:lvl3pPr>
+            <a:lvl4pPr marR="0" lvl="3" algn="ctr" rtl="0">
+              <a:lnSpc>
+                <a:spcPct val="100000"/>
+              </a:lnSpc>
+              <a:spcBef>
+                <a:spcPts val="0"/>
+              </a:spcBef>
+              <a:spcAft>
+                <a:spcPts val="0"/>
+              </a:spcAft>
+              <a:buClr>
+                <a:schemeClr val="dk1"/>
+              </a:buClr>
+              <a:buSzPts val="3600"/>
+              <a:buFont typeface="Barlow"/>
+              <a:buNone/>
+              <a:defRPr sz="3600" b="1" i="0" u="none" strike="noStrike" cap="none">
+                <a:solidFill>
+                  <a:schemeClr val="dk1"/>
+                </a:solidFill>
+                <a:latin typeface="Barlow"/>
+                <a:ea typeface="Barlow"/>
+                <a:cs typeface="Barlow"/>
+                <a:sym typeface="Barlow"/>
+              </a:defRPr>
+            </a:lvl4pPr>
+            <a:lvl5pPr marR="0" lvl="4" algn="ctr" rtl="0">
+              <a:lnSpc>
+                <a:spcPct val="100000"/>
+              </a:lnSpc>
+              <a:spcBef>
+                <a:spcPts val="0"/>
+              </a:spcBef>
+              <a:spcAft>
+                <a:spcPts val="0"/>
+              </a:spcAft>
+              <a:buClr>
+                <a:schemeClr val="dk1"/>
+              </a:buClr>
+              <a:buSzPts val="3600"/>
+              <a:buFont typeface="Barlow"/>
+              <a:buNone/>
+              <a:defRPr sz="3600" b="1" i="0" u="none" strike="noStrike" cap="none">
+                <a:solidFill>
+                  <a:schemeClr val="dk1"/>
+                </a:solidFill>
+                <a:latin typeface="Barlow"/>
+                <a:ea typeface="Barlow"/>
+                <a:cs typeface="Barlow"/>
+                <a:sym typeface="Barlow"/>
+              </a:defRPr>
+            </a:lvl5pPr>
+            <a:lvl6pPr marR="0" lvl="5" algn="ctr" rtl="0">
+              <a:lnSpc>
+                <a:spcPct val="100000"/>
+              </a:lnSpc>
+              <a:spcBef>
+                <a:spcPts val="0"/>
+              </a:spcBef>
+              <a:spcAft>
+                <a:spcPts val="0"/>
+              </a:spcAft>
+              <a:buClr>
+                <a:schemeClr val="dk1"/>
+              </a:buClr>
+              <a:buSzPts val="3600"/>
+              <a:buFont typeface="Barlow"/>
+              <a:buNone/>
+              <a:defRPr sz="3600" b="1" i="0" u="none" strike="noStrike" cap="none">
+                <a:solidFill>
+                  <a:schemeClr val="dk1"/>
+                </a:solidFill>
+                <a:latin typeface="Barlow"/>
+                <a:ea typeface="Barlow"/>
+                <a:cs typeface="Barlow"/>
+                <a:sym typeface="Barlow"/>
+              </a:defRPr>
+            </a:lvl6pPr>
+            <a:lvl7pPr marR="0" lvl="6" algn="ctr" rtl="0">
+              <a:lnSpc>
+                <a:spcPct val="100000"/>
+              </a:lnSpc>
+              <a:spcBef>
+                <a:spcPts val="0"/>
+              </a:spcBef>
+              <a:spcAft>
+                <a:spcPts val="0"/>
+              </a:spcAft>
+              <a:buClr>
+                <a:schemeClr val="dk1"/>
+              </a:buClr>
+              <a:buSzPts val="3600"/>
+              <a:buFont typeface="Barlow"/>
+              <a:buNone/>
+              <a:defRPr sz="3600" b="1" i="0" u="none" strike="noStrike" cap="none">
+                <a:solidFill>
+                  <a:schemeClr val="dk1"/>
+                </a:solidFill>
+                <a:latin typeface="Barlow"/>
+                <a:ea typeface="Barlow"/>
+                <a:cs typeface="Barlow"/>
+                <a:sym typeface="Barlow"/>
+              </a:defRPr>
+            </a:lvl7pPr>
+            <a:lvl8pPr marR="0" lvl="7" algn="ctr" rtl="0">
+              <a:lnSpc>
+                <a:spcPct val="100000"/>
+              </a:lnSpc>
+              <a:spcBef>
+                <a:spcPts val="0"/>
+              </a:spcBef>
+              <a:spcAft>
+                <a:spcPts val="0"/>
+              </a:spcAft>
+              <a:buClr>
+                <a:schemeClr val="dk1"/>
+              </a:buClr>
+              <a:buSzPts val="3600"/>
+              <a:buFont typeface="Barlow"/>
+              <a:buNone/>
+              <a:defRPr sz="3600" b="1" i="0" u="none" strike="noStrike" cap="none">
+                <a:solidFill>
+                  <a:schemeClr val="dk1"/>
+                </a:solidFill>
+                <a:latin typeface="Barlow"/>
+                <a:ea typeface="Barlow"/>
+                <a:cs typeface="Barlow"/>
+                <a:sym typeface="Barlow"/>
+              </a:defRPr>
+            </a:lvl8pPr>
+            <a:lvl9pPr marR="0" lvl="8" algn="ctr" rtl="0">
+              <a:lnSpc>
+                <a:spcPct val="100000"/>
+              </a:lnSpc>
+              <a:spcBef>
+                <a:spcPts val="0"/>
+              </a:spcBef>
+              <a:spcAft>
+                <a:spcPts val="0"/>
+              </a:spcAft>
+              <a:buClr>
+                <a:schemeClr val="dk1"/>
+              </a:buClr>
+              <a:buSzPts val="3600"/>
+              <a:buFont typeface="Barlow"/>
+              <a:buNone/>
+              <a:defRPr sz="3600" b="1" i="0" u="none" strike="noStrike" cap="none">
+                <a:solidFill>
+                  <a:schemeClr val="dk1"/>
+                </a:solidFill>
+                <a:latin typeface="Barlow"/>
+                <a:ea typeface="Barlow"/>
+                <a:cs typeface="Barlow"/>
+                <a:sym typeface="Barlow"/>
+              </a:defRPr>
+            </a:lvl9pPr>
+          </a:lstStyle>
+          <a:p>
+            <a:pPr algn="ctr"/>
+            <a:r>
+              <a:rPr lang="en-US" altLang="zh-CN" spc="300" dirty="0">
+                <a:solidFill>
+                  <a:schemeClr val="accent4">
+                    <a:lumMod val="60000"/>
+                    <a:lumOff val="40000"/>
+                    <a:alpha val="60000"/>
+                  </a:schemeClr>
+                </a:solidFill>
+                <a:latin typeface="Amatic SC" panose="020F0502020204030204" pitchFamily="2" charset="-79"/>
+                <a:cs typeface="Amatic SC" panose="020F0502020204030204" pitchFamily="2" charset="-79"/>
+              </a:rPr>
+              <a:t>Make It Harder – Smaller Bug</a:t>
+            </a:r>
+          </a:p>
+        </p:txBody>
+      </p:sp>
+      <p:pic>
+        <p:nvPicPr>
+          <p:cNvPr id="7" name="Graphic 6">
+            <a:extLst>
+              <a:ext uri="{FF2B5EF4-FFF2-40B4-BE49-F238E27FC236}">
+                <a16:creationId xmlns:a16="http://schemas.microsoft.com/office/drawing/2014/main" id="{A4AA7591-DC7A-FF39-1844-6C2888776379}"/>
+              </a:ext>
+            </a:extLst>
+          </p:cNvPr>
+          <p:cNvPicPr>
+            <a:picLocks noChangeAspect="1"/>
+          </p:cNvPicPr>
+          <p:nvPr/>
+        </p:nvPicPr>
+        <p:blipFill>
+          <a:blip r:embed="rId2">
+            <a:extLst>
+              <a:ext uri="{96DAC541-7B7A-43D3-8B79-37D633B846F1}">
+                <asvg:svgBlip xmlns:asvg="http://schemas.microsoft.com/office/drawing/2016/SVG/main" r:embed="rId3"/>
+              </a:ext>
+            </a:extLst>
+          </a:blip>
+          <a:stretch>
+            <a:fillRect/>
+          </a:stretch>
+        </p:blipFill>
+        <p:spPr>
+          <a:xfrm>
+            <a:off x="507960" y="2558040"/>
+            <a:ext cx="3125687" cy="2355590"/>
+          </a:xfrm>
+          <a:prstGeom prst="rect">
+            <a:avLst/>
+          </a:prstGeom>
+        </p:spPr>
+      </p:pic>
+      <p:pic>
+        <p:nvPicPr>
+          <p:cNvPr id="8" name="Picture 7">
+            <a:extLst>
+              <a:ext uri="{FF2B5EF4-FFF2-40B4-BE49-F238E27FC236}">
+                <a16:creationId xmlns:a16="http://schemas.microsoft.com/office/drawing/2014/main" id="{592CBB65-3227-81A2-1117-D9E347BEE72F}"/>
+              </a:ext>
+            </a:extLst>
+          </p:cNvPr>
+          <p:cNvPicPr>
+            <a:picLocks noChangeAspect="1"/>
+          </p:cNvPicPr>
+          <p:nvPr/>
+        </p:nvPicPr>
+        <p:blipFill>
+          <a:blip r:embed="rId4">
+            <a:extLst>
+              <a:ext uri="{28A0092B-C50C-407E-A947-70E740481C1C}">
+                <a14:useLocalDpi xmlns:a14="http://schemas.microsoft.com/office/drawing/2010/main" val="0"/>
+              </a:ext>
+            </a:extLst>
+          </a:blip>
+          <a:stretch>
+            <a:fillRect/>
+          </a:stretch>
+        </p:blipFill>
+        <p:spPr>
+          <a:xfrm>
+            <a:off x="4525605" y="2558040"/>
+            <a:ext cx="3140788" cy="2355591"/>
+          </a:xfrm>
+          <a:prstGeom prst="rect">
+            <a:avLst/>
+          </a:prstGeom>
+        </p:spPr>
+      </p:pic>
+      <p:pic>
+        <p:nvPicPr>
+          <p:cNvPr id="9" name="Picture 8">
+            <a:extLst>
+              <a:ext uri="{FF2B5EF4-FFF2-40B4-BE49-F238E27FC236}">
+                <a16:creationId xmlns:a16="http://schemas.microsoft.com/office/drawing/2014/main" id="{FD2B7B1E-FA87-6829-02C3-C00B7695FAD6}"/>
+              </a:ext>
+            </a:extLst>
+          </p:cNvPr>
+          <p:cNvPicPr>
+            <a:picLocks noChangeAspect="1"/>
+          </p:cNvPicPr>
+          <p:nvPr/>
+        </p:nvPicPr>
+        <p:blipFill>
+          <a:blip r:embed="rId5">
+            <a:extLst>
+              <a:ext uri="{28A0092B-C50C-407E-A947-70E740481C1C}">
+                <a14:useLocalDpi xmlns:a14="http://schemas.microsoft.com/office/drawing/2010/main" val="0"/>
+              </a:ext>
+            </a:extLst>
+          </a:blip>
+          <a:stretch>
+            <a:fillRect/>
+          </a:stretch>
+        </p:blipFill>
+        <p:spPr>
+          <a:xfrm>
+            <a:off x="8558351" y="2558040"/>
+            <a:ext cx="3140787" cy="2355590"/>
+          </a:xfrm>
+          <a:prstGeom prst="rect">
+            <a:avLst/>
+          </a:prstGeom>
+        </p:spPr>
+      </p:pic>
+      <p:pic>
+        <p:nvPicPr>
+          <p:cNvPr id="10" name="Graphic 9">
+            <a:extLst>
+              <a:ext uri="{FF2B5EF4-FFF2-40B4-BE49-F238E27FC236}">
+                <a16:creationId xmlns:a16="http://schemas.microsoft.com/office/drawing/2014/main" id="{C018DC4D-2A24-D547-FB14-6468D8D814A2}"/>
+              </a:ext>
+            </a:extLst>
+          </p:cNvPr>
+          <p:cNvPicPr>
+            <a:picLocks noChangeAspect="1"/>
+          </p:cNvPicPr>
+          <p:nvPr/>
+        </p:nvPicPr>
+        <p:blipFill>
+          <a:blip r:embed="rId6">
+            <a:alphaModFix amt="80000"/>
+            <a:extLst>
+              <a:ext uri="{96DAC541-7B7A-43D3-8B79-37D633B846F1}">
+                <asvg:svgBlip xmlns:asvg="http://schemas.microsoft.com/office/drawing/2016/SVG/main" r:embed="rId7"/>
+              </a:ext>
+            </a:extLst>
+          </a:blip>
+          <a:stretch>
+            <a:fillRect/>
+          </a:stretch>
+        </p:blipFill>
+        <p:spPr>
+          <a:xfrm>
+            <a:off x="626074" y="2654372"/>
+            <a:ext cx="1294166" cy="956954"/>
+          </a:xfrm>
+          <a:prstGeom prst="rect">
+            <a:avLst/>
+          </a:prstGeom>
+        </p:spPr>
+      </p:pic>
+      <p:pic>
+        <p:nvPicPr>
+          <p:cNvPr id="11" name="Graphic 10">
+            <a:extLst>
+              <a:ext uri="{FF2B5EF4-FFF2-40B4-BE49-F238E27FC236}">
+                <a16:creationId xmlns:a16="http://schemas.microsoft.com/office/drawing/2014/main" id="{D1F479BF-F829-8717-57BC-72D6F24B7A02}"/>
+              </a:ext>
+            </a:extLst>
+          </p:cNvPr>
+          <p:cNvPicPr>
+            <a:picLocks noChangeAspect="1"/>
+          </p:cNvPicPr>
+          <p:nvPr/>
+        </p:nvPicPr>
+        <p:blipFill>
+          <a:blip r:embed="rId6">
+            <a:alphaModFix amt="80000"/>
+            <a:extLst>
+              <a:ext uri="{96DAC541-7B7A-43D3-8B79-37D633B846F1}">
+                <asvg:svgBlip xmlns:asvg="http://schemas.microsoft.com/office/drawing/2016/SVG/main" r:embed="rId7"/>
+              </a:ext>
+            </a:extLst>
+          </a:blip>
+          <a:stretch>
+            <a:fillRect/>
+          </a:stretch>
+        </p:blipFill>
+        <p:spPr>
+          <a:xfrm>
+            <a:off x="4709776" y="3978735"/>
+            <a:ext cx="1294166" cy="956954"/>
+          </a:xfrm>
+          <a:prstGeom prst="rect">
+            <a:avLst/>
+          </a:prstGeom>
+        </p:spPr>
+      </p:pic>
+      <p:pic>
+        <p:nvPicPr>
+          <p:cNvPr id="12" name="Graphic 11">
+            <a:extLst>
+              <a:ext uri="{FF2B5EF4-FFF2-40B4-BE49-F238E27FC236}">
+                <a16:creationId xmlns:a16="http://schemas.microsoft.com/office/drawing/2014/main" id="{F4428C6B-05E3-4172-73CB-E2BF9EC6FAFA}"/>
+              </a:ext>
+            </a:extLst>
+          </p:cNvPr>
+          <p:cNvPicPr>
+            <a:picLocks noChangeAspect="1"/>
+          </p:cNvPicPr>
+          <p:nvPr/>
+        </p:nvPicPr>
+        <p:blipFill>
+          <a:blip r:embed="rId6">
+            <a:alphaModFix amt="80000"/>
+            <a:extLst>
+              <a:ext uri="{96DAC541-7B7A-43D3-8B79-37D633B846F1}">
+                <asvg:svgBlip xmlns:asvg="http://schemas.microsoft.com/office/drawing/2016/SVG/main" r:embed="rId7"/>
+              </a:ext>
+            </a:extLst>
+          </a:blip>
+          <a:stretch>
+            <a:fillRect/>
+          </a:stretch>
+        </p:blipFill>
+        <p:spPr>
+          <a:xfrm>
+            <a:off x="10225423" y="2951552"/>
+            <a:ext cx="1294166" cy="956954"/>
+          </a:xfrm>
+          <a:prstGeom prst="rect">
+            <a:avLst/>
+          </a:prstGeom>
+        </p:spPr>
+      </p:pic>
+      <p:sp>
+        <p:nvSpPr>
+          <p:cNvPr id="13" name="TextBox 12">
+            <a:extLst>
+              <a:ext uri="{FF2B5EF4-FFF2-40B4-BE49-F238E27FC236}">
+                <a16:creationId xmlns:a16="http://schemas.microsoft.com/office/drawing/2014/main" id="{89D7D332-73FE-3778-83FC-3B9ACC0F25D9}"/>
+              </a:ext>
+            </a:extLst>
+          </p:cNvPr>
+          <p:cNvSpPr txBox="1"/>
+          <p:nvPr/>
+        </p:nvSpPr>
+        <p:spPr>
+          <a:xfrm>
+            <a:off x="1535906" y="5531871"/>
+            <a:ext cx="9150668" cy="707886"/>
+          </a:xfrm>
+          <a:prstGeom prst="rect">
+            <a:avLst/>
+          </a:prstGeom>
+          <a:noFill/>
+        </p:spPr>
+        <p:txBody>
+          <a:bodyPr wrap="square" rtlCol="0">
+            <a:spAutoFit/>
+          </a:bodyPr>
+          <a:lstStyle/>
+          <a:p>
+            <a:pPr algn="ctr"/>
+            <a:r>
+              <a:rPr lang="en-US" altLang="zh-CN" sz="4000" dirty="0">
+                <a:solidFill>
+                  <a:schemeClr val="bg1">
+                    <a:lumMod val="75000"/>
+                  </a:schemeClr>
+                </a:solidFill>
+                <a:latin typeface="High Tower Text" panose="02040502050506030303" pitchFamily="18" charset="0"/>
+              </a:rPr>
+              <a:t>Bug is too </a:t>
+            </a:r>
+            <a:r>
+              <a:rPr lang="en-US" altLang="zh-CN" sz="4000" dirty="0">
+                <a:solidFill>
+                  <a:schemeClr val="accent2">
+                    <a:lumMod val="60000"/>
+                    <a:lumOff val="40000"/>
+                  </a:schemeClr>
+                </a:solidFill>
+                <a:latin typeface="High Tower Text" panose="02040502050506030303" pitchFamily="18" charset="0"/>
+              </a:rPr>
+              <a:t>big</a:t>
+            </a:r>
+            <a:r>
+              <a:rPr lang="en-US" altLang="zh-CN" sz="4000" dirty="0">
+                <a:solidFill>
+                  <a:schemeClr val="bg1">
+                    <a:lumMod val="75000"/>
+                  </a:schemeClr>
+                </a:solidFill>
+                <a:latin typeface="High Tower Text" panose="02040502050506030303" pitchFamily="18" charset="0"/>
+              </a:rPr>
+              <a:t> and too easy to find!</a:t>
+            </a:r>
+            <a:endParaRPr lang="zh-CN" altLang="en-US" sz="4000" dirty="0">
+              <a:solidFill>
+                <a:schemeClr val="bg1">
+                  <a:lumMod val="75000"/>
+                </a:schemeClr>
+              </a:solidFill>
+              <a:latin typeface="High Tower Text" panose="02040502050506030303" pitchFamily="18" charset="0"/>
+            </a:endParaRPr>
+          </a:p>
+        </p:txBody>
+      </p:sp>
+    </p:spTree>
+    <p:extLst>
+      <p:ext uri="{BB962C8B-B14F-4D97-AF65-F5344CB8AC3E}">
+        <p14:creationId xmlns:p14="http://schemas.microsoft.com/office/powerpoint/2010/main" val="4243271970"/>
+      </p:ext>
+    </p:extLst>
+  </p:cSld>
+  <p:clrMapOvr>
+    <a:masterClrMapping/>
+  </p:clrMapOvr>
+</p:sld>
+</file>
+
+<file path=ppt/slides/slide26.xml><?xml version="1.0" encoding="utf-8"?>
+<p:sld xmlns:a="http://schemas.openxmlformats.org/drawingml/2006/main" xmlns:r="http://schemas.openxmlformats.org/officeDocument/2006/relationships" xmlns:p="http://schemas.openxmlformats.org/presentationml/2006/main">
+  <p:cSld>
+    <p:spTree>
+      <p:nvGrpSpPr>
+        <p:cNvPr id="1" name="">
+          <a:extLst>
+            <a:ext uri="{FF2B5EF4-FFF2-40B4-BE49-F238E27FC236}">
+              <a16:creationId xmlns:a16="http://schemas.microsoft.com/office/drawing/2014/main" id="{F970D0EF-2FF3-EE70-0CAE-9D2310FA7986}"/>
+            </a:ext>
+          </a:extLst>
+        </p:cNvPr>
+        <p:cNvGrpSpPr/>
+        <p:nvPr/>
+      </p:nvGrpSpPr>
+      <p:grpSpPr>
+        <a:xfrm>
+          <a:off x="0" y="0"/>
+          <a:ext cx="0" cy="0"/>
+          <a:chOff x="0" y="0"/>
+          <a:chExt cx="0" cy="0"/>
+        </a:xfrm>
+      </p:grpSpPr>
+      <p:sp>
+        <p:nvSpPr>
+          <p:cNvPr id="6" name="Rectangle 5">
+            <a:extLst>
+              <a:ext uri="{FF2B5EF4-FFF2-40B4-BE49-F238E27FC236}">
+                <a16:creationId xmlns:a16="http://schemas.microsoft.com/office/drawing/2014/main" id="{8E140BBC-801D-30CB-263B-0742E8FA7EB3}"/>
+              </a:ext>
+            </a:extLst>
+          </p:cNvPr>
+          <p:cNvSpPr/>
+          <p:nvPr/>
+        </p:nvSpPr>
+        <p:spPr>
+          <a:xfrm>
+            <a:off x="0" y="0"/>
+            <a:ext cx="12192000" cy="6858000"/>
+          </a:xfrm>
+          <a:prstGeom prst="rect">
+            <a:avLst/>
+          </a:prstGeom>
+          <a:solidFill>
+            <a:srgbClr val="23242A"/>
+          </a:solidFill>
+          <a:ln>
+            <a:noFill/>
+          </a:ln>
+        </p:spPr>
+        <p:style>
+          <a:lnRef idx="2">
+            <a:schemeClr val="accent1">
+              <a:shade val="15000"/>
+            </a:schemeClr>
+          </a:lnRef>
+          <a:fillRef idx="1">
+            <a:schemeClr val="accent1"/>
+          </a:fillRef>
+          <a:effectRef idx="0">
+            <a:schemeClr val="accent1"/>
+          </a:effectRef>
+          <a:fontRef idx="minor">
+            <a:schemeClr val="lt1"/>
+          </a:fontRef>
+        </p:style>
+        <p:txBody>
+          <a:bodyPr rtlCol="0" anchor="ctr"/>
+          <a:lstStyle/>
+          <a:p>
+            <a:pPr algn="ctr"/>
+            <a:endParaRPr lang="zh-CN" altLang="en-US" dirty="0"/>
+          </a:p>
+        </p:txBody>
+      </p:sp>
+      <p:sp>
+        <p:nvSpPr>
+          <p:cNvPr id="2" name="Slide Number Placeholder 1">
+            <a:extLst>
+              <a:ext uri="{FF2B5EF4-FFF2-40B4-BE49-F238E27FC236}">
+                <a16:creationId xmlns:a16="http://schemas.microsoft.com/office/drawing/2014/main" id="{EB269EF1-E043-299B-80D1-6CA73B5DD708}"/>
+              </a:ext>
+            </a:extLst>
+          </p:cNvPr>
+          <p:cNvSpPr>
+            <a:spLocks noGrp="1"/>
+          </p:cNvSpPr>
+          <p:nvPr>
+            <p:ph type="sldNum" sz="quarter" idx="12"/>
+          </p:nvPr>
+        </p:nvSpPr>
+        <p:spPr>
+          <a:xfrm>
+            <a:off x="9057739" y="6259509"/>
+            <a:ext cx="2743200" cy="365125"/>
+          </a:xfrm>
+        </p:spPr>
+        <p:txBody>
+          <a:bodyPr/>
+          <a:lstStyle/>
+          <a:p>
+            <a:fld id="{9B1EC109-1E15-4BCA-93B5-56442BB3443E}" type="slidenum">
+              <a:rPr lang="zh-CN" altLang="en-US" sz="2400" b="1" smtClean="0">
+                <a:solidFill>
+                  <a:schemeClr val="bg1">
+                    <a:lumMod val="65000"/>
+                  </a:schemeClr>
+                </a:solidFill>
+                <a:latin typeface="Bradley Hand ITC" panose="03070402050302030203" pitchFamily="66" charset="0"/>
+              </a:rPr>
+              <a:t>26</a:t>
+            </a:fld>
+            <a:endParaRPr lang="zh-CN" altLang="en-US" sz="2400" b="1" dirty="0">
+              <a:solidFill>
+                <a:schemeClr val="bg1">
+                  <a:lumMod val="65000"/>
+                </a:schemeClr>
+              </a:solidFill>
+              <a:latin typeface="Bradley Hand ITC" panose="03070402050302030203" pitchFamily="66" charset="0"/>
+            </a:endParaRPr>
+          </a:p>
+        </p:txBody>
+      </p:sp>
+      <p:pic>
+        <p:nvPicPr>
+          <p:cNvPr id="10" name="Graphic 9">
+            <a:extLst>
+              <a:ext uri="{FF2B5EF4-FFF2-40B4-BE49-F238E27FC236}">
+                <a16:creationId xmlns:a16="http://schemas.microsoft.com/office/drawing/2014/main" id="{D3EC462C-5203-BD4F-7A37-590075E58B8F}"/>
+              </a:ext>
+            </a:extLst>
+          </p:cNvPr>
+          <p:cNvPicPr>
+            <a:picLocks noChangeAspect="1"/>
+          </p:cNvPicPr>
+          <p:nvPr/>
+        </p:nvPicPr>
+        <p:blipFill>
+          <a:blip r:embed="rId2">
+            <a:alphaModFix amt="80000"/>
+            <a:extLst>
+              <a:ext uri="{96DAC541-7B7A-43D3-8B79-37D633B846F1}">
+                <asvg:svgBlip xmlns:asvg="http://schemas.microsoft.com/office/drawing/2016/SVG/main" r:embed="rId3"/>
+              </a:ext>
+            </a:extLst>
+          </a:blip>
+          <a:stretch>
+            <a:fillRect/>
+          </a:stretch>
+        </p:blipFill>
+        <p:spPr>
+          <a:xfrm>
+            <a:off x="771470" y="1886813"/>
+            <a:ext cx="4139135" cy="3060629"/>
+          </a:xfrm>
+          <a:prstGeom prst="rect">
+            <a:avLst/>
+          </a:prstGeom>
+        </p:spPr>
+      </p:pic>
+      <p:pic>
+        <p:nvPicPr>
+          <p:cNvPr id="11" name="Graphic 10">
+            <a:extLst>
+              <a:ext uri="{FF2B5EF4-FFF2-40B4-BE49-F238E27FC236}">
+                <a16:creationId xmlns:a16="http://schemas.microsoft.com/office/drawing/2014/main" id="{80331DEB-31CA-7E83-E3B2-D152A8CD1612}"/>
+              </a:ext>
+            </a:extLst>
+          </p:cNvPr>
+          <p:cNvPicPr>
+            <a:picLocks noChangeAspect="1"/>
+          </p:cNvPicPr>
+          <p:nvPr/>
+        </p:nvPicPr>
+        <p:blipFill>
+          <a:blip r:embed="rId2">
+            <a:alphaModFix amt="80000"/>
+            <a:extLst>
+              <a:ext uri="{96DAC541-7B7A-43D3-8B79-37D633B846F1}">
+                <asvg:svgBlip xmlns:asvg="http://schemas.microsoft.com/office/drawing/2016/SVG/main" r:embed="rId3"/>
+              </a:ext>
+            </a:extLst>
+          </a:blip>
+          <a:stretch>
+            <a:fillRect/>
+          </a:stretch>
+        </p:blipFill>
+        <p:spPr>
+          <a:xfrm>
+            <a:off x="5359057" y="2528992"/>
+            <a:ext cx="2357805" cy="1743448"/>
+          </a:xfrm>
+          <a:prstGeom prst="rect">
+            <a:avLst/>
+          </a:prstGeom>
+        </p:spPr>
+      </p:pic>
+      <p:pic>
+        <p:nvPicPr>
+          <p:cNvPr id="12" name="Graphic 11">
+            <a:extLst>
+              <a:ext uri="{FF2B5EF4-FFF2-40B4-BE49-F238E27FC236}">
+                <a16:creationId xmlns:a16="http://schemas.microsoft.com/office/drawing/2014/main" id="{D13A304F-14AD-0254-AC15-E91441E5199F}"/>
+              </a:ext>
+            </a:extLst>
+          </p:cNvPr>
+          <p:cNvPicPr>
+            <a:picLocks noChangeAspect="1"/>
+          </p:cNvPicPr>
+          <p:nvPr/>
+        </p:nvPicPr>
+        <p:blipFill>
+          <a:blip r:embed="rId2">
+            <a:alphaModFix amt="80000"/>
+            <a:extLst>
+              <a:ext uri="{96DAC541-7B7A-43D3-8B79-37D633B846F1}">
+                <asvg:svgBlip xmlns:asvg="http://schemas.microsoft.com/office/drawing/2016/SVG/main" r:embed="rId3"/>
+              </a:ext>
+            </a:extLst>
+          </a:blip>
+          <a:stretch>
+            <a:fillRect/>
+          </a:stretch>
+        </p:blipFill>
+        <p:spPr>
+          <a:xfrm>
+            <a:off x="9227202" y="2891983"/>
+            <a:ext cx="1294915" cy="957508"/>
+          </a:xfrm>
+          <a:prstGeom prst="rect">
+            <a:avLst/>
+          </a:prstGeom>
+        </p:spPr>
+      </p:pic>
+      <p:sp>
+        <p:nvSpPr>
+          <p:cNvPr id="3" name="Google Shape;867;p33">
+            <a:extLst>
+              <a:ext uri="{FF2B5EF4-FFF2-40B4-BE49-F238E27FC236}">
+                <a16:creationId xmlns:a16="http://schemas.microsoft.com/office/drawing/2014/main" id="{2766A4E3-3498-02E1-282A-6CF68B66A3B7}"/>
+              </a:ext>
+            </a:extLst>
+          </p:cNvPr>
+          <p:cNvSpPr txBox="1">
+            <a:spLocks/>
+          </p:cNvSpPr>
+          <p:nvPr/>
+        </p:nvSpPr>
+        <p:spPr>
+          <a:xfrm>
+            <a:off x="2222600" y="143850"/>
+            <a:ext cx="7746800" cy="1602400"/>
+          </a:xfrm>
+          <a:prstGeom prst="rect">
+            <a:avLst/>
+          </a:prstGeom>
+          <a:noFill/>
+          <a:ln>
+            <a:noFill/>
+          </a:ln>
+        </p:spPr>
+        <p:txBody>
+          <a:bodyPr spcFirstLastPara="1" wrap="square" lIns="91425" tIns="91425" rIns="91425" bIns="91425" anchor="b" anchorCtr="0">
+            <a:noAutofit/>
+          </a:bodyPr>
+          <a:lstStyle>
+            <a:defPPr marR="0" lvl="0" algn="l" rtl="0">
+              <a:lnSpc>
+                <a:spcPct val="100000"/>
+              </a:lnSpc>
+              <a:spcBef>
+                <a:spcPts val="0"/>
+              </a:spcBef>
+              <a:spcAft>
+                <a:spcPts val="0"/>
+              </a:spcAft>
+            </a:defPPr>
+            <a:lvl1pPr marR="0" lvl="0" algn="l" rtl="0">
+              <a:lnSpc>
+                <a:spcPct val="100000"/>
+              </a:lnSpc>
+              <a:spcBef>
+                <a:spcPts val="0"/>
+              </a:spcBef>
+              <a:spcAft>
+                <a:spcPts val="0"/>
+              </a:spcAft>
+              <a:buClr>
+                <a:schemeClr val="dk1"/>
+              </a:buClr>
+              <a:buSzPts val="3600"/>
+              <a:buFont typeface="Barlow"/>
+              <a:buNone/>
+              <a:defRPr sz="7200" b="1" i="0" u="none" strike="noStrike" cap="none">
+                <a:solidFill>
+                  <a:schemeClr val="dk1"/>
+                </a:solidFill>
+                <a:latin typeface="Barlow"/>
+                <a:ea typeface="Barlow"/>
+                <a:cs typeface="Barlow"/>
+                <a:sym typeface="Barlow"/>
+              </a:defRPr>
+            </a:lvl1pPr>
+            <a:lvl2pPr marR="0" lvl="1" algn="ctr" rtl="0">
+              <a:lnSpc>
+                <a:spcPct val="100000"/>
+              </a:lnSpc>
+              <a:spcBef>
+                <a:spcPts val="0"/>
+              </a:spcBef>
+              <a:spcAft>
+                <a:spcPts val="0"/>
+              </a:spcAft>
+              <a:buClr>
+                <a:schemeClr val="dk1"/>
+              </a:buClr>
+              <a:buSzPts val="3600"/>
+              <a:buFont typeface="Barlow"/>
+              <a:buNone/>
+              <a:defRPr sz="3600" b="1" i="0" u="none" strike="noStrike" cap="none">
+                <a:solidFill>
+                  <a:schemeClr val="dk1"/>
+                </a:solidFill>
+                <a:latin typeface="Barlow"/>
+                <a:ea typeface="Barlow"/>
+                <a:cs typeface="Barlow"/>
+                <a:sym typeface="Barlow"/>
+              </a:defRPr>
+            </a:lvl2pPr>
+            <a:lvl3pPr marR="0" lvl="2" algn="ctr" rtl="0">
+              <a:lnSpc>
+                <a:spcPct val="100000"/>
+              </a:lnSpc>
+              <a:spcBef>
+                <a:spcPts val="0"/>
+              </a:spcBef>
+              <a:spcAft>
+                <a:spcPts val="0"/>
+              </a:spcAft>
+              <a:buClr>
+                <a:schemeClr val="dk1"/>
+              </a:buClr>
+              <a:buSzPts val="3600"/>
+              <a:buFont typeface="Barlow"/>
+              <a:buNone/>
+              <a:defRPr sz="3600" b="1" i="0" u="none" strike="noStrike" cap="none">
+                <a:solidFill>
+                  <a:schemeClr val="dk1"/>
+                </a:solidFill>
+                <a:latin typeface="Barlow"/>
+                <a:ea typeface="Barlow"/>
+                <a:cs typeface="Barlow"/>
+                <a:sym typeface="Barlow"/>
+              </a:defRPr>
+            </a:lvl3pPr>
+            <a:lvl4pPr marR="0" lvl="3" algn="ctr" rtl="0">
+              <a:lnSpc>
+                <a:spcPct val="100000"/>
+              </a:lnSpc>
+              <a:spcBef>
+                <a:spcPts val="0"/>
+              </a:spcBef>
+              <a:spcAft>
+                <a:spcPts val="0"/>
+              </a:spcAft>
+              <a:buClr>
+                <a:schemeClr val="dk1"/>
+              </a:buClr>
+              <a:buSzPts val="3600"/>
+              <a:buFont typeface="Barlow"/>
+              <a:buNone/>
+              <a:defRPr sz="3600" b="1" i="0" u="none" strike="noStrike" cap="none">
+                <a:solidFill>
+                  <a:schemeClr val="dk1"/>
+                </a:solidFill>
+                <a:latin typeface="Barlow"/>
+                <a:ea typeface="Barlow"/>
+                <a:cs typeface="Barlow"/>
+                <a:sym typeface="Barlow"/>
+              </a:defRPr>
+            </a:lvl4pPr>
+            <a:lvl5pPr marR="0" lvl="4" algn="ctr" rtl="0">
+              <a:lnSpc>
+                <a:spcPct val="100000"/>
+              </a:lnSpc>
+              <a:spcBef>
+                <a:spcPts val="0"/>
+              </a:spcBef>
+              <a:spcAft>
+                <a:spcPts val="0"/>
+              </a:spcAft>
+              <a:buClr>
+                <a:schemeClr val="dk1"/>
+              </a:buClr>
+              <a:buSzPts val="3600"/>
+              <a:buFont typeface="Barlow"/>
+              <a:buNone/>
+              <a:defRPr sz="3600" b="1" i="0" u="none" strike="noStrike" cap="none">
+                <a:solidFill>
+                  <a:schemeClr val="dk1"/>
+                </a:solidFill>
+                <a:latin typeface="Barlow"/>
+                <a:ea typeface="Barlow"/>
+                <a:cs typeface="Barlow"/>
+                <a:sym typeface="Barlow"/>
+              </a:defRPr>
+            </a:lvl5pPr>
+            <a:lvl6pPr marR="0" lvl="5" algn="ctr" rtl="0">
+              <a:lnSpc>
+                <a:spcPct val="100000"/>
+              </a:lnSpc>
+              <a:spcBef>
+                <a:spcPts val="0"/>
+              </a:spcBef>
+              <a:spcAft>
+                <a:spcPts val="0"/>
+              </a:spcAft>
+              <a:buClr>
+                <a:schemeClr val="dk1"/>
+              </a:buClr>
+              <a:buSzPts val="3600"/>
+              <a:buFont typeface="Barlow"/>
+              <a:buNone/>
+              <a:defRPr sz="3600" b="1" i="0" u="none" strike="noStrike" cap="none">
+                <a:solidFill>
+                  <a:schemeClr val="dk1"/>
+                </a:solidFill>
+                <a:latin typeface="Barlow"/>
+                <a:ea typeface="Barlow"/>
+                <a:cs typeface="Barlow"/>
+                <a:sym typeface="Barlow"/>
+              </a:defRPr>
+            </a:lvl6pPr>
+            <a:lvl7pPr marR="0" lvl="6" algn="ctr" rtl="0">
+              <a:lnSpc>
+                <a:spcPct val="100000"/>
+              </a:lnSpc>
+              <a:spcBef>
+                <a:spcPts val="0"/>
+              </a:spcBef>
+              <a:spcAft>
+                <a:spcPts val="0"/>
+              </a:spcAft>
+              <a:buClr>
+                <a:schemeClr val="dk1"/>
+              </a:buClr>
+              <a:buSzPts val="3600"/>
+              <a:buFont typeface="Barlow"/>
+              <a:buNone/>
+              <a:defRPr sz="3600" b="1" i="0" u="none" strike="noStrike" cap="none">
+                <a:solidFill>
+                  <a:schemeClr val="dk1"/>
+                </a:solidFill>
+                <a:latin typeface="Barlow"/>
+                <a:ea typeface="Barlow"/>
+                <a:cs typeface="Barlow"/>
+                <a:sym typeface="Barlow"/>
+              </a:defRPr>
+            </a:lvl7pPr>
+            <a:lvl8pPr marR="0" lvl="7" algn="ctr" rtl="0">
+              <a:lnSpc>
+                <a:spcPct val="100000"/>
+              </a:lnSpc>
+              <a:spcBef>
+                <a:spcPts val="0"/>
+              </a:spcBef>
+              <a:spcAft>
+                <a:spcPts val="0"/>
+              </a:spcAft>
+              <a:buClr>
+                <a:schemeClr val="dk1"/>
+              </a:buClr>
+              <a:buSzPts val="3600"/>
+              <a:buFont typeface="Barlow"/>
+              <a:buNone/>
+              <a:defRPr sz="3600" b="1" i="0" u="none" strike="noStrike" cap="none">
+                <a:solidFill>
+                  <a:schemeClr val="dk1"/>
+                </a:solidFill>
+                <a:latin typeface="Barlow"/>
+                <a:ea typeface="Barlow"/>
+                <a:cs typeface="Barlow"/>
+                <a:sym typeface="Barlow"/>
+              </a:defRPr>
+            </a:lvl8pPr>
+            <a:lvl9pPr marR="0" lvl="8" algn="ctr" rtl="0">
+              <a:lnSpc>
+                <a:spcPct val="100000"/>
+              </a:lnSpc>
+              <a:spcBef>
+                <a:spcPts val="0"/>
+              </a:spcBef>
+              <a:spcAft>
+                <a:spcPts val="0"/>
+              </a:spcAft>
+              <a:buClr>
+                <a:schemeClr val="dk1"/>
+              </a:buClr>
+              <a:buSzPts val="3600"/>
+              <a:buFont typeface="Barlow"/>
+              <a:buNone/>
+              <a:defRPr sz="3600" b="1" i="0" u="none" strike="noStrike" cap="none">
+                <a:solidFill>
+                  <a:schemeClr val="dk1"/>
+                </a:solidFill>
+                <a:latin typeface="Barlow"/>
+                <a:ea typeface="Barlow"/>
+                <a:cs typeface="Barlow"/>
+                <a:sym typeface="Barlow"/>
+              </a:defRPr>
+            </a:lvl9pPr>
+          </a:lstStyle>
+          <a:p>
+            <a:pPr algn="ctr"/>
+            <a:r>
+              <a:rPr lang="en-US" altLang="zh-CN" sz="8000" spc="300" dirty="0">
+                <a:solidFill>
+                  <a:schemeClr val="accent4">
+                    <a:lumMod val="60000"/>
+                    <a:lumOff val="40000"/>
+                    <a:alpha val="60000"/>
+                  </a:schemeClr>
+                </a:solidFill>
+                <a:latin typeface="Amatic SC" panose="020F0502020204030204" pitchFamily="2" charset="-79"/>
+                <a:cs typeface="Amatic SC" panose="020F0502020204030204" pitchFamily="2" charset="-79"/>
+              </a:rPr>
+              <a:t>Set Sprite Size</a:t>
+            </a:r>
+          </a:p>
+        </p:txBody>
+      </p:sp>
+      <p:pic>
+        <p:nvPicPr>
+          <p:cNvPr id="14" name="Picture 13">
+            <a:extLst>
+              <a:ext uri="{FF2B5EF4-FFF2-40B4-BE49-F238E27FC236}">
+                <a16:creationId xmlns:a16="http://schemas.microsoft.com/office/drawing/2014/main" id="{B98DC2DC-A993-A8D5-E3CE-3E70CB0422AB}"/>
+              </a:ext>
+            </a:extLst>
+          </p:cNvPr>
+          <p:cNvPicPr>
+            <a:picLocks noChangeAspect="1"/>
+          </p:cNvPicPr>
+          <p:nvPr/>
+        </p:nvPicPr>
+        <p:blipFill>
+          <a:blip r:embed="rId4">
+            <a:extLst>
+              <a:ext uri="{28A0092B-C50C-407E-A947-70E740481C1C}">
+                <a14:useLocalDpi xmlns:a14="http://schemas.microsoft.com/office/drawing/2010/main" val="0"/>
+              </a:ext>
+            </a:extLst>
+          </a:blip>
+          <a:stretch>
+            <a:fillRect/>
+          </a:stretch>
+        </p:blipFill>
+        <p:spPr>
+          <a:xfrm>
+            <a:off x="8935383" y="4810847"/>
+            <a:ext cx="1878552" cy="663716"/>
+          </a:xfrm>
+          <a:prstGeom prst="rect">
+            <a:avLst/>
+          </a:prstGeom>
+        </p:spPr>
+      </p:pic>
+      <p:pic>
+        <p:nvPicPr>
+          <p:cNvPr id="16" name="Picture 15">
+            <a:extLst>
+              <a:ext uri="{FF2B5EF4-FFF2-40B4-BE49-F238E27FC236}">
+                <a16:creationId xmlns:a16="http://schemas.microsoft.com/office/drawing/2014/main" id="{728E9568-2B19-5C8A-738E-77B52E80CEEC}"/>
+              </a:ext>
+            </a:extLst>
+          </p:cNvPr>
+          <p:cNvPicPr>
+            <a:picLocks noChangeAspect="1"/>
+          </p:cNvPicPr>
+          <p:nvPr/>
+        </p:nvPicPr>
+        <p:blipFill>
+          <a:blip r:embed="rId5">
+            <a:extLst>
+              <a:ext uri="{28A0092B-C50C-407E-A947-70E740481C1C}">
+                <a14:useLocalDpi xmlns:a14="http://schemas.microsoft.com/office/drawing/2010/main" val="0"/>
+              </a:ext>
+            </a:extLst>
+          </a:blip>
+          <a:stretch>
+            <a:fillRect/>
+          </a:stretch>
+        </p:blipFill>
+        <p:spPr>
+          <a:xfrm>
+            <a:off x="5598683" y="4810847"/>
+            <a:ext cx="1878552" cy="663716"/>
+          </a:xfrm>
+          <a:prstGeom prst="rect">
+            <a:avLst/>
+          </a:prstGeom>
+        </p:spPr>
+      </p:pic>
+      <p:pic>
+        <p:nvPicPr>
+          <p:cNvPr id="18" name="Picture 17">
+            <a:extLst>
+              <a:ext uri="{FF2B5EF4-FFF2-40B4-BE49-F238E27FC236}">
+                <a16:creationId xmlns:a16="http://schemas.microsoft.com/office/drawing/2014/main" id="{8EAB526E-B00B-C8E6-C8E9-4353E4683FC9}"/>
+              </a:ext>
+            </a:extLst>
+          </p:cNvPr>
+          <p:cNvPicPr>
+            <a:picLocks noChangeAspect="1"/>
+          </p:cNvPicPr>
+          <p:nvPr/>
+        </p:nvPicPr>
+        <p:blipFill>
+          <a:blip r:embed="rId6">
+            <a:extLst>
+              <a:ext uri="{28A0092B-C50C-407E-A947-70E740481C1C}">
+                <a14:useLocalDpi xmlns:a14="http://schemas.microsoft.com/office/drawing/2010/main" val="0"/>
+              </a:ext>
+            </a:extLst>
+          </a:blip>
+          <a:stretch>
+            <a:fillRect/>
+          </a:stretch>
+        </p:blipFill>
+        <p:spPr>
+          <a:xfrm>
+            <a:off x="1851389" y="4810847"/>
+            <a:ext cx="1979295" cy="663716"/>
+          </a:xfrm>
+          <a:prstGeom prst="rect">
+            <a:avLst/>
+          </a:prstGeom>
+        </p:spPr>
+      </p:pic>
+    </p:spTree>
+    <p:extLst>
+      <p:ext uri="{BB962C8B-B14F-4D97-AF65-F5344CB8AC3E}">
+        <p14:creationId xmlns:p14="http://schemas.microsoft.com/office/powerpoint/2010/main" val="1023734097"/>
+      </p:ext>
+    </p:extLst>
+  </p:cSld>
+  <p:clrMapOvr>
+    <a:masterClrMapping/>
+  </p:clrMapOvr>
+</p:sld>
+</file>
+
+<file path=ppt/slides/slide27.xml><?xml version="1.0" encoding="utf-8"?>
+<p:sld xmlns:a="http://schemas.openxmlformats.org/drawingml/2006/main" xmlns:r="http://schemas.openxmlformats.org/officeDocument/2006/relationships" xmlns:p="http://schemas.openxmlformats.org/presentationml/2006/main">
+  <p:cSld>
+    <p:spTree>
+      <p:nvGrpSpPr>
+        <p:cNvPr id="1" name="">
+          <a:extLst>
+            <a:ext uri="{FF2B5EF4-FFF2-40B4-BE49-F238E27FC236}">
+              <a16:creationId xmlns:a16="http://schemas.microsoft.com/office/drawing/2014/main" id="{6C759980-0143-9421-BE8A-92F9D39830C1}"/>
+            </a:ext>
+          </a:extLst>
+        </p:cNvPr>
+        <p:cNvGrpSpPr/>
+        <p:nvPr/>
+      </p:nvGrpSpPr>
+      <p:grpSpPr>
+        <a:xfrm>
+          <a:off x="0" y="0"/>
+          <a:ext cx="0" cy="0"/>
+          <a:chOff x="0" y="0"/>
+          <a:chExt cx="0" cy="0"/>
+        </a:xfrm>
+      </p:grpSpPr>
+      <p:sp>
+        <p:nvSpPr>
+          <p:cNvPr id="6" name="Rectangle 5">
+            <a:extLst>
+              <a:ext uri="{FF2B5EF4-FFF2-40B4-BE49-F238E27FC236}">
+                <a16:creationId xmlns:a16="http://schemas.microsoft.com/office/drawing/2014/main" id="{7FE0F95F-3A14-53B8-2658-B2E0EA3CD44A}"/>
+              </a:ext>
+            </a:extLst>
+          </p:cNvPr>
+          <p:cNvSpPr/>
+          <p:nvPr/>
+        </p:nvSpPr>
+        <p:spPr>
+          <a:xfrm>
+            <a:off x="0" y="0"/>
+            <a:ext cx="12192000" cy="6858000"/>
+          </a:xfrm>
+          <a:prstGeom prst="rect">
+            <a:avLst/>
+          </a:prstGeom>
+          <a:solidFill>
+            <a:srgbClr val="23242A"/>
+          </a:solidFill>
+          <a:ln>
+            <a:noFill/>
+          </a:ln>
+        </p:spPr>
+        <p:style>
+          <a:lnRef idx="2">
+            <a:schemeClr val="accent1">
+              <a:shade val="15000"/>
+            </a:schemeClr>
+          </a:lnRef>
+          <a:fillRef idx="1">
+            <a:schemeClr val="accent1"/>
+          </a:fillRef>
+          <a:effectRef idx="0">
+            <a:schemeClr val="accent1"/>
+          </a:effectRef>
+          <a:fontRef idx="minor">
+            <a:schemeClr val="lt1"/>
+          </a:fontRef>
+        </p:style>
+        <p:txBody>
+          <a:bodyPr rtlCol="0" anchor="ctr"/>
+          <a:lstStyle/>
+          <a:p>
+            <a:pPr algn="ctr"/>
+            <a:endParaRPr lang="zh-CN" altLang="en-US" dirty="0"/>
+          </a:p>
+        </p:txBody>
+      </p:sp>
+      <p:sp>
+        <p:nvSpPr>
+          <p:cNvPr id="2" name="Slide Number Placeholder 1">
+            <a:extLst>
+              <a:ext uri="{FF2B5EF4-FFF2-40B4-BE49-F238E27FC236}">
+                <a16:creationId xmlns:a16="http://schemas.microsoft.com/office/drawing/2014/main" id="{E0FE8395-BC46-8739-6AF5-DDE0252618B5}"/>
+              </a:ext>
+            </a:extLst>
+          </p:cNvPr>
+          <p:cNvSpPr>
+            <a:spLocks noGrp="1"/>
+          </p:cNvSpPr>
+          <p:nvPr>
+            <p:ph type="sldNum" sz="quarter" idx="12"/>
+          </p:nvPr>
+        </p:nvSpPr>
+        <p:spPr>
+          <a:xfrm>
+            <a:off x="9057739" y="6259509"/>
+            <a:ext cx="2743200" cy="365125"/>
+          </a:xfrm>
+        </p:spPr>
+        <p:txBody>
+          <a:bodyPr/>
+          <a:lstStyle/>
+          <a:p>
+            <a:fld id="{9B1EC109-1E15-4BCA-93B5-56442BB3443E}" type="slidenum">
+              <a:rPr lang="zh-CN" altLang="en-US" sz="2400" b="1" smtClean="0">
+                <a:solidFill>
+                  <a:schemeClr val="bg1">
+                    <a:lumMod val="65000"/>
+                  </a:schemeClr>
+                </a:solidFill>
+                <a:latin typeface="Bradley Hand ITC" panose="03070402050302030203" pitchFamily="66" charset="0"/>
+              </a:rPr>
+              <a:t>27</a:t>
+            </a:fld>
+            <a:endParaRPr lang="zh-CN" altLang="en-US" sz="2400" b="1" dirty="0">
+              <a:solidFill>
+                <a:schemeClr val="bg1">
+                  <a:lumMod val="65000"/>
+                </a:schemeClr>
+              </a:solidFill>
+              <a:latin typeface="Bradley Hand ITC" panose="03070402050302030203" pitchFamily="66" charset="0"/>
+            </a:endParaRPr>
+          </a:p>
+        </p:txBody>
+      </p:sp>
+      <p:sp>
+        <p:nvSpPr>
+          <p:cNvPr id="4" name="Google Shape;867;p33">
+            <a:extLst>
+              <a:ext uri="{FF2B5EF4-FFF2-40B4-BE49-F238E27FC236}">
+                <a16:creationId xmlns:a16="http://schemas.microsoft.com/office/drawing/2014/main" id="{5F668B77-88C1-A536-FBE1-04C28B27A3E1}"/>
+              </a:ext>
+            </a:extLst>
+          </p:cNvPr>
+          <p:cNvSpPr txBox="1">
+            <a:spLocks/>
+          </p:cNvSpPr>
+          <p:nvPr/>
+        </p:nvSpPr>
+        <p:spPr>
+          <a:xfrm>
+            <a:off x="1363978" y="143850"/>
+            <a:ext cx="9464040" cy="1602400"/>
+          </a:xfrm>
+          <a:prstGeom prst="rect">
+            <a:avLst/>
+          </a:prstGeom>
+          <a:noFill/>
+          <a:ln>
+            <a:noFill/>
+          </a:ln>
+        </p:spPr>
+        <p:txBody>
+          <a:bodyPr spcFirstLastPara="1" wrap="square" lIns="91425" tIns="91425" rIns="91425" bIns="91425" anchor="b" anchorCtr="0">
+            <a:noAutofit/>
+          </a:bodyPr>
+          <a:lstStyle>
+            <a:defPPr marR="0" lvl="0" algn="l" rtl="0">
+              <a:lnSpc>
+                <a:spcPct val="100000"/>
+              </a:lnSpc>
+              <a:spcBef>
+                <a:spcPts val="0"/>
+              </a:spcBef>
+              <a:spcAft>
+                <a:spcPts val="0"/>
+              </a:spcAft>
+            </a:defPPr>
+            <a:lvl1pPr marR="0" lvl="0" algn="l" rtl="0">
+              <a:lnSpc>
+                <a:spcPct val="100000"/>
+              </a:lnSpc>
+              <a:spcBef>
+                <a:spcPts val="0"/>
+              </a:spcBef>
+              <a:spcAft>
+                <a:spcPts val="0"/>
+              </a:spcAft>
+              <a:buClr>
+                <a:schemeClr val="dk1"/>
+              </a:buClr>
+              <a:buSzPts val="3600"/>
+              <a:buFont typeface="Barlow"/>
+              <a:buNone/>
+              <a:defRPr sz="7200" b="1" i="0" u="none" strike="noStrike" cap="none">
+                <a:solidFill>
+                  <a:schemeClr val="dk1"/>
+                </a:solidFill>
+                <a:latin typeface="Barlow"/>
+                <a:ea typeface="Barlow"/>
+                <a:cs typeface="Barlow"/>
+                <a:sym typeface="Barlow"/>
+              </a:defRPr>
+            </a:lvl1pPr>
+            <a:lvl2pPr marR="0" lvl="1" algn="ctr" rtl="0">
+              <a:lnSpc>
+                <a:spcPct val="100000"/>
+              </a:lnSpc>
+              <a:spcBef>
+                <a:spcPts val="0"/>
+              </a:spcBef>
+              <a:spcAft>
+                <a:spcPts val="0"/>
+              </a:spcAft>
+              <a:buClr>
+                <a:schemeClr val="dk1"/>
+              </a:buClr>
+              <a:buSzPts val="3600"/>
+              <a:buFont typeface="Barlow"/>
+              <a:buNone/>
+              <a:defRPr sz="3600" b="1" i="0" u="none" strike="noStrike" cap="none">
+                <a:solidFill>
+                  <a:schemeClr val="dk1"/>
+                </a:solidFill>
+                <a:latin typeface="Barlow"/>
+                <a:ea typeface="Barlow"/>
+                <a:cs typeface="Barlow"/>
+                <a:sym typeface="Barlow"/>
+              </a:defRPr>
+            </a:lvl2pPr>
+            <a:lvl3pPr marR="0" lvl="2" algn="ctr" rtl="0">
+              <a:lnSpc>
+                <a:spcPct val="100000"/>
+              </a:lnSpc>
+              <a:spcBef>
+                <a:spcPts val="0"/>
+              </a:spcBef>
+              <a:spcAft>
+                <a:spcPts val="0"/>
+              </a:spcAft>
+              <a:buClr>
+                <a:schemeClr val="dk1"/>
+              </a:buClr>
+              <a:buSzPts val="3600"/>
+              <a:buFont typeface="Barlow"/>
+              <a:buNone/>
+              <a:defRPr sz="3600" b="1" i="0" u="none" strike="noStrike" cap="none">
+                <a:solidFill>
+                  <a:schemeClr val="dk1"/>
+                </a:solidFill>
+                <a:latin typeface="Barlow"/>
+                <a:ea typeface="Barlow"/>
+                <a:cs typeface="Barlow"/>
+                <a:sym typeface="Barlow"/>
+              </a:defRPr>
+            </a:lvl3pPr>
+            <a:lvl4pPr marR="0" lvl="3" algn="ctr" rtl="0">
+              <a:lnSpc>
+                <a:spcPct val="100000"/>
+              </a:lnSpc>
+              <a:spcBef>
+                <a:spcPts val="0"/>
+              </a:spcBef>
+              <a:spcAft>
+                <a:spcPts val="0"/>
+              </a:spcAft>
+              <a:buClr>
+                <a:schemeClr val="dk1"/>
+              </a:buClr>
+              <a:buSzPts val="3600"/>
+              <a:buFont typeface="Barlow"/>
+              <a:buNone/>
+              <a:defRPr sz="3600" b="1" i="0" u="none" strike="noStrike" cap="none">
+                <a:solidFill>
+                  <a:schemeClr val="dk1"/>
+                </a:solidFill>
+                <a:latin typeface="Barlow"/>
+                <a:ea typeface="Barlow"/>
+                <a:cs typeface="Barlow"/>
+                <a:sym typeface="Barlow"/>
+              </a:defRPr>
+            </a:lvl4pPr>
+            <a:lvl5pPr marR="0" lvl="4" algn="ctr" rtl="0">
+              <a:lnSpc>
+                <a:spcPct val="100000"/>
+              </a:lnSpc>
+              <a:spcBef>
+                <a:spcPts val="0"/>
+              </a:spcBef>
+              <a:spcAft>
+                <a:spcPts val="0"/>
+              </a:spcAft>
+              <a:buClr>
+                <a:schemeClr val="dk1"/>
+              </a:buClr>
+              <a:buSzPts val="3600"/>
+              <a:buFont typeface="Barlow"/>
+              <a:buNone/>
+              <a:defRPr sz="3600" b="1" i="0" u="none" strike="noStrike" cap="none">
+                <a:solidFill>
+                  <a:schemeClr val="dk1"/>
+                </a:solidFill>
+                <a:latin typeface="Barlow"/>
+                <a:ea typeface="Barlow"/>
+                <a:cs typeface="Barlow"/>
+                <a:sym typeface="Barlow"/>
+              </a:defRPr>
+            </a:lvl5pPr>
+            <a:lvl6pPr marR="0" lvl="5" algn="ctr" rtl="0">
+              <a:lnSpc>
+                <a:spcPct val="100000"/>
+              </a:lnSpc>
+              <a:spcBef>
+                <a:spcPts val="0"/>
+              </a:spcBef>
+              <a:spcAft>
+                <a:spcPts val="0"/>
+              </a:spcAft>
+              <a:buClr>
+                <a:schemeClr val="dk1"/>
+              </a:buClr>
+              <a:buSzPts val="3600"/>
+              <a:buFont typeface="Barlow"/>
+              <a:buNone/>
+              <a:defRPr sz="3600" b="1" i="0" u="none" strike="noStrike" cap="none">
+                <a:solidFill>
+                  <a:schemeClr val="dk1"/>
+                </a:solidFill>
+                <a:latin typeface="Barlow"/>
+                <a:ea typeface="Barlow"/>
+                <a:cs typeface="Barlow"/>
+                <a:sym typeface="Barlow"/>
+              </a:defRPr>
+            </a:lvl6pPr>
+            <a:lvl7pPr marR="0" lvl="6" algn="ctr" rtl="0">
+              <a:lnSpc>
+                <a:spcPct val="100000"/>
+              </a:lnSpc>
+              <a:spcBef>
+                <a:spcPts val="0"/>
+              </a:spcBef>
+              <a:spcAft>
+                <a:spcPts val="0"/>
+              </a:spcAft>
+              <a:buClr>
+                <a:schemeClr val="dk1"/>
+              </a:buClr>
+              <a:buSzPts val="3600"/>
+              <a:buFont typeface="Barlow"/>
+              <a:buNone/>
+              <a:defRPr sz="3600" b="1" i="0" u="none" strike="noStrike" cap="none">
+                <a:solidFill>
+                  <a:schemeClr val="dk1"/>
+                </a:solidFill>
+                <a:latin typeface="Barlow"/>
+                <a:ea typeface="Barlow"/>
+                <a:cs typeface="Barlow"/>
+                <a:sym typeface="Barlow"/>
+              </a:defRPr>
+            </a:lvl7pPr>
+            <a:lvl8pPr marR="0" lvl="7" algn="ctr" rtl="0">
+              <a:lnSpc>
+                <a:spcPct val="100000"/>
+              </a:lnSpc>
+              <a:spcBef>
+                <a:spcPts val="0"/>
+              </a:spcBef>
+              <a:spcAft>
+                <a:spcPts val="0"/>
+              </a:spcAft>
+              <a:buClr>
+                <a:schemeClr val="dk1"/>
+              </a:buClr>
+              <a:buSzPts val="3600"/>
+              <a:buFont typeface="Barlow"/>
+              <a:buNone/>
+              <a:defRPr sz="3600" b="1" i="0" u="none" strike="noStrike" cap="none">
+                <a:solidFill>
+                  <a:schemeClr val="dk1"/>
+                </a:solidFill>
+                <a:latin typeface="Barlow"/>
+                <a:ea typeface="Barlow"/>
+                <a:cs typeface="Barlow"/>
+                <a:sym typeface="Barlow"/>
+              </a:defRPr>
+            </a:lvl8pPr>
+            <a:lvl9pPr marR="0" lvl="8" algn="ctr" rtl="0">
+              <a:lnSpc>
+                <a:spcPct val="100000"/>
+              </a:lnSpc>
+              <a:spcBef>
+                <a:spcPts val="0"/>
+              </a:spcBef>
+              <a:spcAft>
+                <a:spcPts val="0"/>
+              </a:spcAft>
+              <a:buClr>
+                <a:schemeClr val="dk1"/>
+              </a:buClr>
+              <a:buSzPts val="3600"/>
+              <a:buFont typeface="Barlow"/>
+              <a:buNone/>
+              <a:defRPr sz="3600" b="1" i="0" u="none" strike="noStrike" cap="none">
+                <a:solidFill>
+                  <a:schemeClr val="dk1"/>
+                </a:solidFill>
+                <a:latin typeface="Barlow"/>
+                <a:ea typeface="Barlow"/>
+                <a:cs typeface="Barlow"/>
+                <a:sym typeface="Barlow"/>
+              </a:defRPr>
+            </a:lvl9pPr>
+          </a:lstStyle>
+          <a:p>
+            <a:pPr algn="ctr"/>
+            <a:r>
+              <a:rPr lang="en-US" altLang="zh-CN" sz="8000" spc="300" dirty="0">
+                <a:solidFill>
+                  <a:schemeClr val="accent4">
+                    <a:lumMod val="60000"/>
+                    <a:lumOff val="40000"/>
+                    <a:alpha val="60000"/>
+                  </a:schemeClr>
+                </a:solidFill>
+                <a:latin typeface="Amatic SC" panose="020F0502020204030204" pitchFamily="2" charset="-79"/>
+                <a:cs typeface="Amatic SC" panose="020F0502020204030204" pitchFamily="2" charset="-79"/>
+              </a:rPr>
+              <a:t>Smaller and Smaller Bug</a:t>
+            </a:r>
+          </a:p>
+        </p:txBody>
+      </p:sp>
+      <p:pic>
+        <p:nvPicPr>
+          <p:cNvPr id="5" name="Graphic 4">
+            <a:extLst>
+              <a:ext uri="{FF2B5EF4-FFF2-40B4-BE49-F238E27FC236}">
+                <a16:creationId xmlns:a16="http://schemas.microsoft.com/office/drawing/2014/main" id="{3667A761-5A1D-B1B6-772E-F33B52BCCED0}"/>
+              </a:ext>
+            </a:extLst>
+          </p:cNvPr>
+          <p:cNvPicPr>
+            <a:picLocks noChangeAspect="1"/>
+          </p:cNvPicPr>
+          <p:nvPr/>
+        </p:nvPicPr>
+        <p:blipFill>
+          <a:blip r:embed="rId2">
+            <a:extLst>
+              <a:ext uri="{96DAC541-7B7A-43D3-8B79-37D633B846F1}">
+                <asvg:svgBlip xmlns:asvg="http://schemas.microsoft.com/office/drawing/2016/SVG/main" r:embed="rId3"/>
+              </a:ext>
+            </a:extLst>
+          </a:blip>
+          <a:stretch>
+            <a:fillRect/>
+          </a:stretch>
+        </p:blipFill>
+        <p:spPr>
+          <a:xfrm>
+            <a:off x="507960" y="2047500"/>
+            <a:ext cx="3125687" cy="2355590"/>
+          </a:xfrm>
+          <a:prstGeom prst="rect">
+            <a:avLst/>
+          </a:prstGeom>
+        </p:spPr>
+      </p:pic>
+      <p:pic>
+        <p:nvPicPr>
+          <p:cNvPr id="7" name="Picture 6">
+            <a:extLst>
+              <a:ext uri="{FF2B5EF4-FFF2-40B4-BE49-F238E27FC236}">
+                <a16:creationId xmlns:a16="http://schemas.microsoft.com/office/drawing/2014/main" id="{0E66CEE5-F5F8-C994-A82E-686E486161BE}"/>
+              </a:ext>
+            </a:extLst>
+          </p:cNvPr>
+          <p:cNvPicPr>
+            <a:picLocks noChangeAspect="1"/>
+          </p:cNvPicPr>
+          <p:nvPr/>
+        </p:nvPicPr>
+        <p:blipFill>
+          <a:blip r:embed="rId4">
+            <a:extLst>
+              <a:ext uri="{28A0092B-C50C-407E-A947-70E740481C1C}">
+                <a14:useLocalDpi xmlns:a14="http://schemas.microsoft.com/office/drawing/2010/main" val="0"/>
+              </a:ext>
+            </a:extLst>
+          </a:blip>
+          <a:stretch>
+            <a:fillRect/>
+          </a:stretch>
+        </p:blipFill>
+        <p:spPr>
+          <a:xfrm>
+            <a:off x="4525605" y="2047500"/>
+            <a:ext cx="3140788" cy="2355591"/>
+          </a:xfrm>
+          <a:prstGeom prst="rect">
+            <a:avLst/>
+          </a:prstGeom>
+        </p:spPr>
+      </p:pic>
+      <p:pic>
+        <p:nvPicPr>
+          <p:cNvPr id="8" name="Picture 7">
+            <a:extLst>
+              <a:ext uri="{FF2B5EF4-FFF2-40B4-BE49-F238E27FC236}">
+                <a16:creationId xmlns:a16="http://schemas.microsoft.com/office/drawing/2014/main" id="{9938044F-68FF-B818-9212-533740563319}"/>
+              </a:ext>
+            </a:extLst>
+          </p:cNvPr>
+          <p:cNvPicPr>
+            <a:picLocks noChangeAspect="1"/>
+          </p:cNvPicPr>
+          <p:nvPr/>
+        </p:nvPicPr>
+        <p:blipFill>
+          <a:blip r:embed="rId5">
+            <a:extLst>
+              <a:ext uri="{28A0092B-C50C-407E-A947-70E740481C1C}">
+                <a14:useLocalDpi xmlns:a14="http://schemas.microsoft.com/office/drawing/2010/main" val="0"/>
+              </a:ext>
+            </a:extLst>
+          </a:blip>
+          <a:stretch>
+            <a:fillRect/>
+          </a:stretch>
+        </p:blipFill>
+        <p:spPr>
+          <a:xfrm>
+            <a:off x="8558351" y="2047500"/>
+            <a:ext cx="3140787" cy="2355590"/>
+          </a:xfrm>
+          <a:prstGeom prst="rect">
+            <a:avLst/>
+          </a:prstGeom>
+        </p:spPr>
+      </p:pic>
+      <p:pic>
+        <p:nvPicPr>
+          <p:cNvPr id="12" name="Graphic 11">
+            <a:extLst>
+              <a:ext uri="{FF2B5EF4-FFF2-40B4-BE49-F238E27FC236}">
+                <a16:creationId xmlns:a16="http://schemas.microsoft.com/office/drawing/2014/main" id="{E72C0067-4F78-2C32-1C56-A57208629B60}"/>
+              </a:ext>
+            </a:extLst>
+          </p:cNvPr>
+          <p:cNvPicPr>
+            <a:picLocks noChangeAspect="1"/>
+          </p:cNvPicPr>
+          <p:nvPr/>
+        </p:nvPicPr>
+        <p:blipFill>
+          <a:blip r:embed="rId6">
+            <a:alphaModFix amt="80000"/>
+            <a:extLst>
+              <a:ext uri="{96DAC541-7B7A-43D3-8B79-37D633B846F1}">
+                <asvg:svgBlip xmlns:asvg="http://schemas.microsoft.com/office/drawing/2016/SVG/main" r:embed="rId7"/>
+              </a:ext>
+            </a:extLst>
+          </a:blip>
+          <a:stretch>
+            <a:fillRect/>
+          </a:stretch>
+        </p:blipFill>
+        <p:spPr>
+          <a:xfrm>
+            <a:off x="626074" y="2143832"/>
+            <a:ext cx="1294166" cy="956954"/>
+          </a:xfrm>
+          <a:prstGeom prst="rect">
+            <a:avLst/>
+          </a:prstGeom>
+        </p:spPr>
+      </p:pic>
+      <p:pic>
+        <p:nvPicPr>
+          <p:cNvPr id="13" name="Graphic 12">
+            <a:extLst>
+              <a:ext uri="{FF2B5EF4-FFF2-40B4-BE49-F238E27FC236}">
+                <a16:creationId xmlns:a16="http://schemas.microsoft.com/office/drawing/2014/main" id="{899AF2FC-8492-CDBA-602D-D733E1DDD93E}"/>
+              </a:ext>
+            </a:extLst>
+          </p:cNvPr>
+          <p:cNvPicPr>
+            <a:picLocks noChangeAspect="1"/>
+          </p:cNvPicPr>
+          <p:nvPr/>
+        </p:nvPicPr>
+        <p:blipFill>
+          <a:blip r:embed="rId6">
+            <a:alphaModFix amt="80000"/>
+            <a:extLst>
+              <a:ext uri="{96DAC541-7B7A-43D3-8B79-37D633B846F1}">
+                <asvg:svgBlip xmlns:asvg="http://schemas.microsoft.com/office/drawing/2016/SVG/main" r:embed="rId7"/>
+              </a:ext>
+            </a:extLst>
+          </a:blip>
+          <a:stretch>
+            <a:fillRect/>
+          </a:stretch>
+        </p:blipFill>
+        <p:spPr>
+          <a:xfrm>
+            <a:off x="4725016" y="3605355"/>
+            <a:ext cx="792015" cy="585645"/>
+          </a:xfrm>
+          <a:prstGeom prst="rect">
+            <a:avLst/>
+          </a:prstGeom>
+        </p:spPr>
+      </p:pic>
+      <p:pic>
+        <p:nvPicPr>
+          <p:cNvPr id="14" name="Graphic 13">
+            <a:extLst>
+              <a:ext uri="{FF2B5EF4-FFF2-40B4-BE49-F238E27FC236}">
+                <a16:creationId xmlns:a16="http://schemas.microsoft.com/office/drawing/2014/main" id="{6F7768A3-B435-2E69-F97F-4A157E9A8021}"/>
+              </a:ext>
+            </a:extLst>
+          </p:cNvPr>
+          <p:cNvPicPr>
+            <a:picLocks noChangeAspect="1"/>
+          </p:cNvPicPr>
+          <p:nvPr/>
+        </p:nvPicPr>
+        <p:blipFill>
+          <a:blip r:embed="rId6">
+            <a:alphaModFix amt="80000"/>
+            <a:extLst>
+              <a:ext uri="{96DAC541-7B7A-43D3-8B79-37D633B846F1}">
+                <asvg:svgBlip xmlns:asvg="http://schemas.microsoft.com/office/drawing/2016/SVG/main" r:embed="rId7"/>
+              </a:ext>
+            </a:extLst>
+          </a:blip>
+          <a:stretch>
+            <a:fillRect/>
+          </a:stretch>
+        </p:blipFill>
+        <p:spPr>
+          <a:xfrm>
+            <a:off x="10194087" y="3257447"/>
+            <a:ext cx="470504" cy="347908"/>
+          </a:xfrm>
+          <a:prstGeom prst="rect">
+            <a:avLst/>
+          </a:prstGeom>
+        </p:spPr>
+      </p:pic>
+      <p:pic>
+        <p:nvPicPr>
+          <p:cNvPr id="11" name="Picture 10">
+            <a:extLst>
+              <a:ext uri="{FF2B5EF4-FFF2-40B4-BE49-F238E27FC236}">
+                <a16:creationId xmlns:a16="http://schemas.microsoft.com/office/drawing/2014/main" id="{9B861249-5F62-6745-5555-36C3243971F1}"/>
+              </a:ext>
+            </a:extLst>
+          </p:cNvPr>
+          <p:cNvPicPr>
+            <a:picLocks noChangeAspect="1"/>
+          </p:cNvPicPr>
+          <p:nvPr/>
+        </p:nvPicPr>
+        <p:blipFill>
+          <a:blip r:embed="rId8">
+            <a:extLst>
+              <a:ext uri="{28A0092B-C50C-407E-A947-70E740481C1C}">
+                <a14:useLocalDpi xmlns:a14="http://schemas.microsoft.com/office/drawing/2010/main" val="0"/>
+              </a:ext>
+            </a:extLst>
+          </a:blip>
+          <a:stretch>
+            <a:fillRect/>
+          </a:stretch>
+        </p:blipFill>
+        <p:spPr>
+          <a:xfrm>
+            <a:off x="8688528" y="4818679"/>
+            <a:ext cx="2880431" cy="1588716"/>
+          </a:xfrm>
+          <a:prstGeom prst="rect">
+            <a:avLst/>
+          </a:prstGeom>
+        </p:spPr>
+      </p:pic>
+      <p:pic>
+        <p:nvPicPr>
+          <p:cNvPr id="18" name="Picture 17">
+            <a:extLst>
+              <a:ext uri="{FF2B5EF4-FFF2-40B4-BE49-F238E27FC236}">
+                <a16:creationId xmlns:a16="http://schemas.microsoft.com/office/drawing/2014/main" id="{E8F2D8D8-E5A0-3C7F-62F7-2953853923CD}"/>
+              </a:ext>
+            </a:extLst>
+          </p:cNvPr>
+          <p:cNvPicPr>
+            <a:picLocks noChangeAspect="1"/>
+          </p:cNvPicPr>
+          <p:nvPr/>
+        </p:nvPicPr>
+        <p:blipFill>
+          <a:blip r:embed="rId9">
+            <a:extLst>
+              <a:ext uri="{28A0092B-C50C-407E-A947-70E740481C1C}">
+                <a14:useLocalDpi xmlns:a14="http://schemas.microsoft.com/office/drawing/2010/main" val="0"/>
+              </a:ext>
+            </a:extLst>
+          </a:blip>
+          <a:stretch>
+            <a:fillRect/>
+          </a:stretch>
+        </p:blipFill>
+        <p:spPr>
+          <a:xfrm>
+            <a:off x="626074" y="4861874"/>
+            <a:ext cx="2880431" cy="1588716"/>
+          </a:xfrm>
+          <a:prstGeom prst="rect">
+            <a:avLst/>
+          </a:prstGeom>
+        </p:spPr>
+      </p:pic>
+      <p:pic>
+        <p:nvPicPr>
+          <p:cNvPr id="21" name="Picture 20">
+            <a:extLst>
+              <a:ext uri="{FF2B5EF4-FFF2-40B4-BE49-F238E27FC236}">
+                <a16:creationId xmlns:a16="http://schemas.microsoft.com/office/drawing/2014/main" id="{B47DCB98-CB21-0C33-9FB1-D899D48D1D6F}"/>
+              </a:ext>
+            </a:extLst>
+          </p:cNvPr>
+          <p:cNvPicPr>
+            <a:picLocks noChangeAspect="1"/>
+          </p:cNvPicPr>
+          <p:nvPr/>
+        </p:nvPicPr>
+        <p:blipFill>
+          <a:blip r:embed="rId10">
+            <a:extLst>
+              <a:ext uri="{28A0092B-C50C-407E-A947-70E740481C1C}">
+                <a14:useLocalDpi xmlns:a14="http://schemas.microsoft.com/office/drawing/2010/main" val="0"/>
+              </a:ext>
+            </a:extLst>
+          </a:blip>
+          <a:stretch>
+            <a:fillRect/>
+          </a:stretch>
+        </p:blipFill>
+        <p:spPr>
+          <a:xfrm>
+            <a:off x="4655783" y="4861874"/>
+            <a:ext cx="2880431" cy="1588716"/>
+          </a:xfrm>
+          <a:prstGeom prst="rect">
+            <a:avLst/>
+          </a:prstGeom>
+        </p:spPr>
+      </p:pic>
+    </p:spTree>
+    <p:extLst>
+      <p:ext uri="{BB962C8B-B14F-4D97-AF65-F5344CB8AC3E}">
+        <p14:creationId xmlns:p14="http://schemas.microsoft.com/office/powerpoint/2010/main" val="390849303"/>
+      </p:ext>
+    </p:extLst>
+  </p:cSld>
+  <p:clrMapOvr>
+    <a:masterClrMapping/>
+  </p:clrMapOvr>
+</p:sld>
+</file>
+
+<file path=ppt/slides/slide28.xml><?xml version="1.0" encoding="utf-8"?>
+<p:sld xmlns:a="http://schemas.openxmlformats.org/drawingml/2006/main" xmlns:r="http://schemas.openxmlformats.org/officeDocument/2006/relationships" xmlns:p="http://schemas.openxmlformats.org/presentationml/2006/main">
+  <p:cSld>
+    <p:spTree>
+      <p:nvGrpSpPr>
+        <p:cNvPr id="1" name="">
+          <a:extLst>
+            <a:ext uri="{FF2B5EF4-FFF2-40B4-BE49-F238E27FC236}">
+              <a16:creationId xmlns:a16="http://schemas.microsoft.com/office/drawing/2014/main" id="{B0638B88-A28D-0D98-6790-AFD73D028E78}"/>
+            </a:ext>
+          </a:extLst>
+        </p:cNvPr>
+        <p:cNvGrpSpPr/>
+        <p:nvPr/>
+      </p:nvGrpSpPr>
+      <p:grpSpPr>
+        <a:xfrm>
+          <a:off x="0" y="0"/>
+          <a:ext cx="0" cy="0"/>
+          <a:chOff x="0" y="0"/>
+          <a:chExt cx="0" cy="0"/>
+        </a:xfrm>
+      </p:grpSpPr>
+      <p:sp>
+        <p:nvSpPr>
+          <p:cNvPr id="6" name="Rectangle 5">
+            <a:extLst>
+              <a:ext uri="{FF2B5EF4-FFF2-40B4-BE49-F238E27FC236}">
+                <a16:creationId xmlns:a16="http://schemas.microsoft.com/office/drawing/2014/main" id="{52E115B1-EE40-3BB7-072F-C694ABBC3CDA}"/>
+              </a:ext>
+            </a:extLst>
+          </p:cNvPr>
+          <p:cNvSpPr/>
+          <p:nvPr/>
+        </p:nvSpPr>
+        <p:spPr>
+          <a:xfrm>
+            <a:off x="0" y="0"/>
+            <a:ext cx="12192000" cy="6858000"/>
+          </a:xfrm>
+          <a:prstGeom prst="rect">
+            <a:avLst/>
+          </a:prstGeom>
+          <a:solidFill>
+            <a:srgbClr val="23242A"/>
+          </a:solidFill>
+          <a:ln>
+            <a:noFill/>
+          </a:ln>
+        </p:spPr>
+        <p:style>
+          <a:lnRef idx="2">
+            <a:schemeClr val="accent1">
+              <a:shade val="15000"/>
+            </a:schemeClr>
+          </a:lnRef>
+          <a:fillRef idx="1">
+            <a:schemeClr val="accent1"/>
+          </a:fillRef>
+          <a:effectRef idx="0">
+            <a:schemeClr val="accent1"/>
+          </a:effectRef>
+          <a:fontRef idx="minor">
+            <a:schemeClr val="lt1"/>
+          </a:fontRef>
+        </p:style>
+        <p:txBody>
+          <a:bodyPr rtlCol="0" anchor="ctr"/>
+          <a:lstStyle/>
+          <a:p>
+            <a:pPr algn="ctr"/>
+            <a:endParaRPr lang="zh-CN" altLang="en-US" dirty="0"/>
+          </a:p>
+        </p:txBody>
+      </p:sp>
+      <p:sp>
+        <p:nvSpPr>
+          <p:cNvPr id="2" name="Slide Number Placeholder 1">
+            <a:extLst>
+              <a:ext uri="{FF2B5EF4-FFF2-40B4-BE49-F238E27FC236}">
+                <a16:creationId xmlns:a16="http://schemas.microsoft.com/office/drawing/2014/main" id="{6B14C209-5E11-9F64-6579-48902F3047ED}"/>
+              </a:ext>
+            </a:extLst>
+          </p:cNvPr>
+          <p:cNvSpPr>
+            <a:spLocks noGrp="1"/>
+          </p:cNvSpPr>
+          <p:nvPr>
+            <p:ph type="sldNum" sz="quarter" idx="12"/>
+          </p:nvPr>
+        </p:nvSpPr>
+        <p:spPr>
+          <a:xfrm>
+            <a:off x="9057739" y="6259509"/>
+            <a:ext cx="2743200" cy="365125"/>
+          </a:xfrm>
+        </p:spPr>
+        <p:txBody>
+          <a:bodyPr/>
+          <a:lstStyle/>
+          <a:p>
+            <a:fld id="{9B1EC109-1E15-4BCA-93B5-56442BB3443E}" type="slidenum">
+              <a:rPr lang="zh-CN" altLang="en-US" sz="2400" b="1" smtClean="0">
+                <a:solidFill>
+                  <a:schemeClr val="bg1">
+                    <a:lumMod val="65000"/>
+                  </a:schemeClr>
+                </a:solidFill>
+                <a:latin typeface="Bradley Hand ITC" panose="03070402050302030203" pitchFamily="66" charset="0"/>
+              </a:rPr>
+              <a:t>28</a:t>
             </a:fld>
             <a:endParaRPr lang="zh-CN" altLang="en-US" sz="2400" b="1" dirty="0">
               <a:solidFill>
@@ -11523,7 +17695,7 @@
 </p:sld>
 </file>
 
-<file path=ppt/slides/slide21.xml><?xml version="1.0" encoding="utf-8"?>
+<file path=ppt/slides/slide29.xml><?xml version="1.0" encoding="utf-8"?>
 <p:sld xmlns:a="http://schemas.openxmlformats.org/drawingml/2006/main" xmlns:r="http://schemas.openxmlformats.org/officeDocument/2006/relationships" xmlns:p="http://schemas.openxmlformats.org/presentationml/2006/main">
   <p:cSld>
     <p:spTree>
@@ -11976,433 +18148,6 @@
     <p:extLst>
       <p:ext uri="{BB962C8B-B14F-4D97-AF65-F5344CB8AC3E}">
         <p14:creationId xmlns:p14="http://schemas.microsoft.com/office/powerpoint/2010/main" val="8421016"/>
-      </p:ext>
-    </p:extLst>
-  </p:cSld>
-  <p:clrMapOvr>
-    <a:masterClrMapping/>
-  </p:clrMapOvr>
-</p:sld>
-</file>
-
-<file path=ppt/slides/slide22.xml><?xml version="1.0" encoding="utf-8"?>
-<p:sld xmlns:a="http://schemas.openxmlformats.org/drawingml/2006/main" xmlns:r="http://schemas.openxmlformats.org/officeDocument/2006/relationships" xmlns:p="http://schemas.openxmlformats.org/presentationml/2006/main">
-  <p:cSld>
-    <p:spTree>
-      <p:nvGrpSpPr>
-        <p:cNvPr id="1" name=""/>
-        <p:cNvGrpSpPr/>
-        <p:nvPr/>
-      </p:nvGrpSpPr>
-      <p:grpSpPr>
-        <a:xfrm>
-          <a:off x="0" y="0"/>
-          <a:ext cx="0" cy="0"/>
-          <a:chOff x="0" y="0"/>
-          <a:chExt cx="0" cy="0"/>
-        </a:xfrm>
-      </p:grpSpPr>
-      <p:sp>
-        <p:nvSpPr>
-          <p:cNvPr id="6" name="Rectangle 5">
-            <a:extLst>
-              <a:ext uri="{FF2B5EF4-FFF2-40B4-BE49-F238E27FC236}">
-                <a16:creationId xmlns:a16="http://schemas.microsoft.com/office/drawing/2014/main" id="{7BC4EB1B-EA6B-DFE4-AF3B-05D0EB253209}"/>
-              </a:ext>
-            </a:extLst>
-          </p:cNvPr>
-          <p:cNvSpPr/>
-          <p:nvPr/>
-        </p:nvSpPr>
-        <p:spPr>
-          <a:xfrm>
-            <a:off x="0" y="0"/>
-            <a:ext cx="12192000" cy="6858000"/>
-          </a:xfrm>
-          <a:prstGeom prst="rect">
-            <a:avLst/>
-          </a:prstGeom>
-          <a:solidFill>
-            <a:srgbClr val="23242A"/>
-          </a:solidFill>
-          <a:ln>
-            <a:noFill/>
-          </a:ln>
-        </p:spPr>
-        <p:style>
-          <a:lnRef idx="2">
-            <a:schemeClr val="accent1">
-              <a:shade val="15000"/>
-            </a:schemeClr>
-          </a:lnRef>
-          <a:fillRef idx="1">
-            <a:schemeClr val="accent1"/>
-          </a:fillRef>
-          <a:effectRef idx="0">
-            <a:schemeClr val="accent1"/>
-          </a:effectRef>
-          <a:fontRef idx="minor">
-            <a:schemeClr val="lt1"/>
-          </a:fontRef>
-        </p:style>
-        <p:txBody>
-          <a:bodyPr rtlCol="0" anchor="ctr"/>
-          <a:lstStyle/>
-          <a:p>
-            <a:pPr algn="ctr"/>
-            <a:endParaRPr lang="zh-CN" altLang="en-US" dirty="0"/>
-          </a:p>
-        </p:txBody>
-      </p:sp>
-      <p:sp>
-        <p:nvSpPr>
-          <p:cNvPr id="2" name="Slide Number Placeholder 1">
-            <a:extLst>
-              <a:ext uri="{FF2B5EF4-FFF2-40B4-BE49-F238E27FC236}">
-                <a16:creationId xmlns:a16="http://schemas.microsoft.com/office/drawing/2014/main" id="{C53E70DF-9B91-8A92-BF94-1399BB9FFE34}"/>
-              </a:ext>
-            </a:extLst>
-          </p:cNvPr>
-          <p:cNvSpPr>
-            <a:spLocks noGrp="1"/>
-          </p:cNvSpPr>
-          <p:nvPr>
-            <p:ph type="sldNum" sz="quarter" idx="12"/>
-          </p:nvPr>
-        </p:nvSpPr>
-        <p:spPr>
-          <a:xfrm>
-            <a:off x="9057739" y="6259509"/>
-            <a:ext cx="2743200" cy="365125"/>
-          </a:xfrm>
-        </p:spPr>
-        <p:txBody>
-          <a:bodyPr/>
-          <a:lstStyle/>
-          <a:p>
-            <a:fld id="{9B1EC109-1E15-4BCA-93B5-56442BB3443E}" type="slidenum">
-              <a:rPr lang="zh-CN" altLang="en-US" sz="2400" b="1" smtClean="0">
-                <a:solidFill>
-                  <a:schemeClr val="bg1">
-                    <a:lumMod val="65000"/>
-                  </a:schemeClr>
-                </a:solidFill>
-                <a:latin typeface="Bradley Hand ITC" panose="03070402050302030203" pitchFamily="66" charset="0"/>
-              </a:rPr>
-              <a:t>22</a:t>
-            </a:fld>
-            <a:endParaRPr lang="zh-CN" altLang="en-US" sz="2400" b="1" dirty="0">
-              <a:solidFill>
-                <a:schemeClr val="bg1">
-                  <a:lumMod val="65000"/>
-                </a:schemeClr>
-              </a:solidFill>
-              <a:latin typeface="Bradley Hand ITC" panose="03070402050302030203" pitchFamily="66" charset="0"/>
-            </a:endParaRPr>
-          </a:p>
-        </p:txBody>
-      </p:sp>
-      <p:sp>
-        <p:nvSpPr>
-          <p:cNvPr id="4" name="Google Shape;867;p33">
-            <a:extLst>
-              <a:ext uri="{FF2B5EF4-FFF2-40B4-BE49-F238E27FC236}">
-                <a16:creationId xmlns:a16="http://schemas.microsoft.com/office/drawing/2014/main" id="{24BC39E7-8798-676F-63C1-093D28359AFA}"/>
-              </a:ext>
-            </a:extLst>
-          </p:cNvPr>
-          <p:cNvSpPr txBox="1">
-            <a:spLocks/>
-          </p:cNvSpPr>
-          <p:nvPr/>
-        </p:nvSpPr>
-        <p:spPr>
-          <a:xfrm>
-            <a:off x="2222600" y="2778760"/>
-            <a:ext cx="7746800" cy="1602400"/>
-          </a:xfrm>
-          <a:prstGeom prst="rect">
-            <a:avLst/>
-          </a:prstGeom>
-          <a:noFill/>
-          <a:ln>
-            <a:noFill/>
-          </a:ln>
-        </p:spPr>
-        <p:txBody>
-          <a:bodyPr spcFirstLastPara="1" wrap="square" lIns="91425" tIns="91425" rIns="91425" bIns="91425" anchor="b" anchorCtr="0">
-            <a:noAutofit/>
-          </a:bodyPr>
-          <a:lstStyle>
-            <a:defPPr marR="0" lvl="0" algn="l" rtl="0">
-              <a:lnSpc>
-                <a:spcPct val="100000"/>
-              </a:lnSpc>
-              <a:spcBef>
-                <a:spcPts val="0"/>
-              </a:spcBef>
-              <a:spcAft>
-                <a:spcPts val="0"/>
-              </a:spcAft>
-            </a:defPPr>
-            <a:lvl1pPr marR="0" lvl="0" algn="l" rtl="0">
-              <a:lnSpc>
-                <a:spcPct val="100000"/>
-              </a:lnSpc>
-              <a:spcBef>
-                <a:spcPts val="0"/>
-              </a:spcBef>
-              <a:spcAft>
-                <a:spcPts val="0"/>
-              </a:spcAft>
-              <a:buClr>
-                <a:schemeClr val="dk1"/>
-              </a:buClr>
-              <a:buSzPts val="3600"/>
-              <a:buFont typeface="Barlow"/>
-              <a:buNone/>
-              <a:defRPr sz="7200" b="1" i="0" u="none" strike="noStrike" cap="none">
-                <a:solidFill>
-                  <a:schemeClr val="dk1"/>
-                </a:solidFill>
-                <a:latin typeface="Barlow"/>
-                <a:ea typeface="Barlow"/>
-                <a:cs typeface="Barlow"/>
-                <a:sym typeface="Barlow"/>
-              </a:defRPr>
-            </a:lvl1pPr>
-            <a:lvl2pPr marR="0" lvl="1" algn="ctr" rtl="0">
-              <a:lnSpc>
-                <a:spcPct val="100000"/>
-              </a:lnSpc>
-              <a:spcBef>
-                <a:spcPts val="0"/>
-              </a:spcBef>
-              <a:spcAft>
-                <a:spcPts val="0"/>
-              </a:spcAft>
-              <a:buClr>
-                <a:schemeClr val="dk1"/>
-              </a:buClr>
-              <a:buSzPts val="3600"/>
-              <a:buFont typeface="Barlow"/>
-              <a:buNone/>
-              <a:defRPr sz="3600" b="1" i="0" u="none" strike="noStrike" cap="none">
-                <a:solidFill>
-                  <a:schemeClr val="dk1"/>
-                </a:solidFill>
-                <a:latin typeface="Barlow"/>
-                <a:ea typeface="Barlow"/>
-                <a:cs typeface="Barlow"/>
-                <a:sym typeface="Barlow"/>
-              </a:defRPr>
-            </a:lvl2pPr>
-            <a:lvl3pPr marR="0" lvl="2" algn="ctr" rtl="0">
-              <a:lnSpc>
-                <a:spcPct val="100000"/>
-              </a:lnSpc>
-              <a:spcBef>
-                <a:spcPts val="0"/>
-              </a:spcBef>
-              <a:spcAft>
-                <a:spcPts val="0"/>
-              </a:spcAft>
-              <a:buClr>
-                <a:schemeClr val="dk1"/>
-              </a:buClr>
-              <a:buSzPts val="3600"/>
-              <a:buFont typeface="Barlow"/>
-              <a:buNone/>
-              <a:defRPr sz="3600" b="1" i="0" u="none" strike="noStrike" cap="none">
-                <a:solidFill>
-                  <a:schemeClr val="dk1"/>
-                </a:solidFill>
-                <a:latin typeface="Barlow"/>
-                <a:ea typeface="Barlow"/>
-                <a:cs typeface="Barlow"/>
-                <a:sym typeface="Barlow"/>
-              </a:defRPr>
-            </a:lvl3pPr>
-            <a:lvl4pPr marR="0" lvl="3" algn="ctr" rtl="0">
-              <a:lnSpc>
-                <a:spcPct val="100000"/>
-              </a:lnSpc>
-              <a:spcBef>
-                <a:spcPts val="0"/>
-              </a:spcBef>
-              <a:spcAft>
-                <a:spcPts val="0"/>
-              </a:spcAft>
-              <a:buClr>
-                <a:schemeClr val="dk1"/>
-              </a:buClr>
-              <a:buSzPts val="3600"/>
-              <a:buFont typeface="Barlow"/>
-              <a:buNone/>
-              <a:defRPr sz="3600" b="1" i="0" u="none" strike="noStrike" cap="none">
-                <a:solidFill>
-                  <a:schemeClr val="dk1"/>
-                </a:solidFill>
-                <a:latin typeface="Barlow"/>
-                <a:ea typeface="Barlow"/>
-                <a:cs typeface="Barlow"/>
-                <a:sym typeface="Barlow"/>
-              </a:defRPr>
-            </a:lvl4pPr>
-            <a:lvl5pPr marR="0" lvl="4" algn="ctr" rtl="0">
-              <a:lnSpc>
-                <a:spcPct val="100000"/>
-              </a:lnSpc>
-              <a:spcBef>
-                <a:spcPts val="0"/>
-              </a:spcBef>
-              <a:spcAft>
-                <a:spcPts val="0"/>
-              </a:spcAft>
-              <a:buClr>
-                <a:schemeClr val="dk1"/>
-              </a:buClr>
-              <a:buSzPts val="3600"/>
-              <a:buFont typeface="Barlow"/>
-              <a:buNone/>
-              <a:defRPr sz="3600" b="1" i="0" u="none" strike="noStrike" cap="none">
-                <a:solidFill>
-                  <a:schemeClr val="dk1"/>
-                </a:solidFill>
-                <a:latin typeface="Barlow"/>
-                <a:ea typeface="Barlow"/>
-                <a:cs typeface="Barlow"/>
-                <a:sym typeface="Barlow"/>
-              </a:defRPr>
-            </a:lvl5pPr>
-            <a:lvl6pPr marR="0" lvl="5" algn="ctr" rtl="0">
-              <a:lnSpc>
-                <a:spcPct val="100000"/>
-              </a:lnSpc>
-              <a:spcBef>
-                <a:spcPts val="0"/>
-              </a:spcBef>
-              <a:spcAft>
-                <a:spcPts val="0"/>
-              </a:spcAft>
-              <a:buClr>
-                <a:schemeClr val="dk1"/>
-              </a:buClr>
-              <a:buSzPts val="3600"/>
-              <a:buFont typeface="Barlow"/>
-              <a:buNone/>
-              <a:defRPr sz="3600" b="1" i="0" u="none" strike="noStrike" cap="none">
-                <a:solidFill>
-                  <a:schemeClr val="dk1"/>
-                </a:solidFill>
-                <a:latin typeface="Barlow"/>
-                <a:ea typeface="Barlow"/>
-                <a:cs typeface="Barlow"/>
-                <a:sym typeface="Barlow"/>
-              </a:defRPr>
-            </a:lvl6pPr>
-            <a:lvl7pPr marR="0" lvl="6" algn="ctr" rtl="0">
-              <a:lnSpc>
-                <a:spcPct val="100000"/>
-              </a:lnSpc>
-              <a:spcBef>
-                <a:spcPts val="0"/>
-              </a:spcBef>
-              <a:spcAft>
-                <a:spcPts val="0"/>
-              </a:spcAft>
-              <a:buClr>
-                <a:schemeClr val="dk1"/>
-              </a:buClr>
-              <a:buSzPts val="3600"/>
-              <a:buFont typeface="Barlow"/>
-              <a:buNone/>
-              <a:defRPr sz="3600" b="1" i="0" u="none" strike="noStrike" cap="none">
-                <a:solidFill>
-                  <a:schemeClr val="dk1"/>
-                </a:solidFill>
-                <a:latin typeface="Barlow"/>
-                <a:ea typeface="Barlow"/>
-                <a:cs typeface="Barlow"/>
-                <a:sym typeface="Barlow"/>
-              </a:defRPr>
-            </a:lvl7pPr>
-            <a:lvl8pPr marR="0" lvl="7" algn="ctr" rtl="0">
-              <a:lnSpc>
-                <a:spcPct val="100000"/>
-              </a:lnSpc>
-              <a:spcBef>
-                <a:spcPts val="0"/>
-              </a:spcBef>
-              <a:spcAft>
-                <a:spcPts val="0"/>
-              </a:spcAft>
-              <a:buClr>
-                <a:schemeClr val="dk1"/>
-              </a:buClr>
-              <a:buSzPts val="3600"/>
-              <a:buFont typeface="Barlow"/>
-              <a:buNone/>
-              <a:defRPr sz="3600" b="1" i="0" u="none" strike="noStrike" cap="none">
-                <a:solidFill>
-                  <a:schemeClr val="dk1"/>
-                </a:solidFill>
-                <a:latin typeface="Barlow"/>
-                <a:ea typeface="Barlow"/>
-                <a:cs typeface="Barlow"/>
-                <a:sym typeface="Barlow"/>
-              </a:defRPr>
-            </a:lvl8pPr>
-            <a:lvl9pPr marR="0" lvl="8" algn="ctr" rtl="0">
-              <a:lnSpc>
-                <a:spcPct val="100000"/>
-              </a:lnSpc>
-              <a:spcBef>
-                <a:spcPts val="0"/>
-              </a:spcBef>
-              <a:spcAft>
-                <a:spcPts val="0"/>
-              </a:spcAft>
-              <a:buClr>
-                <a:schemeClr val="dk1"/>
-              </a:buClr>
-              <a:buSzPts val="3600"/>
-              <a:buFont typeface="Barlow"/>
-              <a:buNone/>
-              <a:defRPr sz="3600" b="1" i="0" u="none" strike="noStrike" cap="none">
-                <a:solidFill>
-                  <a:schemeClr val="dk1"/>
-                </a:solidFill>
-                <a:latin typeface="Barlow"/>
-                <a:ea typeface="Barlow"/>
-                <a:cs typeface="Barlow"/>
-                <a:sym typeface="Barlow"/>
-              </a:defRPr>
-            </a:lvl9pPr>
-          </a:lstStyle>
-          <a:p>
-            <a:pPr algn="ctr"/>
-            <a:r>
-              <a:rPr lang="en-US" altLang="zh-CN" sz="8000" spc="300" dirty="0">
-                <a:solidFill>
-                  <a:schemeClr val="accent4">
-                    <a:lumMod val="60000"/>
-                    <a:lumOff val="40000"/>
-                    <a:alpha val="60000"/>
-                  </a:schemeClr>
-                </a:solidFill>
-                <a:latin typeface="Amatic SC" panose="020F0502020204030204" pitchFamily="2" charset="-79"/>
-                <a:cs typeface="Amatic SC" panose="020F0502020204030204" pitchFamily="2" charset="-79"/>
-              </a:rPr>
-              <a:t>Thank you and see you in the next lesson!</a:t>
-            </a:r>
-          </a:p>
-        </p:txBody>
-      </p:sp>
-    </p:spTree>
-    <p:extLst>
-      <p:ext uri="{BB962C8B-B14F-4D97-AF65-F5344CB8AC3E}">
-        <p14:creationId xmlns:p14="http://schemas.microsoft.com/office/powerpoint/2010/main" val="394012090"/>
       </p:ext>
     </p:extLst>
   </p:cSld>
@@ -13250,6 +18995,433 @@
     <p:extLst>
       <p:ext uri="{BB962C8B-B14F-4D97-AF65-F5344CB8AC3E}">
         <p14:creationId xmlns:p14="http://schemas.microsoft.com/office/powerpoint/2010/main" val="1248841879"/>
+      </p:ext>
+    </p:extLst>
+  </p:cSld>
+  <p:clrMapOvr>
+    <a:masterClrMapping/>
+  </p:clrMapOvr>
+</p:sld>
+</file>
+
+<file path=ppt/slides/slide30.xml><?xml version="1.0" encoding="utf-8"?>
+<p:sld xmlns:a="http://schemas.openxmlformats.org/drawingml/2006/main" xmlns:r="http://schemas.openxmlformats.org/officeDocument/2006/relationships" xmlns:p="http://schemas.openxmlformats.org/presentationml/2006/main">
+  <p:cSld>
+    <p:spTree>
+      <p:nvGrpSpPr>
+        <p:cNvPr id="1" name=""/>
+        <p:cNvGrpSpPr/>
+        <p:nvPr/>
+      </p:nvGrpSpPr>
+      <p:grpSpPr>
+        <a:xfrm>
+          <a:off x="0" y="0"/>
+          <a:ext cx="0" cy="0"/>
+          <a:chOff x="0" y="0"/>
+          <a:chExt cx="0" cy="0"/>
+        </a:xfrm>
+      </p:grpSpPr>
+      <p:sp>
+        <p:nvSpPr>
+          <p:cNvPr id="6" name="Rectangle 5">
+            <a:extLst>
+              <a:ext uri="{FF2B5EF4-FFF2-40B4-BE49-F238E27FC236}">
+                <a16:creationId xmlns:a16="http://schemas.microsoft.com/office/drawing/2014/main" id="{7BC4EB1B-EA6B-DFE4-AF3B-05D0EB253209}"/>
+              </a:ext>
+            </a:extLst>
+          </p:cNvPr>
+          <p:cNvSpPr/>
+          <p:nvPr/>
+        </p:nvSpPr>
+        <p:spPr>
+          <a:xfrm>
+            <a:off x="0" y="0"/>
+            <a:ext cx="12192000" cy="6858000"/>
+          </a:xfrm>
+          <a:prstGeom prst="rect">
+            <a:avLst/>
+          </a:prstGeom>
+          <a:solidFill>
+            <a:srgbClr val="23242A"/>
+          </a:solidFill>
+          <a:ln>
+            <a:noFill/>
+          </a:ln>
+        </p:spPr>
+        <p:style>
+          <a:lnRef idx="2">
+            <a:schemeClr val="accent1">
+              <a:shade val="15000"/>
+            </a:schemeClr>
+          </a:lnRef>
+          <a:fillRef idx="1">
+            <a:schemeClr val="accent1"/>
+          </a:fillRef>
+          <a:effectRef idx="0">
+            <a:schemeClr val="accent1"/>
+          </a:effectRef>
+          <a:fontRef idx="minor">
+            <a:schemeClr val="lt1"/>
+          </a:fontRef>
+        </p:style>
+        <p:txBody>
+          <a:bodyPr rtlCol="0" anchor="ctr"/>
+          <a:lstStyle/>
+          <a:p>
+            <a:pPr algn="ctr"/>
+            <a:endParaRPr lang="zh-CN" altLang="en-US" dirty="0"/>
+          </a:p>
+        </p:txBody>
+      </p:sp>
+      <p:sp>
+        <p:nvSpPr>
+          <p:cNvPr id="2" name="Slide Number Placeholder 1">
+            <a:extLst>
+              <a:ext uri="{FF2B5EF4-FFF2-40B4-BE49-F238E27FC236}">
+                <a16:creationId xmlns:a16="http://schemas.microsoft.com/office/drawing/2014/main" id="{C53E70DF-9B91-8A92-BF94-1399BB9FFE34}"/>
+              </a:ext>
+            </a:extLst>
+          </p:cNvPr>
+          <p:cNvSpPr>
+            <a:spLocks noGrp="1"/>
+          </p:cNvSpPr>
+          <p:nvPr>
+            <p:ph type="sldNum" sz="quarter" idx="12"/>
+          </p:nvPr>
+        </p:nvSpPr>
+        <p:spPr>
+          <a:xfrm>
+            <a:off x="9057739" y="6259509"/>
+            <a:ext cx="2743200" cy="365125"/>
+          </a:xfrm>
+        </p:spPr>
+        <p:txBody>
+          <a:bodyPr/>
+          <a:lstStyle/>
+          <a:p>
+            <a:fld id="{9B1EC109-1E15-4BCA-93B5-56442BB3443E}" type="slidenum">
+              <a:rPr lang="zh-CN" altLang="en-US" sz="2400" b="1" smtClean="0">
+                <a:solidFill>
+                  <a:schemeClr val="bg1">
+                    <a:lumMod val="65000"/>
+                  </a:schemeClr>
+                </a:solidFill>
+                <a:latin typeface="Bradley Hand ITC" panose="03070402050302030203" pitchFamily="66" charset="0"/>
+              </a:rPr>
+              <a:t>30</a:t>
+            </a:fld>
+            <a:endParaRPr lang="zh-CN" altLang="en-US" sz="2400" b="1" dirty="0">
+              <a:solidFill>
+                <a:schemeClr val="bg1">
+                  <a:lumMod val="65000"/>
+                </a:schemeClr>
+              </a:solidFill>
+              <a:latin typeface="Bradley Hand ITC" panose="03070402050302030203" pitchFamily="66" charset="0"/>
+            </a:endParaRPr>
+          </a:p>
+        </p:txBody>
+      </p:sp>
+      <p:sp>
+        <p:nvSpPr>
+          <p:cNvPr id="4" name="Google Shape;867;p33">
+            <a:extLst>
+              <a:ext uri="{FF2B5EF4-FFF2-40B4-BE49-F238E27FC236}">
+                <a16:creationId xmlns:a16="http://schemas.microsoft.com/office/drawing/2014/main" id="{24BC39E7-8798-676F-63C1-093D28359AFA}"/>
+              </a:ext>
+            </a:extLst>
+          </p:cNvPr>
+          <p:cNvSpPr txBox="1">
+            <a:spLocks/>
+          </p:cNvSpPr>
+          <p:nvPr/>
+        </p:nvSpPr>
+        <p:spPr>
+          <a:xfrm>
+            <a:off x="2222600" y="2778760"/>
+            <a:ext cx="7746800" cy="1602400"/>
+          </a:xfrm>
+          <a:prstGeom prst="rect">
+            <a:avLst/>
+          </a:prstGeom>
+          <a:noFill/>
+          <a:ln>
+            <a:noFill/>
+          </a:ln>
+        </p:spPr>
+        <p:txBody>
+          <a:bodyPr spcFirstLastPara="1" wrap="square" lIns="91425" tIns="91425" rIns="91425" bIns="91425" anchor="b" anchorCtr="0">
+            <a:noAutofit/>
+          </a:bodyPr>
+          <a:lstStyle>
+            <a:defPPr marR="0" lvl="0" algn="l" rtl="0">
+              <a:lnSpc>
+                <a:spcPct val="100000"/>
+              </a:lnSpc>
+              <a:spcBef>
+                <a:spcPts val="0"/>
+              </a:spcBef>
+              <a:spcAft>
+                <a:spcPts val="0"/>
+              </a:spcAft>
+            </a:defPPr>
+            <a:lvl1pPr marR="0" lvl="0" algn="l" rtl="0">
+              <a:lnSpc>
+                <a:spcPct val="100000"/>
+              </a:lnSpc>
+              <a:spcBef>
+                <a:spcPts val="0"/>
+              </a:spcBef>
+              <a:spcAft>
+                <a:spcPts val="0"/>
+              </a:spcAft>
+              <a:buClr>
+                <a:schemeClr val="dk1"/>
+              </a:buClr>
+              <a:buSzPts val="3600"/>
+              <a:buFont typeface="Barlow"/>
+              <a:buNone/>
+              <a:defRPr sz="7200" b="1" i="0" u="none" strike="noStrike" cap="none">
+                <a:solidFill>
+                  <a:schemeClr val="dk1"/>
+                </a:solidFill>
+                <a:latin typeface="Barlow"/>
+                <a:ea typeface="Barlow"/>
+                <a:cs typeface="Barlow"/>
+                <a:sym typeface="Barlow"/>
+              </a:defRPr>
+            </a:lvl1pPr>
+            <a:lvl2pPr marR="0" lvl="1" algn="ctr" rtl="0">
+              <a:lnSpc>
+                <a:spcPct val="100000"/>
+              </a:lnSpc>
+              <a:spcBef>
+                <a:spcPts val="0"/>
+              </a:spcBef>
+              <a:spcAft>
+                <a:spcPts val="0"/>
+              </a:spcAft>
+              <a:buClr>
+                <a:schemeClr val="dk1"/>
+              </a:buClr>
+              <a:buSzPts val="3600"/>
+              <a:buFont typeface="Barlow"/>
+              <a:buNone/>
+              <a:defRPr sz="3600" b="1" i="0" u="none" strike="noStrike" cap="none">
+                <a:solidFill>
+                  <a:schemeClr val="dk1"/>
+                </a:solidFill>
+                <a:latin typeface="Barlow"/>
+                <a:ea typeface="Barlow"/>
+                <a:cs typeface="Barlow"/>
+                <a:sym typeface="Barlow"/>
+              </a:defRPr>
+            </a:lvl2pPr>
+            <a:lvl3pPr marR="0" lvl="2" algn="ctr" rtl="0">
+              <a:lnSpc>
+                <a:spcPct val="100000"/>
+              </a:lnSpc>
+              <a:spcBef>
+                <a:spcPts val="0"/>
+              </a:spcBef>
+              <a:spcAft>
+                <a:spcPts val="0"/>
+              </a:spcAft>
+              <a:buClr>
+                <a:schemeClr val="dk1"/>
+              </a:buClr>
+              <a:buSzPts val="3600"/>
+              <a:buFont typeface="Barlow"/>
+              <a:buNone/>
+              <a:defRPr sz="3600" b="1" i="0" u="none" strike="noStrike" cap="none">
+                <a:solidFill>
+                  <a:schemeClr val="dk1"/>
+                </a:solidFill>
+                <a:latin typeface="Barlow"/>
+                <a:ea typeface="Barlow"/>
+                <a:cs typeface="Barlow"/>
+                <a:sym typeface="Barlow"/>
+              </a:defRPr>
+            </a:lvl3pPr>
+            <a:lvl4pPr marR="0" lvl="3" algn="ctr" rtl="0">
+              <a:lnSpc>
+                <a:spcPct val="100000"/>
+              </a:lnSpc>
+              <a:spcBef>
+                <a:spcPts val="0"/>
+              </a:spcBef>
+              <a:spcAft>
+                <a:spcPts val="0"/>
+              </a:spcAft>
+              <a:buClr>
+                <a:schemeClr val="dk1"/>
+              </a:buClr>
+              <a:buSzPts val="3600"/>
+              <a:buFont typeface="Barlow"/>
+              <a:buNone/>
+              <a:defRPr sz="3600" b="1" i="0" u="none" strike="noStrike" cap="none">
+                <a:solidFill>
+                  <a:schemeClr val="dk1"/>
+                </a:solidFill>
+                <a:latin typeface="Barlow"/>
+                <a:ea typeface="Barlow"/>
+                <a:cs typeface="Barlow"/>
+                <a:sym typeface="Barlow"/>
+              </a:defRPr>
+            </a:lvl4pPr>
+            <a:lvl5pPr marR="0" lvl="4" algn="ctr" rtl="0">
+              <a:lnSpc>
+                <a:spcPct val="100000"/>
+              </a:lnSpc>
+              <a:spcBef>
+                <a:spcPts val="0"/>
+              </a:spcBef>
+              <a:spcAft>
+                <a:spcPts val="0"/>
+              </a:spcAft>
+              <a:buClr>
+                <a:schemeClr val="dk1"/>
+              </a:buClr>
+              <a:buSzPts val="3600"/>
+              <a:buFont typeface="Barlow"/>
+              <a:buNone/>
+              <a:defRPr sz="3600" b="1" i="0" u="none" strike="noStrike" cap="none">
+                <a:solidFill>
+                  <a:schemeClr val="dk1"/>
+                </a:solidFill>
+                <a:latin typeface="Barlow"/>
+                <a:ea typeface="Barlow"/>
+                <a:cs typeface="Barlow"/>
+                <a:sym typeface="Barlow"/>
+              </a:defRPr>
+            </a:lvl5pPr>
+            <a:lvl6pPr marR="0" lvl="5" algn="ctr" rtl="0">
+              <a:lnSpc>
+                <a:spcPct val="100000"/>
+              </a:lnSpc>
+              <a:spcBef>
+                <a:spcPts val="0"/>
+              </a:spcBef>
+              <a:spcAft>
+                <a:spcPts val="0"/>
+              </a:spcAft>
+              <a:buClr>
+                <a:schemeClr val="dk1"/>
+              </a:buClr>
+              <a:buSzPts val="3600"/>
+              <a:buFont typeface="Barlow"/>
+              <a:buNone/>
+              <a:defRPr sz="3600" b="1" i="0" u="none" strike="noStrike" cap="none">
+                <a:solidFill>
+                  <a:schemeClr val="dk1"/>
+                </a:solidFill>
+                <a:latin typeface="Barlow"/>
+                <a:ea typeface="Barlow"/>
+                <a:cs typeface="Barlow"/>
+                <a:sym typeface="Barlow"/>
+              </a:defRPr>
+            </a:lvl6pPr>
+            <a:lvl7pPr marR="0" lvl="6" algn="ctr" rtl="0">
+              <a:lnSpc>
+                <a:spcPct val="100000"/>
+              </a:lnSpc>
+              <a:spcBef>
+                <a:spcPts val="0"/>
+              </a:spcBef>
+              <a:spcAft>
+                <a:spcPts val="0"/>
+              </a:spcAft>
+              <a:buClr>
+                <a:schemeClr val="dk1"/>
+              </a:buClr>
+              <a:buSzPts val="3600"/>
+              <a:buFont typeface="Barlow"/>
+              <a:buNone/>
+              <a:defRPr sz="3600" b="1" i="0" u="none" strike="noStrike" cap="none">
+                <a:solidFill>
+                  <a:schemeClr val="dk1"/>
+                </a:solidFill>
+                <a:latin typeface="Barlow"/>
+                <a:ea typeface="Barlow"/>
+                <a:cs typeface="Barlow"/>
+                <a:sym typeface="Barlow"/>
+              </a:defRPr>
+            </a:lvl7pPr>
+            <a:lvl8pPr marR="0" lvl="7" algn="ctr" rtl="0">
+              <a:lnSpc>
+                <a:spcPct val="100000"/>
+              </a:lnSpc>
+              <a:spcBef>
+                <a:spcPts val="0"/>
+              </a:spcBef>
+              <a:spcAft>
+                <a:spcPts val="0"/>
+              </a:spcAft>
+              <a:buClr>
+                <a:schemeClr val="dk1"/>
+              </a:buClr>
+              <a:buSzPts val="3600"/>
+              <a:buFont typeface="Barlow"/>
+              <a:buNone/>
+              <a:defRPr sz="3600" b="1" i="0" u="none" strike="noStrike" cap="none">
+                <a:solidFill>
+                  <a:schemeClr val="dk1"/>
+                </a:solidFill>
+                <a:latin typeface="Barlow"/>
+                <a:ea typeface="Barlow"/>
+                <a:cs typeface="Barlow"/>
+                <a:sym typeface="Barlow"/>
+              </a:defRPr>
+            </a:lvl8pPr>
+            <a:lvl9pPr marR="0" lvl="8" algn="ctr" rtl="0">
+              <a:lnSpc>
+                <a:spcPct val="100000"/>
+              </a:lnSpc>
+              <a:spcBef>
+                <a:spcPts val="0"/>
+              </a:spcBef>
+              <a:spcAft>
+                <a:spcPts val="0"/>
+              </a:spcAft>
+              <a:buClr>
+                <a:schemeClr val="dk1"/>
+              </a:buClr>
+              <a:buSzPts val="3600"/>
+              <a:buFont typeface="Barlow"/>
+              <a:buNone/>
+              <a:defRPr sz="3600" b="1" i="0" u="none" strike="noStrike" cap="none">
+                <a:solidFill>
+                  <a:schemeClr val="dk1"/>
+                </a:solidFill>
+                <a:latin typeface="Barlow"/>
+                <a:ea typeface="Barlow"/>
+                <a:cs typeface="Barlow"/>
+                <a:sym typeface="Barlow"/>
+              </a:defRPr>
+            </a:lvl9pPr>
+          </a:lstStyle>
+          <a:p>
+            <a:pPr algn="ctr"/>
+            <a:r>
+              <a:rPr lang="en-US" altLang="zh-CN" sz="8000" spc="300" dirty="0">
+                <a:solidFill>
+                  <a:schemeClr val="accent4">
+                    <a:lumMod val="60000"/>
+                    <a:lumOff val="40000"/>
+                    <a:alpha val="60000"/>
+                  </a:schemeClr>
+                </a:solidFill>
+                <a:latin typeface="Amatic SC" panose="020F0502020204030204" pitchFamily="2" charset="-79"/>
+                <a:cs typeface="Amatic SC" panose="020F0502020204030204" pitchFamily="2" charset="-79"/>
+              </a:rPr>
+              <a:t>Thank you and see you in the next lesson!</a:t>
+            </a:r>
+          </a:p>
+        </p:txBody>
+      </p:sp>
+    </p:spTree>
+    <p:extLst>
+      <p:ext uri="{BB962C8B-B14F-4D97-AF65-F5344CB8AC3E}">
+        <p14:creationId xmlns:p14="http://schemas.microsoft.com/office/powerpoint/2010/main" val="394012090"/>
       </p:ext>
     </p:extLst>
   </p:cSld>

--- a/Scratch for Newbies/Level1/Lesson 5 - Find the Bug/Notes/Notes.pptx
+++ b/Scratch for Newbies/Level1/Lesson 5 - Find the Bug/Notes/Notes.pptx
@@ -5,7 +5,7 @@
     <p:sldMasterId id="2147483648" r:id="rId1"/>
   </p:sldMasterIdLst>
   <p:notesMasterIdLst>
-    <p:notesMasterId r:id="rId32"/>
+    <p:notesMasterId r:id="rId41"/>
   </p:notesMasterIdLst>
   <p:sldIdLst>
     <p:sldId id="259" r:id="rId2"/>
@@ -35,9 +35,18 @@
     <p:sldId id="465" r:id="rId26"/>
     <p:sldId id="468" r:id="rId27"/>
     <p:sldId id="469" r:id="rId28"/>
-    <p:sldId id="383" r:id="rId29"/>
-    <p:sldId id="443" r:id="rId30"/>
-    <p:sldId id="319" r:id="rId31"/>
+    <p:sldId id="470" r:id="rId29"/>
+    <p:sldId id="471" r:id="rId30"/>
+    <p:sldId id="472" r:id="rId31"/>
+    <p:sldId id="473" r:id="rId32"/>
+    <p:sldId id="474" r:id="rId33"/>
+    <p:sldId id="475" r:id="rId34"/>
+    <p:sldId id="476" r:id="rId35"/>
+    <p:sldId id="477" r:id="rId36"/>
+    <p:sldId id="478" r:id="rId37"/>
+    <p:sldId id="383" r:id="rId38"/>
+    <p:sldId id="443" r:id="rId39"/>
+    <p:sldId id="319" r:id="rId40"/>
   </p:sldIdLst>
   <p:sldSz cx="12192000" cy="6858000"/>
   <p:notesSz cx="6858000" cy="9144000"/>
@@ -17160,7 +17169,7 @@
         <p:cNvPr id="1" name="">
           <a:extLst>
             <a:ext uri="{FF2B5EF4-FFF2-40B4-BE49-F238E27FC236}">
-              <a16:creationId xmlns:a16="http://schemas.microsoft.com/office/drawing/2014/main" id="{B0638B88-A28D-0D98-6790-AFD73D028E78}"/>
+              <a16:creationId xmlns:a16="http://schemas.microsoft.com/office/drawing/2014/main" id="{9694A968-57F3-1301-3FF9-90BDED238795}"/>
             </a:ext>
           </a:extLst>
         </p:cNvPr>
@@ -17180,7 +17189,7 @@
           <p:cNvPr id="6" name="Rectangle 5">
             <a:extLst>
               <a:ext uri="{FF2B5EF4-FFF2-40B4-BE49-F238E27FC236}">
-                <a16:creationId xmlns:a16="http://schemas.microsoft.com/office/drawing/2014/main" id="{52E115B1-EE40-3BB7-072F-C694ABBC3CDA}"/>
+                <a16:creationId xmlns:a16="http://schemas.microsoft.com/office/drawing/2014/main" id="{FF5EEA6A-1B26-44CE-F51E-464A5B45083F}"/>
               </a:ext>
             </a:extLst>
           </p:cNvPr>
@@ -17232,7 +17241,7 @@
           <p:cNvPr id="2" name="Slide Number Placeholder 1">
             <a:extLst>
               <a:ext uri="{FF2B5EF4-FFF2-40B4-BE49-F238E27FC236}">
-                <a16:creationId xmlns:a16="http://schemas.microsoft.com/office/drawing/2014/main" id="{6B14C209-5E11-9F64-6579-48902F3047ED}"/>
+                <a16:creationId xmlns:a16="http://schemas.microsoft.com/office/drawing/2014/main" id="{2F01A833-4878-1503-D41E-34E83F0B5209}"/>
               </a:ext>
             </a:extLst>
           </p:cNvPr>
@@ -17277,10 +17286,10 @@
       </p:sp>
       <p:sp>
         <p:nvSpPr>
-          <p:cNvPr id="4" name="Google Shape;867;p33">
-            <a:extLst>
-              <a:ext uri="{FF2B5EF4-FFF2-40B4-BE49-F238E27FC236}">
-                <a16:creationId xmlns:a16="http://schemas.microsoft.com/office/drawing/2014/main" id="{8C54911E-C7A1-4CEC-EBF1-0B16D4B61B9B}"/>
+          <p:cNvPr id="3" name="Google Shape;867;p33">
+            <a:extLst>
+              <a:ext uri="{FF2B5EF4-FFF2-40B4-BE49-F238E27FC236}">
+                <a16:creationId xmlns:a16="http://schemas.microsoft.com/office/drawing/2014/main" id="{2F1FB9E0-0D54-28AF-262A-EED96FA3B05F}"/>
               </a:ext>
             </a:extLst>
           </p:cNvPr>
@@ -17567,17 +17576,125 @@
                 <a:latin typeface="Amatic SC" panose="020F0502020204030204" pitchFamily="2" charset="-79"/>
                 <a:cs typeface="Amatic SC" panose="020F0502020204030204" pitchFamily="2" charset="-79"/>
               </a:rPr>
-              <a:t>What we learnt…</a:t>
+              <a:t>End Screen</a:t>
             </a:r>
           </a:p>
         </p:txBody>
       </p:sp>
+      <p:pic>
+        <p:nvPicPr>
+          <p:cNvPr id="4" name="Graphic 3">
+            <a:extLst>
+              <a:ext uri="{FF2B5EF4-FFF2-40B4-BE49-F238E27FC236}">
+                <a16:creationId xmlns:a16="http://schemas.microsoft.com/office/drawing/2014/main" id="{A002EE50-7AF2-A60B-AB23-57900485E10F}"/>
+              </a:ext>
+            </a:extLst>
+          </p:cNvPr>
+          <p:cNvPicPr>
+            <a:picLocks noChangeAspect="1"/>
+          </p:cNvPicPr>
+          <p:nvPr/>
+        </p:nvPicPr>
+        <p:blipFill>
+          <a:blip r:embed="rId2">
+            <a:extLst>
+              <a:ext uri="{96DAC541-7B7A-43D3-8B79-37D633B846F1}">
+                <asvg:svgBlip xmlns:asvg="http://schemas.microsoft.com/office/drawing/2016/SVG/main" r:embed="rId3"/>
+              </a:ext>
+            </a:extLst>
+          </a:blip>
+          <a:stretch>
+            <a:fillRect/>
+          </a:stretch>
+        </p:blipFill>
+        <p:spPr>
+          <a:xfrm>
+            <a:off x="647266" y="2599396"/>
+            <a:ext cx="2607383" cy="1964984"/>
+          </a:xfrm>
+          <a:prstGeom prst="rect">
+            <a:avLst/>
+          </a:prstGeom>
+        </p:spPr>
+      </p:pic>
+      <p:pic>
+        <p:nvPicPr>
+          <p:cNvPr id="5" name="Picture 4">
+            <a:extLst>
+              <a:ext uri="{FF2B5EF4-FFF2-40B4-BE49-F238E27FC236}">
+                <a16:creationId xmlns:a16="http://schemas.microsoft.com/office/drawing/2014/main" id="{2D3EEC94-31C4-BF2A-D40E-FFC4A573C4AC}"/>
+              </a:ext>
+            </a:extLst>
+          </p:cNvPr>
+          <p:cNvPicPr>
+            <a:picLocks noChangeAspect="1"/>
+          </p:cNvPicPr>
+          <p:nvPr/>
+        </p:nvPicPr>
+        <p:blipFill>
+          <a:blip r:embed="rId4">
+            <a:extLst>
+              <a:ext uri="{28A0092B-C50C-407E-A947-70E740481C1C}">
+                <a14:useLocalDpi xmlns:a14="http://schemas.microsoft.com/office/drawing/2010/main" val="0"/>
+              </a:ext>
+            </a:extLst>
+          </a:blip>
+          <a:stretch>
+            <a:fillRect/>
+          </a:stretch>
+        </p:blipFill>
+        <p:spPr>
+          <a:xfrm>
+            <a:off x="3595050" y="2599396"/>
+            <a:ext cx="2619980" cy="1964985"/>
+          </a:xfrm>
+          <a:prstGeom prst="rect">
+            <a:avLst/>
+          </a:prstGeom>
+        </p:spPr>
+      </p:pic>
+      <p:pic>
+        <p:nvPicPr>
+          <p:cNvPr id="7" name="Picture 6">
+            <a:extLst>
+              <a:ext uri="{FF2B5EF4-FFF2-40B4-BE49-F238E27FC236}">
+                <a16:creationId xmlns:a16="http://schemas.microsoft.com/office/drawing/2014/main" id="{6C7D5B27-658E-A35C-AB41-754BA30EB171}"/>
+              </a:ext>
+            </a:extLst>
+          </p:cNvPr>
+          <p:cNvPicPr>
+            <a:picLocks noChangeAspect="1"/>
+          </p:cNvPicPr>
+          <p:nvPr/>
+        </p:nvPicPr>
+        <p:blipFill>
+          <a:blip r:embed="rId5">
+            <a:extLst>
+              <a:ext uri="{28A0092B-C50C-407E-A947-70E740481C1C}">
+                <a14:useLocalDpi xmlns:a14="http://schemas.microsoft.com/office/drawing/2010/main" val="0"/>
+              </a:ext>
+            </a:extLst>
+          </a:blip>
+          <a:stretch>
+            <a:fillRect/>
+          </a:stretch>
+        </p:blipFill>
+        <p:spPr>
+          <a:xfrm>
+            <a:off x="6555431" y="2592264"/>
+            <a:ext cx="2619979" cy="1964984"/>
+          </a:xfrm>
+          <a:prstGeom prst="rect">
+            <a:avLst/>
+          </a:prstGeom>
+        </p:spPr>
+      </p:pic>
       <p:sp>
         <p:nvSpPr>
-          <p:cNvPr id="7" name="TextBox 6">
-            <a:extLst>
-              <a:ext uri="{FF2B5EF4-FFF2-40B4-BE49-F238E27FC236}">
-                <a16:creationId xmlns:a16="http://schemas.microsoft.com/office/drawing/2014/main" id="{746CF1E8-DC14-458F-9658-3E32EF64E0E4}"/>
+          <p:cNvPr id="8" name="TextBox 7">
+            <a:extLst>
+              <a:ext uri="{FF2B5EF4-FFF2-40B4-BE49-F238E27FC236}">
+                <a16:creationId xmlns:a16="http://schemas.microsoft.com/office/drawing/2014/main" id="{AE73F1FD-B78C-8FCC-FE62-049B67913448}"/>
               </a:ext>
             </a:extLst>
           </p:cNvPr>
@@ -17586,8 +17703,8 @@
         </p:nvSpPr>
         <p:spPr>
           <a:xfrm>
-            <a:off x="1265150" y="2757261"/>
-            <a:ext cx="4048530" cy="2123658"/>
+            <a:off x="9535228" y="2981723"/>
+            <a:ext cx="2296954" cy="1200329"/>
           </a:xfrm>
           <a:prstGeom prst="rect">
             <a:avLst/>
@@ -17602,7 +17719,7 @@
           <a:p>
             <a:pPr algn="ctr"/>
             <a:r>
-              <a:rPr lang="en-US" altLang="zh-CN" sz="4400" dirty="0">
+              <a:rPr lang="en-US" altLang="zh-CN" sz="3600" dirty="0">
                 <a:solidFill>
                   <a:schemeClr val="bg1">
                     <a:lumMod val="75000"/>
@@ -17610,32 +17727,9 @@
                 </a:solidFill>
                 <a:latin typeface="High Tower Text" panose="02040502050506030303" pitchFamily="18" charset="0"/>
               </a:rPr>
-              <a:t>How to change sprite </a:t>
+              <a:t>End Screen</a:t>
             </a:r>
-            <a:r>
-              <a:rPr lang="en-US" altLang="zh-CN" sz="4400" dirty="0">
-                <a:solidFill>
-                  <a:schemeClr val="accent2">
-                    <a:lumMod val="60000"/>
-                    <a:lumOff val="40000"/>
-                  </a:schemeClr>
-                </a:solidFill>
-                <a:latin typeface="High Tower Text" panose="02040502050506030303" pitchFamily="18" charset="0"/>
-              </a:rPr>
-              <a:t>size</a:t>
-            </a:r>
-            <a:r>
-              <a:rPr lang="en-US" altLang="zh-CN" sz="4400" dirty="0">
-                <a:solidFill>
-                  <a:schemeClr val="bg1">
-                    <a:lumMod val="75000"/>
-                  </a:schemeClr>
-                </a:solidFill>
-                <a:latin typeface="High Tower Text" panose="02040502050506030303" pitchFamily="18" charset="0"/>
-              </a:rPr>
-              <a:t> using block</a:t>
-            </a:r>
-            <a:endParaRPr lang="zh-CN" altLang="en-US" sz="4400" dirty="0">
+            <a:endParaRPr lang="zh-CN" altLang="en-US" sz="3600" dirty="0">
               <a:solidFill>
                 <a:schemeClr val="bg1">
                   <a:lumMod val="75000"/>
@@ -17646,46 +17740,187 @@
           </a:p>
         </p:txBody>
       </p:sp>
-      <p:pic>
-        <p:nvPicPr>
-          <p:cNvPr id="3" name="Picture 2" descr="A purple rectangle with white text and a circle with black text&#10;&#10;Description automatically generated">
-            <a:extLst>
-              <a:ext uri="{FF2B5EF4-FFF2-40B4-BE49-F238E27FC236}">
-                <a16:creationId xmlns:a16="http://schemas.microsoft.com/office/drawing/2014/main" id="{0D5B4824-D4E9-4CE7-C84E-EE743E88F8C3}"/>
-              </a:ext>
-            </a:extLst>
-          </p:cNvPr>
-          <p:cNvPicPr>
-            <a:picLocks noChangeAspect="1"/>
-          </p:cNvPicPr>
+      <p:sp>
+        <p:nvSpPr>
+          <p:cNvPr id="9" name="Arrow: Curved Right 8">
+            <a:extLst>
+              <a:ext uri="{FF2B5EF4-FFF2-40B4-BE49-F238E27FC236}">
+                <a16:creationId xmlns:a16="http://schemas.microsoft.com/office/drawing/2014/main" id="{E1C5F3B2-F3A5-CD21-733E-DC1815A1930E}"/>
+              </a:ext>
+            </a:extLst>
+          </p:cNvPr>
+          <p:cNvSpPr/>
           <p:nvPr/>
-        </p:nvPicPr>
-        <p:blipFill>
-          <a:blip r:embed="rId2">
-            <a:extLst>
-              <a:ext uri="{28A0092B-C50C-407E-A947-70E740481C1C}">
-                <a14:useLocalDpi xmlns:a14="http://schemas.microsoft.com/office/drawing/2010/main" val="0"/>
-              </a:ext>
-            </a:extLst>
-          </a:blip>
-          <a:stretch>
-            <a:fillRect/>
-          </a:stretch>
-        </p:blipFill>
-        <p:spPr>
-          <a:xfrm>
-            <a:off x="6878322" y="3305569"/>
-            <a:ext cx="3573442" cy="1262541"/>
-          </a:xfrm>
-          <a:prstGeom prst="rect">
+        </p:nvSpPr>
+        <p:spPr>
+          <a:xfrm rot="16200000">
+            <a:off x="2997457" y="4022723"/>
+            <a:ext cx="836774" cy="2386487"/>
+          </a:xfrm>
+          <a:prstGeom prst="curvedRightArrow">
             <a:avLst/>
           </a:prstGeom>
-        </p:spPr>
-      </p:pic>
+          <a:solidFill>
+            <a:schemeClr val="bg1">
+              <a:lumMod val="75000"/>
+              <a:alpha val="80000"/>
+            </a:schemeClr>
+          </a:solidFill>
+          <a:ln>
+            <a:noFill/>
+          </a:ln>
+        </p:spPr>
+        <p:style>
+          <a:lnRef idx="2">
+            <a:schemeClr val="accent1">
+              <a:shade val="15000"/>
+            </a:schemeClr>
+          </a:lnRef>
+          <a:fillRef idx="1">
+            <a:schemeClr val="accent1"/>
+          </a:fillRef>
+          <a:effectRef idx="0">
+            <a:schemeClr val="accent1"/>
+          </a:effectRef>
+          <a:fontRef idx="minor">
+            <a:schemeClr val="lt1"/>
+          </a:fontRef>
+        </p:style>
+        <p:txBody>
+          <a:bodyPr rtlCol="0" anchor="ctr"/>
+          <a:lstStyle/>
+          <a:p>
+            <a:pPr algn="ctr"/>
+            <a:endParaRPr lang="zh-CN" altLang="en-US">
+              <a:solidFill>
+                <a:schemeClr val="tx1"/>
+              </a:solidFill>
+            </a:endParaRPr>
+          </a:p>
+        </p:txBody>
+      </p:sp>
+      <p:sp>
+        <p:nvSpPr>
+          <p:cNvPr id="13" name="Arrow: Curved Right 12">
+            <a:extLst>
+              <a:ext uri="{FF2B5EF4-FFF2-40B4-BE49-F238E27FC236}">
+                <a16:creationId xmlns:a16="http://schemas.microsoft.com/office/drawing/2014/main" id="{517514B4-3793-5596-776A-AACED41C29B3}"/>
+              </a:ext>
+            </a:extLst>
+          </p:cNvPr>
+          <p:cNvSpPr/>
+          <p:nvPr/>
+        </p:nvSpPr>
+        <p:spPr>
+          <a:xfrm rot="16200000">
+            <a:off x="6253790" y="4022724"/>
+            <a:ext cx="836774" cy="2386487"/>
+          </a:xfrm>
+          <a:prstGeom prst="curvedRightArrow">
+            <a:avLst/>
+          </a:prstGeom>
+          <a:solidFill>
+            <a:schemeClr val="bg1">
+              <a:lumMod val="75000"/>
+              <a:alpha val="80000"/>
+            </a:schemeClr>
+          </a:solidFill>
+          <a:ln>
+            <a:noFill/>
+          </a:ln>
+        </p:spPr>
+        <p:style>
+          <a:lnRef idx="2">
+            <a:schemeClr val="accent1">
+              <a:shade val="15000"/>
+            </a:schemeClr>
+          </a:lnRef>
+          <a:fillRef idx="1">
+            <a:schemeClr val="accent1"/>
+          </a:fillRef>
+          <a:effectRef idx="0">
+            <a:schemeClr val="accent1"/>
+          </a:effectRef>
+          <a:fontRef idx="minor">
+            <a:schemeClr val="lt1"/>
+          </a:fontRef>
+        </p:style>
+        <p:txBody>
+          <a:bodyPr rtlCol="0" anchor="ctr"/>
+          <a:lstStyle/>
+          <a:p>
+            <a:pPr algn="ctr"/>
+            <a:endParaRPr lang="zh-CN" altLang="en-US">
+              <a:solidFill>
+                <a:schemeClr val="tx1"/>
+              </a:solidFill>
+            </a:endParaRPr>
+          </a:p>
+        </p:txBody>
+      </p:sp>
+      <p:sp>
+        <p:nvSpPr>
+          <p:cNvPr id="15" name="Arrow: Curved Right 14">
+            <a:extLst>
+              <a:ext uri="{FF2B5EF4-FFF2-40B4-BE49-F238E27FC236}">
+                <a16:creationId xmlns:a16="http://schemas.microsoft.com/office/drawing/2014/main" id="{8BAB724B-06E7-80E6-D120-7570B7C0BD83}"/>
+              </a:ext>
+            </a:extLst>
+          </p:cNvPr>
+          <p:cNvSpPr/>
+          <p:nvPr/>
+        </p:nvSpPr>
+        <p:spPr>
+          <a:xfrm rot="16200000">
+            <a:off x="9301790" y="4022724"/>
+            <a:ext cx="836774" cy="2386487"/>
+          </a:xfrm>
+          <a:prstGeom prst="curvedRightArrow">
+            <a:avLst/>
+          </a:prstGeom>
+          <a:solidFill>
+            <a:schemeClr val="bg1">
+              <a:lumMod val="75000"/>
+              <a:alpha val="80000"/>
+            </a:schemeClr>
+          </a:solidFill>
+          <a:ln>
+            <a:noFill/>
+          </a:ln>
+        </p:spPr>
+        <p:style>
+          <a:lnRef idx="2">
+            <a:schemeClr val="accent1">
+              <a:shade val="15000"/>
+            </a:schemeClr>
+          </a:lnRef>
+          <a:fillRef idx="1">
+            <a:schemeClr val="accent1"/>
+          </a:fillRef>
+          <a:effectRef idx="0">
+            <a:schemeClr val="accent1"/>
+          </a:effectRef>
+          <a:fontRef idx="minor">
+            <a:schemeClr val="lt1"/>
+          </a:fontRef>
+        </p:style>
+        <p:txBody>
+          <a:bodyPr rtlCol="0" anchor="ctr"/>
+          <a:lstStyle/>
+          <a:p>
+            <a:pPr algn="ctr"/>
+            <a:endParaRPr lang="zh-CN" altLang="en-US">
+              <a:solidFill>
+                <a:schemeClr val="tx1"/>
+              </a:solidFill>
+            </a:endParaRPr>
+          </a:p>
+        </p:txBody>
+      </p:sp>
     </p:spTree>
     <p:extLst>
       <p:ext uri="{BB962C8B-B14F-4D97-AF65-F5344CB8AC3E}">
-        <p14:creationId xmlns:p14="http://schemas.microsoft.com/office/powerpoint/2010/main" val="2768751716"/>
+        <p14:creationId xmlns:p14="http://schemas.microsoft.com/office/powerpoint/2010/main" val="1994999739"/>
       </p:ext>
     </p:extLst>
   </p:cSld>
@@ -17703,7 +17938,7 @@
         <p:cNvPr id="1" name="">
           <a:extLst>
             <a:ext uri="{FF2B5EF4-FFF2-40B4-BE49-F238E27FC236}">
-              <a16:creationId xmlns:a16="http://schemas.microsoft.com/office/drawing/2014/main" id="{3530765B-AFFB-8619-87BF-95175A46113B}"/>
+              <a16:creationId xmlns:a16="http://schemas.microsoft.com/office/drawing/2014/main" id="{A99DF8B1-8F1C-8306-F8B0-A210B04258A9}"/>
             </a:ext>
           </a:extLst>
         </p:cNvPr>
@@ -17723,7 +17958,7 @@
           <p:cNvPr id="6" name="Rectangle 5">
             <a:extLst>
               <a:ext uri="{FF2B5EF4-FFF2-40B4-BE49-F238E27FC236}">
-                <a16:creationId xmlns:a16="http://schemas.microsoft.com/office/drawing/2014/main" id="{4A7687D8-74DA-F84A-D34F-6FF17B5D0A9E}"/>
+                <a16:creationId xmlns:a16="http://schemas.microsoft.com/office/drawing/2014/main" id="{A768AC8C-77AB-1705-A0E4-E1D015C5B20C}"/>
               </a:ext>
             </a:extLst>
           </p:cNvPr>
@@ -17772,10 +18007,58 @@
       </p:sp>
       <p:sp>
         <p:nvSpPr>
-          <p:cNvPr id="4" name="Google Shape;867;p33">
-            <a:extLst>
-              <a:ext uri="{FF2B5EF4-FFF2-40B4-BE49-F238E27FC236}">
-                <a16:creationId xmlns:a16="http://schemas.microsoft.com/office/drawing/2014/main" id="{962D7E55-8960-88EA-FA32-53D63E7FBA6D}"/>
+          <p:cNvPr id="2" name="Slide Number Placeholder 1">
+            <a:extLst>
+              <a:ext uri="{FF2B5EF4-FFF2-40B4-BE49-F238E27FC236}">
+                <a16:creationId xmlns:a16="http://schemas.microsoft.com/office/drawing/2014/main" id="{47F28A0A-B521-2982-1217-4A3B4E2839A4}"/>
+              </a:ext>
+            </a:extLst>
+          </p:cNvPr>
+          <p:cNvSpPr>
+            <a:spLocks noGrp="1"/>
+          </p:cNvSpPr>
+          <p:nvPr>
+            <p:ph type="sldNum" sz="quarter" idx="12"/>
+          </p:nvPr>
+        </p:nvSpPr>
+        <p:spPr>
+          <a:xfrm>
+            <a:off x="9057739" y="6259509"/>
+            <a:ext cx="2743200" cy="365125"/>
+          </a:xfrm>
+        </p:spPr>
+        <p:txBody>
+          <a:bodyPr/>
+          <a:lstStyle/>
+          <a:p>
+            <a:fld id="{9B1EC109-1E15-4BCA-93B5-56442BB3443E}" type="slidenum">
+              <a:rPr lang="zh-CN" altLang="en-US" sz="2400" b="1" smtClean="0">
+                <a:solidFill>
+                  <a:schemeClr val="bg1">
+                    <a:lumMod val="65000"/>
+                  </a:schemeClr>
+                </a:solidFill>
+                <a:latin typeface="Bradley Hand ITC" panose="03070402050302030203" pitchFamily="66" charset="0"/>
+              </a:rPr>
+              <a:t>29</a:t>
+            </a:fld>
+            <a:endParaRPr lang="zh-CN" altLang="en-US" sz="2400" b="1" dirty="0">
+              <a:solidFill>
+                <a:schemeClr val="bg1">
+                  <a:lumMod val="65000"/>
+                </a:schemeClr>
+              </a:solidFill>
+              <a:latin typeface="Bradley Hand ITC" panose="03070402050302030203" pitchFamily="66" charset="0"/>
+            </a:endParaRPr>
+          </a:p>
+        </p:txBody>
+      </p:sp>
+      <p:sp>
+        <p:nvSpPr>
+          <p:cNvPr id="3" name="Google Shape;867;p33">
+            <a:extLst>
+              <a:ext uri="{FF2B5EF4-FFF2-40B4-BE49-F238E27FC236}">
+                <a16:creationId xmlns:a16="http://schemas.microsoft.com/office/drawing/2014/main" id="{80D15A3C-1C42-F8A4-D6A1-83AE00393A4C}"/>
               </a:ext>
             </a:extLst>
           </p:cNvPr>
@@ -17786,8 +18069,8 @@
         </p:nvSpPr>
         <p:spPr>
           <a:xfrm>
-            <a:off x="1557070" y="382508"/>
-            <a:ext cx="9077860" cy="1602400"/>
+            <a:off x="2222600" y="143850"/>
+            <a:ext cx="7746800" cy="1602400"/>
           </a:xfrm>
           <a:prstGeom prst="rect">
             <a:avLst/>
@@ -18062,92 +18345,193 @@
                 <a:latin typeface="Amatic SC" panose="020F0502020204030204" pitchFamily="2" charset="-79"/>
                 <a:cs typeface="Amatic SC" panose="020F0502020204030204" pitchFamily="2" charset="-79"/>
               </a:rPr>
-              <a:t>Exercises</a:t>
+              <a:t>End Screen</a:t>
             </a:r>
           </a:p>
         </p:txBody>
       </p:sp>
+      <p:pic>
+        <p:nvPicPr>
+          <p:cNvPr id="11" name="Picture 10">
+            <a:extLst>
+              <a:ext uri="{FF2B5EF4-FFF2-40B4-BE49-F238E27FC236}">
+                <a16:creationId xmlns:a16="http://schemas.microsoft.com/office/drawing/2014/main" id="{1C4405DF-FBB9-D82E-C6B7-BE90324EDA19}"/>
+              </a:ext>
+            </a:extLst>
+          </p:cNvPr>
+          <p:cNvPicPr>
+            <a:picLocks noChangeAspect="1"/>
+          </p:cNvPicPr>
+          <p:nvPr/>
+        </p:nvPicPr>
+        <p:blipFill>
+          <a:blip r:embed="rId2">
+            <a:extLst>
+              <a:ext uri="{28A0092B-C50C-407E-A947-70E740481C1C}">
+                <a14:useLocalDpi xmlns:a14="http://schemas.microsoft.com/office/drawing/2010/main" val="0"/>
+              </a:ext>
+            </a:extLst>
+          </a:blip>
+          <a:stretch>
+            <a:fillRect/>
+          </a:stretch>
+        </p:blipFill>
+        <p:spPr>
+          <a:xfrm>
+            <a:off x="1572379" y="2423990"/>
+            <a:ext cx="5587558" cy="3640475"/>
+          </a:xfrm>
+          <a:prstGeom prst="rect">
+            <a:avLst/>
+          </a:prstGeom>
+        </p:spPr>
+      </p:pic>
       <p:sp>
         <p:nvSpPr>
-          <p:cNvPr id="2" name="TextBox 1">
-            <a:extLst>
-              <a:ext uri="{FF2B5EF4-FFF2-40B4-BE49-F238E27FC236}">
-                <a16:creationId xmlns:a16="http://schemas.microsoft.com/office/drawing/2014/main" id="{6EDAF4E1-4C12-63F0-60FE-1043F32FB6E8}"/>
-              </a:ext>
-            </a:extLst>
-          </p:cNvPr>
-          <p:cNvSpPr txBox="1"/>
+          <p:cNvPr id="12" name="Rectangle 11">
+            <a:extLst>
+              <a:ext uri="{FF2B5EF4-FFF2-40B4-BE49-F238E27FC236}">
+                <a16:creationId xmlns:a16="http://schemas.microsoft.com/office/drawing/2014/main" id="{DABB67BA-3C51-AFD8-163F-C02E1BD6B15A}"/>
+              </a:ext>
+            </a:extLst>
+          </p:cNvPr>
+          <p:cNvSpPr/>
           <p:nvPr/>
         </p:nvSpPr>
         <p:spPr>
           <a:xfrm>
-            <a:off x="1265150" y="2117180"/>
-            <a:ext cx="9727970" cy="1321580"/>
+            <a:off x="1584792" y="3906749"/>
+            <a:ext cx="1981200" cy="2065020"/>
           </a:xfrm>
           <a:prstGeom prst="rect">
             <a:avLst/>
           </a:prstGeom>
           <a:noFill/>
-        </p:spPr>
+          <a:ln w="38100">
+            <a:solidFill>
+              <a:srgbClr val="C00000"/>
+            </a:solidFill>
+            <a:prstDash val="sysDash"/>
+          </a:ln>
+        </p:spPr>
+        <p:style>
+          <a:lnRef idx="2">
+            <a:schemeClr val="accent1">
+              <a:shade val="15000"/>
+            </a:schemeClr>
+          </a:lnRef>
+          <a:fillRef idx="1">
+            <a:schemeClr val="accent1"/>
+          </a:fillRef>
+          <a:effectRef idx="0">
+            <a:schemeClr val="accent1"/>
+          </a:effectRef>
+          <a:fontRef idx="minor">
+            <a:schemeClr val="lt1"/>
+          </a:fontRef>
+        </p:style>
         <p:txBody>
-          <a:bodyPr wrap="square" rtlCol="0">
-            <a:spAutoFit/>
-          </a:bodyPr>
+          <a:bodyPr rtlCol="0" anchor="ctr"/>
           <a:lstStyle/>
           <a:p>
-            <a:pPr marL="571500" indent="-571500">
-              <a:lnSpc>
-                <a:spcPct val="150000"/>
-              </a:lnSpc>
-              <a:buFont typeface="Wingdings" panose="05000000000000000000" pitchFamily="2" charset="2"/>
-              <a:buChar char="p"/>
-            </a:pPr>
-            <a:r>
-              <a:rPr lang="en-US" altLang="zh-CN" sz="2800" dirty="0">
-                <a:solidFill>
-                  <a:schemeClr val="bg1">
-                    <a:lumMod val="75000"/>
-                  </a:schemeClr>
-                </a:solidFill>
-                <a:latin typeface="High Tower Text" panose="02040502050506030303" pitchFamily="18" charset="0"/>
-              </a:rPr>
-              <a:t>How can you make the ghost fade out/in faster/slower?</a:t>
-            </a:r>
+            <a:pPr algn="ctr"/>
+            <a:endParaRPr lang="zh-CN" altLang="en-US"/>
           </a:p>
+        </p:txBody>
+      </p:sp>
+      <p:pic>
+        <p:nvPicPr>
+          <p:cNvPr id="16" name="Picture 15">
+            <a:extLst>
+              <a:ext uri="{FF2B5EF4-FFF2-40B4-BE49-F238E27FC236}">
+                <a16:creationId xmlns:a16="http://schemas.microsoft.com/office/drawing/2014/main" id="{E0C6E89C-5B01-3B03-04CE-A094CAE107BF}"/>
+              </a:ext>
+            </a:extLst>
+          </p:cNvPr>
+          <p:cNvPicPr>
+            <a:picLocks noChangeAspect="1"/>
+          </p:cNvPicPr>
+          <p:nvPr/>
+        </p:nvPicPr>
+        <p:blipFill>
+          <a:blip r:embed="rId3">
+            <a:extLst>
+              <a:ext uri="{28A0092B-C50C-407E-A947-70E740481C1C}">
+                <a14:useLocalDpi xmlns:a14="http://schemas.microsoft.com/office/drawing/2010/main" val="0"/>
+              </a:ext>
+            </a:extLst>
+          </a:blip>
+          <a:stretch>
+            <a:fillRect/>
+          </a:stretch>
+        </p:blipFill>
+        <p:spPr>
+          <a:xfrm>
+            <a:off x="8811036" y="1746250"/>
+            <a:ext cx="1430244" cy="4760812"/>
+          </a:xfrm>
+          <a:prstGeom prst="rect">
+            <a:avLst/>
+          </a:prstGeom>
+        </p:spPr>
+      </p:pic>
+      <p:sp>
+        <p:nvSpPr>
+          <p:cNvPr id="17" name="Rectangle 16">
+            <a:extLst>
+              <a:ext uri="{FF2B5EF4-FFF2-40B4-BE49-F238E27FC236}">
+                <a16:creationId xmlns:a16="http://schemas.microsoft.com/office/drawing/2014/main" id="{D2973B10-EB45-1223-7B8F-73837AA6A41B}"/>
+              </a:ext>
+            </a:extLst>
+          </p:cNvPr>
+          <p:cNvSpPr/>
+          <p:nvPr/>
+        </p:nvSpPr>
+        <p:spPr>
+          <a:xfrm>
+            <a:off x="8922852" y="5226999"/>
+            <a:ext cx="1231576" cy="1280063"/>
+          </a:xfrm>
+          <a:prstGeom prst="rect">
+            <a:avLst/>
+          </a:prstGeom>
+          <a:noFill/>
+          <a:ln w="38100">
+            <a:solidFill>
+              <a:srgbClr val="C00000"/>
+            </a:solidFill>
+            <a:prstDash val="sysDash"/>
+          </a:ln>
+        </p:spPr>
+        <p:style>
+          <a:lnRef idx="2">
+            <a:schemeClr val="accent1">
+              <a:shade val="15000"/>
+            </a:schemeClr>
+          </a:lnRef>
+          <a:fillRef idx="1">
+            <a:schemeClr val="accent1"/>
+          </a:fillRef>
+          <a:effectRef idx="0">
+            <a:schemeClr val="accent1"/>
+          </a:effectRef>
+          <a:fontRef idx="minor">
+            <a:schemeClr val="lt1"/>
+          </a:fontRef>
+        </p:style>
+        <p:txBody>
+          <a:bodyPr rtlCol="0" anchor="ctr"/>
+          <a:lstStyle/>
           <a:p>
-            <a:pPr marL="571500" indent="-571500">
-              <a:lnSpc>
-                <a:spcPct val="150000"/>
-              </a:lnSpc>
-              <a:buFont typeface="Wingdings" panose="05000000000000000000" pitchFamily="2" charset="2"/>
-              <a:buChar char="p"/>
-            </a:pPr>
-            <a:r>
-              <a:rPr lang="en-US" altLang="zh-CN" sz="2800" dirty="0">
-                <a:solidFill>
-                  <a:schemeClr val="bg1">
-                    <a:lumMod val="75000"/>
-                  </a:schemeClr>
-                </a:solidFill>
-                <a:latin typeface="High Tower Text" panose="02040502050506030303" pitchFamily="18" charset="0"/>
-              </a:rPr>
-              <a:t>Explore with other graphic effects and see what each one</a:t>
-            </a:r>
-            <a:endParaRPr lang="zh-CN" altLang="en-US" sz="2800" dirty="0">
-              <a:solidFill>
-                <a:schemeClr val="bg1">
-                  <a:lumMod val="75000"/>
-                </a:schemeClr>
-              </a:solidFill>
-              <a:latin typeface="High Tower Text" panose="02040502050506030303" pitchFamily="18" charset="0"/>
-            </a:endParaRPr>
+            <a:pPr algn="ctr"/>
+            <a:endParaRPr lang="zh-CN" altLang="en-US"/>
           </a:p>
         </p:txBody>
       </p:sp>
     </p:spTree>
     <p:extLst>
       <p:ext uri="{BB962C8B-B14F-4D97-AF65-F5344CB8AC3E}">
-        <p14:creationId xmlns:p14="http://schemas.microsoft.com/office/powerpoint/2010/main" val="8421016"/>
+        <p14:creationId xmlns:p14="http://schemas.microsoft.com/office/powerpoint/2010/main" val="3316728115"/>
       </p:ext>
     </p:extLst>
   </p:cSld>
@@ -19009,7 +19393,13 @@
   <p:cSld>
     <p:spTree>
       <p:nvGrpSpPr>
-        <p:cNvPr id="1" name=""/>
+        <p:cNvPr id="1" name="">
+          <a:extLst>
+            <a:ext uri="{FF2B5EF4-FFF2-40B4-BE49-F238E27FC236}">
+              <a16:creationId xmlns:a16="http://schemas.microsoft.com/office/drawing/2014/main" id="{DE8B0216-493D-7027-AA59-1A18E55595D2}"/>
+            </a:ext>
+          </a:extLst>
+        </p:cNvPr>
         <p:cNvGrpSpPr/>
         <p:nvPr/>
       </p:nvGrpSpPr>
@@ -19026,7 +19416,7 @@
           <p:cNvPr id="6" name="Rectangle 5">
             <a:extLst>
               <a:ext uri="{FF2B5EF4-FFF2-40B4-BE49-F238E27FC236}">
-                <a16:creationId xmlns:a16="http://schemas.microsoft.com/office/drawing/2014/main" id="{7BC4EB1B-EA6B-DFE4-AF3B-05D0EB253209}"/>
+                <a16:creationId xmlns:a16="http://schemas.microsoft.com/office/drawing/2014/main" id="{0638758A-6ABF-E5A7-8B29-7291392D70E7}"/>
               </a:ext>
             </a:extLst>
           </p:cNvPr>
@@ -19078,7 +19468,7 @@
           <p:cNvPr id="2" name="Slide Number Placeholder 1">
             <a:extLst>
               <a:ext uri="{FF2B5EF4-FFF2-40B4-BE49-F238E27FC236}">
-                <a16:creationId xmlns:a16="http://schemas.microsoft.com/office/drawing/2014/main" id="{C53E70DF-9B91-8A92-BF94-1399BB9FFE34}"/>
+                <a16:creationId xmlns:a16="http://schemas.microsoft.com/office/drawing/2014/main" id="{AAB93997-76DC-5ED0-75A9-006C71D76C01}"/>
               </a:ext>
             </a:extLst>
           </p:cNvPr>
@@ -19109,6 +19499,6740 @@
                 <a:latin typeface="Bradley Hand ITC" panose="03070402050302030203" pitchFamily="66" charset="0"/>
               </a:rPr>
               <a:t>30</a:t>
+            </a:fld>
+            <a:endParaRPr lang="zh-CN" altLang="en-US" sz="2400" b="1" dirty="0">
+              <a:solidFill>
+                <a:schemeClr val="bg1">
+                  <a:lumMod val="65000"/>
+                </a:schemeClr>
+              </a:solidFill>
+              <a:latin typeface="Bradley Hand ITC" panose="03070402050302030203" pitchFamily="66" charset="0"/>
+            </a:endParaRPr>
+          </a:p>
+        </p:txBody>
+      </p:sp>
+      <p:sp>
+        <p:nvSpPr>
+          <p:cNvPr id="3" name="Google Shape;867;p33">
+            <a:extLst>
+              <a:ext uri="{FF2B5EF4-FFF2-40B4-BE49-F238E27FC236}">
+                <a16:creationId xmlns:a16="http://schemas.microsoft.com/office/drawing/2014/main" id="{99AA1BDE-8DB9-69C0-03BE-D7D6EBEB0166}"/>
+              </a:ext>
+            </a:extLst>
+          </p:cNvPr>
+          <p:cNvSpPr txBox="1">
+            <a:spLocks/>
+          </p:cNvSpPr>
+          <p:nvPr/>
+        </p:nvSpPr>
+        <p:spPr>
+          <a:xfrm>
+            <a:off x="2222600" y="143850"/>
+            <a:ext cx="7746800" cy="1602400"/>
+          </a:xfrm>
+          <a:prstGeom prst="rect">
+            <a:avLst/>
+          </a:prstGeom>
+          <a:noFill/>
+          <a:ln>
+            <a:noFill/>
+          </a:ln>
+        </p:spPr>
+        <p:txBody>
+          <a:bodyPr spcFirstLastPara="1" wrap="square" lIns="91425" tIns="91425" rIns="91425" bIns="91425" anchor="b" anchorCtr="0">
+            <a:noAutofit/>
+          </a:bodyPr>
+          <a:lstStyle>
+            <a:defPPr marR="0" lvl="0" algn="l" rtl="0">
+              <a:lnSpc>
+                <a:spcPct val="100000"/>
+              </a:lnSpc>
+              <a:spcBef>
+                <a:spcPts val="0"/>
+              </a:spcBef>
+              <a:spcAft>
+                <a:spcPts val="0"/>
+              </a:spcAft>
+            </a:defPPr>
+            <a:lvl1pPr marR="0" lvl="0" algn="l" rtl="0">
+              <a:lnSpc>
+                <a:spcPct val="100000"/>
+              </a:lnSpc>
+              <a:spcBef>
+                <a:spcPts val="0"/>
+              </a:spcBef>
+              <a:spcAft>
+                <a:spcPts val="0"/>
+              </a:spcAft>
+              <a:buClr>
+                <a:schemeClr val="dk1"/>
+              </a:buClr>
+              <a:buSzPts val="3600"/>
+              <a:buFont typeface="Barlow"/>
+              <a:buNone/>
+              <a:defRPr sz="7200" b="1" i="0" u="none" strike="noStrike" cap="none">
+                <a:solidFill>
+                  <a:schemeClr val="dk1"/>
+                </a:solidFill>
+                <a:latin typeface="Barlow"/>
+                <a:ea typeface="Barlow"/>
+                <a:cs typeface="Barlow"/>
+                <a:sym typeface="Barlow"/>
+              </a:defRPr>
+            </a:lvl1pPr>
+            <a:lvl2pPr marR="0" lvl="1" algn="ctr" rtl="0">
+              <a:lnSpc>
+                <a:spcPct val="100000"/>
+              </a:lnSpc>
+              <a:spcBef>
+                <a:spcPts val="0"/>
+              </a:spcBef>
+              <a:spcAft>
+                <a:spcPts val="0"/>
+              </a:spcAft>
+              <a:buClr>
+                <a:schemeClr val="dk1"/>
+              </a:buClr>
+              <a:buSzPts val="3600"/>
+              <a:buFont typeface="Barlow"/>
+              <a:buNone/>
+              <a:defRPr sz="3600" b="1" i="0" u="none" strike="noStrike" cap="none">
+                <a:solidFill>
+                  <a:schemeClr val="dk1"/>
+                </a:solidFill>
+                <a:latin typeface="Barlow"/>
+                <a:ea typeface="Barlow"/>
+                <a:cs typeface="Barlow"/>
+                <a:sym typeface="Barlow"/>
+              </a:defRPr>
+            </a:lvl2pPr>
+            <a:lvl3pPr marR="0" lvl="2" algn="ctr" rtl="0">
+              <a:lnSpc>
+                <a:spcPct val="100000"/>
+              </a:lnSpc>
+              <a:spcBef>
+                <a:spcPts val="0"/>
+              </a:spcBef>
+              <a:spcAft>
+                <a:spcPts val="0"/>
+              </a:spcAft>
+              <a:buClr>
+                <a:schemeClr val="dk1"/>
+              </a:buClr>
+              <a:buSzPts val="3600"/>
+              <a:buFont typeface="Barlow"/>
+              <a:buNone/>
+              <a:defRPr sz="3600" b="1" i="0" u="none" strike="noStrike" cap="none">
+                <a:solidFill>
+                  <a:schemeClr val="dk1"/>
+                </a:solidFill>
+                <a:latin typeface="Barlow"/>
+                <a:ea typeface="Barlow"/>
+                <a:cs typeface="Barlow"/>
+                <a:sym typeface="Barlow"/>
+              </a:defRPr>
+            </a:lvl3pPr>
+            <a:lvl4pPr marR="0" lvl="3" algn="ctr" rtl="0">
+              <a:lnSpc>
+                <a:spcPct val="100000"/>
+              </a:lnSpc>
+              <a:spcBef>
+                <a:spcPts val="0"/>
+              </a:spcBef>
+              <a:spcAft>
+                <a:spcPts val="0"/>
+              </a:spcAft>
+              <a:buClr>
+                <a:schemeClr val="dk1"/>
+              </a:buClr>
+              <a:buSzPts val="3600"/>
+              <a:buFont typeface="Barlow"/>
+              <a:buNone/>
+              <a:defRPr sz="3600" b="1" i="0" u="none" strike="noStrike" cap="none">
+                <a:solidFill>
+                  <a:schemeClr val="dk1"/>
+                </a:solidFill>
+                <a:latin typeface="Barlow"/>
+                <a:ea typeface="Barlow"/>
+                <a:cs typeface="Barlow"/>
+                <a:sym typeface="Barlow"/>
+              </a:defRPr>
+            </a:lvl4pPr>
+            <a:lvl5pPr marR="0" lvl="4" algn="ctr" rtl="0">
+              <a:lnSpc>
+                <a:spcPct val="100000"/>
+              </a:lnSpc>
+              <a:spcBef>
+                <a:spcPts val="0"/>
+              </a:spcBef>
+              <a:spcAft>
+                <a:spcPts val="0"/>
+              </a:spcAft>
+              <a:buClr>
+                <a:schemeClr val="dk1"/>
+              </a:buClr>
+              <a:buSzPts val="3600"/>
+              <a:buFont typeface="Barlow"/>
+              <a:buNone/>
+              <a:defRPr sz="3600" b="1" i="0" u="none" strike="noStrike" cap="none">
+                <a:solidFill>
+                  <a:schemeClr val="dk1"/>
+                </a:solidFill>
+                <a:latin typeface="Barlow"/>
+                <a:ea typeface="Barlow"/>
+                <a:cs typeface="Barlow"/>
+                <a:sym typeface="Barlow"/>
+              </a:defRPr>
+            </a:lvl5pPr>
+            <a:lvl6pPr marR="0" lvl="5" algn="ctr" rtl="0">
+              <a:lnSpc>
+                <a:spcPct val="100000"/>
+              </a:lnSpc>
+              <a:spcBef>
+                <a:spcPts val="0"/>
+              </a:spcBef>
+              <a:spcAft>
+                <a:spcPts val="0"/>
+              </a:spcAft>
+              <a:buClr>
+                <a:schemeClr val="dk1"/>
+              </a:buClr>
+              <a:buSzPts val="3600"/>
+              <a:buFont typeface="Barlow"/>
+              <a:buNone/>
+              <a:defRPr sz="3600" b="1" i="0" u="none" strike="noStrike" cap="none">
+                <a:solidFill>
+                  <a:schemeClr val="dk1"/>
+                </a:solidFill>
+                <a:latin typeface="Barlow"/>
+                <a:ea typeface="Barlow"/>
+                <a:cs typeface="Barlow"/>
+                <a:sym typeface="Barlow"/>
+              </a:defRPr>
+            </a:lvl6pPr>
+            <a:lvl7pPr marR="0" lvl="6" algn="ctr" rtl="0">
+              <a:lnSpc>
+                <a:spcPct val="100000"/>
+              </a:lnSpc>
+              <a:spcBef>
+                <a:spcPts val="0"/>
+              </a:spcBef>
+              <a:spcAft>
+                <a:spcPts val="0"/>
+              </a:spcAft>
+              <a:buClr>
+                <a:schemeClr val="dk1"/>
+              </a:buClr>
+              <a:buSzPts val="3600"/>
+              <a:buFont typeface="Barlow"/>
+              <a:buNone/>
+              <a:defRPr sz="3600" b="1" i="0" u="none" strike="noStrike" cap="none">
+                <a:solidFill>
+                  <a:schemeClr val="dk1"/>
+                </a:solidFill>
+                <a:latin typeface="Barlow"/>
+                <a:ea typeface="Barlow"/>
+                <a:cs typeface="Barlow"/>
+                <a:sym typeface="Barlow"/>
+              </a:defRPr>
+            </a:lvl7pPr>
+            <a:lvl8pPr marR="0" lvl="7" algn="ctr" rtl="0">
+              <a:lnSpc>
+                <a:spcPct val="100000"/>
+              </a:lnSpc>
+              <a:spcBef>
+                <a:spcPts val="0"/>
+              </a:spcBef>
+              <a:spcAft>
+                <a:spcPts val="0"/>
+              </a:spcAft>
+              <a:buClr>
+                <a:schemeClr val="dk1"/>
+              </a:buClr>
+              <a:buSzPts val="3600"/>
+              <a:buFont typeface="Barlow"/>
+              <a:buNone/>
+              <a:defRPr sz="3600" b="1" i="0" u="none" strike="noStrike" cap="none">
+                <a:solidFill>
+                  <a:schemeClr val="dk1"/>
+                </a:solidFill>
+                <a:latin typeface="Barlow"/>
+                <a:ea typeface="Barlow"/>
+                <a:cs typeface="Barlow"/>
+                <a:sym typeface="Barlow"/>
+              </a:defRPr>
+            </a:lvl8pPr>
+            <a:lvl9pPr marR="0" lvl="8" algn="ctr" rtl="0">
+              <a:lnSpc>
+                <a:spcPct val="100000"/>
+              </a:lnSpc>
+              <a:spcBef>
+                <a:spcPts val="0"/>
+              </a:spcBef>
+              <a:spcAft>
+                <a:spcPts val="0"/>
+              </a:spcAft>
+              <a:buClr>
+                <a:schemeClr val="dk1"/>
+              </a:buClr>
+              <a:buSzPts val="3600"/>
+              <a:buFont typeface="Barlow"/>
+              <a:buNone/>
+              <a:defRPr sz="3600" b="1" i="0" u="none" strike="noStrike" cap="none">
+                <a:solidFill>
+                  <a:schemeClr val="dk1"/>
+                </a:solidFill>
+                <a:latin typeface="Barlow"/>
+                <a:ea typeface="Barlow"/>
+                <a:cs typeface="Barlow"/>
+                <a:sym typeface="Barlow"/>
+              </a:defRPr>
+            </a:lvl9pPr>
+          </a:lstStyle>
+          <a:p>
+            <a:pPr algn="ctr"/>
+            <a:r>
+              <a:rPr lang="en-US" altLang="zh-CN" sz="8000" spc="300" dirty="0">
+                <a:solidFill>
+                  <a:schemeClr val="accent4">
+                    <a:lumMod val="60000"/>
+                    <a:lumOff val="40000"/>
+                    <a:alpha val="60000"/>
+                  </a:schemeClr>
+                </a:solidFill>
+                <a:latin typeface="Amatic SC" panose="020F0502020204030204" pitchFamily="2" charset="-79"/>
+                <a:cs typeface="Amatic SC" panose="020F0502020204030204" pitchFamily="2" charset="-79"/>
+              </a:rPr>
+              <a:t>End Screen</a:t>
+            </a:r>
+          </a:p>
+        </p:txBody>
+      </p:sp>
+      <p:pic>
+        <p:nvPicPr>
+          <p:cNvPr id="4" name="Graphic 3">
+            <a:extLst>
+              <a:ext uri="{FF2B5EF4-FFF2-40B4-BE49-F238E27FC236}">
+                <a16:creationId xmlns:a16="http://schemas.microsoft.com/office/drawing/2014/main" id="{E065A74C-F825-3A9F-F2E1-5AE04E86CD65}"/>
+              </a:ext>
+            </a:extLst>
+          </p:cNvPr>
+          <p:cNvPicPr>
+            <a:picLocks noChangeAspect="1"/>
+          </p:cNvPicPr>
+          <p:nvPr/>
+        </p:nvPicPr>
+        <p:blipFill>
+          <a:blip r:embed="rId2">
+            <a:extLst>
+              <a:ext uri="{96DAC541-7B7A-43D3-8B79-37D633B846F1}">
+                <asvg:svgBlip xmlns:asvg="http://schemas.microsoft.com/office/drawing/2016/SVG/main" r:embed="rId3"/>
+              </a:ext>
+            </a:extLst>
+          </a:blip>
+          <a:stretch>
+            <a:fillRect/>
+          </a:stretch>
+        </p:blipFill>
+        <p:spPr>
+          <a:xfrm>
+            <a:off x="334846" y="2599396"/>
+            <a:ext cx="2607383" cy="1964984"/>
+          </a:xfrm>
+          <a:prstGeom prst="rect">
+            <a:avLst/>
+          </a:prstGeom>
+        </p:spPr>
+      </p:pic>
+      <p:pic>
+        <p:nvPicPr>
+          <p:cNvPr id="5" name="Picture 4">
+            <a:extLst>
+              <a:ext uri="{FF2B5EF4-FFF2-40B4-BE49-F238E27FC236}">
+                <a16:creationId xmlns:a16="http://schemas.microsoft.com/office/drawing/2014/main" id="{2DD7F429-B8C9-ECB1-A440-537C189953AC}"/>
+              </a:ext>
+            </a:extLst>
+          </p:cNvPr>
+          <p:cNvPicPr>
+            <a:picLocks noChangeAspect="1"/>
+          </p:cNvPicPr>
+          <p:nvPr/>
+        </p:nvPicPr>
+        <p:blipFill>
+          <a:blip r:embed="rId4">
+            <a:extLst>
+              <a:ext uri="{28A0092B-C50C-407E-A947-70E740481C1C}">
+                <a14:useLocalDpi xmlns:a14="http://schemas.microsoft.com/office/drawing/2010/main" val="0"/>
+              </a:ext>
+            </a:extLst>
+          </a:blip>
+          <a:stretch>
+            <a:fillRect/>
+          </a:stretch>
+        </p:blipFill>
+        <p:spPr>
+          <a:xfrm>
+            <a:off x="3282630" y="2599396"/>
+            <a:ext cx="2619980" cy="1964985"/>
+          </a:xfrm>
+          <a:prstGeom prst="rect">
+            <a:avLst/>
+          </a:prstGeom>
+        </p:spPr>
+      </p:pic>
+      <p:pic>
+        <p:nvPicPr>
+          <p:cNvPr id="7" name="Picture 6">
+            <a:extLst>
+              <a:ext uri="{FF2B5EF4-FFF2-40B4-BE49-F238E27FC236}">
+                <a16:creationId xmlns:a16="http://schemas.microsoft.com/office/drawing/2014/main" id="{459804E6-24E1-D98F-19EC-ACD9406C43F7}"/>
+              </a:ext>
+            </a:extLst>
+          </p:cNvPr>
+          <p:cNvPicPr>
+            <a:picLocks noChangeAspect="1"/>
+          </p:cNvPicPr>
+          <p:nvPr/>
+        </p:nvPicPr>
+        <p:blipFill>
+          <a:blip r:embed="rId5">
+            <a:extLst>
+              <a:ext uri="{28A0092B-C50C-407E-A947-70E740481C1C}">
+                <a14:useLocalDpi xmlns:a14="http://schemas.microsoft.com/office/drawing/2010/main" val="0"/>
+              </a:ext>
+            </a:extLst>
+          </a:blip>
+          <a:stretch>
+            <a:fillRect/>
+          </a:stretch>
+        </p:blipFill>
+        <p:spPr>
+          <a:xfrm>
+            <a:off x="6243011" y="2592264"/>
+            <a:ext cx="2619979" cy="1964984"/>
+          </a:xfrm>
+          <a:prstGeom prst="rect">
+            <a:avLst/>
+          </a:prstGeom>
+        </p:spPr>
+      </p:pic>
+      <p:sp>
+        <p:nvSpPr>
+          <p:cNvPr id="9" name="Arrow: Curved Right 8">
+            <a:extLst>
+              <a:ext uri="{FF2B5EF4-FFF2-40B4-BE49-F238E27FC236}">
+                <a16:creationId xmlns:a16="http://schemas.microsoft.com/office/drawing/2014/main" id="{E31F1914-39E6-F60F-71E0-D71DABC30887}"/>
+              </a:ext>
+            </a:extLst>
+          </p:cNvPr>
+          <p:cNvSpPr/>
+          <p:nvPr/>
+        </p:nvSpPr>
+        <p:spPr>
+          <a:xfrm rot="16200000">
+            <a:off x="2616458" y="4022723"/>
+            <a:ext cx="836774" cy="2386487"/>
+          </a:xfrm>
+          <a:prstGeom prst="curvedRightArrow">
+            <a:avLst/>
+          </a:prstGeom>
+          <a:solidFill>
+            <a:schemeClr val="bg1">
+              <a:lumMod val="75000"/>
+              <a:alpha val="80000"/>
+            </a:schemeClr>
+          </a:solidFill>
+          <a:ln>
+            <a:noFill/>
+          </a:ln>
+        </p:spPr>
+        <p:style>
+          <a:lnRef idx="2">
+            <a:schemeClr val="accent1">
+              <a:shade val="15000"/>
+            </a:schemeClr>
+          </a:lnRef>
+          <a:fillRef idx="1">
+            <a:schemeClr val="accent1"/>
+          </a:fillRef>
+          <a:effectRef idx="0">
+            <a:schemeClr val="accent1"/>
+          </a:effectRef>
+          <a:fontRef idx="minor">
+            <a:schemeClr val="lt1"/>
+          </a:fontRef>
+        </p:style>
+        <p:txBody>
+          <a:bodyPr rtlCol="0" anchor="ctr"/>
+          <a:lstStyle/>
+          <a:p>
+            <a:pPr algn="ctr"/>
+            <a:endParaRPr lang="zh-CN" altLang="en-US">
+              <a:solidFill>
+                <a:schemeClr val="tx1"/>
+              </a:solidFill>
+            </a:endParaRPr>
+          </a:p>
+        </p:txBody>
+      </p:sp>
+      <p:sp>
+        <p:nvSpPr>
+          <p:cNvPr id="13" name="Arrow: Curved Right 12">
+            <a:extLst>
+              <a:ext uri="{FF2B5EF4-FFF2-40B4-BE49-F238E27FC236}">
+                <a16:creationId xmlns:a16="http://schemas.microsoft.com/office/drawing/2014/main" id="{35A3720C-64F8-7864-1088-235E02089FAC}"/>
+              </a:ext>
+            </a:extLst>
+          </p:cNvPr>
+          <p:cNvSpPr/>
+          <p:nvPr/>
+        </p:nvSpPr>
+        <p:spPr>
+          <a:xfrm rot="16200000">
+            <a:off x="5872791" y="4022724"/>
+            <a:ext cx="836774" cy="2386487"/>
+          </a:xfrm>
+          <a:prstGeom prst="curvedRightArrow">
+            <a:avLst/>
+          </a:prstGeom>
+          <a:solidFill>
+            <a:schemeClr val="bg1">
+              <a:lumMod val="75000"/>
+              <a:alpha val="80000"/>
+            </a:schemeClr>
+          </a:solidFill>
+          <a:ln>
+            <a:noFill/>
+          </a:ln>
+        </p:spPr>
+        <p:style>
+          <a:lnRef idx="2">
+            <a:schemeClr val="accent1">
+              <a:shade val="15000"/>
+            </a:schemeClr>
+          </a:lnRef>
+          <a:fillRef idx="1">
+            <a:schemeClr val="accent1"/>
+          </a:fillRef>
+          <a:effectRef idx="0">
+            <a:schemeClr val="accent1"/>
+          </a:effectRef>
+          <a:fontRef idx="minor">
+            <a:schemeClr val="lt1"/>
+          </a:fontRef>
+        </p:style>
+        <p:txBody>
+          <a:bodyPr rtlCol="0" anchor="ctr"/>
+          <a:lstStyle/>
+          <a:p>
+            <a:pPr algn="ctr"/>
+            <a:endParaRPr lang="zh-CN" altLang="en-US">
+              <a:solidFill>
+                <a:schemeClr val="tx1"/>
+              </a:solidFill>
+            </a:endParaRPr>
+          </a:p>
+        </p:txBody>
+      </p:sp>
+      <p:sp>
+        <p:nvSpPr>
+          <p:cNvPr id="15" name="Arrow: Curved Right 14">
+            <a:extLst>
+              <a:ext uri="{FF2B5EF4-FFF2-40B4-BE49-F238E27FC236}">
+                <a16:creationId xmlns:a16="http://schemas.microsoft.com/office/drawing/2014/main" id="{95AC3F2E-A8CE-27BC-327A-2411BD1B4214}"/>
+              </a:ext>
+            </a:extLst>
+          </p:cNvPr>
+          <p:cNvSpPr/>
+          <p:nvPr/>
+        </p:nvSpPr>
+        <p:spPr>
+          <a:xfrm rot="16200000">
+            <a:off x="8920791" y="4022724"/>
+            <a:ext cx="836774" cy="2386487"/>
+          </a:xfrm>
+          <a:prstGeom prst="curvedRightArrow">
+            <a:avLst/>
+          </a:prstGeom>
+          <a:solidFill>
+            <a:schemeClr val="bg1">
+              <a:lumMod val="75000"/>
+              <a:alpha val="80000"/>
+            </a:schemeClr>
+          </a:solidFill>
+          <a:ln>
+            <a:noFill/>
+          </a:ln>
+        </p:spPr>
+        <p:style>
+          <a:lnRef idx="2">
+            <a:schemeClr val="accent1">
+              <a:shade val="15000"/>
+            </a:schemeClr>
+          </a:lnRef>
+          <a:fillRef idx="1">
+            <a:schemeClr val="accent1"/>
+          </a:fillRef>
+          <a:effectRef idx="0">
+            <a:schemeClr val="accent1"/>
+          </a:effectRef>
+          <a:fontRef idx="minor">
+            <a:schemeClr val="lt1"/>
+          </a:fontRef>
+        </p:style>
+        <p:txBody>
+          <a:bodyPr rtlCol="0" anchor="ctr"/>
+          <a:lstStyle/>
+          <a:p>
+            <a:pPr algn="ctr"/>
+            <a:endParaRPr lang="zh-CN" altLang="en-US">
+              <a:solidFill>
+                <a:schemeClr val="tx1"/>
+              </a:solidFill>
+            </a:endParaRPr>
+          </a:p>
+        </p:txBody>
+      </p:sp>
+      <p:pic>
+        <p:nvPicPr>
+          <p:cNvPr id="11" name="Graphic 10">
+            <a:extLst>
+              <a:ext uri="{FF2B5EF4-FFF2-40B4-BE49-F238E27FC236}">
+                <a16:creationId xmlns:a16="http://schemas.microsoft.com/office/drawing/2014/main" id="{8AC3C978-D49C-ACF4-EF82-4F80854E9866}"/>
+              </a:ext>
+            </a:extLst>
+          </p:cNvPr>
+          <p:cNvPicPr>
+            <a:picLocks noChangeAspect="1"/>
+          </p:cNvPicPr>
+          <p:nvPr/>
+        </p:nvPicPr>
+        <p:blipFill>
+          <a:blip r:embed="rId6">
+            <a:extLst>
+              <a:ext uri="{96DAC541-7B7A-43D3-8B79-37D633B846F1}">
+                <asvg:svgBlip xmlns:asvg="http://schemas.microsoft.com/office/drawing/2016/SVG/main" r:embed="rId7"/>
+              </a:ext>
+            </a:extLst>
+          </a:blip>
+          <a:stretch>
+            <a:fillRect/>
+          </a:stretch>
+        </p:blipFill>
+        <p:spPr>
+          <a:xfrm>
+            <a:off x="9203391" y="2599396"/>
+            <a:ext cx="2685798" cy="2023844"/>
+          </a:xfrm>
+          <a:prstGeom prst="rect">
+            <a:avLst/>
+          </a:prstGeom>
+        </p:spPr>
+      </p:pic>
+      <p:pic>
+        <p:nvPicPr>
+          <p:cNvPr id="12" name="Graphic 11">
+            <a:extLst>
+              <a:ext uri="{FF2B5EF4-FFF2-40B4-BE49-F238E27FC236}">
+                <a16:creationId xmlns:a16="http://schemas.microsoft.com/office/drawing/2014/main" id="{4D18E473-10AF-CA1A-796B-F99EFD953859}"/>
+              </a:ext>
+            </a:extLst>
+          </p:cNvPr>
+          <p:cNvPicPr>
+            <a:picLocks noChangeAspect="1"/>
+          </p:cNvPicPr>
+          <p:nvPr/>
+        </p:nvPicPr>
+        <p:blipFill>
+          <a:blip r:embed="rId8">
+            <a:alphaModFix amt="80000"/>
+            <a:extLst>
+              <a:ext uri="{96DAC541-7B7A-43D3-8B79-37D633B846F1}">
+                <asvg:svgBlip xmlns:asvg="http://schemas.microsoft.com/office/drawing/2016/SVG/main" r:embed="rId9"/>
+              </a:ext>
+            </a:extLst>
+          </a:blip>
+          <a:stretch>
+            <a:fillRect/>
+          </a:stretch>
+        </p:blipFill>
+        <p:spPr>
+          <a:xfrm>
+            <a:off x="400147" y="3429000"/>
+            <a:ext cx="514253" cy="380258"/>
+          </a:xfrm>
+          <a:prstGeom prst="rect">
+            <a:avLst/>
+          </a:prstGeom>
+        </p:spPr>
+      </p:pic>
+      <p:pic>
+        <p:nvPicPr>
+          <p:cNvPr id="14" name="Graphic 13">
+            <a:extLst>
+              <a:ext uri="{FF2B5EF4-FFF2-40B4-BE49-F238E27FC236}">
+                <a16:creationId xmlns:a16="http://schemas.microsoft.com/office/drawing/2014/main" id="{0AB720D9-6A48-32CF-3C58-3BA991D918FE}"/>
+              </a:ext>
+            </a:extLst>
+          </p:cNvPr>
+          <p:cNvPicPr>
+            <a:picLocks noChangeAspect="1"/>
+          </p:cNvPicPr>
+          <p:nvPr/>
+        </p:nvPicPr>
+        <p:blipFill>
+          <a:blip r:embed="rId8">
+            <a:alphaModFix amt="80000"/>
+            <a:extLst>
+              <a:ext uri="{96DAC541-7B7A-43D3-8B79-37D633B846F1}">
+                <asvg:svgBlip xmlns:asvg="http://schemas.microsoft.com/office/drawing/2016/SVG/main" r:embed="rId9"/>
+              </a:ext>
+            </a:extLst>
+          </a:blip>
+          <a:stretch>
+            <a:fillRect/>
+          </a:stretch>
+        </p:blipFill>
+        <p:spPr>
+          <a:xfrm>
+            <a:off x="4840807" y="3972007"/>
+            <a:ext cx="257127" cy="190129"/>
+          </a:xfrm>
+          <a:prstGeom prst="rect">
+            <a:avLst/>
+          </a:prstGeom>
+        </p:spPr>
+      </p:pic>
+      <p:pic>
+        <p:nvPicPr>
+          <p:cNvPr id="16" name="Graphic 15">
+            <a:extLst>
+              <a:ext uri="{FF2B5EF4-FFF2-40B4-BE49-F238E27FC236}">
+                <a16:creationId xmlns:a16="http://schemas.microsoft.com/office/drawing/2014/main" id="{71CA76E5-2F36-32D8-FC3E-1B1A138BB3FC}"/>
+              </a:ext>
+            </a:extLst>
+          </p:cNvPr>
+          <p:cNvPicPr>
+            <a:picLocks noChangeAspect="1"/>
+          </p:cNvPicPr>
+          <p:nvPr/>
+        </p:nvPicPr>
+        <p:blipFill>
+          <a:blip r:embed="rId8">
+            <a:alphaModFix amt="80000"/>
+            <a:extLst>
+              <a:ext uri="{96DAC541-7B7A-43D3-8B79-37D633B846F1}">
+                <asvg:svgBlip xmlns:asvg="http://schemas.microsoft.com/office/drawing/2016/SVG/main" r:embed="rId9"/>
+              </a:ext>
+            </a:extLst>
+          </a:blip>
+          <a:stretch>
+            <a:fillRect/>
+          </a:stretch>
+        </p:blipFill>
+        <p:spPr>
+          <a:xfrm>
+            <a:off x="7484423" y="3178597"/>
+            <a:ext cx="126200" cy="93317"/>
+          </a:xfrm>
+          <a:prstGeom prst="rect">
+            <a:avLst/>
+          </a:prstGeom>
+        </p:spPr>
+      </p:pic>
+      <p:pic>
+        <p:nvPicPr>
+          <p:cNvPr id="17" name="Graphic 16">
+            <a:extLst>
+              <a:ext uri="{FF2B5EF4-FFF2-40B4-BE49-F238E27FC236}">
+                <a16:creationId xmlns:a16="http://schemas.microsoft.com/office/drawing/2014/main" id="{DB033DFF-F4B3-87C8-9E2F-710885C390B1}"/>
+              </a:ext>
+            </a:extLst>
+          </p:cNvPr>
+          <p:cNvPicPr>
+            <a:picLocks noChangeAspect="1"/>
+          </p:cNvPicPr>
+          <p:nvPr/>
+        </p:nvPicPr>
+        <p:blipFill>
+          <a:blip r:embed="rId8">
+            <a:alphaModFix amt="80000"/>
+            <a:extLst>
+              <a:ext uri="{96DAC541-7B7A-43D3-8B79-37D633B846F1}">
+                <asvg:svgBlip xmlns:asvg="http://schemas.microsoft.com/office/drawing/2016/SVG/main" r:embed="rId9"/>
+              </a:ext>
+            </a:extLst>
+          </a:blip>
+          <a:stretch>
+            <a:fillRect/>
+          </a:stretch>
+        </p:blipFill>
+        <p:spPr>
+          <a:xfrm>
+            <a:off x="10029778" y="3192007"/>
+            <a:ext cx="1033023" cy="763856"/>
+          </a:xfrm>
+          <a:prstGeom prst="rect">
+            <a:avLst/>
+          </a:prstGeom>
+        </p:spPr>
+      </p:pic>
+    </p:spTree>
+    <p:extLst>
+      <p:ext uri="{BB962C8B-B14F-4D97-AF65-F5344CB8AC3E}">
+        <p14:creationId xmlns:p14="http://schemas.microsoft.com/office/powerpoint/2010/main" val="3470243948"/>
+      </p:ext>
+    </p:extLst>
+  </p:cSld>
+  <p:clrMapOvr>
+    <a:masterClrMapping/>
+  </p:clrMapOvr>
+</p:sld>
+</file>
+
+<file path=ppt/slides/slide31.xml><?xml version="1.0" encoding="utf-8"?>
+<p:sld xmlns:a="http://schemas.openxmlformats.org/drawingml/2006/main" xmlns:r="http://schemas.openxmlformats.org/officeDocument/2006/relationships" xmlns:p="http://schemas.openxmlformats.org/presentationml/2006/main">
+  <p:cSld>
+    <p:spTree>
+      <p:nvGrpSpPr>
+        <p:cNvPr id="1" name="">
+          <a:extLst>
+            <a:ext uri="{FF2B5EF4-FFF2-40B4-BE49-F238E27FC236}">
+              <a16:creationId xmlns:a16="http://schemas.microsoft.com/office/drawing/2014/main" id="{E63FFF2C-F9A5-0365-8668-54F8E6AFAB70}"/>
+            </a:ext>
+          </a:extLst>
+        </p:cNvPr>
+        <p:cNvGrpSpPr/>
+        <p:nvPr/>
+      </p:nvGrpSpPr>
+      <p:grpSpPr>
+        <a:xfrm>
+          <a:off x="0" y="0"/>
+          <a:ext cx="0" cy="0"/>
+          <a:chOff x="0" y="0"/>
+          <a:chExt cx="0" cy="0"/>
+        </a:xfrm>
+      </p:grpSpPr>
+      <p:sp>
+        <p:nvSpPr>
+          <p:cNvPr id="6" name="Rectangle 5">
+            <a:extLst>
+              <a:ext uri="{FF2B5EF4-FFF2-40B4-BE49-F238E27FC236}">
+                <a16:creationId xmlns:a16="http://schemas.microsoft.com/office/drawing/2014/main" id="{515C5E79-0EB5-C8DC-C951-2F70729C0A3B}"/>
+              </a:ext>
+            </a:extLst>
+          </p:cNvPr>
+          <p:cNvSpPr/>
+          <p:nvPr/>
+        </p:nvSpPr>
+        <p:spPr>
+          <a:xfrm>
+            <a:off x="0" y="0"/>
+            <a:ext cx="12192000" cy="6858000"/>
+          </a:xfrm>
+          <a:prstGeom prst="rect">
+            <a:avLst/>
+          </a:prstGeom>
+          <a:solidFill>
+            <a:srgbClr val="23242A"/>
+          </a:solidFill>
+          <a:ln>
+            <a:noFill/>
+          </a:ln>
+        </p:spPr>
+        <p:style>
+          <a:lnRef idx="2">
+            <a:schemeClr val="accent1">
+              <a:shade val="15000"/>
+            </a:schemeClr>
+          </a:lnRef>
+          <a:fillRef idx="1">
+            <a:schemeClr val="accent1"/>
+          </a:fillRef>
+          <a:effectRef idx="0">
+            <a:schemeClr val="accent1"/>
+          </a:effectRef>
+          <a:fontRef idx="minor">
+            <a:schemeClr val="lt1"/>
+          </a:fontRef>
+        </p:style>
+        <p:txBody>
+          <a:bodyPr rtlCol="0" anchor="ctr"/>
+          <a:lstStyle/>
+          <a:p>
+            <a:pPr algn="ctr"/>
+            <a:endParaRPr lang="zh-CN" altLang="en-US" dirty="0"/>
+          </a:p>
+        </p:txBody>
+      </p:sp>
+      <p:sp>
+        <p:nvSpPr>
+          <p:cNvPr id="2" name="Slide Number Placeholder 1">
+            <a:extLst>
+              <a:ext uri="{FF2B5EF4-FFF2-40B4-BE49-F238E27FC236}">
+                <a16:creationId xmlns:a16="http://schemas.microsoft.com/office/drawing/2014/main" id="{B0814A89-BE45-4840-66D2-94A09FB6F207}"/>
+              </a:ext>
+            </a:extLst>
+          </p:cNvPr>
+          <p:cNvSpPr>
+            <a:spLocks noGrp="1"/>
+          </p:cNvSpPr>
+          <p:nvPr>
+            <p:ph type="sldNum" sz="quarter" idx="12"/>
+          </p:nvPr>
+        </p:nvSpPr>
+        <p:spPr>
+          <a:xfrm>
+            <a:off x="9057739" y="6259509"/>
+            <a:ext cx="2743200" cy="365125"/>
+          </a:xfrm>
+        </p:spPr>
+        <p:txBody>
+          <a:bodyPr/>
+          <a:lstStyle/>
+          <a:p>
+            <a:fld id="{9B1EC109-1E15-4BCA-93B5-56442BB3443E}" type="slidenum">
+              <a:rPr lang="zh-CN" altLang="en-US" sz="2400" b="1" smtClean="0">
+                <a:solidFill>
+                  <a:schemeClr val="bg1">
+                    <a:lumMod val="65000"/>
+                  </a:schemeClr>
+                </a:solidFill>
+                <a:latin typeface="Bradley Hand ITC" panose="03070402050302030203" pitchFamily="66" charset="0"/>
+              </a:rPr>
+              <a:t>31</a:t>
+            </a:fld>
+            <a:endParaRPr lang="zh-CN" altLang="en-US" sz="2400" b="1" dirty="0">
+              <a:solidFill>
+                <a:schemeClr val="bg1">
+                  <a:lumMod val="65000"/>
+                </a:schemeClr>
+              </a:solidFill>
+              <a:latin typeface="Bradley Hand ITC" panose="03070402050302030203" pitchFamily="66" charset="0"/>
+            </a:endParaRPr>
+          </a:p>
+        </p:txBody>
+      </p:sp>
+      <p:sp>
+        <p:nvSpPr>
+          <p:cNvPr id="3" name="Google Shape;867;p33">
+            <a:extLst>
+              <a:ext uri="{FF2B5EF4-FFF2-40B4-BE49-F238E27FC236}">
+                <a16:creationId xmlns:a16="http://schemas.microsoft.com/office/drawing/2014/main" id="{D58F38E4-6240-C547-5969-72A6469F37CD}"/>
+              </a:ext>
+            </a:extLst>
+          </p:cNvPr>
+          <p:cNvSpPr txBox="1">
+            <a:spLocks/>
+          </p:cNvSpPr>
+          <p:nvPr/>
+        </p:nvSpPr>
+        <p:spPr>
+          <a:xfrm>
+            <a:off x="2222600" y="143850"/>
+            <a:ext cx="7746800" cy="1602400"/>
+          </a:xfrm>
+          <a:prstGeom prst="rect">
+            <a:avLst/>
+          </a:prstGeom>
+          <a:noFill/>
+          <a:ln>
+            <a:noFill/>
+          </a:ln>
+        </p:spPr>
+        <p:txBody>
+          <a:bodyPr spcFirstLastPara="1" wrap="square" lIns="91425" tIns="91425" rIns="91425" bIns="91425" anchor="b" anchorCtr="0">
+            <a:noAutofit/>
+          </a:bodyPr>
+          <a:lstStyle>
+            <a:defPPr marR="0" lvl="0" algn="l" rtl="0">
+              <a:lnSpc>
+                <a:spcPct val="100000"/>
+              </a:lnSpc>
+              <a:spcBef>
+                <a:spcPts val="0"/>
+              </a:spcBef>
+              <a:spcAft>
+                <a:spcPts val="0"/>
+              </a:spcAft>
+            </a:defPPr>
+            <a:lvl1pPr marR="0" lvl="0" algn="l" rtl="0">
+              <a:lnSpc>
+                <a:spcPct val="100000"/>
+              </a:lnSpc>
+              <a:spcBef>
+                <a:spcPts val="0"/>
+              </a:spcBef>
+              <a:spcAft>
+                <a:spcPts val="0"/>
+              </a:spcAft>
+              <a:buClr>
+                <a:schemeClr val="dk1"/>
+              </a:buClr>
+              <a:buSzPts val="3600"/>
+              <a:buFont typeface="Barlow"/>
+              <a:buNone/>
+              <a:defRPr sz="7200" b="1" i="0" u="none" strike="noStrike" cap="none">
+                <a:solidFill>
+                  <a:schemeClr val="dk1"/>
+                </a:solidFill>
+                <a:latin typeface="Barlow"/>
+                <a:ea typeface="Barlow"/>
+                <a:cs typeface="Barlow"/>
+                <a:sym typeface="Barlow"/>
+              </a:defRPr>
+            </a:lvl1pPr>
+            <a:lvl2pPr marR="0" lvl="1" algn="ctr" rtl="0">
+              <a:lnSpc>
+                <a:spcPct val="100000"/>
+              </a:lnSpc>
+              <a:spcBef>
+                <a:spcPts val="0"/>
+              </a:spcBef>
+              <a:spcAft>
+                <a:spcPts val="0"/>
+              </a:spcAft>
+              <a:buClr>
+                <a:schemeClr val="dk1"/>
+              </a:buClr>
+              <a:buSzPts val="3600"/>
+              <a:buFont typeface="Barlow"/>
+              <a:buNone/>
+              <a:defRPr sz="3600" b="1" i="0" u="none" strike="noStrike" cap="none">
+                <a:solidFill>
+                  <a:schemeClr val="dk1"/>
+                </a:solidFill>
+                <a:latin typeface="Barlow"/>
+                <a:ea typeface="Barlow"/>
+                <a:cs typeface="Barlow"/>
+                <a:sym typeface="Barlow"/>
+              </a:defRPr>
+            </a:lvl2pPr>
+            <a:lvl3pPr marR="0" lvl="2" algn="ctr" rtl="0">
+              <a:lnSpc>
+                <a:spcPct val="100000"/>
+              </a:lnSpc>
+              <a:spcBef>
+                <a:spcPts val="0"/>
+              </a:spcBef>
+              <a:spcAft>
+                <a:spcPts val="0"/>
+              </a:spcAft>
+              <a:buClr>
+                <a:schemeClr val="dk1"/>
+              </a:buClr>
+              <a:buSzPts val="3600"/>
+              <a:buFont typeface="Barlow"/>
+              <a:buNone/>
+              <a:defRPr sz="3600" b="1" i="0" u="none" strike="noStrike" cap="none">
+                <a:solidFill>
+                  <a:schemeClr val="dk1"/>
+                </a:solidFill>
+                <a:latin typeface="Barlow"/>
+                <a:ea typeface="Barlow"/>
+                <a:cs typeface="Barlow"/>
+                <a:sym typeface="Barlow"/>
+              </a:defRPr>
+            </a:lvl3pPr>
+            <a:lvl4pPr marR="0" lvl="3" algn="ctr" rtl="0">
+              <a:lnSpc>
+                <a:spcPct val="100000"/>
+              </a:lnSpc>
+              <a:spcBef>
+                <a:spcPts val="0"/>
+              </a:spcBef>
+              <a:spcAft>
+                <a:spcPts val="0"/>
+              </a:spcAft>
+              <a:buClr>
+                <a:schemeClr val="dk1"/>
+              </a:buClr>
+              <a:buSzPts val="3600"/>
+              <a:buFont typeface="Barlow"/>
+              <a:buNone/>
+              <a:defRPr sz="3600" b="1" i="0" u="none" strike="noStrike" cap="none">
+                <a:solidFill>
+                  <a:schemeClr val="dk1"/>
+                </a:solidFill>
+                <a:latin typeface="Barlow"/>
+                <a:ea typeface="Barlow"/>
+                <a:cs typeface="Barlow"/>
+                <a:sym typeface="Barlow"/>
+              </a:defRPr>
+            </a:lvl4pPr>
+            <a:lvl5pPr marR="0" lvl="4" algn="ctr" rtl="0">
+              <a:lnSpc>
+                <a:spcPct val="100000"/>
+              </a:lnSpc>
+              <a:spcBef>
+                <a:spcPts val="0"/>
+              </a:spcBef>
+              <a:spcAft>
+                <a:spcPts val="0"/>
+              </a:spcAft>
+              <a:buClr>
+                <a:schemeClr val="dk1"/>
+              </a:buClr>
+              <a:buSzPts val="3600"/>
+              <a:buFont typeface="Barlow"/>
+              <a:buNone/>
+              <a:defRPr sz="3600" b="1" i="0" u="none" strike="noStrike" cap="none">
+                <a:solidFill>
+                  <a:schemeClr val="dk1"/>
+                </a:solidFill>
+                <a:latin typeface="Barlow"/>
+                <a:ea typeface="Barlow"/>
+                <a:cs typeface="Barlow"/>
+                <a:sym typeface="Barlow"/>
+              </a:defRPr>
+            </a:lvl5pPr>
+            <a:lvl6pPr marR="0" lvl="5" algn="ctr" rtl="0">
+              <a:lnSpc>
+                <a:spcPct val="100000"/>
+              </a:lnSpc>
+              <a:spcBef>
+                <a:spcPts val="0"/>
+              </a:spcBef>
+              <a:spcAft>
+                <a:spcPts val="0"/>
+              </a:spcAft>
+              <a:buClr>
+                <a:schemeClr val="dk1"/>
+              </a:buClr>
+              <a:buSzPts val="3600"/>
+              <a:buFont typeface="Barlow"/>
+              <a:buNone/>
+              <a:defRPr sz="3600" b="1" i="0" u="none" strike="noStrike" cap="none">
+                <a:solidFill>
+                  <a:schemeClr val="dk1"/>
+                </a:solidFill>
+                <a:latin typeface="Barlow"/>
+                <a:ea typeface="Barlow"/>
+                <a:cs typeface="Barlow"/>
+                <a:sym typeface="Barlow"/>
+              </a:defRPr>
+            </a:lvl6pPr>
+            <a:lvl7pPr marR="0" lvl="6" algn="ctr" rtl="0">
+              <a:lnSpc>
+                <a:spcPct val="100000"/>
+              </a:lnSpc>
+              <a:spcBef>
+                <a:spcPts val="0"/>
+              </a:spcBef>
+              <a:spcAft>
+                <a:spcPts val="0"/>
+              </a:spcAft>
+              <a:buClr>
+                <a:schemeClr val="dk1"/>
+              </a:buClr>
+              <a:buSzPts val="3600"/>
+              <a:buFont typeface="Barlow"/>
+              <a:buNone/>
+              <a:defRPr sz="3600" b="1" i="0" u="none" strike="noStrike" cap="none">
+                <a:solidFill>
+                  <a:schemeClr val="dk1"/>
+                </a:solidFill>
+                <a:latin typeface="Barlow"/>
+                <a:ea typeface="Barlow"/>
+                <a:cs typeface="Barlow"/>
+                <a:sym typeface="Barlow"/>
+              </a:defRPr>
+            </a:lvl7pPr>
+            <a:lvl8pPr marR="0" lvl="7" algn="ctr" rtl="0">
+              <a:lnSpc>
+                <a:spcPct val="100000"/>
+              </a:lnSpc>
+              <a:spcBef>
+                <a:spcPts val="0"/>
+              </a:spcBef>
+              <a:spcAft>
+                <a:spcPts val="0"/>
+              </a:spcAft>
+              <a:buClr>
+                <a:schemeClr val="dk1"/>
+              </a:buClr>
+              <a:buSzPts val="3600"/>
+              <a:buFont typeface="Barlow"/>
+              <a:buNone/>
+              <a:defRPr sz="3600" b="1" i="0" u="none" strike="noStrike" cap="none">
+                <a:solidFill>
+                  <a:schemeClr val="dk1"/>
+                </a:solidFill>
+                <a:latin typeface="Barlow"/>
+                <a:ea typeface="Barlow"/>
+                <a:cs typeface="Barlow"/>
+                <a:sym typeface="Barlow"/>
+              </a:defRPr>
+            </a:lvl8pPr>
+            <a:lvl9pPr marR="0" lvl="8" algn="ctr" rtl="0">
+              <a:lnSpc>
+                <a:spcPct val="100000"/>
+              </a:lnSpc>
+              <a:spcBef>
+                <a:spcPts val="0"/>
+              </a:spcBef>
+              <a:spcAft>
+                <a:spcPts val="0"/>
+              </a:spcAft>
+              <a:buClr>
+                <a:schemeClr val="dk1"/>
+              </a:buClr>
+              <a:buSzPts val="3600"/>
+              <a:buFont typeface="Barlow"/>
+              <a:buNone/>
+              <a:defRPr sz="3600" b="1" i="0" u="none" strike="noStrike" cap="none">
+                <a:solidFill>
+                  <a:schemeClr val="dk1"/>
+                </a:solidFill>
+                <a:latin typeface="Barlow"/>
+                <a:ea typeface="Barlow"/>
+                <a:cs typeface="Barlow"/>
+                <a:sym typeface="Barlow"/>
+              </a:defRPr>
+            </a:lvl9pPr>
+          </a:lstStyle>
+          <a:p>
+            <a:pPr algn="ctr"/>
+            <a:r>
+              <a:rPr lang="en-US" altLang="zh-CN" sz="8000" spc="300" dirty="0">
+                <a:solidFill>
+                  <a:schemeClr val="accent4">
+                    <a:lumMod val="60000"/>
+                    <a:lumOff val="40000"/>
+                    <a:alpha val="60000"/>
+                  </a:schemeClr>
+                </a:solidFill>
+                <a:latin typeface="Amatic SC" panose="020F0502020204030204" pitchFamily="2" charset="-79"/>
+                <a:cs typeface="Amatic SC" panose="020F0502020204030204" pitchFamily="2" charset="-79"/>
+              </a:rPr>
+              <a:t>Congratulations!</a:t>
+            </a:r>
+          </a:p>
+        </p:txBody>
+      </p:sp>
+      <p:pic>
+        <p:nvPicPr>
+          <p:cNvPr id="12" name="Picture 11">
+            <a:extLst>
+              <a:ext uri="{FF2B5EF4-FFF2-40B4-BE49-F238E27FC236}">
+                <a16:creationId xmlns:a16="http://schemas.microsoft.com/office/drawing/2014/main" id="{82D4CCCD-94F5-069E-8B18-6F251140D855}"/>
+              </a:ext>
+            </a:extLst>
+          </p:cNvPr>
+          <p:cNvPicPr>
+            <a:picLocks noChangeAspect="1"/>
+          </p:cNvPicPr>
+          <p:nvPr/>
+        </p:nvPicPr>
+        <p:blipFill>
+          <a:blip r:embed="rId2">
+            <a:extLst>
+              <a:ext uri="{28A0092B-C50C-407E-A947-70E740481C1C}">
+                <a14:useLocalDpi xmlns:a14="http://schemas.microsoft.com/office/drawing/2010/main" val="0"/>
+              </a:ext>
+            </a:extLst>
+          </a:blip>
+          <a:stretch>
+            <a:fillRect/>
+          </a:stretch>
+        </p:blipFill>
+        <p:spPr>
+          <a:xfrm>
+            <a:off x="562370" y="2383926"/>
+            <a:ext cx="5049423" cy="3779520"/>
+          </a:xfrm>
+          <a:prstGeom prst="rect">
+            <a:avLst/>
+          </a:prstGeom>
+        </p:spPr>
+      </p:pic>
+      <p:pic>
+        <p:nvPicPr>
+          <p:cNvPr id="16" name="Picture 15">
+            <a:extLst>
+              <a:ext uri="{FF2B5EF4-FFF2-40B4-BE49-F238E27FC236}">
+                <a16:creationId xmlns:a16="http://schemas.microsoft.com/office/drawing/2014/main" id="{7918A0E5-CE67-A314-0C5F-EF1B9EF8B453}"/>
+              </a:ext>
+            </a:extLst>
+          </p:cNvPr>
+          <p:cNvPicPr>
+            <a:picLocks noChangeAspect="1"/>
+          </p:cNvPicPr>
+          <p:nvPr/>
+        </p:nvPicPr>
+        <p:blipFill>
+          <a:blip r:embed="rId3">
+            <a:extLst>
+              <a:ext uri="{28A0092B-C50C-407E-A947-70E740481C1C}">
+                <a14:useLocalDpi xmlns:a14="http://schemas.microsoft.com/office/drawing/2010/main" val="0"/>
+              </a:ext>
+            </a:extLst>
+          </a:blip>
+          <a:stretch>
+            <a:fillRect/>
+          </a:stretch>
+        </p:blipFill>
+        <p:spPr>
+          <a:xfrm>
+            <a:off x="6580209" y="3136223"/>
+            <a:ext cx="5295900" cy="2274925"/>
+          </a:xfrm>
+          <a:prstGeom prst="rect">
+            <a:avLst/>
+          </a:prstGeom>
+        </p:spPr>
+      </p:pic>
+      <p:sp>
+        <p:nvSpPr>
+          <p:cNvPr id="17" name="Rectangle 16">
+            <a:extLst>
+              <a:ext uri="{FF2B5EF4-FFF2-40B4-BE49-F238E27FC236}">
+                <a16:creationId xmlns:a16="http://schemas.microsoft.com/office/drawing/2014/main" id="{C5CBBE4B-680A-7A2E-419C-941404AED3F9}"/>
+              </a:ext>
+            </a:extLst>
+          </p:cNvPr>
+          <p:cNvSpPr/>
+          <p:nvPr/>
+        </p:nvSpPr>
+        <p:spPr>
+          <a:xfrm>
+            <a:off x="6461592" y="3022061"/>
+            <a:ext cx="3246288" cy="947959"/>
+          </a:xfrm>
+          <a:prstGeom prst="rect">
+            <a:avLst/>
+          </a:prstGeom>
+          <a:noFill/>
+          <a:ln w="38100">
+            <a:solidFill>
+              <a:srgbClr val="C00000"/>
+            </a:solidFill>
+            <a:prstDash val="sysDash"/>
+          </a:ln>
+        </p:spPr>
+        <p:style>
+          <a:lnRef idx="2">
+            <a:schemeClr val="accent1">
+              <a:shade val="15000"/>
+            </a:schemeClr>
+          </a:lnRef>
+          <a:fillRef idx="1">
+            <a:schemeClr val="accent1"/>
+          </a:fillRef>
+          <a:effectRef idx="0">
+            <a:schemeClr val="accent1"/>
+          </a:effectRef>
+          <a:fontRef idx="minor">
+            <a:schemeClr val="lt1"/>
+          </a:fontRef>
+        </p:style>
+        <p:txBody>
+          <a:bodyPr rtlCol="0" anchor="ctr"/>
+          <a:lstStyle/>
+          <a:p>
+            <a:pPr algn="ctr"/>
+            <a:endParaRPr lang="zh-CN" altLang="en-US"/>
+          </a:p>
+        </p:txBody>
+      </p:sp>
+      <p:sp>
+        <p:nvSpPr>
+          <p:cNvPr id="18" name="Rectangle 17">
+            <a:extLst>
+              <a:ext uri="{FF2B5EF4-FFF2-40B4-BE49-F238E27FC236}">
+                <a16:creationId xmlns:a16="http://schemas.microsoft.com/office/drawing/2014/main" id="{292AF863-4050-8E08-DE94-CA6381CA33A6}"/>
+              </a:ext>
+            </a:extLst>
+          </p:cNvPr>
+          <p:cNvSpPr/>
+          <p:nvPr/>
+        </p:nvSpPr>
+        <p:spPr>
+          <a:xfrm>
+            <a:off x="6463582" y="4712635"/>
+            <a:ext cx="5515057" cy="812675"/>
+          </a:xfrm>
+          <a:prstGeom prst="rect">
+            <a:avLst/>
+          </a:prstGeom>
+          <a:noFill/>
+          <a:ln w="38100">
+            <a:solidFill>
+              <a:srgbClr val="C00000"/>
+            </a:solidFill>
+            <a:prstDash val="sysDash"/>
+          </a:ln>
+        </p:spPr>
+        <p:style>
+          <a:lnRef idx="2">
+            <a:schemeClr val="accent1">
+              <a:shade val="15000"/>
+            </a:schemeClr>
+          </a:lnRef>
+          <a:fillRef idx="1">
+            <a:schemeClr val="accent1"/>
+          </a:fillRef>
+          <a:effectRef idx="0">
+            <a:schemeClr val="accent1"/>
+          </a:effectRef>
+          <a:fontRef idx="minor">
+            <a:schemeClr val="lt1"/>
+          </a:fontRef>
+        </p:style>
+        <p:txBody>
+          <a:bodyPr rtlCol="0" anchor="ctr"/>
+          <a:lstStyle/>
+          <a:p>
+            <a:pPr algn="ctr"/>
+            <a:endParaRPr lang="zh-CN" altLang="en-US"/>
+          </a:p>
+        </p:txBody>
+      </p:sp>
+      <p:sp>
+        <p:nvSpPr>
+          <p:cNvPr id="19" name="Rectangle 18">
+            <a:extLst>
+              <a:ext uri="{FF2B5EF4-FFF2-40B4-BE49-F238E27FC236}">
+                <a16:creationId xmlns:a16="http://schemas.microsoft.com/office/drawing/2014/main" id="{265BF7FA-29DC-7B81-45D1-3C5118602266}"/>
+              </a:ext>
+            </a:extLst>
+          </p:cNvPr>
+          <p:cNvSpPr/>
+          <p:nvPr/>
+        </p:nvSpPr>
+        <p:spPr>
+          <a:xfrm>
+            <a:off x="3416635" y="3271507"/>
+            <a:ext cx="1764966" cy="797573"/>
+          </a:xfrm>
+          <a:prstGeom prst="rect">
+            <a:avLst/>
+          </a:prstGeom>
+          <a:noFill/>
+          <a:ln w="38100">
+            <a:solidFill>
+              <a:srgbClr val="C00000"/>
+            </a:solidFill>
+            <a:prstDash val="sysDash"/>
+          </a:ln>
+        </p:spPr>
+        <p:style>
+          <a:lnRef idx="2">
+            <a:schemeClr val="accent1">
+              <a:shade val="15000"/>
+            </a:schemeClr>
+          </a:lnRef>
+          <a:fillRef idx="1">
+            <a:schemeClr val="accent1"/>
+          </a:fillRef>
+          <a:effectRef idx="0">
+            <a:schemeClr val="accent1"/>
+          </a:effectRef>
+          <a:fontRef idx="minor">
+            <a:schemeClr val="lt1"/>
+          </a:fontRef>
+        </p:style>
+        <p:txBody>
+          <a:bodyPr rtlCol="0" anchor="ctr"/>
+          <a:lstStyle/>
+          <a:p>
+            <a:pPr algn="ctr"/>
+            <a:endParaRPr lang="zh-CN" altLang="en-US"/>
+          </a:p>
+        </p:txBody>
+      </p:sp>
+    </p:spTree>
+    <p:extLst>
+      <p:ext uri="{BB962C8B-B14F-4D97-AF65-F5344CB8AC3E}">
+        <p14:creationId xmlns:p14="http://schemas.microsoft.com/office/powerpoint/2010/main" val="1267988891"/>
+      </p:ext>
+    </p:extLst>
+  </p:cSld>
+  <p:clrMapOvr>
+    <a:masterClrMapping/>
+  </p:clrMapOvr>
+</p:sld>
+</file>
+
+<file path=ppt/slides/slide32.xml><?xml version="1.0" encoding="utf-8"?>
+<p:sld xmlns:a="http://schemas.openxmlformats.org/drawingml/2006/main" xmlns:r="http://schemas.openxmlformats.org/officeDocument/2006/relationships" xmlns:p="http://schemas.openxmlformats.org/presentationml/2006/main">
+  <p:cSld>
+    <p:spTree>
+      <p:nvGrpSpPr>
+        <p:cNvPr id="1" name="">
+          <a:extLst>
+            <a:ext uri="{FF2B5EF4-FFF2-40B4-BE49-F238E27FC236}">
+              <a16:creationId xmlns:a16="http://schemas.microsoft.com/office/drawing/2014/main" id="{F36127FC-D0F3-FFCA-4EEA-FE5BBF5F7CF8}"/>
+            </a:ext>
+          </a:extLst>
+        </p:cNvPr>
+        <p:cNvGrpSpPr/>
+        <p:nvPr/>
+      </p:nvGrpSpPr>
+      <p:grpSpPr>
+        <a:xfrm>
+          <a:off x="0" y="0"/>
+          <a:ext cx="0" cy="0"/>
+          <a:chOff x="0" y="0"/>
+          <a:chExt cx="0" cy="0"/>
+        </a:xfrm>
+      </p:grpSpPr>
+      <p:sp>
+        <p:nvSpPr>
+          <p:cNvPr id="6" name="Rectangle 5">
+            <a:extLst>
+              <a:ext uri="{FF2B5EF4-FFF2-40B4-BE49-F238E27FC236}">
+                <a16:creationId xmlns:a16="http://schemas.microsoft.com/office/drawing/2014/main" id="{DA166519-F5F6-4AC8-744C-923CDEB34E5E}"/>
+              </a:ext>
+            </a:extLst>
+          </p:cNvPr>
+          <p:cNvSpPr/>
+          <p:nvPr/>
+        </p:nvSpPr>
+        <p:spPr>
+          <a:xfrm>
+            <a:off x="0" y="0"/>
+            <a:ext cx="12192000" cy="6858000"/>
+          </a:xfrm>
+          <a:prstGeom prst="rect">
+            <a:avLst/>
+          </a:prstGeom>
+          <a:solidFill>
+            <a:srgbClr val="23242A"/>
+          </a:solidFill>
+          <a:ln>
+            <a:noFill/>
+          </a:ln>
+        </p:spPr>
+        <p:style>
+          <a:lnRef idx="2">
+            <a:schemeClr val="accent1">
+              <a:shade val="15000"/>
+            </a:schemeClr>
+          </a:lnRef>
+          <a:fillRef idx="1">
+            <a:schemeClr val="accent1"/>
+          </a:fillRef>
+          <a:effectRef idx="0">
+            <a:schemeClr val="accent1"/>
+          </a:effectRef>
+          <a:fontRef idx="minor">
+            <a:schemeClr val="lt1"/>
+          </a:fontRef>
+        </p:style>
+        <p:txBody>
+          <a:bodyPr rtlCol="0" anchor="ctr"/>
+          <a:lstStyle/>
+          <a:p>
+            <a:pPr algn="ctr"/>
+            <a:endParaRPr lang="zh-CN" altLang="en-US" dirty="0"/>
+          </a:p>
+        </p:txBody>
+      </p:sp>
+      <p:sp>
+        <p:nvSpPr>
+          <p:cNvPr id="2" name="Slide Number Placeholder 1">
+            <a:extLst>
+              <a:ext uri="{FF2B5EF4-FFF2-40B4-BE49-F238E27FC236}">
+                <a16:creationId xmlns:a16="http://schemas.microsoft.com/office/drawing/2014/main" id="{56B0FBB6-EABC-53DE-4093-9711910DAD35}"/>
+              </a:ext>
+            </a:extLst>
+          </p:cNvPr>
+          <p:cNvSpPr>
+            <a:spLocks noGrp="1"/>
+          </p:cNvSpPr>
+          <p:nvPr>
+            <p:ph type="sldNum" sz="quarter" idx="12"/>
+          </p:nvPr>
+        </p:nvSpPr>
+        <p:spPr>
+          <a:xfrm>
+            <a:off x="9057739" y="6259509"/>
+            <a:ext cx="2743200" cy="365125"/>
+          </a:xfrm>
+        </p:spPr>
+        <p:txBody>
+          <a:bodyPr/>
+          <a:lstStyle/>
+          <a:p>
+            <a:fld id="{9B1EC109-1E15-4BCA-93B5-56442BB3443E}" type="slidenum">
+              <a:rPr lang="zh-CN" altLang="en-US" sz="2400" b="1" smtClean="0">
+                <a:solidFill>
+                  <a:schemeClr val="bg1">
+                    <a:lumMod val="65000"/>
+                  </a:schemeClr>
+                </a:solidFill>
+                <a:latin typeface="Bradley Hand ITC" panose="03070402050302030203" pitchFamily="66" charset="0"/>
+              </a:rPr>
+              <a:t>32</a:t>
+            </a:fld>
+            <a:endParaRPr lang="zh-CN" altLang="en-US" sz="2400" b="1" dirty="0">
+              <a:solidFill>
+                <a:schemeClr val="bg1">
+                  <a:lumMod val="65000"/>
+                </a:schemeClr>
+              </a:solidFill>
+              <a:latin typeface="Bradley Hand ITC" panose="03070402050302030203" pitchFamily="66" charset="0"/>
+            </a:endParaRPr>
+          </a:p>
+        </p:txBody>
+      </p:sp>
+      <p:sp>
+        <p:nvSpPr>
+          <p:cNvPr id="3" name="Google Shape;867;p33">
+            <a:extLst>
+              <a:ext uri="{FF2B5EF4-FFF2-40B4-BE49-F238E27FC236}">
+                <a16:creationId xmlns:a16="http://schemas.microsoft.com/office/drawing/2014/main" id="{BF6C0C84-AEDA-4823-5093-BD2B8C287E22}"/>
+              </a:ext>
+            </a:extLst>
+          </p:cNvPr>
+          <p:cNvSpPr txBox="1">
+            <a:spLocks/>
+          </p:cNvSpPr>
+          <p:nvPr/>
+        </p:nvSpPr>
+        <p:spPr>
+          <a:xfrm>
+            <a:off x="2222600" y="143850"/>
+            <a:ext cx="7746800" cy="1602400"/>
+          </a:xfrm>
+          <a:prstGeom prst="rect">
+            <a:avLst/>
+          </a:prstGeom>
+          <a:noFill/>
+          <a:ln>
+            <a:noFill/>
+          </a:ln>
+        </p:spPr>
+        <p:txBody>
+          <a:bodyPr spcFirstLastPara="1" wrap="square" lIns="91425" tIns="91425" rIns="91425" bIns="91425" anchor="b" anchorCtr="0">
+            <a:noAutofit/>
+          </a:bodyPr>
+          <a:lstStyle>
+            <a:defPPr marR="0" lvl="0" algn="l" rtl="0">
+              <a:lnSpc>
+                <a:spcPct val="100000"/>
+              </a:lnSpc>
+              <a:spcBef>
+                <a:spcPts val="0"/>
+              </a:spcBef>
+              <a:spcAft>
+                <a:spcPts val="0"/>
+              </a:spcAft>
+            </a:defPPr>
+            <a:lvl1pPr marR="0" lvl="0" algn="l" rtl="0">
+              <a:lnSpc>
+                <a:spcPct val="100000"/>
+              </a:lnSpc>
+              <a:spcBef>
+                <a:spcPts val="0"/>
+              </a:spcBef>
+              <a:spcAft>
+                <a:spcPts val="0"/>
+              </a:spcAft>
+              <a:buClr>
+                <a:schemeClr val="dk1"/>
+              </a:buClr>
+              <a:buSzPts val="3600"/>
+              <a:buFont typeface="Barlow"/>
+              <a:buNone/>
+              <a:defRPr sz="7200" b="1" i="0" u="none" strike="noStrike" cap="none">
+                <a:solidFill>
+                  <a:schemeClr val="dk1"/>
+                </a:solidFill>
+                <a:latin typeface="Barlow"/>
+                <a:ea typeface="Barlow"/>
+                <a:cs typeface="Barlow"/>
+                <a:sym typeface="Barlow"/>
+              </a:defRPr>
+            </a:lvl1pPr>
+            <a:lvl2pPr marR="0" lvl="1" algn="ctr" rtl="0">
+              <a:lnSpc>
+                <a:spcPct val="100000"/>
+              </a:lnSpc>
+              <a:spcBef>
+                <a:spcPts val="0"/>
+              </a:spcBef>
+              <a:spcAft>
+                <a:spcPts val="0"/>
+              </a:spcAft>
+              <a:buClr>
+                <a:schemeClr val="dk1"/>
+              </a:buClr>
+              <a:buSzPts val="3600"/>
+              <a:buFont typeface="Barlow"/>
+              <a:buNone/>
+              <a:defRPr sz="3600" b="1" i="0" u="none" strike="noStrike" cap="none">
+                <a:solidFill>
+                  <a:schemeClr val="dk1"/>
+                </a:solidFill>
+                <a:latin typeface="Barlow"/>
+                <a:ea typeface="Barlow"/>
+                <a:cs typeface="Barlow"/>
+                <a:sym typeface="Barlow"/>
+              </a:defRPr>
+            </a:lvl2pPr>
+            <a:lvl3pPr marR="0" lvl="2" algn="ctr" rtl="0">
+              <a:lnSpc>
+                <a:spcPct val="100000"/>
+              </a:lnSpc>
+              <a:spcBef>
+                <a:spcPts val="0"/>
+              </a:spcBef>
+              <a:spcAft>
+                <a:spcPts val="0"/>
+              </a:spcAft>
+              <a:buClr>
+                <a:schemeClr val="dk1"/>
+              </a:buClr>
+              <a:buSzPts val="3600"/>
+              <a:buFont typeface="Barlow"/>
+              <a:buNone/>
+              <a:defRPr sz="3600" b="1" i="0" u="none" strike="noStrike" cap="none">
+                <a:solidFill>
+                  <a:schemeClr val="dk1"/>
+                </a:solidFill>
+                <a:latin typeface="Barlow"/>
+                <a:ea typeface="Barlow"/>
+                <a:cs typeface="Barlow"/>
+                <a:sym typeface="Barlow"/>
+              </a:defRPr>
+            </a:lvl3pPr>
+            <a:lvl4pPr marR="0" lvl="3" algn="ctr" rtl="0">
+              <a:lnSpc>
+                <a:spcPct val="100000"/>
+              </a:lnSpc>
+              <a:spcBef>
+                <a:spcPts val="0"/>
+              </a:spcBef>
+              <a:spcAft>
+                <a:spcPts val="0"/>
+              </a:spcAft>
+              <a:buClr>
+                <a:schemeClr val="dk1"/>
+              </a:buClr>
+              <a:buSzPts val="3600"/>
+              <a:buFont typeface="Barlow"/>
+              <a:buNone/>
+              <a:defRPr sz="3600" b="1" i="0" u="none" strike="noStrike" cap="none">
+                <a:solidFill>
+                  <a:schemeClr val="dk1"/>
+                </a:solidFill>
+                <a:latin typeface="Barlow"/>
+                <a:ea typeface="Barlow"/>
+                <a:cs typeface="Barlow"/>
+                <a:sym typeface="Barlow"/>
+              </a:defRPr>
+            </a:lvl4pPr>
+            <a:lvl5pPr marR="0" lvl="4" algn="ctr" rtl="0">
+              <a:lnSpc>
+                <a:spcPct val="100000"/>
+              </a:lnSpc>
+              <a:spcBef>
+                <a:spcPts val="0"/>
+              </a:spcBef>
+              <a:spcAft>
+                <a:spcPts val="0"/>
+              </a:spcAft>
+              <a:buClr>
+                <a:schemeClr val="dk1"/>
+              </a:buClr>
+              <a:buSzPts val="3600"/>
+              <a:buFont typeface="Barlow"/>
+              <a:buNone/>
+              <a:defRPr sz="3600" b="1" i="0" u="none" strike="noStrike" cap="none">
+                <a:solidFill>
+                  <a:schemeClr val="dk1"/>
+                </a:solidFill>
+                <a:latin typeface="Barlow"/>
+                <a:ea typeface="Barlow"/>
+                <a:cs typeface="Barlow"/>
+                <a:sym typeface="Barlow"/>
+              </a:defRPr>
+            </a:lvl5pPr>
+            <a:lvl6pPr marR="0" lvl="5" algn="ctr" rtl="0">
+              <a:lnSpc>
+                <a:spcPct val="100000"/>
+              </a:lnSpc>
+              <a:spcBef>
+                <a:spcPts val="0"/>
+              </a:spcBef>
+              <a:spcAft>
+                <a:spcPts val="0"/>
+              </a:spcAft>
+              <a:buClr>
+                <a:schemeClr val="dk1"/>
+              </a:buClr>
+              <a:buSzPts val="3600"/>
+              <a:buFont typeface="Barlow"/>
+              <a:buNone/>
+              <a:defRPr sz="3600" b="1" i="0" u="none" strike="noStrike" cap="none">
+                <a:solidFill>
+                  <a:schemeClr val="dk1"/>
+                </a:solidFill>
+                <a:latin typeface="Barlow"/>
+                <a:ea typeface="Barlow"/>
+                <a:cs typeface="Barlow"/>
+                <a:sym typeface="Barlow"/>
+              </a:defRPr>
+            </a:lvl6pPr>
+            <a:lvl7pPr marR="0" lvl="6" algn="ctr" rtl="0">
+              <a:lnSpc>
+                <a:spcPct val="100000"/>
+              </a:lnSpc>
+              <a:spcBef>
+                <a:spcPts val="0"/>
+              </a:spcBef>
+              <a:spcAft>
+                <a:spcPts val="0"/>
+              </a:spcAft>
+              <a:buClr>
+                <a:schemeClr val="dk1"/>
+              </a:buClr>
+              <a:buSzPts val="3600"/>
+              <a:buFont typeface="Barlow"/>
+              <a:buNone/>
+              <a:defRPr sz="3600" b="1" i="0" u="none" strike="noStrike" cap="none">
+                <a:solidFill>
+                  <a:schemeClr val="dk1"/>
+                </a:solidFill>
+                <a:latin typeface="Barlow"/>
+                <a:ea typeface="Barlow"/>
+                <a:cs typeface="Barlow"/>
+                <a:sym typeface="Barlow"/>
+              </a:defRPr>
+            </a:lvl7pPr>
+            <a:lvl8pPr marR="0" lvl="7" algn="ctr" rtl="0">
+              <a:lnSpc>
+                <a:spcPct val="100000"/>
+              </a:lnSpc>
+              <a:spcBef>
+                <a:spcPts val="0"/>
+              </a:spcBef>
+              <a:spcAft>
+                <a:spcPts val="0"/>
+              </a:spcAft>
+              <a:buClr>
+                <a:schemeClr val="dk1"/>
+              </a:buClr>
+              <a:buSzPts val="3600"/>
+              <a:buFont typeface="Barlow"/>
+              <a:buNone/>
+              <a:defRPr sz="3600" b="1" i="0" u="none" strike="noStrike" cap="none">
+                <a:solidFill>
+                  <a:schemeClr val="dk1"/>
+                </a:solidFill>
+                <a:latin typeface="Barlow"/>
+                <a:ea typeface="Barlow"/>
+                <a:cs typeface="Barlow"/>
+                <a:sym typeface="Barlow"/>
+              </a:defRPr>
+            </a:lvl8pPr>
+            <a:lvl9pPr marR="0" lvl="8" algn="ctr" rtl="0">
+              <a:lnSpc>
+                <a:spcPct val="100000"/>
+              </a:lnSpc>
+              <a:spcBef>
+                <a:spcPts val="0"/>
+              </a:spcBef>
+              <a:spcAft>
+                <a:spcPts val="0"/>
+              </a:spcAft>
+              <a:buClr>
+                <a:schemeClr val="dk1"/>
+              </a:buClr>
+              <a:buSzPts val="3600"/>
+              <a:buFont typeface="Barlow"/>
+              <a:buNone/>
+              <a:defRPr sz="3600" b="1" i="0" u="none" strike="noStrike" cap="none">
+                <a:solidFill>
+                  <a:schemeClr val="dk1"/>
+                </a:solidFill>
+                <a:latin typeface="Barlow"/>
+                <a:ea typeface="Barlow"/>
+                <a:cs typeface="Barlow"/>
+                <a:sym typeface="Barlow"/>
+              </a:defRPr>
+            </a:lvl9pPr>
+          </a:lstStyle>
+          <a:p>
+            <a:pPr algn="ctr"/>
+            <a:r>
+              <a:rPr lang="en-US" altLang="zh-CN" sz="8000" spc="300" dirty="0">
+                <a:solidFill>
+                  <a:schemeClr val="accent4">
+                    <a:lumMod val="60000"/>
+                    <a:lumOff val="40000"/>
+                    <a:alpha val="60000"/>
+                  </a:schemeClr>
+                </a:solidFill>
+                <a:latin typeface="Amatic SC" panose="020F0502020204030204" pitchFamily="2" charset="-79"/>
+                <a:cs typeface="Amatic SC" panose="020F0502020204030204" pitchFamily="2" charset="-79"/>
+              </a:rPr>
+              <a:t>Restart the Game</a:t>
+            </a:r>
+          </a:p>
+        </p:txBody>
+      </p:sp>
+      <p:pic>
+        <p:nvPicPr>
+          <p:cNvPr id="20" name="Picture 19">
+            <a:extLst>
+              <a:ext uri="{FF2B5EF4-FFF2-40B4-BE49-F238E27FC236}">
+                <a16:creationId xmlns:a16="http://schemas.microsoft.com/office/drawing/2014/main" id="{B23E5562-2421-119F-17A7-6727CED48899}"/>
+              </a:ext>
+            </a:extLst>
+          </p:cNvPr>
+          <p:cNvPicPr>
+            <a:picLocks noChangeAspect="1"/>
+          </p:cNvPicPr>
+          <p:nvPr/>
+        </p:nvPicPr>
+        <p:blipFill>
+          <a:blip r:embed="rId2">
+            <a:extLst>
+              <a:ext uri="{28A0092B-C50C-407E-A947-70E740481C1C}">
+                <a14:useLocalDpi xmlns:a14="http://schemas.microsoft.com/office/drawing/2010/main" val="0"/>
+              </a:ext>
+            </a:extLst>
+          </a:blip>
+          <a:stretch>
+            <a:fillRect/>
+          </a:stretch>
+        </p:blipFill>
+        <p:spPr>
+          <a:xfrm>
+            <a:off x="569402" y="2133940"/>
+            <a:ext cx="5115157" cy="3824899"/>
+          </a:xfrm>
+          <a:prstGeom prst="rect">
+            <a:avLst/>
+          </a:prstGeom>
+        </p:spPr>
+      </p:pic>
+      <p:pic>
+        <p:nvPicPr>
+          <p:cNvPr id="13" name="Picture 12">
+            <a:extLst>
+              <a:ext uri="{FF2B5EF4-FFF2-40B4-BE49-F238E27FC236}">
+                <a16:creationId xmlns:a16="http://schemas.microsoft.com/office/drawing/2014/main" id="{D929EB55-12F9-9B40-040F-A68839D44AF3}"/>
+              </a:ext>
+            </a:extLst>
+          </p:cNvPr>
+          <p:cNvPicPr>
+            <a:picLocks noChangeAspect="1"/>
+          </p:cNvPicPr>
+          <p:nvPr/>
+        </p:nvPicPr>
+        <p:blipFill>
+          <a:blip r:embed="rId3">
+            <a:extLst>
+              <a:ext uri="{28A0092B-C50C-407E-A947-70E740481C1C}">
+                <a14:useLocalDpi xmlns:a14="http://schemas.microsoft.com/office/drawing/2010/main" val="0"/>
+              </a:ext>
+            </a:extLst>
+          </a:blip>
+          <a:stretch>
+            <a:fillRect/>
+          </a:stretch>
+        </p:blipFill>
+        <p:spPr>
+          <a:xfrm>
+            <a:off x="6273582" y="2591837"/>
+            <a:ext cx="5349016" cy="2855327"/>
+          </a:xfrm>
+          <a:prstGeom prst="rect">
+            <a:avLst/>
+          </a:prstGeom>
+        </p:spPr>
+      </p:pic>
+      <p:sp>
+        <p:nvSpPr>
+          <p:cNvPr id="14" name="Rectangle 13">
+            <a:extLst>
+              <a:ext uri="{FF2B5EF4-FFF2-40B4-BE49-F238E27FC236}">
+                <a16:creationId xmlns:a16="http://schemas.microsoft.com/office/drawing/2014/main" id="{EB8F823E-3614-CD09-DCF1-BE40FF6E63C1}"/>
+              </a:ext>
+            </a:extLst>
+          </p:cNvPr>
+          <p:cNvSpPr/>
+          <p:nvPr/>
+        </p:nvSpPr>
+        <p:spPr>
+          <a:xfrm>
+            <a:off x="6172032" y="4730643"/>
+            <a:ext cx="4305468" cy="778617"/>
+          </a:xfrm>
+          <a:prstGeom prst="rect">
+            <a:avLst/>
+          </a:prstGeom>
+          <a:noFill/>
+          <a:ln w="38100">
+            <a:solidFill>
+              <a:srgbClr val="C00000"/>
+            </a:solidFill>
+            <a:prstDash val="sysDash"/>
+          </a:ln>
+        </p:spPr>
+        <p:style>
+          <a:lnRef idx="2">
+            <a:schemeClr val="accent1">
+              <a:shade val="15000"/>
+            </a:schemeClr>
+          </a:lnRef>
+          <a:fillRef idx="1">
+            <a:schemeClr val="accent1"/>
+          </a:fillRef>
+          <a:effectRef idx="0">
+            <a:schemeClr val="accent1"/>
+          </a:effectRef>
+          <a:fontRef idx="minor">
+            <a:schemeClr val="lt1"/>
+          </a:fontRef>
+        </p:style>
+        <p:txBody>
+          <a:bodyPr rtlCol="0" anchor="ctr"/>
+          <a:lstStyle/>
+          <a:p>
+            <a:pPr algn="ctr"/>
+            <a:endParaRPr lang="zh-CN" altLang="en-US"/>
+          </a:p>
+        </p:txBody>
+      </p:sp>
+      <p:sp>
+        <p:nvSpPr>
+          <p:cNvPr id="15" name="Rectangle 14">
+            <a:extLst>
+              <a:ext uri="{FF2B5EF4-FFF2-40B4-BE49-F238E27FC236}">
+                <a16:creationId xmlns:a16="http://schemas.microsoft.com/office/drawing/2014/main" id="{AB768385-7A14-9AA8-2091-8C51A54EA514}"/>
+              </a:ext>
+            </a:extLst>
+          </p:cNvPr>
+          <p:cNvSpPr/>
+          <p:nvPr/>
+        </p:nvSpPr>
+        <p:spPr>
+          <a:xfrm>
+            <a:off x="3466932" y="3201777"/>
+            <a:ext cx="1905168" cy="678413"/>
+          </a:xfrm>
+          <a:prstGeom prst="rect">
+            <a:avLst/>
+          </a:prstGeom>
+          <a:noFill/>
+          <a:ln w="38100">
+            <a:solidFill>
+              <a:srgbClr val="C00000"/>
+            </a:solidFill>
+            <a:prstDash val="sysDash"/>
+          </a:ln>
+        </p:spPr>
+        <p:style>
+          <a:lnRef idx="2">
+            <a:schemeClr val="accent1">
+              <a:shade val="15000"/>
+            </a:schemeClr>
+          </a:lnRef>
+          <a:fillRef idx="1">
+            <a:schemeClr val="accent1"/>
+          </a:fillRef>
+          <a:effectRef idx="0">
+            <a:schemeClr val="accent1"/>
+          </a:effectRef>
+          <a:fontRef idx="minor">
+            <a:schemeClr val="lt1"/>
+          </a:fontRef>
+        </p:style>
+        <p:txBody>
+          <a:bodyPr rtlCol="0" anchor="ctr"/>
+          <a:lstStyle/>
+          <a:p>
+            <a:pPr algn="ctr"/>
+            <a:endParaRPr lang="zh-CN" altLang="en-US"/>
+          </a:p>
+        </p:txBody>
+      </p:sp>
+    </p:spTree>
+    <p:extLst>
+      <p:ext uri="{BB962C8B-B14F-4D97-AF65-F5344CB8AC3E}">
+        <p14:creationId xmlns:p14="http://schemas.microsoft.com/office/powerpoint/2010/main" val="3518116136"/>
+      </p:ext>
+    </p:extLst>
+  </p:cSld>
+  <p:clrMapOvr>
+    <a:masterClrMapping/>
+  </p:clrMapOvr>
+</p:sld>
+</file>
+
+<file path=ppt/slides/slide33.xml><?xml version="1.0" encoding="utf-8"?>
+<p:sld xmlns:a="http://schemas.openxmlformats.org/drawingml/2006/main" xmlns:r="http://schemas.openxmlformats.org/officeDocument/2006/relationships" xmlns:p="http://schemas.openxmlformats.org/presentationml/2006/main">
+  <p:cSld>
+    <p:spTree>
+      <p:nvGrpSpPr>
+        <p:cNvPr id="1" name="">
+          <a:extLst>
+            <a:ext uri="{FF2B5EF4-FFF2-40B4-BE49-F238E27FC236}">
+              <a16:creationId xmlns:a16="http://schemas.microsoft.com/office/drawing/2014/main" id="{450630B2-E977-28A7-9C6D-A50B02512479}"/>
+            </a:ext>
+          </a:extLst>
+        </p:cNvPr>
+        <p:cNvGrpSpPr/>
+        <p:nvPr/>
+      </p:nvGrpSpPr>
+      <p:grpSpPr>
+        <a:xfrm>
+          <a:off x="0" y="0"/>
+          <a:ext cx="0" cy="0"/>
+          <a:chOff x="0" y="0"/>
+          <a:chExt cx="0" cy="0"/>
+        </a:xfrm>
+      </p:grpSpPr>
+      <p:sp>
+        <p:nvSpPr>
+          <p:cNvPr id="6" name="Rectangle 5">
+            <a:extLst>
+              <a:ext uri="{FF2B5EF4-FFF2-40B4-BE49-F238E27FC236}">
+                <a16:creationId xmlns:a16="http://schemas.microsoft.com/office/drawing/2014/main" id="{0DAD97A7-A065-A3C4-5B65-C203BC05BA9B}"/>
+              </a:ext>
+            </a:extLst>
+          </p:cNvPr>
+          <p:cNvSpPr/>
+          <p:nvPr/>
+        </p:nvSpPr>
+        <p:spPr>
+          <a:xfrm>
+            <a:off x="0" y="0"/>
+            <a:ext cx="12192000" cy="6858000"/>
+          </a:xfrm>
+          <a:prstGeom prst="rect">
+            <a:avLst/>
+          </a:prstGeom>
+          <a:solidFill>
+            <a:srgbClr val="23242A"/>
+          </a:solidFill>
+          <a:ln>
+            <a:noFill/>
+          </a:ln>
+        </p:spPr>
+        <p:style>
+          <a:lnRef idx="2">
+            <a:schemeClr val="accent1">
+              <a:shade val="15000"/>
+            </a:schemeClr>
+          </a:lnRef>
+          <a:fillRef idx="1">
+            <a:schemeClr val="accent1"/>
+          </a:fillRef>
+          <a:effectRef idx="0">
+            <a:schemeClr val="accent1"/>
+          </a:effectRef>
+          <a:fontRef idx="minor">
+            <a:schemeClr val="lt1"/>
+          </a:fontRef>
+        </p:style>
+        <p:txBody>
+          <a:bodyPr rtlCol="0" anchor="ctr"/>
+          <a:lstStyle/>
+          <a:p>
+            <a:pPr algn="ctr"/>
+            <a:endParaRPr lang="zh-CN" altLang="en-US" dirty="0"/>
+          </a:p>
+        </p:txBody>
+      </p:sp>
+      <p:sp>
+        <p:nvSpPr>
+          <p:cNvPr id="2" name="Slide Number Placeholder 1">
+            <a:extLst>
+              <a:ext uri="{FF2B5EF4-FFF2-40B4-BE49-F238E27FC236}">
+                <a16:creationId xmlns:a16="http://schemas.microsoft.com/office/drawing/2014/main" id="{327055A2-C6C2-E9B5-5D62-997A2FD49D31}"/>
+              </a:ext>
+            </a:extLst>
+          </p:cNvPr>
+          <p:cNvSpPr>
+            <a:spLocks noGrp="1"/>
+          </p:cNvSpPr>
+          <p:nvPr>
+            <p:ph type="sldNum" sz="quarter" idx="12"/>
+          </p:nvPr>
+        </p:nvSpPr>
+        <p:spPr>
+          <a:xfrm>
+            <a:off x="9057739" y="6259509"/>
+            <a:ext cx="2743200" cy="365125"/>
+          </a:xfrm>
+        </p:spPr>
+        <p:txBody>
+          <a:bodyPr/>
+          <a:lstStyle/>
+          <a:p>
+            <a:fld id="{9B1EC109-1E15-4BCA-93B5-56442BB3443E}" type="slidenum">
+              <a:rPr lang="zh-CN" altLang="en-US" sz="2400" b="1" smtClean="0">
+                <a:solidFill>
+                  <a:schemeClr val="bg1">
+                    <a:lumMod val="65000"/>
+                  </a:schemeClr>
+                </a:solidFill>
+                <a:latin typeface="Bradley Hand ITC" panose="03070402050302030203" pitchFamily="66" charset="0"/>
+              </a:rPr>
+              <a:t>33</a:t>
+            </a:fld>
+            <a:endParaRPr lang="zh-CN" altLang="en-US" sz="2400" b="1" dirty="0">
+              <a:solidFill>
+                <a:schemeClr val="bg1">
+                  <a:lumMod val="65000"/>
+                </a:schemeClr>
+              </a:solidFill>
+              <a:latin typeface="Bradley Hand ITC" panose="03070402050302030203" pitchFamily="66" charset="0"/>
+            </a:endParaRPr>
+          </a:p>
+        </p:txBody>
+      </p:sp>
+      <p:sp>
+        <p:nvSpPr>
+          <p:cNvPr id="3" name="Google Shape;867;p33">
+            <a:extLst>
+              <a:ext uri="{FF2B5EF4-FFF2-40B4-BE49-F238E27FC236}">
+                <a16:creationId xmlns:a16="http://schemas.microsoft.com/office/drawing/2014/main" id="{756F7DCF-FC21-6618-75B7-12D1422D46FD}"/>
+              </a:ext>
+            </a:extLst>
+          </p:cNvPr>
+          <p:cNvSpPr txBox="1">
+            <a:spLocks/>
+          </p:cNvSpPr>
+          <p:nvPr/>
+        </p:nvSpPr>
+        <p:spPr>
+          <a:xfrm>
+            <a:off x="2222600" y="143850"/>
+            <a:ext cx="7746800" cy="1602400"/>
+          </a:xfrm>
+          <a:prstGeom prst="rect">
+            <a:avLst/>
+          </a:prstGeom>
+          <a:noFill/>
+          <a:ln>
+            <a:noFill/>
+          </a:ln>
+        </p:spPr>
+        <p:txBody>
+          <a:bodyPr spcFirstLastPara="1" wrap="square" lIns="91425" tIns="91425" rIns="91425" bIns="91425" anchor="b" anchorCtr="0">
+            <a:noAutofit/>
+          </a:bodyPr>
+          <a:lstStyle>
+            <a:defPPr marR="0" lvl="0" algn="l" rtl="0">
+              <a:lnSpc>
+                <a:spcPct val="100000"/>
+              </a:lnSpc>
+              <a:spcBef>
+                <a:spcPts val="0"/>
+              </a:spcBef>
+              <a:spcAft>
+                <a:spcPts val="0"/>
+              </a:spcAft>
+            </a:defPPr>
+            <a:lvl1pPr marR="0" lvl="0" algn="l" rtl="0">
+              <a:lnSpc>
+                <a:spcPct val="100000"/>
+              </a:lnSpc>
+              <a:spcBef>
+                <a:spcPts val="0"/>
+              </a:spcBef>
+              <a:spcAft>
+                <a:spcPts val="0"/>
+              </a:spcAft>
+              <a:buClr>
+                <a:schemeClr val="dk1"/>
+              </a:buClr>
+              <a:buSzPts val="3600"/>
+              <a:buFont typeface="Barlow"/>
+              <a:buNone/>
+              <a:defRPr sz="7200" b="1" i="0" u="none" strike="noStrike" cap="none">
+                <a:solidFill>
+                  <a:schemeClr val="dk1"/>
+                </a:solidFill>
+                <a:latin typeface="Barlow"/>
+                <a:ea typeface="Barlow"/>
+                <a:cs typeface="Barlow"/>
+                <a:sym typeface="Barlow"/>
+              </a:defRPr>
+            </a:lvl1pPr>
+            <a:lvl2pPr marR="0" lvl="1" algn="ctr" rtl="0">
+              <a:lnSpc>
+                <a:spcPct val="100000"/>
+              </a:lnSpc>
+              <a:spcBef>
+                <a:spcPts val="0"/>
+              </a:spcBef>
+              <a:spcAft>
+                <a:spcPts val="0"/>
+              </a:spcAft>
+              <a:buClr>
+                <a:schemeClr val="dk1"/>
+              </a:buClr>
+              <a:buSzPts val="3600"/>
+              <a:buFont typeface="Barlow"/>
+              <a:buNone/>
+              <a:defRPr sz="3600" b="1" i="0" u="none" strike="noStrike" cap="none">
+                <a:solidFill>
+                  <a:schemeClr val="dk1"/>
+                </a:solidFill>
+                <a:latin typeface="Barlow"/>
+                <a:ea typeface="Barlow"/>
+                <a:cs typeface="Barlow"/>
+                <a:sym typeface="Barlow"/>
+              </a:defRPr>
+            </a:lvl2pPr>
+            <a:lvl3pPr marR="0" lvl="2" algn="ctr" rtl="0">
+              <a:lnSpc>
+                <a:spcPct val="100000"/>
+              </a:lnSpc>
+              <a:spcBef>
+                <a:spcPts val="0"/>
+              </a:spcBef>
+              <a:spcAft>
+                <a:spcPts val="0"/>
+              </a:spcAft>
+              <a:buClr>
+                <a:schemeClr val="dk1"/>
+              </a:buClr>
+              <a:buSzPts val="3600"/>
+              <a:buFont typeface="Barlow"/>
+              <a:buNone/>
+              <a:defRPr sz="3600" b="1" i="0" u="none" strike="noStrike" cap="none">
+                <a:solidFill>
+                  <a:schemeClr val="dk1"/>
+                </a:solidFill>
+                <a:latin typeface="Barlow"/>
+                <a:ea typeface="Barlow"/>
+                <a:cs typeface="Barlow"/>
+                <a:sym typeface="Barlow"/>
+              </a:defRPr>
+            </a:lvl3pPr>
+            <a:lvl4pPr marR="0" lvl="3" algn="ctr" rtl="0">
+              <a:lnSpc>
+                <a:spcPct val="100000"/>
+              </a:lnSpc>
+              <a:spcBef>
+                <a:spcPts val="0"/>
+              </a:spcBef>
+              <a:spcAft>
+                <a:spcPts val="0"/>
+              </a:spcAft>
+              <a:buClr>
+                <a:schemeClr val="dk1"/>
+              </a:buClr>
+              <a:buSzPts val="3600"/>
+              <a:buFont typeface="Barlow"/>
+              <a:buNone/>
+              <a:defRPr sz="3600" b="1" i="0" u="none" strike="noStrike" cap="none">
+                <a:solidFill>
+                  <a:schemeClr val="dk1"/>
+                </a:solidFill>
+                <a:latin typeface="Barlow"/>
+                <a:ea typeface="Barlow"/>
+                <a:cs typeface="Barlow"/>
+                <a:sym typeface="Barlow"/>
+              </a:defRPr>
+            </a:lvl4pPr>
+            <a:lvl5pPr marR="0" lvl="4" algn="ctr" rtl="0">
+              <a:lnSpc>
+                <a:spcPct val="100000"/>
+              </a:lnSpc>
+              <a:spcBef>
+                <a:spcPts val="0"/>
+              </a:spcBef>
+              <a:spcAft>
+                <a:spcPts val="0"/>
+              </a:spcAft>
+              <a:buClr>
+                <a:schemeClr val="dk1"/>
+              </a:buClr>
+              <a:buSzPts val="3600"/>
+              <a:buFont typeface="Barlow"/>
+              <a:buNone/>
+              <a:defRPr sz="3600" b="1" i="0" u="none" strike="noStrike" cap="none">
+                <a:solidFill>
+                  <a:schemeClr val="dk1"/>
+                </a:solidFill>
+                <a:latin typeface="Barlow"/>
+                <a:ea typeface="Barlow"/>
+                <a:cs typeface="Barlow"/>
+                <a:sym typeface="Barlow"/>
+              </a:defRPr>
+            </a:lvl5pPr>
+            <a:lvl6pPr marR="0" lvl="5" algn="ctr" rtl="0">
+              <a:lnSpc>
+                <a:spcPct val="100000"/>
+              </a:lnSpc>
+              <a:spcBef>
+                <a:spcPts val="0"/>
+              </a:spcBef>
+              <a:spcAft>
+                <a:spcPts val="0"/>
+              </a:spcAft>
+              <a:buClr>
+                <a:schemeClr val="dk1"/>
+              </a:buClr>
+              <a:buSzPts val="3600"/>
+              <a:buFont typeface="Barlow"/>
+              <a:buNone/>
+              <a:defRPr sz="3600" b="1" i="0" u="none" strike="noStrike" cap="none">
+                <a:solidFill>
+                  <a:schemeClr val="dk1"/>
+                </a:solidFill>
+                <a:latin typeface="Barlow"/>
+                <a:ea typeface="Barlow"/>
+                <a:cs typeface="Barlow"/>
+                <a:sym typeface="Barlow"/>
+              </a:defRPr>
+            </a:lvl6pPr>
+            <a:lvl7pPr marR="0" lvl="6" algn="ctr" rtl="0">
+              <a:lnSpc>
+                <a:spcPct val="100000"/>
+              </a:lnSpc>
+              <a:spcBef>
+                <a:spcPts val="0"/>
+              </a:spcBef>
+              <a:spcAft>
+                <a:spcPts val="0"/>
+              </a:spcAft>
+              <a:buClr>
+                <a:schemeClr val="dk1"/>
+              </a:buClr>
+              <a:buSzPts val="3600"/>
+              <a:buFont typeface="Barlow"/>
+              <a:buNone/>
+              <a:defRPr sz="3600" b="1" i="0" u="none" strike="noStrike" cap="none">
+                <a:solidFill>
+                  <a:schemeClr val="dk1"/>
+                </a:solidFill>
+                <a:latin typeface="Barlow"/>
+                <a:ea typeface="Barlow"/>
+                <a:cs typeface="Barlow"/>
+                <a:sym typeface="Barlow"/>
+              </a:defRPr>
+            </a:lvl7pPr>
+            <a:lvl8pPr marR="0" lvl="7" algn="ctr" rtl="0">
+              <a:lnSpc>
+                <a:spcPct val="100000"/>
+              </a:lnSpc>
+              <a:spcBef>
+                <a:spcPts val="0"/>
+              </a:spcBef>
+              <a:spcAft>
+                <a:spcPts val="0"/>
+              </a:spcAft>
+              <a:buClr>
+                <a:schemeClr val="dk1"/>
+              </a:buClr>
+              <a:buSzPts val="3600"/>
+              <a:buFont typeface="Barlow"/>
+              <a:buNone/>
+              <a:defRPr sz="3600" b="1" i="0" u="none" strike="noStrike" cap="none">
+                <a:solidFill>
+                  <a:schemeClr val="dk1"/>
+                </a:solidFill>
+                <a:latin typeface="Barlow"/>
+                <a:ea typeface="Barlow"/>
+                <a:cs typeface="Barlow"/>
+                <a:sym typeface="Barlow"/>
+              </a:defRPr>
+            </a:lvl8pPr>
+            <a:lvl9pPr marR="0" lvl="8" algn="ctr" rtl="0">
+              <a:lnSpc>
+                <a:spcPct val="100000"/>
+              </a:lnSpc>
+              <a:spcBef>
+                <a:spcPts val="0"/>
+              </a:spcBef>
+              <a:spcAft>
+                <a:spcPts val="0"/>
+              </a:spcAft>
+              <a:buClr>
+                <a:schemeClr val="dk1"/>
+              </a:buClr>
+              <a:buSzPts val="3600"/>
+              <a:buFont typeface="Barlow"/>
+              <a:buNone/>
+              <a:defRPr sz="3600" b="1" i="0" u="none" strike="noStrike" cap="none">
+                <a:solidFill>
+                  <a:schemeClr val="dk1"/>
+                </a:solidFill>
+                <a:latin typeface="Barlow"/>
+                <a:ea typeface="Barlow"/>
+                <a:cs typeface="Barlow"/>
+                <a:sym typeface="Barlow"/>
+              </a:defRPr>
+            </a:lvl9pPr>
+          </a:lstStyle>
+          <a:p>
+            <a:pPr algn="ctr"/>
+            <a:r>
+              <a:rPr lang="en-US" altLang="zh-CN" sz="8000" spc="300" dirty="0">
+                <a:solidFill>
+                  <a:schemeClr val="accent4">
+                    <a:lumMod val="60000"/>
+                    <a:lumOff val="40000"/>
+                    <a:alpha val="60000"/>
+                  </a:schemeClr>
+                </a:solidFill>
+                <a:latin typeface="Amatic SC" panose="020F0502020204030204" pitchFamily="2" charset="-79"/>
+                <a:cs typeface="Amatic SC" panose="020F0502020204030204" pitchFamily="2" charset="-79"/>
+              </a:rPr>
+              <a:t>Restart the Game</a:t>
+            </a:r>
+          </a:p>
+        </p:txBody>
+      </p:sp>
+      <p:pic>
+        <p:nvPicPr>
+          <p:cNvPr id="20" name="Picture 19">
+            <a:extLst>
+              <a:ext uri="{FF2B5EF4-FFF2-40B4-BE49-F238E27FC236}">
+                <a16:creationId xmlns:a16="http://schemas.microsoft.com/office/drawing/2014/main" id="{163F06DA-D5BD-FA99-7D1D-0C36A6D3FAA4}"/>
+              </a:ext>
+            </a:extLst>
+          </p:cNvPr>
+          <p:cNvPicPr>
+            <a:picLocks noChangeAspect="1"/>
+          </p:cNvPicPr>
+          <p:nvPr/>
+        </p:nvPicPr>
+        <p:blipFill>
+          <a:blip r:embed="rId2">
+            <a:extLst>
+              <a:ext uri="{28A0092B-C50C-407E-A947-70E740481C1C}">
+                <a14:useLocalDpi xmlns:a14="http://schemas.microsoft.com/office/drawing/2010/main" val="0"/>
+              </a:ext>
+            </a:extLst>
+          </a:blip>
+          <a:stretch>
+            <a:fillRect/>
+          </a:stretch>
+        </p:blipFill>
+        <p:spPr>
+          <a:xfrm>
+            <a:off x="5306807" y="1878434"/>
+            <a:ext cx="3003178" cy="2245650"/>
+          </a:xfrm>
+          <a:prstGeom prst="rect">
+            <a:avLst/>
+          </a:prstGeom>
+        </p:spPr>
+      </p:pic>
+      <p:pic>
+        <p:nvPicPr>
+          <p:cNvPr id="4" name="Picture 3" descr="A white mouse cursor on a black background&#10;&#10;Description automatically generated">
+            <a:extLst>
+              <a:ext uri="{FF2B5EF4-FFF2-40B4-BE49-F238E27FC236}">
+                <a16:creationId xmlns:a16="http://schemas.microsoft.com/office/drawing/2014/main" id="{12D745EA-781F-290D-094E-BAB2F0694140}"/>
+              </a:ext>
+            </a:extLst>
+          </p:cNvPr>
+          <p:cNvPicPr>
+            <a:picLocks noChangeAspect="1"/>
+          </p:cNvPicPr>
+          <p:nvPr/>
+        </p:nvPicPr>
+        <p:blipFill>
+          <a:blip r:embed="rId3">
+            <a:extLst>
+              <a:ext uri="{28A0092B-C50C-407E-A947-70E740481C1C}">
+                <a14:useLocalDpi xmlns:a14="http://schemas.microsoft.com/office/drawing/2010/main" val="0"/>
+              </a:ext>
+            </a:extLst>
+          </a:blip>
+          <a:stretch>
+            <a:fillRect/>
+          </a:stretch>
+        </p:blipFill>
+        <p:spPr>
+          <a:xfrm rot="20697251">
+            <a:off x="3154953" y="3857572"/>
+            <a:ext cx="634430" cy="640147"/>
+          </a:xfrm>
+          <a:prstGeom prst="rect">
+            <a:avLst/>
+          </a:prstGeom>
+        </p:spPr>
+      </p:pic>
+      <p:pic>
+        <p:nvPicPr>
+          <p:cNvPr id="8" name="Graphic 7">
+            <a:extLst>
+              <a:ext uri="{FF2B5EF4-FFF2-40B4-BE49-F238E27FC236}">
+                <a16:creationId xmlns:a16="http://schemas.microsoft.com/office/drawing/2014/main" id="{1B6718FB-AF68-DFC6-BD42-E19F5E1531B1}"/>
+              </a:ext>
+            </a:extLst>
+          </p:cNvPr>
+          <p:cNvPicPr>
+            <a:picLocks noChangeAspect="1"/>
+          </p:cNvPicPr>
+          <p:nvPr/>
+        </p:nvPicPr>
+        <p:blipFill>
+          <a:blip r:embed="rId4">
+            <a:extLst>
+              <a:ext uri="{96DAC541-7B7A-43D3-8B79-37D633B846F1}">
+                <asvg:svgBlip xmlns:asvg="http://schemas.microsoft.com/office/drawing/2016/SVG/main" r:embed="rId5"/>
+              </a:ext>
+            </a:extLst>
+          </a:blip>
+          <a:stretch>
+            <a:fillRect/>
+          </a:stretch>
+        </p:blipFill>
+        <p:spPr>
+          <a:xfrm>
+            <a:off x="8797761" y="3861939"/>
+            <a:ext cx="3003178" cy="2263264"/>
+          </a:xfrm>
+          <a:prstGeom prst="rect">
+            <a:avLst/>
+          </a:prstGeom>
+        </p:spPr>
+      </p:pic>
+      <p:pic>
+        <p:nvPicPr>
+          <p:cNvPr id="10" name="Graphic 9">
+            <a:extLst>
+              <a:ext uri="{FF2B5EF4-FFF2-40B4-BE49-F238E27FC236}">
+                <a16:creationId xmlns:a16="http://schemas.microsoft.com/office/drawing/2014/main" id="{E600792C-C2BD-FF44-64FB-268C0FD11F0E}"/>
+              </a:ext>
+            </a:extLst>
+          </p:cNvPr>
+          <p:cNvPicPr>
+            <a:picLocks noChangeAspect="1"/>
+          </p:cNvPicPr>
+          <p:nvPr/>
+        </p:nvPicPr>
+        <p:blipFill>
+          <a:blip r:embed="rId6">
+            <a:alphaModFix amt="80000"/>
+            <a:extLst>
+              <a:ext uri="{96DAC541-7B7A-43D3-8B79-37D633B846F1}">
+                <asvg:svgBlip xmlns:asvg="http://schemas.microsoft.com/office/drawing/2016/SVG/main" r:embed="rId7"/>
+              </a:ext>
+            </a:extLst>
+          </a:blip>
+          <a:stretch>
+            <a:fillRect/>
+          </a:stretch>
+        </p:blipFill>
+        <p:spPr>
+          <a:xfrm>
+            <a:off x="11048383" y="5542594"/>
+            <a:ext cx="290177" cy="214567"/>
+          </a:xfrm>
+          <a:prstGeom prst="rect">
+            <a:avLst/>
+          </a:prstGeom>
+        </p:spPr>
+      </p:pic>
+      <p:pic>
+        <p:nvPicPr>
+          <p:cNvPr id="7" name="Picture 6">
+            <a:extLst>
+              <a:ext uri="{FF2B5EF4-FFF2-40B4-BE49-F238E27FC236}">
+                <a16:creationId xmlns:a16="http://schemas.microsoft.com/office/drawing/2014/main" id="{AC354BB4-A836-F0BB-E7DA-C62B604E15DE}"/>
+              </a:ext>
+            </a:extLst>
+          </p:cNvPr>
+          <p:cNvPicPr>
+            <a:picLocks noChangeAspect="1"/>
+          </p:cNvPicPr>
+          <p:nvPr/>
+        </p:nvPicPr>
+        <p:blipFill>
+          <a:blip r:embed="rId8">
+            <a:extLst>
+              <a:ext uri="{28A0092B-C50C-407E-A947-70E740481C1C}">
+                <a14:useLocalDpi xmlns:a14="http://schemas.microsoft.com/office/drawing/2010/main" val="0"/>
+              </a:ext>
+            </a:extLst>
+          </a:blip>
+          <a:stretch>
+            <a:fillRect/>
+          </a:stretch>
+        </p:blipFill>
+        <p:spPr>
+          <a:xfrm>
+            <a:off x="1184368" y="2846940"/>
+            <a:ext cx="2819569" cy="2554287"/>
+          </a:xfrm>
+          <a:prstGeom prst="rect">
+            <a:avLst/>
+          </a:prstGeom>
+        </p:spPr>
+      </p:pic>
+      <p:sp>
+        <p:nvSpPr>
+          <p:cNvPr id="11" name="Arrow: Bent-Up 10">
+            <a:extLst>
+              <a:ext uri="{FF2B5EF4-FFF2-40B4-BE49-F238E27FC236}">
+                <a16:creationId xmlns:a16="http://schemas.microsoft.com/office/drawing/2014/main" id="{748BAD45-27FE-CCB1-63A0-27FE904A6C19}"/>
+              </a:ext>
+            </a:extLst>
+          </p:cNvPr>
+          <p:cNvSpPr/>
+          <p:nvPr/>
+        </p:nvSpPr>
+        <p:spPr>
+          <a:xfrm rot="5400000">
+            <a:off x="7173090" y="4037534"/>
+            <a:ext cx="939392" cy="1668780"/>
+          </a:xfrm>
+          <a:prstGeom prst="bentUpArrow">
+            <a:avLst/>
+          </a:prstGeom>
+          <a:solidFill>
+            <a:schemeClr val="bg1">
+              <a:lumMod val="75000"/>
+            </a:schemeClr>
+          </a:solidFill>
+          <a:ln>
+            <a:noFill/>
+          </a:ln>
+        </p:spPr>
+        <p:style>
+          <a:lnRef idx="2">
+            <a:schemeClr val="accent1">
+              <a:shade val="15000"/>
+            </a:schemeClr>
+          </a:lnRef>
+          <a:fillRef idx="1">
+            <a:schemeClr val="accent1"/>
+          </a:fillRef>
+          <a:effectRef idx="0">
+            <a:schemeClr val="accent1"/>
+          </a:effectRef>
+          <a:fontRef idx="minor">
+            <a:schemeClr val="lt1"/>
+          </a:fontRef>
+        </p:style>
+        <p:txBody>
+          <a:bodyPr rtlCol="0" anchor="ctr"/>
+          <a:lstStyle/>
+          <a:p>
+            <a:pPr algn="ctr"/>
+            <a:endParaRPr lang="zh-CN" altLang="en-US"/>
+          </a:p>
+        </p:txBody>
+      </p:sp>
+    </p:spTree>
+    <p:extLst>
+      <p:ext uri="{BB962C8B-B14F-4D97-AF65-F5344CB8AC3E}">
+        <p14:creationId xmlns:p14="http://schemas.microsoft.com/office/powerpoint/2010/main" val="2752701533"/>
+      </p:ext>
+    </p:extLst>
+  </p:cSld>
+  <p:clrMapOvr>
+    <a:masterClrMapping/>
+  </p:clrMapOvr>
+</p:sld>
+</file>
+
+<file path=ppt/slides/slide34.xml><?xml version="1.0" encoding="utf-8"?>
+<p:sld xmlns:a="http://schemas.openxmlformats.org/drawingml/2006/main" xmlns:r="http://schemas.openxmlformats.org/officeDocument/2006/relationships" xmlns:p="http://schemas.openxmlformats.org/presentationml/2006/main">
+  <p:cSld>
+    <p:spTree>
+      <p:nvGrpSpPr>
+        <p:cNvPr id="1" name="">
+          <a:extLst>
+            <a:ext uri="{FF2B5EF4-FFF2-40B4-BE49-F238E27FC236}">
+              <a16:creationId xmlns:a16="http://schemas.microsoft.com/office/drawing/2014/main" id="{43B0A1B3-7161-D39D-E0A4-162C23B65C34}"/>
+            </a:ext>
+          </a:extLst>
+        </p:cNvPr>
+        <p:cNvGrpSpPr/>
+        <p:nvPr/>
+      </p:nvGrpSpPr>
+      <p:grpSpPr>
+        <a:xfrm>
+          <a:off x="0" y="0"/>
+          <a:ext cx="0" cy="0"/>
+          <a:chOff x="0" y="0"/>
+          <a:chExt cx="0" cy="0"/>
+        </a:xfrm>
+      </p:grpSpPr>
+      <p:sp>
+        <p:nvSpPr>
+          <p:cNvPr id="6" name="Rectangle 5">
+            <a:extLst>
+              <a:ext uri="{FF2B5EF4-FFF2-40B4-BE49-F238E27FC236}">
+                <a16:creationId xmlns:a16="http://schemas.microsoft.com/office/drawing/2014/main" id="{B4176471-F115-92A4-D2DB-057D737F7632}"/>
+              </a:ext>
+            </a:extLst>
+          </p:cNvPr>
+          <p:cNvSpPr/>
+          <p:nvPr/>
+        </p:nvSpPr>
+        <p:spPr>
+          <a:xfrm>
+            <a:off x="0" y="0"/>
+            <a:ext cx="12192000" cy="6858000"/>
+          </a:xfrm>
+          <a:prstGeom prst="rect">
+            <a:avLst/>
+          </a:prstGeom>
+          <a:solidFill>
+            <a:srgbClr val="23242A"/>
+          </a:solidFill>
+          <a:ln>
+            <a:noFill/>
+          </a:ln>
+        </p:spPr>
+        <p:style>
+          <a:lnRef idx="2">
+            <a:schemeClr val="accent1">
+              <a:shade val="15000"/>
+            </a:schemeClr>
+          </a:lnRef>
+          <a:fillRef idx="1">
+            <a:schemeClr val="accent1"/>
+          </a:fillRef>
+          <a:effectRef idx="0">
+            <a:schemeClr val="accent1"/>
+          </a:effectRef>
+          <a:fontRef idx="minor">
+            <a:schemeClr val="lt1"/>
+          </a:fontRef>
+        </p:style>
+        <p:txBody>
+          <a:bodyPr rtlCol="0" anchor="ctr"/>
+          <a:lstStyle/>
+          <a:p>
+            <a:pPr algn="ctr"/>
+            <a:endParaRPr lang="zh-CN" altLang="en-US" dirty="0"/>
+          </a:p>
+        </p:txBody>
+      </p:sp>
+      <p:sp>
+        <p:nvSpPr>
+          <p:cNvPr id="2" name="Slide Number Placeholder 1">
+            <a:extLst>
+              <a:ext uri="{FF2B5EF4-FFF2-40B4-BE49-F238E27FC236}">
+                <a16:creationId xmlns:a16="http://schemas.microsoft.com/office/drawing/2014/main" id="{1357F90E-919B-E944-A29C-6EC7C6FD5D25}"/>
+              </a:ext>
+            </a:extLst>
+          </p:cNvPr>
+          <p:cNvSpPr>
+            <a:spLocks noGrp="1"/>
+          </p:cNvSpPr>
+          <p:nvPr>
+            <p:ph type="sldNum" sz="quarter" idx="12"/>
+          </p:nvPr>
+        </p:nvSpPr>
+        <p:spPr>
+          <a:xfrm>
+            <a:off x="9057739" y="6259509"/>
+            <a:ext cx="2743200" cy="365125"/>
+          </a:xfrm>
+        </p:spPr>
+        <p:txBody>
+          <a:bodyPr/>
+          <a:lstStyle/>
+          <a:p>
+            <a:fld id="{9B1EC109-1E15-4BCA-93B5-56442BB3443E}" type="slidenum">
+              <a:rPr lang="zh-CN" altLang="en-US" sz="2400" b="1" smtClean="0">
+                <a:solidFill>
+                  <a:schemeClr val="bg1">
+                    <a:lumMod val="65000"/>
+                  </a:schemeClr>
+                </a:solidFill>
+                <a:latin typeface="Bradley Hand ITC" panose="03070402050302030203" pitchFamily="66" charset="0"/>
+              </a:rPr>
+              <a:t>34</a:t>
+            </a:fld>
+            <a:endParaRPr lang="zh-CN" altLang="en-US" sz="2400" b="1" dirty="0">
+              <a:solidFill>
+                <a:schemeClr val="bg1">
+                  <a:lumMod val="65000"/>
+                </a:schemeClr>
+              </a:solidFill>
+              <a:latin typeface="Bradley Hand ITC" panose="03070402050302030203" pitchFamily="66" charset="0"/>
+            </a:endParaRPr>
+          </a:p>
+        </p:txBody>
+      </p:sp>
+      <p:sp>
+        <p:nvSpPr>
+          <p:cNvPr id="3" name="Google Shape;867;p33">
+            <a:extLst>
+              <a:ext uri="{FF2B5EF4-FFF2-40B4-BE49-F238E27FC236}">
+                <a16:creationId xmlns:a16="http://schemas.microsoft.com/office/drawing/2014/main" id="{79BFBA46-6553-A349-6313-01BC05C89DB3}"/>
+              </a:ext>
+            </a:extLst>
+          </p:cNvPr>
+          <p:cNvSpPr txBox="1">
+            <a:spLocks/>
+          </p:cNvSpPr>
+          <p:nvPr/>
+        </p:nvSpPr>
+        <p:spPr>
+          <a:xfrm>
+            <a:off x="2222600" y="143850"/>
+            <a:ext cx="7746800" cy="1602400"/>
+          </a:xfrm>
+          <a:prstGeom prst="rect">
+            <a:avLst/>
+          </a:prstGeom>
+          <a:noFill/>
+          <a:ln>
+            <a:noFill/>
+          </a:ln>
+        </p:spPr>
+        <p:txBody>
+          <a:bodyPr spcFirstLastPara="1" wrap="square" lIns="91425" tIns="91425" rIns="91425" bIns="91425" anchor="b" anchorCtr="0">
+            <a:noAutofit/>
+          </a:bodyPr>
+          <a:lstStyle>
+            <a:defPPr marR="0" lvl="0" algn="l" rtl="0">
+              <a:lnSpc>
+                <a:spcPct val="100000"/>
+              </a:lnSpc>
+              <a:spcBef>
+                <a:spcPts val="0"/>
+              </a:spcBef>
+              <a:spcAft>
+                <a:spcPts val="0"/>
+              </a:spcAft>
+            </a:defPPr>
+            <a:lvl1pPr marR="0" lvl="0" algn="l" rtl="0">
+              <a:lnSpc>
+                <a:spcPct val="100000"/>
+              </a:lnSpc>
+              <a:spcBef>
+                <a:spcPts val="0"/>
+              </a:spcBef>
+              <a:spcAft>
+                <a:spcPts val="0"/>
+              </a:spcAft>
+              <a:buClr>
+                <a:schemeClr val="dk1"/>
+              </a:buClr>
+              <a:buSzPts val="3600"/>
+              <a:buFont typeface="Barlow"/>
+              <a:buNone/>
+              <a:defRPr sz="7200" b="1" i="0" u="none" strike="noStrike" cap="none">
+                <a:solidFill>
+                  <a:schemeClr val="dk1"/>
+                </a:solidFill>
+                <a:latin typeface="Barlow"/>
+                <a:ea typeface="Barlow"/>
+                <a:cs typeface="Barlow"/>
+                <a:sym typeface="Barlow"/>
+              </a:defRPr>
+            </a:lvl1pPr>
+            <a:lvl2pPr marR="0" lvl="1" algn="ctr" rtl="0">
+              <a:lnSpc>
+                <a:spcPct val="100000"/>
+              </a:lnSpc>
+              <a:spcBef>
+                <a:spcPts val="0"/>
+              </a:spcBef>
+              <a:spcAft>
+                <a:spcPts val="0"/>
+              </a:spcAft>
+              <a:buClr>
+                <a:schemeClr val="dk1"/>
+              </a:buClr>
+              <a:buSzPts val="3600"/>
+              <a:buFont typeface="Barlow"/>
+              <a:buNone/>
+              <a:defRPr sz="3600" b="1" i="0" u="none" strike="noStrike" cap="none">
+                <a:solidFill>
+                  <a:schemeClr val="dk1"/>
+                </a:solidFill>
+                <a:latin typeface="Barlow"/>
+                <a:ea typeface="Barlow"/>
+                <a:cs typeface="Barlow"/>
+                <a:sym typeface="Barlow"/>
+              </a:defRPr>
+            </a:lvl2pPr>
+            <a:lvl3pPr marR="0" lvl="2" algn="ctr" rtl="0">
+              <a:lnSpc>
+                <a:spcPct val="100000"/>
+              </a:lnSpc>
+              <a:spcBef>
+                <a:spcPts val="0"/>
+              </a:spcBef>
+              <a:spcAft>
+                <a:spcPts val="0"/>
+              </a:spcAft>
+              <a:buClr>
+                <a:schemeClr val="dk1"/>
+              </a:buClr>
+              <a:buSzPts val="3600"/>
+              <a:buFont typeface="Barlow"/>
+              <a:buNone/>
+              <a:defRPr sz="3600" b="1" i="0" u="none" strike="noStrike" cap="none">
+                <a:solidFill>
+                  <a:schemeClr val="dk1"/>
+                </a:solidFill>
+                <a:latin typeface="Barlow"/>
+                <a:ea typeface="Barlow"/>
+                <a:cs typeface="Barlow"/>
+                <a:sym typeface="Barlow"/>
+              </a:defRPr>
+            </a:lvl3pPr>
+            <a:lvl4pPr marR="0" lvl="3" algn="ctr" rtl="0">
+              <a:lnSpc>
+                <a:spcPct val="100000"/>
+              </a:lnSpc>
+              <a:spcBef>
+                <a:spcPts val="0"/>
+              </a:spcBef>
+              <a:spcAft>
+                <a:spcPts val="0"/>
+              </a:spcAft>
+              <a:buClr>
+                <a:schemeClr val="dk1"/>
+              </a:buClr>
+              <a:buSzPts val="3600"/>
+              <a:buFont typeface="Barlow"/>
+              <a:buNone/>
+              <a:defRPr sz="3600" b="1" i="0" u="none" strike="noStrike" cap="none">
+                <a:solidFill>
+                  <a:schemeClr val="dk1"/>
+                </a:solidFill>
+                <a:latin typeface="Barlow"/>
+                <a:ea typeface="Barlow"/>
+                <a:cs typeface="Barlow"/>
+                <a:sym typeface="Barlow"/>
+              </a:defRPr>
+            </a:lvl4pPr>
+            <a:lvl5pPr marR="0" lvl="4" algn="ctr" rtl="0">
+              <a:lnSpc>
+                <a:spcPct val="100000"/>
+              </a:lnSpc>
+              <a:spcBef>
+                <a:spcPts val="0"/>
+              </a:spcBef>
+              <a:spcAft>
+                <a:spcPts val="0"/>
+              </a:spcAft>
+              <a:buClr>
+                <a:schemeClr val="dk1"/>
+              </a:buClr>
+              <a:buSzPts val="3600"/>
+              <a:buFont typeface="Barlow"/>
+              <a:buNone/>
+              <a:defRPr sz="3600" b="1" i="0" u="none" strike="noStrike" cap="none">
+                <a:solidFill>
+                  <a:schemeClr val="dk1"/>
+                </a:solidFill>
+                <a:latin typeface="Barlow"/>
+                <a:ea typeface="Barlow"/>
+                <a:cs typeface="Barlow"/>
+                <a:sym typeface="Barlow"/>
+              </a:defRPr>
+            </a:lvl5pPr>
+            <a:lvl6pPr marR="0" lvl="5" algn="ctr" rtl="0">
+              <a:lnSpc>
+                <a:spcPct val="100000"/>
+              </a:lnSpc>
+              <a:spcBef>
+                <a:spcPts val="0"/>
+              </a:spcBef>
+              <a:spcAft>
+                <a:spcPts val="0"/>
+              </a:spcAft>
+              <a:buClr>
+                <a:schemeClr val="dk1"/>
+              </a:buClr>
+              <a:buSzPts val="3600"/>
+              <a:buFont typeface="Barlow"/>
+              <a:buNone/>
+              <a:defRPr sz="3600" b="1" i="0" u="none" strike="noStrike" cap="none">
+                <a:solidFill>
+                  <a:schemeClr val="dk1"/>
+                </a:solidFill>
+                <a:latin typeface="Barlow"/>
+                <a:ea typeface="Barlow"/>
+                <a:cs typeface="Barlow"/>
+                <a:sym typeface="Barlow"/>
+              </a:defRPr>
+            </a:lvl6pPr>
+            <a:lvl7pPr marR="0" lvl="6" algn="ctr" rtl="0">
+              <a:lnSpc>
+                <a:spcPct val="100000"/>
+              </a:lnSpc>
+              <a:spcBef>
+                <a:spcPts val="0"/>
+              </a:spcBef>
+              <a:spcAft>
+                <a:spcPts val="0"/>
+              </a:spcAft>
+              <a:buClr>
+                <a:schemeClr val="dk1"/>
+              </a:buClr>
+              <a:buSzPts val="3600"/>
+              <a:buFont typeface="Barlow"/>
+              <a:buNone/>
+              <a:defRPr sz="3600" b="1" i="0" u="none" strike="noStrike" cap="none">
+                <a:solidFill>
+                  <a:schemeClr val="dk1"/>
+                </a:solidFill>
+                <a:latin typeface="Barlow"/>
+                <a:ea typeface="Barlow"/>
+                <a:cs typeface="Barlow"/>
+                <a:sym typeface="Barlow"/>
+              </a:defRPr>
+            </a:lvl7pPr>
+            <a:lvl8pPr marR="0" lvl="7" algn="ctr" rtl="0">
+              <a:lnSpc>
+                <a:spcPct val="100000"/>
+              </a:lnSpc>
+              <a:spcBef>
+                <a:spcPts val="0"/>
+              </a:spcBef>
+              <a:spcAft>
+                <a:spcPts val="0"/>
+              </a:spcAft>
+              <a:buClr>
+                <a:schemeClr val="dk1"/>
+              </a:buClr>
+              <a:buSzPts val="3600"/>
+              <a:buFont typeface="Barlow"/>
+              <a:buNone/>
+              <a:defRPr sz="3600" b="1" i="0" u="none" strike="noStrike" cap="none">
+                <a:solidFill>
+                  <a:schemeClr val="dk1"/>
+                </a:solidFill>
+                <a:latin typeface="Barlow"/>
+                <a:ea typeface="Barlow"/>
+                <a:cs typeface="Barlow"/>
+                <a:sym typeface="Barlow"/>
+              </a:defRPr>
+            </a:lvl8pPr>
+            <a:lvl9pPr marR="0" lvl="8" algn="ctr" rtl="0">
+              <a:lnSpc>
+                <a:spcPct val="100000"/>
+              </a:lnSpc>
+              <a:spcBef>
+                <a:spcPts val="0"/>
+              </a:spcBef>
+              <a:spcAft>
+                <a:spcPts val="0"/>
+              </a:spcAft>
+              <a:buClr>
+                <a:schemeClr val="dk1"/>
+              </a:buClr>
+              <a:buSzPts val="3600"/>
+              <a:buFont typeface="Barlow"/>
+              <a:buNone/>
+              <a:defRPr sz="3600" b="1" i="0" u="none" strike="noStrike" cap="none">
+                <a:solidFill>
+                  <a:schemeClr val="dk1"/>
+                </a:solidFill>
+                <a:latin typeface="Barlow"/>
+                <a:ea typeface="Barlow"/>
+                <a:cs typeface="Barlow"/>
+                <a:sym typeface="Barlow"/>
+              </a:defRPr>
+            </a:lvl9pPr>
+          </a:lstStyle>
+          <a:p>
+            <a:pPr algn="ctr"/>
+            <a:r>
+              <a:rPr lang="en-US" altLang="zh-CN" sz="8000" spc="300" dirty="0">
+                <a:solidFill>
+                  <a:schemeClr val="accent4">
+                    <a:lumMod val="60000"/>
+                    <a:lumOff val="40000"/>
+                    <a:alpha val="60000"/>
+                  </a:schemeClr>
+                </a:solidFill>
+                <a:latin typeface="Amatic SC" panose="020F0502020204030204" pitchFamily="2" charset="-79"/>
+                <a:cs typeface="Amatic SC" panose="020F0502020204030204" pitchFamily="2" charset="-79"/>
+              </a:rPr>
+              <a:t>Time the Game</a:t>
+            </a:r>
+          </a:p>
+        </p:txBody>
+      </p:sp>
+      <p:pic>
+        <p:nvPicPr>
+          <p:cNvPr id="13" name="Picture 12">
+            <a:extLst>
+              <a:ext uri="{FF2B5EF4-FFF2-40B4-BE49-F238E27FC236}">
+                <a16:creationId xmlns:a16="http://schemas.microsoft.com/office/drawing/2014/main" id="{7F5DA6D0-EC05-BF62-4ADE-21588C1EE51D}"/>
+              </a:ext>
+            </a:extLst>
+          </p:cNvPr>
+          <p:cNvPicPr>
+            <a:picLocks noChangeAspect="1"/>
+          </p:cNvPicPr>
+          <p:nvPr/>
+        </p:nvPicPr>
+        <p:blipFill>
+          <a:blip r:embed="rId2">
+            <a:extLst>
+              <a:ext uri="{28A0092B-C50C-407E-A947-70E740481C1C}">
+                <a14:useLocalDpi xmlns:a14="http://schemas.microsoft.com/office/drawing/2010/main" val="0"/>
+              </a:ext>
+            </a:extLst>
+          </a:blip>
+          <a:stretch>
+            <a:fillRect/>
+          </a:stretch>
+        </p:blipFill>
+        <p:spPr>
+          <a:xfrm>
+            <a:off x="1054150" y="1890100"/>
+            <a:ext cx="10083700" cy="4175023"/>
+          </a:xfrm>
+          <a:prstGeom prst="rect">
+            <a:avLst/>
+          </a:prstGeom>
+        </p:spPr>
+      </p:pic>
+      <p:pic>
+        <p:nvPicPr>
+          <p:cNvPr id="15" name="Picture 14">
+            <a:extLst>
+              <a:ext uri="{FF2B5EF4-FFF2-40B4-BE49-F238E27FC236}">
+                <a16:creationId xmlns:a16="http://schemas.microsoft.com/office/drawing/2014/main" id="{9F1D5776-9A82-A032-BE29-2B45F7E8A571}"/>
+              </a:ext>
+            </a:extLst>
+          </p:cNvPr>
+          <p:cNvPicPr>
+            <a:picLocks noChangeAspect="1"/>
+          </p:cNvPicPr>
+          <p:nvPr/>
+        </p:nvPicPr>
+        <p:blipFill>
+          <a:blip r:embed="rId3">
+            <a:extLst>
+              <a:ext uri="{28A0092B-C50C-407E-A947-70E740481C1C}">
+                <a14:useLocalDpi xmlns:a14="http://schemas.microsoft.com/office/drawing/2010/main" val="0"/>
+              </a:ext>
+            </a:extLst>
+          </a:blip>
+          <a:stretch>
+            <a:fillRect/>
+          </a:stretch>
+        </p:blipFill>
+        <p:spPr>
+          <a:xfrm>
+            <a:off x="9896241" y="3375607"/>
+            <a:ext cx="519586" cy="602003"/>
+          </a:xfrm>
+          <a:prstGeom prst="rect">
+            <a:avLst/>
+          </a:prstGeom>
+        </p:spPr>
+      </p:pic>
+      <p:pic>
+        <p:nvPicPr>
+          <p:cNvPr id="17" name="Picture 16">
+            <a:extLst>
+              <a:ext uri="{FF2B5EF4-FFF2-40B4-BE49-F238E27FC236}">
+                <a16:creationId xmlns:a16="http://schemas.microsoft.com/office/drawing/2014/main" id="{5A5CB573-AB17-366F-83B0-EA9A40E245FB}"/>
+              </a:ext>
+            </a:extLst>
+          </p:cNvPr>
+          <p:cNvPicPr>
+            <a:picLocks noChangeAspect="1"/>
+          </p:cNvPicPr>
+          <p:nvPr/>
+        </p:nvPicPr>
+        <p:blipFill>
+          <a:blip r:embed="rId4">
+            <a:extLst>
+              <a:ext uri="{28A0092B-C50C-407E-A947-70E740481C1C}">
+                <a14:useLocalDpi xmlns:a14="http://schemas.microsoft.com/office/drawing/2010/main" val="0"/>
+              </a:ext>
+            </a:extLst>
+          </a:blip>
+          <a:stretch>
+            <a:fillRect/>
+          </a:stretch>
+        </p:blipFill>
+        <p:spPr>
+          <a:xfrm>
+            <a:off x="1776173" y="3375608"/>
+            <a:ext cx="519586" cy="602003"/>
+          </a:xfrm>
+          <a:prstGeom prst="rect">
+            <a:avLst/>
+          </a:prstGeom>
+        </p:spPr>
+      </p:pic>
+      <p:pic>
+        <p:nvPicPr>
+          <p:cNvPr id="19" name="Picture 18">
+            <a:extLst>
+              <a:ext uri="{FF2B5EF4-FFF2-40B4-BE49-F238E27FC236}">
+                <a16:creationId xmlns:a16="http://schemas.microsoft.com/office/drawing/2014/main" id="{90B4C464-79DC-1680-1684-CD25E2B007E9}"/>
+              </a:ext>
+            </a:extLst>
+          </p:cNvPr>
+          <p:cNvPicPr>
+            <a:picLocks noChangeAspect="1"/>
+          </p:cNvPicPr>
+          <p:nvPr/>
+        </p:nvPicPr>
+        <p:blipFill>
+          <a:blip r:embed="rId5">
+            <a:extLst>
+              <a:ext uri="{28A0092B-C50C-407E-A947-70E740481C1C}">
+                <a14:useLocalDpi xmlns:a14="http://schemas.microsoft.com/office/drawing/2010/main" val="0"/>
+              </a:ext>
+            </a:extLst>
+          </a:blip>
+          <a:stretch>
+            <a:fillRect/>
+          </a:stretch>
+        </p:blipFill>
+        <p:spPr>
+          <a:xfrm>
+            <a:off x="9965476" y="4973086"/>
+            <a:ext cx="730796" cy="898735"/>
+          </a:xfrm>
+          <a:prstGeom prst="rect">
+            <a:avLst/>
+          </a:prstGeom>
+        </p:spPr>
+      </p:pic>
+      <p:pic>
+        <p:nvPicPr>
+          <p:cNvPr id="22" name="Picture 21">
+            <a:extLst>
+              <a:ext uri="{FF2B5EF4-FFF2-40B4-BE49-F238E27FC236}">
+                <a16:creationId xmlns:a16="http://schemas.microsoft.com/office/drawing/2014/main" id="{525FF70F-6C45-239F-A720-93F526D1BAC9}"/>
+              </a:ext>
+            </a:extLst>
+          </p:cNvPr>
+          <p:cNvPicPr>
+            <a:picLocks noChangeAspect="1"/>
+          </p:cNvPicPr>
+          <p:nvPr/>
+        </p:nvPicPr>
+        <p:blipFill>
+          <a:blip r:embed="rId6">
+            <a:alphaModFix amt="20000"/>
+            <a:extLst>
+              <a:ext uri="{28A0092B-C50C-407E-A947-70E740481C1C}">
+                <a14:useLocalDpi xmlns:a14="http://schemas.microsoft.com/office/drawing/2010/main" val="0"/>
+              </a:ext>
+            </a:extLst>
+          </a:blip>
+          <a:stretch>
+            <a:fillRect/>
+          </a:stretch>
+        </p:blipFill>
+        <p:spPr>
+          <a:xfrm>
+            <a:off x="1566024" y="4328426"/>
+            <a:ext cx="812842" cy="1128771"/>
+          </a:xfrm>
+          <a:prstGeom prst="rect">
+            <a:avLst/>
+          </a:prstGeom>
+        </p:spPr>
+      </p:pic>
+      <p:pic>
+        <p:nvPicPr>
+          <p:cNvPr id="23" name="Picture 22">
+            <a:extLst>
+              <a:ext uri="{FF2B5EF4-FFF2-40B4-BE49-F238E27FC236}">
+                <a16:creationId xmlns:a16="http://schemas.microsoft.com/office/drawing/2014/main" id="{19F2B494-3244-9F06-2684-BDCFFFF525BF}"/>
+              </a:ext>
+            </a:extLst>
+          </p:cNvPr>
+          <p:cNvPicPr>
+            <a:picLocks noChangeAspect="1"/>
+          </p:cNvPicPr>
+          <p:nvPr/>
+        </p:nvPicPr>
+        <p:blipFill>
+          <a:blip r:embed="rId6">
+            <a:extLst>
+              <a:ext uri="{28A0092B-C50C-407E-A947-70E740481C1C}">
+                <a14:useLocalDpi xmlns:a14="http://schemas.microsoft.com/office/drawing/2010/main" val="0"/>
+              </a:ext>
+            </a:extLst>
+          </a:blip>
+          <a:stretch>
+            <a:fillRect/>
+          </a:stretch>
+        </p:blipFill>
+        <p:spPr>
+          <a:xfrm>
+            <a:off x="9523898" y="4328426"/>
+            <a:ext cx="812842" cy="1128771"/>
+          </a:xfrm>
+          <a:prstGeom prst="rect">
+            <a:avLst/>
+          </a:prstGeom>
+        </p:spPr>
+      </p:pic>
+      <p:sp>
+        <p:nvSpPr>
+          <p:cNvPr id="24" name="TextBox 23">
+            <a:extLst>
+              <a:ext uri="{FF2B5EF4-FFF2-40B4-BE49-F238E27FC236}">
+                <a16:creationId xmlns:a16="http://schemas.microsoft.com/office/drawing/2014/main" id="{047F7E53-4D9A-BC1D-9175-28BDED2DF067}"/>
+              </a:ext>
+            </a:extLst>
+          </p:cNvPr>
+          <p:cNvSpPr txBox="1"/>
+          <p:nvPr/>
+        </p:nvSpPr>
+        <p:spPr>
+          <a:xfrm>
+            <a:off x="909570" y="2767682"/>
+            <a:ext cx="2125750" cy="523220"/>
+          </a:xfrm>
+          <a:prstGeom prst="rect">
+            <a:avLst/>
+          </a:prstGeom>
+          <a:noFill/>
+        </p:spPr>
+        <p:txBody>
+          <a:bodyPr wrap="square" rtlCol="0">
+            <a:spAutoFit/>
+          </a:bodyPr>
+          <a:lstStyle/>
+          <a:p>
+            <a:pPr algn="ctr"/>
+            <a:r>
+              <a:rPr lang="en-US" altLang="zh-CN" sz="2800" dirty="0">
+                <a:solidFill>
+                  <a:schemeClr val="tx1">
+                    <a:lumMod val="65000"/>
+                    <a:lumOff val="35000"/>
+                  </a:schemeClr>
+                </a:solidFill>
+                <a:latin typeface="High Tower Text" panose="02040502050506030303" pitchFamily="18" charset="0"/>
+              </a:rPr>
+              <a:t>Start: 0</a:t>
+            </a:r>
+            <a:endParaRPr lang="zh-CN" altLang="en-US" sz="2800" dirty="0">
+              <a:solidFill>
+                <a:schemeClr val="tx1">
+                  <a:lumMod val="65000"/>
+                  <a:lumOff val="35000"/>
+                </a:schemeClr>
+              </a:solidFill>
+              <a:latin typeface="High Tower Text" panose="02040502050506030303" pitchFamily="18" charset="0"/>
+            </a:endParaRPr>
+          </a:p>
+        </p:txBody>
+      </p:sp>
+      <p:sp>
+        <p:nvSpPr>
+          <p:cNvPr id="25" name="TextBox 24">
+            <a:extLst>
+              <a:ext uri="{FF2B5EF4-FFF2-40B4-BE49-F238E27FC236}">
+                <a16:creationId xmlns:a16="http://schemas.microsoft.com/office/drawing/2014/main" id="{666EED67-7926-3206-6928-D60EF329E092}"/>
+              </a:ext>
+            </a:extLst>
+          </p:cNvPr>
+          <p:cNvSpPr txBox="1"/>
+          <p:nvPr/>
+        </p:nvSpPr>
+        <p:spPr>
+          <a:xfrm>
+            <a:off x="8995434" y="2763180"/>
+            <a:ext cx="2125750" cy="523220"/>
+          </a:xfrm>
+          <a:prstGeom prst="rect">
+            <a:avLst/>
+          </a:prstGeom>
+          <a:noFill/>
+        </p:spPr>
+        <p:txBody>
+          <a:bodyPr wrap="square" rtlCol="0">
+            <a:spAutoFit/>
+          </a:bodyPr>
+          <a:lstStyle/>
+          <a:p>
+            <a:pPr algn="ctr"/>
+            <a:r>
+              <a:rPr lang="en-US" altLang="zh-CN" sz="2800" dirty="0">
+                <a:solidFill>
+                  <a:schemeClr val="tx1">
+                    <a:lumMod val="65000"/>
+                    <a:lumOff val="35000"/>
+                  </a:schemeClr>
+                </a:solidFill>
+                <a:latin typeface="High Tower Text" panose="02040502050506030303" pitchFamily="18" charset="0"/>
+              </a:rPr>
+              <a:t>Finish: 30</a:t>
+            </a:r>
+            <a:endParaRPr lang="zh-CN" altLang="en-US" sz="2800" dirty="0">
+              <a:solidFill>
+                <a:schemeClr val="tx1">
+                  <a:lumMod val="65000"/>
+                  <a:lumOff val="35000"/>
+                </a:schemeClr>
+              </a:solidFill>
+              <a:latin typeface="High Tower Text" panose="02040502050506030303" pitchFamily="18" charset="0"/>
+            </a:endParaRPr>
+          </a:p>
+        </p:txBody>
+      </p:sp>
+      <p:pic>
+        <p:nvPicPr>
+          <p:cNvPr id="26" name="Picture 25">
+            <a:extLst>
+              <a:ext uri="{FF2B5EF4-FFF2-40B4-BE49-F238E27FC236}">
+                <a16:creationId xmlns:a16="http://schemas.microsoft.com/office/drawing/2014/main" id="{2B4EECD9-4AFE-76B9-DAF6-33A5CD541FB4}"/>
+              </a:ext>
+            </a:extLst>
+          </p:cNvPr>
+          <p:cNvPicPr>
+            <a:picLocks noChangeAspect="1"/>
+          </p:cNvPicPr>
+          <p:nvPr/>
+        </p:nvPicPr>
+        <p:blipFill>
+          <a:blip r:embed="rId6">
+            <a:alphaModFix amt="40000"/>
+            <a:extLst>
+              <a:ext uri="{28A0092B-C50C-407E-A947-70E740481C1C}">
+                <a14:useLocalDpi xmlns:a14="http://schemas.microsoft.com/office/drawing/2010/main" val="0"/>
+              </a:ext>
+            </a:extLst>
+          </a:blip>
+          <a:stretch>
+            <a:fillRect/>
+          </a:stretch>
+        </p:blipFill>
+        <p:spPr>
+          <a:xfrm>
+            <a:off x="3622702" y="4328426"/>
+            <a:ext cx="812842" cy="1128771"/>
+          </a:xfrm>
+          <a:prstGeom prst="rect">
+            <a:avLst/>
+          </a:prstGeom>
+        </p:spPr>
+      </p:pic>
+      <p:pic>
+        <p:nvPicPr>
+          <p:cNvPr id="27" name="Picture 26">
+            <a:extLst>
+              <a:ext uri="{FF2B5EF4-FFF2-40B4-BE49-F238E27FC236}">
+                <a16:creationId xmlns:a16="http://schemas.microsoft.com/office/drawing/2014/main" id="{55F2AB5B-C6F7-860D-A2E2-ACA74CF40BDD}"/>
+              </a:ext>
+            </a:extLst>
+          </p:cNvPr>
+          <p:cNvPicPr>
+            <a:picLocks noChangeAspect="1"/>
+          </p:cNvPicPr>
+          <p:nvPr/>
+        </p:nvPicPr>
+        <p:blipFill>
+          <a:blip r:embed="rId6">
+            <a:alphaModFix amt="60000"/>
+            <a:extLst>
+              <a:ext uri="{28A0092B-C50C-407E-A947-70E740481C1C}">
+                <a14:useLocalDpi xmlns:a14="http://schemas.microsoft.com/office/drawing/2010/main" val="0"/>
+              </a:ext>
+            </a:extLst>
+          </a:blip>
+          <a:stretch>
+            <a:fillRect/>
+          </a:stretch>
+        </p:blipFill>
+        <p:spPr>
+          <a:xfrm>
+            <a:off x="5679381" y="4328426"/>
+            <a:ext cx="812842" cy="1128771"/>
+          </a:xfrm>
+          <a:prstGeom prst="rect">
+            <a:avLst/>
+          </a:prstGeom>
+        </p:spPr>
+      </p:pic>
+      <p:pic>
+        <p:nvPicPr>
+          <p:cNvPr id="28" name="Picture 27">
+            <a:extLst>
+              <a:ext uri="{FF2B5EF4-FFF2-40B4-BE49-F238E27FC236}">
+                <a16:creationId xmlns:a16="http://schemas.microsoft.com/office/drawing/2014/main" id="{9640468A-7F1A-FCB7-9682-4A03CF301A33}"/>
+              </a:ext>
+            </a:extLst>
+          </p:cNvPr>
+          <p:cNvPicPr>
+            <a:picLocks noChangeAspect="1"/>
+          </p:cNvPicPr>
+          <p:nvPr/>
+        </p:nvPicPr>
+        <p:blipFill>
+          <a:blip r:embed="rId6">
+            <a:alphaModFix amt="80000"/>
+            <a:extLst>
+              <a:ext uri="{28A0092B-C50C-407E-A947-70E740481C1C}">
+                <a14:useLocalDpi xmlns:a14="http://schemas.microsoft.com/office/drawing/2010/main" val="0"/>
+              </a:ext>
+            </a:extLst>
+          </a:blip>
+          <a:stretch>
+            <a:fillRect/>
+          </a:stretch>
+        </p:blipFill>
+        <p:spPr>
+          <a:xfrm>
+            <a:off x="7656906" y="4328425"/>
+            <a:ext cx="812842" cy="1128771"/>
+          </a:xfrm>
+          <a:prstGeom prst="rect">
+            <a:avLst/>
+          </a:prstGeom>
+        </p:spPr>
+      </p:pic>
+      <p:cxnSp>
+        <p:nvCxnSpPr>
+          <p:cNvPr id="30" name="Straight Arrow Connector 29">
+            <a:extLst>
+              <a:ext uri="{FF2B5EF4-FFF2-40B4-BE49-F238E27FC236}">
+                <a16:creationId xmlns:a16="http://schemas.microsoft.com/office/drawing/2014/main" id="{77A3D4E9-835C-C386-520E-B2BDE547F9F4}"/>
+              </a:ext>
+            </a:extLst>
+          </p:cNvPr>
+          <p:cNvCxnSpPr>
+            <a:cxnSpLocks/>
+          </p:cNvCxnSpPr>
+          <p:nvPr/>
+        </p:nvCxnSpPr>
+        <p:spPr>
+          <a:xfrm>
+            <a:off x="2506980" y="3692529"/>
+            <a:ext cx="7124700" cy="0"/>
+          </a:xfrm>
+          <a:prstGeom prst="straightConnector1">
+            <a:avLst/>
+          </a:prstGeom>
+          <a:ln w="38100">
+            <a:solidFill>
+              <a:schemeClr val="tx1">
+                <a:lumMod val="50000"/>
+                <a:lumOff val="50000"/>
+              </a:schemeClr>
+            </a:solidFill>
+            <a:prstDash val="sysDash"/>
+            <a:headEnd type="triangle"/>
+            <a:tailEnd type="triangle"/>
+          </a:ln>
+        </p:spPr>
+        <p:style>
+          <a:lnRef idx="1">
+            <a:schemeClr val="accent1"/>
+          </a:lnRef>
+          <a:fillRef idx="0">
+            <a:schemeClr val="accent1"/>
+          </a:fillRef>
+          <a:effectRef idx="0">
+            <a:schemeClr val="accent1"/>
+          </a:effectRef>
+          <a:fontRef idx="minor">
+            <a:schemeClr val="tx1"/>
+          </a:fontRef>
+        </p:style>
+      </p:cxnSp>
+      <p:sp>
+        <p:nvSpPr>
+          <p:cNvPr id="33" name="TextBox 32">
+            <a:extLst>
+              <a:ext uri="{FF2B5EF4-FFF2-40B4-BE49-F238E27FC236}">
+                <a16:creationId xmlns:a16="http://schemas.microsoft.com/office/drawing/2014/main" id="{AEC3065A-0653-3535-CEF6-E2CECE01D360}"/>
+              </a:ext>
+            </a:extLst>
+          </p:cNvPr>
+          <p:cNvSpPr txBox="1"/>
+          <p:nvPr/>
+        </p:nvSpPr>
+        <p:spPr>
+          <a:xfrm>
+            <a:off x="3991697" y="3276498"/>
+            <a:ext cx="4188210" cy="400110"/>
+          </a:xfrm>
+          <a:prstGeom prst="rect">
+            <a:avLst/>
+          </a:prstGeom>
+          <a:noFill/>
+        </p:spPr>
+        <p:txBody>
+          <a:bodyPr wrap="square" rtlCol="0">
+            <a:spAutoFit/>
+          </a:bodyPr>
+          <a:lstStyle/>
+          <a:p>
+            <a:pPr algn="ctr"/>
+            <a:r>
+              <a:rPr lang="en-US" altLang="zh-CN" sz="2000" dirty="0">
+                <a:solidFill>
+                  <a:schemeClr val="tx1">
+                    <a:lumMod val="65000"/>
+                    <a:lumOff val="35000"/>
+                  </a:schemeClr>
+                </a:solidFill>
+                <a:latin typeface="High Tower Text" panose="02040502050506030303" pitchFamily="18" charset="0"/>
+              </a:rPr>
+              <a:t>Total time: 30 seconds</a:t>
+            </a:r>
+            <a:endParaRPr lang="zh-CN" altLang="en-US" sz="2000" dirty="0">
+              <a:solidFill>
+                <a:schemeClr val="tx1">
+                  <a:lumMod val="65000"/>
+                  <a:lumOff val="35000"/>
+                </a:schemeClr>
+              </a:solidFill>
+              <a:latin typeface="High Tower Text" panose="02040502050506030303" pitchFamily="18" charset="0"/>
+            </a:endParaRPr>
+          </a:p>
+        </p:txBody>
+      </p:sp>
+    </p:spTree>
+    <p:extLst>
+      <p:ext uri="{BB962C8B-B14F-4D97-AF65-F5344CB8AC3E}">
+        <p14:creationId xmlns:p14="http://schemas.microsoft.com/office/powerpoint/2010/main" val="2061891982"/>
+      </p:ext>
+    </p:extLst>
+  </p:cSld>
+  <p:clrMapOvr>
+    <a:masterClrMapping/>
+  </p:clrMapOvr>
+</p:sld>
+</file>
+
+<file path=ppt/slides/slide35.xml><?xml version="1.0" encoding="utf-8"?>
+<p:sld xmlns:a="http://schemas.openxmlformats.org/drawingml/2006/main" xmlns:r="http://schemas.openxmlformats.org/officeDocument/2006/relationships" xmlns:p="http://schemas.openxmlformats.org/presentationml/2006/main">
+  <p:cSld>
+    <p:spTree>
+      <p:nvGrpSpPr>
+        <p:cNvPr id="1" name="">
+          <a:extLst>
+            <a:ext uri="{FF2B5EF4-FFF2-40B4-BE49-F238E27FC236}">
+              <a16:creationId xmlns:a16="http://schemas.microsoft.com/office/drawing/2014/main" id="{B514B076-38A0-DF62-92FD-E33912638FB6}"/>
+            </a:ext>
+          </a:extLst>
+        </p:cNvPr>
+        <p:cNvGrpSpPr/>
+        <p:nvPr/>
+      </p:nvGrpSpPr>
+      <p:grpSpPr>
+        <a:xfrm>
+          <a:off x="0" y="0"/>
+          <a:ext cx="0" cy="0"/>
+          <a:chOff x="0" y="0"/>
+          <a:chExt cx="0" cy="0"/>
+        </a:xfrm>
+      </p:grpSpPr>
+      <p:sp>
+        <p:nvSpPr>
+          <p:cNvPr id="6" name="Rectangle 5">
+            <a:extLst>
+              <a:ext uri="{FF2B5EF4-FFF2-40B4-BE49-F238E27FC236}">
+                <a16:creationId xmlns:a16="http://schemas.microsoft.com/office/drawing/2014/main" id="{B6DC43A0-91B3-4CF6-F179-4C9F653113AF}"/>
+              </a:ext>
+            </a:extLst>
+          </p:cNvPr>
+          <p:cNvSpPr/>
+          <p:nvPr/>
+        </p:nvSpPr>
+        <p:spPr>
+          <a:xfrm>
+            <a:off x="0" y="0"/>
+            <a:ext cx="12192000" cy="6858000"/>
+          </a:xfrm>
+          <a:prstGeom prst="rect">
+            <a:avLst/>
+          </a:prstGeom>
+          <a:solidFill>
+            <a:srgbClr val="23242A"/>
+          </a:solidFill>
+          <a:ln>
+            <a:noFill/>
+          </a:ln>
+        </p:spPr>
+        <p:style>
+          <a:lnRef idx="2">
+            <a:schemeClr val="accent1">
+              <a:shade val="15000"/>
+            </a:schemeClr>
+          </a:lnRef>
+          <a:fillRef idx="1">
+            <a:schemeClr val="accent1"/>
+          </a:fillRef>
+          <a:effectRef idx="0">
+            <a:schemeClr val="accent1"/>
+          </a:effectRef>
+          <a:fontRef idx="minor">
+            <a:schemeClr val="lt1"/>
+          </a:fontRef>
+        </p:style>
+        <p:txBody>
+          <a:bodyPr rtlCol="0" anchor="ctr"/>
+          <a:lstStyle/>
+          <a:p>
+            <a:pPr algn="ctr"/>
+            <a:endParaRPr lang="zh-CN" altLang="en-US" dirty="0"/>
+          </a:p>
+        </p:txBody>
+      </p:sp>
+      <p:sp>
+        <p:nvSpPr>
+          <p:cNvPr id="2" name="Slide Number Placeholder 1">
+            <a:extLst>
+              <a:ext uri="{FF2B5EF4-FFF2-40B4-BE49-F238E27FC236}">
+                <a16:creationId xmlns:a16="http://schemas.microsoft.com/office/drawing/2014/main" id="{AB230288-7C3A-E6DD-B3E7-512A2EEC893E}"/>
+              </a:ext>
+            </a:extLst>
+          </p:cNvPr>
+          <p:cNvSpPr>
+            <a:spLocks noGrp="1"/>
+          </p:cNvSpPr>
+          <p:nvPr>
+            <p:ph type="sldNum" sz="quarter" idx="12"/>
+          </p:nvPr>
+        </p:nvSpPr>
+        <p:spPr>
+          <a:xfrm>
+            <a:off x="9057739" y="6259509"/>
+            <a:ext cx="2743200" cy="365125"/>
+          </a:xfrm>
+        </p:spPr>
+        <p:txBody>
+          <a:bodyPr/>
+          <a:lstStyle/>
+          <a:p>
+            <a:fld id="{9B1EC109-1E15-4BCA-93B5-56442BB3443E}" type="slidenum">
+              <a:rPr lang="zh-CN" altLang="en-US" sz="2400" b="1" smtClean="0">
+                <a:solidFill>
+                  <a:schemeClr val="bg1">
+                    <a:lumMod val="65000"/>
+                  </a:schemeClr>
+                </a:solidFill>
+                <a:latin typeface="Bradley Hand ITC" panose="03070402050302030203" pitchFamily="66" charset="0"/>
+              </a:rPr>
+              <a:t>35</a:t>
+            </a:fld>
+            <a:endParaRPr lang="zh-CN" altLang="en-US" sz="2400" b="1" dirty="0">
+              <a:solidFill>
+                <a:schemeClr val="bg1">
+                  <a:lumMod val="65000"/>
+                </a:schemeClr>
+              </a:solidFill>
+              <a:latin typeface="Bradley Hand ITC" panose="03070402050302030203" pitchFamily="66" charset="0"/>
+            </a:endParaRPr>
+          </a:p>
+        </p:txBody>
+      </p:sp>
+      <p:sp>
+        <p:nvSpPr>
+          <p:cNvPr id="3" name="Google Shape;867;p33">
+            <a:extLst>
+              <a:ext uri="{FF2B5EF4-FFF2-40B4-BE49-F238E27FC236}">
+                <a16:creationId xmlns:a16="http://schemas.microsoft.com/office/drawing/2014/main" id="{E2A25786-A148-4391-57D1-B1254249C410}"/>
+              </a:ext>
+            </a:extLst>
+          </p:cNvPr>
+          <p:cNvSpPr txBox="1">
+            <a:spLocks/>
+          </p:cNvSpPr>
+          <p:nvPr/>
+        </p:nvSpPr>
+        <p:spPr>
+          <a:xfrm>
+            <a:off x="2222600" y="143850"/>
+            <a:ext cx="7746800" cy="1602400"/>
+          </a:xfrm>
+          <a:prstGeom prst="rect">
+            <a:avLst/>
+          </a:prstGeom>
+          <a:noFill/>
+          <a:ln>
+            <a:noFill/>
+          </a:ln>
+        </p:spPr>
+        <p:txBody>
+          <a:bodyPr spcFirstLastPara="1" wrap="square" lIns="91425" tIns="91425" rIns="91425" bIns="91425" anchor="b" anchorCtr="0">
+            <a:noAutofit/>
+          </a:bodyPr>
+          <a:lstStyle>
+            <a:defPPr marR="0" lvl="0" algn="l" rtl="0">
+              <a:lnSpc>
+                <a:spcPct val="100000"/>
+              </a:lnSpc>
+              <a:spcBef>
+                <a:spcPts val="0"/>
+              </a:spcBef>
+              <a:spcAft>
+                <a:spcPts val="0"/>
+              </a:spcAft>
+            </a:defPPr>
+            <a:lvl1pPr marR="0" lvl="0" algn="l" rtl="0">
+              <a:lnSpc>
+                <a:spcPct val="100000"/>
+              </a:lnSpc>
+              <a:spcBef>
+                <a:spcPts val="0"/>
+              </a:spcBef>
+              <a:spcAft>
+                <a:spcPts val="0"/>
+              </a:spcAft>
+              <a:buClr>
+                <a:schemeClr val="dk1"/>
+              </a:buClr>
+              <a:buSzPts val="3600"/>
+              <a:buFont typeface="Barlow"/>
+              <a:buNone/>
+              <a:defRPr sz="7200" b="1" i="0" u="none" strike="noStrike" cap="none">
+                <a:solidFill>
+                  <a:schemeClr val="dk1"/>
+                </a:solidFill>
+                <a:latin typeface="Barlow"/>
+                <a:ea typeface="Barlow"/>
+                <a:cs typeface="Barlow"/>
+                <a:sym typeface="Barlow"/>
+              </a:defRPr>
+            </a:lvl1pPr>
+            <a:lvl2pPr marR="0" lvl="1" algn="ctr" rtl="0">
+              <a:lnSpc>
+                <a:spcPct val="100000"/>
+              </a:lnSpc>
+              <a:spcBef>
+                <a:spcPts val="0"/>
+              </a:spcBef>
+              <a:spcAft>
+                <a:spcPts val="0"/>
+              </a:spcAft>
+              <a:buClr>
+                <a:schemeClr val="dk1"/>
+              </a:buClr>
+              <a:buSzPts val="3600"/>
+              <a:buFont typeface="Barlow"/>
+              <a:buNone/>
+              <a:defRPr sz="3600" b="1" i="0" u="none" strike="noStrike" cap="none">
+                <a:solidFill>
+                  <a:schemeClr val="dk1"/>
+                </a:solidFill>
+                <a:latin typeface="Barlow"/>
+                <a:ea typeface="Barlow"/>
+                <a:cs typeface="Barlow"/>
+                <a:sym typeface="Barlow"/>
+              </a:defRPr>
+            </a:lvl2pPr>
+            <a:lvl3pPr marR="0" lvl="2" algn="ctr" rtl="0">
+              <a:lnSpc>
+                <a:spcPct val="100000"/>
+              </a:lnSpc>
+              <a:spcBef>
+                <a:spcPts val="0"/>
+              </a:spcBef>
+              <a:spcAft>
+                <a:spcPts val="0"/>
+              </a:spcAft>
+              <a:buClr>
+                <a:schemeClr val="dk1"/>
+              </a:buClr>
+              <a:buSzPts val="3600"/>
+              <a:buFont typeface="Barlow"/>
+              <a:buNone/>
+              <a:defRPr sz="3600" b="1" i="0" u="none" strike="noStrike" cap="none">
+                <a:solidFill>
+                  <a:schemeClr val="dk1"/>
+                </a:solidFill>
+                <a:latin typeface="Barlow"/>
+                <a:ea typeface="Barlow"/>
+                <a:cs typeface="Barlow"/>
+                <a:sym typeface="Barlow"/>
+              </a:defRPr>
+            </a:lvl3pPr>
+            <a:lvl4pPr marR="0" lvl="3" algn="ctr" rtl="0">
+              <a:lnSpc>
+                <a:spcPct val="100000"/>
+              </a:lnSpc>
+              <a:spcBef>
+                <a:spcPts val="0"/>
+              </a:spcBef>
+              <a:spcAft>
+                <a:spcPts val="0"/>
+              </a:spcAft>
+              <a:buClr>
+                <a:schemeClr val="dk1"/>
+              </a:buClr>
+              <a:buSzPts val="3600"/>
+              <a:buFont typeface="Barlow"/>
+              <a:buNone/>
+              <a:defRPr sz="3600" b="1" i="0" u="none" strike="noStrike" cap="none">
+                <a:solidFill>
+                  <a:schemeClr val="dk1"/>
+                </a:solidFill>
+                <a:latin typeface="Barlow"/>
+                <a:ea typeface="Barlow"/>
+                <a:cs typeface="Barlow"/>
+                <a:sym typeface="Barlow"/>
+              </a:defRPr>
+            </a:lvl4pPr>
+            <a:lvl5pPr marR="0" lvl="4" algn="ctr" rtl="0">
+              <a:lnSpc>
+                <a:spcPct val="100000"/>
+              </a:lnSpc>
+              <a:spcBef>
+                <a:spcPts val="0"/>
+              </a:spcBef>
+              <a:spcAft>
+                <a:spcPts val="0"/>
+              </a:spcAft>
+              <a:buClr>
+                <a:schemeClr val="dk1"/>
+              </a:buClr>
+              <a:buSzPts val="3600"/>
+              <a:buFont typeface="Barlow"/>
+              <a:buNone/>
+              <a:defRPr sz="3600" b="1" i="0" u="none" strike="noStrike" cap="none">
+                <a:solidFill>
+                  <a:schemeClr val="dk1"/>
+                </a:solidFill>
+                <a:latin typeface="Barlow"/>
+                <a:ea typeface="Barlow"/>
+                <a:cs typeface="Barlow"/>
+                <a:sym typeface="Barlow"/>
+              </a:defRPr>
+            </a:lvl5pPr>
+            <a:lvl6pPr marR="0" lvl="5" algn="ctr" rtl="0">
+              <a:lnSpc>
+                <a:spcPct val="100000"/>
+              </a:lnSpc>
+              <a:spcBef>
+                <a:spcPts val="0"/>
+              </a:spcBef>
+              <a:spcAft>
+                <a:spcPts val="0"/>
+              </a:spcAft>
+              <a:buClr>
+                <a:schemeClr val="dk1"/>
+              </a:buClr>
+              <a:buSzPts val="3600"/>
+              <a:buFont typeface="Barlow"/>
+              <a:buNone/>
+              <a:defRPr sz="3600" b="1" i="0" u="none" strike="noStrike" cap="none">
+                <a:solidFill>
+                  <a:schemeClr val="dk1"/>
+                </a:solidFill>
+                <a:latin typeface="Barlow"/>
+                <a:ea typeface="Barlow"/>
+                <a:cs typeface="Barlow"/>
+                <a:sym typeface="Barlow"/>
+              </a:defRPr>
+            </a:lvl6pPr>
+            <a:lvl7pPr marR="0" lvl="6" algn="ctr" rtl="0">
+              <a:lnSpc>
+                <a:spcPct val="100000"/>
+              </a:lnSpc>
+              <a:spcBef>
+                <a:spcPts val="0"/>
+              </a:spcBef>
+              <a:spcAft>
+                <a:spcPts val="0"/>
+              </a:spcAft>
+              <a:buClr>
+                <a:schemeClr val="dk1"/>
+              </a:buClr>
+              <a:buSzPts val="3600"/>
+              <a:buFont typeface="Barlow"/>
+              <a:buNone/>
+              <a:defRPr sz="3600" b="1" i="0" u="none" strike="noStrike" cap="none">
+                <a:solidFill>
+                  <a:schemeClr val="dk1"/>
+                </a:solidFill>
+                <a:latin typeface="Barlow"/>
+                <a:ea typeface="Barlow"/>
+                <a:cs typeface="Barlow"/>
+                <a:sym typeface="Barlow"/>
+              </a:defRPr>
+            </a:lvl7pPr>
+            <a:lvl8pPr marR="0" lvl="7" algn="ctr" rtl="0">
+              <a:lnSpc>
+                <a:spcPct val="100000"/>
+              </a:lnSpc>
+              <a:spcBef>
+                <a:spcPts val="0"/>
+              </a:spcBef>
+              <a:spcAft>
+                <a:spcPts val="0"/>
+              </a:spcAft>
+              <a:buClr>
+                <a:schemeClr val="dk1"/>
+              </a:buClr>
+              <a:buSzPts val="3600"/>
+              <a:buFont typeface="Barlow"/>
+              <a:buNone/>
+              <a:defRPr sz="3600" b="1" i="0" u="none" strike="noStrike" cap="none">
+                <a:solidFill>
+                  <a:schemeClr val="dk1"/>
+                </a:solidFill>
+                <a:latin typeface="Barlow"/>
+                <a:ea typeface="Barlow"/>
+                <a:cs typeface="Barlow"/>
+                <a:sym typeface="Barlow"/>
+              </a:defRPr>
+            </a:lvl8pPr>
+            <a:lvl9pPr marR="0" lvl="8" algn="ctr" rtl="0">
+              <a:lnSpc>
+                <a:spcPct val="100000"/>
+              </a:lnSpc>
+              <a:spcBef>
+                <a:spcPts val="0"/>
+              </a:spcBef>
+              <a:spcAft>
+                <a:spcPts val="0"/>
+              </a:spcAft>
+              <a:buClr>
+                <a:schemeClr val="dk1"/>
+              </a:buClr>
+              <a:buSzPts val="3600"/>
+              <a:buFont typeface="Barlow"/>
+              <a:buNone/>
+              <a:defRPr sz="3600" b="1" i="0" u="none" strike="noStrike" cap="none">
+                <a:solidFill>
+                  <a:schemeClr val="dk1"/>
+                </a:solidFill>
+                <a:latin typeface="Barlow"/>
+                <a:ea typeface="Barlow"/>
+                <a:cs typeface="Barlow"/>
+                <a:sym typeface="Barlow"/>
+              </a:defRPr>
+            </a:lvl9pPr>
+          </a:lstStyle>
+          <a:p>
+            <a:pPr algn="ctr"/>
+            <a:r>
+              <a:rPr lang="en-US" altLang="zh-CN" sz="8000" spc="300" dirty="0">
+                <a:solidFill>
+                  <a:schemeClr val="accent4">
+                    <a:lumMod val="60000"/>
+                    <a:lumOff val="40000"/>
+                    <a:alpha val="60000"/>
+                  </a:schemeClr>
+                </a:solidFill>
+                <a:latin typeface="Amatic SC" panose="020F0502020204030204" pitchFamily="2" charset="-79"/>
+                <a:cs typeface="Amatic SC" panose="020F0502020204030204" pitchFamily="2" charset="-79"/>
+              </a:rPr>
+              <a:t>Timer Block</a:t>
+            </a:r>
+          </a:p>
+        </p:txBody>
+      </p:sp>
+      <p:pic>
+        <p:nvPicPr>
+          <p:cNvPr id="5" name="Picture 4">
+            <a:extLst>
+              <a:ext uri="{FF2B5EF4-FFF2-40B4-BE49-F238E27FC236}">
+                <a16:creationId xmlns:a16="http://schemas.microsoft.com/office/drawing/2014/main" id="{F7D5E9FB-90FE-BA8B-DB40-A5DF36FC782A}"/>
+              </a:ext>
+            </a:extLst>
+          </p:cNvPr>
+          <p:cNvPicPr>
+            <a:picLocks noChangeAspect="1"/>
+          </p:cNvPicPr>
+          <p:nvPr/>
+        </p:nvPicPr>
+        <p:blipFill>
+          <a:blip r:embed="rId2">
+            <a:extLst>
+              <a:ext uri="{BEBA8EAE-BF5A-486C-A8C5-ECC9F3942E4B}">
+                <a14:imgProps xmlns:a14="http://schemas.microsoft.com/office/drawing/2010/main">
+                  <a14:imgLayer r:embed="rId3">
+                    <a14:imgEffect>
+                      <a14:backgroundRemoval t="9709" b="91748" l="1860" r="96512">
+                        <a14:foregroundMark x1="13953" y1="31553" x2="13953" y2="31553"/>
+                        <a14:foregroundMark x1="12093" y1="57282" x2="12093" y2="57282"/>
+                        <a14:foregroundMark x1="8372" y1="43689" x2="8372" y2="43689"/>
+                        <a14:foregroundMark x1="3721" y1="33495" x2="3721" y2="33495"/>
+                        <a14:foregroundMark x1="7907" y1="26214" x2="7907" y2="26214"/>
+                        <a14:foregroundMark x1="2558" y1="45146" x2="2558" y2="45146"/>
+                        <a14:foregroundMark x1="63256" y1="25728" x2="63256" y2="25728"/>
+                        <a14:foregroundMark x1="92791" y1="41748" x2="92791" y2="41748"/>
+                        <a14:foregroundMark x1="63953" y1="92233" x2="63953" y2="92233"/>
+                        <a14:foregroundMark x1="96512" y1="47573" x2="96512" y2="47573"/>
+                        <a14:foregroundMark x1="11860" y1="34466" x2="11860" y2="34466"/>
+                        <a14:foregroundMark x1="16512" y1="51456" x2="16512" y2="51456"/>
+                        <a14:foregroundMark x1="14419" y1="37379" x2="14419" y2="37379"/>
+                        <a14:foregroundMark x1="24651" y1="37379" x2="24651" y2="37379"/>
+                        <a14:foregroundMark x1="22093" y1="58738" x2="22093" y2="58738"/>
+                        <a14:foregroundMark x1="21395" y1="62621" x2="20465" y2="62621"/>
+                        <a14:foregroundMark x1="13953" y1="63592" x2="13953" y2="63592"/>
+                        <a14:foregroundMark x1="12093" y1="63107" x2="8372" y2="59709"/>
+                        <a14:foregroundMark x1="4651" y1="54854" x2="22093" y2="48058"/>
+                        <a14:foregroundMark x1="11163" y1="26699" x2="11163" y2="26699"/>
+                        <a14:foregroundMark x1="17442" y1="26214" x2="17442" y2="26214"/>
+                        <a14:foregroundMark x1="22326" y1="25728" x2="22326" y2="25728"/>
+                        <a14:foregroundMark x1="21395" y1="33495" x2="21395" y2="33495"/>
+                        <a14:foregroundMark x1="22093" y1="38350" x2="3256" y2="56796"/>
+                        <a14:foregroundMark x1="3256" y1="56796" x2="24186" y2="65049"/>
+                        <a14:foregroundMark x1="24186" y1="65049" x2="5349" y2="74272"/>
+                        <a14:foregroundMark x1="5349" y1="74272" x2="22791" y2="70874"/>
+                        <a14:foregroundMark x1="14884" y1="27670" x2="14884" y2="27670"/>
+                        <a14:foregroundMark x1="20465" y1="26214" x2="20465" y2="26214"/>
+                        <a14:foregroundMark x1="23953" y1="30097" x2="23953" y2="30097"/>
+                        <a14:foregroundMark x1="25814" y1="31553" x2="25814" y2="31553"/>
+                        <a14:foregroundMark x1="26512" y1="54854" x2="26512" y2="54854"/>
+                        <a14:foregroundMark x1="1860" y1="43689" x2="1860" y2="43689"/>
+                        <a14:foregroundMark x1="26512" y1="43689" x2="26512" y2="43689"/>
+                        <a14:foregroundMark x1="26279" y1="63107" x2="26279" y2="63107"/>
+                        <a14:foregroundMark x1="26047" y1="72330" x2="26047" y2="72330"/>
+                        <a14:foregroundMark x1="54419" y1="91748" x2="54419" y2="91748"/>
+                      </a14:backgroundRemoval>
+                    </a14:imgEffect>
+                  </a14:imgLayer>
+                </a14:imgProps>
+              </a:ext>
+              <a:ext uri="{28A0092B-C50C-407E-A947-70E740481C1C}">
+                <a14:useLocalDpi xmlns:a14="http://schemas.microsoft.com/office/drawing/2010/main" val="0"/>
+              </a:ext>
+            </a:extLst>
+          </a:blip>
+          <a:stretch>
+            <a:fillRect/>
+          </a:stretch>
+        </p:blipFill>
+        <p:spPr>
+          <a:xfrm>
+            <a:off x="7637948" y="5457951"/>
+            <a:ext cx="2459184" cy="1178121"/>
+          </a:xfrm>
+          <a:prstGeom prst="rect">
+            <a:avLst/>
+          </a:prstGeom>
+        </p:spPr>
+      </p:pic>
+      <p:pic>
+        <p:nvPicPr>
+          <p:cNvPr id="8" name="Picture 7">
+            <a:extLst>
+              <a:ext uri="{FF2B5EF4-FFF2-40B4-BE49-F238E27FC236}">
+                <a16:creationId xmlns:a16="http://schemas.microsoft.com/office/drawing/2014/main" id="{ACB09F0A-6F7B-C159-2C45-707A9353FC98}"/>
+              </a:ext>
+            </a:extLst>
+          </p:cNvPr>
+          <p:cNvPicPr>
+            <a:picLocks noChangeAspect="1"/>
+          </p:cNvPicPr>
+          <p:nvPr/>
+        </p:nvPicPr>
+        <p:blipFill>
+          <a:blip r:embed="rId4">
+            <a:extLst>
+              <a:ext uri="{BEBA8EAE-BF5A-486C-A8C5-ECC9F3942E4B}">
+                <a14:imgProps xmlns:a14="http://schemas.microsoft.com/office/drawing/2010/main">
+                  <a14:imgLayer r:embed="rId5">
+                    <a14:imgEffect>
+                      <a14:backgroundRemoval t="8911" b="90594" l="4577" r="95195">
+                        <a14:foregroundMark x1="18307" y1="47030" x2="18307" y2="47030"/>
+                        <a14:foregroundMark x1="4805" y1="38614" x2="4805" y2="38614"/>
+                        <a14:foregroundMark x1="9840" y1="23267" x2="9840" y2="23267"/>
+                        <a14:foregroundMark x1="27689" y1="42574" x2="27689" y2="42574"/>
+                        <a14:foregroundMark x1="95195" y1="44059" x2="95195" y2="44059"/>
+                        <a14:foregroundMark x1="70709" y1="8911" x2="70709" y2="8911"/>
+                        <a14:foregroundMark x1="67735" y1="90594" x2="67735" y2="90594"/>
+                        <a14:foregroundMark x1="4577" y1="28218" x2="4577" y2="28218"/>
+                      </a14:backgroundRemoval>
+                    </a14:imgEffect>
+                  </a14:imgLayer>
+                </a14:imgProps>
+              </a:ext>
+              <a:ext uri="{28A0092B-C50C-407E-A947-70E740481C1C}">
+                <a14:useLocalDpi xmlns:a14="http://schemas.microsoft.com/office/drawing/2010/main" val="0"/>
+              </a:ext>
+            </a:extLst>
+          </a:blip>
+          <a:stretch>
+            <a:fillRect/>
+          </a:stretch>
+        </p:blipFill>
+        <p:spPr>
+          <a:xfrm>
+            <a:off x="1950720" y="5469390"/>
+            <a:ext cx="2499218" cy="1155244"/>
+          </a:xfrm>
+          <a:prstGeom prst="rect">
+            <a:avLst/>
+          </a:prstGeom>
+        </p:spPr>
+      </p:pic>
+      <p:pic>
+        <p:nvPicPr>
+          <p:cNvPr id="9" name="Graphic 8">
+            <a:extLst>
+              <a:ext uri="{FF2B5EF4-FFF2-40B4-BE49-F238E27FC236}">
+                <a16:creationId xmlns:a16="http://schemas.microsoft.com/office/drawing/2014/main" id="{B07DAAFC-29AD-6D23-6324-1092FFF794D3}"/>
+              </a:ext>
+            </a:extLst>
+          </p:cNvPr>
+          <p:cNvPicPr>
+            <a:picLocks noChangeAspect="1"/>
+          </p:cNvPicPr>
+          <p:nvPr/>
+        </p:nvPicPr>
+        <p:blipFill>
+          <a:blip r:embed="rId6">
+            <a:extLst>
+              <a:ext uri="{96DAC541-7B7A-43D3-8B79-37D633B846F1}">
+                <asvg:svgBlip xmlns:asvg="http://schemas.microsoft.com/office/drawing/2016/SVG/main" r:embed="rId7"/>
+              </a:ext>
+            </a:extLst>
+          </a:blip>
+          <a:stretch>
+            <a:fillRect/>
+          </a:stretch>
+        </p:blipFill>
+        <p:spPr>
+          <a:xfrm>
+            <a:off x="1261580" y="1962914"/>
+            <a:ext cx="4125759" cy="3109267"/>
+          </a:xfrm>
+          <a:prstGeom prst="rect">
+            <a:avLst/>
+          </a:prstGeom>
+        </p:spPr>
+      </p:pic>
+      <p:pic>
+        <p:nvPicPr>
+          <p:cNvPr id="10" name="Graphic 9">
+            <a:extLst>
+              <a:ext uri="{FF2B5EF4-FFF2-40B4-BE49-F238E27FC236}">
+                <a16:creationId xmlns:a16="http://schemas.microsoft.com/office/drawing/2014/main" id="{6C40F48D-879A-0A7C-0F59-332FF3E74217}"/>
+              </a:ext>
+            </a:extLst>
+          </p:cNvPr>
+          <p:cNvPicPr>
+            <a:picLocks noChangeAspect="1"/>
+          </p:cNvPicPr>
+          <p:nvPr/>
+        </p:nvPicPr>
+        <p:blipFill>
+          <a:blip r:embed="rId6">
+            <a:extLst>
+              <a:ext uri="{96DAC541-7B7A-43D3-8B79-37D633B846F1}">
+                <asvg:svgBlip xmlns:asvg="http://schemas.microsoft.com/office/drawing/2016/SVG/main" r:embed="rId7"/>
+              </a:ext>
+            </a:extLst>
+          </a:blip>
+          <a:stretch>
+            <a:fillRect/>
+          </a:stretch>
+        </p:blipFill>
+        <p:spPr>
+          <a:xfrm>
+            <a:off x="6804661" y="1962914"/>
+            <a:ext cx="4125759" cy="3109267"/>
+          </a:xfrm>
+          <a:prstGeom prst="rect">
+            <a:avLst/>
+          </a:prstGeom>
+        </p:spPr>
+      </p:pic>
+      <p:pic>
+        <p:nvPicPr>
+          <p:cNvPr id="12" name="Picture 11">
+            <a:extLst>
+              <a:ext uri="{FF2B5EF4-FFF2-40B4-BE49-F238E27FC236}">
+                <a16:creationId xmlns:a16="http://schemas.microsoft.com/office/drawing/2014/main" id="{913D47CD-9E0B-E0C4-725F-D6F7F16B9433}"/>
+              </a:ext>
+            </a:extLst>
+          </p:cNvPr>
+          <p:cNvPicPr>
+            <a:picLocks noChangeAspect="1"/>
+          </p:cNvPicPr>
+          <p:nvPr/>
+        </p:nvPicPr>
+        <p:blipFill>
+          <a:blip r:embed="rId8">
+            <a:extLst>
+              <a:ext uri="{BEBA8EAE-BF5A-486C-A8C5-ECC9F3942E4B}">
+                <a14:imgProps xmlns:a14="http://schemas.microsoft.com/office/drawing/2010/main">
+                  <a14:imgLayer r:embed="rId9">
+                    <a14:imgEffect>
+                      <a14:backgroundRemoval t="10000" b="90000" l="7813" r="90000">
+                        <a14:foregroundMark x1="7813" y1="46250" x2="7813" y2="46250"/>
+                      </a14:backgroundRemoval>
+                    </a14:imgEffect>
+                  </a14:imgLayer>
+                </a14:imgProps>
+              </a:ext>
+              <a:ext uri="{28A0092B-C50C-407E-A947-70E740481C1C}">
+                <a14:useLocalDpi xmlns:a14="http://schemas.microsoft.com/office/drawing/2010/main" val="0"/>
+              </a:ext>
+            </a:extLst>
+          </a:blip>
+          <a:stretch>
+            <a:fillRect/>
+          </a:stretch>
+        </p:blipFill>
+        <p:spPr>
+          <a:xfrm>
+            <a:off x="6898535" y="1983760"/>
+            <a:ext cx="873866" cy="436933"/>
+          </a:xfrm>
+          <a:prstGeom prst="rect">
+            <a:avLst/>
+          </a:prstGeom>
+        </p:spPr>
+      </p:pic>
+    </p:spTree>
+    <p:extLst>
+      <p:ext uri="{BB962C8B-B14F-4D97-AF65-F5344CB8AC3E}">
+        <p14:creationId xmlns:p14="http://schemas.microsoft.com/office/powerpoint/2010/main" val="2946397930"/>
+      </p:ext>
+    </p:extLst>
+  </p:cSld>
+  <p:clrMapOvr>
+    <a:masterClrMapping/>
+  </p:clrMapOvr>
+</p:sld>
+</file>
+
+<file path=ppt/slides/slide36.xml><?xml version="1.0" encoding="utf-8"?>
+<p:sld xmlns:a="http://schemas.openxmlformats.org/drawingml/2006/main" xmlns:r="http://schemas.openxmlformats.org/officeDocument/2006/relationships" xmlns:p="http://schemas.openxmlformats.org/presentationml/2006/main">
+  <p:cSld>
+    <p:spTree>
+      <p:nvGrpSpPr>
+        <p:cNvPr id="1" name="">
+          <a:extLst>
+            <a:ext uri="{FF2B5EF4-FFF2-40B4-BE49-F238E27FC236}">
+              <a16:creationId xmlns:a16="http://schemas.microsoft.com/office/drawing/2014/main" id="{315EB60D-9139-5188-693D-23D27FDAD788}"/>
+            </a:ext>
+          </a:extLst>
+        </p:cNvPr>
+        <p:cNvGrpSpPr/>
+        <p:nvPr/>
+      </p:nvGrpSpPr>
+      <p:grpSpPr>
+        <a:xfrm>
+          <a:off x="0" y="0"/>
+          <a:ext cx="0" cy="0"/>
+          <a:chOff x="0" y="0"/>
+          <a:chExt cx="0" cy="0"/>
+        </a:xfrm>
+      </p:grpSpPr>
+      <p:sp>
+        <p:nvSpPr>
+          <p:cNvPr id="6" name="Rectangle 5">
+            <a:extLst>
+              <a:ext uri="{FF2B5EF4-FFF2-40B4-BE49-F238E27FC236}">
+                <a16:creationId xmlns:a16="http://schemas.microsoft.com/office/drawing/2014/main" id="{615F64A0-D63D-3BCF-0A44-829090C72639}"/>
+              </a:ext>
+            </a:extLst>
+          </p:cNvPr>
+          <p:cNvSpPr/>
+          <p:nvPr/>
+        </p:nvSpPr>
+        <p:spPr>
+          <a:xfrm>
+            <a:off x="0" y="0"/>
+            <a:ext cx="12192000" cy="6858000"/>
+          </a:xfrm>
+          <a:prstGeom prst="rect">
+            <a:avLst/>
+          </a:prstGeom>
+          <a:solidFill>
+            <a:srgbClr val="23242A"/>
+          </a:solidFill>
+          <a:ln>
+            <a:noFill/>
+          </a:ln>
+        </p:spPr>
+        <p:style>
+          <a:lnRef idx="2">
+            <a:schemeClr val="accent1">
+              <a:shade val="15000"/>
+            </a:schemeClr>
+          </a:lnRef>
+          <a:fillRef idx="1">
+            <a:schemeClr val="accent1"/>
+          </a:fillRef>
+          <a:effectRef idx="0">
+            <a:schemeClr val="accent1"/>
+          </a:effectRef>
+          <a:fontRef idx="minor">
+            <a:schemeClr val="lt1"/>
+          </a:fontRef>
+        </p:style>
+        <p:txBody>
+          <a:bodyPr rtlCol="0" anchor="ctr"/>
+          <a:lstStyle/>
+          <a:p>
+            <a:pPr algn="ctr"/>
+            <a:r>
+              <a:rPr lang="en-US" altLang="zh-CN" dirty="0"/>
+              <a:t>0.000</a:t>
+            </a:r>
+            <a:endParaRPr lang="zh-CN" altLang="en-US" dirty="0"/>
+          </a:p>
+        </p:txBody>
+      </p:sp>
+      <p:sp>
+        <p:nvSpPr>
+          <p:cNvPr id="2" name="Slide Number Placeholder 1">
+            <a:extLst>
+              <a:ext uri="{FF2B5EF4-FFF2-40B4-BE49-F238E27FC236}">
+                <a16:creationId xmlns:a16="http://schemas.microsoft.com/office/drawing/2014/main" id="{9FE3B245-7769-34B0-18C0-854F58AE15E8}"/>
+              </a:ext>
+            </a:extLst>
+          </p:cNvPr>
+          <p:cNvSpPr>
+            <a:spLocks noGrp="1"/>
+          </p:cNvSpPr>
+          <p:nvPr>
+            <p:ph type="sldNum" sz="quarter" idx="12"/>
+          </p:nvPr>
+        </p:nvSpPr>
+        <p:spPr>
+          <a:xfrm>
+            <a:off x="9057739" y="6259509"/>
+            <a:ext cx="2743200" cy="365125"/>
+          </a:xfrm>
+        </p:spPr>
+        <p:txBody>
+          <a:bodyPr/>
+          <a:lstStyle/>
+          <a:p>
+            <a:fld id="{9B1EC109-1E15-4BCA-93B5-56442BB3443E}" type="slidenum">
+              <a:rPr lang="zh-CN" altLang="en-US" sz="2400" b="1" smtClean="0">
+                <a:solidFill>
+                  <a:schemeClr val="bg1">
+                    <a:lumMod val="65000"/>
+                  </a:schemeClr>
+                </a:solidFill>
+                <a:latin typeface="Bradley Hand ITC" panose="03070402050302030203" pitchFamily="66" charset="0"/>
+              </a:rPr>
+              <a:t>36</a:t>
+            </a:fld>
+            <a:endParaRPr lang="zh-CN" altLang="en-US" sz="2400" b="1" dirty="0">
+              <a:solidFill>
+                <a:schemeClr val="bg1">
+                  <a:lumMod val="65000"/>
+                </a:schemeClr>
+              </a:solidFill>
+              <a:latin typeface="Bradley Hand ITC" panose="03070402050302030203" pitchFamily="66" charset="0"/>
+            </a:endParaRPr>
+          </a:p>
+        </p:txBody>
+      </p:sp>
+      <p:sp>
+        <p:nvSpPr>
+          <p:cNvPr id="4" name="Google Shape;867;p33">
+            <a:extLst>
+              <a:ext uri="{FF2B5EF4-FFF2-40B4-BE49-F238E27FC236}">
+                <a16:creationId xmlns:a16="http://schemas.microsoft.com/office/drawing/2014/main" id="{2C6DACF3-D2E2-6DFF-3DAB-205057C69809}"/>
+              </a:ext>
+            </a:extLst>
+          </p:cNvPr>
+          <p:cNvSpPr txBox="1">
+            <a:spLocks/>
+          </p:cNvSpPr>
+          <p:nvPr/>
+        </p:nvSpPr>
+        <p:spPr>
+          <a:xfrm>
+            <a:off x="2222600" y="143850"/>
+            <a:ext cx="7746800" cy="1602400"/>
+          </a:xfrm>
+          <a:prstGeom prst="rect">
+            <a:avLst/>
+          </a:prstGeom>
+          <a:noFill/>
+          <a:ln>
+            <a:noFill/>
+          </a:ln>
+        </p:spPr>
+        <p:txBody>
+          <a:bodyPr spcFirstLastPara="1" wrap="square" lIns="91425" tIns="91425" rIns="91425" bIns="91425" anchor="b" anchorCtr="0">
+            <a:noAutofit/>
+          </a:bodyPr>
+          <a:lstStyle>
+            <a:defPPr marR="0" lvl="0" algn="l" rtl="0">
+              <a:lnSpc>
+                <a:spcPct val="100000"/>
+              </a:lnSpc>
+              <a:spcBef>
+                <a:spcPts val="0"/>
+              </a:spcBef>
+              <a:spcAft>
+                <a:spcPts val="0"/>
+              </a:spcAft>
+            </a:defPPr>
+            <a:lvl1pPr marR="0" lvl="0" algn="l" rtl="0">
+              <a:lnSpc>
+                <a:spcPct val="100000"/>
+              </a:lnSpc>
+              <a:spcBef>
+                <a:spcPts val="0"/>
+              </a:spcBef>
+              <a:spcAft>
+                <a:spcPts val="0"/>
+              </a:spcAft>
+              <a:buClr>
+                <a:schemeClr val="dk1"/>
+              </a:buClr>
+              <a:buSzPts val="3600"/>
+              <a:buFont typeface="Barlow"/>
+              <a:buNone/>
+              <a:defRPr sz="7200" b="1" i="0" u="none" strike="noStrike" cap="none">
+                <a:solidFill>
+                  <a:schemeClr val="dk1"/>
+                </a:solidFill>
+                <a:latin typeface="Barlow"/>
+                <a:ea typeface="Barlow"/>
+                <a:cs typeface="Barlow"/>
+                <a:sym typeface="Barlow"/>
+              </a:defRPr>
+            </a:lvl1pPr>
+            <a:lvl2pPr marR="0" lvl="1" algn="ctr" rtl="0">
+              <a:lnSpc>
+                <a:spcPct val="100000"/>
+              </a:lnSpc>
+              <a:spcBef>
+                <a:spcPts val="0"/>
+              </a:spcBef>
+              <a:spcAft>
+                <a:spcPts val="0"/>
+              </a:spcAft>
+              <a:buClr>
+                <a:schemeClr val="dk1"/>
+              </a:buClr>
+              <a:buSzPts val="3600"/>
+              <a:buFont typeface="Barlow"/>
+              <a:buNone/>
+              <a:defRPr sz="3600" b="1" i="0" u="none" strike="noStrike" cap="none">
+                <a:solidFill>
+                  <a:schemeClr val="dk1"/>
+                </a:solidFill>
+                <a:latin typeface="Barlow"/>
+                <a:ea typeface="Barlow"/>
+                <a:cs typeface="Barlow"/>
+                <a:sym typeface="Barlow"/>
+              </a:defRPr>
+            </a:lvl2pPr>
+            <a:lvl3pPr marR="0" lvl="2" algn="ctr" rtl="0">
+              <a:lnSpc>
+                <a:spcPct val="100000"/>
+              </a:lnSpc>
+              <a:spcBef>
+                <a:spcPts val="0"/>
+              </a:spcBef>
+              <a:spcAft>
+                <a:spcPts val="0"/>
+              </a:spcAft>
+              <a:buClr>
+                <a:schemeClr val="dk1"/>
+              </a:buClr>
+              <a:buSzPts val="3600"/>
+              <a:buFont typeface="Barlow"/>
+              <a:buNone/>
+              <a:defRPr sz="3600" b="1" i="0" u="none" strike="noStrike" cap="none">
+                <a:solidFill>
+                  <a:schemeClr val="dk1"/>
+                </a:solidFill>
+                <a:latin typeface="Barlow"/>
+                <a:ea typeface="Barlow"/>
+                <a:cs typeface="Barlow"/>
+                <a:sym typeface="Barlow"/>
+              </a:defRPr>
+            </a:lvl3pPr>
+            <a:lvl4pPr marR="0" lvl="3" algn="ctr" rtl="0">
+              <a:lnSpc>
+                <a:spcPct val="100000"/>
+              </a:lnSpc>
+              <a:spcBef>
+                <a:spcPts val="0"/>
+              </a:spcBef>
+              <a:spcAft>
+                <a:spcPts val="0"/>
+              </a:spcAft>
+              <a:buClr>
+                <a:schemeClr val="dk1"/>
+              </a:buClr>
+              <a:buSzPts val="3600"/>
+              <a:buFont typeface="Barlow"/>
+              <a:buNone/>
+              <a:defRPr sz="3600" b="1" i="0" u="none" strike="noStrike" cap="none">
+                <a:solidFill>
+                  <a:schemeClr val="dk1"/>
+                </a:solidFill>
+                <a:latin typeface="Barlow"/>
+                <a:ea typeface="Barlow"/>
+                <a:cs typeface="Barlow"/>
+                <a:sym typeface="Barlow"/>
+              </a:defRPr>
+            </a:lvl4pPr>
+            <a:lvl5pPr marR="0" lvl="4" algn="ctr" rtl="0">
+              <a:lnSpc>
+                <a:spcPct val="100000"/>
+              </a:lnSpc>
+              <a:spcBef>
+                <a:spcPts val="0"/>
+              </a:spcBef>
+              <a:spcAft>
+                <a:spcPts val="0"/>
+              </a:spcAft>
+              <a:buClr>
+                <a:schemeClr val="dk1"/>
+              </a:buClr>
+              <a:buSzPts val="3600"/>
+              <a:buFont typeface="Barlow"/>
+              <a:buNone/>
+              <a:defRPr sz="3600" b="1" i="0" u="none" strike="noStrike" cap="none">
+                <a:solidFill>
+                  <a:schemeClr val="dk1"/>
+                </a:solidFill>
+                <a:latin typeface="Barlow"/>
+                <a:ea typeface="Barlow"/>
+                <a:cs typeface="Barlow"/>
+                <a:sym typeface="Barlow"/>
+              </a:defRPr>
+            </a:lvl5pPr>
+            <a:lvl6pPr marR="0" lvl="5" algn="ctr" rtl="0">
+              <a:lnSpc>
+                <a:spcPct val="100000"/>
+              </a:lnSpc>
+              <a:spcBef>
+                <a:spcPts val="0"/>
+              </a:spcBef>
+              <a:spcAft>
+                <a:spcPts val="0"/>
+              </a:spcAft>
+              <a:buClr>
+                <a:schemeClr val="dk1"/>
+              </a:buClr>
+              <a:buSzPts val="3600"/>
+              <a:buFont typeface="Barlow"/>
+              <a:buNone/>
+              <a:defRPr sz="3600" b="1" i="0" u="none" strike="noStrike" cap="none">
+                <a:solidFill>
+                  <a:schemeClr val="dk1"/>
+                </a:solidFill>
+                <a:latin typeface="Barlow"/>
+                <a:ea typeface="Barlow"/>
+                <a:cs typeface="Barlow"/>
+                <a:sym typeface="Barlow"/>
+              </a:defRPr>
+            </a:lvl6pPr>
+            <a:lvl7pPr marR="0" lvl="6" algn="ctr" rtl="0">
+              <a:lnSpc>
+                <a:spcPct val="100000"/>
+              </a:lnSpc>
+              <a:spcBef>
+                <a:spcPts val="0"/>
+              </a:spcBef>
+              <a:spcAft>
+                <a:spcPts val="0"/>
+              </a:spcAft>
+              <a:buClr>
+                <a:schemeClr val="dk1"/>
+              </a:buClr>
+              <a:buSzPts val="3600"/>
+              <a:buFont typeface="Barlow"/>
+              <a:buNone/>
+              <a:defRPr sz="3600" b="1" i="0" u="none" strike="noStrike" cap="none">
+                <a:solidFill>
+                  <a:schemeClr val="dk1"/>
+                </a:solidFill>
+                <a:latin typeface="Barlow"/>
+                <a:ea typeface="Barlow"/>
+                <a:cs typeface="Barlow"/>
+                <a:sym typeface="Barlow"/>
+              </a:defRPr>
+            </a:lvl7pPr>
+            <a:lvl8pPr marR="0" lvl="7" algn="ctr" rtl="0">
+              <a:lnSpc>
+                <a:spcPct val="100000"/>
+              </a:lnSpc>
+              <a:spcBef>
+                <a:spcPts val="0"/>
+              </a:spcBef>
+              <a:spcAft>
+                <a:spcPts val="0"/>
+              </a:spcAft>
+              <a:buClr>
+                <a:schemeClr val="dk1"/>
+              </a:buClr>
+              <a:buSzPts val="3600"/>
+              <a:buFont typeface="Barlow"/>
+              <a:buNone/>
+              <a:defRPr sz="3600" b="1" i="0" u="none" strike="noStrike" cap="none">
+                <a:solidFill>
+                  <a:schemeClr val="dk1"/>
+                </a:solidFill>
+                <a:latin typeface="Barlow"/>
+                <a:ea typeface="Barlow"/>
+                <a:cs typeface="Barlow"/>
+                <a:sym typeface="Barlow"/>
+              </a:defRPr>
+            </a:lvl8pPr>
+            <a:lvl9pPr marR="0" lvl="8" algn="ctr" rtl="0">
+              <a:lnSpc>
+                <a:spcPct val="100000"/>
+              </a:lnSpc>
+              <a:spcBef>
+                <a:spcPts val="0"/>
+              </a:spcBef>
+              <a:spcAft>
+                <a:spcPts val="0"/>
+              </a:spcAft>
+              <a:buClr>
+                <a:schemeClr val="dk1"/>
+              </a:buClr>
+              <a:buSzPts val="3600"/>
+              <a:buFont typeface="Barlow"/>
+              <a:buNone/>
+              <a:defRPr sz="3600" b="1" i="0" u="none" strike="noStrike" cap="none">
+                <a:solidFill>
+                  <a:schemeClr val="dk1"/>
+                </a:solidFill>
+                <a:latin typeface="Barlow"/>
+                <a:ea typeface="Barlow"/>
+                <a:cs typeface="Barlow"/>
+                <a:sym typeface="Barlow"/>
+              </a:defRPr>
+            </a:lvl9pPr>
+          </a:lstStyle>
+          <a:p>
+            <a:pPr algn="ctr"/>
+            <a:r>
+              <a:rPr lang="en-US" altLang="zh-CN" sz="8000" spc="300" dirty="0">
+                <a:solidFill>
+                  <a:schemeClr val="accent4">
+                    <a:lumMod val="60000"/>
+                    <a:lumOff val="40000"/>
+                    <a:alpha val="60000"/>
+                  </a:schemeClr>
+                </a:solidFill>
+                <a:latin typeface="Amatic SC" panose="020F0502020204030204" pitchFamily="2" charset="-79"/>
+                <a:cs typeface="Amatic SC" panose="020F0502020204030204" pitchFamily="2" charset="-79"/>
+              </a:rPr>
+              <a:t>Time the Game</a:t>
+            </a:r>
+          </a:p>
+        </p:txBody>
+      </p:sp>
+      <p:pic>
+        <p:nvPicPr>
+          <p:cNvPr id="7" name="Graphic 6">
+            <a:extLst>
+              <a:ext uri="{FF2B5EF4-FFF2-40B4-BE49-F238E27FC236}">
+                <a16:creationId xmlns:a16="http://schemas.microsoft.com/office/drawing/2014/main" id="{9C7ED996-B157-0C18-1F9B-1EE8D9075D2C}"/>
+              </a:ext>
+            </a:extLst>
+          </p:cNvPr>
+          <p:cNvPicPr>
+            <a:picLocks noChangeAspect="1"/>
+          </p:cNvPicPr>
+          <p:nvPr/>
+        </p:nvPicPr>
+        <p:blipFill>
+          <a:blip r:embed="rId2">
+            <a:extLst>
+              <a:ext uri="{96DAC541-7B7A-43D3-8B79-37D633B846F1}">
+                <asvg:svgBlip xmlns:asvg="http://schemas.microsoft.com/office/drawing/2016/SVG/main" r:embed="rId3"/>
+              </a:ext>
+            </a:extLst>
+          </a:blip>
+          <a:stretch>
+            <a:fillRect/>
+          </a:stretch>
+        </p:blipFill>
+        <p:spPr>
+          <a:xfrm>
+            <a:off x="334846" y="2863979"/>
+            <a:ext cx="2607383" cy="1964984"/>
+          </a:xfrm>
+          <a:prstGeom prst="rect">
+            <a:avLst/>
+          </a:prstGeom>
+        </p:spPr>
+      </p:pic>
+      <p:pic>
+        <p:nvPicPr>
+          <p:cNvPr id="11" name="Picture 10">
+            <a:extLst>
+              <a:ext uri="{FF2B5EF4-FFF2-40B4-BE49-F238E27FC236}">
+                <a16:creationId xmlns:a16="http://schemas.microsoft.com/office/drawing/2014/main" id="{55A18EF8-2F96-5065-7AED-8E06DCB35A98}"/>
+              </a:ext>
+            </a:extLst>
+          </p:cNvPr>
+          <p:cNvPicPr>
+            <a:picLocks noChangeAspect="1"/>
+          </p:cNvPicPr>
+          <p:nvPr/>
+        </p:nvPicPr>
+        <p:blipFill>
+          <a:blip r:embed="rId4">
+            <a:extLst>
+              <a:ext uri="{28A0092B-C50C-407E-A947-70E740481C1C}">
+                <a14:useLocalDpi xmlns:a14="http://schemas.microsoft.com/office/drawing/2010/main" val="0"/>
+              </a:ext>
+            </a:extLst>
+          </a:blip>
+          <a:stretch>
+            <a:fillRect/>
+          </a:stretch>
+        </p:blipFill>
+        <p:spPr>
+          <a:xfrm>
+            <a:off x="3282630" y="2863979"/>
+            <a:ext cx="2619980" cy="1964985"/>
+          </a:xfrm>
+          <a:prstGeom prst="rect">
+            <a:avLst/>
+          </a:prstGeom>
+        </p:spPr>
+      </p:pic>
+      <p:pic>
+        <p:nvPicPr>
+          <p:cNvPr id="13" name="Picture 12">
+            <a:extLst>
+              <a:ext uri="{FF2B5EF4-FFF2-40B4-BE49-F238E27FC236}">
+                <a16:creationId xmlns:a16="http://schemas.microsoft.com/office/drawing/2014/main" id="{3C512E13-5BA5-0432-DD6C-0F10CF396730}"/>
+              </a:ext>
+            </a:extLst>
+          </p:cNvPr>
+          <p:cNvPicPr>
+            <a:picLocks noChangeAspect="1"/>
+          </p:cNvPicPr>
+          <p:nvPr/>
+        </p:nvPicPr>
+        <p:blipFill>
+          <a:blip r:embed="rId5">
+            <a:extLst>
+              <a:ext uri="{28A0092B-C50C-407E-A947-70E740481C1C}">
+                <a14:useLocalDpi xmlns:a14="http://schemas.microsoft.com/office/drawing/2010/main" val="0"/>
+              </a:ext>
+            </a:extLst>
+          </a:blip>
+          <a:stretch>
+            <a:fillRect/>
+          </a:stretch>
+        </p:blipFill>
+        <p:spPr>
+          <a:xfrm>
+            <a:off x="6243011" y="2856847"/>
+            <a:ext cx="2619979" cy="1964984"/>
+          </a:xfrm>
+          <a:prstGeom prst="rect">
+            <a:avLst/>
+          </a:prstGeom>
+        </p:spPr>
+      </p:pic>
+      <p:pic>
+        <p:nvPicPr>
+          <p:cNvPr id="17" name="Graphic 16">
+            <a:extLst>
+              <a:ext uri="{FF2B5EF4-FFF2-40B4-BE49-F238E27FC236}">
+                <a16:creationId xmlns:a16="http://schemas.microsoft.com/office/drawing/2014/main" id="{1AD5BE40-24A7-9A5F-D3D7-A5A8562115F3}"/>
+              </a:ext>
+            </a:extLst>
+          </p:cNvPr>
+          <p:cNvPicPr>
+            <a:picLocks noChangeAspect="1"/>
+          </p:cNvPicPr>
+          <p:nvPr/>
+        </p:nvPicPr>
+        <p:blipFill>
+          <a:blip r:embed="rId6">
+            <a:extLst>
+              <a:ext uri="{96DAC541-7B7A-43D3-8B79-37D633B846F1}">
+                <asvg:svgBlip xmlns:asvg="http://schemas.microsoft.com/office/drawing/2016/SVG/main" r:embed="rId7"/>
+              </a:ext>
+            </a:extLst>
+          </a:blip>
+          <a:stretch>
+            <a:fillRect/>
+          </a:stretch>
+        </p:blipFill>
+        <p:spPr>
+          <a:xfrm>
+            <a:off x="9203391" y="2863979"/>
+            <a:ext cx="2685798" cy="2023844"/>
+          </a:xfrm>
+          <a:prstGeom prst="rect">
+            <a:avLst/>
+          </a:prstGeom>
+        </p:spPr>
+      </p:pic>
+      <p:pic>
+        <p:nvPicPr>
+          <p:cNvPr id="18" name="Graphic 17">
+            <a:extLst>
+              <a:ext uri="{FF2B5EF4-FFF2-40B4-BE49-F238E27FC236}">
+                <a16:creationId xmlns:a16="http://schemas.microsoft.com/office/drawing/2014/main" id="{D4EF7E4C-4804-2450-B285-CD85F5C7A1AA}"/>
+              </a:ext>
+            </a:extLst>
+          </p:cNvPr>
+          <p:cNvPicPr>
+            <a:picLocks noChangeAspect="1"/>
+          </p:cNvPicPr>
+          <p:nvPr/>
+        </p:nvPicPr>
+        <p:blipFill>
+          <a:blip r:embed="rId8">
+            <a:alphaModFix amt="80000"/>
+            <a:extLst>
+              <a:ext uri="{96DAC541-7B7A-43D3-8B79-37D633B846F1}">
+                <asvg:svgBlip xmlns:asvg="http://schemas.microsoft.com/office/drawing/2016/SVG/main" r:embed="rId9"/>
+              </a:ext>
+            </a:extLst>
+          </a:blip>
+          <a:stretch>
+            <a:fillRect/>
+          </a:stretch>
+        </p:blipFill>
+        <p:spPr>
+          <a:xfrm>
+            <a:off x="400147" y="3720657"/>
+            <a:ext cx="514253" cy="380258"/>
+          </a:xfrm>
+          <a:prstGeom prst="rect">
+            <a:avLst/>
+          </a:prstGeom>
+        </p:spPr>
+      </p:pic>
+      <p:pic>
+        <p:nvPicPr>
+          <p:cNvPr id="19" name="Graphic 18">
+            <a:extLst>
+              <a:ext uri="{FF2B5EF4-FFF2-40B4-BE49-F238E27FC236}">
+                <a16:creationId xmlns:a16="http://schemas.microsoft.com/office/drawing/2014/main" id="{CAF076EB-5F36-6C5B-659C-58E88EBE46BC}"/>
+              </a:ext>
+            </a:extLst>
+          </p:cNvPr>
+          <p:cNvPicPr>
+            <a:picLocks noChangeAspect="1"/>
+          </p:cNvPicPr>
+          <p:nvPr/>
+        </p:nvPicPr>
+        <p:blipFill>
+          <a:blip r:embed="rId8">
+            <a:alphaModFix amt="80000"/>
+            <a:extLst>
+              <a:ext uri="{96DAC541-7B7A-43D3-8B79-37D633B846F1}">
+                <asvg:svgBlip xmlns:asvg="http://schemas.microsoft.com/office/drawing/2016/SVG/main" r:embed="rId9"/>
+              </a:ext>
+            </a:extLst>
+          </a:blip>
+          <a:stretch>
+            <a:fillRect/>
+          </a:stretch>
+        </p:blipFill>
+        <p:spPr>
+          <a:xfrm>
+            <a:off x="4840807" y="4263664"/>
+            <a:ext cx="257127" cy="190129"/>
+          </a:xfrm>
+          <a:prstGeom prst="rect">
+            <a:avLst/>
+          </a:prstGeom>
+        </p:spPr>
+      </p:pic>
+      <p:pic>
+        <p:nvPicPr>
+          <p:cNvPr id="20" name="Graphic 19">
+            <a:extLst>
+              <a:ext uri="{FF2B5EF4-FFF2-40B4-BE49-F238E27FC236}">
+                <a16:creationId xmlns:a16="http://schemas.microsoft.com/office/drawing/2014/main" id="{5D0E4EE7-348A-DD61-A2AF-98C7291575EE}"/>
+              </a:ext>
+            </a:extLst>
+          </p:cNvPr>
+          <p:cNvPicPr>
+            <a:picLocks noChangeAspect="1"/>
+          </p:cNvPicPr>
+          <p:nvPr/>
+        </p:nvPicPr>
+        <p:blipFill>
+          <a:blip r:embed="rId8">
+            <a:alphaModFix amt="80000"/>
+            <a:extLst>
+              <a:ext uri="{96DAC541-7B7A-43D3-8B79-37D633B846F1}">
+                <asvg:svgBlip xmlns:asvg="http://schemas.microsoft.com/office/drawing/2016/SVG/main" r:embed="rId9"/>
+              </a:ext>
+            </a:extLst>
+          </a:blip>
+          <a:stretch>
+            <a:fillRect/>
+          </a:stretch>
+        </p:blipFill>
+        <p:spPr>
+          <a:xfrm>
+            <a:off x="7484423" y="3470254"/>
+            <a:ext cx="126200" cy="93317"/>
+          </a:xfrm>
+          <a:prstGeom prst="rect">
+            <a:avLst/>
+          </a:prstGeom>
+        </p:spPr>
+      </p:pic>
+      <p:pic>
+        <p:nvPicPr>
+          <p:cNvPr id="21" name="Graphic 20">
+            <a:extLst>
+              <a:ext uri="{FF2B5EF4-FFF2-40B4-BE49-F238E27FC236}">
+                <a16:creationId xmlns:a16="http://schemas.microsoft.com/office/drawing/2014/main" id="{DFBF33E2-D187-CE13-163B-FDE1675D7614}"/>
+              </a:ext>
+            </a:extLst>
+          </p:cNvPr>
+          <p:cNvPicPr>
+            <a:picLocks noChangeAspect="1"/>
+          </p:cNvPicPr>
+          <p:nvPr/>
+        </p:nvPicPr>
+        <p:blipFill>
+          <a:blip r:embed="rId8">
+            <a:alphaModFix amt="80000"/>
+            <a:extLst>
+              <a:ext uri="{96DAC541-7B7A-43D3-8B79-37D633B846F1}">
+                <asvg:svgBlip xmlns:asvg="http://schemas.microsoft.com/office/drawing/2016/SVG/main" r:embed="rId9"/>
+              </a:ext>
+            </a:extLst>
+          </a:blip>
+          <a:stretch>
+            <a:fillRect/>
+          </a:stretch>
+        </p:blipFill>
+        <p:spPr>
+          <a:xfrm>
+            <a:off x="10029778" y="3483664"/>
+            <a:ext cx="1033023" cy="763856"/>
+          </a:xfrm>
+          <a:prstGeom prst="rect">
+            <a:avLst/>
+          </a:prstGeom>
+        </p:spPr>
+      </p:pic>
+      <p:pic>
+        <p:nvPicPr>
+          <p:cNvPr id="23" name="Picture 22">
+            <a:extLst>
+              <a:ext uri="{FF2B5EF4-FFF2-40B4-BE49-F238E27FC236}">
+                <a16:creationId xmlns:a16="http://schemas.microsoft.com/office/drawing/2014/main" id="{C95A98B3-395E-75D8-24F4-AA4F85ABB397}"/>
+              </a:ext>
+            </a:extLst>
+          </p:cNvPr>
+          <p:cNvPicPr>
+            <a:picLocks noChangeAspect="1"/>
+          </p:cNvPicPr>
+          <p:nvPr/>
+        </p:nvPicPr>
+        <p:blipFill>
+          <a:blip r:embed="rId10">
+            <a:extLst>
+              <a:ext uri="{BEBA8EAE-BF5A-486C-A8C5-ECC9F3942E4B}">
+                <a14:imgProps xmlns:a14="http://schemas.microsoft.com/office/drawing/2010/main">
+                  <a14:imgLayer r:embed="rId11">
+                    <a14:imgEffect>
+                      <a14:backgroundRemoval t="9901" b="89604" l="7514" r="91908">
+                        <a14:foregroundMark x1="7803" y1="42574" x2="7803" y2="42574"/>
+                        <a14:foregroundMark x1="91908" y1="44554" x2="91908" y2="44554"/>
+                      </a14:backgroundRemoval>
+                    </a14:imgEffect>
+                  </a14:imgLayer>
+                </a14:imgProps>
+              </a:ext>
+              <a:ext uri="{28A0092B-C50C-407E-A947-70E740481C1C}">
+                <a14:useLocalDpi xmlns:a14="http://schemas.microsoft.com/office/drawing/2010/main" val="0"/>
+              </a:ext>
+            </a:extLst>
+          </a:blip>
+          <a:stretch>
+            <a:fillRect/>
+          </a:stretch>
+        </p:blipFill>
+        <p:spPr>
+          <a:xfrm>
+            <a:off x="1747520" y="1817095"/>
+            <a:ext cx="1392836" cy="813159"/>
+          </a:xfrm>
+          <a:prstGeom prst="rect">
+            <a:avLst/>
+          </a:prstGeom>
+        </p:spPr>
+      </p:pic>
+      <p:sp>
+        <p:nvSpPr>
+          <p:cNvPr id="24" name="TextBox 23">
+            <a:extLst>
+              <a:ext uri="{FF2B5EF4-FFF2-40B4-BE49-F238E27FC236}">
+                <a16:creationId xmlns:a16="http://schemas.microsoft.com/office/drawing/2014/main" id="{01829F73-8877-D774-EDB4-CF2326A8C956}"/>
+              </a:ext>
+            </a:extLst>
+          </p:cNvPr>
+          <p:cNvSpPr txBox="1"/>
+          <p:nvPr/>
+        </p:nvSpPr>
+        <p:spPr>
+          <a:xfrm>
+            <a:off x="2685971" y="1962229"/>
+            <a:ext cx="8000183" cy="584775"/>
+          </a:xfrm>
+          <a:prstGeom prst="rect">
+            <a:avLst/>
+          </a:prstGeom>
+          <a:noFill/>
+        </p:spPr>
+        <p:txBody>
+          <a:bodyPr wrap="square" rtlCol="0">
+            <a:spAutoFit/>
+          </a:bodyPr>
+          <a:lstStyle/>
+          <a:p>
+            <a:pPr algn="ctr"/>
+            <a:r>
+              <a:rPr lang="en-US" altLang="zh-CN" sz="3200" dirty="0">
+                <a:solidFill>
+                  <a:schemeClr val="bg1">
+                    <a:lumMod val="75000"/>
+                  </a:schemeClr>
+                </a:solidFill>
+                <a:latin typeface="High Tower Text" panose="02040502050506030303" pitchFamily="18" charset="0"/>
+              </a:rPr>
+              <a:t>Click Go button to reset and start timer</a:t>
+            </a:r>
+            <a:endParaRPr lang="zh-CN" altLang="en-US" sz="3200" dirty="0">
+              <a:solidFill>
+                <a:schemeClr val="bg1">
+                  <a:lumMod val="75000"/>
+                </a:schemeClr>
+              </a:solidFill>
+              <a:latin typeface="High Tower Text" panose="02040502050506030303" pitchFamily="18" charset="0"/>
+            </a:endParaRPr>
+          </a:p>
+        </p:txBody>
+      </p:sp>
+      <p:sp>
+        <p:nvSpPr>
+          <p:cNvPr id="26" name="Rectangle: Rounded Corners 25">
+            <a:extLst>
+              <a:ext uri="{FF2B5EF4-FFF2-40B4-BE49-F238E27FC236}">
+                <a16:creationId xmlns:a16="http://schemas.microsoft.com/office/drawing/2014/main" id="{65DCB34C-E3AA-65A7-080D-6FD3991D98B3}"/>
+              </a:ext>
+            </a:extLst>
+          </p:cNvPr>
+          <p:cNvSpPr/>
+          <p:nvPr/>
+        </p:nvSpPr>
+        <p:spPr>
+          <a:xfrm>
+            <a:off x="1027544" y="5370680"/>
+            <a:ext cx="1441335" cy="745639"/>
+          </a:xfrm>
+          <a:prstGeom prst="roundRect">
+            <a:avLst/>
+          </a:prstGeom>
+          <a:solidFill>
+            <a:srgbClr val="5CB1D6"/>
+          </a:solidFill>
+          <a:ln w="19050">
+            <a:solidFill>
+              <a:schemeClr val="bg1">
+                <a:lumMod val="75000"/>
+              </a:schemeClr>
+            </a:solidFill>
+          </a:ln>
+        </p:spPr>
+        <p:style>
+          <a:lnRef idx="2">
+            <a:schemeClr val="accent1">
+              <a:shade val="15000"/>
+            </a:schemeClr>
+          </a:lnRef>
+          <a:fillRef idx="1">
+            <a:schemeClr val="accent1"/>
+          </a:fillRef>
+          <a:effectRef idx="0">
+            <a:schemeClr val="accent1"/>
+          </a:effectRef>
+          <a:fontRef idx="minor">
+            <a:schemeClr val="lt1"/>
+          </a:fontRef>
+        </p:style>
+        <p:txBody>
+          <a:bodyPr rtlCol="0" anchor="ctr"/>
+          <a:lstStyle/>
+          <a:p>
+            <a:pPr algn="ctr"/>
+            <a:endParaRPr lang="zh-CN" altLang="en-US" dirty="0"/>
+          </a:p>
+        </p:txBody>
+      </p:sp>
+      <p:sp>
+        <p:nvSpPr>
+          <p:cNvPr id="27" name="TextBox 26">
+            <a:extLst>
+              <a:ext uri="{FF2B5EF4-FFF2-40B4-BE49-F238E27FC236}">
+                <a16:creationId xmlns:a16="http://schemas.microsoft.com/office/drawing/2014/main" id="{ED57239A-C623-C2DF-C590-E3D5D9305DEB}"/>
+              </a:ext>
+            </a:extLst>
+          </p:cNvPr>
+          <p:cNvSpPr txBox="1"/>
+          <p:nvPr/>
+        </p:nvSpPr>
+        <p:spPr>
+          <a:xfrm>
+            <a:off x="1135834" y="5451111"/>
+            <a:ext cx="1203051" cy="584775"/>
+          </a:xfrm>
+          <a:prstGeom prst="rect">
+            <a:avLst/>
+          </a:prstGeom>
+          <a:noFill/>
+        </p:spPr>
+        <p:txBody>
+          <a:bodyPr wrap="square" rtlCol="0">
+            <a:spAutoFit/>
+          </a:bodyPr>
+          <a:lstStyle/>
+          <a:p>
+            <a:pPr algn="ctr"/>
+            <a:r>
+              <a:rPr lang="en-US" altLang="zh-CN" sz="3200" dirty="0">
+                <a:solidFill>
+                  <a:schemeClr val="bg1"/>
+                </a:solidFill>
+              </a:rPr>
+              <a:t>0.000</a:t>
+            </a:r>
+            <a:endParaRPr lang="zh-CN" altLang="en-US" sz="3200" dirty="0">
+              <a:solidFill>
+                <a:schemeClr val="bg1"/>
+              </a:solidFill>
+            </a:endParaRPr>
+          </a:p>
+        </p:txBody>
+      </p:sp>
+      <p:sp>
+        <p:nvSpPr>
+          <p:cNvPr id="28" name="Rectangle: Rounded Corners 27">
+            <a:extLst>
+              <a:ext uri="{FF2B5EF4-FFF2-40B4-BE49-F238E27FC236}">
+                <a16:creationId xmlns:a16="http://schemas.microsoft.com/office/drawing/2014/main" id="{7451A4A8-CC28-A93D-5259-1538E4F1F03F}"/>
+              </a:ext>
+            </a:extLst>
+          </p:cNvPr>
+          <p:cNvSpPr/>
+          <p:nvPr/>
+        </p:nvSpPr>
+        <p:spPr>
+          <a:xfrm>
+            <a:off x="3912984" y="5370680"/>
+            <a:ext cx="1441335" cy="745639"/>
+          </a:xfrm>
+          <a:prstGeom prst="roundRect">
+            <a:avLst/>
+          </a:prstGeom>
+          <a:solidFill>
+            <a:srgbClr val="5CB1D6"/>
+          </a:solidFill>
+          <a:ln w="19050">
+            <a:solidFill>
+              <a:schemeClr val="bg1">
+                <a:lumMod val="75000"/>
+              </a:schemeClr>
+            </a:solidFill>
+          </a:ln>
+        </p:spPr>
+        <p:style>
+          <a:lnRef idx="2">
+            <a:schemeClr val="accent1">
+              <a:shade val="15000"/>
+            </a:schemeClr>
+          </a:lnRef>
+          <a:fillRef idx="1">
+            <a:schemeClr val="accent1"/>
+          </a:fillRef>
+          <a:effectRef idx="0">
+            <a:schemeClr val="accent1"/>
+          </a:effectRef>
+          <a:fontRef idx="minor">
+            <a:schemeClr val="lt1"/>
+          </a:fontRef>
+        </p:style>
+        <p:txBody>
+          <a:bodyPr rtlCol="0" anchor="ctr"/>
+          <a:lstStyle/>
+          <a:p>
+            <a:pPr algn="ctr"/>
+            <a:endParaRPr lang="zh-CN" altLang="en-US" dirty="0"/>
+          </a:p>
+        </p:txBody>
+      </p:sp>
+      <p:sp>
+        <p:nvSpPr>
+          <p:cNvPr id="29" name="TextBox 28">
+            <a:extLst>
+              <a:ext uri="{FF2B5EF4-FFF2-40B4-BE49-F238E27FC236}">
+                <a16:creationId xmlns:a16="http://schemas.microsoft.com/office/drawing/2014/main" id="{FFC8B2D1-8ACF-26E5-FE9A-3757E08517CD}"/>
+              </a:ext>
+            </a:extLst>
+          </p:cNvPr>
+          <p:cNvSpPr txBox="1"/>
+          <p:nvPr/>
+        </p:nvSpPr>
+        <p:spPr>
+          <a:xfrm>
+            <a:off x="4021274" y="5451111"/>
+            <a:ext cx="1203051" cy="584775"/>
+          </a:xfrm>
+          <a:prstGeom prst="rect">
+            <a:avLst/>
+          </a:prstGeom>
+          <a:noFill/>
+        </p:spPr>
+        <p:txBody>
+          <a:bodyPr wrap="square" rtlCol="0">
+            <a:spAutoFit/>
+          </a:bodyPr>
+          <a:lstStyle/>
+          <a:p>
+            <a:pPr algn="ctr"/>
+            <a:r>
+              <a:rPr lang="en-US" altLang="zh-CN" sz="3200" dirty="0">
+                <a:solidFill>
+                  <a:schemeClr val="bg1"/>
+                </a:solidFill>
+              </a:rPr>
+              <a:t>3.417</a:t>
+            </a:r>
+            <a:endParaRPr lang="zh-CN" altLang="en-US" sz="3200" dirty="0">
+              <a:solidFill>
+                <a:schemeClr val="bg1"/>
+              </a:solidFill>
+            </a:endParaRPr>
+          </a:p>
+        </p:txBody>
+      </p:sp>
+      <p:sp>
+        <p:nvSpPr>
+          <p:cNvPr id="30" name="Rectangle: Rounded Corners 29">
+            <a:extLst>
+              <a:ext uri="{FF2B5EF4-FFF2-40B4-BE49-F238E27FC236}">
+                <a16:creationId xmlns:a16="http://schemas.microsoft.com/office/drawing/2014/main" id="{186469B2-DDC8-418F-8F96-58AEB8A802A5}"/>
+              </a:ext>
+            </a:extLst>
+          </p:cNvPr>
+          <p:cNvSpPr/>
+          <p:nvPr/>
+        </p:nvSpPr>
+        <p:spPr>
+          <a:xfrm>
+            <a:off x="6889955" y="5370680"/>
+            <a:ext cx="1441335" cy="745639"/>
+          </a:xfrm>
+          <a:prstGeom prst="roundRect">
+            <a:avLst/>
+          </a:prstGeom>
+          <a:solidFill>
+            <a:srgbClr val="5CB1D6"/>
+          </a:solidFill>
+          <a:ln w="19050">
+            <a:solidFill>
+              <a:schemeClr val="bg1">
+                <a:lumMod val="75000"/>
+              </a:schemeClr>
+            </a:solidFill>
+          </a:ln>
+        </p:spPr>
+        <p:style>
+          <a:lnRef idx="2">
+            <a:schemeClr val="accent1">
+              <a:shade val="15000"/>
+            </a:schemeClr>
+          </a:lnRef>
+          <a:fillRef idx="1">
+            <a:schemeClr val="accent1"/>
+          </a:fillRef>
+          <a:effectRef idx="0">
+            <a:schemeClr val="accent1"/>
+          </a:effectRef>
+          <a:fontRef idx="minor">
+            <a:schemeClr val="lt1"/>
+          </a:fontRef>
+        </p:style>
+        <p:txBody>
+          <a:bodyPr rtlCol="0" anchor="ctr"/>
+          <a:lstStyle/>
+          <a:p>
+            <a:pPr algn="ctr"/>
+            <a:endParaRPr lang="zh-CN" altLang="en-US" dirty="0"/>
+          </a:p>
+        </p:txBody>
+      </p:sp>
+      <p:sp>
+        <p:nvSpPr>
+          <p:cNvPr id="31" name="TextBox 30">
+            <a:extLst>
+              <a:ext uri="{FF2B5EF4-FFF2-40B4-BE49-F238E27FC236}">
+                <a16:creationId xmlns:a16="http://schemas.microsoft.com/office/drawing/2014/main" id="{12F94824-8FAA-9059-BF66-1BDEC4F429EE}"/>
+              </a:ext>
+            </a:extLst>
+          </p:cNvPr>
+          <p:cNvSpPr txBox="1"/>
+          <p:nvPr/>
+        </p:nvSpPr>
+        <p:spPr>
+          <a:xfrm>
+            <a:off x="6998245" y="5451111"/>
+            <a:ext cx="1203051" cy="584775"/>
+          </a:xfrm>
+          <a:prstGeom prst="rect">
+            <a:avLst/>
+          </a:prstGeom>
+          <a:noFill/>
+        </p:spPr>
+        <p:txBody>
+          <a:bodyPr wrap="square" rtlCol="0">
+            <a:spAutoFit/>
+          </a:bodyPr>
+          <a:lstStyle/>
+          <a:p>
+            <a:pPr algn="ctr"/>
+            <a:r>
+              <a:rPr lang="en-US" altLang="zh-CN" sz="3200" dirty="0">
+                <a:solidFill>
+                  <a:schemeClr val="bg1"/>
+                </a:solidFill>
+              </a:rPr>
+              <a:t>7.629</a:t>
+            </a:r>
+            <a:endParaRPr lang="zh-CN" altLang="en-US" sz="3200" dirty="0">
+              <a:solidFill>
+                <a:schemeClr val="bg1"/>
+              </a:solidFill>
+            </a:endParaRPr>
+          </a:p>
+        </p:txBody>
+      </p:sp>
+      <p:sp>
+        <p:nvSpPr>
+          <p:cNvPr id="32" name="Rectangle: Rounded Corners 31">
+            <a:extLst>
+              <a:ext uri="{FF2B5EF4-FFF2-40B4-BE49-F238E27FC236}">
+                <a16:creationId xmlns:a16="http://schemas.microsoft.com/office/drawing/2014/main" id="{0BAA45BC-BC5A-966D-DE43-887642B6C586}"/>
+              </a:ext>
+            </a:extLst>
+          </p:cNvPr>
+          <p:cNvSpPr/>
+          <p:nvPr/>
+        </p:nvSpPr>
+        <p:spPr>
+          <a:xfrm>
+            <a:off x="9866926" y="5370680"/>
+            <a:ext cx="1441335" cy="745639"/>
+          </a:xfrm>
+          <a:prstGeom prst="roundRect">
+            <a:avLst/>
+          </a:prstGeom>
+          <a:solidFill>
+            <a:srgbClr val="5CB1D6"/>
+          </a:solidFill>
+          <a:ln w="19050">
+            <a:solidFill>
+              <a:schemeClr val="bg1">
+                <a:lumMod val="75000"/>
+              </a:schemeClr>
+            </a:solidFill>
+          </a:ln>
+        </p:spPr>
+        <p:style>
+          <a:lnRef idx="2">
+            <a:schemeClr val="accent1">
+              <a:shade val="15000"/>
+            </a:schemeClr>
+          </a:lnRef>
+          <a:fillRef idx="1">
+            <a:schemeClr val="accent1"/>
+          </a:fillRef>
+          <a:effectRef idx="0">
+            <a:schemeClr val="accent1"/>
+          </a:effectRef>
+          <a:fontRef idx="minor">
+            <a:schemeClr val="lt1"/>
+          </a:fontRef>
+        </p:style>
+        <p:txBody>
+          <a:bodyPr rtlCol="0" anchor="ctr"/>
+          <a:lstStyle/>
+          <a:p>
+            <a:pPr algn="ctr"/>
+            <a:endParaRPr lang="zh-CN" altLang="en-US" dirty="0"/>
+          </a:p>
+        </p:txBody>
+      </p:sp>
+      <p:sp>
+        <p:nvSpPr>
+          <p:cNvPr id="33" name="TextBox 32">
+            <a:extLst>
+              <a:ext uri="{FF2B5EF4-FFF2-40B4-BE49-F238E27FC236}">
+                <a16:creationId xmlns:a16="http://schemas.microsoft.com/office/drawing/2014/main" id="{DDD362FF-16CC-ED2D-408A-356A49672C49}"/>
+              </a:ext>
+            </a:extLst>
+          </p:cNvPr>
+          <p:cNvSpPr txBox="1"/>
+          <p:nvPr/>
+        </p:nvSpPr>
+        <p:spPr>
+          <a:xfrm>
+            <a:off x="9975216" y="5451111"/>
+            <a:ext cx="1203051" cy="584775"/>
+          </a:xfrm>
+          <a:prstGeom prst="rect">
+            <a:avLst/>
+          </a:prstGeom>
+          <a:noFill/>
+        </p:spPr>
+        <p:txBody>
+          <a:bodyPr wrap="square" rtlCol="0">
+            <a:spAutoFit/>
+          </a:bodyPr>
+          <a:lstStyle/>
+          <a:p>
+            <a:pPr algn="ctr"/>
+            <a:r>
+              <a:rPr lang="en-US" altLang="zh-CN" sz="3200" dirty="0">
+                <a:solidFill>
+                  <a:schemeClr val="bg1"/>
+                </a:solidFill>
+              </a:rPr>
+              <a:t>9.137</a:t>
+            </a:r>
+            <a:endParaRPr lang="zh-CN" altLang="en-US" sz="3200" dirty="0">
+              <a:solidFill>
+                <a:schemeClr val="bg1"/>
+              </a:solidFill>
+            </a:endParaRPr>
+          </a:p>
+        </p:txBody>
+      </p:sp>
+    </p:spTree>
+    <p:extLst>
+      <p:ext uri="{BB962C8B-B14F-4D97-AF65-F5344CB8AC3E}">
+        <p14:creationId xmlns:p14="http://schemas.microsoft.com/office/powerpoint/2010/main" val="148644063"/>
+      </p:ext>
+    </p:extLst>
+  </p:cSld>
+  <p:clrMapOvr>
+    <a:masterClrMapping/>
+  </p:clrMapOvr>
+</p:sld>
+</file>
+
+<file path=ppt/slides/slide37.xml><?xml version="1.0" encoding="utf-8"?>
+<p:sld xmlns:a="http://schemas.openxmlformats.org/drawingml/2006/main" xmlns:r="http://schemas.openxmlformats.org/officeDocument/2006/relationships" xmlns:p="http://schemas.openxmlformats.org/presentationml/2006/main">
+  <p:cSld>
+    <p:spTree>
+      <p:nvGrpSpPr>
+        <p:cNvPr id="1" name="">
+          <a:extLst>
+            <a:ext uri="{FF2B5EF4-FFF2-40B4-BE49-F238E27FC236}">
+              <a16:creationId xmlns:a16="http://schemas.microsoft.com/office/drawing/2014/main" id="{B0638B88-A28D-0D98-6790-AFD73D028E78}"/>
+            </a:ext>
+          </a:extLst>
+        </p:cNvPr>
+        <p:cNvGrpSpPr/>
+        <p:nvPr/>
+      </p:nvGrpSpPr>
+      <p:grpSpPr>
+        <a:xfrm>
+          <a:off x="0" y="0"/>
+          <a:ext cx="0" cy="0"/>
+          <a:chOff x="0" y="0"/>
+          <a:chExt cx="0" cy="0"/>
+        </a:xfrm>
+      </p:grpSpPr>
+      <p:sp>
+        <p:nvSpPr>
+          <p:cNvPr id="6" name="Rectangle 5">
+            <a:extLst>
+              <a:ext uri="{FF2B5EF4-FFF2-40B4-BE49-F238E27FC236}">
+                <a16:creationId xmlns:a16="http://schemas.microsoft.com/office/drawing/2014/main" id="{52E115B1-EE40-3BB7-072F-C694ABBC3CDA}"/>
+              </a:ext>
+            </a:extLst>
+          </p:cNvPr>
+          <p:cNvSpPr/>
+          <p:nvPr/>
+        </p:nvSpPr>
+        <p:spPr>
+          <a:xfrm>
+            <a:off x="0" y="0"/>
+            <a:ext cx="12192000" cy="6858000"/>
+          </a:xfrm>
+          <a:prstGeom prst="rect">
+            <a:avLst/>
+          </a:prstGeom>
+          <a:solidFill>
+            <a:srgbClr val="23242A"/>
+          </a:solidFill>
+          <a:ln>
+            <a:noFill/>
+          </a:ln>
+        </p:spPr>
+        <p:style>
+          <a:lnRef idx="2">
+            <a:schemeClr val="accent1">
+              <a:shade val="15000"/>
+            </a:schemeClr>
+          </a:lnRef>
+          <a:fillRef idx="1">
+            <a:schemeClr val="accent1"/>
+          </a:fillRef>
+          <a:effectRef idx="0">
+            <a:schemeClr val="accent1"/>
+          </a:effectRef>
+          <a:fontRef idx="minor">
+            <a:schemeClr val="lt1"/>
+          </a:fontRef>
+        </p:style>
+        <p:txBody>
+          <a:bodyPr rtlCol="0" anchor="ctr"/>
+          <a:lstStyle/>
+          <a:p>
+            <a:pPr algn="ctr"/>
+            <a:endParaRPr lang="zh-CN" altLang="en-US" dirty="0"/>
+          </a:p>
+        </p:txBody>
+      </p:sp>
+      <p:sp>
+        <p:nvSpPr>
+          <p:cNvPr id="2" name="Slide Number Placeholder 1">
+            <a:extLst>
+              <a:ext uri="{FF2B5EF4-FFF2-40B4-BE49-F238E27FC236}">
+                <a16:creationId xmlns:a16="http://schemas.microsoft.com/office/drawing/2014/main" id="{6B14C209-5E11-9F64-6579-48902F3047ED}"/>
+              </a:ext>
+            </a:extLst>
+          </p:cNvPr>
+          <p:cNvSpPr>
+            <a:spLocks noGrp="1"/>
+          </p:cNvSpPr>
+          <p:nvPr>
+            <p:ph type="sldNum" sz="quarter" idx="12"/>
+          </p:nvPr>
+        </p:nvSpPr>
+        <p:spPr>
+          <a:xfrm>
+            <a:off x="9057739" y="6259509"/>
+            <a:ext cx="2743200" cy="365125"/>
+          </a:xfrm>
+        </p:spPr>
+        <p:txBody>
+          <a:bodyPr/>
+          <a:lstStyle/>
+          <a:p>
+            <a:fld id="{9B1EC109-1E15-4BCA-93B5-56442BB3443E}" type="slidenum">
+              <a:rPr lang="zh-CN" altLang="en-US" sz="2400" b="1" smtClean="0">
+                <a:solidFill>
+                  <a:schemeClr val="bg1">
+                    <a:lumMod val="65000"/>
+                  </a:schemeClr>
+                </a:solidFill>
+                <a:latin typeface="Bradley Hand ITC" panose="03070402050302030203" pitchFamily="66" charset="0"/>
+              </a:rPr>
+              <a:t>37</a:t>
+            </a:fld>
+            <a:endParaRPr lang="zh-CN" altLang="en-US" sz="2400" b="1" dirty="0">
+              <a:solidFill>
+                <a:schemeClr val="bg1">
+                  <a:lumMod val="65000"/>
+                </a:schemeClr>
+              </a:solidFill>
+              <a:latin typeface="Bradley Hand ITC" panose="03070402050302030203" pitchFamily="66" charset="0"/>
+            </a:endParaRPr>
+          </a:p>
+        </p:txBody>
+      </p:sp>
+      <p:sp>
+        <p:nvSpPr>
+          <p:cNvPr id="4" name="Google Shape;867;p33">
+            <a:extLst>
+              <a:ext uri="{FF2B5EF4-FFF2-40B4-BE49-F238E27FC236}">
+                <a16:creationId xmlns:a16="http://schemas.microsoft.com/office/drawing/2014/main" id="{8C54911E-C7A1-4CEC-EBF1-0B16D4B61B9B}"/>
+              </a:ext>
+            </a:extLst>
+          </p:cNvPr>
+          <p:cNvSpPr txBox="1">
+            <a:spLocks/>
+          </p:cNvSpPr>
+          <p:nvPr/>
+        </p:nvSpPr>
+        <p:spPr>
+          <a:xfrm>
+            <a:off x="2222600" y="143850"/>
+            <a:ext cx="7746800" cy="1602400"/>
+          </a:xfrm>
+          <a:prstGeom prst="rect">
+            <a:avLst/>
+          </a:prstGeom>
+          <a:noFill/>
+          <a:ln>
+            <a:noFill/>
+          </a:ln>
+        </p:spPr>
+        <p:txBody>
+          <a:bodyPr spcFirstLastPara="1" wrap="square" lIns="91425" tIns="91425" rIns="91425" bIns="91425" anchor="b" anchorCtr="0">
+            <a:noAutofit/>
+          </a:bodyPr>
+          <a:lstStyle>
+            <a:defPPr marR="0" lvl="0" algn="l" rtl="0">
+              <a:lnSpc>
+                <a:spcPct val="100000"/>
+              </a:lnSpc>
+              <a:spcBef>
+                <a:spcPts val="0"/>
+              </a:spcBef>
+              <a:spcAft>
+                <a:spcPts val="0"/>
+              </a:spcAft>
+            </a:defPPr>
+            <a:lvl1pPr marR="0" lvl="0" algn="l" rtl="0">
+              <a:lnSpc>
+                <a:spcPct val="100000"/>
+              </a:lnSpc>
+              <a:spcBef>
+                <a:spcPts val="0"/>
+              </a:spcBef>
+              <a:spcAft>
+                <a:spcPts val="0"/>
+              </a:spcAft>
+              <a:buClr>
+                <a:schemeClr val="dk1"/>
+              </a:buClr>
+              <a:buSzPts val="3600"/>
+              <a:buFont typeface="Barlow"/>
+              <a:buNone/>
+              <a:defRPr sz="7200" b="1" i="0" u="none" strike="noStrike" cap="none">
+                <a:solidFill>
+                  <a:schemeClr val="dk1"/>
+                </a:solidFill>
+                <a:latin typeface="Barlow"/>
+                <a:ea typeface="Barlow"/>
+                <a:cs typeface="Barlow"/>
+                <a:sym typeface="Barlow"/>
+              </a:defRPr>
+            </a:lvl1pPr>
+            <a:lvl2pPr marR="0" lvl="1" algn="ctr" rtl="0">
+              <a:lnSpc>
+                <a:spcPct val="100000"/>
+              </a:lnSpc>
+              <a:spcBef>
+                <a:spcPts val="0"/>
+              </a:spcBef>
+              <a:spcAft>
+                <a:spcPts val="0"/>
+              </a:spcAft>
+              <a:buClr>
+                <a:schemeClr val="dk1"/>
+              </a:buClr>
+              <a:buSzPts val="3600"/>
+              <a:buFont typeface="Barlow"/>
+              <a:buNone/>
+              <a:defRPr sz="3600" b="1" i="0" u="none" strike="noStrike" cap="none">
+                <a:solidFill>
+                  <a:schemeClr val="dk1"/>
+                </a:solidFill>
+                <a:latin typeface="Barlow"/>
+                <a:ea typeface="Barlow"/>
+                <a:cs typeface="Barlow"/>
+                <a:sym typeface="Barlow"/>
+              </a:defRPr>
+            </a:lvl2pPr>
+            <a:lvl3pPr marR="0" lvl="2" algn="ctr" rtl="0">
+              <a:lnSpc>
+                <a:spcPct val="100000"/>
+              </a:lnSpc>
+              <a:spcBef>
+                <a:spcPts val="0"/>
+              </a:spcBef>
+              <a:spcAft>
+                <a:spcPts val="0"/>
+              </a:spcAft>
+              <a:buClr>
+                <a:schemeClr val="dk1"/>
+              </a:buClr>
+              <a:buSzPts val="3600"/>
+              <a:buFont typeface="Barlow"/>
+              <a:buNone/>
+              <a:defRPr sz="3600" b="1" i="0" u="none" strike="noStrike" cap="none">
+                <a:solidFill>
+                  <a:schemeClr val="dk1"/>
+                </a:solidFill>
+                <a:latin typeface="Barlow"/>
+                <a:ea typeface="Barlow"/>
+                <a:cs typeface="Barlow"/>
+                <a:sym typeface="Barlow"/>
+              </a:defRPr>
+            </a:lvl3pPr>
+            <a:lvl4pPr marR="0" lvl="3" algn="ctr" rtl="0">
+              <a:lnSpc>
+                <a:spcPct val="100000"/>
+              </a:lnSpc>
+              <a:spcBef>
+                <a:spcPts val="0"/>
+              </a:spcBef>
+              <a:spcAft>
+                <a:spcPts val="0"/>
+              </a:spcAft>
+              <a:buClr>
+                <a:schemeClr val="dk1"/>
+              </a:buClr>
+              <a:buSzPts val="3600"/>
+              <a:buFont typeface="Barlow"/>
+              <a:buNone/>
+              <a:defRPr sz="3600" b="1" i="0" u="none" strike="noStrike" cap="none">
+                <a:solidFill>
+                  <a:schemeClr val="dk1"/>
+                </a:solidFill>
+                <a:latin typeface="Barlow"/>
+                <a:ea typeface="Barlow"/>
+                <a:cs typeface="Barlow"/>
+                <a:sym typeface="Barlow"/>
+              </a:defRPr>
+            </a:lvl4pPr>
+            <a:lvl5pPr marR="0" lvl="4" algn="ctr" rtl="0">
+              <a:lnSpc>
+                <a:spcPct val="100000"/>
+              </a:lnSpc>
+              <a:spcBef>
+                <a:spcPts val="0"/>
+              </a:spcBef>
+              <a:spcAft>
+                <a:spcPts val="0"/>
+              </a:spcAft>
+              <a:buClr>
+                <a:schemeClr val="dk1"/>
+              </a:buClr>
+              <a:buSzPts val="3600"/>
+              <a:buFont typeface="Barlow"/>
+              <a:buNone/>
+              <a:defRPr sz="3600" b="1" i="0" u="none" strike="noStrike" cap="none">
+                <a:solidFill>
+                  <a:schemeClr val="dk1"/>
+                </a:solidFill>
+                <a:latin typeface="Barlow"/>
+                <a:ea typeface="Barlow"/>
+                <a:cs typeface="Barlow"/>
+                <a:sym typeface="Barlow"/>
+              </a:defRPr>
+            </a:lvl5pPr>
+            <a:lvl6pPr marR="0" lvl="5" algn="ctr" rtl="0">
+              <a:lnSpc>
+                <a:spcPct val="100000"/>
+              </a:lnSpc>
+              <a:spcBef>
+                <a:spcPts val="0"/>
+              </a:spcBef>
+              <a:spcAft>
+                <a:spcPts val="0"/>
+              </a:spcAft>
+              <a:buClr>
+                <a:schemeClr val="dk1"/>
+              </a:buClr>
+              <a:buSzPts val="3600"/>
+              <a:buFont typeface="Barlow"/>
+              <a:buNone/>
+              <a:defRPr sz="3600" b="1" i="0" u="none" strike="noStrike" cap="none">
+                <a:solidFill>
+                  <a:schemeClr val="dk1"/>
+                </a:solidFill>
+                <a:latin typeface="Barlow"/>
+                <a:ea typeface="Barlow"/>
+                <a:cs typeface="Barlow"/>
+                <a:sym typeface="Barlow"/>
+              </a:defRPr>
+            </a:lvl6pPr>
+            <a:lvl7pPr marR="0" lvl="6" algn="ctr" rtl="0">
+              <a:lnSpc>
+                <a:spcPct val="100000"/>
+              </a:lnSpc>
+              <a:spcBef>
+                <a:spcPts val="0"/>
+              </a:spcBef>
+              <a:spcAft>
+                <a:spcPts val="0"/>
+              </a:spcAft>
+              <a:buClr>
+                <a:schemeClr val="dk1"/>
+              </a:buClr>
+              <a:buSzPts val="3600"/>
+              <a:buFont typeface="Barlow"/>
+              <a:buNone/>
+              <a:defRPr sz="3600" b="1" i="0" u="none" strike="noStrike" cap="none">
+                <a:solidFill>
+                  <a:schemeClr val="dk1"/>
+                </a:solidFill>
+                <a:latin typeface="Barlow"/>
+                <a:ea typeface="Barlow"/>
+                <a:cs typeface="Barlow"/>
+                <a:sym typeface="Barlow"/>
+              </a:defRPr>
+            </a:lvl7pPr>
+            <a:lvl8pPr marR="0" lvl="7" algn="ctr" rtl="0">
+              <a:lnSpc>
+                <a:spcPct val="100000"/>
+              </a:lnSpc>
+              <a:spcBef>
+                <a:spcPts val="0"/>
+              </a:spcBef>
+              <a:spcAft>
+                <a:spcPts val="0"/>
+              </a:spcAft>
+              <a:buClr>
+                <a:schemeClr val="dk1"/>
+              </a:buClr>
+              <a:buSzPts val="3600"/>
+              <a:buFont typeface="Barlow"/>
+              <a:buNone/>
+              <a:defRPr sz="3600" b="1" i="0" u="none" strike="noStrike" cap="none">
+                <a:solidFill>
+                  <a:schemeClr val="dk1"/>
+                </a:solidFill>
+                <a:latin typeface="Barlow"/>
+                <a:ea typeface="Barlow"/>
+                <a:cs typeface="Barlow"/>
+                <a:sym typeface="Barlow"/>
+              </a:defRPr>
+            </a:lvl8pPr>
+            <a:lvl9pPr marR="0" lvl="8" algn="ctr" rtl="0">
+              <a:lnSpc>
+                <a:spcPct val="100000"/>
+              </a:lnSpc>
+              <a:spcBef>
+                <a:spcPts val="0"/>
+              </a:spcBef>
+              <a:spcAft>
+                <a:spcPts val="0"/>
+              </a:spcAft>
+              <a:buClr>
+                <a:schemeClr val="dk1"/>
+              </a:buClr>
+              <a:buSzPts val="3600"/>
+              <a:buFont typeface="Barlow"/>
+              <a:buNone/>
+              <a:defRPr sz="3600" b="1" i="0" u="none" strike="noStrike" cap="none">
+                <a:solidFill>
+                  <a:schemeClr val="dk1"/>
+                </a:solidFill>
+                <a:latin typeface="Barlow"/>
+                <a:ea typeface="Barlow"/>
+                <a:cs typeface="Barlow"/>
+                <a:sym typeface="Barlow"/>
+              </a:defRPr>
+            </a:lvl9pPr>
+          </a:lstStyle>
+          <a:p>
+            <a:pPr algn="ctr"/>
+            <a:r>
+              <a:rPr lang="en-US" altLang="zh-CN" sz="8000" spc="300" dirty="0">
+                <a:solidFill>
+                  <a:schemeClr val="accent4">
+                    <a:lumMod val="60000"/>
+                    <a:lumOff val="40000"/>
+                    <a:alpha val="60000"/>
+                  </a:schemeClr>
+                </a:solidFill>
+                <a:latin typeface="Amatic SC" panose="020F0502020204030204" pitchFamily="2" charset="-79"/>
+                <a:cs typeface="Amatic SC" panose="020F0502020204030204" pitchFamily="2" charset="-79"/>
+              </a:rPr>
+              <a:t>What we learnt…</a:t>
+            </a:r>
+          </a:p>
+        </p:txBody>
+      </p:sp>
+      <p:sp>
+        <p:nvSpPr>
+          <p:cNvPr id="7" name="TextBox 6">
+            <a:extLst>
+              <a:ext uri="{FF2B5EF4-FFF2-40B4-BE49-F238E27FC236}">
+                <a16:creationId xmlns:a16="http://schemas.microsoft.com/office/drawing/2014/main" id="{746CF1E8-DC14-458F-9658-3E32EF64E0E4}"/>
+              </a:ext>
+            </a:extLst>
+          </p:cNvPr>
+          <p:cNvSpPr txBox="1"/>
+          <p:nvPr/>
+        </p:nvSpPr>
+        <p:spPr>
+          <a:xfrm>
+            <a:off x="1265150" y="2757261"/>
+            <a:ext cx="4048530" cy="2123658"/>
+          </a:xfrm>
+          <a:prstGeom prst="rect">
+            <a:avLst/>
+          </a:prstGeom>
+          <a:noFill/>
+        </p:spPr>
+        <p:txBody>
+          <a:bodyPr wrap="square" rtlCol="0">
+            <a:spAutoFit/>
+          </a:bodyPr>
+          <a:lstStyle/>
+          <a:p>
+            <a:pPr algn="ctr"/>
+            <a:r>
+              <a:rPr lang="en-US" altLang="zh-CN" sz="4400" dirty="0">
+                <a:solidFill>
+                  <a:schemeClr val="bg1">
+                    <a:lumMod val="75000"/>
+                  </a:schemeClr>
+                </a:solidFill>
+                <a:latin typeface="High Tower Text" panose="02040502050506030303" pitchFamily="18" charset="0"/>
+              </a:rPr>
+              <a:t>How to change sprite </a:t>
+            </a:r>
+            <a:r>
+              <a:rPr lang="en-US" altLang="zh-CN" sz="4400" dirty="0">
+                <a:solidFill>
+                  <a:schemeClr val="accent2">
+                    <a:lumMod val="60000"/>
+                    <a:lumOff val="40000"/>
+                  </a:schemeClr>
+                </a:solidFill>
+                <a:latin typeface="High Tower Text" panose="02040502050506030303" pitchFamily="18" charset="0"/>
+              </a:rPr>
+              <a:t>size</a:t>
+            </a:r>
+            <a:r>
+              <a:rPr lang="en-US" altLang="zh-CN" sz="4400" dirty="0">
+                <a:solidFill>
+                  <a:schemeClr val="bg1">
+                    <a:lumMod val="75000"/>
+                  </a:schemeClr>
+                </a:solidFill>
+                <a:latin typeface="High Tower Text" panose="02040502050506030303" pitchFamily="18" charset="0"/>
+              </a:rPr>
+              <a:t> using block</a:t>
+            </a:r>
+            <a:endParaRPr lang="zh-CN" altLang="en-US" sz="4400" dirty="0">
+              <a:solidFill>
+                <a:schemeClr val="bg1">
+                  <a:lumMod val="75000"/>
+                </a:schemeClr>
+              </a:solidFill>
+              <a:latin typeface="High Tower Text" panose="02040502050506030303" pitchFamily="18" charset="0"/>
+            </a:endParaRPr>
+          </a:p>
+        </p:txBody>
+      </p:sp>
+      <p:pic>
+        <p:nvPicPr>
+          <p:cNvPr id="3" name="Picture 2" descr="A purple rectangle with white text and a circle with black text&#10;&#10;Description automatically generated">
+            <a:extLst>
+              <a:ext uri="{FF2B5EF4-FFF2-40B4-BE49-F238E27FC236}">
+                <a16:creationId xmlns:a16="http://schemas.microsoft.com/office/drawing/2014/main" id="{0D5B4824-D4E9-4CE7-C84E-EE743E88F8C3}"/>
+              </a:ext>
+            </a:extLst>
+          </p:cNvPr>
+          <p:cNvPicPr>
+            <a:picLocks noChangeAspect="1"/>
+          </p:cNvPicPr>
+          <p:nvPr/>
+        </p:nvPicPr>
+        <p:blipFill>
+          <a:blip r:embed="rId2">
+            <a:extLst>
+              <a:ext uri="{28A0092B-C50C-407E-A947-70E740481C1C}">
+                <a14:useLocalDpi xmlns:a14="http://schemas.microsoft.com/office/drawing/2010/main" val="0"/>
+              </a:ext>
+            </a:extLst>
+          </a:blip>
+          <a:stretch>
+            <a:fillRect/>
+          </a:stretch>
+        </p:blipFill>
+        <p:spPr>
+          <a:xfrm>
+            <a:off x="6878322" y="3305569"/>
+            <a:ext cx="3573442" cy="1262541"/>
+          </a:xfrm>
+          <a:prstGeom prst="rect">
+            <a:avLst/>
+          </a:prstGeom>
+        </p:spPr>
+      </p:pic>
+    </p:spTree>
+    <p:extLst>
+      <p:ext uri="{BB962C8B-B14F-4D97-AF65-F5344CB8AC3E}">
+        <p14:creationId xmlns:p14="http://schemas.microsoft.com/office/powerpoint/2010/main" val="2768751716"/>
+      </p:ext>
+    </p:extLst>
+  </p:cSld>
+  <p:clrMapOvr>
+    <a:masterClrMapping/>
+  </p:clrMapOvr>
+</p:sld>
+</file>
+
+<file path=ppt/slides/slide38.xml><?xml version="1.0" encoding="utf-8"?>
+<p:sld xmlns:a="http://schemas.openxmlformats.org/drawingml/2006/main" xmlns:r="http://schemas.openxmlformats.org/officeDocument/2006/relationships" xmlns:p="http://schemas.openxmlformats.org/presentationml/2006/main">
+  <p:cSld>
+    <p:spTree>
+      <p:nvGrpSpPr>
+        <p:cNvPr id="1" name="">
+          <a:extLst>
+            <a:ext uri="{FF2B5EF4-FFF2-40B4-BE49-F238E27FC236}">
+              <a16:creationId xmlns:a16="http://schemas.microsoft.com/office/drawing/2014/main" id="{3530765B-AFFB-8619-87BF-95175A46113B}"/>
+            </a:ext>
+          </a:extLst>
+        </p:cNvPr>
+        <p:cNvGrpSpPr/>
+        <p:nvPr/>
+      </p:nvGrpSpPr>
+      <p:grpSpPr>
+        <a:xfrm>
+          <a:off x="0" y="0"/>
+          <a:ext cx="0" cy="0"/>
+          <a:chOff x="0" y="0"/>
+          <a:chExt cx="0" cy="0"/>
+        </a:xfrm>
+      </p:grpSpPr>
+      <p:sp>
+        <p:nvSpPr>
+          <p:cNvPr id="6" name="Rectangle 5">
+            <a:extLst>
+              <a:ext uri="{FF2B5EF4-FFF2-40B4-BE49-F238E27FC236}">
+                <a16:creationId xmlns:a16="http://schemas.microsoft.com/office/drawing/2014/main" id="{4A7687D8-74DA-F84A-D34F-6FF17B5D0A9E}"/>
+              </a:ext>
+            </a:extLst>
+          </p:cNvPr>
+          <p:cNvSpPr/>
+          <p:nvPr/>
+        </p:nvSpPr>
+        <p:spPr>
+          <a:xfrm>
+            <a:off x="0" y="0"/>
+            <a:ext cx="12192000" cy="6858000"/>
+          </a:xfrm>
+          <a:prstGeom prst="rect">
+            <a:avLst/>
+          </a:prstGeom>
+          <a:solidFill>
+            <a:srgbClr val="23242A"/>
+          </a:solidFill>
+          <a:ln>
+            <a:noFill/>
+          </a:ln>
+        </p:spPr>
+        <p:style>
+          <a:lnRef idx="2">
+            <a:schemeClr val="accent1">
+              <a:shade val="15000"/>
+            </a:schemeClr>
+          </a:lnRef>
+          <a:fillRef idx="1">
+            <a:schemeClr val="accent1"/>
+          </a:fillRef>
+          <a:effectRef idx="0">
+            <a:schemeClr val="accent1"/>
+          </a:effectRef>
+          <a:fontRef idx="minor">
+            <a:schemeClr val="lt1"/>
+          </a:fontRef>
+        </p:style>
+        <p:txBody>
+          <a:bodyPr rtlCol="0" anchor="ctr"/>
+          <a:lstStyle/>
+          <a:p>
+            <a:pPr algn="ctr"/>
+            <a:endParaRPr lang="zh-CN" altLang="en-US" dirty="0"/>
+          </a:p>
+        </p:txBody>
+      </p:sp>
+      <p:sp>
+        <p:nvSpPr>
+          <p:cNvPr id="4" name="Google Shape;867;p33">
+            <a:extLst>
+              <a:ext uri="{FF2B5EF4-FFF2-40B4-BE49-F238E27FC236}">
+                <a16:creationId xmlns:a16="http://schemas.microsoft.com/office/drawing/2014/main" id="{962D7E55-8960-88EA-FA32-53D63E7FBA6D}"/>
+              </a:ext>
+            </a:extLst>
+          </p:cNvPr>
+          <p:cNvSpPr txBox="1">
+            <a:spLocks/>
+          </p:cNvSpPr>
+          <p:nvPr/>
+        </p:nvSpPr>
+        <p:spPr>
+          <a:xfrm>
+            <a:off x="1557070" y="382508"/>
+            <a:ext cx="9077860" cy="1602400"/>
+          </a:xfrm>
+          <a:prstGeom prst="rect">
+            <a:avLst/>
+          </a:prstGeom>
+          <a:noFill/>
+          <a:ln>
+            <a:noFill/>
+          </a:ln>
+        </p:spPr>
+        <p:txBody>
+          <a:bodyPr spcFirstLastPara="1" wrap="square" lIns="91425" tIns="91425" rIns="91425" bIns="91425" anchor="b" anchorCtr="0">
+            <a:noAutofit/>
+          </a:bodyPr>
+          <a:lstStyle>
+            <a:defPPr marR="0" lvl="0" algn="l" rtl="0">
+              <a:lnSpc>
+                <a:spcPct val="100000"/>
+              </a:lnSpc>
+              <a:spcBef>
+                <a:spcPts val="0"/>
+              </a:spcBef>
+              <a:spcAft>
+                <a:spcPts val="0"/>
+              </a:spcAft>
+            </a:defPPr>
+            <a:lvl1pPr marR="0" lvl="0" algn="l" rtl="0">
+              <a:lnSpc>
+                <a:spcPct val="100000"/>
+              </a:lnSpc>
+              <a:spcBef>
+                <a:spcPts val="0"/>
+              </a:spcBef>
+              <a:spcAft>
+                <a:spcPts val="0"/>
+              </a:spcAft>
+              <a:buClr>
+                <a:schemeClr val="dk1"/>
+              </a:buClr>
+              <a:buSzPts val="3600"/>
+              <a:buFont typeface="Barlow"/>
+              <a:buNone/>
+              <a:defRPr sz="7200" b="1" i="0" u="none" strike="noStrike" cap="none">
+                <a:solidFill>
+                  <a:schemeClr val="dk1"/>
+                </a:solidFill>
+                <a:latin typeface="Barlow"/>
+                <a:ea typeface="Barlow"/>
+                <a:cs typeface="Barlow"/>
+                <a:sym typeface="Barlow"/>
+              </a:defRPr>
+            </a:lvl1pPr>
+            <a:lvl2pPr marR="0" lvl="1" algn="ctr" rtl="0">
+              <a:lnSpc>
+                <a:spcPct val="100000"/>
+              </a:lnSpc>
+              <a:spcBef>
+                <a:spcPts val="0"/>
+              </a:spcBef>
+              <a:spcAft>
+                <a:spcPts val="0"/>
+              </a:spcAft>
+              <a:buClr>
+                <a:schemeClr val="dk1"/>
+              </a:buClr>
+              <a:buSzPts val="3600"/>
+              <a:buFont typeface="Barlow"/>
+              <a:buNone/>
+              <a:defRPr sz="3600" b="1" i="0" u="none" strike="noStrike" cap="none">
+                <a:solidFill>
+                  <a:schemeClr val="dk1"/>
+                </a:solidFill>
+                <a:latin typeface="Barlow"/>
+                <a:ea typeface="Barlow"/>
+                <a:cs typeface="Barlow"/>
+                <a:sym typeface="Barlow"/>
+              </a:defRPr>
+            </a:lvl2pPr>
+            <a:lvl3pPr marR="0" lvl="2" algn="ctr" rtl="0">
+              <a:lnSpc>
+                <a:spcPct val="100000"/>
+              </a:lnSpc>
+              <a:spcBef>
+                <a:spcPts val="0"/>
+              </a:spcBef>
+              <a:spcAft>
+                <a:spcPts val="0"/>
+              </a:spcAft>
+              <a:buClr>
+                <a:schemeClr val="dk1"/>
+              </a:buClr>
+              <a:buSzPts val="3600"/>
+              <a:buFont typeface="Barlow"/>
+              <a:buNone/>
+              <a:defRPr sz="3600" b="1" i="0" u="none" strike="noStrike" cap="none">
+                <a:solidFill>
+                  <a:schemeClr val="dk1"/>
+                </a:solidFill>
+                <a:latin typeface="Barlow"/>
+                <a:ea typeface="Barlow"/>
+                <a:cs typeface="Barlow"/>
+                <a:sym typeface="Barlow"/>
+              </a:defRPr>
+            </a:lvl3pPr>
+            <a:lvl4pPr marR="0" lvl="3" algn="ctr" rtl="0">
+              <a:lnSpc>
+                <a:spcPct val="100000"/>
+              </a:lnSpc>
+              <a:spcBef>
+                <a:spcPts val="0"/>
+              </a:spcBef>
+              <a:spcAft>
+                <a:spcPts val="0"/>
+              </a:spcAft>
+              <a:buClr>
+                <a:schemeClr val="dk1"/>
+              </a:buClr>
+              <a:buSzPts val="3600"/>
+              <a:buFont typeface="Barlow"/>
+              <a:buNone/>
+              <a:defRPr sz="3600" b="1" i="0" u="none" strike="noStrike" cap="none">
+                <a:solidFill>
+                  <a:schemeClr val="dk1"/>
+                </a:solidFill>
+                <a:latin typeface="Barlow"/>
+                <a:ea typeface="Barlow"/>
+                <a:cs typeface="Barlow"/>
+                <a:sym typeface="Barlow"/>
+              </a:defRPr>
+            </a:lvl4pPr>
+            <a:lvl5pPr marR="0" lvl="4" algn="ctr" rtl="0">
+              <a:lnSpc>
+                <a:spcPct val="100000"/>
+              </a:lnSpc>
+              <a:spcBef>
+                <a:spcPts val="0"/>
+              </a:spcBef>
+              <a:spcAft>
+                <a:spcPts val="0"/>
+              </a:spcAft>
+              <a:buClr>
+                <a:schemeClr val="dk1"/>
+              </a:buClr>
+              <a:buSzPts val="3600"/>
+              <a:buFont typeface="Barlow"/>
+              <a:buNone/>
+              <a:defRPr sz="3600" b="1" i="0" u="none" strike="noStrike" cap="none">
+                <a:solidFill>
+                  <a:schemeClr val="dk1"/>
+                </a:solidFill>
+                <a:latin typeface="Barlow"/>
+                <a:ea typeface="Barlow"/>
+                <a:cs typeface="Barlow"/>
+                <a:sym typeface="Barlow"/>
+              </a:defRPr>
+            </a:lvl5pPr>
+            <a:lvl6pPr marR="0" lvl="5" algn="ctr" rtl="0">
+              <a:lnSpc>
+                <a:spcPct val="100000"/>
+              </a:lnSpc>
+              <a:spcBef>
+                <a:spcPts val="0"/>
+              </a:spcBef>
+              <a:spcAft>
+                <a:spcPts val="0"/>
+              </a:spcAft>
+              <a:buClr>
+                <a:schemeClr val="dk1"/>
+              </a:buClr>
+              <a:buSzPts val="3600"/>
+              <a:buFont typeface="Barlow"/>
+              <a:buNone/>
+              <a:defRPr sz="3600" b="1" i="0" u="none" strike="noStrike" cap="none">
+                <a:solidFill>
+                  <a:schemeClr val="dk1"/>
+                </a:solidFill>
+                <a:latin typeface="Barlow"/>
+                <a:ea typeface="Barlow"/>
+                <a:cs typeface="Barlow"/>
+                <a:sym typeface="Barlow"/>
+              </a:defRPr>
+            </a:lvl6pPr>
+            <a:lvl7pPr marR="0" lvl="6" algn="ctr" rtl="0">
+              <a:lnSpc>
+                <a:spcPct val="100000"/>
+              </a:lnSpc>
+              <a:spcBef>
+                <a:spcPts val="0"/>
+              </a:spcBef>
+              <a:spcAft>
+                <a:spcPts val="0"/>
+              </a:spcAft>
+              <a:buClr>
+                <a:schemeClr val="dk1"/>
+              </a:buClr>
+              <a:buSzPts val="3600"/>
+              <a:buFont typeface="Barlow"/>
+              <a:buNone/>
+              <a:defRPr sz="3600" b="1" i="0" u="none" strike="noStrike" cap="none">
+                <a:solidFill>
+                  <a:schemeClr val="dk1"/>
+                </a:solidFill>
+                <a:latin typeface="Barlow"/>
+                <a:ea typeface="Barlow"/>
+                <a:cs typeface="Barlow"/>
+                <a:sym typeface="Barlow"/>
+              </a:defRPr>
+            </a:lvl7pPr>
+            <a:lvl8pPr marR="0" lvl="7" algn="ctr" rtl="0">
+              <a:lnSpc>
+                <a:spcPct val="100000"/>
+              </a:lnSpc>
+              <a:spcBef>
+                <a:spcPts val="0"/>
+              </a:spcBef>
+              <a:spcAft>
+                <a:spcPts val="0"/>
+              </a:spcAft>
+              <a:buClr>
+                <a:schemeClr val="dk1"/>
+              </a:buClr>
+              <a:buSzPts val="3600"/>
+              <a:buFont typeface="Barlow"/>
+              <a:buNone/>
+              <a:defRPr sz="3600" b="1" i="0" u="none" strike="noStrike" cap="none">
+                <a:solidFill>
+                  <a:schemeClr val="dk1"/>
+                </a:solidFill>
+                <a:latin typeface="Barlow"/>
+                <a:ea typeface="Barlow"/>
+                <a:cs typeface="Barlow"/>
+                <a:sym typeface="Barlow"/>
+              </a:defRPr>
+            </a:lvl8pPr>
+            <a:lvl9pPr marR="0" lvl="8" algn="ctr" rtl="0">
+              <a:lnSpc>
+                <a:spcPct val="100000"/>
+              </a:lnSpc>
+              <a:spcBef>
+                <a:spcPts val="0"/>
+              </a:spcBef>
+              <a:spcAft>
+                <a:spcPts val="0"/>
+              </a:spcAft>
+              <a:buClr>
+                <a:schemeClr val="dk1"/>
+              </a:buClr>
+              <a:buSzPts val="3600"/>
+              <a:buFont typeface="Barlow"/>
+              <a:buNone/>
+              <a:defRPr sz="3600" b="1" i="0" u="none" strike="noStrike" cap="none">
+                <a:solidFill>
+                  <a:schemeClr val="dk1"/>
+                </a:solidFill>
+                <a:latin typeface="Barlow"/>
+                <a:ea typeface="Barlow"/>
+                <a:cs typeface="Barlow"/>
+                <a:sym typeface="Barlow"/>
+              </a:defRPr>
+            </a:lvl9pPr>
+          </a:lstStyle>
+          <a:p>
+            <a:pPr algn="ctr"/>
+            <a:r>
+              <a:rPr lang="en-US" altLang="zh-CN" sz="8000" spc="300" dirty="0">
+                <a:solidFill>
+                  <a:schemeClr val="accent4">
+                    <a:lumMod val="60000"/>
+                    <a:lumOff val="40000"/>
+                    <a:alpha val="60000"/>
+                  </a:schemeClr>
+                </a:solidFill>
+                <a:latin typeface="Amatic SC" panose="020F0502020204030204" pitchFamily="2" charset="-79"/>
+                <a:cs typeface="Amatic SC" panose="020F0502020204030204" pitchFamily="2" charset="-79"/>
+              </a:rPr>
+              <a:t>Exercises</a:t>
+            </a:r>
+          </a:p>
+        </p:txBody>
+      </p:sp>
+      <p:sp>
+        <p:nvSpPr>
+          <p:cNvPr id="2" name="TextBox 1">
+            <a:extLst>
+              <a:ext uri="{FF2B5EF4-FFF2-40B4-BE49-F238E27FC236}">
+                <a16:creationId xmlns:a16="http://schemas.microsoft.com/office/drawing/2014/main" id="{6EDAF4E1-4C12-63F0-60FE-1043F32FB6E8}"/>
+              </a:ext>
+            </a:extLst>
+          </p:cNvPr>
+          <p:cNvSpPr txBox="1"/>
+          <p:nvPr/>
+        </p:nvSpPr>
+        <p:spPr>
+          <a:xfrm>
+            <a:off x="1265150" y="2117180"/>
+            <a:ext cx="9727970" cy="1321580"/>
+          </a:xfrm>
+          <a:prstGeom prst="rect">
+            <a:avLst/>
+          </a:prstGeom>
+          <a:noFill/>
+        </p:spPr>
+        <p:txBody>
+          <a:bodyPr wrap="square" rtlCol="0">
+            <a:spAutoFit/>
+          </a:bodyPr>
+          <a:lstStyle/>
+          <a:p>
+            <a:pPr marL="571500" indent="-571500">
+              <a:lnSpc>
+                <a:spcPct val="150000"/>
+              </a:lnSpc>
+              <a:buFont typeface="Wingdings" panose="05000000000000000000" pitchFamily="2" charset="2"/>
+              <a:buChar char="p"/>
+            </a:pPr>
+            <a:r>
+              <a:rPr lang="en-US" altLang="zh-CN" sz="2800" dirty="0">
+                <a:solidFill>
+                  <a:schemeClr val="bg1">
+                    <a:lumMod val="75000"/>
+                  </a:schemeClr>
+                </a:solidFill>
+                <a:latin typeface="High Tower Text" panose="02040502050506030303" pitchFamily="18" charset="0"/>
+              </a:rPr>
+              <a:t>How can you make the ghost fade out/in faster/slower?</a:t>
+            </a:r>
+          </a:p>
+          <a:p>
+            <a:pPr marL="571500" indent="-571500">
+              <a:lnSpc>
+                <a:spcPct val="150000"/>
+              </a:lnSpc>
+              <a:buFont typeface="Wingdings" panose="05000000000000000000" pitchFamily="2" charset="2"/>
+              <a:buChar char="p"/>
+            </a:pPr>
+            <a:r>
+              <a:rPr lang="en-US" altLang="zh-CN" sz="2800" dirty="0">
+                <a:solidFill>
+                  <a:schemeClr val="bg1">
+                    <a:lumMod val="75000"/>
+                  </a:schemeClr>
+                </a:solidFill>
+                <a:latin typeface="High Tower Text" panose="02040502050506030303" pitchFamily="18" charset="0"/>
+              </a:rPr>
+              <a:t>Explore with other graphic effects and see what each one</a:t>
+            </a:r>
+            <a:endParaRPr lang="zh-CN" altLang="en-US" sz="2800" dirty="0">
+              <a:solidFill>
+                <a:schemeClr val="bg1">
+                  <a:lumMod val="75000"/>
+                </a:schemeClr>
+              </a:solidFill>
+              <a:latin typeface="High Tower Text" panose="02040502050506030303" pitchFamily="18" charset="0"/>
+            </a:endParaRPr>
+          </a:p>
+        </p:txBody>
+      </p:sp>
+    </p:spTree>
+    <p:extLst>
+      <p:ext uri="{BB962C8B-B14F-4D97-AF65-F5344CB8AC3E}">
+        <p14:creationId xmlns:p14="http://schemas.microsoft.com/office/powerpoint/2010/main" val="8421016"/>
+      </p:ext>
+    </p:extLst>
+  </p:cSld>
+  <p:clrMapOvr>
+    <a:masterClrMapping/>
+  </p:clrMapOvr>
+</p:sld>
+</file>
+
+<file path=ppt/slides/slide39.xml><?xml version="1.0" encoding="utf-8"?>
+<p:sld xmlns:a="http://schemas.openxmlformats.org/drawingml/2006/main" xmlns:r="http://schemas.openxmlformats.org/officeDocument/2006/relationships" xmlns:p="http://schemas.openxmlformats.org/presentationml/2006/main">
+  <p:cSld>
+    <p:spTree>
+      <p:nvGrpSpPr>
+        <p:cNvPr id="1" name=""/>
+        <p:cNvGrpSpPr/>
+        <p:nvPr/>
+      </p:nvGrpSpPr>
+      <p:grpSpPr>
+        <a:xfrm>
+          <a:off x="0" y="0"/>
+          <a:ext cx="0" cy="0"/>
+          <a:chOff x="0" y="0"/>
+          <a:chExt cx="0" cy="0"/>
+        </a:xfrm>
+      </p:grpSpPr>
+      <p:sp>
+        <p:nvSpPr>
+          <p:cNvPr id="6" name="Rectangle 5">
+            <a:extLst>
+              <a:ext uri="{FF2B5EF4-FFF2-40B4-BE49-F238E27FC236}">
+                <a16:creationId xmlns:a16="http://schemas.microsoft.com/office/drawing/2014/main" id="{7BC4EB1B-EA6B-DFE4-AF3B-05D0EB253209}"/>
+              </a:ext>
+            </a:extLst>
+          </p:cNvPr>
+          <p:cNvSpPr/>
+          <p:nvPr/>
+        </p:nvSpPr>
+        <p:spPr>
+          <a:xfrm>
+            <a:off x="0" y="0"/>
+            <a:ext cx="12192000" cy="6858000"/>
+          </a:xfrm>
+          <a:prstGeom prst="rect">
+            <a:avLst/>
+          </a:prstGeom>
+          <a:solidFill>
+            <a:srgbClr val="23242A"/>
+          </a:solidFill>
+          <a:ln>
+            <a:noFill/>
+          </a:ln>
+        </p:spPr>
+        <p:style>
+          <a:lnRef idx="2">
+            <a:schemeClr val="accent1">
+              <a:shade val="15000"/>
+            </a:schemeClr>
+          </a:lnRef>
+          <a:fillRef idx="1">
+            <a:schemeClr val="accent1"/>
+          </a:fillRef>
+          <a:effectRef idx="0">
+            <a:schemeClr val="accent1"/>
+          </a:effectRef>
+          <a:fontRef idx="minor">
+            <a:schemeClr val="lt1"/>
+          </a:fontRef>
+        </p:style>
+        <p:txBody>
+          <a:bodyPr rtlCol="0" anchor="ctr"/>
+          <a:lstStyle/>
+          <a:p>
+            <a:pPr algn="ctr"/>
+            <a:endParaRPr lang="zh-CN" altLang="en-US" dirty="0"/>
+          </a:p>
+        </p:txBody>
+      </p:sp>
+      <p:sp>
+        <p:nvSpPr>
+          <p:cNvPr id="2" name="Slide Number Placeholder 1">
+            <a:extLst>
+              <a:ext uri="{FF2B5EF4-FFF2-40B4-BE49-F238E27FC236}">
+                <a16:creationId xmlns:a16="http://schemas.microsoft.com/office/drawing/2014/main" id="{C53E70DF-9B91-8A92-BF94-1399BB9FFE34}"/>
+              </a:ext>
+            </a:extLst>
+          </p:cNvPr>
+          <p:cNvSpPr>
+            <a:spLocks noGrp="1"/>
+          </p:cNvSpPr>
+          <p:nvPr>
+            <p:ph type="sldNum" sz="quarter" idx="12"/>
+          </p:nvPr>
+        </p:nvSpPr>
+        <p:spPr>
+          <a:xfrm>
+            <a:off x="9057739" y="6259509"/>
+            <a:ext cx="2743200" cy="365125"/>
+          </a:xfrm>
+        </p:spPr>
+        <p:txBody>
+          <a:bodyPr/>
+          <a:lstStyle/>
+          <a:p>
+            <a:fld id="{9B1EC109-1E15-4BCA-93B5-56442BB3443E}" type="slidenum">
+              <a:rPr lang="zh-CN" altLang="en-US" sz="2400" b="1" smtClean="0">
+                <a:solidFill>
+                  <a:schemeClr val="bg1">
+                    <a:lumMod val="65000"/>
+                  </a:schemeClr>
+                </a:solidFill>
+                <a:latin typeface="Bradley Hand ITC" panose="03070402050302030203" pitchFamily="66" charset="0"/>
+              </a:rPr>
+              <a:t>39</a:t>
             </a:fld>
             <a:endParaRPr lang="zh-CN" altLang="en-US" sz="2400" b="1" dirty="0">
               <a:solidFill>

--- a/Scratch for Newbies/Level1/Lesson 5 - Find the Bug/Notes/Notes.pptx
+++ b/Scratch for Newbies/Level1/Lesson 5 - Find the Bug/Notes/Notes.pptx
@@ -5,7 +5,7 @@
     <p:sldMasterId id="2147483648" r:id="rId1"/>
   </p:sldMasterIdLst>
   <p:notesMasterIdLst>
-    <p:notesMasterId r:id="rId41"/>
+    <p:notesMasterId r:id="rId44"/>
   </p:notesMasterIdLst>
   <p:sldIdLst>
     <p:sldId id="259" r:id="rId2"/>
@@ -43,10 +43,13 @@
     <p:sldId id="475" r:id="rId34"/>
     <p:sldId id="476" r:id="rId35"/>
     <p:sldId id="477" r:id="rId36"/>
-    <p:sldId id="478" r:id="rId37"/>
-    <p:sldId id="383" r:id="rId38"/>
-    <p:sldId id="443" r:id="rId39"/>
-    <p:sldId id="319" r:id="rId40"/>
+    <p:sldId id="479" r:id="rId37"/>
+    <p:sldId id="478" r:id="rId38"/>
+    <p:sldId id="480" r:id="rId39"/>
+    <p:sldId id="481" r:id="rId40"/>
+    <p:sldId id="383" r:id="rId41"/>
+    <p:sldId id="443" r:id="rId42"/>
+    <p:sldId id="319" r:id="rId43"/>
   </p:sldIdLst>
   <p:sldSz cx="12192000" cy="6858000"/>
   <p:notesSz cx="6858000" cy="9144000"/>
@@ -23899,7 +23902,7 @@
         <p:cNvPr id="1" name="">
           <a:extLst>
             <a:ext uri="{FF2B5EF4-FFF2-40B4-BE49-F238E27FC236}">
-              <a16:creationId xmlns:a16="http://schemas.microsoft.com/office/drawing/2014/main" id="{315EB60D-9139-5188-693D-23D27FDAD788}"/>
+              <a16:creationId xmlns:a16="http://schemas.microsoft.com/office/drawing/2014/main" id="{9BCCC4E6-C5CE-A4B5-50FA-7C2C6493E35E}"/>
             </a:ext>
           </a:extLst>
         </p:cNvPr>
@@ -23919,7 +23922,7 @@
           <p:cNvPr id="6" name="Rectangle 5">
             <a:extLst>
               <a:ext uri="{FF2B5EF4-FFF2-40B4-BE49-F238E27FC236}">
-                <a16:creationId xmlns:a16="http://schemas.microsoft.com/office/drawing/2014/main" id="{615F64A0-D63D-3BCF-0A44-829090C72639}"/>
+                <a16:creationId xmlns:a16="http://schemas.microsoft.com/office/drawing/2014/main" id="{198C5482-1E02-B0CD-6FCF-3B1047708FF1}"/>
               </a:ext>
             </a:extLst>
           </p:cNvPr>
@@ -23962,10 +23965,6 @@
           <a:lstStyle/>
           <a:p>
             <a:pPr algn="ctr"/>
-            <a:r>
-              <a:rPr lang="en-US" altLang="zh-CN" dirty="0"/>
-              <a:t>0.000</a:t>
-            </a:r>
             <a:endParaRPr lang="zh-CN" altLang="en-US" dirty="0"/>
           </a:p>
         </p:txBody>
@@ -23975,7 +23974,7 @@
           <p:cNvPr id="2" name="Slide Number Placeholder 1">
             <a:extLst>
               <a:ext uri="{FF2B5EF4-FFF2-40B4-BE49-F238E27FC236}">
-                <a16:creationId xmlns:a16="http://schemas.microsoft.com/office/drawing/2014/main" id="{9FE3B245-7769-34B0-18C0-854F58AE15E8}"/>
+                <a16:creationId xmlns:a16="http://schemas.microsoft.com/office/drawing/2014/main" id="{A01CDC6C-017A-472B-61CF-A427719C430D}"/>
               </a:ext>
             </a:extLst>
           </p:cNvPr>
@@ -24023,7 +24022,7 @@
           <p:cNvPr id="4" name="Google Shape;867;p33">
             <a:extLst>
               <a:ext uri="{FF2B5EF4-FFF2-40B4-BE49-F238E27FC236}">
-                <a16:creationId xmlns:a16="http://schemas.microsoft.com/office/drawing/2014/main" id="{2C6DACF3-D2E2-6DFF-3DAB-205057C69809}"/>
+                <a16:creationId xmlns:a16="http://schemas.microsoft.com/office/drawing/2014/main" id="{71741A05-73AB-43D9-1336-F1B581F24B03}"/>
               </a:ext>
             </a:extLst>
           </p:cNvPr>
@@ -24320,7 +24319,7 @@
           <p:cNvPr id="7" name="Graphic 6">
             <a:extLst>
               <a:ext uri="{FF2B5EF4-FFF2-40B4-BE49-F238E27FC236}">
-                <a16:creationId xmlns:a16="http://schemas.microsoft.com/office/drawing/2014/main" id="{9C7ED996-B157-0C18-1F9B-1EE8D9075D2C}"/>
+                <a16:creationId xmlns:a16="http://schemas.microsoft.com/office/drawing/2014/main" id="{62495560-2A86-B699-395A-40E08AB14F01}"/>
               </a:ext>
             </a:extLst>
           </p:cNvPr>
@@ -24356,7 +24355,7 @@
           <p:cNvPr id="11" name="Picture 10">
             <a:extLst>
               <a:ext uri="{FF2B5EF4-FFF2-40B4-BE49-F238E27FC236}">
-                <a16:creationId xmlns:a16="http://schemas.microsoft.com/office/drawing/2014/main" id="{55A18EF8-2F96-5065-7AED-8E06DCB35A98}"/>
+                <a16:creationId xmlns:a16="http://schemas.microsoft.com/office/drawing/2014/main" id="{DB74E52B-6EF5-C9C7-0043-ED62BDD675C7}"/>
               </a:ext>
             </a:extLst>
           </p:cNvPr>
@@ -24392,7 +24391,7 @@
           <p:cNvPr id="13" name="Picture 12">
             <a:extLst>
               <a:ext uri="{FF2B5EF4-FFF2-40B4-BE49-F238E27FC236}">
-                <a16:creationId xmlns:a16="http://schemas.microsoft.com/office/drawing/2014/main" id="{3C512E13-5BA5-0432-DD6C-0F10CF396730}"/>
+                <a16:creationId xmlns:a16="http://schemas.microsoft.com/office/drawing/2014/main" id="{216D5B0E-B7BB-3175-5D0C-AD51853DB3B9}"/>
               </a:ext>
             </a:extLst>
           </p:cNvPr>
@@ -24428,7 +24427,7 @@
           <p:cNvPr id="17" name="Graphic 16">
             <a:extLst>
               <a:ext uri="{FF2B5EF4-FFF2-40B4-BE49-F238E27FC236}">
-                <a16:creationId xmlns:a16="http://schemas.microsoft.com/office/drawing/2014/main" id="{1AD5BE40-24A7-9A5F-D3D7-A5A8562115F3}"/>
+                <a16:creationId xmlns:a16="http://schemas.microsoft.com/office/drawing/2014/main" id="{71BBB7B7-A06D-1271-4D20-89DAE68E0BF8}"/>
               </a:ext>
             </a:extLst>
           </p:cNvPr>
@@ -24464,7 +24463,7 @@
           <p:cNvPr id="18" name="Graphic 17">
             <a:extLst>
               <a:ext uri="{FF2B5EF4-FFF2-40B4-BE49-F238E27FC236}">
-                <a16:creationId xmlns:a16="http://schemas.microsoft.com/office/drawing/2014/main" id="{D4EF7E4C-4804-2450-B285-CD85F5C7A1AA}"/>
+                <a16:creationId xmlns:a16="http://schemas.microsoft.com/office/drawing/2014/main" id="{4757E729-0FA3-7B00-8F87-FE98EE5A9DBF}"/>
               </a:ext>
             </a:extLst>
           </p:cNvPr>
@@ -24501,7 +24500,7 @@
           <p:cNvPr id="19" name="Graphic 18">
             <a:extLst>
               <a:ext uri="{FF2B5EF4-FFF2-40B4-BE49-F238E27FC236}">
-                <a16:creationId xmlns:a16="http://schemas.microsoft.com/office/drawing/2014/main" id="{CAF076EB-5F36-6C5B-659C-58E88EBE46BC}"/>
+                <a16:creationId xmlns:a16="http://schemas.microsoft.com/office/drawing/2014/main" id="{54183FCD-A1FB-F88F-0E90-25A327857D41}"/>
               </a:ext>
             </a:extLst>
           </p:cNvPr>
@@ -24538,7 +24537,7 @@
           <p:cNvPr id="20" name="Graphic 19">
             <a:extLst>
               <a:ext uri="{FF2B5EF4-FFF2-40B4-BE49-F238E27FC236}">
-                <a16:creationId xmlns:a16="http://schemas.microsoft.com/office/drawing/2014/main" id="{5D0E4EE7-348A-DD61-A2AF-98C7291575EE}"/>
+                <a16:creationId xmlns:a16="http://schemas.microsoft.com/office/drawing/2014/main" id="{1D9F5620-FEFE-34C4-F4FF-F6B35C55A121}"/>
               </a:ext>
             </a:extLst>
           </p:cNvPr>
@@ -24575,7 +24574,7 @@
           <p:cNvPr id="21" name="Graphic 20">
             <a:extLst>
               <a:ext uri="{FF2B5EF4-FFF2-40B4-BE49-F238E27FC236}">
-                <a16:creationId xmlns:a16="http://schemas.microsoft.com/office/drawing/2014/main" id="{DFBF33E2-D187-CE13-163B-FDE1675D7614}"/>
+                <a16:creationId xmlns:a16="http://schemas.microsoft.com/office/drawing/2014/main" id="{ECF945A7-10CC-51E1-7574-C4D9FEF28E1D}"/>
               </a:ext>
             </a:extLst>
           </p:cNvPr>
@@ -24612,7 +24611,7 @@
           <p:cNvPr id="23" name="Picture 22">
             <a:extLst>
               <a:ext uri="{FF2B5EF4-FFF2-40B4-BE49-F238E27FC236}">
-                <a16:creationId xmlns:a16="http://schemas.microsoft.com/office/drawing/2014/main" id="{C95A98B3-395E-75D8-24F4-AA4F85ABB397}"/>
+                <a16:creationId xmlns:a16="http://schemas.microsoft.com/office/drawing/2014/main" id="{DAA1CF90-5E8C-7EC4-1F61-2D3D6DC9C953}"/>
               </a:ext>
             </a:extLst>
           </p:cNvPr>
@@ -24660,7 +24659,7 @@
           <p:cNvPr id="24" name="TextBox 23">
             <a:extLst>
               <a:ext uri="{FF2B5EF4-FFF2-40B4-BE49-F238E27FC236}">
-                <a16:creationId xmlns:a16="http://schemas.microsoft.com/office/drawing/2014/main" id="{01829F73-8877-D774-EDB4-CF2326A8C956}"/>
+                <a16:creationId xmlns:a16="http://schemas.microsoft.com/office/drawing/2014/main" id="{01BA8943-4282-1E28-6B8C-B6882B82B6C7}"/>
               </a:ext>
             </a:extLst>
           </p:cNvPr>
@@ -24711,7 +24710,7 @@
           <p:cNvPr id="26" name="Rectangle: Rounded Corners 25">
             <a:extLst>
               <a:ext uri="{FF2B5EF4-FFF2-40B4-BE49-F238E27FC236}">
-                <a16:creationId xmlns:a16="http://schemas.microsoft.com/office/drawing/2014/main" id="{65DCB34C-E3AA-65A7-080D-6FD3991D98B3}"/>
+                <a16:creationId xmlns:a16="http://schemas.microsoft.com/office/drawing/2014/main" id="{32900EEE-331F-917F-3309-890C222913F1}"/>
               </a:ext>
             </a:extLst>
           </p:cNvPr>
@@ -24767,7 +24766,7 @@
           <p:cNvPr id="27" name="TextBox 26">
             <a:extLst>
               <a:ext uri="{FF2B5EF4-FFF2-40B4-BE49-F238E27FC236}">
-                <a16:creationId xmlns:a16="http://schemas.microsoft.com/office/drawing/2014/main" id="{ED57239A-C623-C2DF-C590-E3D5D9305DEB}"/>
+                <a16:creationId xmlns:a16="http://schemas.microsoft.com/office/drawing/2014/main" id="{67E9A1F1-8C1E-5622-737B-5DB1DE4DB2B3}"/>
               </a:ext>
             </a:extLst>
           </p:cNvPr>
@@ -24812,7 +24811,7 @@
           <p:cNvPr id="28" name="Rectangle: Rounded Corners 27">
             <a:extLst>
               <a:ext uri="{FF2B5EF4-FFF2-40B4-BE49-F238E27FC236}">
-                <a16:creationId xmlns:a16="http://schemas.microsoft.com/office/drawing/2014/main" id="{7451A4A8-CC28-A93D-5259-1538E4F1F03F}"/>
+                <a16:creationId xmlns:a16="http://schemas.microsoft.com/office/drawing/2014/main" id="{563E9DA0-DEF9-4BAD-C9DB-F54A1D2C6805}"/>
               </a:ext>
             </a:extLst>
           </p:cNvPr>
@@ -24868,7 +24867,7 @@
           <p:cNvPr id="29" name="TextBox 28">
             <a:extLst>
               <a:ext uri="{FF2B5EF4-FFF2-40B4-BE49-F238E27FC236}">
-                <a16:creationId xmlns:a16="http://schemas.microsoft.com/office/drawing/2014/main" id="{FFC8B2D1-8ACF-26E5-FE9A-3757E08517CD}"/>
+                <a16:creationId xmlns:a16="http://schemas.microsoft.com/office/drawing/2014/main" id="{26C2DF8D-8940-E3CE-8C0C-BB211F6E7221}"/>
               </a:ext>
             </a:extLst>
           </p:cNvPr>
@@ -24913,7 +24912,7 @@
           <p:cNvPr id="30" name="Rectangle: Rounded Corners 29">
             <a:extLst>
               <a:ext uri="{FF2B5EF4-FFF2-40B4-BE49-F238E27FC236}">
-                <a16:creationId xmlns:a16="http://schemas.microsoft.com/office/drawing/2014/main" id="{186469B2-DDC8-418F-8F96-58AEB8A802A5}"/>
+                <a16:creationId xmlns:a16="http://schemas.microsoft.com/office/drawing/2014/main" id="{D8ADEB44-F9CE-CAD7-1F51-DC0F5A32E592}"/>
               </a:ext>
             </a:extLst>
           </p:cNvPr>
@@ -24969,7 +24968,7 @@
           <p:cNvPr id="31" name="TextBox 30">
             <a:extLst>
               <a:ext uri="{FF2B5EF4-FFF2-40B4-BE49-F238E27FC236}">
-                <a16:creationId xmlns:a16="http://schemas.microsoft.com/office/drawing/2014/main" id="{12F94824-8FAA-9059-BF66-1BDEC4F429EE}"/>
+                <a16:creationId xmlns:a16="http://schemas.microsoft.com/office/drawing/2014/main" id="{7CA00EBF-3284-127C-D8A9-8A9C2FCD4AAE}"/>
               </a:ext>
             </a:extLst>
           </p:cNvPr>
@@ -25014,7 +25013,7 @@
           <p:cNvPr id="32" name="Rectangle: Rounded Corners 31">
             <a:extLst>
               <a:ext uri="{FF2B5EF4-FFF2-40B4-BE49-F238E27FC236}">
-                <a16:creationId xmlns:a16="http://schemas.microsoft.com/office/drawing/2014/main" id="{0BAA45BC-BC5A-966D-DE43-887642B6C586}"/>
+                <a16:creationId xmlns:a16="http://schemas.microsoft.com/office/drawing/2014/main" id="{D1EF5E11-8DEF-48C7-A896-9DC13DB40683}"/>
               </a:ext>
             </a:extLst>
           </p:cNvPr>
@@ -25070,7 +25069,7 @@
           <p:cNvPr id="33" name="TextBox 32">
             <a:extLst>
               <a:ext uri="{FF2B5EF4-FFF2-40B4-BE49-F238E27FC236}">
-                <a16:creationId xmlns:a16="http://schemas.microsoft.com/office/drawing/2014/main" id="{DDD362FF-16CC-ED2D-408A-356A49672C49}"/>
+                <a16:creationId xmlns:a16="http://schemas.microsoft.com/office/drawing/2014/main" id="{B83C2D55-F2B5-305D-EDA8-38755DBD14F2}"/>
               </a:ext>
             </a:extLst>
           </p:cNvPr>
@@ -25113,7 +25112,7 @@
     </p:spTree>
     <p:extLst>
       <p:ext uri="{BB962C8B-B14F-4D97-AF65-F5344CB8AC3E}">
-        <p14:creationId xmlns:p14="http://schemas.microsoft.com/office/powerpoint/2010/main" val="148644063"/>
+        <p14:creationId xmlns:p14="http://schemas.microsoft.com/office/powerpoint/2010/main" val="2835494218"/>
       </p:ext>
     </p:extLst>
   </p:cSld>
@@ -25131,7 +25130,7 @@
         <p:cNvPr id="1" name="">
           <a:extLst>
             <a:ext uri="{FF2B5EF4-FFF2-40B4-BE49-F238E27FC236}">
-              <a16:creationId xmlns:a16="http://schemas.microsoft.com/office/drawing/2014/main" id="{B0638B88-A28D-0D98-6790-AFD73D028E78}"/>
+              <a16:creationId xmlns:a16="http://schemas.microsoft.com/office/drawing/2014/main" id="{315EB60D-9139-5188-693D-23D27FDAD788}"/>
             </a:ext>
           </a:extLst>
         </p:cNvPr>
@@ -25151,7 +25150,7 @@
           <p:cNvPr id="6" name="Rectangle 5">
             <a:extLst>
               <a:ext uri="{FF2B5EF4-FFF2-40B4-BE49-F238E27FC236}">
-                <a16:creationId xmlns:a16="http://schemas.microsoft.com/office/drawing/2014/main" id="{52E115B1-EE40-3BB7-072F-C694ABBC3CDA}"/>
+                <a16:creationId xmlns:a16="http://schemas.microsoft.com/office/drawing/2014/main" id="{615F64A0-D63D-3BCF-0A44-829090C72639}"/>
               </a:ext>
             </a:extLst>
           </p:cNvPr>
@@ -25203,7 +25202,7 @@
           <p:cNvPr id="2" name="Slide Number Placeholder 1">
             <a:extLst>
               <a:ext uri="{FF2B5EF4-FFF2-40B4-BE49-F238E27FC236}">
-                <a16:creationId xmlns:a16="http://schemas.microsoft.com/office/drawing/2014/main" id="{6B14C209-5E11-9F64-6579-48902F3047ED}"/>
+                <a16:creationId xmlns:a16="http://schemas.microsoft.com/office/drawing/2014/main" id="{9FE3B245-7769-34B0-18C0-854F58AE15E8}"/>
               </a:ext>
             </a:extLst>
           </p:cNvPr>
@@ -25251,7 +25250,7 @@
           <p:cNvPr id="4" name="Google Shape;867;p33">
             <a:extLst>
               <a:ext uri="{FF2B5EF4-FFF2-40B4-BE49-F238E27FC236}">
-                <a16:creationId xmlns:a16="http://schemas.microsoft.com/office/drawing/2014/main" id="{8C54911E-C7A1-4CEC-EBF1-0B16D4B61B9B}"/>
+                <a16:creationId xmlns:a16="http://schemas.microsoft.com/office/drawing/2014/main" id="{2C6DACF3-D2E2-6DFF-3DAB-205057C69809}"/>
               </a:ext>
             </a:extLst>
           </p:cNvPr>
@@ -25538,17 +25537,17 @@
                 <a:latin typeface="Amatic SC" panose="020F0502020204030204" pitchFamily="2" charset="-79"/>
                 <a:cs typeface="Amatic SC" panose="020F0502020204030204" pitchFamily="2" charset="-79"/>
               </a:rPr>
-              <a:t>What we learnt…</a:t>
+              <a:t>Report the Time</a:t>
             </a:r>
           </a:p>
         </p:txBody>
       </p:sp>
       <p:sp>
         <p:nvSpPr>
-          <p:cNvPr id="7" name="TextBox 6">
-            <a:extLst>
-              <a:ext uri="{FF2B5EF4-FFF2-40B4-BE49-F238E27FC236}">
-                <a16:creationId xmlns:a16="http://schemas.microsoft.com/office/drawing/2014/main" id="{746CF1E8-DC14-458F-9658-3E32EF64E0E4}"/>
+          <p:cNvPr id="34" name="TextBox 33">
+            <a:extLst>
+              <a:ext uri="{FF2B5EF4-FFF2-40B4-BE49-F238E27FC236}">
+                <a16:creationId xmlns:a16="http://schemas.microsoft.com/office/drawing/2014/main" id="{10E169D6-6A3F-8A25-E774-09C618FB30BE}"/>
               </a:ext>
             </a:extLst>
           </p:cNvPr>
@@ -25557,8 +25556,8 @@
         </p:nvSpPr>
         <p:spPr>
           <a:xfrm>
-            <a:off x="1265150" y="2757261"/>
-            <a:ext cx="4048530" cy="2123658"/>
+            <a:off x="2345803" y="5261997"/>
+            <a:ext cx="7874644" cy="954107"/>
           </a:xfrm>
           <a:prstGeom prst="rect">
             <a:avLst/>
@@ -25573,7 +25572,7 @@
           <a:p>
             <a:pPr algn="ctr"/>
             <a:r>
-              <a:rPr lang="en-US" altLang="zh-CN" sz="4400" dirty="0">
+              <a:rPr lang="en-US" altLang="zh-CN" sz="2800" dirty="0">
                 <a:solidFill>
                   <a:schemeClr val="bg1">
                     <a:lumMod val="75000"/>
@@ -25581,32 +25580,9 @@
                 </a:solidFill>
                 <a:latin typeface="High Tower Text" panose="02040502050506030303" pitchFamily="18" charset="0"/>
               </a:rPr>
-              <a:t>How to change sprite </a:t>
+              <a:t>Rectangle block with rounded corners can be put inside rectangle slots with rounded corners</a:t>
             </a:r>
-            <a:r>
-              <a:rPr lang="en-US" altLang="zh-CN" sz="4400" dirty="0">
-                <a:solidFill>
-                  <a:schemeClr val="accent2">
-                    <a:lumMod val="60000"/>
-                    <a:lumOff val="40000"/>
-                  </a:schemeClr>
-                </a:solidFill>
-                <a:latin typeface="High Tower Text" panose="02040502050506030303" pitchFamily="18" charset="0"/>
-              </a:rPr>
-              <a:t>size</a:t>
-            </a:r>
-            <a:r>
-              <a:rPr lang="en-US" altLang="zh-CN" sz="4400" dirty="0">
-                <a:solidFill>
-                  <a:schemeClr val="bg1">
-                    <a:lumMod val="75000"/>
-                  </a:schemeClr>
-                </a:solidFill>
-                <a:latin typeface="High Tower Text" panose="02040502050506030303" pitchFamily="18" charset="0"/>
-              </a:rPr>
-              <a:t> using block</a:t>
-            </a:r>
-            <a:endParaRPr lang="zh-CN" altLang="en-US" sz="4400" dirty="0">
+            <a:endParaRPr lang="zh-CN" altLang="en-US" sz="2800" dirty="0">
               <a:solidFill>
                 <a:schemeClr val="bg1">
                   <a:lumMod val="75000"/>
@@ -25619,10 +25595,10 @@
       </p:sp>
       <p:pic>
         <p:nvPicPr>
-          <p:cNvPr id="3" name="Picture 2" descr="A purple rectangle with white text and a circle with black text&#10;&#10;Description automatically generated">
-            <a:extLst>
-              <a:ext uri="{FF2B5EF4-FFF2-40B4-BE49-F238E27FC236}">
-                <a16:creationId xmlns:a16="http://schemas.microsoft.com/office/drawing/2014/main" id="{0D5B4824-D4E9-4CE7-C84E-EE743E88F8C3}"/>
+          <p:cNvPr id="36" name="Picture 35">
+            <a:extLst>
+              <a:ext uri="{FF2B5EF4-FFF2-40B4-BE49-F238E27FC236}">
+                <a16:creationId xmlns:a16="http://schemas.microsoft.com/office/drawing/2014/main" id="{1C62F0BE-930A-CE3D-1BD9-37A6E6EB30A0}"/>
               </a:ext>
             </a:extLst>
           </p:cNvPr>
@@ -25645,18 +25621,107 @@
         </p:blipFill>
         <p:spPr>
           <a:xfrm>
-            <a:off x="6878322" y="3305569"/>
-            <a:ext cx="3573442" cy="1262541"/>
+            <a:off x="2041625" y="2547511"/>
+            <a:ext cx="4578985" cy="982464"/>
           </a:xfrm>
           <a:prstGeom prst="rect">
             <a:avLst/>
           </a:prstGeom>
         </p:spPr>
       </p:pic>
+      <p:pic>
+        <p:nvPicPr>
+          <p:cNvPr id="38" name="Picture 37">
+            <a:extLst>
+              <a:ext uri="{FF2B5EF4-FFF2-40B4-BE49-F238E27FC236}">
+                <a16:creationId xmlns:a16="http://schemas.microsoft.com/office/drawing/2014/main" id="{DB300602-51C3-7209-5AF4-448C0B97B038}"/>
+              </a:ext>
+            </a:extLst>
+          </p:cNvPr>
+          <p:cNvPicPr>
+            <a:picLocks noChangeAspect="1"/>
+          </p:cNvPicPr>
+          <p:nvPr/>
+        </p:nvPicPr>
+        <p:blipFill>
+          <a:blip r:embed="rId3">
+            <a:extLst>
+              <a:ext uri="{28A0092B-C50C-407E-A947-70E740481C1C}">
+                <a14:useLocalDpi xmlns:a14="http://schemas.microsoft.com/office/drawing/2010/main" val="0"/>
+              </a:ext>
+            </a:extLst>
+          </a:blip>
+          <a:stretch>
+            <a:fillRect/>
+          </a:stretch>
+        </p:blipFill>
+        <p:spPr>
+          <a:xfrm>
+            <a:off x="8915866" y="2667000"/>
+            <a:ext cx="1133475" cy="762000"/>
+          </a:xfrm>
+          <a:prstGeom prst="rect">
+            <a:avLst/>
+          </a:prstGeom>
+        </p:spPr>
+      </p:pic>
+      <p:sp>
+        <p:nvSpPr>
+          <p:cNvPr id="39" name="Arc 38">
+            <a:extLst>
+              <a:ext uri="{FF2B5EF4-FFF2-40B4-BE49-F238E27FC236}">
+                <a16:creationId xmlns:a16="http://schemas.microsoft.com/office/drawing/2014/main" id="{7639467C-ED7E-E5AE-03D6-F3F28AC5FB6F}"/>
+              </a:ext>
+            </a:extLst>
+          </p:cNvPr>
+          <p:cNvSpPr/>
+          <p:nvPr/>
+        </p:nvSpPr>
+        <p:spPr>
+          <a:xfrm rot="7921796">
+            <a:off x="2259409" y="-3566419"/>
+            <a:ext cx="8019265" cy="8528629"/>
+          </a:xfrm>
+          <a:prstGeom prst="arc">
+            <a:avLst/>
+          </a:prstGeom>
+          <a:ln w="50800">
+            <a:solidFill>
+              <a:schemeClr val="bg1">
+                <a:lumMod val="75000"/>
+              </a:schemeClr>
+            </a:solidFill>
+            <a:prstDash val="sysDash"/>
+            <a:tailEnd type="triangle"/>
+          </a:ln>
+        </p:spPr>
+        <p:style>
+          <a:lnRef idx="1">
+            <a:schemeClr val="accent1"/>
+          </a:lnRef>
+          <a:fillRef idx="0">
+            <a:schemeClr val="accent1"/>
+          </a:fillRef>
+          <a:effectRef idx="0">
+            <a:schemeClr val="accent1"/>
+          </a:effectRef>
+          <a:fontRef idx="minor">
+            <a:schemeClr val="tx1"/>
+          </a:fontRef>
+        </p:style>
+        <p:txBody>
+          <a:bodyPr rtlCol="0" anchor="ctr"/>
+          <a:lstStyle/>
+          <a:p>
+            <a:pPr algn="ctr"/>
+            <a:endParaRPr lang="zh-CN" altLang="en-US"/>
+          </a:p>
+        </p:txBody>
+      </p:sp>
     </p:spTree>
     <p:extLst>
       <p:ext uri="{BB962C8B-B14F-4D97-AF65-F5344CB8AC3E}">
-        <p14:creationId xmlns:p14="http://schemas.microsoft.com/office/powerpoint/2010/main" val="2768751716"/>
+        <p14:creationId xmlns:p14="http://schemas.microsoft.com/office/powerpoint/2010/main" val="148644063"/>
       </p:ext>
     </p:extLst>
   </p:cSld>
@@ -25674,7 +25739,7 @@
         <p:cNvPr id="1" name="">
           <a:extLst>
             <a:ext uri="{FF2B5EF4-FFF2-40B4-BE49-F238E27FC236}">
-              <a16:creationId xmlns:a16="http://schemas.microsoft.com/office/drawing/2014/main" id="{3530765B-AFFB-8619-87BF-95175A46113B}"/>
+              <a16:creationId xmlns:a16="http://schemas.microsoft.com/office/drawing/2014/main" id="{55CD6842-0CA9-1D95-E56B-91893CD3C1F9}"/>
             </a:ext>
           </a:extLst>
         </p:cNvPr>
@@ -25694,463 +25759,7 @@
           <p:cNvPr id="6" name="Rectangle 5">
             <a:extLst>
               <a:ext uri="{FF2B5EF4-FFF2-40B4-BE49-F238E27FC236}">
-                <a16:creationId xmlns:a16="http://schemas.microsoft.com/office/drawing/2014/main" id="{4A7687D8-74DA-F84A-D34F-6FF17B5D0A9E}"/>
-              </a:ext>
-            </a:extLst>
-          </p:cNvPr>
-          <p:cNvSpPr/>
-          <p:nvPr/>
-        </p:nvSpPr>
-        <p:spPr>
-          <a:xfrm>
-            <a:off x="0" y="0"/>
-            <a:ext cx="12192000" cy="6858000"/>
-          </a:xfrm>
-          <a:prstGeom prst="rect">
-            <a:avLst/>
-          </a:prstGeom>
-          <a:solidFill>
-            <a:srgbClr val="23242A"/>
-          </a:solidFill>
-          <a:ln>
-            <a:noFill/>
-          </a:ln>
-        </p:spPr>
-        <p:style>
-          <a:lnRef idx="2">
-            <a:schemeClr val="accent1">
-              <a:shade val="15000"/>
-            </a:schemeClr>
-          </a:lnRef>
-          <a:fillRef idx="1">
-            <a:schemeClr val="accent1"/>
-          </a:fillRef>
-          <a:effectRef idx="0">
-            <a:schemeClr val="accent1"/>
-          </a:effectRef>
-          <a:fontRef idx="minor">
-            <a:schemeClr val="lt1"/>
-          </a:fontRef>
-        </p:style>
-        <p:txBody>
-          <a:bodyPr rtlCol="0" anchor="ctr"/>
-          <a:lstStyle/>
-          <a:p>
-            <a:pPr algn="ctr"/>
-            <a:endParaRPr lang="zh-CN" altLang="en-US" dirty="0"/>
-          </a:p>
-        </p:txBody>
-      </p:sp>
-      <p:sp>
-        <p:nvSpPr>
-          <p:cNvPr id="4" name="Google Shape;867;p33">
-            <a:extLst>
-              <a:ext uri="{FF2B5EF4-FFF2-40B4-BE49-F238E27FC236}">
-                <a16:creationId xmlns:a16="http://schemas.microsoft.com/office/drawing/2014/main" id="{962D7E55-8960-88EA-FA32-53D63E7FBA6D}"/>
-              </a:ext>
-            </a:extLst>
-          </p:cNvPr>
-          <p:cNvSpPr txBox="1">
-            <a:spLocks/>
-          </p:cNvSpPr>
-          <p:nvPr/>
-        </p:nvSpPr>
-        <p:spPr>
-          <a:xfrm>
-            <a:off x="1557070" y="382508"/>
-            <a:ext cx="9077860" cy="1602400"/>
-          </a:xfrm>
-          <a:prstGeom prst="rect">
-            <a:avLst/>
-          </a:prstGeom>
-          <a:noFill/>
-          <a:ln>
-            <a:noFill/>
-          </a:ln>
-        </p:spPr>
-        <p:txBody>
-          <a:bodyPr spcFirstLastPara="1" wrap="square" lIns="91425" tIns="91425" rIns="91425" bIns="91425" anchor="b" anchorCtr="0">
-            <a:noAutofit/>
-          </a:bodyPr>
-          <a:lstStyle>
-            <a:defPPr marR="0" lvl="0" algn="l" rtl="0">
-              <a:lnSpc>
-                <a:spcPct val="100000"/>
-              </a:lnSpc>
-              <a:spcBef>
-                <a:spcPts val="0"/>
-              </a:spcBef>
-              <a:spcAft>
-                <a:spcPts val="0"/>
-              </a:spcAft>
-            </a:defPPr>
-            <a:lvl1pPr marR="0" lvl="0" algn="l" rtl="0">
-              <a:lnSpc>
-                <a:spcPct val="100000"/>
-              </a:lnSpc>
-              <a:spcBef>
-                <a:spcPts val="0"/>
-              </a:spcBef>
-              <a:spcAft>
-                <a:spcPts val="0"/>
-              </a:spcAft>
-              <a:buClr>
-                <a:schemeClr val="dk1"/>
-              </a:buClr>
-              <a:buSzPts val="3600"/>
-              <a:buFont typeface="Barlow"/>
-              <a:buNone/>
-              <a:defRPr sz="7200" b="1" i="0" u="none" strike="noStrike" cap="none">
-                <a:solidFill>
-                  <a:schemeClr val="dk1"/>
-                </a:solidFill>
-                <a:latin typeface="Barlow"/>
-                <a:ea typeface="Barlow"/>
-                <a:cs typeface="Barlow"/>
-                <a:sym typeface="Barlow"/>
-              </a:defRPr>
-            </a:lvl1pPr>
-            <a:lvl2pPr marR="0" lvl="1" algn="ctr" rtl="0">
-              <a:lnSpc>
-                <a:spcPct val="100000"/>
-              </a:lnSpc>
-              <a:spcBef>
-                <a:spcPts val="0"/>
-              </a:spcBef>
-              <a:spcAft>
-                <a:spcPts val="0"/>
-              </a:spcAft>
-              <a:buClr>
-                <a:schemeClr val="dk1"/>
-              </a:buClr>
-              <a:buSzPts val="3600"/>
-              <a:buFont typeface="Barlow"/>
-              <a:buNone/>
-              <a:defRPr sz="3600" b="1" i="0" u="none" strike="noStrike" cap="none">
-                <a:solidFill>
-                  <a:schemeClr val="dk1"/>
-                </a:solidFill>
-                <a:latin typeface="Barlow"/>
-                <a:ea typeface="Barlow"/>
-                <a:cs typeface="Barlow"/>
-                <a:sym typeface="Barlow"/>
-              </a:defRPr>
-            </a:lvl2pPr>
-            <a:lvl3pPr marR="0" lvl="2" algn="ctr" rtl="0">
-              <a:lnSpc>
-                <a:spcPct val="100000"/>
-              </a:lnSpc>
-              <a:spcBef>
-                <a:spcPts val="0"/>
-              </a:spcBef>
-              <a:spcAft>
-                <a:spcPts val="0"/>
-              </a:spcAft>
-              <a:buClr>
-                <a:schemeClr val="dk1"/>
-              </a:buClr>
-              <a:buSzPts val="3600"/>
-              <a:buFont typeface="Barlow"/>
-              <a:buNone/>
-              <a:defRPr sz="3600" b="1" i="0" u="none" strike="noStrike" cap="none">
-                <a:solidFill>
-                  <a:schemeClr val="dk1"/>
-                </a:solidFill>
-                <a:latin typeface="Barlow"/>
-                <a:ea typeface="Barlow"/>
-                <a:cs typeface="Barlow"/>
-                <a:sym typeface="Barlow"/>
-              </a:defRPr>
-            </a:lvl3pPr>
-            <a:lvl4pPr marR="0" lvl="3" algn="ctr" rtl="0">
-              <a:lnSpc>
-                <a:spcPct val="100000"/>
-              </a:lnSpc>
-              <a:spcBef>
-                <a:spcPts val="0"/>
-              </a:spcBef>
-              <a:spcAft>
-                <a:spcPts val="0"/>
-              </a:spcAft>
-              <a:buClr>
-                <a:schemeClr val="dk1"/>
-              </a:buClr>
-              <a:buSzPts val="3600"/>
-              <a:buFont typeface="Barlow"/>
-              <a:buNone/>
-              <a:defRPr sz="3600" b="1" i="0" u="none" strike="noStrike" cap="none">
-                <a:solidFill>
-                  <a:schemeClr val="dk1"/>
-                </a:solidFill>
-                <a:latin typeface="Barlow"/>
-                <a:ea typeface="Barlow"/>
-                <a:cs typeface="Barlow"/>
-                <a:sym typeface="Barlow"/>
-              </a:defRPr>
-            </a:lvl4pPr>
-            <a:lvl5pPr marR="0" lvl="4" algn="ctr" rtl="0">
-              <a:lnSpc>
-                <a:spcPct val="100000"/>
-              </a:lnSpc>
-              <a:spcBef>
-                <a:spcPts val="0"/>
-              </a:spcBef>
-              <a:spcAft>
-                <a:spcPts val="0"/>
-              </a:spcAft>
-              <a:buClr>
-                <a:schemeClr val="dk1"/>
-              </a:buClr>
-              <a:buSzPts val="3600"/>
-              <a:buFont typeface="Barlow"/>
-              <a:buNone/>
-              <a:defRPr sz="3600" b="1" i="0" u="none" strike="noStrike" cap="none">
-                <a:solidFill>
-                  <a:schemeClr val="dk1"/>
-                </a:solidFill>
-                <a:latin typeface="Barlow"/>
-                <a:ea typeface="Barlow"/>
-                <a:cs typeface="Barlow"/>
-                <a:sym typeface="Barlow"/>
-              </a:defRPr>
-            </a:lvl5pPr>
-            <a:lvl6pPr marR="0" lvl="5" algn="ctr" rtl="0">
-              <a:lnSpc>
-                <a:spcPct val="100000"/>
-              </a:lnSpc>
-              <a:spcBef>
-                <a:spcPts val="0"/>
-              </a:spcBef>
-              <a:spcAft>
-                <a:spcPts val="0"/>
-              </a:spcAft>
-              <a:buClr>
-                <a:schemeClr val="dk1"/>
-              </a:buClr>
-              <a:buSzPts val="3600"/>
-              <a:buFont typeface="Barlow"/>
-              <a:buNone/>
-              <a:defRPr sz="3600" b="1" i="0" u="none" strike="noStrike" cap="none">
-                <a:solidFill>
-                  <a:schemeClr val="dk1"/>
-                </a:solidFill>
-                <a:latin typeface="Barlow"/>
-                <a:ea typeface="Barlow"/>
-                <a:cs typeface="Barlow"/>
-                <a:sym typeface="Barlow"/>
-              </a:defRPr>
-            </a:lvl6pPr>
-            <a:lvl7pPr marR="0" lvl="6" algn="ctr" rtl="0">
-              <a:lnSpc>
-                <a:spcPct val="100000"/>
-              </a:lnSpc>
-              <a:spcBef>
-                <a:spcPts val="0"/>
-              </a:spcBef>
-              <a:spcAft>
-                <a:spcPts val="0"/>
-              </a:spcAft>
-              <a:buClr>
-                <a:schemeClr val="dk1"/>
-              </a:buClr>
-              <a:buSzPts val="3600"/>
-              <a:buFont typeface="Barlow"/>
-              <a:buNone/>
-              <a:defRPr sz="3600" b="1" i="0" u="none" strike="noStrike" cap="none">
-                <a:solidFill>
-                  <a:schemeClr val="dk1"/>
-                </a:solidFill>
-                <a:latin typeface="Barlow"/>
-                <a:ea typeface="Barlow"/>
-                <a:cs typeface="Barlow"/>
-                <a:sym typeface="Barlow"/>
-              </a:defRPr>
-            </a:lvl7pPr>
-            <a:lvl8pPr marR="0" lvl="7" algn="ctr" rtl="0">
-              <a:lnSpc>
-                <a:spcPct val="100000"/>
-              </a:lnSpc>
-              <a:spcBef>
-                <a:spcPts val="0"/>
-              </a:spcBef>
-              <a:spcAft>
-                <a:spcPts val="0"/>
-              </a:spcAft>
-              <a:buClr>
-                <a:schemeClr val="dk1"/>
-              </a:buClr>
-              <a:buSzPts val="3600"/>
-              <a:buFont typeface="Barlow"/>
-              <a:buNone/>
-              <a:defRPr sz="3600" b="1" i="0" u="none" strike="noStrike" cap="none">
-                <a:solidFill>
-                  <a:schemeClr val="dk1"/>
-                </a:solidFill>
-                <a:latin typeface="Barlow"/>
-                <a:ea typeface="Barlow"/>
-                <a:cs typeface="Barlow"/>
-                <a:sym typeface="Barlow"/>
-              </a:defRPr>
-            </a:lvl8pPr>
-            <a:lvl9pPr marR="0" lvl="8" algn="ctr" rtl="0">
-              <a:lnSpc>
-                <a:spcPct val="100000"/>
-              </a:lnSpc>
-              <a:spcBef>
-                <a:spcPts val="0"/>
-              </a:spcBef>
-              <a:spcAft>
-                <a:spcPts val="0"/>
-              </a:spcAft>
-              <a:buClr>
-                <a:schemeClr val="dk1"/>
-              </a:buClr>
-              <a:buSzPts val="3600"/>
-              <a:buFont typeface="Barlow"/>
-              <a:buNone/>
-              <a:defRPr sz="3600" b="1" i="0" u="none" strike="noStrike" cap="none">
-                <a:solidFill>
-                  <a:schemeClr val="dk1"/>
-                </a:solidFill>
-                <a:latin typeface="Barlow"/>
-                <a:ea typeface="Barlow"/>
-                <a:cs typeface="Barlow"/>
-                <a:sym typeface="Barlow"/>
-              </a:defRPr>
-            </a:lvl9pPr>
-          </a:lstStyle>
-          <a:p>
-            <a:pPr algn="ctr"/>
-            <a:r>
-              <a:rPr lang="en-US" altLang="zh-CN" sz="8000" spc="300" dirty="0">
-                <a:solidFill>
-                  <a:schemeClr val="accent4">
-                    <a:lumMod val="60000"/>
-                    <a:lumOff val="40000"/>
-                    <a:alpha val="60000"/>
-                  </a:schemeClr>
-                </a:solidFill>
-                <a:latin typeface="Amatic SC" panose="020F0502020204030204" pitchFamily="2" charset="-79"/>
-                <a:cs typeface="Amatic SC" panose="020F0502020204030204" pitchFamily="2" charset="-79"/>
-              </a:rPr>
-              <a:t>Exercises</a:t>
-            </a:r>
-          </a:p>
-        </p:txBody>
-      </p:sp>
-      <p:sp>
-        <p:nvSpPr>
-          <p:cNvPr id="2" name="TextBox 1">
-            <a:extLst>
-              <a:ext uri="{FF2B5EF4-FFF2-40B4-BE49-F238E27FC236}">
-                <a16:creationId xmlns:a16="http://schemas.microsoft.com/office/drawing/2014/main" id="{6EDAF4E1-4C12-63F0-60FE-1043F32FB6E8}"/>
-              </a:ext>
-            </a:extLst>
-          </p:cNvPr>
-          <p:cNvSpPr txBox="1"/>
-          <p:nvPr/>
-        </p:nvSpPr>
-        <p:spPr>
-          <a:xfrm>
-            <a:off x="1265150" y="2117180"/>
-            <a:ext cx="9727970" cy="1321580"/>
-          </a:xfrm>
-          <a:prstGeom prst="rect">
-            <a:avLst/>
-          </a:prstGeom>
-          <a:noFill/>
-        </p:spPr>
-        <p:txBody>
-          <a:bodyPr wrap="square" rtlCol="0">
-            <a:spAutoFit/>
-          </a:bodyPr>
-          <a:lstStyle/>
-          <a:p>
-            <a:pPr marL="571500" indent="-571500">
-              <a:lnSpc>
-                <a:spcPct val="150000"/>
-              </a:lnSpc>
-              <a:buFont typeface="Wingdings" panose="05000000000000000000" pitchFamily="2" charset="2"/>
-              <a:buChar char="p"/>
-            </a:pPr>
-            <a:r>
-              <a:rPr lang="en-US" altLang="zh-CN" sz="2800" dirty="0">
-                <a:solidFill>
-                  <a:schemeClr val="bg1">
-                    <a:lumMod val="75000"/>
-                  </a:schemeClr>
-                </a:solidFill>
-                <a:latin typeface="High Tower Text" panose="02040502050506030303" pitchFamily="18" charset="0"/>
-              </a:rPr>
-              <a:t>How can you make the ghost fade out/in faster/slower?</a:t>
-            </a:r>
-          </a:p>
-          <a:p>
-            <a:pPr marL="571500" indent="-571500">
-              <a:lnSpc>
-                <a:spcPct val="150000"/>
-              </a:lnSpc>
-              <a:buFont typeface="Wingdings" panose="05000000000000000000" pitchFamily="2" charset="2"/>
-              <a:buChar char="p"/>
-            </a:pPr>
-            <a:r>
-              <a:rPr lang="en-US" altLang="zh-CN" sz="2800" dirty="0">
-                <a:solidFill>
-                  <a:schemeClr val="bg1">
-                    <a:lumMod val="75000"/>
-                  </a:schemeClr>
-                </a:solidFill>
-                <a:latin typeface="High Tower Text" panose="02040502050506030303" pitchFamily="18" charset="0"/>
-              </a:rPr>
-              <a:t>Explore with other graphic effects and see what each one</a:t>
-            </a:r>
-            <a:endParaRPr lang="zh-CN" altLang="en-US" sz="2800" dirty="0">
-              <a:solidFill>
-                <a:schemeClr val="bg1">
-                  <a:lumMod val="75000"/>
-                </a:schemeClr>
-              </a:solidFill>
-              <a:latin typeface="High Tower Text" panose="02040502050506030303" pitchFamily="18" charset="0"/>
-            </a:endParaRPr>
-          </a:p>
-        </p:txBody>
-      </p:sp>
-    </p:spTree>
-    <p:extLst>
-      <p:ext uri="{BB962C8B-B14F-4D97-AF65-F5344CB8AC3E}">
-        <p14:creationId xmlns:p14="http://schemas.microsoft.com/office/powerpoint/2010/main" val="8421016"/>
-      </p:ext>
-    </p:extLst>
-  </p:cSld>
-  <p:clrMapOvr>
-    <a:masterClrMapping/>
-  </p:clrMapOvr>
-</p:sld>
-</file>
-
-<file path=ppt/slides/slide39.xml><?xml version="1.0" encoding="utf-8"?>
-<p:sld xmlns:a="http://schemas.openxmlformats.org/drawingml/2006/main" xmlns:r="http://schemas.openxmlformats.org/officeDocument/2006/relationships" xmlns:p="http://schemas.openxmlformats.org/presentationml/2006/main">
-  <p:cSld>
-    <p:spTree>
-      <p:nvGrpSpPr>
-        <p:cNvPr id="1" name=""/>
-        <p:cNvGrpSpPr/>
-        <p:nvPr/>
-      </p:nvGrpSpPr>
-      <p:grpSpPr>
-        <a:xfrm>
-          <a:off x="0" y="0"/>
-          <a:ext cx="0" cy="0"/>
-          <a:chOff x="0" y="0"/>
-          <a:chExt cx="0" cy="0"/>
-        </a:xfrm>
-      </p:grpSpPr>
-      <p:sp>
-        <p:nvSpPr>
-          <p:cNvPr id="6" name="Rectangle 5">
-            <a:extLst>
-              <a:ext uri="{FF2B5EF4-FFF2-40B4-BE49-F238E27FC236}">
-                <a16:creationId xmlns:a16="http://schemas.microsoft.com/office/drawing/2014/main" id="{7BC4EB1B-EA6B-DFE4-AF3B-05D0EB253209}"/>
+                <a16:creationId xmlns:a16="http://schemas.microsoft.com/office/drawing/2014/main" id="{BCCE6DB1-0C4A-9220-6C8A-B92521B04143}"/>
               </a:ext>
             </a:extLst>
           </p:cNvPr>
@@ -26202,7 +25811,618 @@
           <p:cNvPr id="2" name="Slide Number Placeholder 1">
             <a:extLst>
               <a:ext uri="{FF2B5EF4-FFF2-40B4-BE49-F238E27FC236}">
-                <a16:creationId xmlns:a16="http://schemas.microsoft.com/office/drawing/2014/main" id="{C53E70DF-9B91-8A92-BF94-1399BB9FFE34}"/>
+                <a16:creationId xmlns:a16="http://schemas.microsoft.com/office/drawing/2014/main" id="{782DA7FC-21D3-B771-A040-2D1ED1751F40}"/>
+              </a:ext>
+            </a:extLst>
+          </p:cNvPr>
+          <p:cNvSpPr>
+            <a:spLocks noGrp="1"/>
+          </p:cNvSpPr>
+          <p:nvPr>
+            <p:ph type="sldNum" sz="quarter" idx="12"/>
+          </p:nvPr>
+        </p:nvSpPr>
+        <p:spPr>
+          <a:xfrm>
+            <a:off x="9057739" y="6259509"/>
+            <a:ext cx="2743200" cy="365125"/>
+          </a:xfrm>
+        </p:spPr>
+        <p:txBody>
+          <a:bodyPr/>
+          <a:lstStyle/>
+          <a:p>
+            <a:fld id="{9B1EC109-1E15-4BCA-93B5-56442BB3443E}" type="slidenum">
+              <a:rPr lang="zh-CN" altLang="en-US" sz="2400" b="1" smtClean="0">
+                <a:solidFill>
+                  <a:schemeClr val="bg1">
+                    <a:lumMod val="65000"/>
+                  </a:schemeClr>
+                </a:solidFill>
+                <a:latin typeface="Bradley Hand ITC" panose="03070402050302030203" pitchFamily="66" charset="0"/>
+              </a:rPr>
+              <a:t>38</a:t>
+            </a:fld>
+            <a:endParaRPr lang="zh-CN" altLang="en-US" sz="2400" b="1" dirty="0">
+              <a:solidFill>
+                <a:schemeClr val="bg1">
+                  <a:lumMod val="65000"/>
+                </a:schemeClr>
+              </a:solidFill>
+              <a:latin typeface="Bradley Hand ITC" panose="03070402050302030203" pitchFamily="66" charset="0"/>
+            </a:endParaRPr>
+          </a:p>
+        </p:txBody>
+      </p:sp>
+      <p:sp>
+        <p:nvSpPr>
+          <p:cNvPr id="4" name="Google Shape;867;p33">
+            <a:extLst>
+              <a:ext uri="{FF2B5EF4-FFF2-40B4-BE49-F238E27FC236}">
+                <a16:creationId xmlns:a16="http://schemas.microsoft.com/office/drawing/2014/main" id="{673E888B-EA67-96F5-E945-A080254A3942}"/>
+              </a:ext>
+            </a:extLst>
+          </p:cNvPr>
+          <p:cNvSpPr txBox="1">
+            <a:spLocks/>
+          </p:cNvSpPr>
+          <p:nvPr/>
+        </p:nvSpPr>
+        <p:spPr>
+          <a:xfrm>
+            <a:off x="2222600" y="143850"/>
+            <a:ext cx="7746800" cy="1602400"/>
+          </a:xfrm>
+          <a:prstGeom prst="rect">
+            <a:avLst/>
+          </a:prstGeom>
+          <a:noFill/>
+          <a:ln>
+            <a:noFill/>
+          </a:ln>
+        </p:spPr>
+        <p:txBody>
+          <a:bodyPr spcFirstLastPara="1" wrap="square" lIns="91425" tIns="91425" rIns="91425" bIns="91425" anchor="b" anchorCtr="0">
+            <a:noAutofit/>
+          </a:bodyPr>
+          <a:lstStyle>
+            <a:defPPr marR="0" lvl="0" algn="l" rtl="0">
+              <a:lnSpc>
+                <a:spcPct val="100000"/>
+              </a:lnSpc>
+              <a:spcBef>
+                <a:spcPts val="0"/>
+              </a:spcBef>
+              <a:spcAft>
+                <a:spcPts val="0"/>
+              </a:spcAft>
+            </a:defPPr>
+            <a:lvl1pPr marR="0" lvl="0" algn="l" rtl="0">
+              <a:lnSpc>
+                <a:spcPct val="100000"/>
+              </a:lnSpc>
+              <a:spcBef>
+                <a:spcPts val="0"/>
+              </a:spcBef>
+              <a:spcAft>
+                <a:spcPts val="0"/>
+              </a:spcAft>
+              <a:buClr>
+                <a:schemeClr val="dk1"/>
+              </a:buClr>
+              <a:buSzPts val="3600"/>
+              <a:buFont typeface="Barlow"/>
+              <a:buNone/>
+              <a:defRPr sz="7200" b="1" i="0" u="none" strike="noStrike" cap="none">
+                <a:solidFill>
+                  <a:schemeClr val="dk1"/>
+                </a:solidFill>
+                <a:latin typeface="Barlow"/>
+                <a:ea typeface="Barlow"/>
+                <a:cs typeface="Barlow"/>
+                <a:sym typeface="Barlow"/>
+              </a:defRPr>
+            </a:lvl1pPr>
+            <a:lvl2pPr marR="0" lvl="1" algn="ctr" rtl="0">
+              <a:lnSpc>
+                <a:spcPct val="100000"/>
+              </a:lnSpc>
+              <a:spcBef>
+                <a:spcPts val="0"/>
+              </a:spcBef>
+              <a:spcAft>
+                <a:spcPts val="0"/>
+              </a:spcAft>
+              <a:buClr>
+                <a:schemeClr val="dk1"/>
+              </a:buClr>
+              <a:buSzPts val="3600"/>
+              <a:buFont typeface="Barlow"/>
+              <a:buNone/>
+              <a:defRPr sz="3600" b="1" i="0" u="none" strike="noStrike" cap="none">
+                <a:solidFill>
+                  <a:schemeClr val="dk1"/>
+                </a:solidFill>
+                <a:latin typeface="Barlow"/>
+                <a:ea typeface="Barlow"/>
+                <a:cs typeface="Barlow"/>
+                <a:sym typeface="Barlow"/>
+              </a:defRPr>
+            </a:lvl2pPr>
+            <a:lvl3pPr marR="0" lvl="2" algn="ctr" rtl="0">
+              <a:lnSpc>
+                <a:spcPct val="100000"/>
+              </a:lnSpc>
+              <a:spcBef>
+                <a:spcPts val="0"/>
+              </a:spcBef>
+              <a:spcAft>
+                <a:spcPts val="0"/>
+              </a:spcAft>
+              <a:buClr>
+                <a:schemeClr val="dk1"/>
+              </a:buClr>
+              <a:buSzPts val="3600"/>
+              <a:buFont typeface="Barlow"/>
+              <a:buNone/>
+              <a:defRPr sz="3600" b="1" i="0" u="none" strike="noStrike" cap="none">
+                <a:solidFill>
+                  <a:schemeClr val="dk1"/>
+                </a:solidFill>
+                <a:latin typeface="Barlow"/>
+                <a:ea typeface="Barlow"/>
+                <a:cs typeface="Barlow"/>
+                <a:sym typeface="Barlow"/>
+              </a:defRPr>
+            </a:lvl3pPr>
+            <a:lvl4pPr marR="0" lvl="3" algn="ctr" rtl="0">
+              <a:lnSpc>
+                <a:spcPct val="100000"/>
+              </a:lnSpc>
+              <a:spcBef>
+                <a:spcPts val="0"/>
+              </a:spcBef>
+              <a:spcAft>
+                <a:spcPts val="0"/>
+              </a:spcAft>
+              <a:buClr>
+                <a:schemeClr val="dk1"/>
+              </a:buClr>
+              <a:buSzPts val="3600"/>
+              <a:buFont typeface="Barlow"/>
+              <a:buNone/>
+              <a:defRPr sz="3600" b="1" i="0" u="none" strike="noStrike" cap="none">
+                <a:solidFill>
+                  <a:schemeClr val="dk1"/>
+                </a:solidFill>
+                <a:latin typeface="Barlow"/>
+                <a:ea typeface="Barlow"/>
+                <a:cs typeface="Barlow"/>
+                <a:sym typeface="Barlow"/>
+              </a:defRPr>
+            </a:lvl4pPr>
+            <a:lvl5pPr marR="0" lvl="4" algn="ctr" rtl="0">
+              <a:lnSpc>
+                <a:spcPct val="100000"/>
+              </a:lnSpc>
+              <a:spcBef>
+                <a:spcPts val="0"/>
+              </a:spcBef>
+              <a:spcAft>
+                <a:spcPts val="0"/>
+              </a:spcAft>
+              <a:buClr>
+                <a:schemeClr val="dk1"/>
+              </a:buClr>
+              <a:buSzPts val="3600"/>
+              <a:buFont typeface="Barlow"/>
+              <a:buNone/>
+              <a:defRPr sz="3600" b="1" i="0" u="none" strike="noStrike" cap="none">
+                <a:solidFill>
+                  <a:schemeClr val="dk1"/>
+                </a:solidFill>
+                <a:latin typeface="Barlow"/>
+                <a:ea typeface="Barlow"/>
+                <a:cs typeface="Barlow"/>
+                <a:sym typeface="Barlow"/>
+              </a:defRPr>
+            </a:lvl5pPr>
+            <a:lvl6pPr marR="0" lvl="5" algn="ctr" rtl="0">
+              <a:lnSpc>
+                <a:spcPct val="100000"/>
+              </a:lnSpc>
+              <a:spcBef>
+                <a:spcPts val="0"/>
+              </a:spcBef>
+              <a:spcAft>
+                <a:spcPts val="0"/>
+              </a:spcAft>
+              <a:buClr>
+                <a:schemeClr val="dk1"/>
+              </a:buClr>
+              <a:buSzPts val="3600"/>
+              <a:buFont typeface="Barlow"/>
+              <a:buNone/>
+              <a:defRPr sz="3600" b="1" i="0" u="none" strike="noStrike" cap="none">
+                <a:solidFill>
+                  <a:schemeClr val="dk1"/>
+                </a:solidFill>
+                <a:latin typeface="Barlow"/>
+                <a:ea typeface="Barlow"/>
+                <a:cs typeface="Barlow"/>
+                <a:sym typeface="Barlow"/>
+              </a:defRPr>
+            </a:lvl6pPr>
+            <a:lvl7pPr marR="0" lvl="6" algn="ctr" rtl="0">
+              <a:lnSpc>
+                <a:spcPct val="100000"/>
+              </a:lnSpc>
+              <a:spcBef>
+                <a:spcPts val="0"/>
+              </a:spcBef>
+              <a:spcAft>
+                <a:spcPts val="0"/>
+              </a:spcAft>
+              <a:buClr>
+                <a:schemeClr val="dk1"/>
+              </a:buClr>
+              <a:buSzPts val="3600"/>
+              <a:buFont typeface="Barlow"/>
+              <a:buNone/>
+              <a:defRPr sz="3600" b="1" i="0" u="none" strike="noStrike" cap="none">
+                <a:solidFill>
+                  <a:schemeClr val="dk1"/>
+                </a:solidFill>
+                <a:latin typeface="Barlow"/>
+                <a:ea typeface="Barlow"/>
+                <a:cs typeface="Barlow"/>
+                <a:sym typeface="Barlow"/>
+              </a:defRPr>
+            </a:lvl7pPr>
+            <a:lvl8pPr marR="0" lvl="7" algn="ctr" rtl="0">
+              <a:lnSpc>
+                <a:spcPct val="100000"/>
+              </a:lnSpc>
+              <a:spcBef>
+                <a:spcPts val="0"/>
+              </a:spcBef>
+              <a:spcAft>
+                <a:spcPts val="0"/>
+              </a:spcAft>
+              <a:buClr>
+                <a:schemeClr val="dk1"/>
+              </a:buClr>
+              <a:buSzPts val="3600"/>
+              <a:buFont typeface="Barlow"/>
+              <a:buNone/>
+              <a:defRPr sz="3600" b="1" i="0" u="none" strike="noStrike" cap="none">
+                <a:solidFill>
+                  <a:schemeClr val="dk1"/>
+                </a:solidFill>
+                <a:latin typeface="Barlow"/>
+                <a:ea typeface="Barlow"/>
+                <a:cs typeface="Barlow"/>
+                <a:sym typeface="Barlow"/>
+              </a:defRPr>
+            </a:lvl8pPr>
+            <a:lvl9pPr marR="0" lvl="8" algn="ctr" rtl="0">
+              <a:lnSpc>
+                <a:spcPct val="100000"/>
+              </a:lnSpc>
+              <a:spcBef>
+                <a:spcPts val="0"/>
+              </a:spcBef>
+              <a:spcAft>
+                <a:spcPts val="0"/>
+              </a:spcAft>
+              <a:buClr>
+                <a:schemeClr val="dk1"/>
+              </a:buClr>
+              <a:buSzPts val="3600"/>
+              <a:buFont typeface="Barlow"/>
+              <a:buNone/>
+              <a:defRPr sz="3600" b="1" i="0" u="none" strike="noStrike" cap="none">
+                <a:solidFill>
+                  <a:schemeClr val="dk1"/>
+                </a:solidFill>
+                <a:latin typeface="Barlow"/>
+                <a:ea typeface="Barlow"/>
+                <a:cs typeface="Barlow"/>
+                <a:sym typeface="Barlow"/>
+              </a:defRPr>
+            </a:lvl9pPr>
+          </a:lstStyle>
+          <a:p>
+            <a:pPr algn="ctr"/>
+            <a:r>
+              <a:rPr lang="en-US" altLang="zh-CN" sz="8000" spc="300" dirty="0">
+                <a:solidFill>
+                  <a:schemeClr val="accent4">
+                    <a:lumMod val="60000"/>
+                    <a:lumOff val="40000"/>
+                    <a:alpha val="60000"/>
+                  </a:schemeClr>
+                </a:solidFill>
+                <a:latin typeface="Amatic SC" panose="020F0502020204030204" pitchFamily="2" charset="-79"/>
+                <a:cs typeface="Amatic SC" panose="020F0502020204030204" pitchFamily="2" charset="-79"/>
+              </a:rPr>
+              <a:t>Report the Time</a:t>
+            </a:r>
+          </a:p>
+        </p:txBody>
+      </p:sp>
+      <p:pic>
+        <p:nvPicPr>
+          <p:cNvPr id="5" name="Picture 4">
+            <a:extLst>
+              <a:ext uri="{FF2B5EF4-FFF2-40B4-BE49-F238E27FC236}">
+                <a16:creationId xmlns:a16="http://schemas.microsoft.com/office/drawing/2014/main" id="{B7E3F104-317F-43FF-9666-8F77833F1410}"/>
+              </a:ext>
+            </a:extLst>
+          </p:cNvPr>
+          <p:cNvPicPr>
+            <a:picLocks noChangeAspect="1"/>
+          </p:cNvPicPr>
+          <p:nvPr/>
+        </p:nvPicPr>
+        <p:blipFill>
+          <a:blip r:embed="rId2">
+            <a:extLst>
+              <a:ext uri="{28A0092B-C50C-407E-A947-70E740481C1C}">
+                <a14:useLocalDpi xmlns:a14="http://schemas.microsoft.com/office/drawing/2010/main" val="0"/>
+              </a:ext>
+            </a:extLst>
+          </a:blip>
+          <a:stretch>
+            <a:fillRect/>
+          </a:stretch>
+        </p:blipFill>
+        <p:spPr>
+          <a:xfrm>
+            <a:off x="6893707" y="2669699"/>
+            <a:ext cx="4888789" cy="3083242"/>
+          </a:xfrm>
+          <a:prstGeom prst="rect">
+            <a:avLst/>
+          </a:prstGeom>
+        </p:spPr>
+      </p:pic>
+      <p:pic>
+        <p:nvPicPr>
+          <p:cNvPr id="8" name="Picture 7">
+            <a:extLst>
+              <a:ext uri="{FF2B5EF4-FFF2-40B4-BE49-F238E27FC236}">
+                <a16:creationId xmlns:a16="http://schemas.microsoft.com/office/drawing/2014/main" id="{E84CE305-40EF-F778-FB31-81175ECE499C}"/>
+              </a:ext>
+            </a:extLst>
+          </p:cNvPr>
+          <p:cNvPicPr>
+            <a:picLocks noChangeAspect="1"/>
+          </p:cNvPicPr>
+          <p:nvPr/>
+        </p:nvPicPr>
+        <p:blipFill>
+          <a:blip r:embed="rId3">
+            <a:extLst>
+              <a:ext uri="{28A0092B-C50C-407E-A947-70E740481C1C}">
+                <a14:useLocalDpi xmlns:a14="http://schemas.microsoft.com/office/drawing/2010/main" val="0"/>
+              </a:ext>
+            </a:extLst>
+          </a:blip>
+          <a:stretch>
+            <a:fillRect/>
+          </a:stretch>
+        </p:blipFill>
+        <p:spPr>
+          <a:xfrm>
+            <a:off x="836689" y="2112117"/>
+            <a:ext cx="5411711" cy="4055003"/>
+          </a:xfrm>
+          <a:prstGeom prst="rect">
+            <a:avLst/>
+          </a:prstGeom>
+        </p:spPr>
+      </p:pic>
+      <p:sp>
+        <p:nvSpPr>
+          <p:cNvPr id="9" name="Rectangle 8">
+            <a:extLst>
+              <a:ext uri="{FF2B5EF4-FFF2-40B4-BE49-F238E27FC236}">
+                <a16:creationId xmlns:a16="http://schemas.microsoft.com/office/drawing/2014/main" id="{0986BF90-6A2B-AFD4-8232-C9A80DB5278B}"/>
+              </a:ext>
+            </a:extLst>
+          </p:cNvPr>
+          <p:cNvSpPr/>
+          <p:nvPr/>
+        </p:nvSpPr>
+        <p:spPr>
+          <a:xfrm>
+            <a:off x="6809023" y="4139619"/>
+            <a:ext cx="2771858" cy="696542"/>
+          </a:xfrm>
+          <a:prstGeom prst="rect">
+            <a:avLst/>
+          </a:prstGeom>
+          <a:noFill/>
+          <a:ln w="38100">
+            <a:solidFill>
+              <a:srgbClr val="C00000"/>
+            </a:solidFill>
+            <a:prstDash val="sysDash"/>
+          </a:ln>
+        </p:spPr>
+        <p:style>
+          <a:lnRef idx="2">
+            <a:schemeClr val="accent1">
+              <a:shade val="15000"/>
+            </a:schemeClr>
+          </a:lnRef>
+          <a:fillRef idx="1">
+            <a:schemeClr val="accent1"/>
+          </a:fillRef>
+          <a:effectRef idx="0">
+            <a:schemeClr val="accent1"/>
+          </a:effectRef>
+          <a:fontRef idx="minor">
+            <a:schemeClr val="lt1"/>
+          </a:fontRef>
+        </p:style>
+        <p:txBody>
+          <a:bodyPr rtlCol="0" anchor="ctr"/>
+          <a:lstStyle/>
+          <a:p>
+            <a:pPr algn="ctr"/>
+            <a:endParaRPr lang="zh-CN" altLang="en-US"/>
+          </a:p>
+        </p:txBody>
+      </p:sp>
+      <p:sp>
+        <p:nvSpPr>
+          <p:cNvPr id="10" name="Rectangle 9">
+            <a:extLst>
+              <a:ext uri="{FF2B5EF4-FFF2-40B4-BE49-F238E27FC236}">
+                <a16:creationId xmlns:a16="http://schemas.microsoft.com/office/drawing/2014/main" id="{C1816EDB-FA25-4B29-4ADC-AA102AE9FD09}"/>
+              </a:ext>
+            </a:extLst>
+          </p:cNvPr>
+          <p:cNvSpPr/>
+          <p:nvPr/>
+        </p:nvSpPr>
+        <p:spPr>
+          <a:xfrm>
+            <a:off x="3912365" y="3192306"/>
+            <a:ext cx="964435" cy="696542"/>
+          </a:xfrm>
+          <a:prstGeom prst="rect">
+            <a:avLst/>
+          </a:prstGeom>
+          <a:noFill/>
+          <a:ln w="38100">
+            <a:solidFill>
+              <a:srgbClr val="C00000"/>
+            </a:solidFill>
+            <a:prstDash val="sysDash"/>
+          </a:ln>
+        </p:spPr>
+        <p:style>
+          <a:lnRef idx="2">
+            <a:schemeClr val="accent1">
+              <a:shade val="15000"/>
+            </a:schemeClr>
+          </a:lnRef>
+          <a:fillRef idx="1">
+            <a:schemeClr val="accent1"/>
+          </a:fillRef>
+          <a:effectRef idx="0">
+            <a:schemeClr val="accent1"/>
+          </a:effectRef>
+          <a:fontRef idx="minor">
+            <a:schemeClr val="lt1"/>
+          </a:fontRef>
+        </p:style>
+        <p:txBody>
+          <a:bodyPr rtlCol="0" anchor="ctr"/>
+          <a:lstStyle/>
+          <a:p>
+            <a:pPr algn="ctr"/>
+            <a:endParaRPr lang="zh-CN" altLang="en-US"/>
+          </a:p>
+        </p:txBody>
+      </p:sp>
+    </p:spTree>
+    <p:extLst>
+      <p:ext uri="{BB962C8B-B14F-4D97-AF65-F5344CB8AC3E}">
+        <p14:creationId xmlns:p14="http://schemas.microsoft.com/office/powerpoint/2010/main" val="1871126709"/>
+      </p:ext>
+    </p:extLst>
+  </p:cSld>
+  <p:clrMapOvr>
+    <a:masterClrMapping/>
+  </p:clrMapOvr>
+</p:sld>
+</file>
+
+<file path=ppt/slides/slide39.xml><?xml version="1.0" encoding="utf-8"?>
+<p:sld xmlns:a="http://schemas.openxmlformats.org/drawingml/2006/main" xmlns:r="http://schemas.openxmlformats.org/officeDocument/2006/relationships" xmlns:p="http://schemas.openxmlformats.org/presentationml/2006/main">
+  <p:cSld>
+    <p:spTree>
+      <p:nvGrpSpPr>
+        <p:cNvPr id="1" name="">
+          <a:extLst>
+            <a:ext uri="{FF2B5EF4-FFF2-40B4-BE49-F238E27FC236}">
+              <a16:creationId xmlns:a16="http://schemas.microsoft.com/office/drawing/2014/main" id="{71C680B3-A66A-F32A-8341-15B27F7EBADB}"/>
+            </a:ext>
+          </a:extLst>
+        </p:cNvPr>
+        <p:cNvGrpSpPr/>
+        <p:nvPr/>
+      </p:nvGrpSpPr>
+      <p:grpSpPr>
+        <a:xfrm>
+          <a:off x="0" y="0"/>
+          <a:ext cx="0" cy="0"/>
+          <a:chOff x="0" y="0"/>
+          <a:chExt cx="0" cy="0"/>
+        </a:xfrm>
+      </p:grpSpPr>
+      <p:sp>
+        <p:nvSpPr>
+          <p:cNvPr id="6" name="Rectangle 5">
+            <a:extLst>
+              <a:ext uri="{FF2B5EF4-FFF2-40B4-BE49-F238E27FC236}">
+                <a16:creationId xmlns:a16="http://schemas.microsoft.com/office/drawing/2014/main" id="{3E1681D6-DFBE-75A9-F44D-CDCEF38109D7}"/>
+              </a:ext>
+            </a:extLst>
+          </p:cNvPr>
+          <p:cNvSpPr/>
+          <p:nvPr/>
+        </p:nvSpPr>
+        <p:spPr>
+          <a:xfrm>
+            <a:off x="0" y="0"/>
+            <a:ext cx="12192000" cy="6858000"/>
+          </a:xfrm>
+          <a:prstGeom prst="rect">
+            <a:avLst/>
+          </a:prstGeom>
+          <a:solidFill>
+            <a:srgbClr val="23242A"/>
+          </a:solidFill>
+          <a:ln>
+            <a:noFill/>
+          </a:ln>
+        </p:spPr>
+        <p:style>
+          <a:lnRef idx="2">
+            <a:schemeClr val="accent1">
+              <a:shade val="15000"/>
+            </a:schemeClr>
+          </a:lnRef>
+          <a:fillRef idx="1">
+            <a:schemeClr val="accent1"/>
+          </a:fillRef>
+          <a:effectRef idx="0">
+            <a:schemeClr val="accent1"/>
+          </a:effectRef>
+          <a:fontRef idx="minor">
+            <a:schemeClr val="lt1"/>
+          </a:fontRef>
+        </p:style>
+        <p:txBody>
+          <a:bodyPr rtlCol="0" anchor="ctr"/>
+          <a:lstStyle/>
+          <a:p>
+            <a:pPr algn="ctr"/>
+            <a:endParaRPr lang="zh-CN" altLang="en-US" dirty="0"/>
+          </a:p>
+        </p:txBody>
+      </p:sp>
+      <p:sp>
+        <p:nvSpPr>
+          <p:cNvPr id="2" name="Slide Number Placeholder 1">
+            <a:extLst>
+              <a:ext uri="{FF2B5EF4-FFF2-40B4-BE49-F238E27FC236}">
+                <a16:creationId xmlns:a16="http://schemas.microsoft.com/office/drawing/2014/main" id="{BF004046-931E-D73A-D8B7-AAC529C0015B}"/>
               </a:ext>
             </a:extLst>
           </p:cNvPr>
@@ -26247,10 +26467,10 @@
       </p:sp>
       <p:sp>
         <p:nvSpPr>
-          <p:cNvPr id="4" name="Google Shape;867;p33">
-            <a:extLst>
-              <a:ext uri="{FF2B5EF4-FFF2-40B4-BE49-F238E27FC236}">
-                <a16:creationId xmlns:a16="http://schemas.microsoft.com/office/drawing/2014/main" id="{24BC39E7-8798-676F-63C1-093D28359AFA}"/>
+          <p:cNvPr id="3" name="Google Shape;867;p33">
+            <a:extLst>
+              <a:ext uri="{FF2B5EF4-FFF2-40B4-BE49-F238E27FC236}">
+                <a16:creationId xmlns:a16="http://schemas.microsoft.com/office/drawing/2014/main" id="{3E6FF52A-6BFB-200D-14D4-403FD559FE71}"/>
               </a:ext>
             </a:extLst>
           </p:cNvPr>
@@ -26261,7 +26481,7 @@
         </p:nvSpPr>
         <p:spPr>
           <a:xfrm>
-            <a:off x="2222600" y="2778760"/>
+            <a:off x="2222600" y="143850"/>
             <a:ext cx="7746800" cy="1602400"/>
           </a:xfrm>
           <a:prstGeom prst="rect">
@@ -26537,15 +26757,626 @@
                 <a:latin typeface="Amatic SC" panose="020F0502020204030204" pitchFamily="2" charset="-79"/>
                 <a:cs typeface="Amatic SC" panose="020F0502020204030204" pitchFamily="2" charset="-79"/>
               </a:rPr>
-              <a:t>Thank you and see you in the next lesson!</a:t>
+              <a:t>Reset Timer</a:t>
             </a:r>
+          </a:p>
+        </p:txBody>
+      </p:sp>
+      <p:pic>
+        <p:nvPicPr>
+          <p:cNvPr id="20" name="Picture 19">
+            <a:extLst>
+              <a:ext uri="{FF2B5EF4-FFF2-40B4-BE49-F238E27FC236}">
+                <a16:creationId xmlns:a16="http://schemas.microsoft.com/office/drawing/2014/main" id="{12B958C9-6BAE-DC02-07A4-A2ED3008163E}"/>
+              </a:ext>
+            </a:extLst>
+          </p:cNvPr>
+          <p:cNvPicPr>
+            <a:picLocks noChangeAspect="1"/>
+          </p:cNvPicPr>
+          <p:nvPr/>
+        </p:nvPicPr>
+        <p:blipFill>
+          <a:blip r:embed="rId2">
+            <a:extLst>
+              <a:ext uri="{28A0092B-C50C-407E-A947-70E740481C1C}">
+                <a14:useLocalDpi xmlns:a14="http://schemas.microsoft.com/office/drawing/2010/main" val="0"/>
+              </a:ext>
+            </a:extLst>
+          </a:blip>
+          <a:stretch>
+            <a:fillRect/>
+          </a:stretch>
+        </p:blipFill>
+        <p:spPr>
+          <a:xfrm>
+            <a:off x="5306807" y="1878434"/>
+            <a:ext cx="3003178" cy="2245650"/>
+          </a:xfrm>
+          <a:prstGeom prst="rect">
+            <a:avLst/>
+          </a:prstGeom>
+        </p:spPr>
+      </p:pic>
+      <p:pic>
+        <p:nvPicPr>
+          <p:cNvPr id="8" name="Graphic 7">
+            <a:extLst>
+              <a:ext uri="{FF2B5EF4-FFF2-40B4-BE49-F238E27FC236}">
+                <a16:creationId xmlns:a16="http://schemas.microsoft.com/office/drawing/2014/main" id="{9477DC98-686F-AC4B-592A-E180BA438CDE}"/>
+              </a:ext>
+            </a:extLst>
+          </p:cNvPr>
+          <p:cNvPicPr>
+            <a:picLocks noChangeAspect="1"/>
+          </p:cNvPicPr>
+          <p:nvPr/>
+        </p:nvPicPr>
+        <p:blipFill>
+          <a:blip r:embed="rId3">
+            <a:extLst>
+              <a:ext uri="{96DAC541-7B7A-43D3-8B79-37D633B846F1}">
+                <asvg:svgBlip xmlns:asvg="http://schemas.microsoft.com/office/drawing/2016/SVG/main" r:embed="rId4"/>
+              </a:ext>
+            </a:extLst>
+          </a:blip>
+          <a:stretch>
+            <a:fillRect/>
+          </a:stretch>
+        </p:blipFill>
+        <p:spPr>
+          <a:xfrm>
+            <a:off x="8797761" y="3861939"/>
+            <a:ext cx="3003178" cy="2263264"/>
+          </a:xfrm>
+          <a:prstGeom prst="rect">
+            <a:avLst/>
+          </a:prstGeom>
+        </p:spPr>
+      </p:pic>
+      <p:pic>
+        <p:nvPicPr>
+          <p:cNvPr id="10" name="Graphic 9">
+            <a:extLst>
+              <a:ext uri="{FF2B5EF4-FFF2-40B4-BE49-F238E27FC236}">
+                <a16:creationId xmlns:a16="http://schemas.microsoft.com/office/drawing/2014/main" id="{B2BE5721-6D69-CC53-2B7C-EE71A6D045EF}"/>
+              </a:ext>
+            </a:extLst>
+          </p:cNvPr>
+          <p:cNvPicPr>
+            <a:picLocks noChangeAspect="1"/>
+          </p:cNvPicPr>
+          <p:nvPr/>
+        </p:nvPicPr>
+        <p:blipFill>
+          <a:blip r:embed="rId5">
+            <a:alphaModFix amt="80000"/>
+            <a:extLst>
+              <a:ext uri="{96DAC541-7B7A-43D3-8B79-37D633B846F1}">
+                <asvg:svgBlip xmlns:asvg="http://schemas.microsoft.com/office/drawing/2016/SVG/main" r:embed="rId6"/>
+              </a:ext>
+            </a:extLst>
+          </a:blip>
+          <a:stretch>
+            <a:fillRect/>
+          </a:stretch>
+        </p:blipFill>
+        <p:spPr>
+          <a:xfrm>
+            <a:off x="11048383" y="5542594"/>
+            <a:ext cx="290177" cy="214567"/>
+          </a:xfrm>
+          <a:prstGeom prst="rect">
+            <a:avLst/>
+          </a:prstGeom>
+        </p:spPr>
+      </p:pic>
+      <p:sp>
+        <p:nvSpPr>
+          <p:cNvPr id="11" name="Arrow: Bent-Up 10">
+            <a:extLst>
+              <a:ext uri="{FF2B5EF4-FFF2-40B4-BE49-F238E27FC236}">
+                <a16:creationId xmlns:a16="http://schemas.microsoft.com/office/drawing/2014/main" id="{69874C67-BDE5-DEF7-F8FE-8DAB848020B3}"/>
+              </a:ext>
+            </a:extLst>
+          </p:cNvPr>
+          <p:cNvSpPr/>
+          <p:nvPr/>
+        </p:nvSpPr>
+        <p:spPr>
+          <a:xfrm rot="5400000">
+            <a:off x="7173090" y="4037534"/>
+            <a:ext cx="939392" cy="1668780"/>
+          </a:xfrm>
+          <a:prstGeom prst="bentUpArrow">
+            <a:avLst/>
+          </a:prstGeom>
+          <a:solidFill>
+            <a:schemeClr val="bg1">
+              <a:lumMod val="75000"/>
+            </a:schemeClr>
+          </a:solidFill>
+          <a:ln>
+            <a:noFill/>
+          </a:ln>
+        </p:spPr>
+        <p:style>
+          <a:lnRef idx="2">
+            <a:schemeClr val="accent1">
+              <a:shade val="15000"/>
+            </a:schemeClr>
+          </a:lnRef>
+          <a:fillRef idx="1">
+            <a:schemeClr val="accent1"/>
+          </a:fillRef>
+          <a:effectRef idx="0">
+            <a:schemeClr val="accent1"/>
+          </a:effectRef>
+          <a:fontRef idx="minor">
+            <a:schemeClr val="lt1"/>
+          </a:fontRef>
+        </p:style>
+        <p:txBody>
+          <a:bodyPr rtlCol="0" anchor="ctr"/>
+          <a:lstStyle/>
+          <a:p>
+            <a:pPr algn="ctr"/>
+            <a:endParaRPr lang="zh-CN" altLang="en-US"/>
+          </a:p>
+        </p:txBody>
+      </p:sp>
+      <p:sp>
+        <p:nvSpPr>
+          <p:cNvPr id="5" name="TextBox 4">
+            <a:extLst>
+              <a:ext uri="{FF2B5EF4-FFF2-40B4-BE49-F238E27FC236}">
+                <a16:creationId xmlns:a16="http://schemas.microsoft.com/office/drawing/2014/main" id="{B45EF206-B5FC-AF77-19F9-4CFB1625929E}"/>
+              </a:ext>
+            </a:extLst>
+          </p:cNvPr>
+          <p:cNvSpPr txBox="1"/>
+          <p:nvPr/>
+        </p:nvSpPr>
+        <p:spPr>
+          <a:xfrm>
+            <a:off x="6569831" y="5280984"/>
+            <a:ext cx="2145910" cy="523220"/>
+          </a:xfrm>
+          <a:prstGeom prst="rect">
+            <a:avLst/>
+          </a:prstGeom>
+          <a:noFill/>
+        </p:spPr>
+        <p:txBody>
+          <a:bodyPr wrap="square" rtlCol="0">
+            <a:spAutoFit/>
+          </a:bodyPr>
+          <a:lstStyle/>
+          <a:p>
+            <a:pPr algn="ctr"/>
+            <a:r>
+              <a:rPr lang="en-US" altLang="zh-CN" sz="2800" dirty="0">
+                <a:solidFill>
+                  <a:schemeClr val="bg1">
+                    <a:lumMod val="75000"/>
+                  </a:schemeClr>
+                </a:solidFill>
+                <a:latin typeface="High Tower Text" panose="02040502050506030303" pitchFamily="18" charset="0"/>
+              </a:rPr>
+              <a:t>Reset timer</a:t>
+            </a:r>
+            <a:endParaRPr lang="zh-CN" altLang="en-US" sz="2800" dirty="0">
+              <a:solidFill>
+                <a:schemeClr val="bg1">
+                  <a:lumMod val="75000"/>
+                </a:schemeClr>
+              </a:solidFill>
+              <a:latin typeface="High Tower Text" panose="02040502050506030303" pitchFamily="18" charset="0"/>
+            </a:endParaRPr>
+          </a:p>
+        </p:txBody>
+      </p:sp>
+      <p:sp>
+        <p:nvSpPr>
+          <p:cNvPr id="9" name="Rectangle: Rounded Corners 8">
+            <a:extLst>
+              <a:ext uri="{FF2B5EF4-FFF2-40B4-BE49-F238E27FC236}">
+                <a16:creationId xmlns:a16="http://schemas.microsoft.com/office/drawing/2014/main" id="{4BAC6017-F5A9-85B3-40D2-0B88AA3FF35A}"/>
+              </a:ext>
+            </a:extLst>
+          </p:cNvPr>
+          <p:cNvSpPr/>
+          <p:nvPr/>
+        </p:nvSpPr>
+        <p:spPr>
+          <a:xfrm>
+            <a:off x="5333420" y="1928449"/>
+            <a:ext cx="644279" cy="327072"/>
+          </a:xfrm>
+          <a:prstGeom prst="roundRect">
+            <a:avLst/>
+          </a:prstGeom>
+          <a:solidFill>
+            <a:srgbClr val="5CB1D6"/>
+          </a:solidFill>
+          <a:ln w="19050">
+            <a:solidFill>
+              <a:schemeClr val="bg1">
+                <a:lumMod val="75000"/>
+              </a:schemeClr>
+            </a:solidFill>
+          </a:ln>
+        </p:spPr>
+        <p:style>
+          <a:lnRef idx="2">
+            <a:schemeClr val="accent1">
+              <a:shade val="15000"/>
+            </a:schemeClr>
+          </a:lnRef>
+          <a:fillRef idx="1">
+            <a:schemeClr val="accent1"/>
+          </a:fillRef>
+          <a:effectRef idx="0">
+            <a:schemeClr val="accent1"/>
+          </a:effectRef>
+          <a:fontRef idx="minor">
+            <a:schemeClr val="lt1"/>
+          </a:fontRef>
+        </p:style>
+        <p:txBody>
+          <a:bodyPr rtlCol="0" anchor="ctr"/>
+          <a:lstStyle/>
+          <a:p>
+            <a:pPr algn="ctr"/>
+            <a:endParaRPr lang="zh-CN" altLang="en-US" dirty="0"/>
+          </a:p>
+        </p:txBody>
+      </p:sp>
+      <p:sp>
+        <p:nvSpPr>
+          <p:cNvPr id="12" name="TextBox 11">
+            <a:extLst>
+              <a:ext uri="{FF2B5EF4-FFF2-40B4-BE49-F238E27FC236}">
+                <a16:creationId xmlns:a16="http://schemas.microsoft.com/office/drawing/2014/main" id="{DABD6141-1A2B-3807-82E3-70DE7C17B111}"/>
+              </a:ext>
+            </a:extLst>
+          </p:cNvPr>
+          <p:cNvSpPr txBox="1"/>
+          <p:nvPr/>
+        </p:nvSpPr>
+        <p:spPr>
+          <a:xfrm>
+            <a:off x="5306807" y="1947744"/>
+            <a:ext cx="670892" cy="307777"/>
+          </a:xfrm>
+          <a:prstGeom prst="rect">
+            <a:avLst/>
+          </a:prstGeom>
+          <a:noFill/>
+        </p:spPr>
+        <p:txBody>
+          <a:bodyPr wrap="square" rtlCol="0">
+            <a:spAutoFit/>
+          </a:bodyPr>
+          <a:lstStyle/>
+          <a:p>
+            <a:pPr algn="ctr"/>
+            <a:r>
+              <a:rPr lang="en-US" altLang="zh-CN" sz="1400" dirty="0">
+                <a:solidFill>
+                  <a:schemeClr val="bg1"/>
+                </a:solidFill>
+              </a:rPr>
+              <a:t>9.137</a:t>
+            </a:r>
+            <a:endParaRPr lang="zh-CN" altLang="en-US" sz="1400" dirty="0">
+              <a:solidFill>
+                <a:schemeClr val="bg1"/>
+              </a:solidFill>
+            </a:endParaRPr>
+          </a:p>
+        </p:txBody>
+      </p:sp>
+      <p:sp>
+        <p:nvSpPr>
+          <p:cNvPr id="13" name="Rectangle: Rounded Corners 12">
+            <a:extLst>
+              <a:ext uri="{FF2B5EF4-FFF2-40B4-BE49-F238E27FC236}">
+                <a16:creationId xmlns:a16="http://schemas.microsoft.com/office/drawing/2014/main" id="{56B68D89-B4A1-8A43-358F-466E6813FACB}"/>
+              </a:ext>
+            </a:extLst>
+          </p:cNvPr>
+          <p:cNvSpPr/>
+          <p:nvPr/>
+        </p:nvSpPr>
+        <p:spPr>
+          <a:xfrm>
+            <a:off x="8891960" y="3950900"/>
+            <a:ext cx="644279" cy="327072"/>
+          </a:xfrm>
+          <a:prstGeom prst="roundRect">
+            <a:avLst/>
+          </a:prstGeom>
+          <a:solidFill>
+            <a:srgbClr val="5CB1D6"/>
+          </a:solidFill>
+          <a:ln w="19050">
+            <a:solidFill>
+              <a:schemeClr val="bg1">
+                <a:lumMod val="75000"/>
+              </a:schemeClr>
+            </a:solidFill>
+          </a:ln>
+        </p:spPr>
+        <p:style>
+          <a:lnRef idx="2">
+            <a:schemeClr val="accent1">
+              <a:shade val="15000"/>
+            </a:schemeClr>
+          </a:lnRef>
+          <a:fillRef idx="1">
+            <a:schemeClr val="accent1"/>
+          </a:fillRef>
+          <a:effectRef idx="0">
+            <a:schemeClr val="accent1"/>
+          </a:effectRef>
+          <a:fontRef idx="minor">
+            <a:schemeClr val="lt1"/>
+          </a:fontRef>
+        </p:style>
+        <p:txBody>
+          <a:bodyPr rtlCol="0" anchor="ctr"/>
+          <a:lstStyle/>
+          <a:p>
+            <a:pPr algn="ctr"/>
+            <a:endParaRPr lang="zh-CN" altLang="en-US" dirty="0"/>
+          </a:p>
+        </p:txBody>
+      </p:sp>
+      <p:sp>
+        <p:nvSpPr>
+          <p:cNvPr id="14" name="TextBox 13">
+            <a:extLst>
+              <a:ext uri="{FF2B5EF4-FFF2-40B4-BE49-F238E27FC236}">
+                <a16:creationId xmlns:a16="http://schemas.microsoft.com/office/drawing/2014/main" id="{9E7137FB-5E24-400B-D91D-0F6FEFF7073C}"/>
+              </a:ext>
+            </a:extLst>
+          </p:cNvPr>
+          <p:cNvSpPr txBox="1"/>
+          <p:nvPr/>
+        </p:nvSpPr>
+        <p:spPr>
+          <a:xfrm>
+            <a:off x="8865347" y="3970195"/>
+            <a:ext cx="670892" cy="307777"/>
+          </a:xfrm>
+          <a:prstGeom prst="rect">
+            <a:avLst/>
+          </a:prstGeom>
+          <a:noFill/>
+        </p:spPr>
+        <p:txBody>
+          <a:bodyPr wrap="square" rtlCol="0">
+            <a:spAutoFit/>
+          </a:bodyPr>
+          <a:lstStyle/>
+          <a:p>
+            <a:pPr algn="ctr"/>
+            <a:r>
+              <a:rPr lang="en-US" altLang="zh-CN" sz="1400" dirty="0">
+                <a:solidFill>
+                  <a:schemeClr val="bg1"/>
+                </a:solidFill>
+              </a:rPr>
+              <a:t>0.000</a:t>
+            </a:r>
+            <a:endParaRPr lang="zh-CN" altLang="en-US" sz="1400" dirty="0">
+              <a:solidFill>
+                <a:schemeClr val="bg1"/>
+              </a:solidFill>
+            </a:endParaRPr>
+          </a:p>
+        </p:txBody>
+      </p:sp>
+      <p:pic>
+        <p:nvPicPr>
+          <p:cNvPr id="16" name="Picture 15">
+            <a:extLst>
+              <a:ext uri="{FF2B5EF4-FFF2-40B4-BE49-F238E27FC236}">
+                <a16:creationId xmlns:a16="http://schemas.microsoft.com/office/drawing/2014/main" id="{2AE39390-6F74-94E1-CA57-93F5C8E11C37}"/>
+              </a:ext>
+            </a:extLst>
+          </p:cNvPr>
+          <p:cNvPicPr>
+            <a:picLocks noChangeAspect="1"/>
+          </p:cNvPicPr>
+          <p:nvPr/>
+        </p:nvPicPr>
+        <p:blipFill>
+          <a:blip r:embed="rId7">
+            <a:extLst>
+              <a:ext uri="{28A0092B-C50C-407E-A947-70E740481C1C}">
+                <a14:useLocalDpi xmlns:a14="http://schemas.microsoft.com/office/drawing/2010/main" val="0"/>
+              </a:ext>
+            </a:extLst>
+          </a:blip>
+          <a:stretch>
+            <a:fillRect/>
+          </a:stretch>
+        </p:blipFill>
+        <p:spPr>
+          <a:xfrm>
+            <a:off x="687255" y="2685995"/>
+            <a:ext cx="4157173" cy="2946082"/>
+          </a:xfrm>
+          <a:prstGeom prst="rect">
+            <a:avLst/>
+          </a:prstGeom>
+        </p:spPr>
+      </p:pic>
+      <p:sp>
+        <p:nvSpPr>
+          <p:cNvPr id="17" name="Rectangle 16">
+            <a:extLst>
+              <a:ext uri="{FF2B5EF4-FFF2-40B4-BE49-F238E27FC236}">
+                <a16:creationId xmlns:a16="http://schemas.microsoft.com/office/drawing/2014/main" id="{78598411-F559-B290-2C9B-773040920328}"/>
+              </a:ext>
+            </a:extLst>
+          </p:cNvPr>
+          <p:cNvSpPr/>
+          <p:nvPr/>
+        </p:nvSpPr>
+        <p:spPr>
+          <a:xfrm>
+            <a:off x="628145" y="3513668"/>
+            <a:ext cx="1360675" cy="829732"/>
+          </a:xfrm>
+          <a:prstGeom prst="rect">
+            <a:avLst/>
+          </a:prstGeom>
+          <a:noFill/>
+          <a:ln w="38100">
+            <a:solidFill>
+              <a:srgbClr val="C00000"/>
+            </a:solidFill>
+            <a:prstDash val="sysDash"/>
+          </a:ln>
+        </p:spPr>
+        <p:style>
+          <a:lnRef idx="2">
+            <a:schemeClr val="accent1">
+              <a:shade val="15000"/>
+            </a:schemeClr>
+          </a:lnRef>
+          <a:fillRef idx="1">
+            <a:schemeClr val="accent1"/>
+          </a:fillRef>
+          <a:effectRef idx="0">
+            <a:schemeClr val="accent1"/>
+          </a:effectRef>
+          <a:fontRef idx="minor">
+            <a:schemeClr val="lt1"/>
+          </a:fontRef>
+        </p:style>
+        <p:txBody>
+          <a:bodyPr rtlCol="0" anchor="ctr"/>
+          <a:lstStyle/>
+          <a:p>
+            <a:pPr algn="ctr"/>
+            <a:endParaRPr lang="zh-CN" altLang="en-US"/>
+          </a:p>
+        </p:txBody>
+      </p:sp>
+      <p:sp>
+        <p:nvSpPr>
+          <p:cNvPr id="18" name="Rectangle 17">
+            <a:extLst>
+              <a:ext uri="{FF2B5EF4-FFF2-40B4-BE49-F238E27FC236}">
+                <a16:creationId xmlns:a16="http://schemas.microsoft.com/office/drawing/2014/main" id="{6A941AA1-2FC8-DFD4-B64D-6A925391A2FB}"/>
+              </a:ext>
+            </a:extLst>
+          </p:cNvPr>
+          <p:cNvSpPr/>
+          <p:nvPr/>
+        </p:nvSpPr>
+        <p:spPr>
+          <a:xfrm>
+            <a:off x="5306807" y="1890100"/>
+            <a:ext cx="728233" cy="426380"/>
+          </a:xfrm>
+          <a:prstGeom prst="rect">
+            <a:avLst/>
+          </a:prstGeom>
+          <a:noFill/>
+          <a:ln w="38100">
+            <a:solidFill>
+              <a:srgbClr val="C00000"/>
+            </a:solidFill>
+            <a:prstDash val="sysDash"/>
+          </a:ln>
+        </p:spPr>
+        <p:style>
+          <a:lnRef idx="2">
+            <a:schemeClr val="accent1">
+              <a:shade val="15000"/>
+            </a:schemeClr>
+          </a:lnRef>
+          <a:fillRef idx="1">
+            <a:schemeClr val="accent1"/>
+          </a:fillRef>
+          <a:effectRef idx="0">
+            <a:schemeClr val="accent1"/>
+          </a:effectRef>
+          <a:fontRef idx="minor">
+            <a:schemeClr val="lt1"/>
+          </a:fontRef>
+        </p:style>
+        <p:txBody>
+          <a:bodyPr rtlCol="0" anchor="ctr"/>
+          <a:lstStyle/>
+          <a:p>
+            <a:pPr algn="ctr"/>
+            <a:endParaRPr lang="zh-CN" altLang="en-US"/>
+          </a:p>
+        </p:txBody>
+      </p:sp>
+      <p:sp>
+        <p:nvSpPr>
+          <p:cNvPr id="19" name="Rectangle 18">
+            <a:extLst>
+              <a:ext uri="{FF2B5EF4-FFF2-40B4-BE49-F238E27FC236}">
+                <a16:creationId xmlns:a16="http://schemas.microsoft.com/office/drawing/2014/main" id="{29E300E4-C9F5-7E6D-E4ED-B4A9F6DC1288}"/>
+              </a:ext>
+            </a:extLst>
+          </p:cNvPr>
+          <p:cNvSpPr/>
+          <p:nvPr/>
+        </p:nvSpPr>
+        <p:spPr>
+          <a:xfrm>
+            <a:off x="8836676" y="3901246"/>
+            <a:ext cx="728233" cy="426380"/>
+          </a:xfrm>
+          <a:prstGeom prst="rect">
+            <a:avLst/>
+          </a:prstGeom>
+          <a:noFill/>
+          <a:ln w="38100">
+            <a:solidFill>
+              <a:srgbClr val="C00000"/>
+            </a:solidFill>
+            <a:prstDash val="sysDash"/>
+          </a:ln>
+        </p:spPr>
+        <p:style>
+          <a:lnRef idx="2">
+            <a:schemeClr val="accent1">
+              <a:shade val="15000"/>
+            </a:schemeClr>
+          </a:lnRef>
+          <a:fillRef idx="1">
+            <a:schemeClr val="accent1"/>
+          </a:fillRef>
+          <a:effectRef idx="0">
+            <a:schemeClr val="accent1"/>
+          </a:effectRef>
+          <a:fontRef idx="minor">
+            <a:schemeClr val="lt1"/>
+          </a:fontRef>
+        </p:style>
+        <p:txBody>
+          <a:bodyPr rtlCol="0" anchor="ctr"/>
+          <a:lstStyle/>
+          <a:p>
+            <a:pPr algn="ctr"/>
+            <a:endParaRPr lang="zh-CN" altLang="en-US"/>
           </a:p>
         </p:txBody>
       </p:sp>
     </p:spTree>
     <p:extLst>
       <p:ext uri="{BB962C8B-B14F-4D97-AF65-F5344CB8AC3E}">
-        <p14:creationId xmlns:p14="http://schemas.microsoft.com/office/powerpoint/2010/main" val="394012090"/>
+        <p14:creationId xmlns:p14="http://schemas.microsoft.com/office/powerpoint/2010/main" val="3708782461"/>
       </p:ext>
     </p:extLst>
   </p:cSld>
@@ -27281,6 +28112,1438 @@
     <p:extLst>
       <p:ext uri="{BB962C8B-B14F-4D97-AF65-F5344CB8AC3E}">
         <p14:creationId xmlns:p14="http://schemas.microsoft.com/office/powerpoint/2010/main" val="1989926019"/>
+      </p:ext>
+    </p:extLst>
+  </p:cSld>
+  <p:clrMapOvr>
+    <a:masterClrMapping/>
+  </p:clrMapOvr>
+</p:sld>
+</file>
+
+<file path=ppt/slides/slide40.xml><?xml version="1.0" encoding="utf-8"?>
+<p:sld xmlns:a="http://schemas.openxmlformats.org/drawingml/2006/main" xmlns:r="http://schemas.openxmlformats.org/officeDocument/2006/relationships" xmlns:p="http://schemas.openxmlformats.org/presentationml/2006/main">
+  <p:cSld>
+    <p:spTree>
+      <p:nvGrpSpPr>
+        <p:cNvPr id="1" name="">
+          <a:extLst>
+            <a:ext uri="{FF2B5EF4-FFF2-40B4-BE49-F238E27FC236}">
+              <a16:creationId xmlns:a16="http://schemas.microsoft.com/office/drawing/2014/main" id="{B0638B88-A28D-0D98-6790-AFD73D028E78}"/>
+            </a:ext>
+          </a:extLst>
+        </p:cNvPr>
+        <p:cNvGrpSpPr/>
+        <p:nvPr/>
+      </p:nvGrpSpPr>
+      <p:grpSpPr>
+        <a:xfrm>
+          <a:off x="0" y="0"/>
+          <a:ext cx="0" cy="0"/>
+          <a:chOff x="0" y="0"/>
+          <a:chExt cx="0" cy="0"/>
+        </a:xfrm>
+      </p:grpSpPr>
+      <p:sp>
+        <p:nvSpPr>
+          <p:cNvPr id="6" name="Rectangle 5">
+            <a:extLst>
+              <a:ext uri="{FF2B5EF4-FFF2-40B4-BE49-F238E27FC236}">
+                <a16:creationId xmlns:a16="http://schemas.microsoft.com/office/drawing/2014/main" id="{52E115B1-EE40-3BB7-072F-C694ABBC3CDA}"/>
+              </a:ext>
+            </a:extLst>
+          </p:cNvPr>
+          <p:cNvSpPr/>
+          <p:nvPr/>
+        </p:nvSpPr>
+        <p:spPr>
+          <a:xfrm>
+            <a:off x="0" y="0"/>
+            <a:ext cx="12192000" cy="6858000"/>
+          </a:xfrm>
+          <a:prstGeom prst="rect">
+            <a:avLst/>
+          </a:prstGeom>
+          <a:solidFill>
+            <a:srgbClr val="23242A"/>
+          </a:solidFill>
+          <a:ln>
+            <a:noFill/>
+          </a:ln>
+        </p:spPr>
+        <p:style>
+          <a:lnRef idx="2">
+            <a:schemeClr val="accent1">
+              <a:shade val="15000"/>
+            </a:schemeClr>
+          </a:lnRef>
+          <a:fillRef idx="1">
+            <a:schemeClr val="accent1"/>
+          </a:fillRef>
+          <a:effectRef idx="0">
+            <a:schemeClr val="accent1"/>
+          </a:effectRef>
+          <a:fontRef idx="minor">
+            <a:schemeClr val="lt1"/>
+          </a:fontRef>
+        </p:style>
+        <p:txBody>
+          <a:bodyPr rtlCol="0" anchor="ctr"/>
+          <a:lstStyle/>
+          <a:p>
+            <a:pPr algn="ctr"/>
+            <a:endParaRPr lang="zh-CN" altLang="en-US" dirty="0"/>
+          </a:p>
+        </p:txBody>
+      </p:sp>
+      <p:sp>
+        <p:nvSpPr>
+          <p:cNvPr id="2" name="Slide Number Placeholder 1">
+            <a:extLst>
+              <a:ext uri="{FF2B5EF4-FFF2-40B4-BE49-F238E27FC236}">
+                <a16:creationId xmlns:a16="http://schemas.microsoft.com/office/drawing/2014/main" id="{6B14C209-5E11-9F64-6579-48902F3047ED}"/>
+              </a:ext>
+            </a:extLst>
+          </p:cNvPr>
+          <p:cNvSpPr>
+            <a:spLocks noGrp="1"/>
+          </p:cNvSpPr>
+          <p:nvPr>
+            <p:ph type="sldNum" sz="quarter" idx="12"/>
+          </p:nvPr>
+        </p:nvSpPr>
+        <p:spPr>
+          <a:xfrm>
+            <a:off x="9057739" y="6259509"/>
+            <a:ext cx="2743200" cy="365125"/>
+          </a:xfrm>
+        </p:spPr>
+        <p:txBody>
+          <a:bodyPr/>
+          <a:lstStyle/>
+          <a:p>
+            <a:fld id="{9B1EC109-1E15-4BCA-93B5-56442BB3443E}" type="slidenum">
+              <a:rPr lang="zh-CN" altLang="en-US" sz="2400" b="1" smtClean="0">
+                <a:solidFill>
+                  <a:schemeClr val="bg1">
+                    <a:lumMod val="65000"/>
+                  </a:schemeClr>
+                </a:solidFill>
+                <a:latin typeface="Bradley Hand ITC" panose="03070402050302030203" pitchFamily="66" charset="0"/>
+              </a:rPr>
+              <a:t>40</a:t>
+            </a:fld>
+            <a:endParaRPr lang="zh-CN" altLang="en-US" sz="2400" b="1" dirty="0">
+              <a:solidFill>
+                <a:schemeClr val="bg1">
+                  <a:lumMod val="65000"/>
+                </a:schemeClr>
+              </a:solidFill>
+              <a:latin typeface="Bradley Hand ITC" panose="03070402050302030203" pitchFamily="66" charset="0"/>
+            </a:endParaRPr>
+          </a:p>
+        </p:txBody>
+      </p:sp>
+      <p:sp>
+        <p:nvSpPr>
+          <p:cNvPr id="4" name="Google Shape;867;p33">
+            <a:extLst>
+              <a:ext uri="{FF2B5EF4-FFF2-40B4-BE49-F238E27FC236}">
+                <a16:creationId xmlns:a16="http://schemas.microsoft.com/office/drawing/2014/main" id="{8C54911E-C7A1-4CEC-EBF1-0B16D4B61B9B}"/>
+              </a:ext>
+            </a:extLst>
+          </p:cNvPr>
+          <p:cNvSpPr txBox="1">
+            <a:spLocks/>
+          </p:cNvSpPr>
+          <p:nvPr/>
+        </p:nvSpPr>
+        <p:spPr>
+          <a:xfrm>
+            <a:off x="2222600" y="143850"/>
+            <a:ext cx="7746800" cy="1602400"/>
+          </a:xfrm>
+          <a:prstGeom prst="rect">
+            <a:avLst/>
+          </a:prstGeom>
+          <a:noFill/>
+          <a:ln>
+            <a:noFill/>
+          </a:ln>
+        </p:spPr>
+        <p:txBody>
+          <a:bodyPr spcFirstLastPara="1" wrap="square" lIns="91425" tIns="91425" rIns="91425" bIns="91425" anchor="b" anchorCtr="0">
+            <a:noAutofit/>
+          </a:bodyPr>
+          <a:lstStyle>
+            <a:defPPr marR="0" lvl="0" algn="l" rtl="0">
+              <a:lnSpc>
+                <a:spcPct val="100000"/>
+              </a:lnSpc>
+              <a:spcBef>
+                <a:spcPts val="0"/>
+              </a:spcBef>
+              <a:spcAft>
+                <a:spcPts val="0"/>
+              </a:spcAft>
+            </a:defPPr>
+            <a:lvl1pPr marR="0" lvl="0" algn="l" rtl="0">
+              <a:lnSpc>
+                <a:spcPct val="100000"/>
+              </a:lnSpc>
+              <a:spcBef>
+                <a:spcPts val="0"/>
+              </a:spcBef>
+              <a:spcAft>
+                <a:spcPts val="0"/>
+              </a:spcAft>
+              <a:buClr>
+                <a:schemeClr val="dk1"/>
+              </a:buClr>
+              <a:buSzPts val="3600"/>
+              <a:buFont typeface="Barlow"/>
+              <a:buNone/>
+              <a:defRPr sz="7200" b="1" i="0" u="none" strike="noStrike" cap="none">
+                <a:solidFill>
+                  <a:schemeClr val="dk1"/>
+                </a:solidFill>
+                <a:latin typeface="Barlow"/>
+                <a:ea typeface="Barlow"/>
+                <a:cs typeface="Barlow"/>
+                <a:sym typeface="Barlow"/>
+              </a:defRPr>
+            </a:lvl1pPr>
+            <a:lvl2pPr marR="0" lvl="1" algn="ctr" rtl="0">
+              <a:lnSpc>
+                <a:spcPct val="100000"/>
+              </a:lnSpc>
+              <a:spcBef>
+                <a:spcPts val="0"/>
+              </a:spcBef>
+              <a:spcAft>
+                <a:spcPts val="0"/>
+              </a:spcAft>
+              <a:buClr>
+                <a:schemeClr val="dk1"/>
+              </a:buClr>
+              <a:buSzPts val="3600"/>
+              <a:buFont typeface="Barlow"/>
+              <a:buNone/>
+              <a:defRPr sz="3600" b="1" i="0" u="none" strike="noStrike" cap="none">
+                <a:solidFill>
+                  <a:schemeClr val="dk1"/>
+                </a:solidFill>
+                <a:latin typeface="Barlow"/>
+                <a:ea typeface="Barlow"/>
+                <a:cs typeface="Barlow"/>
+                <a:sym typeface="Barlow"/>
+              </a:defRPr>
+            </a:lvl2pPr>
+            <a:lvl3pPr marR="0" lvl="2" algn="ctr" rtl="0">
+              <a:lnSpc>
+                <a:spcPct val="100000"/>
+              </a:lnSpc>
+              <a:spcBef>
+                <a:spcPts val="0"/>
+              </a:spcBef>
+              <a:spcAft>
+                <a:spcPts val="0"/>
+              </a:spcAft>
+              <a:buClr>
+                <a:schemeClr val="dk1"/>
+              </a:buClr>
+              <a:buSzPts val="3600"/>
+              <a:buFont typeface="Barlow"/>
+              <a:buNone/>
+              <a:defRPr sz="3600" b="1" i="0" u="none" strike="noStrike" cap="none">
+                <a:solidFill>
+                  <a:schemeClr val="dk1"/>
+                </a:solidFill>
+                <a:latin typeface="Barlow"/>
+                <a:ea typeface="Barlow"/>
+                <a:cs typeface="Barlow"/>
+                <a:sym typeface="Barlow"/>
+              </a:defRPr>
+            </a:lvl3pPr>
+            <a:lvl4pPr marR="0" lvl="3" algn="ctr" rtl="0">
+              <a:lnSpc>
+                <a:spcPct val="100000"/>
+              </a:lnSpc>
+              <a:spcBef>
+                <a:spcPts val="0"/>
+              </a:spcBef>
+              <a:spcAft>
+                <a:spcPts val="0"/>
+              </a:spcAft>
+              <a:buClr>
+                <a:schemeClr val="dk1"/>
+              </a:buClr>
+              <a:buSzPts val="3600"/>
+              <a:buFont typeface="Barlow"/>
+              <a:buNone/>
+              <a:defRPr sz="3600" b="1" i="0" u="none" strike="noStrike" cap="none">
+                <a:solidFill>
+                  <a:schemeClr val="dk1"/>
+                </a:solidFill>
+                <a:latin typeface="Barlow"/>
+                <a:ea typeface="Barlow"/>
+                <a:cs typeface="Barlow"/>
+                <a:sym typeface="Barlow"/>
+              </a:defRPr>
+            </a:lvl4pPr>
+            <a:lvl5pPr marR="0" lvl="4" algn="ctr" rtl="0">
+              <a:lnSpc>
+                <a:spcPct val="100000"/>
+              </a:lnSpc>
+              <a:spcBef>
+                <a:spcPts val="0"/>
+              </a:spcBef>
+              <a:spcAft>
+                <a:spcPts val="0"/>
+              </a:spcAft>
+              <a:buClr>
+                <a:schemeClr val="dk1"/>
+              </a:buClr>
+              <a:buSzPts val="3600"/>
+              <a:buFont typeface="Barlow"/>
+              <a:buNone/>
+              <a:defRPr sz="3600" b="1" i="0" u="none" strike="noStrike" cap="none">
+                <a:solidFill>
+                  <a:schemeClr val="dk1"/>
+                </a:solidFill>
+                <a:latin typeface="Barlow"/>
+                <a:ea typeface="Barlow"/>
+                <a:cs typeface="Barlow"/>
+                <a:sym typeface="Barlow"/>
+              </a:defRPr>
+            </a:lvl5pPr>
+            <a:lvl6pPr marR="0" lvl="5" algn="ctr" rtl="0">
+              <a:lnSpc>
+                <a:spcPct val="100000"/>
+              </a:lnSpc>
+              <a:spcBef>
+                <a:spcPts val="0"/>
+              </a:spcBef>
+              <a:spcAft>
+                <a:spcPts val="0"/>
+              </a:spcAft>
+              <a:buClr>
+                <a:schemeClr val="dk1"/>
+              </a:buClr>
+              <a:buSzPts val="3600"/>
+              <a:buFont typeface="Barlow"/>
+              <a:buNone/>
+              <a:defRPr sz="3600" b="1" i="0" u="none" strike="noStrike" cap="none">
+                <a:solidFill>
+                  <a:schemeClr val="dk1"/>
+                </a:solidFill>
+                <a:latin typeface="Barlow"/>
+                <a:ea typeface="Barlow"/>
+                <a:cs typeface="Barlow"/>
+                <a:sym typeface="Barlow"/>
+              </a:defRPr>
+            </a:lvl6pPr>
+            <a:lvl7pPr marR="0" lvl="6" algn="ctr" rtl="0">
+              <a:lnSpc>
+                <a:spcPct val="100000"/>
+              </a:lnSpc>
+              <a:spcBef>
+                <a:spcPts val="0"/>
+              </a:spcBef>
+              <a:spcAft>
+                <a:spcPts val="0"/>
+              </a:spcAft>
+              <a:buClr>
+                <a:schemeClr val="dk1"/>
+              </a:buClr>
+              <a:buSzPts val="3600"/>
+              <a:buFont typeface="Barlow"/>
+              <a:buNone/>
+              <a:defRPr sz="3600" b="1" i="0" u="none" strike="noStrike" cap="none">
+                <a:solidFill>
+                  <a:schemeClr val="dk1"/>
+                </a:solidFill>
+                <a:latin typeface="Barlow"/>
+                <a:ea typeface="Barlow"/>
+                <a:cs typeface="Barlow"/>
+                <a:sym typeface="Barlow"/>
+              </a:defRPr>
+            </a:lvl7pPr>
+            <a:lvl8pPr marR="0" lvl="7" algn="ctr" rtl="0">
+              <a:lnSpc>
+                <a:spcPct val="100000"/>
+              </a:lnSpc>
+              <a:spcBef>
+                <a:spcPts val="0"/>
+              </a:spcBef>
+              <a:spcAft>
+                <a:spcPts val="0"/>
+              </a:spcAft>
+              <a:buClr>
+                <a:schemeClr val="dk1"/>
+              </a:buClr>
+              <a:buSzPts val="3600"/>
+              <a:buFont typeface="Barlow"/>
+              <a:buNone/>
+              <a:defRPr sz="3600" b="1" i="0" u="none" strike="noStrike" cap="none">
+                <a:solidFill>
+                  <a:schemeClr val="dk1"/>
+                </a:solidFill>
+                <a:latin typeface="Barlow"/>
+                <a:ea typeface="Barlow"/>
+                <a:cs typeface="Barlow"/>
+                <a:sym typeface="Barlow"/>
+              </a:defRPr>
+            </a:lvl8pPr>
+            <a:lvl9pPr marR="0" lvl="8" algn="ctr" rtl="0">
+              <a:lnSpc>
+                <a:spcPct val="100000"/>
+              </a:lnSpc>
+              <a:spcBef>
+                <a:spcPts val="0"/>
+              </a:spcBef>
+              <a:spcAft>
+                <a:spcPts val="0"/>
+              </a:spcAft>
+              <a:buClr>
+                <a:schemeClr val="dk1"/>
+              </a:buClr>
+              <a:buSzPts val="3600"/>
+              <a:buFont typeface="Barlow"/>
+              <a:buNone/>
+              <a:defRPr sz="3600" b="1" i="0" u="none" strike="noStrike" cap="none">
+                <a:solidFill>
+                  <a:schemeClr val="dk1"/>
+                </a:solidFill>
+                <a:latin typeface="Barlow"/>
+                <a:ea typeface="Barlow"/>
+                <a:cs typeface="Barlow"/>
+                <a:sym typeface="Barlow"/>
+              </a:defRPr>
+            </a:lvl9pPr>
+          </a:lstStyle>
+          <a:p>
+            <a:pPr algn="ctr"/>
+            <a:r>
+              <a:rPr lang="en-US" altLang="zh-CN" sz="8000" spc="300" dirty="0">
+                <a:solidFill>
+                  <a:schemeClr val="accent4">
+                    <a:lumMod val="60000"/>
+                    <a:lumOff val="40000"/>
+                    <a:alpha val="60000"/>
+                  </a:schemeClr>
+                </a:solidFill>
+                <a:latin typeface="Amatic SC" panose="020F0502020204030204" pitchFamily="2" charset="-79"/>
+                <a:cs typeface="Amatic SC" panose="020F0502020204030204" pitchFamily="2" charset="-79"/>
+              </a:rPr>
+              <a:t>What we learnt…</a:t>
+            </a:r>
+          </a:p>
+        </p:txBody>
+      </p:sp>
+      <p:sp>
+        <p:nvSpPr>
+          <p:cNvPr id="7" name="TextBox 6">
+            <a:extLst>
+              <a:ext uri="{FF2B5EF4-FFF2-40B4-BE49-F238E27FC236}">
+                <a16:creationId xmlns:a16="http://schemas.microsoft.com/office/drawing/2014/main" id="{746CF1E8-DC14-458F-9658-3E32EF64E0E4}"/>
+              </a:ext>
+            </a:extLst>
+          </p:cNvPr>
+          <p:cNvSpPr txBox="1"/>
+          <p:nvPr/>
+        </p:nvSpPr>
+        <p:spPr>
+          <a:xfrm>
+            <a:off x="1265150" y="2757261"/>
+            <a:ext cx="4048530" cy="2123658"/>
+          </a:xfrm>
+          <a:prstGeom prst="rect">
+            <a:avLst/>
+          </a:prstGeom>
+          <a:noFill/>
+        </p:spPr>
+        <p:txBody>
+          <a:bodyPr wrap="square" rtlCol="0">
+            <a:spAutoFit/>
+          </a:bodyPr>
+          <a:lstStyle/>
+          <a:p>
+            <a:pPr algn="ctr"/>
+            <a:r>
+              <a:rPr lang="en-US" altLang="zh-CN" sz="4400" dirty="0">
+                <a:solidFill>
+                  <a:schemeClr val="bg1">
+                    <a:lumMod val="75000"/>
+                  </a:schemeClr>
+                </a:solidFill>
+                <a:latin typeface="High Tower Text" panose="02040502050506030303" pitchFamily="18" charset="0"/>
+              </a:rPr>
+              <a:t>How to change sprite </a:t>
+            </a:r>
+            <a:r>
+              <a:rPr lang="en-US" altLang="zh-CN" sz="4400" dirty="0">
+                <a:solidFill>
+                  <a:schemeClr val="accent2">
+                    <a:lumMod val="60000"/>
+                    <a:lumOff val="40000"/>
+                  </a:schemeClr>
+                </a:solidFill>
+                <a:latin typeface="High Tower Text" panose="02040502050506030303" pitchFamily="18" charset="0"/>
+              </a:rPr>
+              <a:t>size</a:t>
+            </a:r>
+            <a:r>
+              <a:rPr lang="en-US" altLang="zh-CN" sz="4400" dirty="0">
+                <a:solidFill>
+                  <a:schemeClr val="bg1">
+                    <a:lumMod val="75000"/>
+                  </a:schemeClr>
+                </a:solidFill>
+                <a:latin typeface="High Tower Text" panose="02040502050506030303" pitchFamily="18" charset="0"/>
+              </a:rPr>
+              <a:t> using block</a:t>
+            </a:r>
+            <a:endParaRPr lang="zh-CN" altLang="en-US" sz="4400" dirty="0">
+              <a:solidFill>
+                <a:schemeClr val="bg1">
+                  <a:lumMod val="75000"/>
+                </a:schemeClr>
+              </a:solidFill>
+              <a:latin typeface="High Tower Text" panose="02040502050506030303" pitchFamily="18" charset="0"/>
+            </a:endParaRPr>
+          </a:p>
+        </p:txBody>
+      </p:sp>
+      <p:pic>
+        <p:nvPicPr>
+          <p:cNvPr id="3" name="Picture 2" descr="A purple rectangle with white text and a circle with black text&#10;&#10;Description automatically generated">
+            <a:extLst>
+              <a:ext uri="{FF2B5EF4-FFF2-40B4-BE49-F238E27FC236}">
+                <a16:creationId xmlns:a16="http://schemas.microsoft.com/office/drawing/2014/main" id="{0D5B4824-D4E9-4CE7-C84E-EE743E88F8C3}"/>
+              </a:ext>
+            </a:extLst>
+          </p:cNvPr>
+          <p:cNvPicPr>
+            <a:picLocks noChangeAspect="1"/>
+          </p:cNvPicPr>
+          <p:nvPr/>
+        </p:nvPicPr>
+        <p:blipFill>
+          <a:blip r:embed="rId2">
+            <a:extLst>
+              <a:ext uri="{28A0092B-C50C-407E-A947-70E740481C1C}">
+                <a14:useLocalDpi xmlns:a14="http://schemas.microsoft.com/office/drawing/2010/main" val="0"/>
+              </a:ext>
+            </a:extLst>
+          </a:blip>
+          <a:stretch>
+            <a:fillRect/>
+          </a:stretch>
+        </p:blipFill>
+        <p:spPr>
+          <a:xfrm>
+            <a:off x="6878322" y="3305569"/>
+            <a:ext cx="3573442" cy="1262541"/>
+          </a:xfrm>
+          <a:prstGeom prst="rect">
+            <a:avLst/>
+          </a:prstGeom>
+        </p:spPr>
+      </p:pic>
+    </p:spTree>
+    <p:extLst>
+      <p:ext uri="{BB962C8B-B14F-4D97-AF65-F5344CB8AC3E}">
+        <p14:creationId xmlns:p14="http://schemas.microsoft.com/office/powerpoint/2010/main" val="2768751716"/>
+      </p:ext>
+    </p:extLst>
+  </p:cSld>
+  <p:clrMapOvr>
+    <a:masterClrMapping/>
+  </p:clrMapOvr>
+</p:sld>
+</file>
+
+<file path=ppt/slides/slide41.xml><?xml version="1.0" encoding="utf-8"?>
+<p:sld xmlns:a="http://schemas.openxmlformats.org/drawingml/2006/main" xmlns:r="http://schemas.openxmlformats.org/officeDocument/2006/relationships" xmlns:p="http://schemas.openxmlformats.org/presentationml/2006/main">
+  <p:cSld>
+    <p:spTree>
+      <p:nvGrpSpPr>
+        <p:cNvPr id="1" name="">
+          <a:extLst>
+            <a:ext uri="{FF2B5EF4-FFF2-40B4-BE49-F238E27FC236}">
+              <a16:creationId xmlns:a16="http://schemas.microsoft.com/office/drawing/2014/main" id="{3530765B-AFFB-8619-87BF-95175A46113B}"/>
+            </a:ext>
+          </a:extLst>
+        </p:cNvPr>
+        <p:cNvGrpSpPr/>
+        <p:nvPr/>
+      </p:nvGrpSpPr>
+      <p:grpSpPr>
+        <a:xfrm>
+          <a:off x="0" y="0"/>
+          <a:ext cx="0" cy="0"/>
+          <a:chOff x="0" y="0"/>
+          <a:chExt cx="0" cy="0"/>
+        </a:xfrm>
+      </p:grpSpPr>
+      <p:sp>
+        <p:nvSpPr>
+          <p:cNvPr id="6" name="Rectangle 5">
+            <a:extLst>
+              <a:ext uri="{FF2B5EF4-FFF2-40B4-BE49-F238E27FC236}">
+                <a16:creationId xmlns:a16="http://schemas.microsoft.com/office/drawing/2014/main" id="{4A7687D8-74DA-F84A-D34F-6FF17B5D0A9E}"/>
+              </a:ext>
+            </a:extLst>
+          </p:cNvPr>
+          <p:cNvSpPr/>
+          <p:nvPr/>
+        </p:nvSpPr>
+        <p:spPr>
+          <a:xfrm>
+            <a:off x="0" y="0"/>
+            <a:ext cx="12192000" cy="6858000"/>
+          </a:xfrm>
+          <a:prstGeom prst="rect">
+            <a:avLst/>
+          </a:prstGeom>
+          <a:solidFill>
+            <a:srgbClr val="23242A"/>
+          </a:solidFill>
+          <a:ln>
+            <a:noFill/>
+          </a:ln>
+        </p:spPr>
+        <p:style>
+          <a:lnRef idx="2">
+            <a:schemeClr val="accent1">
+              <a:shade val="15000"/>
+            </a:schemeClr>
+          </a:lnRef>
+          <a:fillRef idx="1">
+            <a:schemeClr val="accent1"/>
+          </a:fillRef>
+          <a:effectRef idx="0">
+            <a:schemeClr val="accent1"/>
+          </a:effectRef>
+          <a:fontRef idx="minor">
+            <a:schemeClr val="lt1"/>
+          </a:fontRef>
+        </p:style>
+        <p:txBody>
+          <a:bodyPr rtlCol="0" anchor="ctr"/>
+          <a:lstStyle/>
+          <a:p>
+            <a:pPr algn="ctr"/>
+            <a:endParaRPr lang="zh-CN" altLang="en-US" dirty="0"/>
+          </a:p>
+        </p:txBody>
+      </p:sp>
+      <p:sp>
+        <p:nvSpPr>
+          <p:cNvPr id="4" name="Google Shape;867;p33">
+            <a:extLst>
+              <a:ext uri="{FF2B5EF4-FFF2-40B4-BE49-F238E27FC236}">
+                <a16:creationId xmlns:a16="http://schemas.microsoft.com/office/drawing/2014/main" id="{962D7E55-8960-88EA-FA32-53D63E7FBA6D}"/>
+              </a:ext>
+            </a:extLst>
+          </p:cNvPr>
+          <p:cNvSpPr txBox="1">
+            <a:spLocks/>
+          </p:cNvSpPr>
+          <p:nvPr/>
+        </p:nvSpPr>
+        <p:spPr>
+          <a:xfrm>
+            <a:off x="1557070" y="382508"/>
+            <a:ext cx="9077860" cy="1602400"/>
+          </a:xfrm>
+          <a:prstGeom prst="rect">
+            <a:avLst/>
+          </a:prstGeom>
+          <a:noFill/>
+          <a:ln>
+            <a:noFill/>
+          </a:ln>
+        </p:spPr>
+        <p:txBody>
+          <a:bodyPr spcFirstLastPara="1" wrap="square" lIns="91425" tIns="91425" rIns="91425" bIns="91425" anchor="b" anchorCtr="0">
+            <a:noAutofit/>
+          </a:bodyPr>
+          <a:lstStyle>
+            <a:defPPr marR="0" lvl="0" algn="l" rtl="0">
+              <a:lnSpc>
+                <a:spcPct val="100000"/>
+              </a:lnSpc>
+              <a:spcBef>
+                <a:spcPts val="0"/>
+              </a:spcBef>
+              <a:spcAft>
+                <a:spcPts val="0"/>
+              </a:spcAft>
+            </a:defPPr>
+            <a:lvl1pPr marR="0" lvl="0" algn="l" rtl="0">
+              <a:lnSpc>
+                <a:spcPct val="100000"/>
+              </a:lnSpc>
+              <a:spcBef>
+                <a:spcPts val="0"/>
+              </a:spcBef>
+              <a:spcAft>
+                <a:spcPts val="0"/>
+              </a:spcAft>
+              <a:buClr>
+                <a:schemeClr val="dk1"/>
+              </a:buClr>
+              <a:buSzPts val="3600"/>
+              <a:buFont typeface="Barlow"/>
+              <a:buNone/>
+              <a:defRPr sz="7200" b="1" i="0" u="none" strike="noStrike" cap="none">
+                <a:solidFill>
+                  <a:schemeClr val="dk1"/>
+                </a:solidFill>
+                <a:latin typeface="Barlow"/>
+                <a:ea typeface="Barlow"/>
+                <a:cs typeface="Barlow"/>
+                <a:sym typeface="Barlow"/>
+              </a:defRPr>
+            </a:lvl1pPr>
+            <a:lvl2pPr marR="0" lvl="1" algn="ctr" rtl="0">
+              <a:lnSpc>
+                <a:spcPct val="100000"/>
+              </a:lnSpc>
+              <a:spcBef>
+                <a:spcPts val="0"/>
+              </a:spcBef>
+              <a:spcAft>
+                <a:spcPts val="0"/>
+              </a:spcAft>
+              <a:buClr>
+                <a:schemeClr val="dk1"/>
+              </a:buClr>
+              <a:buSzPts val="3600"/>
+              <a:buFont typeface="Barlow"/>
+              <a:buNone/>
+              <a:defRPr sz="3600" b="1" i="0" u="none" strike="noStrike" cap="none">
+                <a:solidFill>
+                  <a:schemeClr val="dk1"/>
+                </a:solidFill>
+                <a:latin typeface="Barlow"/>
+                <a:ea typeface="Barlow"/>
+                <a:cs typeface="Barlow"/>
+                <a:sym typeface="Barlow"/>
+              </a:defRPr>
+            </a:lvl2pPr>
+            <a:lvl3pPr marR="0" lvl="2" algn="ctr" rtl="0">
+              <a:lnSpc>
+                <a:spcPct val="100000"/>
+              </a:lnSpc>
+              <a:spcBef>
+                <a:spcPts val="0"/>
+              </a:spcBef>
+              <a:spcAft>
+                <a:spcPts val="0"/>
+              </a:spcAft>
+              <a:buClr>
+                <a:schemeClr val="dk1"/>
+              </a:buClr>
+              <a:buSzPts val="3600"/>
+              <a:buFont typeface="Barlow"/>
+              <a:buNone/>
+              <a:defRPr sz="3600" b="1" i="0" u="none" strike="noStrike" cap="none">
+                <a:solidFill>
+                  <a:schemeClr val="dk1"/>
+                </a:solidFill>
+                <a:latin typeface="Barlow"/>
+                <a:ea typeface="Barlow"/>
+                <a:cs typeface="Barlow"/>
+                <a:sym typeface="Barlow"/>
+              </a:defRPr>
+            </a:lvl3pPr>
+            <a:lvl4pPr marR="0" lvl="3" algn="ctr" rtl="0">
+              <a:lnSpc>
+                <a:spcPct val="100000"/>
+              </a:lnSpc>
+              <a:spcBef>
+                <a:spcPts val="0"/>
+              </a:spcBef>
+              <a:spcAft>
+                <a:spcPts val="0"/>
+              </a:spcAft>
+              <a:buClr>
+                <a:schemeClr val="dk1"/>
+              </a:buClr>
+              <a:buSzPts val="3600"/>
+              <a:buFont typeface="Barlow"/>
+              <a:buNone/>
+              <a:defRPr sz="3600" b="1" i="0" u="none" strike="noStrike" cap="none">
+                <a:solidFill>
+                  <a:schemeClr val="dk1"/>
+                </a:solidFill>
+                <a:latin typeface="Barlow"/>
+                <a:ea typeface="Barlow"/>
+                <a:cs typeface="Barlow"/>
+                <a:sym typeface="Barlow"/>
+              </a:defRPr>
+            </a:lvl4pPr>
+            <a:lvl5pPr marR="0" lvl="4" algn="ctr" rtl="0">
+              <a:lnSpc>
+                <a:spcPct val="100000"/>
+              </a:lnSpc>
+              <a:spcBef>
+                <a:spcPts val="0"/>
+              </a:spcBef>
+              <a:spcAft>
+                <a:spcPts val="0"/>
+              </a:spcAft>
+              <a:buClr>
+                <a:schemeClr val="dk1"/>
+              </a:buClr>
+              <a:buSzPts val="3600"/>
+              <a:buFont typeface="Barlow"/>
+              <a:buNone/>
+              <a:defRPr sz="3600" b="1" i="0" u="none" strike="noStrike" cap="none">
+                <a:solidFill>
+                  <a:schemeClr val="dk1"/>
+                </a:solidFill>
+                <a:latin typeface="Barlow"/>
+                <a:ea typeface="Barlow"/>
+                <a:cs typeface="Barlow"/>
+                <a:sym typeface="Barlow"/>
+              </a:defRPr>
+            </a:lvl5pPr>
+            <a:lvl6pPr marR="0" lvl="5" algn="ctr" rtl="0">
+              <a:lnSpc>
+                <a:spcPct val="100000"/>
+              </a:lnSpc>
+              <a:spcBef>
+                <a:spcPts val="0"/>
+              </a:spcBef>
+              <a:spcAft>
+                <a:spcPts val="0"/>
+              </a:spcAft>
+              <a:buClr>
+                <a:schemeClr val="dk1"/>
+              </a:buClr>
+              <a:buSzPts val="3600"/>
+              <a:buFont typeface="Barlow"/>
+              <a:buNone/>
+              <a:defRPr sz="3600" b="1" i="0" u="none" strike="noStrike" cap="none">
+                <a:solidFill>
+                  <a:schemeClr val="dk1"/>
+                </a:solidFill>
+                <a:latin typeface="Barlow"/>
+                <a:ea typeface="Barlow"/>
+                <a:cs typeface="Barlow"/>
+                <a:sym typeface="Barlow"/>
+              </a:defRPr>
+            </a:lvl6pPr>
+            <a:lvl7pPr marR="0" lvl="6" algn="ctr" rtl="0">
+              <a:lnSpc>
+                <a:spcPct val="100000"/>
+              </a:lnSpc>
+              <a:spcBef>
+                <a:spcPts val="0"/>
+              </a:spcBef>
+              <a:spcAft>
+                <a:spcPts val="0"/>
+              </a:spcAft>
+              <a:buClr>
+                <a:schemeClr val="dk1"/>
+              </a:buClr>
+              <a:buSzPts val="3600"/>
+              <a:buFont typeface="Barlow"/>
+              <a:buNone/>
+              <a:defRPr sz="3600" b="1" i="0" u="none" strike="noStrike" cap="none">
+                <a:solidFill>
+                  <a:schemeClr val="dk1"/>
+                </a:solidFill>
+                <a:latin typeface="Barlow"/>
+                <a:ea typeface="Barlow"/>
+                <a:cs typeface="Barlow"/>
+                <a:sym typeface="Barlow"/>
+              </a:defRPr>
+            </a:lvl7pPr>
+            <a:lvl8pPr marR="0" lvl="7" algn="ctr" rtl="0">
+              <a:lnSpc>
+                <a:spcPct val="100000"/>
+              </a:lnSpc>
+              <a:spcBef>
+                <a:spcPts val="0"/>
+              </a:spcBef>
+              <a:spcAft>
+                <a:spcPts val="0"/>
+              </a:spcAft>
+              <a:buClr>
+                <a:schemeClr val="dk1"/>
+              </a:buClr>
+              <a:buSzPts val="3600"/>
+              <a:buFont typeface="Barlow"/>
+              <a:buNone/>
+              <a:defRPr sz="3600" b="1" i="0" u="none" strike="noStrike" cap="none">
+                <a:solidFill>
+                  <a:schemeClr val="dk1"/>
+                </a:solidFill>
+                <a:latin typeface="Barlow"/>
+                <a:ea typeface="Barlow"/>
+                <a:cs typeface="Barlow"/>
+                <a:sym typeface="Barlow"/>
+              </a:defRPr>
+            </a:lvl8pPr>
+            <a:lvl9pPr marR="0" lvl="8" algn="ctr" rtl="0">
+              <a:lnSpc>
+                <a:spcPct val="100000"/>
+              </a:lnSpc>
+              <a:spcBef>
+                <a:spcPts val="0"/>
+              </a:spcBef>
+              <a:spcAft>
+                <a:spcPts val="0"/>
+              </a:spcAft>
+              <a:buClr>
+                <a:schemeClr val="dk1"/>
+              </a:buClr>
+              <a:buSzPts val="3600"/>
+              <a:buFont typeface="Barlow"/>
+              <a:buNone/>
+              <a:defRPr sz="3600" b="1" i="0" u="none" strike="noStrike" cap="none">
+                <a:solidFill>
+                  <a:schemeClr val="dk1"/>
+                </a:solidFill>
+                <a:latin typeface="Barlow"/>
+                <a:ea typeface="Barlow"/>
+                <a:cs typeface="Barlow"/>
+                <a:sym typeface="Barlow"/>
+              </a:defRPr>
+            </a:lvl9pPr>
+          </a:lstStyle>
+          <a:p>
+            <a:pPr algn="ctr"/>
+            <a:r>
+              <a:rPr lang="en-US" altLang="zh-CN" sz="8000" spc="300" dirty="0">
+                <a:solidFill>
+                  <a:schemeClr val="accent4">
+                    <a:lumMod val="60000"/>
+                    <a:lumOff val="40000"/>
+                    <a:alpha val="60000"/>
+                  </a:schemeClr>
+                </a:solidFill>
+                <a:latin typeface="Amatic SC" panose="020F0502020204030204" pitchFamily="2" charset="-79"/>
+                <a:cs typeface="Amatic SC" panose="020F0502020204030204" pitchFamily="2" charset="-79"/>
+              </a:rPr>
+              <a:t>Exercises</a:t>
+            </a:r>
+          </a:p>
+        </p:txBody>
+      </p:sp>
+      <p:sp>
+        <p:nvSpPr>
+          <p:cNvPr id="2" name="TextBox 1">
+            <a:extLst>
+              <a:ext uri="{FF2B5EF4-FFF2-40B4-BE49-F238E27FC236}">
+                <a16:creationId xmlns:a16="http://schemas.microsoft.com/office/drawing/2014/main" id="{6EDAF4E1-4C12-63F0-60FE-1043F32FB6E8}"/>
+              </a:ext>
+            </a:extLst>
+          </p:cNvPr>
+          <p:cNvSpPr txBox="1"/>
+          <p:nvPr/>
+        </p:nvSpPr>
+        <p:spPr>
+          <a:xfrm>
+            <a:off x="1265150" y="2117180"/>
+            <a:ext cx="9727970" cy="1321580"/>
+          </a:xfrm>
+          <a:prstGeom prst="rect">
+            <a:avLst/>
+          </a:prstGeom>
+          <a:noFill/>
+        </p:spPr>
+        <p:txBody>
+          <a:bodyPr wrap="square" rtlCol="0">
+            <a:spAutoFit/>
+          </a:bodyPr>
+          <a:lstStyle/>
+          <a:p>
+            <a:pPr marL="571500" indent="-571500">
+              <a:lnSpc>
+                <a:spcPct val="150000"/>
+              </a:lnSpc>
+              <a:buFont typeface="Wingdings" panose="05000000000000000000" pitchFamily="2" charset="2"/>
+              <a:buChar char="p"/>
+            </a:pPr>
+            <a:r>
+              <a:rPr lang="en-US" altLang="zh-CN" sz="2800" dirty="0">
+                <a:solidFill>
+                  <a:schemeClr val="bg1">
+                    <a:lumMod val="75000"/>
+                  </a:schemeClr>
+                </a:solidFill>
+                <a:latin typeface="High Tower Text" panose="02040502050506030303" pitchFamily="18" charset="0"/>
+              </a:rPr>
+              <a:t>How can you make the ghost fade out/in faster/slower?</a:t>
+            </a:r>
+          </a:p>
+          <a:p>
+            <a:pPr marL="571500" indent="-571500">
+              <a:lnSpc>
+                <a:spcPct val="150000"/>
+              </a:lnSpc>
+              <a:buFont typeface="Wingdings" panose="05000000000000000000" pitchFamily="2" charset="2"/>
+              <a:buChar char="p"/>
+            </a:pPr>
+            <a:r>
+              <a:rPr lang="en-US" altLang="zh-CN" sz="2800" dirty="0">
+                <a:solidFill>
+                  <a:schemeClr val="bg1">
+                    <a:lumMod val="75000"/>
+                  </a:schemeClr>
+                </a:solidFill>
+                <a:latin typeface="High Tower Text" panose="02040502050506030303" pitchFamily="18" charset="0"/>
+              </a:rPr>
+              <a:t>Explore with other graphic effects and see what each one</a:t>
+            </a:r>
+            <a:endParaRPr lang="zh-CN" altLang="en-US" sz="2800" dirty="0">
+              <a:solidFill>
+                <a:schemeClr val="bg1">
+                  <a:lumMod val="75000"/>
+                </a:schemeClr>
+              </a:solidFill>
+              <a:latin typeface="High Tower Text" panose="02040502050506030303" pitchFamily="18" charset="0"/>
+            </a:endParaRPr>
+          </a:p>
+        </p:txBody>
+      </p:sp>
+    </p:spTree>
+    <p:extLst>
+      <p:ext uri="{BB962C8B-B14F-4D97-AF65-F5344CB8AC3E}">
+        <p14:creationId xmlns:p14="http://schemas.microsoft.com/office/powerpoint/2010/main" val="8421016"/>
+      </p:ext>
+    </p:extLst>
+  </p:cSld>
+  <p:clrMapOvr>
+    <a:masterClrMapping/>
+  </p:clrMapOvr>
+</p:sld>
+</file>
+
+<file path=ppt/slides/slide42.xml><?xml version="1.0" encoding="utf-8"?>
+<p:sld xmlns:a="http://schemas.openxmlformats.org/drawingml/2006/main" xmlns:r="http://schemas.openxmlformats.org/officeDocument/2006/relationships" xmlns:p="http://schemas.openxmlformats.org/presentationml/2006/main">
+  <p:cSld>
+    <p:spTree>
+      <p:nvGrpSpPr>
+        <p:cNvPr id="1" name=""/>
+        <p:cNvGrpSpPr/>
+        <p:nvPr/>
+      </p:nvGrpSpPr>
+      <p:grpSpPr>
+        <a:xfrm>
+          <a:off x="0" y="0"/>
+          <a:ext cx="0" cy="0"/>
+          <a:chOff x="0" y="0"/>
+          <a:chExt cx="0" cy="0"/>
+        </a:xfrm>
+      </p:grpSpPr>
+      <p:sp>
+        <p:nvSpPr>
+          <p:cNvPr id="6" name="Rectangle 5">
+            <a:extLst>
+              <a:ext uri="{FF2B5EF4-FFF2-40B4-BE49-F238E27FC236}">
+                <a16:creationId xmlns:a16="http://schemas.microsoft.com/office/drawing/2014/main" id="{7BC4EB1B-EA6B-DFE4-AF3B-05D0EB253209}"/>
+              </a:ext>
+            </a:extLst>
+          </p:cNvPr>
+          <p:cNvSpPr/>
+          <p:nvPr/>
+        </p:nvSpPr>
+        <p:spPr>
+          <a:xfrm>
+            <a:off x="0" y="0"/>
+            <a:ext cx="12192000" cy="6858000"/>
+          </a:xfrm>
+          <a:prstGeom prst="rect">
+            <a:avLst/>
+          </a:prstGeom>
+          <a:solidFill>
+            <a:srgbClr val="23242A"/>
+          </a:solidFill>
+          <a:ln>
+            <a:noFill/>
+          </a:ln>
+        </p:spPr>
+        <p:style>
+          <a:lnRef idx="2">
+            <a:schemeClr val="accent1">
+              <a:shade val="15000"/>
+            </a:schemeClr>
+          </a:lnRef>
+          <a:fillRef idx="1">
+            <a:schemeClr val="accent1"/>
+          </a:fillRef>
+          <a:effectRef idx="0">
+            <a:schemeClr val="accent1"/>
+          </a:effectRef>
+          <a:fontRef idx="minor">
+            <a:schemeClr val="lt1"/>
+          </a:fontRef>
+        </p:style>
+        <p:txBody>
+          <a:bodyPr rtlCol="0" anchor="ctr"/>
+          <a:lstStyle/>
+          <a:p>
+            <a:pPr algn="ctr"/>
+            <a:endParaRPr lang="zh-CN" altLang="en-US" dirty="0"/>
+          </a:p>
+        </p:txBody>
+      </p:sp>
+      <p:sp>
+        <p:nvSpPr>
+          <p:cNvPr id="2" name="Slide Number Placeholder 1">
+            <a:extLst>
+              <a:ext uri="{FF2B5EF4-FFF2-40B4-BE49-F238E27FC236}">
+                <a16:creationId xmlns:a16="http://schemas.microsoft.com/office/drawing/2014/main" id="{C53E70DF-9B91-8A92-BF94-1399BB9FFE34}"/>
+              </a:ext>
+            </a:extLst>
+          </p:cNvPr>
+          <p:cNvSpPr>
+            <a:spLocks noGrp="1"/>
+          </p:cNvSpPr>
+          <p:nvPr>
+            <p:ph type="sldNum" sz="quarter" idx="12"/>
+          </p:nvPr>
+        </p:nvSpPr>
+        <p:spPr>
+          <a:xfrm>
+            <a:off x="9057739" y="6259509"/>
+            <a:ext cx="2743200" cy="365125"/>
+          </a:xfrm>
+        </p:spPr>
+        <p:txBody>
+          <a:bodyPr/>
+          <a:lstStyle/>
+          <a:p>
+            <a:fld id="{9B1EC109-1E15-4BCA-93B5-56442BB3443E}" type="slidenum">
+              <a:rPr lang="zh-CN" altLang="en-US" sz="2400" b="1" smtClean="0">
+                <a:solidFill>
+                  <a:schemeClr val="bg1">
+                    <a:lumMod val="65000"/>
+                  </a:schemeClr>
+                </a:solidFill>
+                <a:latin typeface="Bradley Hand ITC" panose="03070402050302030203" pitchFamily="66" charset="0"/>
+              </a:rPr>
+              <a:t>42</a:t>
+            </a:fld>
+            <a:endParaRPr lang="zh-CN" altLang="en-US" sz="2400" b="1" dirty="0">
+              <a:solidFill>
+                <a:schemeClr val="bg1">
+                  <a:lumMod val="65000"/>
+                </a:schemeClr>
+              </a:solidFill>
+              <a:latin typeface="Bradley Hand ITC" panose="03070402050302030203" pitchFamily="66" charset="0"/>
+            </a:endParaRPr>
+          </a:p>
+        </p:txBody>
+      </p:sp>
+      <p:sp>
+        <p:nvSpPr>
+          <p:cNvPr id="4" name="Google Shape;867;p33">
+            <a:extLst>
+              <a:ext uri="{FF2B5EF4-FFF2-40B4-BE49-F238E27FC236}">
+                <a16:creationId xmlns:a16="http://schemas.microsoft.com/office/drawing/2014/main" id="{24BC39E7-8798-676F-63C1-093D28359AFA}"/>
+              </a:ext>
+            </a:extLst>
+          </p:cNvPr>
+          <p:cNvSpPr txBox="1">
+            <a:spLocks/>
+          </p:cNvSpPr>
+          <p:nvPr/>
+        </p:nvSpPr>
+        <p:spPr>
+          <a:xfrm>
+            <a:off x="2222600" y="2778760"/>
+            <a:ext cx="7746800" cy="1602400"/>
+          </a:xfrm>
+          <a:prstGeom prst="rect">
+            <a:avLst/>
+          </a:prstGeom>
+          <a:noFill/>
+          <a:ln>
+            <a:noFill/>
+          </a:ln>
+        </p:spPr>
+        <p:txBody>
+          <a:bodyPr spcFirstLastPara="1" wrap="square" lIns="91425" tIns="91425" rIns="91425" bIns="91425" anchor="b" anchorCtr="0">
+            <a:noAutofit/>
+          </a:bodyPr>
+          <a:lstStyle>
+            <a:defPPr marR="0" lvl="0" algn="l" rtl="0">
+              <a:lnSpc>
+                <a:spcPct val="100000"/>
+              </a:lnSpc>
+              <a:spcBef>
+                <a:spcPts val="0"/>
+              </a:spcBef>
+              <a:spcAft>
+                <a:spcPts val="0"/>
+              </a:spcAft>
+            </a:defPPr>
+            <a:lvl1pPr marR="0" lvl="0" algn="l" rtl="0">
+              <a:lnSpc>
+                <a:spcPct val="100000"/>
+              </a:lnSpc>
+              <a:spcBef>
+                <a:spcPts val="0"/>
+              </a:spcBef>
+              <a:spcAft>
+                <a:spcPts val="0"/>
+              </a:spcAft>
+              <a:buClr>
+                <a:schemeClr val="dk1"/>
+              </a:buClr>
+              <a:buSzPts val="3600"/>
+              <a:buFont typeface="Barlow"/>
+              <a:buNone/>
+              <a:defRPr sz="7200" b="1" i="0" u="none" strike="noStrike" cap="none">
+                <a:solidFill>
+                  <a:schemeClr val="dk1"/>
+                </a:solidFill>
+                <a:latin typeface="Barlow"/>
+                <a:ea typeface="Barlow"/>
+                <a:cs typeface="Barlow"/>
+                <a:sym typeface="Barlow"/>
+              </a:defRPr>
+            </a:lvl1pPr>
+            <a:lvl2pPr marR="0" lvl="1" algn="ctr" rtl="0">
+              <a:lnSpc>
+                <a:spcPct val="100000"/>
+              </a:lnSpc>
+              <a:spcBef>
+                <a:spcPts val="0"/>
+              </a:spcBef>
+              <a:spcAft>
+                <a:spcPts val="0"/>
+              </a:spcAft>
+              <a:buClr>
+                <a:schemeClr val="dk1"/>
+              </a:buClr>
+              <a:buSzPts val="3600"/>
+              <a:buFont typeface="Barlow"/>
+              <a:buNone/>
+              <a:defRPr sz="3600" b="1" i="0" u="none" strike="noStrike" cap="none">
+                <a:solidFill>
+                  <a:schemeClr val="dk1"/>
+                </a:solidFill>
+                <a:latin typeface="Barlow"/>
+                <a:ea typeface="Barlow"/>
+                <a:cs typeface="Barlow"/>
+                <a:sym typeface="Barlow"/>
+              </a:defRPr>
+            </a:lvl2pPr>
+            <a:lvl3pPr marR="0" lvl="2" algn="ctr" rtl="0">
+              <a:lnSpc>
+                <a:spcPct val="100000"/>
+              </a:lnSpc>
+              <a:spcBef>
+                <a:spcPts val="0"/>
+              </a:spcBef>
+              <a:spcAft>
+                <a:spcPts val="0"/>
+              </a:spcAft>
+              <a:buClr>
+                <a:schemeClr val="dk1"/>
+              </a:buClr>
+              <a:buSzPts val="3600"/>
+              <a:buFont typeface="Barlow"/>
+              <a:buNone/>
+              <a:defRPr sz="3600" b="1" i="0" u="none" strike="noStrike" cap="none">
+                <a:solidFill>
+                  <a:schemeClr val="dk1"/>
+                </a:solidFill>
+                <a:latin typeface="Barlow"/>
+                <a:ea typeface="Barlow"/>
+                <a:cs typeface="Barlow"/>
+                <a:sym typeface="Barlow"/>
+              </a:defRPr>
+            </a:lvl3pPr>
+            <a:lvl4pPr marR="0" lvl="3" algn="ctr" rtl="0">
+              <a:lnSpc>
+                <a:spcPct val="100000"/>
+              </a:lnSpc>
+              <a:spcBef>
+                <a:spcPts val="0"/>
+              </a:spcBef>
+              <a:spcAft>
+                <a:spcPts val="0"/>
+              </a:spcAft>
+              <a:buClr>
+                <a:schemeClr val="dk1"/>
+              </a:buClr>
+              <a:buSzPts val="3600"/>
+              <a:buFont typeface="Barlow"/>
+              <a:buNone/>
+              <a:defRPr sz="3600" b="1" i="0" u="none" strike="noStrike" cap="none">
+                <a:solidFill>
+                  <a:schemeClr val="dk1"/>
+                </a:solidFill>
+                <a:latin typeface="Barlow"/>
+                <a:ea typeface="Barlow"/>
+                <a:cs typeface="Barlow"/>
+                <a:sym typeface="Barlow"/>
+              </a:defRPr>
+            </a:lvl4pPr>
+            <a:lvl5pPr marR="0" lvl="4" algn="ctr" rtl="0">
+              <a:lnSpc>
+                <a:spcPct val="100000"/>
+              </a:lnSpc>
+              <a:spcBef>
+                <a:spcPts val="0"/>
+              </a:spcBef>
+              <a:spcAft>
+                <a:spcPts val="0"/>
+              </a:spcAft>
+              <a:buClr>
+                <a:schemeClr val="dk1"/>
+              </a:buClr>
+              <a:buSzPts val="3600"/>
+              <a:buFont typeface="Barlow"/>
+              <a:buNone/>
+              <a:defRPr sz="3600" b="1" i="0" u="none" strike="noStrike" cap="none">
+                <a:solidFill>
+                  <a:schemeClr val="dk1"/>
+                </a:solidFill>
+                <a:latin typeface="Barlow"/>
+                <a:ea typeface="Barlow"/>
+                <a:cs typeface="Barlow"/>
+                <a:sym typeface="Barlow"/>
+              </a:defRPr>
+            </a:lvl5pPr>
+            <a:lvl6pPr marR="0" lvl="5" algn="ctr" rtl="0">
+              <a:lnSpc>
+                <a:spcPct val="100000"/>
+              </a:lnSpc>
+              <a:spcBef>
+                <a:spcPts val="0"/>
+              </a:spcBef>
+              <a:spcAft>
+                <a:spcPts val="0"/>
+              </a:spcAft>
+              <a:buClr>
+                <a:schemeClr val="dk1"/>
+              </a:buClr>
+              <a:buSzPts val="3600"/>
+              <a:buFont typeface="Barlow"/>
+              <a:buNone/>
+              <a:defRPr sz="3600" b="1" i="0" u="none" strike="noStrike" cap="none">
+                <a:solidFill>
+                  <a:schemeClr val="dk1"/>
+                </a:solidFill>
+                <a:latin typeface="Barlow"/>
+                <a:ea typeface="Barlow"/>
+                <a:cs typeface="Barlow"/>
+                <a:sym typeface="Barlow"/>
+              </a:defRPr>
+            </a:lvl6pPr>
+            <a:lvl7pPr marR="0" lvl="6" algn="ctr" rtl="0">
+              <a:lnSpc>
+                <a:spcPct val="100000"/>
+              </a:lnSpc>
+              <a:spcBef>
+                <a:spcPts val="0"/>
+              </a:spcBef>
+              <a:spcAft>
+                <a:spcPts val="0"/>
+              </a:spcAft>
+              <a:buClr>
+                <a:schemeClr val="dk1"/>
+              </a:buClr>
+              <a:buSzPts val="3600"/>
+              <a:buFont typeface="Barlow"/>
+              <a:buNone/>
+              <a:defRPr sz="3600" b="1" i="0" u="none" strike="noStrike" cap="none">
+                <a:solidFill>
+                  <a:schemeClr val="dk1"/>
+                </a:solidFill>
+                <a:latin typeface="Barlow"/>
+                <a:ea typeface="Barlow"/>
+                <a:cs typeface="Barlow"/>
+                <a:sym typeface="Barlow"/>
+              </a:defRPr>
+            </a:lvl7pPr>
+            <a:lvl8pPr marR="0" lvl="7" algn="ctr" rtl="0">
+              <a:lnSpc>
+                <a:spcPct val="100000"/>
+              </a:lnSpc>
+              <a:spcBef>
+                <a:spcPts val="0"/>
+              </a:spcBef>
+              <a:spcAft>
+                <a:spcPts val="0"/>
+              </a:spcAft>
+              <a:buClr>
+                <a:schemeClr val="dk1"/>
+              </a:buClr>
+              <a:buSzPts val="3600"/>
+              <a:buFont typeface="Barlow"/>
+              <a:buNone/>
+              <a:defRPr sz="3600" b="1" i="0" u="none" strike="noStrike" cap="none">
+                <a:solidFill>
+                  <a:schemeClr val="dk1"/>
+                </a:solidFill>
+                <a:latin typeface="Barlow"/>
+                <a:ea typeface="Barlow"/>
+                <a:cs typeface="Barlow"/>
+                <a:sym typeface="Barlow"/>
+              </a:defRPr>
+            </a:lvl8pPr>
+            <a:lvl9pPr marR="0" lvl="8" algn="ctr" rtl="0">
+              <a:lnSpc>
+                <a:spcPct val="100000"/>
+              </a:lnSpc>
+              <a:spcBef>
+                <a:spcPts val="0"/>
+              </a:spcBef>
+              <a:spcAft>
+                <a:spcPts val="0"/>
+              </a:spcAft>
+              <a:buClr>
+                <a:schemeClr val="dk1"/>
+              </a:buClr>
+              <a:buSzPts val="3600"/>
+              <a:buFont typeface="Barlow"/>
+              <a:buNone/>
+              <a:defRPr sz="3600" b="1" i="0" u="none" strike="noStrike" cap="none">
+                <a:solidFill>
+                  <a:schemeClr val="dk1"/>
+                </a:solidFill>
+                <a:latin typeface="Barlow"/>
+                <a:ea typeface="Barlow"/>
+                <a:cs typeface="Barlow"/>
+                <a:sym typeface="Barlow"/>
+              </a:defRPr>
+            </a:lvl9pPr>
+          </a:lstStyle>
+          <a:p>
+            <a:pPr algn="ctr"/>
+            <a:r>
+              <a:rPr lang="en-US" altLang="zh-CN" sz="8000" spc="300" dirty="0">
+                <a:solidFill>
+                  <a:schemeClr val="accent4">
+                    <a:lumMod val="60000"/>
+                    <a:lumOff val="40000"/>
+                    <a:alpha val="60000"/>
+                  </a:schemeClr>
+                </a:solidFill>
+                <a:latin typeface="Amatic SC" panose="020F0502020204030204" pitchFamily="2" charset="-79"/>
+                <a:cs typeface="Amatic SC" panose="020F0502020204030204" pitchFamily="2" charset="-79"/>
+              </a:rPr>
+              <a:t>Thank you and see you in the next lesson!</a:t>
+            </a:r>
+          </a:p>
+        </p:txBody>
+      </p:sp>
+    </p:spTree>
+    <p:extLst>
+      <p:ext uri="{BB962C8B-B14F-4D97-AF65-F5344CB8AC3E}">
+        <p14:creationId xmlns:p14="http://schemas.microsoft.com/office/powerpoint/2010/main" val="394012090"/>
       </p:ext>
     </p:extLst>
   </p:cSld>
